--- a/20220725_simulation/Deformable Simulation.pptx
+++ b/20220725_simulation/Deformable Simulation.pptx
@@ -11,6 +11,7 @@
     <p:sldId id="259" r:id="rId5"/>
     <p:sldId id="260" r:id="rId6"/>
     <p:sldId id="261" r:id="rId7"/>
+    <p:sldId id="262" r:id="rId8"/>
   </p:sldIdLst>
   <p:sldSz cx="12192000" cy="6858000"/>
   <p:notesSz cx="6858000" cy="9144000"/>
@@ -3968,8 +3969,8 @@
           </a:p>
         </p:txBody>
       </p:sp>
-      <mc:AlternateContent xmlns:mc="http://schemas.openxmlformats.org/markup-compatibility/2006" xmlns:a14="http://schemas.microsoft.com/office/drawing/2010/main">
-        <mc:Choice Requires="a14">
+      <mc:AlternateContent xmlns:mc="http://schemas.openxmlformats.org/markup-compatibility/2006">
+        <mc:Choice xmlns:a14="http://schemas.microsoft.com/office/drawing/2010/main" Requires="a14">
           <p:sp>
             <p:nvSpPr>
               <p:cNvPr id="5" name="内容占位符 2">
@@ -4022,10 +4023,10 @@
                         </m:accPr>
                         <m:e>
                           <m:r>
-                            <a:rPr lang="en-US" altLang="zh-CN" b="0" i="1" smtClean="0">
-                              <a:latin typeface="Cambria Math" panose="02040503050406030204" pitchFamily="18" charset="0"/>
-                            </a:rPr>
-                            <m:t>𝑥</m:t>
+                            <a:rPr lang="en-US" altLang="zh-CN" b="1" i="1" smtClean="0">
+                              <a:latin typeface="Cambria Math" panose="02040503050406030204" pitchFamily="18" charset="0"/>
+                            </a:rPr>
+                            <m:t>𝒙</m:t>
                           </m:r>
                         </m:e>
                       </m:acc>
@@ -4048,10 +4049,10 @@
                         <m:t>(</m:t>
                       </m:r>
                       <m:r>
-                        <a:rPr lang="en-US" altLang="zh-CN" b="0" i="1" smtClean="0">
+                        <a:rPr lang="en-US" altLang="zh-CN" b="1" i="1" smtClean="0">
                           <a:latin typeface="Cambria Math" panose="02040503050406030204" pitchFamily="18" charset="0"/>
                         </a:rPr>
-                        <m:t>𝑥</m:t>
+                        <m:t>𝒙</m:t>
                       </m:r>
                       <m:r>
                         <a:rPr lang="en-US" altLang="zh-CN" b="0" i="1" smtClean="0">
@@ -4085,10 +4086,10 @@
                         </m:accPr>
                         <m:e>
                           <m:r>
-                            <a:rPr lang="en-US" altLang="zh-CN" b="0" i="1" smtClean="0">
-                              <a:latin typeface="Cambria Math" panose="02040503050406030204" pitchFamily="18" charset="0"/>
-                            </a:rPr>
-                            <m:t>𝑥</m:t>
+                            <a:rPr lang="en-US" altLang="zh-CN" b="1" i="1" smtClean="0">
+                              <a:latin typeface="Cambria Math" panose="02040503050406030204" pitchFamily="18" charset="0"/>
+                            </a:rPr>
+                            <m:t>𝒙</m:t>
                           </m:r>
                         </m:e>
                       </m:acc>
@@ -4099,10 +4100,10 @@
                         <m:t>=</m:t>
                       </m:r>
                       <m:r>
-                        <a:rPr lang="en-US" altLang="zh-CN" b="0" i="1" smtClean="0">
+                        <a:rPr lang="en-US" altLang="zh-CN" b="1" i="1" smtClean="0">
                           <a:latin typeface="Cambria Math" panose="02040503050406030204" pitchFamily="18" charset="0"/>
                         </a:rPr>
-                        <m:t>𝑣</m:t>
+                        <m:t>𝒗</m:t>
                       </m:r>
                       <m:r>
                         <a:rPr lang="en-US" altLang="zh-CN" b="0" i="1" smtClean="0">
@@ -4121,10 +4122,10 @@
                         </m:accPr>
                         <m:e>
                           <m:r>
-                            <a:rPr lang="en-US" altLang="zh-CN" b="0" i="1" smtClean="0">
-                              <a:latin typeface="Cambria Math" panose="02040503050406030204" pitchFamily="18" charset="0"/>
-                            </a:rPr>
-                            <m:t>𝑣</m:t>
+                            <a:rPr lang="en-US" altLang="zh-CN" b="1" i="1" smtClean="0">
+                              <a:latin typeface="Cambria Math" panose="02040503050406030204" pitchFamily="18" charset="0"/>
+                            </a:rPr>
+                            <m:t>𝒗</m:t>
                           </m:r>
                         </m:e>
                       </m:acc>
@@ -4135,10 +4136,10 @@
                         <m:t>=</m:t>
                       </m:r>
                       <m:r>
-                        <a:rPr lang="en-US" altLang="zh-CN" b="0" i="1" smtClean="0">
+                        <a:rPr lang="en-US" altLang="zh-CN" b="1" i="1" smtClean="0">
                           <a:latin typeface="Cambria Math" panose="02040503050406030204" pitchFamily="18" charset="0"/>
                         </a:rPr>
-                        <m:t>𝑎</m:t>
+                        <m:t>𝒂</m:t>
                       </m:r>
                       <m:r>
                         <a:rPr lang="en-US" altLang="zh-CN" b="0" i="1" smtClean="0">
@@ -4172,15 +4173,15 @@
                         </m:sup>
                       </m:sSup>
                       <m:r>
-                        <a:rPr lang="en-US" altLang="zh-CN" b="0" i="1" smtClean="0">
+                        <a:rPr lang="en-US" altLang="zh-CN" b="1" i="1" smtClean="0">
                           <a:latin typeface="Cambria Math" panose="02040503050406030204" pitchFamily="18" charset="0"/>
                         </a:rPr>
-                        <m:t>𝑓</m:t>
+                        <m:t>𝒇</m:t>
                       </m:r>
                     </m:oMath>
                   </m:oMathPara>
                 </a14:m>
-                <a:endParaRPr lang="en-US" altLang="zh-CN" dirty="0"/>
+                <a:endParaRPr lang="en-US" altLang="zh-CN" b="1" dirty="0"/>
               </a:p>
               <a:p>
                 <a:pPr marL="0" indent="0">
@@ -4199,10 +4200,10 @@
                     </m:oMathParaPr>
                     <m:oMath xmlns:m="http://schemas.openxmlformats.org/officeDocument/2006/math">
                       <m:r>
-                        <a:rPr lang="en-US" altLang="zh-CN" b="0" i="1" smtClean="0">
+                        <a:rPr lang="en-US" altLang="zh-CN" b="1" i="1" smtClean="0">
                           <a:latin typeface="Cambria Math" panose="02040503050406030204" pitchFamily="18" charset="0"/>
                         </a:rPr>
-                        <m:t>𝑥</m:t>
+                        <m:t>𝒙</m:t>
                       </m:r>
                       <m:d>
                         <m:dPr>
@@ -4259,10 +4260,10 @@
                         <m:t>=</m:t>
                       </m:r>
                       <m:r>
-                        <a:rPr lang="en-US" altLang="zh-CN" b="0" i="1" smtClean="0">
+                        <a:rPr lang="en-US" altLang="zh-CN" b="1" i="1" smtClean="0">
                           <a:latin typeface="Cambria Math" panose="02040503050406030204" pitchFamily="18" charset="0"/>
                         </a:rPr>
-                        <m:t>𝑥</m:t>
+                        <m:t>𝒙</m:t>
                       </m:r>
                       <m:d>
                         <m:dPr>
@@ -4335,10 +4336,10 @@
                         </m:sup>
                         <m:e>
                           <m:r>
-                            <a:rPr lang="en-US" altLang="zh-CN" b="0" i="1" smtClean="0">
-                              <a:latin typeface="Cambria Math" panose="02040503050406030204" pitchFamily="18" charset="0"/>
-                            </a:rPr>
-                            <m:t>𝑣</m:t>
+                            <a:rPr lang="en-US" altLang="zh-CN" b="1" i="1" smtClean="0">
+                              <a:latin typeface="Cambria Math" panose="02040503050406030204" pitchFamily="18" charset="0"/>
+                            </a:rPr>
+                            <m:t>𝒗</m:t>
                           </m:r>
                           <m:d>
                             <m:dPr>
@@ -4412,10 +4413,10 @@
                     </m:oMathParaPr>
                     <m:oMath xmlns:m="http://schemas.openxmlformats.org/officeDocument/2006/math">
                       <m:r>
-                        <a:rPr lang="en-US" altLang="zh-CN" b="0" i="1" smtClean="0">
+                        <a:rPr lang="en-US" altLang="zh-CN" b="1" i="1" smtClean="0">
                           <a:latin typeface="Cambria Math" panose="02040503050406030204" pitchFamily="18" charset="0"/>
                         </a:rPr>
-                        <m:t>𝑣</m:t>
+                        <m:t>𝒗</m:t>
                       </m:r>
                       <m:d>
                         <m:dPr>
@@ -4472,10 +4473,10 @@
                         <m:t>=</m:t>
                       </m:r>
                       <m:r>
-                        <a:rPr lang="en-US" altLang="zh-CN" b="0" i="1" smtClean="0">
+                        <a:rPr lang="en-US" altLang="zh-CN" b="1" i="1" smtClean="0">
                           <a:latin typeface="Cambria Math" panose="02040503050406030204" pitchFamily="18" charset="0"/>
                         </a:rPr>
-                        <m:t>𝑣</m:t>
+                        <m:t>𝒗</m:t>
                       </m:r>
                       <m:d>
                         <m:dPr>
@@ -4642,7 +4643,7 @@
             </p:txBody>
           </p:sp>
         </mc:Choice>
-        <mc:Fallback xmlns="">
+        <mc:Fallback>
           <p:sp>
             <p:nvSpPr>
               <p:cNvPr id="5" name="内容占位符 2">
@@ -4667,7 +4668,7 @@
               <a:blipFill>
                 <a:blip r:embed="rId2"/>
                 <a:stretch>
-                  <a:fillRect l="-290" t="-140"/>
+                  <a:fillRect l="-290" t="-280"/>
                 </a:stretch>
               </a:blipFill>
             </p:spPr>
@@ -5419,10 +5420,10 @@
                         </m:sSubPr>
                         <m:e>
                           <m:r>
-                            <a:rPr lang="en-US" altLang="zh-CN" sz="2400" b="0" i="1" smtClean="0">
-                              <a:latin typeface="Cambria Math" panose="02040503050406030204" pitchFamily="18" charset="0"/>
-                            </a:rPr>
-                            <m:t>𝑥</m:t>
+                            <a:rPr lang="en-US" altLang="zh-CN" sz="2400" b="1" i="1" smtClean="0">
+                              <a:latin typeface="Cambria Math" panose="02040503050406030204" pitchFamily="18" charset="0"/>
+                            </a:rPr>
+                            <m:t>𝒙</m:t>
                           </m:r>
                         </m:e>
                         <m:sub>
@@ -5447,10 +5448,10 @@
                         <m:t>=</m:t>
                       </m:r>
                       <m:r>
-                        <a:rPr lang="en-US" altLang="zh-CN" sz="2400" i="1">
+                        <a:rPr lang="en-US" altLang="zh-CN" sz="2400" b="1" i="1">
                           <a:latin typeface="Cambria Math" panose="02040503050406030204" pitchFamily="18" charset="0"/>
                         </a:rPr>
-                        <m:t>𝑥</m:t>
+                        <m:t>𝒙</m:t>
                       </m:r>
                       <m:d>
                         <m:dPr>
@@ -5523,10 +5524,10 @@
                         </m:sup>
                         <m:e>
                           <m:r>
-                            <a:rPr lang="en-US" altLang="zh-CN" sz="2400" i="1">
-                              <a:latin typeface="Cambria Math" panose="02040503050406030204" pitchFamily="18" charset="0"/>
-                            </a:rPr>
-                            <m:t>𝑣</m:t>
+                            <a:rPr lang="en-US" altLang="zh-CN" sz="2400" b="1" i="1">
+                              <a:latin typeface="Cambria Math" panose="02040503050406030204" pitchFamily="18" charset="0"/>
+                            </a:rPr>
+                            <m:t>𝒗</m:t>
                           </m:r>
                           <m:d>
                             <m:dPr>
@@ -5601,10 +5602,10 @@
                         </m:sSubPr>
                         <m:e>
                           <m:r>
-                            <a:rPr lang="en-US" altLang="zh-CN" sz="2400" b="0" i="1" smtClean="0">
-                              <a:latin typeface="Cambria Math" panose="02040503050406030204" pitchFamily="18" charset="0"/>
-                            </a:rPr>
-                            <m:t>𝑥</m:t>
+                            <a:rPr lang="en-US" altLang="zh-CN" sz="2400" b="1" i="1" smtClean="0">
+                              <a:latin typeface="Cambria Math" panose="02040503050406030204" pitchFamily="18" charset="0"/>
+                            </a:rPr>
+                            <m:t>𝒙</m:t>
                           </m:r>
                         </m:e>
                         <m:sub>
@@ -5638,10 +5639,10 @@
                         </m:sSubPr>
                         <m:e>
                           <m:r>
-                            <a:rPr lang="en-US" altLang="zh-CN" sz="2400" b="0" i="1" smtClean="0">
-                              <a:latin typeface="Cambria Math" panose="02040503050406030204" pitchFamily="18" charset="0"/>
-                            </a:rPr>
-                            <m:t>𝑣</m:t>
+                            <a:rPr lang="en-US" altLang="zh-CN" sz="2400" b="1" i="1" smtClean="0">
+                              <a:latin typeface="Cambria Math" panose="02040503050406030204" pitchFamily="18" charset="0"/>
+                            </a:rPr>
+                            <m:t>𝒗</m:t>
                           </m:r>
                         </m:e>
                         <m:sub>
@@ -5681,10 +5682,10 @@
                         </m:sSubPr>
                         <m:e>
                           <m:r>
-                            <a:rPr lang="en-US" altLang="zh-CN" sz="2400" b="0" i="1" smtClean="0">
-                              <a:latin typeface="Cambria Math" panose="02040503050406030204" pitchFamily="18" charset="0"/>
-                            </a:rPr>
-                            <m:t>𝑣</m:t>
+                            <a:rPr lang="en-US" altLang="zh-CN" sz="2400" b="1" i="1" smtClean="0">
+                              <a:latin typeface="Cambria Math" panose="02040503050406030204" pitchFamily="18" charset="0"/>
+                            </a:rPr>
+                            <m:t>𝒗</m:t>
                           </m:r>
                         </m:e>
                         <m:sub>
@@ -5709,10 +5710,10 @@
                         <m:t>=</m:t>
                       </m:r>
                       <m:r>
-                        <a:rPr lang="en-US" altLang="zh-CN" sz="2400" i="1">
+                        <a:rPr lang="en-US" altLang="zh-CN" sz="2400" b="1" i="1">
                           <a:latin typeface="Cambria Math" panose="02040503050406030204" pitchFamily="18" charset="0"/>
                         </a:rPr>
-                        <m:t>𝑣</m:t>
+                        <m:t>𝒗</m:t>
                       </m:r>
                       <m:d>
                         <m:dPr>
@@ -5887,10 +5888,10 @@
                         </m:sSubPr>
                         <m:e>
                           <m:r>
-                            <a:rPr lang="en-US" altLang="zh-CN" sz="2400" b="0" i="1" smtClean="0">
-                              <a:latin typeface="Cambria Math" panose="02040503050406030204" pitchFamily="18" charset="0"/>
-                            </a:rPr>
-                            <m:t>𝑣</m:t>
+                            <a:rPr lang="en-US" altLang="zh-CN" sz="2400" b="1" i="1" smtClean="0">
+                              <a:latin typeface="Cambria Math" panose="02040503050406030204" pitchFamily="18" charset="0"/>
+                            </a:rPr>
+                            <m:t>𝒗</m:t>
                           </m:r>
                         </m:e>
                         <m:sub>
@@ -5961,10 +5962,10 @@
                         </m:sSubPr>
                         <m:e>
                           <m:r>
-                            <a:rPr lang="en-US" altLang="zh-CN" sz="2400" b="0" i="1" smtClean="0">
-                              <a:latin typeface="Cambria Math" panose="02040503050406030204" pitchFamily="18" charset="0"/>
-                            </a:rPr>
-                            <m:t>𝑥</m:t>
+                            <a:rPr lang="en-US" altLang="zh-CN" sz="2400" b="1" i="1" smtClean="0">
+                              <a:latin typeface="Cambria Math" panose="02040503050406030204" pitchFamily="18" charset="0"/>
+                            </a:rPr>
+                            <m:t>𝒙</m:t>
                           </m:r>
                         </m:e>
                         <m:sub>
@@ -6052,10 +6053,10 @@
                         </m:sup>
                         <m:e>
                           <m:r>
-                            <a:rPr lang="en-US" altLang="zh-CN" sz="2400" i="1">
-                              <a:latin typeface="Cambria Math" panose="02040503050406030204" pitchFamily="18" charset="0"/>
-                            </a:rPr>
-                            <m:t>𝑣</m:t>
+                            <a:rPr lang="en-US" altLang="zh-CN" sz="2400" b="1" i="1">
+                              <a:latin typeface="Cambria Math" panose="02040503050406030204" pitchFamily="18" charset="0"/>
+                            </a:rPr>
+                            <m:t>𝒗</m:t>
                           </m:r>
                           <m:d>
                             <m:dPr>
@@ -6123,7 +6124,13 @@
                         <a:rPr lang="en-US" altLang="zh-CN" sz="2400" b="0" i="1" smtClean="0">
                           <a:latin typeface="Cambria Math" panose="02040503050406030204" pitchFamily="18" charset="0"/>
                         </a:rPr>
-                        <m:t>h𝑣</m:t>
+                        <m:t>h</m:t>
+                      </m:r>
+                      <m:r>
+                        <a:rPr lang="en-US" altLang="zh-CN" sz="2400" b="1" i="1" smtClean="0">
+                          <a:latin typeface="Cambria Math" panose="02040503050406030204" pitchFamily="18" charset="0"/>
+                        </a:rPr>
+                        <m:t>𝒗</m:t>
                       </m:r>
                       <m:d>
                         <m:dPr>
@@ -6227,10 +6234,10 @@
                         </m:sSupPr>
                         <m:e>
                           <m:r>
-                            <a:rPr lang="en-US" altLang="zh-CN" sz="2400" b="0" i="1" smtClean="0">
-                              <a:latin typeface="Cambria Math" panose="02040503050406030204" pitchFamily="18" charset="0"/>
-                            </a:rPr>
-                            <m:t>𝑣</m:t>
+                            <a:rPr lang="en-US" altLang="zh-CN" sz="2400" b="1" i="1" smtClean="0">
+                              <a:latin typeface="Cambria Math" panose="02040503050406030204" pitchFamily="18" charset="0"/>
+                            </a:rPr>
+                            <m:t>𝒗</m:t>
                           </m:r>
                         </m:e>
                         <m:sup>
@@ -6327,10 +6334,10 @@
                       </m:sSubPr>
                       <m:e>
                         <m:r>
-                          <a:rPr lang="en-US" altLang="zh-CN" sz="2400" b="0" i="1" smtClean="0">
+                          <a:rPr lang="en-US" altLang="zh-CN" sz="2400" b="1" i="1" smtClean="0">
                             <a:latin typeface="Cambria Math" panose="02040503050406030204" pitchFamily="18" charset="0"/>
                           </a:rPr>
-                          <m:t>𝑣</m:t>
+                          <m:t>𝒗</m:t>
                         </m:r>
                       </m:e>
                       <m:sub>
@@ -7948,7 +7955,7 @@
         </p:blipFill>
         <p:spPr>
           <a:xfrm>
-            <a:off x="7659379" y="2249329"/>
+            <a:off x="8122675" y="2249329"/>
             <a:ext cx="3694421" cy="2861169"/>
           </a:xfrm>
           <a:prstGeom prst="rect">
@@ -7982,7 +7989,7 @@
             </p:spPr>
             <p:txBody>
               <a:bodyPr>
-                <a:normAutofit/>
+                <a:normAutofit lnSpcReduction="10000"/>
               </a:bodyPr>
               <a:lstStyle/>
               <a:p>
@@ -8005,10 +8012,10 @@
                         </m:sSubPr>
                         <m:e>
                           <m:r>
-                            <a:rPr lang="en-US" altLang="zh-CN" sz="2400" b="0" i="1" smtClean="0">
-                              <a:latin typeface="Cambria Math" panose="02040503050406030204" pitchFamily="18" charset="0"/>
-                            </a:rPr>
-                            <m:t>𝑥</m:t>
+                            <a:rPr lang="en-US" altLang="zh-CN" sz="2400" b="1" i="1" smtClean="0">
+                              <a:latin typeface="Cambria Math" panose="02040503050406030204" pitchFamily="18" charset="0"/>
+                            </a:rPr>
+                            <m:t>𝒙</m:t>
                           </m:r>
                         </m:e>
                         <m:sub>
@@ -8027,16 +8034,16 @@
                         </m:sub>
                       </m:sSub>
                       <m:r>
-                        <a:rPr lang="en-US" altLang="zh-CN" sz="2400" i="1">
+                        <a:rPr lang="en-US" altLang="zh-CN" sz="2400" i="1" smtClean="0">
                           <a:latin typeface="Cambria Math" panose="02040503050406030204" pitchFamily="18" charset="0"/>
                         </a:rPr>
                         <m:t>=</m:t>
                       </m:r>
                       <m:r>
-                        <a:rPr lang="en-US" altLang="zh-CN" sz="2400" i="1">
+                        <a:rPr lang="en-US" altLang="zh-CN" sz="2400" b="1" i="1" smtClean="0">
                           <a:latin typeface="Cambria Math" panose="02040503050406030204" pitchFamily="18" charset="0"/>
                         </a:rPr>
-                        <m:t>𝑥</m:t>
+                        <m:t>𝒙</m:t>
                       </m:r>
                       <m:d>
                         <m:dPr>
@@ -8109,10 +8116,10 @@
                         </m:sup>
                         <m:e>
                           <m:r>
-                            <a:rPr lang="en-US" altLang="zh-CN" sz="2400" i="1">
-                              <a:latin typeface="Cambria Math" panose="02040503050406030204" pitchFamily="18" charset="0"/>
-                            </a:rPr>
-                            <m:t>𝑣</m:t>
+                            <a:rPr lang="en-US" altLang="zh-CN" sz="2400" b="1" i="1">
+                              <a:latin typeface="Cambria Math" panose="02040503050406030204" pitchFamily="18" charset="0"/>
+                            </a:rPr>
+                            <m:t>𝒗</m:t>
                           </m:r>
                           <m:d>
                             <m:dPr>
@@ -8187,10 +8194,10 @@
                         </m:sSubPr>
                         <m:e>
                           <m:r>
-                            <a:rPr lang="en-US" altLang="zh-CN" sz="2400" b="0" i="1" smtClean="0">
-                              <a:latin typeface="Cambria Math" panose="02040503050406030204" pitchFamily="18" charset="0"/>
-                            </a:rPr>
-                            <m:t>𝑥</m:t>
+                            <a:rPr lang="en-US" altLang="zh-CN" sz="2400" b="1" i="1" smtClean="0">
+                              <a:latin typeface="Cambria Math" panose="02040503050406030204" pitchFamily="18" charset="0"/>
+                            </a:rPr>
+                            <m:t>𝒙</m:t>
                           </m:r>
                         </m:e>
                         <m:sub>
@@ -8224,10 +8231,10 @@
                         </m:sSubPr>
                         <m:e>
                           <m:r>
-                            <a:rPr lang="en-US" altLang="zh-CN" sz="2400" b="0" i="1" smtClean="0">
-                              <a:latin typeface="Cambria Math" panose="02040503050406030204" pitchFamily="18" charset="0"/>
-                            </a:rPr>
-                            <m:t>𝑣</m:t>
+                            <a:rPr lang="en-US" altLang="zh-CN" sz="2400" b="1" i="1" smtClean="0">
+                              <a:latin typeface="Cambria Math" panose="02040503050406030204" pitchFamily="18" charset="0"/>
+                            </a:rPr>
+                            <m:t>𝒗</m:t>
                           </m:r>
                         </m:e>
                         <m:sub>
@@ -8276,10 +8283,10 @@
                         </m:sSubPr>
                         <m:e>
                           <m:r>
-                            <a:rPr lang="en-US" altLang="zh-CN" sz="2400" b="0" i="1" smtClean="0">
-                              <a:latin typeface="Cambria Math" panose="02040503050406030204" pitchFamily="18" charset="0"/>
-                            </a:rPr>
-                            <m:t>𝑣</m:t>
+                            <a:rPr lang="en-US" altLang="zh-CN" sz="2400" b="1" i="1" smtClean="0">
+                              <a:latin typeface="Cambria Math" panose="02040503050406030204" pitchFamily="18" charset="0"/>
+                            </a:rPr>
+                            <m:t>𝒗</m:t>
                           </m:r>
                         </m:e>
                         <m:sub>
@@ -8298,16 +8305,16 @@
                         </m:sub>
                       </m:sSub>
                       <m:r>
-                        <a:rPr lang="en-US" altLang="zh-CN" sz="2400" i="1">
+                        <a:rPr lang="en-US" altLang="zh-CN" sz="2400" i="1" smtClean="0">
                           <a:latin typeface="Cambria Math" panose="02040503050406030204" pitchFamily="18" charset="0"/>
                         </a:rPr>
                         <m:t>=</m:t>
                       </m:r>
                       <m:r>
-                        <a:rPr lang="en-US" altLang="zh-CN" sz="2400" i="1">
+                        <a:rPr lang="en-US" altLang="zh-CN" sz="2400" b="1" i="1" smtClean="0">
                           <a:latin typeface="Cambria Math" panose="02040503050406030204" pitchFamily="18" charset="0"/>
                         </a:rPr>
-                        <m:t>𝑣</m:t>
+                        <m:t>𝒗</m:t>
                       </m:r>
                       <m:d>
                         <m:dPr>
@@ -8466,6 +8473,13 @@
                           </m:r>
                         </m:e>
                       </m:nary>
+                      <m:r>
+                        <a:rPr lang="en-US" altLang="zh-CN" sz="2400" i="1" smtClean="0">
+                          <a:latin typeface="Cambria Math" panose="02040503050406030204" pitchFamily="18" charset="0"/>
+                          <a:ea typeface="Cambria Math" panose="02040503050406030204" pitchFamily="18" charset="0"/>
+                        </a:rPr>
+                        <m:t>≈</m:t>
+                      </m:r>
                       <m:sSub>
                         <m:sSubPr>
                           <m:ctrlPr>
@@ -8476,10 +8490,10 @@
                         </m:sSubPr>
                         <m:e>
                           <m:r>
-                            <a:rPr lang="en-US" altLang="zh-CN" sz="2400" b="0" i="1" smtClean="0">
-                              <a:latin typeface="Cambria Math" panose="02040503050406030204" pitchFamily="18" charset="0"/>
-                            </a:rPr>
-                            <m:t>𝑣</m:t>
+                            <a:rPr lang="en-US" altLang="zh-CN" sz="2400" b="1" i="1" smtClean="0">
+                              <a:latin typeface="Cambria Math" panose="02040503050406030204" pitchFamily="18" charset="0"/>
+                            </a:rPr>
+                            <m:t>𝒗</m:t>
                           </m:r>
                         </m:e>
                         <m:sub>
@@ -8550,10 +8564,10 @@
                         </m:sSubPr>
                         <m:e>
                           <m:r>
-                            <a:rPr lang="en-US" altLang="zh-CN" sz="2400" b="0" i="1" smtClean="0">
-                              <a:latin typeface="Cambria Math" panose="02040503050406030204" pitchFamily="18" charset="0"/>
-                            </a:rPr>
-                            <m:t>𝑥</m:t>
+                            <a:rPr lang="en-US" altLang="zh-CN" sz="2400" b="1" i="1" smtClean="0">
+                              <a:latin typeface="Cambria Math" panose="02040503050406030204" pitchFamily="18" charset="0"/>
+                            </a:rPr>
+                            <m:t>𝒙</m:t>
                           </m:r>
                         </m:e>
                         <m:sub>
@@ -8571,6 +8585,326 @@
                               <a:solidFill>
                                 <a:schemeClr val="accent6"/>
                               </a:solidFill>
+                              <a:latin typeface="Cambria Math" panose="02040503050406030204" pitchFamily="18" charset="0"/>
+                            </a:rPr>
+                            <m:t>+1</m:t>
+                          </m:r>
+                        </m:sub>
+                      </m:sSub>
+                      <m:r>
+                        <a:rPr lang="en-US" altLang="zh-CN" sz="2400" b="0" i="1" smtClean="0">
+                          <a:latin typeface="Cambria Math" panose="02040503050406030204" pitchFamily="18" charset="0"/>
+                        </a:rPr>
+                        <m:t>)</m:t>
+                      </m:r>
+                    </m:oMath>
+                  </m:oMathPara>
+                </a14:m>
+                <a:endParaRPr lang="en-US" altLang="zh-CN" sz="2400" dirty="0"/>
+              </a:p>
+              <a:p>
+                <a:pPr marL="0" indent="0">
+                  <a:buNone/>
+                </a:pPr>
+                <a14:m>
+                  <m:oMathPara xmlns:m="http://schemas.openxmlformats.org/officeDocument/2006/math">
+                    <m:oMathParaPr>
+                      <m:jc m:val="left"/>
+                    </m:oMathParaPr>
+                    <m:oMath xmlns:m="http://schemas.openxmlformats.org/officeDocument/2006/math">
+                      <m:r>
+                        <a:rPr lang="en-US" altLang="zh-CN" sz="2400" b="0" i="1" smtClean="0">
+                          <a:latin typeface="Cambria Math" panose="02040503050406030204" pitchFamily="18" charset="0"/>
+                        </a:rPr>
+                        <m:t>𝑔</m:t>
+                      </m:r>
+                      <m:d>
+                        <m:dPr>
+                          <m:ctrlPr>
+                            <a:rPr lang="en-US" altLang="zh-CN" sz="2400" b="0" i="1" smtClean="0">
+                              <a:latin typeface="Cambria Math" panose="02040503050406030204" pitchFamily="18" charset="0"/>
+                            </a:rPr>
+                          </m:ctrlPr>
+                        </m:dPr>
+                        <m:e>
+                          <m:r>
+                            <a:rPr lang="en-US" altLang="zh-CN" sz="2400" b="1" i="1" smtClean="0">
+                              <a:latin typeface="Cambria Math" panose="02040503050406030204" pitchFamily="18" charset="0"/>
+                            </a:rPr>
+                            <m:t>𝒙</m:t>
+                          </m:r>
+                        </m:e>
+                      </m:d>
+                      <m:r>
+                        <a:rPr lang="en-US" altLang="zh-CN" sz="2400" b="0" i="1" smtClean="0">
+                          <a:latin typeface="Cambria Math" panose="02040503050406030204" pitchFamily="18" charset="0"/>
+                        </a:rPr>
+                        <m:t>=</m:t>
+                      </m:r>
+                      <m:f>
+                        <m:fPr>
+                          <m:ctrlPr>
+                            <a:rPr lang="en-US" altLang="zh-CN" sz="2400" b="0" i="1" smtClean="0">
+                              <a:latin typeface="Cambria Math" panose="02040503050406030204" pitchFamily="18" charset="0"/>
+                            </a:rPr>
+                          </m:ctrlPr>
+                        </m:fPr>
+                        <m:num>
+                          <m:r>
+                            <a:rPr lang="en-US" altLang="zh-CN" sz="2400" b="0" i="1" smtClean="0">
+                              <a:latin typeface="Cambria Math" panose="02040503050406030204" pitchFamily="18" charset="0"/>
+                            </a:rPr>
+                            <m:t>1</m:t>
+                          </m:r>
+                        </m:num>
+                        <m:den>
+                          <m:r>
+                            <a:rPr lang="en-US" altLang="zh-CN" sz="2400" b="0" i="1" smtClean="0">
+                              <a:latin typeface="Cambria Math" panose="02040503050406030204" pitchFamily="18" charset="0"/>
+                            </a:rPr>
+                            <m:t>2</m:t>
+                          </m:r>
+                          <m:sSup>
+                            <m:sSupPr>
+                              <m:ctrlPr>
+                                <a:rPr lang="en-US" altLang="zh-CN" sz="2400" b="0" i="1" smtClean="0">
+                                  <a:latin typeface="Cambria Math" panose="02040503050406030204" pitchFamily="18" charset="0"/>
+                                </a:rPr>
+                              </m:ctrlPr>
+                            </m:sSupPr>
+                            <m:e>
+                              <m:r>
+                                <a:rPr lang="en-US" altLang="zh-CN" sz="2400" b="0" i="1" smtClean="0">
+                                  <a:latin typeface="Cambria Math" panose="02040503050406030204" pitchFamily="18" charset="0"/>
+                                </a:rPr>
+                                <m:t>h</m:t>
+                              </m:r>
+                            </m:e>
+                            <m:sup>
+                              <m:r>
+                                <a:rPr lang="en-US" altLang="zh-CN" sz="2400" b="0" i="1" smtClean="0">
+                                  <a:latin typeface="Cambria Math" panose="02040503050406030204" pitchFamily="18" charset="0"/>
+                                </a:rPr>
+                                <m:t>2</m:t>
+                              </m:r>
+                            </m:sup>
+                          </m:sSup>
+                        </m:den>
+                      </m:f>
+                      <m:sSup>
+                        <m:sSupPr>
+                          <m:ctrlPr>
+                            <a:rPr lang="en-US" altLang="zh-CN" sz="2400" b="0" i="1" smtClean="0">
+                              <a:latin typeface="Cambria Math" panose="02040503050406030204" pitchFamily="18" charset="0"/>
+                            </a:rPr>
+                          </m:ctrlPr>
+                        </m:sSupPr>
+                        <m:e>
+                          <m:d>
+                            <m:dPr>
+                              <m:ctrlPr>
+                                <a:rPr lang="en-US" altLang="zh-CN" sz="2400" b="0" i="1" smtClean="0">
+                                  <a:latin typeface="Cambria Math" panose="02040503050406030204" pitchFamily="18" charset="0"/>
+                                </a:rPr>
+                              </m:ctrlPr>
+                            </m:dPr>
+                            <m:e>
+                              <m:sSub>
+                                <m:sSubPr>
+                                  <m:ctrlPr>
+                                    <a:rPr lang="en-US" altLang="zh-CN" sz="2400" b="0" i="1" smtClean="0">
+                                      <a:latin typeface="Cambria Math" panose="02040503050406030204" pitchFamily="18" charset="0"/>
+                                    </a:rPr>
+                                  </m:ctrlPr>
+                                </m:sSubPr>
+                                <m:e>
+                                  <m:r>
+                                    <a:rPr lang="en-US" altLang="zh-CN" sz="2400" b="1" i="1" smtClean="0">
+                                      <a:latin typeface="Cambria Math" panose="02040503050406030204" pitchFamily="18" charset="0"/>
+                                    </a:rPr>
+                                    <m:t>𝒙</m:t>
+                                  </m:r>
+                                </m:e>
+                                <m:sub>
+                                  <m:r>
+                                    <a:rPr lang="en-US" altLang="zh-CN" sz="2400" b="0" i="1" smtClean="0">
+                                      <a:latin typeface="Cambria Math" panose="02040503050406030204" pitchFamily="18" charset="0"/>
+                                    </a:rPr>
+                                    <m:t>𝑛</m:t>
+                                  </m:r>
+                                  <m:r>
+                                    <a:rPr lang="en-US" altLang="zh-CN" sz="2400" b="0" i="1" smtClean="0">
+                                      <a:latin typeface="Cambria Math" panose="02040503050406030204" pitchFamily="18" charset="0"/>
+                                    </a:rPr>
+                                    <m:t>+1</m:t>
+                                  </m:r>
+                                </m:sub>
+                              </m:sSub>
+                              <m:r>
+                                <a:rPr lang="en-US" altLang="zh-CN" sz="2400" b="0" i="1" smtClean="0">
+                                  <a:latin typeface="Cambria Math" panose="02040503050406030204" pitchFamily="18" charset="0"/>
+                                </a:rPr>
+                                <m:t>−</m:t>
+                              </m:r>
+                              <m:sSub>
+                                <m:sSubPr>
+                                  <m:ctrlPr>
+                                    <a:rPr lang="en-US" altLang="zh-CN" sz="2400" b="0" i="1" smtClean="0">
+                                      <a:latin typeface="Cambria Math" panose="02040503050406030204" pitchFamily="18" charset="0"/>
+                                    </a:rPr>
+                                  </m:ctrlPr>
+                                </m:sSubPr>
+                                <m:e>
+                                  <m:r>
+                                    <a:rPr lang="en-US" altLang="zh-CN" sz="2400" b="1" i="1" smtClean="0">
+                                      <a:latin typeface="Cambria Math" panose="02040503050406030204" pitchFamily="18" charset="0"/>
+                                    </a:rPr>
+                                    <m:t>𝒚</m:t>
+                                  </m:r>
+                                </m:e>
+                                <m:sub>
+                                  <m:r>
+                                    <a:rPr lang="en-US" altLang="zh-CN" sz="2400" b="0" i="1" smtClean="0">
+                                      <a:latin typeface="Cambria Math" panose="02040503050406030204" pitchFamily="18" charset="0"/>
+                                    </a:rPr>
+                                    <m:t>𝑛</m:t>
+                                  </m:r>
+                                </m:sub>
+                              </m:sSub>
+                            </m:e>
+                          </m:d>
+                        </m:e>
+                        <m:sup>
+                          <m:r>
+                            <a:rPr lang="en-US" altLang="zh-CN" sz="2400" b="0" i="1" smtClean="0">
+                              <a:latin typeface="Cambria Math" panose="02040503050406030204" pitchFamily="18" charset="0"/>
+                            </a:rPr>
+                            <m:t>𝑇</m:t>
+                          </m:r>
+                        </m:sup>
+                      </m:sSup>
+                      <m:r>
+                        <a:rPr lang="en-US" altLang="zh-CN" sz="2400" b="0" i="1" smtClean="0">
+                          <a:latin typeface="Cambria Math" panose="02040503050406030204" pitchFamily="18" charset="0"/>
+                        </a:rPr>
+                        <m:t>𝑀</m:t>
+                      </m:r>
+                      <m:d>
+                        <m:dPr>
+                          <m:ctrlPr>
+                            <a:rPr lang="en-US" altLang="zh-CN" sz="2400" b="0" i="1" smtClean="0">
+                              <a:latin typeface="Cambria Math" panose="02040503050406030204" pitchFamily="18" charset="0"/>
+                            </a:rPr>
+                          </m:ctrlPr>
+                        </m:dPr>
+                        <m:e>
+                          <m:sSub>
+                            <m:sSubPr>
+                              <m:ctrlPr>
+                                <a:rPr lang="en-US" altLang="zh-CN" sz="2400" b="0" i="1" smtClean="0">
+                                  <a:latin typeface="Cambria Math" panose="02040503050406030204" pitchFamily="18" charset="0"/>
+                                </a:rPr>
+                              </m:ctrlPr>
+                            </m:sSubPr>
+                            <m:e>
+                              <m:r>
+                                <a:rPr lang="en-US" altLang="zh-CN" sz="2400" b="1" i="1" smtClean="0">
+                                  <a:latin typeface="Cambria Math" panose="02040503050406030204" pitchFamily="18" charset="0"/>
+                                </a:rPr>
+                                <m:t>𝒙</m:t>
+                              </m:r>
+                            </m:e>
+                            <m:sub>
+                              <m:r>
+                                <a:rPr lang="en-US" altLang="zh-CN" sz="2400" b="0" i="1" smtClean="0">
+                                  <a:latin typeface="Cambria Math" panose="02040503050406030204" pitchFamily="18" charset="0"/>
+                                </a:rPr>
+                                <m:t>𝑛</m:t>
+                              </m:r>
+                              <m:r>
+                                <a:rPr lang="en-US" altLang="zh-CN" sz="2400" b="0" i="1" smtClean="0">
+                                  <a:latin typeface="Cambria Math" panose="02040503050406030204" pitchFamily="18" charset="0"/>
+                                </a:rPr>
+                                <m:t>+1</m:t>
+                              </m:r>
+                            </m:sub>
+                          </m:sSub>
+                          <m:r>
+                            <a:rPr lang="en-US" altLang="zh-CN" sz="2400" b="0" i="1" smtClean="0">
+                              <a:latin typeface="Cambria Math" panose="02040503050406030204" pitchFamily="18" charset="0"/>
+                            </a:rPr>
+                            <m:t>−</m:t>
+                          </m:r>
+                          <m:sSub>
+                            <m:sSubPr>
+                              <m:ctrlPr>
+                                <a:rPr lang="en-US" altLang="zh-CN" sz="2400" b="0" i="1" smtClean="0">
+                                  <a:latin typeface="Cambria Math" panose="02040503050406030204" pitchFamily="18" charset="0"/>
+                                </a:rPr>
+                              </m:ctrlPr>
+                            </m:sSubPr>
+                            <m:e>
+                              <m:r>
+                                <a:rPr lang="en-US" altLang="zh-CN" sz="2400" b="1" i="1" smtClean="0">
+                                  <a:latin typeface="Cambria Math" panose="02040503050406030204" pitchFamily="18" charset="0"/>
+                                </a:rPr>
+                                <m:t>𝒚</m:t>
+                              </m:r>
+                            </m:e>
+                            <m:sub>
+                              <m:r>
+                                <a:rPr lang="en-US" altLang="zh-CN" sz="2400" b="0" i="1" smtClean="0">
+                                  <a:latin typeface="Cambria Math" panose="02040503050406030204" pitchFamily="18" charset="0"/>
+                                </a:rPr>
+                                <m:t>𝑛</m:t>
+                              </m:r>
+                            </m:sub>
+                          </m:sSub>
+                        </m:e>
+                      </m:d>
+                      <m:r>
+                        <a:rPr lang="en-US" altLang="zh-CN" sz="2400" b="0" i="1" smtClean="0">
+                          <a:latin typeface="Cambria Math" panose="02040503050406030204" pitchFamily="18" charset="0"/>
+                        </a:rPr>
+                        <m:t>+</m:t>
+                      </m:r>
+                      <m:r>
+                        <a:rPr lang="en-US" altLang="zh-CN" sz="2400" b="0" i="1" smtClean="0">
+                          <a:latin typeface="Cambria Math" panose="02040503050406030204" pitchFamily="18" charset="0"/>
+                        </a:rPr>
+                        <m:t>𝐸</m:t>
+                      </m:r>
+                      <m:r>
+                        <a:rPr lang="en-US" altLang="zh-CN" sz="2400" b="0" i="1" smtClean="0">
+                          <a:latin typeface="Cambria Math" panose="02040503050406030204" pitchFamily="18" charset="0"/>
+                        </a:rPr>
+                        <m:t>(</m:t>
+                      </m:r>
+                      <m:sSub>
+                        <m:sSubPr>
+                          <m:ctrlPr>
+                            <a:rPr lang="en-US" altLang="zh-CN" sz="2400" b="0" i="1" smtClean="0">
+                              <a:latin typeface="Cambria Math" panose="02040503050406030204" pitchFamily="18" charset="0"/>
+                            </a:rPr>
+                          </m:ctrlPr>
+                        </m:sSubPr>
+                        <m:e>
+                          <m:r>
+                            <a:rPr lang="en-US" altLang="zh-CN" sz="2400" b="1" i="1" smtClean="0">
+                              <a:latin typeface="Cambria Math" panose="02040503050406030204" pitchFamily="18" charset="0"/>
+                            </a:rPr>
+                            <m:t>𝒙</m:t>
+                          </m:r>
+                        </m:e>
+                        <m:sub>
+                          <m:r>
+                            <a:rPr lang="en-US" altLang="zh-CN" sz="2400" b="0" i="1" smtClean="0">
+                              <a:latin typeface="Cambria Math" panose="02040503050406030204" pitchFamily="18" charset="0"/>
+                            </a:rPr>
+                            <m:t>𝑛</m:t>
+                          </m:r>
+                          <m:r>
+                            <a:rPr lang="en-US" altLang="zh-CN" sz="2400" b="0" i="1" smtClean="0">
                               <a:latin typeface="Cambria Math" panose="02040503050406030204" pitchFamily="18" charset="0"/>
                             </a:rPr>
                             <m:t>+1</m:t>
@@ -8650,10 +8984,10 @@
                         </m:sup>
                         <m:e>
                           <m:r>
-                            <a:rPr lang="en-US" altLang="zh-CN" sz="2400" i="1">
-                              <a:latin typeface="Cambria Math" panose="02040503050406030204" pitchFamily="18" charset="0"/>
-                            </a:rPr>
-                            <m:t>𝑣</m:t>
+                            <a:rPr lang="en-US" altLang="zh-CN" sz="2400" b="1" i="1">
+                              <a:latin typeface="Cambria Math" panose="02040503050406030204" pitchFamily="18" charset="0"/>
+                            </a:rPr>
+                            <m:t>𝒗</m:t>
                           </m:r>
                           <m:d>
                             <m:dPr>
@@ -8721,7 +9055,13 @@
                         <a:rPr lang="en-US" altLang="zh-CN" sz="2400" b="0" i="1" smtClean="0">
                           <a:latin typeface="Cambria Math" panose="02040503050406030204" pitchFamily="18" charset="0"/>
                         </a:rPr>
-                        <m:t>h𝑣</m:t>
+                        <m:t>h</m:t>
+                      </m:r>
+                      <m:r>
+                        <a:rPr lang="en-US" altLang="zh-CN" sz="2400" b="1" i="1" smtClean="0">
+                          <a:latin typeface="Cambria Math" panose="02040503050406030204" pitchFamily="18" charset="0"/>
+                        </a:rPr>
+                        <m:t>𝒗</m:t>
                       </m:r>
                       <m:d>
                         <m:dPr>
@@ -8761,7 +9101,13 @@
                             <a:rPr lang="en-US" altLang="zh-CN" sz="2400" b="0" i="1" smtClean="0">
                               <a:latin typeface="Cambria Math" panose="02040503050406030204" pitchFamily="18" charset="0"/>
                             </a:rPr>
-                            <m:t>+0</m:t>
+                            <m:t>+</m:t>
+                          </m:r>
+                          <m:r>
+                            <a:rPr lang="en-US" altLang="zh-CN" sz="2400" b="0" i="1" smtClean="0">
+                              <a:latin typeface="Cambria Math" panose="02040503050406030204" pitchFamily="18" charset="0"/>
+                            </a:rPr>
+                            <m:t>h</m:t>
                           </m:r>
                         </m:e>
                       </m:d>
@@ -8769,7 +9115,7 @@
                         <a:rPr lang="en-US" altLang="zh-CN" sz="2400" b="0" i="1" smtClean="0">
                           <a:latin typeface="Cambria Math" panose="02040503050406030204" pitchFamily="18" charset="0"/>
                         </a:rPr>
-                        <m:t>+</m:t>
+                        <m:t>−</m:t>
                       </m:r>
                       <m:f>
                         <m:fPr>
@@ -8825,10 +9171,10 @@
                         </m:sSupPr>
                         <m:e>
                           <m:r>
-                            <a:rPr lang="en-US" altLang="zh-CN" sz="2400" b="0" i="1" smtClean="0">
-                              <a:latin typeface="Cambria Math" panose="02040503050406030204" pitchFamily="18" charset="0"/>
-                            </a:rPr>
-                            <m:t>𝑣</m:t>
+                            <a:rPr lang="en-US" altLang="zh-CN" sz="2400" b="1" i="1" smtClean="0">
+                              <a:latin typeface="Cambria Math" panose="02040503050406030204" pitchFamily="18" charset="0"/>
+                            </a:rPr>
+                            <m:t>𝒗</m:t>
                           </m:r>
                         </m:e>
                         <m:sup>
@@ -8878,7 +9224,13 @@
                             <a:rPr lang="en-US" altLang="zh-CN" sz="2400" b="0" i="1" smtClean="0">
                               <a:latin typeface="Cambria Math" panose="02040503050406030204" pitchFamily="18" charset="0"/>
                             </a:rPr>
-                            <m:t>+0</m:t>
+                            <m:t>+</m:t>
+                          </m:r>
+                          <m:r>
+                            <a:rPr lang="en-US" altLang="zh-CN" sz="2400" b="0" i="1" smtClean="0">
+                              <a:latin typeface="Cambria Math" panose="02040503050406030204" pitchFamily="18" charset="0"/>
+                            </a:rPr>
+                            <m:t>h</m:t>
                           </m:r>
                         </m:e>
                       </m:d>
@@ -8886,7 +9238,7 @@
                         <a:rPr lang="en-US" altLang="zh-CN" sz="2400" b="0" i="1" smtClean="0">
                           <a:latin typeface="Cambria Math" panose="02040503050406030204" pitchFamily="18" charset="0"/>
                         </a:rPr>
-                        <m:t>+…</m:t>
+                        <m:t>−…</m:t>
                       </m:r>
                     </m:oMath>
                   </m:oMathPara>
@@ -8925,10 +9277,10 @@
                       </m:sSubPr>
                       <m:e>
                         <m:r>
-                          <a:rPr lang="en-US" altLang="zh-CN" sz="2400" b="0" i="1" smtClean="0">
+                          <a:rPr lang="en-US" altLang="zh-CN" sz="2400" b="1" i="1" smtClean="0">
                             <a:latin typeface="Cambria Math" panose="02040503050406030204" pitchFamily="18" charset="0"/>
                           </a:rPr>
-                          <m:t>𝑣</m:t>
+                          <m:t>𝒗</m:t>
                         </m:r>
                       </m:e>
                       <m:sub>
@@ -8937,6 +9289,12 @@
                             <a:latin typeface="Cambria Math" panose="02040503050406030204" pitchFamily="18" charset="0"/>
                           </a:rPr>
                           <m:t>𝑛</m:t>
+                        </m:r>
+                        <m:r>
+                          <a:rPr lang="en-US" altLang="zh-CN" sz="2400" b="0" i="1" smtClean="0">
+                            <a:latin typeface="Cambria Math" panose="02040503050406030204" pitchFamily="18" charset="0"/>
+                          </a:rPr>
+                          <m:t>+1</m:t>
                         </m:r>
                       </m:sub>
                     </m:sSub>
@@ -9054,7 +9412,7 @@
         </p:nvCxnSpPr>
         <p:spPr>
           <a:xfrm>
-            <a:off x="8591549" y="3315335"/>
+            <a:off x="9054845" y="3315335"/>
             <a:ext cx="1895475" cy="0"/>
           </a:xfrm>
           <a:prstGeom prst="line">
@@ -9095,7 +9453,7 @@
         </p:nvCxnSpPr>
         <p:spPr>
           <a:xfrm>
-            <a:off x="8901112" y="3120073"/>
+            <a:off x="9364408" y="3120073"/>
             <a:ext cx="0" cy="1785302"/>
           </a:xfrm>
           <a:prstGeom prst="line">
@@ -9136,7 +9494,7 @@
         </p:nvCxnSpPr>
         <p:spPr>
           <a:xfrm>
-            <a:off x="10044112" y="3120073"/>
+            <a:off x="10507408" y="3120073"/>
             <a:ext cx="0" cy="1785302"/>
           </a:xfrm>
           <a:prstGeom prst="line">
@@ -9175,7 +9533,7 @@
         </p:nvCxnSpPr>
         <p:spPr>
           <a:xfrm>
-            <a:off x="8510587" y="4525010"/>
+            <a:off x="8973883" y="4525010"/>
             <a:ext cx="1895475" cy="0"/>
           </a:xfrm>
           <a:prstGeom prst="line">
@@ -9200,10 +9558,909 @@
           </a:fontRef>
         </p:style>
       </p:cxnSp>
+      <mc:AlternateContent xmlns:mc="http://schemas.openxmlformats.org/markup-compatibility/2006">
+        <mc:Choice xmlns:a14="http://schemas.microsoft.com/office/drawing/2010/main" Requires="a14">
+          <p:sp>
+            <p:nvSpPr>
+              <p:cNvPr id="3" name="文本框 2">
+                <a:extLst>
+                  <a:ext uri="{FF2B5EF4-FFF2-40B4-BE49-F238E27FC236}">
+                    <a16:creationId xmlns:a16="http://schemas.microsoft.com/office/drawing/2014/main" id="{7D20F6DA-BE10-4E37-8529-6415544ADEE2}"/>
+                  </a:ext>
+                </a:extLst>
+              </p:cNvPr>
+              <p:cNvSpPr txBox="1"/>
+              <p:nvPr/>
+            </p:nvSpPr>
+            <p:spPr>
+              <a:xfrm>
+                <a:off x="5743575" y="5807631"/>
+                <a:ext cx="2307042" cy="369332"/>
+              </a:xfrm>
+              <a:prstGeom prst="rect">
+                <a:avLst/>
+              </a:prstGeom>
+              <a:noFill/>
+            </p:spPr>
+            <p:txBody>
+              <a:bodyPr wrap="none" rtlCol="0">
+                <a:spAutoFit/>
+              </a:bodyPr>
+              <a:lstStyle/>
+              <a:p>
+                <a:r>
+                  <a:rPr lang="en-US" altLang="zh-CN" dirty="0">
+                    <a:solidFill>
+                      <a:schemeClr val="accent2"/>
+                    </a:solidFill>
+                  </a:rPr>
+                  <a:t>Expand where </a:t>
+                </a:r>
+                <a14:m>
+                  <m:oMath xmlns:m="http://schemas.openxmlformats.org/officeDocument/2006/math">
+                    <m:r>
+                      <m:rPr>
+                        <m:sty m:val="p"/>
+                      </m:rPr>
+                      <a:rPr lang="en-US" altLang="zh-CN" b="0" i="0" smtClean="0">
+                        <a:solidFill>
+                          <a:schemeClr val="accent2"/>
+                        </a:solidFill>
+                        <a:latin typeface="Cambria Math" panose="02040503050406030204" pitchFamily="18" charset="0"/>
+                      </a:rPr>
+                      <m:t>Δ</m:t>
+                    </m:r>
+                    <m:r>
+                      <a:rPr lang="en-US" altLang="zh-CN" b="0" i="1" smtClean="0">
+                        <a:solidFill>
+                          <a:schemeClr val="accent2"/>
+                        </a:solidFill>
+                        <a:latin typeface="Cambria Math" panose="02040503050406030204" pitchFamily="18" charset="0"/>
+                      </a:rPr>
+                      <m:t>𝑡</m:t>
+                    </m:r>
+                    <m:r>
+                      <a:rPr lang="en-US" altLang="zh-CN" b="0" i="1" smtClean="0">
+                        <a:solidFill>
+                          <a:schemeClr val="accent2"/>
+                        </a:solidFill>
+                        <a:latin typeface="Cambria Math" panose="02040503050406030204" pitchFamily="18" charset="0"/>
+                      </a:rPr>
+                      <m:t>=</m:t>
+                    </m:r>
+                    <m:r>
+                      <a:rPr lang="en-US" altLang="zh-CN" b="0" i="1" smtClean="0">
+                        <a:solidFill>
+                          <a:schemeClr val="accent2"/>
+                        </a:solidFill>
+                        <a:latin typeface="Cambria Math" panose="02040503050406030204" pitchFamily="18" charset="0"/>
+                      </a:rPr>
+                      <m:t>h</m:t>
+                    </m:r>
+                  </m:oMath>
+                </a14:m>
+                <a:endParaRPr lang="zh-CN" altLang="en-US" dirty="0">
+                  <a:solidFill>
+                    <a:schemeClr val="accent2"/>
+                  </a:solidFill>
+                </a:endParaRPr>
+              </a:p>
+            </p:txBody>
+          </p:sp>
+        </mc:Choice>
+        <mc:Fallback>
+          <p:sp>
+            <p:nvSpPr>
+              <p:cNvPr id="3" name="文本框 2">
+                <a:extLst>
+                  <a:ext uri="{FF2B5EF4-FFF2-40B4-BE49-F238E27FC236}">
+                    <a16:creationId xmlns:a16="http://schemas.microsoft.com/office/drawing/2014/main" id="{7D20F6DA-BE10-4E37-8529-6415544ADEE2}"/>
+                  </a:ext>
+                </a:extLst>
+              </p:cNvPr>
+              <p:cNvSpPr txBox="1">
+                <a:spLocks noRot="1" noChangeAspect="1" noMove="1" noResize="1" noEditPoints="1" noAdjustHandles="1" noChangeArrowheads="1" noChangeShapeType="1" noTextEdit="1"/>
+              </p:cNvSpPr>
+              <p:nvPr/>
+            </p:nvSpPr>
+            <p:spPr>
+              <a:xfrm>
+                <a:off x="5743575" y="5807631"/>
+                <a:ext cx="2307042" cy="369332"/>
+              </a:xfrm>
+              <a:prstGeom prst="rect">
+                <a:avLst/>
+              </a:prstGeom>
+              <a:blipFill>
+                <a:blip r:embed="rId4"/>
+                <a:stretch>
+                  <a:fillRect l="-2111" t="-10000" b="-26667"/>
+                </a:stretch>
+              </a:blipFill>
+            </p:spPr>
+            <p:txBody>
+              <a:bodyPr/>
+              <a:lstStyle/>
+              <a:p>
+                <a:r>
+                  <a:rPr lang="zh-CN" altLang="en-US">
+                    <a:noFill/>
+                  </a:rPr>
+                  <a:t> </a:t>
+                </a:r>
+              </a:p>
+            </p:txBody>
+          </p:sp>
+        </mc:Fallback>
+      </mc:AlternateContent>
     </p:spTree>
     <p:extLst>
       <p:ext uri="{BB962C8B-B14F-4D97-AF65-F5344CB8AC3E}">
         <p14:creationId xmlns:p14="http://schemas.microsoft.com/office/powerpoint/2010/main" val="266635896"/>
+      </p:ext>
+    </p:extLst>
+  </p:cSld>
+  <p:clrMapOvr>
+    <a:masterClrMapping/>
+  </p:clrMapOvr>
+</p:sld>
+</file>
+
+<file path=ppt/slides/slide7.xml><?xml version="1.0" encoding="utf-8"?>
+<p:sld xmlns:a="http://schemas.openxmlformats.org/drawingml/2006/main" xmlns:r="http://schemas.openxmlformats.org/officeDocument/2006/relationships" xmlns:p="http://schemas.openxmlformats.org/presentationml/2006/main">
+  <p:cSld>
+    <p:spTree>
+      <p:nvGrpSpPr>
+        <p:cNvPr id="1" name=""/>
+        <p:cNvGrpSpPr/>
+        <p:nvPr/>
+      </p:nvGrpSpPr>
+      <p:grpSpPr>
+        <a:xfrm>
+          <a:off x="0" y="0"/>
+          <a:ext cx="0" cy="0"/>
+          <a:chOff x="0" y="0"/>
+          <a:chExt cx="0" cy="0"/>
+        </a:xfrm>
+      </p:grpSpPr>
+      <p:sp>
+        <p:nvSpPr>
+          <p:cNvPr id="4" name="标题 1">
+            <a:extLst>
+              <a:ext uri="{FF2B5EF4-FFF2-40B4-BE49-F238E27FC236}">
+                <a16:creationId xmlns:a16="http://schemas.microsoft.com/office/drawing/2014/main" id="{978EC95C-4D5F-4F5B-812D-30939CCB16A7}"/>
+              </a:ext>
+            </a:extLst>
+          </p:cNvPr>
+          <p:cNvSpPr txBox="1">
+            <a:spLocks/>
+          </p:cNvSpPr>
+          <p:nvPr/>
+        </p:nvSpPr>
+        <p:spPr>
+          <a:xfrm>
+            <a:off x="990600" y="517525"/>
+            <a:ext cx="10515600" cy="1325563"/>
+          </a:xfrm>
+          <a:prstGeom prst="rect">
+            <a:avLst/>
+          </a:prstGeom>
+        </p:spPr>
+        <p:txBody>
+          <a:bodyPr vert="horz" lIns="91440" tIns="45720" rIns="91440" bIns="45720" rtlCol="0" anchor="ctr">
+            <a:normAutofit/>
+          </a:bodyPr>
+          <a:lstStyle>
+            <a:lvl1pPr algn="l" defTabSz="914400" rtl="0" eaLnBrk="1" latinLnBrk="0" hangingPunct="1">
+              <a:lnSpc>
+                <a:spcPct val="90000"/>
+              </a:lnSpc>
+              <a:spcBef>
+                <a:spcPct val="0"/>
+              </a:spcBef>
+              <a:buNone/>
+              <a:defRPr sz="4400" kern="1200">
+                <a:solidFill>
+                  <a:schemeClr val="tx1"/>
+                </a:solidFill>
+                <a:latin typeface="+mj-lt"/>
+                <a:ea typeface="+mj-ea"/>
+                <a:cs typeface="+mj-cs"/>
+              </a:defRPr>
+            </a:lvl1pPr>
+          </a:lstStyle>
+          <a:p>
+            <a:r>
+              <a:rPr lang="en-US" altLang="zh-CN" dirty="0">
+                <a:latin typeface="微软雅黑" panose="020B0503020204020204" pitchFamily="34" charset="-122"/>
+                <a:ea typeface="微软雅黑" panose="020B0503020204020204" pitchFamily="34" charset="-122"/>
+              </a:rPr>
+              <a:t>Time integration (Implicit)</a:t>
+            </a:r>
+            <a:endParaRPr lang="zh-CN" altLang="en-US" dirty="0">
+              <a:latin typeface="微软雅黑" panose="020B0503020204020204" pitchFamily="34" charset="-122"/>
+              <a:ea typeface="微软雅黑" panose="020B0503020204020204" pitchFamily="34" charset="-122"/>
+            </a:endParaRPr>
+          </a:p>
+        </p:txBody>
+      </p:sp>
+      <mc:AlternateContent xmlns:mc="http://schemas.openxmlformats.org/markup-compatibility/2006">
+        <mc:Choice xmlns:a14="http://schemas.microsoft.com/office/drawing/2010/main" Requires="a14">
+          <p:sp>
+            <p:nvSpPr>
+              <p:cNvPr id="5" name="内容占位符 2">
+                <a:extLst>
+                  <a:ext uri="{FF2B5EF4-FFF2-40B4-BE49-F238E27FC236}">
+                    <a16:creationId xmlns:a16="http://schemas.microsoft.com/office/drawing/2014/main" id="{F6D9ADC4-FA2F-4CD1-8A53-B4A0AB3B15F7}"/>
+                  </a:ext>
+                </a:extLst>
+              </p:cNvPr>
+              <p:cNvSpPr>
+                <a:spLocks noGrp="1"/>
+              </p:cNvSpPr>
+              <p:nvPr>
+                <p:ph idx="1"/>
+              </p:nvPr>
+            </p:nvSpPr>
+            <p:spPr>
+              <a:xfrm>
+                <a:off x="838200" y="1825625"/>
+                <a:ext cx="10515600" cy="4351338"/>
+              </a:xfrm>
+            </p:spPr>
+            <p:txBody>
+              <a:bodyPr>
+                <a:normAutofit/>
+              </a:bodyPr>
+              <a:lstStyle/>
+              <a:p>
+                <a:pPr marL="0" indent="0">
+                  <a:buNone/>
+                </a:pPr>
+                <a:r>
+                  <a:rPr lang="en-US" altLang="zh-CN" b="1" dirty="0"/>
+                  <a:t>Stability: </a:t>
+                </a:r>
+              </a:p>
+              <a:p>
+                <a:pPr marL="0" indent="0">
+                  <a:buNone/>
+                </a:pPr>
+                <a:r>
+                  <a:rPr lang="en-US" altLang="zh-CN" dirty="0"/>
+                  <a:t>          </a:t>
+                </a:r>
+                <a:r>
+                  <a:rPr lang="en-US" altLang="zh-CN" sz="2400" dirty="0"/>
+                  <a:t>   </a:t>
+                </a:r>
+                <a14:m>
+                  <m:oMath xmlns:m="http://schemas.openxmlformats.org/officeDocument/2006/math">
+                    <m:f>
+                      <m:fPr>
+                        <m:ctrlPr>
+                          <a:rPr lang="en-US" altLang="zh-CN" sz="2400" i="1" smtClean="0">
+                            <a:latin typeface="Cambria Math" panose="02040503050406030204" pitchFamily="18" charset="0"/>
+                          </a:rPr>
+                        </m:ctrlPr>
+                      </m:fPr>
+                      <m:num>
+                        <m:r>
+                          <a:rPr lang="en-US" altLang="zh-CN" sz="2400" b="0" i="1" smtClean="0">
+                            <a:latin typeface="Cambria Math" panose="02040503050406030204" pitchFamily="18" charset="0"/>
+                          </a:rPr>
+                          <m:t>𝑑</m:t>
+                        </m:r>
+                      </m:num>
+                      <m:den>
+                        <m:r>
+                          <a:rPr lang="en-US" altLang="zh-CN" sz="2400" b="0" i="1" smtClean="0">
+                            <a:latin typeface="Cambria Math" panose="02040503050406030204" pitchFamily="18" charset="0"/>
+                          </a:rPr>
+                          <m:t>𝑑𝑡</m:t>
+                        </m:r>
+                      </m:den>
+                    </m:f>
+                    <m:r>
+                      <a:rPr lang="en-US" altLang="zh-CN" sz="2400" b="0" i="1" smtClean="0">
+                        <a:latin typeface="Cambria Math" panose="02040503050406030204" pitchFamily="18" charset="0"/>
+                      </a:rPr>
+                      <m:t>𝑥</m:t>
+                    </m:r>
+                    <m:r>
+                      <a:rPr lang="en-US" altLang="zh-CN" sz="2400" b="0" i="1" smtClean="0">
+                        <a:latin typeface="Cambria Math" panose="02040503050406030204" pitchFamily="18" charset="0"/>
+                      </a:rPr>
+                      <m:t>=</m:t>
+                    </m:r>
+                    <m:r>
+                      <a:rPr lang="en-US" altLang="zh-CN" sz="2400" b="0" i="1" smtClean="0">
+                        <a:latin typeface="Cambria Math" panose="02040503050406030204" pitchFamily="18" charset="0"/>
+                      </a:rPr>
+                      <m:t>𝜆</m:t>
+                    </m:r>
+                    <m:r>
+                      <a:rPr lang="en-US" altLang="zh-CN" sz="2400" b="0" i="1" smtClean="0">
+                        <a:latin typeface="Cambria Math" panose="02040503050406030204" pitchFamily="18" charset="0"/>
+                      </a:rPr>
+                      <m:t>𝑥</m:t>
+                    </m:r>
+                  </m:oMath>
+                </a14:m>
+                <a:endParaRPr lang="en-US" altLang="zh-CN" sz="2400" dirty="0"/>
+              </a:p>
+              <a:p>
+                <a:pPr marL="0" indent="0">
+                  <a:buNone/>
+                </a:pPr>
+                <a:r>
+                  <a:rPr lang="en-US" altLang="zh-CN" sz="2400" b="0" dirty="0"/>
+                  <a:t>	</a:t>
+                </a:r>
+                <a14:m>
+                  <m:oMath xmlns:m="http://schemas.openxmlformats.org/officeDocument/2006/math">
+                    <m:sSub>
+                      <m:sSubPr>
+                        <m:ctrlPr>
+                          <a:rPr lang="en-US" altLang="zh-CN" sz="2400" b="0" i="1" smtClean="0">
+                            <a:latin typeface="Cambria Math" panose="02040503050406030204" pitchFamily="18" charset="0"/>
+                          </a:rPr>
+                        </m:ctrlPr>
+                      </m:sSubPr>
+                      <m:e>
+                        <m:r>
+                          <a:rPr lang="en-US" altLang="zh-CN" sz="2400" b="0" i="1" smtClean="0">
+                            <a:latin typeface="Cambria Math" panose="02040503050406030204" pitchFamily="18" charset="0"/>
+                          </a:rPr>
+                          <m:t>𝑥</m:t>
+                        </m:r>
+                      </m:e>
+                      <m:sub>
+                        <m:r>
+                          <a:rPr lang="en-US" altLang="zh-CN" sz="2400" b="0" i="1" smtClean="0">
+                            <a:latin typeface="Cambria Math" panose="02040503050406030204" pitchFamily="18" charset="0"/>
+                          </a:rPr>
+                          <m:t>𝑛</m:t>
+                        </m:r>
+                        <m:r>
+                          <a:rPr lang="en-US" altLang="zh-CN" sz="2400" b="0" i="1" smtClean="0">
+                            <a:latin typeface="Cambria Math" panose="02040503050406030204" pitchFamily="18" charset="0"/>
+                          </a:rPr>
+                          <m:t>+1</m:t>
+                        </m:r>
+                      </m:sub>
+                    </m:sSub>
+                    <m:r>
+                      <a:rPr lang="en-US" altLang="zh-CN" sz="2400" b="0" i="1" smtClean="0">
+                        <a:latin typeface="Cambria Math" panose="02040503050406030204" pitchFamily="18" charset="0"/>
+                      </a:rPr>
+                      <m:t>=</m:t>
+                    </m:r>
+                    <m:sSub>
+                      <m:sSubPr>
+                        <m:ctrlPr>
+                          <a:rPr lang="en-US" altLang="zh-CN" sz="2400" b="0" i="1" smtClean="0">
+                            <a:latin typeface="Cambria Math" panose="02040503050406030204" pitchFamily="18" charset="0"/>
+                          </a:rPr>
+                        </m:ctrlPr>
+                      </m:sSubPr>
+                      <m:e>
+                        <m:r>
+                          <a:rPr lang="en-US" altLang="zh-CN" sz="2400" b="0" i="1" smtClean="0">
+                            <a:latin typeface="Cambria Math" panose="02040503050406030204" pitchFamily="18" charset="0"/>
+                          </a:rPr>
+                          <m:t>𝑥</m:t>
+                        </m:r>
+                      </m:e>
+                      <m:sub>
+                        <m:r>
+                          <a:rPr lang="en-US" altLang="zh-CN" sz="2400" b="0" i="1" smtClean="0">
+                            <a:latin typeface="Cambria Math" panose="02040503050406030204" pitchFamily="18" charset="0"/>
+                          </a:rPr>
+                          <m:t>𝑛</m:t>
+                        </m:r>
+                      </m:sub>
+                    </m:sSub>
+                    <m:r>
+                      <a:rPr lang="en-US" altLang="zh-CN" sz="2400" b="0" i="1" smtClean="0">
+                        <a:latin typeface="Cambria Math" panose="02040503050406030204" pitchFamily="18" charset="0"/>
+                      </a:rPr>
+                      <m:t>+</m:t>
+                    </m:r>
+                    <m:r>
+                      <a:rPr lang="en-US" altLang="zh-CN" sz="2400" b="0" i="1" smtClean="0">
+                        <a:latin typeface="Cambria Math" panose="02040503050406030204" pitchFamily="18" charset="0"/>
+                      </a:rPr>
+                      <m:t>h</m:t>
+                    </m:r>
+                    <m:r>
+                      <a:rPr lang="en-US" altLang="zh-CN" sz="2400" b="0" i="1" smtClean="0">
+                        <a:latin typeface="Cambria Math" panose="02040503050406030204" pitchFamily="18" charset="0"/>
+                      </a:rPr>
+                      <m:t>𝜆</m:t>
+                    </m:r>
+                    <m:sSub>
+                      <m:sSubPr>
+                        <m:ctrlPr>
+                          <a:rPr lang="en-US" altLang="zh-CN" sz="2400" b="0" i="1" smtClean="0">
+                            <a:latin typeface="Cambria Math" panose="02040503050406030204" pitchFamily="18" charset="0"/>
+                          </a:rPr>
+                        </m:ctrlPr>
+                      </m:sSubPr>
+                      <m:e>
+                        <m:r>
+                          <a:rPr lang="en-US" altLang="zh-CN" sz="2400" b="0" i="1" smtClean="0">
+                            <a:latin typeface="Cambria Math" panose="02040503050406030204" pitchFamily="18" charset="0"/>
+                          </a:rPr>
+                          <m:t>𝑥</m:t>
+                        </m:r>
+                      </m:e>
+                      <m:sub>
+                        <m:r>
+                          <a:rPr lang="en-US" altLang="zh-CN" sz="2400" b="0" i="1" smtClean="0">
+                            <a:latin typeface="Cambria Math" panose="02040503050406030204" pitchFamily="18" charset="0"/>
+                          </a:rPr>
+                          <m:t>𝑛</m:t>
+                        </m:r>
+                        <m:r>
+                          <a:rPr lang="en-US" altLang="zh-CN" sz="2400" b="0" i="1" smtClean="0">
+                            <a:latin typeface="Cambria Math" panose="02040503050406030204" pitchFamily="18" charset="0"/>
+                          </a:rPr>
+                          <m:t>+1</m:t>
+                        </m:r>
+                      </m:sub>
+                    </m:sSub>
+                  </m:oMath>
+                </a14:m>
+                <a:endParaRPr lang="en-US" altLang="zh-CN" sz="2400" b="0" dirty="0"/>
+              </a:p>
+              <a:p>
+                <a:pPr marL="0" indent="0">
+                  <a:buNone/>
+                </a:pPr>
+                <a:r>
+                  <a:rPr lang="en-US" altLang="zh-CN" sz="2400" b="0" dirty="0"/>
+                  <a:t>	</a:t>
+                </a:r>
+                <a14:m>
+                  <m:oMath xmlns:m="http://schemas.openxmlformats.org/officeDocument/2006/math">
+                    <m:sSub>
+                      <m:sSubPr>
+                        <m:ctrlPr>
+                          <a:rPr lang="en-US" altLang="zh-CN" sz="2400" b="0" i="1" smtClean="0">
+                            <a:latin typeface="Cambria Math" panose="02040503050406030204" pitchFamily="18" charset="0"/>
+                          </a:rPr>
+                        </m:ctrlPr>
+                      </m:sSubPr>
+                      <m:e>
+                        <m:r>
+                          <a:rPr lang="en-US" altLang="zh-CN" sz="2400" b="0" i="1" smtClean="0">
+                            <a:latin typeface="Cambria Math" panose="02040503050406030204" pitchFamily="18" charset="0"/>
+                          </a:rPr>
+                          <m:t>𝑥</m:t>
+                        </m:r>
+                      </m:e>
+                      <m:sub>
+                        <m:r>
+                          <a:rPr lang="en-US" altLang="zh-CN" sz="2400" b="0" i="1" smtClean="0">
+                            <a:latin typeface="Cambria Math" panose="02040503050406030204" pitchFamily="18" charset="0"/>
+                          </a:rPr>
+                          <m:t>𝑛</m:t>
+                        </m:r>
+                      </m:sub>
+                    </m:sSub>
+                    <m:r>
+                      <a:rPr lang="en-US" altLang="zh-CN" sz="2400" b="0" i="1" smtClean="0">
+                        <a:latin typeface="Cambria Math" panose="02040503050406030204" pitchFamily="18" charset="0"/>
+                      </a:rPr>
+                      <m:t>=</m:t>
+                    </m:r>
+                    <m:sSup>
+                      <m:sSupPr>
+                        <m:ctrlPr>
+                          <a:rPr lang="en-US" altLang="zh-CN" sz="2400" b="0" i="1" smtClean="0">
+                            <a:latin typeface="Cambria Math" panose="02040503050406030204" pitchFamily="18" charset="0"/>
+                          </a:rPr>
+                        </m:ctrlPr>
+                      </m:sSupPr>
+                      <m:e>
+                        <m:d>
+                          <m:dPr>
+                            <m:ctrlPr>
+                              <a:rPr lang="en-US" altLang="zh-CN" sz="2400" b="0" i="1" smtClean="0">
+                                <a:latin typeface="Cambria Math" panose="02040503050406030204" pitchFamily="18" charset="0"/>
+                              </a:rPr>
+                            </m:ctrlPr>
+                          </m:dPr>
+                          <m:e>
+                            <m:r>
+                              <a:rPr lang="en-US" altLang="zh-CN" sz="2400" b="0" i="1" smtClean="0">
+                                <a:latin typeface="Cambria Math" panose="02040503050406030204" pitchFamily="18" charset="0"/>
+                              </a:rPr>
+                              <m:t>1</m:t>
+                            </m:r>
+                            <m:r>
+                              <a:rPr lang="en-US" altLang="zh-CN" sz="2400" b="0" i="1" smtClean="0">
+                                <a:latin typeface="Cambria Math" panose="02040503050406030204" pitchFamily="18" charset="0"/>
+                              </a:rPr>
+                              <m:t>−</m:t>
+                            </m:r>
+                            <m:r>
+                              <a:rPr lang="en-US" altLang="zh-CN" sz="2400" b="0" i="1" smtClean="0">
+                                <a:latin typeface="Cambria Math" panose="02040503050406030204" pitchFamily="18" charset="0"/>
+                              </a:rPr>
+                              <m:t>h</m:t>
+                            </m:r>
+                            <m:r>
+                              <a:rPr lang="en-US" altLang="zh-CN" sz="2400" b="0" i="1" smtClean="0">
+                                <a:latin typeface="Cambria Math" panose="02040503050406030204" pitchFamily="18" charset="0"/>
+                              </a:rPr>
+                              <m:t>𝜆</m:t>
+                            </m:r>
+                          </m:e>
+                        </m:d>
+                      </m:e>
+                      <m:sup>
+                        <m:r>
+                          <a:rPr lang="en-US" altLang="zh-CN" sz="2400" b="0" i="1" smtClean="0">
+                            <a:latin typeface="Cambria Math" panose="02040503050406030204" pitchFamily="18" charset="0"/>
+                          </a:rPr>
+                          <m:t>−</m:t>
+                        </m:r>
+                        <m:r>
+                          <a:rPr lang="en-US" altLang="zh-CN" sz="2400" b="0" i="1" smtClean="0">
+                            <a:latin typeface="Cambria Math" panose="02040503050406030204" pitchFamily="18" charset="0"/>
+                          </a:rPr>
+                          <m:t>𝑛</m:t>
+                        </m:r>
+                      </m:sup>
+                    </m:sSup>
+                    <m:sSub>
+                      <m:sSubPr>
+                        <m:ctrlPr>
+                          <a:rPr lang="en-US" altLang="zh-CN" sz="2400" b="0" i="1" smtClean="0">
+                            <a:latin typeface="Cambria Math" panose="02040503050406030204" pitchFamily="18" charset="0"/>
+                          </a:rPr>
+                        </m:ctrlPr>
+                      </m:sSubPr>
+                      <m:e>
+                        <m:r>
+                          <a:rPr lang="en-US" altLang="zh-CN" sz="2400" b="0" i="1" smtClean="0">
+                            <a:latin typeface="Cambria Math" panose="02040503050406030204" pitchFamily="18" charset="0"/>
+                          </a:rPr>
+                          <m:t>𝑥</m:t>
+                        </m:r>
+                      </m:e>
+                      <m:sub>
+                        <m:r>
+                          <a:rPr lang="en-US" altLang="zh-CN" sz="2400" b="0" i="1" smtClean="0">
+                            <a:latin typeface="Cambria Math" panose="02040503050406030204" pitchFamily="18" charset="0"/>
+                          </a:rPr>
+                          <m:t>0</m:t>
+                        </m:r>
+                      </m:sub>
+                    </m:sSub>
+                  </m:oMath>
+                </a14:m>
+                <a:endParaRPr lang="en-US" altLang="zh-CN" sz="2400" dirty="0"/>
+              </a:p>
+              <a:p>
+                <a:pPr marL="0" indent="0">
+                  <a:buNone/>
+                </a:pPr>
+                <a:r>
+                  <a:rPr lang="en-US" altLang="zh-CN" sz="2400" dirty="0"/>
+                  <a:t>Condition of stability:</a:t>
+                </a:r>
+              </a:p>
+              <a:p>
+                <a:pPr marL="0" indent="0">
+                  <a:buNone/>
+                </a:pPr>
+                <a:r>
+                  <a:rPr lang="en-US" altLang="zh-CN" sz="2400" dirty="0"/>
+                  <a:t>	</a:t>
+                </a:r>
+                <a14:m>
+                  <m:oMath xmlns:m="http://schemas.openxmlformats.org/officeDocument/2006/math">
+                    <m:d>
+                      <m:dPr>
+                        <m:begChr m:val="|"/>
+                        <m:endChr m:val="|"/>
+                        <m:ctrlPr>
+                          <a:rPr lang="en-US" altLang="zh-CN" sz="2400" i="1" smtClean="0">
+                            <a:latin typeface="Cambria Math" panose="02040503050406030204" pitchFamily="18" charset="0"/>
+                          </a:rPr>
+                        </m:ctrlPr>
+                      </m:dPr>
+                      <m:e>
+                        <m:r>
+                          <a:rPr lang="en-US" altLang="zh-CN" sz="2400" b="0" i="1" smtClean="0">
+                            <a:latin typeface="Cambria Math" panose="02040503050406030204" pitchFamily="18" charset="0"/>
+                          </a:rPr>
+                          <m:t>1</m:t>
+                        </m:r>
+                        <m:r>
+                          <a:rPr lang="en-US" altLang="zh-CN" sz="2400" b="0" i="1" smtClean="0">
+                            <a:latin typeface="Cambria Math" panose="02040503050406030204" pitchFamily="18" charset="0"/>
+                          </a:rPr>
+                          <m:t>−</m:t>
+                        </m:r>
+                        <m:r>
+                          <a:rPr lang="en-US" altLang="zh-CN" sz="2400" b="0" i="1" smtClean="0">
+                            <a:latin typeface="Cambria Math" panose="02040503050406030204" pitchFamily="18" charset="0"/>
+                          </a:rPr>
+                          <m:t>h</m:t>
+                        </m:r>
+                        <m:r>
+                          <a:rPr lang="en-US" altLang="zh-CN" sz="2400" b="0" i="1" smtClean="0">
+                            <a:latin typeface="Cambria Math" panose="02040503050406030204" pitchFamily="18" charset="0"/>
+                          </a:rPr>
+                          <m:t>𝜆</m:t>
+                        </m:r>
+                      </m:e>
+                    </m:d>
+                    <m:r>
+                      <a:rPr lang="en-US" altLang="zh-CN" sz="2400" b="0" i="1" smtClean="0">
+                        <a:latin typeface="Cambria Math" panose="02040503050406030204" pitchFamily="18" charset="0"/>
+                        <a:ea typeface="Cambria Math" panose="02040503050406030204" pitchFamily="18" charset="0"/>
+                      </a:rPr>
+                      <m:t>≥</m:t>
+                    </m:r>
+                    <m:r>
+                      <a:rPr lang="en-US" altLang="zh-CN" sz="2400" b="0" i="1" smtClean="0">
+                        <a:latin typeface="Cambria Math" panose="02040503050406030204" pitchFamily="18" charset="0"/>
+                        <a:ea typeface="Cambria Math" panose="02040503050406030204" pitchFamily="18" charset="0"/>
+                      </a:rPr>
+                      <m:t>1</m:t>
+                    </m:r>
+                  </m:oMath>
+                </a14:m>
+                <a:endParaRPr lang="en-US" altLang="zh-CN" sz="2400" dirty="0"/>
+              </a:p>
+            </p:txBody>
+          </p:sp>
+        </mc:Choice>
+        <mc:Fallback>
+          <p:sp>
+            <p:nvSpPr>
+              <p:cNvPr id="5" name="内容占位符 2">
+                <a:extLst>
+                  <a:ext uri="{FF2B5EF4-FFF2-40B4-BE49-F238E27FC236}">
+                    <a16:creationId xmlns:a16="http://schemas.microsoft.com/office/drawing/2014/main" id="{F6D9ADC4-FA2F-4CD1-8A53-B4A0AB3B15F7}"/>
+                  </a:ext>
+                </a:extLst>
+              </p:cNvPr>
+              <p:cNvSpPr>
+                <a:spLocks noGrp="1" noRot="1" noChangeAspect="1" noMove="1" noResize="1" noEditPoints="1" noAdjustHandles="1" noChangeArrowheads="1" noChangeShapeType="1" noTextEdit="1"/>
+              </p:cNvSpPr>
+              <p:nvPr>
+                <p:ph idx="1"/>
+              </p:nvPr>
+            </p:nvSpPr>
+            <p:spPr>
+              <a:xfrm>
+                <a:off x="838200" y="1825625"/>
+                <a:ext cx="10515600" cy="4351338"/>
+              </a:xfrm>
+              <a:blipFill>
+                <a:blip r:embed="rId2"/>
+                <a:stretch>
+                  <a:fillRect l="-1217" t="-2521"/>
+                </a:stretch>
+              </a:blipFill>
+            </p:spPr>
+            <p:txBody>
+              <a:bodyPr/>
+              <a:lstStyle/>
+              <a:p>
+                <a:r>
+                  <a:rPr lang="zh-CN" altLang="en-US">
+                    <a:noFill/>
+                  </a:rPr>
+                  <a:t> </a:t>
+                </a:r>
+              </a:p>
+            </p:txBody>
+          </p:sp>
+        </mc:Fallback>
+      </mc:AlternateContent>
+      <p:sp>
+        <p:nvSpPr>
+          <p:cNvPr id="10" name="矩形: 圆角 9">
+            <a:extLst>
+              <a:ext uri="{FF2B5EF4-FFF2-40B4-BE49-F238E27FC236}">
+                <a16:creationId xmlns:a16="http://schemas.microsoft.com/office/drawing/2014/main" id="{96D58445-48A2-45C8-97B4-E72A1A6D2126}"/>
+              </a:ext>
+            </a:extLst>
+          </p:cNvPr>
+          <p:cNvSpPr/>
+          <p:nvPr/>
+        </p:nvSpPr>
+        <p:spPr>
+          <a:xfrm>
+            <a:off x="426720" y="5157216"/>
+            <a:ext cx="5388864" cy="1325563"/>
+          </a:xfrm>
+          <a:prstGeom prst="roundRect">
+            <a:avLst/>
+          </a:prstGeom>
+          <a:noFill/>
+          <a:ln w="9525" cap="flat" cmpd="sng" algn="ctr">
+            <a:solidFill>
+              <a:schemeClr val="dk1"/>
+            </a:solidFill>
+            <a:prstDash val="solid"/>
+            <a:round/>
+            <a:headEnd type="none" w="med" len="med"/>
+            <a:tailEnd type="none" w="med" len="med"/>
+          </a:ln>
+        </p:spPr>
+        <p:style>
+          <a:lnRef idx="0">
+            <a:scrgbClr r="0" g="0" b="0"/>
+          </a:lnRef>
+          <a:fillRef idx="0">
+            <a:scrgbClr r="0" g="0" b="0"/>
+          </a:fillRef>
+          <a:effectRef idx="0">
+            <a:scrgbClr r="0" g="0" b="0"/>
+          </a:effectRef>
+          <a:fontRef idx="minor">
+            <a:schemeClr val="dk1"/>
+          </a:fontRef>
+        </p:style>
+        <p:txBody>
+          <a:bodyPr rtlCol="0" anchor="ctr"/>
+          <a:lstStyle/>
+          <a:p>
+            <a:pPr algn="ctr"/>
+            <a:endParaRPr lang="zh-CN" altLang="en-US"/>
+          </a:p>
+        </p:txBody>
+      </p:sp>
+      <p:sp>
+        <p:nvSpPr>
+          <p:cNvPr id="11" name="文本框 10">
+            <a:extLst>
+              <a:ext uri="{FF2B5EF4-FFF2-40B4-BE49-F238E27FC236}">
+                <a16:creationId xmlns:a16="http://schemas.microsoft.com/office/drawing/2014/main" id="{2E322445-AB10-4C58-AF4B-BC8192F9ACF0}"/>
+              </a:ext>
+            </a:extLst>
+          </p:cNvPr>
+          <p:cNvSpPr txBox="1"/>
+          <p:nvPr/>
+        </p:nvSpPr>
+        <p:spPr>
+          <a:xfrm>
+            <a:off x="537491" y="5219832"/>
+            <a:ext cx="5167322" cy="1200329"/>
+          </a:xfrm>
+          <a:prstGeom prst="rect">
+            <a:avLst/>
+          </a:prstGeom>
+          <a:noFill/>
+        </p:spPr>
+        <p:txBody>
+          <a:bodyPr wrap="square" rtlCol="0">
+            <a:spAutoFit/>
+          </a:bodyPr>
+          <a:lstStyle/>
+          <a:p>
+            <a:pPr algn="l"/>
+            <a:r>
+              <a:rPr lang="en-US" altLang="zh-CN" sz="1800" b="0" i="0" u="none" strike="noStrike" baseline="0" dirty="0">
+                <a:latin typeface="Calibri Light" panose="020F0302020204030204" pitchFamily="34" charset="0"/>
+              </a:rPr>
+              <a:t>Implicit Euler is often </a:t>
+            </a:r>
+            <a:r>
+              <a:rPr lang="en-US" altLang="zh-CN" sz="1800" b="1" i="0" u="none" strike="noStrike" baseline="0" dirty="0">
+                <a:latin typeface="Calibri Light" panose="020F0302020204030204" pitchFamily="34" charset="0"/>
+              </a:rPr>
+              <a:t>expensive</a:t>
+            </a:r>
+            <a:r>
+              <a:rPr lang="en-US" altLang="zh-CN" sz="1800" b="0" i="0" u="none" strike="noStrike" baseline="0" dirty="0">
+                <a:latin typeface="Calibri Light" panose="020F0302020204030204" pitchFamily="34" charset="0"/>
+              </a:rPr>
+              <a:t> due to the nonlinear optimization, it is often stable for </a:t>
+            </a:r>
+            <a:r>
+              <a:rPr lang="en-US" altLang="zh-CN" sz="1800" b="1" i="0" u="none" strike="noStrike" baseline="0" dirty="0">
+                <a:latin typeface="Calibri Light" panose="020F0302020204030204" pitchFamily="34" charset="0"/>
+              </a:rPr>
+              <a:t>large time steps </a:t>
+            </a:r>
+            <a:r>
+              <a:rPr lang="en-US" altLang="zh-CN" sz="1800" b="0" i="0" u="none" strike="noStrike" baseline="0" dirty="0">
+                <a:latin typeface="Calibri Light" panose="020F0302020204030204" pitchFamily="34" charset="0"/>
+              </a:rPr>
+              <a:t>and is widely used in performance centric applications. (game / MR / design / animation)</a:t>
+            </a:r>
+            <a:endParaRPr lang="zh-CN" altLang="en-US" b="1" dirty="0"/>
+          </a:p>
+        </p:txBody>
+      </p:sp>
+      <p:pic>
+        <p:nvPicPr>
+          <p:cNvPr id="3" name="图片 2" descr="图示&#10;&#10;描述已自动生成">
+            <a:extLst>
+              <a:ext uri="{FF2B5EF4-FFF2-40B4-BE49-F238E27FC236}">
+                <a16:creationId xmlns:a16="http://schemas.microsoft.com/office/drawing/2014/main" id="{A327FD7E-7FBB-4C60-9AF7-9136226A81A1}"/>
+              </a:ext>
+            </a:extLst>
+          </p:cNvPr>
+          <p:cNvPicPr>
+            <a:picLocks noChangeAspect="1"/>
+          </p:cNvPicPr>
+          <p:nvPr/>
+        </p:nvPicPr>
+        <p:blipFill>
+          <a:blip r:embed="rId3">
+            <a:extLst>
+              <a:ext uri="{28A0092B-C50C-407E-A947-70E740481C1C}">
+                <a14:useLocalDpi xmlns:a14="http://schemas.microsoft.com/office/drawing/2010/main" val="0"/>
+              </a:ext>
+            </a:extLst>
+          </a:blip>
+          <a:stretch>
+            <a:fillRect/>
+          </a:stretch>
+        </p:blipFill>
+        <p:spPr>
+          <a:xfrm>
+            <a:off x="6580063" y="2523881"/>
+            <a:ext cx="5287113" cy="2695951"/>
+          </a:xfrm>
+          <a:prstGeom prst="rect">
+            <a:avLst/>
+          </a:prstGeom>
+        </p:spPr>
+      </p:pic>
+      <p:sp>
+        <p:nvSpPr>
+          <p:cNvPr id="12" name="文本框 11">
+            <a:extLst>
+              <a:ext uri="{FF2B5EF4-FFF2-40B4-BE49-F238E27FC236}">
+                <a16:creationId xmlns:a16="http://schemas.microsoft.com/office/drawing/2014/main" id="{9A579E83-5B55-437B-9A9A-37C052587CCE}"/>
+              </a:ext>
+            </a:extLst>
+          </p:cNvPr>
+          <p:cNvSpPr txBox="1"/>
+          <p:nvPr/>
+        </p:nvSpPr>
+        <p:spPr>
+          <a:xfrm>
+            <a:off x="630364" y="4729350"/>
+            <a:ext cx="4981575" cy="369332"/>
+          </a:xfrm>
+          <a:prstGeom prst="rect">
+            <a:avLst/>
+          </a:prstGeom>
+          <a:noFill/>
+        </p:spPr>
+        <p:txBody>
+          <a:bodyPr wrap="square">
+            <a:spAutoFit/>
+          </a:bodyPr>
+          <a:lstStyle/>
+          <a:p>
+            <a:r>
+              <a:rPr lang="zh-CN" altLang="en-US" dirty="0">
+                <a:solidFill>
+                  <a:schemeClr val="accent2"/>
+                </a:solidFill>
+              </a:rPr>
+              <a:t>Implicit Euler integrals are unconditionally stable!</a:t>
+            </a:r>
+          </a:p>
+        </p:txBody>
+      </p:sp>
+    </p:spTree>
+    <p:extLst>
+      <p:ext uri="{BB962C8B-B14F-4D97-AF65-F5344CB8AC3E}">
+        <p14:creationId xmlns:p14="http://schemas.microsoft.com/office/powerpoint/2010/main" val="990889574"/>
       </p:ext>
     </p:extLst>
   </p:cSld>

--- a/20220725_simulation/Deformable Simulation.pptx
+++ b/20220725_simulation/Deformable Simulation.pptx
@@ -12,6 +12,7 @@
     <p:sldId id="260" r:id="rId6"/>
     <p:sldId id="261" r:id="rId7"/>
     <p:sldId id="262" r:id="rId8"/>
+    <p:sldId id="263" r:id="rId9"/>
   </p:sldIdLst>
   <p:sldSz cx="12192000" cy="6858000"/>
   <p:notesSz cx="6858000" cy="9144000"/>
@@ -3969,8 +3970,8 @@
           </a:p>
         </p:txBody>
       </p:sp>
-      <mc:AlternateContent xmlns:mc="http://schemas.openxmlformats.org/markup-compatibility/2006">
-        <mc:Choice xmlns:a14="http://schemas.microsoft.com/office/drawing/2010/main" Requires="a14">
+      <mc:AlternateContent xmlns:mc="http://schemas.openxmlformats.org/markup-compatibility/2006" xmlns:a14="http://schemas.microsoft.com/office/drawing/2010/main">
+        <mc:Choice Requires="a14">
           <p:sp>
             <p:nvSpPr>
               <p:cNvPr id="5" name="内容占位符 2">
@@ -4643,7 +4644,7 @@
             </p:txBody>
           </p:sp>
         </mc:Choice>
-        <mc:Fallback>
+        <mc:Fallback xmlns="">
           <p:sp>
             <p:nvSpPr>
               <p:cNvPr id="5" name="内容占位符 2">
@@ -5104,8 +5105,8 @@
           </a:p>
         </p:txBody>
       </p:sp>
-      <mc:AlternateContent xmlns:mc="http://schemas.openxmlformats.org/markup-compatibility/2006">
-        <mc:Choice xmlns:a14="http://schemas.microsoft.com/office/drawing/2010/main" Requires="a14">
+      <mc:AlternateContent xmlns:mc="http://schemas.openxmlformats.org/markup-compatibility/2006" xmlns:a14="http://schemas.microsoft.com/office/drawing/2010/main">
+        <mc:Choice Requires="a14">
           <p:sp>
             <p:nvSpPr>
               <p:cNvPr id="2" name="文本框 1">
@@ -5199,7 +5200,7 @@
             </p:txBody>
           </p:sp>
         </mc:Choice>
-        <mc:Fallback>
+        <mc:Fallback xmlns="">
           <p:sp>
             <p:nvSpPr>
               <p:cNvPr id="2" name="文本框 1">
@@ -6005,7 +6006,23 @@
                       <a:schemeClr val="accent1"/>
                     </a:solidFill>
                   </a:rPr>
-                  <a:t>1-st order accurate</a:t>
+                  <a:t>1</a:t>
+                </a:r>
+                <a:r>
+                  <a:rPr lang="en-US" altLang="zh-CN" sz="2400" baseline="30000" dirty="0">
+                    <a:solidFill>
+                      <a:schemeClr val="accent1"/>
+                    </a:solidFill>
+                  </a:rPr>
+                  <a:t>st</a:t>
+                </a:r>
+                <a:r>
+                  <a:rPr lang="en-US" altLang="zh-CN" sz="2400" dirty="0">
+                    <a:solidFill>
+                      <a:schemeClr val="accent1"/>
+                    </a:solidFill>
+                  </a:rPr>
+                  <a:t>-order accurate</a:t>
                 </a:r>
               </a:p>
               <a:p>
@@ -7149,8 +7166,8 @@
           </a:p>
         </p:txBody>
       </p:sp>
-      <mc:AlternateContent xmlns:mc="http://schemas.openxmlformats.org/markup-compatibility/2006">
-        <mc:Choice xmlns:a14="http://schemas.microsoft.com/office/drawing/2010/main" Requires="a14">
+      <mc:AlternateContent xmlns:mc="http://schemas.openxmlformats.org/markup-compatibility/2006" xmlns:a14="http://schemas.microsoft.com/office/drawing/2010/main">
+        <mc:Choice Requires="a14">
           <p:sp>
             <p:nvSpPr>
               <p:cNvPr id="5" name="内容占位符 2">
@@ -7618,7 +7635,7 @@
             </p:txBody>
           </p:sp>
         </mc:Choice>
-        <mc:Fallback>
+        <mc:Fallback xmlns="">
           <p:sp>
             <p:nvSpPr>
               <p:cNvPr id="5" name="内容占位符 2">
@@ -8936,7 +8953,23 @@
                       <a:schemeClr val="accent1"/>
                     </a:solidFill>
                   </a:rPr>
-                  <a:t>1-st order accurate</a:t>
+                  <a:t>1</a:t>
+                </a:r>
+                <a:r>
+                  <a:rPr lang="en-US" altLang="zh-CN" sz="2400" baseline="30000" dirty="0">
+                    <a:solidFill>
+                      <a:schemeClr val="accent1"/>
+                    </a:solidFill>
+                  </a:rPr>
+                  <a:t>st</a:t>
+                </a:r>
+                <a:r>
+                  <a:rPr lang="en-US" altLang="zh-CN" sz="2400" dirty="0">
+                    <a:solidFill>
+                      <a:schemeClr val="accent1"/>
+                    </a:solidFill>
+                  </a:rPr>
+                  <a:t>-order accurate</a:t>
                 </a:r>
               </a:p>
               <a:p>
@@ -9558,8 +9591,8 @@
           </a:fontRef>
         </p:style>
       </p:cxnSp>
-      <mc:AlternateContent xmlns:mc="http://schemas.openxmlformats.org/markup-compatibility/2006">
-        <mc:Choice xmlns:a14="http://schemas.microsoft.com/office/drawing/2010/main" Requires="a14">
+      <mc:AlternateContent xmlns:mc="http://schemas.openxmlformats.org/markup-compatibility/2006" xmlns:a14="http://schemas.microsoft.com/office/drawing/2010/main">
+        <mc:Choice Requires="a14">
           <p:sp>
             <p:nvSpPr>
               <p:cNvPr id="3" name="文本框 2">
@@ -9648,7 +9681,7 @@
             </p:txBody>
           </p:sp>
         </mc:Choice>
-        <mc:Fallback>
+        <mc:Fallback xmlns="">
           <p:sp>
             <p:nvSpPr>
               <p:cNvPr id="3" name="文本框 2">
@@ -9784,8 +9817,8 @@
           </a:p>
         </p:txBody>
       </p:sp>
-      <mc:AlternateContent xmlns:mc="http://schemas.openxmlformats.org/markup-compatibility/2006">
-        <mc:Choice xmlns:a14="http://schemas.microsoft.com/office/drawing/2010/main" Requires="a14">
+      <mc:AlternateContent xmlns:mc="http://schemas.openxmlformats.org/markup-compatibility/2006" xmlns:a14="http://schemas.microsoft.com/office/drawing/2010/main">
+        <mc:Choice Requires="a14">
           <p:sp>
             <p:nvSpPr>
               <p:cNvPr id="5" name="内容占位符 2">
@@ -10077,13 +10110,7 @@
                               <a:rPr lang="en-US" altLang="zh-CN" sz="2400" b="0" i="1" smtClean="0">
                                 <a:latin typeface="Cambria Math" panose="02040503050406030204" pitchFamily="18" charset="0"/>
                               </a:rPr>
-                              <m:t>1</m:t>
-                            </m:r>
-                            <m:r>
-                              <a:rPr lang="en-US" altLang="zh-CN" sz="2400" b="0" i="1" smtClean="0">
-                                <a:latin typeface="Cambria Math" panose="02040503050406030204" pitchFamily="18" charset="0"/>
-                              </a:rPr>
-                              <m:t>−</m:t>
+                              <m:t>1−</m:t>
                             </m:r>
                             <m:r>
                               <a:rPr lang="en-US" altLang="zh-CN" sz="2400" b="0" i="1" smtClean="0">
@@ -10178,13 +10205,7 @@
                           <a:rPr lang="en-US" altLang="zh-CN" sz="2400" b="0" i="1" smtClean="0">
                             <a:latin typeface="Cambria Math" panose="02040503050406030204" pitchFamily="18" charset="0"/>
                           </a:rPr>
-                          <m:t>1</m:t>
-                        </m:r>
-                        <m:r>
-                          <a:rPr lang="en-US" altLang="zh-CN" sz="2400" b="0" i="1" smtClean="0">
-                            <a:latin typeface="Cambria Math" panose="02040503050406030204" pitchFamily="18" charset="0"/>
-                          </a:rPr>
-                          <m:t>−</m:t>
+                          <m:t>1−</m:t>
                         </m:r>
                         <m:r>
                           <a:rPr lang="en-US" altLang="zh-CN" sz="2400" b="0" i="1" smtClean="0">
@@ -10205,14 +10226,7 @@
                         <a:latin typeface="Cambria Math" panose="02040503050406030204" pitchFamily="18" charset="0"/>
                         <a:ea typeface="Cambria Math" panose="02040503050406030204" pitchFamily="18" charset="0"/>
                       </a:rPr>
-                      <m:t>≥</m:t>
-                    </m:r>
-                    <m:r>
-                      <a:rPr lang="en-US" altLang="zh-CN" sz="2400" b="0" i="1" smtClean="0">
-                        <a:latin typeface="Cambria Math" panose="02040503050406030204" pitchFamily="18" charset="0"/>
-                        <a:ea typeface="Cambria Math" panose="02040503050406030204" pitchFamily="18" charset="0"/>
-                      </a:rPr>
-                      <m:t>1</m:t>
+                      <m:t>≥1</m:t>
                     </m:r>
                   </m:oMath>
                 </a14:m>
@@ -10221,7 +10235,7 @@
             </p:txBody>
           </p:sp>
         </mc:Choice>
-        <mc:Fallback>
+        <mc:Fallback xmlns="">
           <p:sp>
             <p:nvSpPr>
               <p:cNvPr id="5" name="内容占位符 2">
@@ -10461,6 +10475,2352 @@
     <p:extLst>
       <p:ext uri="{BB962C8B-B14F-4D97-AF65-F5344CB8AC3E}">
         <p14:creationId xmlns:p14="http://schemas.microsoft.com/office/powerpoint/2010/main" val="990889574"/>
+      </p:ext>
+    </p:extLst>
+  </p:cSld>
+  <p:clrMapOvr>
+    <a:masterClrMapping/>
+  </p:clrMapOvr>
+</p:sld>
+</file>
+
+<file path=ppt/slides/slide8.xml><?xml version="1.0" encoding="utf-8"?>
+<p:sld xmlns:a="http://schemas.openxmlformats.org/drawingml/2006/main" xmlns:r="http://schemas.openxmlformats.org/officeDocument/2006/relationships" xmlns:p="http://schemas.openxmlformats.org/presentationml/2006/main">
+  <p:cSld>
+    <p:spTree>
+      <p:nvGrpSpPr>
+        <p:cNvPr id="1" name=""/>
+        <p:cNvGrpSpPr/>
+        <p:nvPr/>
+      </p:nvGrpSpPr>
+      <p:grpSpPr>
+        <a:xfrm>
+          <a:off x="0" y="0"/>
+          <a:ext cx="0" cy="0"/>
+          <a:chOff x="0" y="0"/>
+          <a:chExt cx="0" cy="0"/>
+        </a:xfrm>
+      </p:grpSpPr>
+      <p:sp>
+        <p:nvSpPr>
+          <p:cNvPr id="4" name="标题 1">
+            <a:extLst>
+              <a:ext uri="{FF2B5EF4-FFF2-40B4-BE49-F238E27FC236}">
+                <a16:creationId xmlns:a16="http://schemas.microsoft.com/office/drawing/2014/main" id="{F95CA115-E12B-46D8-88CD-1804C637D699}"/>
+              </a:ext>
+            </a:extLst>
+          </p:cNvPr>
+          <p:cNvSpPr txBox="1">
+            <a:spLocks/>
+          </p:cNvSpPr>
+          <p:nvPr/>
+        </p:nvSpPr>
+        <p:spPr>
+          <a:xfrm>
+            <a:off x="990600" y="517525"/>
+            <a:ext cx="10515600" cy="1325563"/>
+          </a:xfrm>
+          <a:prstGeom prst="rect">
+            <a:avLst/>
+          </a:prstGeom>
+        </p:spPr>
+        <p:txBody>
+          <a:bodyPr vert="horz" lIns="91440" tIns="45720" rIns="91440" bIns="45720" rtlCol="0" anchor="ctr">
+            <a:normAutofit/>
+          </a:bodyPr>
+          <a:lstStyle>
+            <a:lvl1pPr algn="l" defTabSz="914400" rtl="0" eaLnBrk="1" latinLnBrk="0" hangingPunct="1">
+              <a:lnSpc>
+                <a:spcPct val="90000"/>
+              </a:lnSpc>
+              <a:spcBef>
+                <a:spcPct val="0"/>
+              </a:spcBef>
+              <a:buNone/>
+              <a:defRPr sz="4400" kern="1200">
+                <a:solidFill>
+                  <a:schemeClr val="tx1"/>
+                </a:solidFill>
+                <a:latin typeface="+mj-lt"/>
+                <a:ea typeface="+mj-ea"/>
+                <a:cs typeface="+mj-cs"/>
+              </a:defRPr>
+            </a:lvl1pPr>
+          </a:lstStyle>
+          <a:p>
+            <a:r>
+              <a:rPr lang="en-US" altLang="zh-CN" dirty="0">
+                <a:latin typeface="微软雅黑" panose="020B0503020204020204" pitchFamily="34" charset="-122"/>
+                <a:ea typeface="微软雅黑" panose="020B0503020204020204" pitchFamily="34" charset="-122"/>
+              </a:rPr>
+              <a:t>Time integration (</a:t>
+            </a:r>
+            <a:r>
+              <a:rPr lang="en-US" altLang="zh-CN" dirty="0" err="1">
+                <a:latin typeface="微软雅黑" panose="020B0503020204020204" pitchFamily="34" charset="-122"/>
+                <a:ea typeface="微软雅黑" panose="020B0503020204020204" pitchFamily="34" charset="-122"/>
+              </a:rPr>
+              <a:t>Symplectic</a:t>
+            </a:r>
+            <a:r>
+              <a:rPr lang="en-US" altLang="zh-CN" dirty="0">
+                <a:latin typeface="微软雅黑" panose="020B0503020204020204" pitchFamily="34" charset="-122"/>
+                <a:ea typeface="微软雅黑" panose="020B0503020204020204" pitchFamily="34" charset="-122"/>
+              </a:rPr>
+              <a:t>)</a:t>
+            </a:r>
+            <a:endParaRPr lang="zh-CN" altLang="en-US" dirty="0">
+              <a:latin typeface="微软雅黑" panose="020B0503020204020204" pitchFamily="34" charset="-122"/>
+              <a:ea typeface="微软雅黑" panose="020B0503020204020204" pitchFamily="34" charset="-122"/>
+            </a:endParaRPr>
+          </a:p>
+        </p:txBody>
+      </p:sp>
+      <mc:AlternateContent xmlns:mc="http://schemas.openxmlformats.org/markup-compatibility/2006">
+        <mc:Choice xmlns:a14="http://schemas.microsoft.com/office/drawing/2010/main" Requires="a14">
+          <p:sp>
+            <p:nvSpPr>
+              <p:cNvPr id="9" name="内容占位符 2">
+                <a:extLst>
+                  <a:ext uri="{FF2B5EF4-FFF2-40B4-BE49-F238E27FC236}">
+                    <a16:creationId xmlns:a16="http://schemas.microsoft.com/office/drawing/2014/main" id="{3FE43AD4-7DCF-4227-B1E6-6A71F8C42AAB}"/>
+                  </a:ext>
+                </a:extLst>
+              </p:cNvPr>
+              <p:cNvSpPr>
+                <a:spLocks noGrp="1"/>
+              </p:cNvSpPr>
+              <p:nvPr>
+                <p:ph idx="1"/>
+              </p:nvPr>
+            </p:nvSpPr>
+            <p:spPr>
+              <a:xfrm>
+                <a:off x="838200" y="1825625"/>
+                <a:ext cx="10515600" cy="4351338"/>
+              </a:xfrm>
+            </p:spPr>
+            <p:txBody>
+              <a:bodyPr>
+                <a:normAutofit/>
+              </a:bodyPr>
+              <a:lstStyle/>
+              <a:p>
+                <a:pPr marL="0" indent="0">
+                  <a:buNone/>
+                </a:pPr>
+                <a14:m>
+                  <m:oMathPara xmlns:m="http://schemas.openxmlformats.org/officeDocument/2006/math">
+                    <m:oMathParaPr>
+                      <m:jc m:val="left"/>
+                    </m:oMathParaPr>
+                    <m:oMath xmlns:m="http://schemas.openxmlformats.org/officeDocument/2006/math">
+                      <m:sSub>
+                        <m:sSubPr>
+                          <m:ctrlPr>
+                            <a:rPr lang="en-US" altLang="zh-CN" sz="2400" b="0" i="1" smtClean="0">
+                              <a:latin typeface="Cambria Math" panose="02040503050406030204" pitchFamily="18" charset="0"/>
+                            </a:rPr>
+                          </m:ctrlPr>
+                        </m:sSubPr>
+                        <m:e>
+                          <m:r>
+                            <a:rPr lang="en-US" altLang="zh-CN" sz="2400" b="1" i="1" smtClean="0">
+                              <a:latin typeface="Cambria Math" panose="02040503050406030204" pitchFamily="18" charset="0"/>
+                            </a:rPr>
+                            <m:t>𝒗</m:t>
+                          </m:r>
+                        </m:e>
+                        <m:sub>
+                          <m:r>
+                            <a:rPr lang="en-US" altLang="zh-CN" sz="2400" b="0" i="1" smtClean="0">
+                              <a:latin typeface="Cambria Math" panose="02040503050406030204" pitchFamily="18" charset="0"/>
+                            </a:rPr>
+                            <m:t>𝑛</m:t>
+                          </m:r>
+                          <m:r>
+                            <a:rPr lang="en-US" altLang="zh-CN" sz="2400" b="0" i="1" smtClean="0">
+                              <a:latin typeface="Cambria Math" panose="02040503050406030204" pitchFamily="18" charset="0"/>
+                            </a:rPr>
+                            <m:t>+1</m:t>
+                          </m:r>
+                        </m:sub>
+                      </m:sSub>
+                      <m:r>
+                        <a:rPr lang="en-US" altLang="zh-CN" sz="2400" i="1" smtClean="0">
+                          <a:latin typeface="Cambria Math" panose="02040503050406030204" pitchFamily="18" charset="0"/>
+                        </a:rPr>
+                        <m:t>=</m:t>
+                      </m:r>
+                      <m:r>
+                        <a:rPr lang="en-US" altLang="zh-CN" sz="2400" b="1" i="1" smtClean="0">
+                          <a:latin typeface="Cambria Math" panose="02040503050406030204" pitchFamily="18" charset="0"/>
+                        </a:rPr>
+                        <m:t>𝒗</m:t>
+                      </m:r>
+                      <m:d>
+                        <m:dPr>
+                          <m:ctrlPr>
+                            <a:rPr lang="en-US" altLang="zh-CN" sz="2400" i="1">
+                              <a:latin typeface="Cambria Math" panose="02040503050406030204" pitchFamily="18" charset="0"/>
+                            </a:rPr>
+                          </m:ctrlPr>
+                        </m:dPr>
+                        <m:e>
+                          <m:sSub>
+                            <m:sSubPr>
+                              <m:ctrlPr>
+                                <a:rPr lang="en-US" altLang="zh-CN" sz="2400" i="1">
+                                  <a:latin typeface="Cambria Math" panose="02040503050406030204" pitchFamily="18" charset="0"/>
+                                </a:rPr>
+                              </m:ctrlPr>
+                            </m:sSubPr>
+                            <m:e>
+                              <m:r>
+                                <a:rPr lang="en-US" altLang="zh-CN" sz="2400" i="1">
+                                  <a:latin typeface="Cambria Math" panose="02040503050406030204" pitchFamily="18" charset="0"/>
+                                </a:rPr>
+                                <m:t>𝑡</m:t>
+                              </m:r>
+                            </m:e>
+                            <m:sub>
+                              <m:r>
+                                <a:rPr lang="en-US" altLang="zh-CN" sz="2400" i="1">
+                                  <a:latin typeface="Cambria Math" panose="02040503050406030204" pitchFamily="18" charset="0"/>
+                                </a:rPr>
+                                <m:t>𝑛</m:t>
+                              </m:r>
+                            </m:sub>
+                          </m:sSub>
+                        </m:e>
+                      </m:d>
+                      <m:r>
+                        <a:rPr lang="en-US" altLang="zh-CN" sz="2400" i="1">
+                          <a:latin typeface="Cambria Math" panose="02040503050406030204" pitchFamily="18" charset="0"/>
+                        </a:rPr>
+                        <m:t>+</m:t>
+                      </m:r>
+                      <m:nary>
+                        <m:naryPr>
+                          <m:ctrlPr>
+                            <a:rPr lang="en-US" altLang="zh-CN" sz="2400" i="1">
+                              <a:latin typeface="Cambria Math" panose="02040503050406030204" pitchFamily="18" charset="0"/>
+                            </a:rPr>
+                          </m:ctrlPr>
+                        </m:naryPr>
+                        <m:sub>
+                          <m:r>
+                            <m:rPr>
+                              <m:brk m:alnAt="23"/>
+                            </m:rPr>
+                            <a:rPr lang="en-US" altLang="zh-CN" sz="2400" i="1">
+                              <a:latin typeface="Cambria Math" panose="02040503050406030204" pitchFamily="18" charset="0"/>
+                            </a:rPr>
+                            <m:t>0</m:t>
+                          </m:r>
+                        </m:sub>
+                        <m:sup>
+                          <m:r>
+                            <a:rPr lang="en-US" altLang="zh-CN" sz="2400" i="1">
+                              <a:latin typeface="Cambria Math" panose="02040503050406030204" pitchFamily="18" charset="0"/>
+                            </a:rPr>
+                            <m:t>h</m:t>
+                          </m:r>
+                        </m:sup>
+                        <m:e>
+                          <m:sSup>
+                            <m:sSupPr>
+                              <m:ctrlPr>
+                                <a:rPr lang="en-US" altLang="zh-CN" sz="2400" i="1">
+                                  <a:latin typeface="Cambria Math" panose="02040503050406030204" pitchFamily="18" charset="0"/>
+                                </a:rPr>
+                              </m:ctrlPr>
+                            </m:sSupPr>
+                            <m:e>
+                              <m:r>
+                                <a:rPr lang="en-US" altLang="zh-CN" sz="2400" i="1">
+                                  <a:latin typeface="Cambria Math" panose="02040503050406030204" pitchFamily="18" charset="0"/>
+                                </a:rPr>
+                                <m:t>𝑀</m:t>
+                              </m:r>
+                            </m:e>
+                            <m:sup>
+                              <m:r>
+                                <a:rPr lang="en-US" altLang="zh-CN" sz="2400" i="1">
+                                  <a:latin typeface="Cambria Math" panose="02040503050406030204" pitchFamily="18" charset="0"/>
+                                </a:rPr>
+                                <m:t>−1</m:t>
+                              </m:r>
+                            </m:sup>
+                          </m:sSup>
+                          <m:r>
+                            <a:rPr lang="en-US" altLang="zh-CN" sz="2400" i="1">
+                              <a:latin typeface="Cambria Math" panose="02040503050406030204" pitchFamily="18" charset="0"/>
+                            </a:rPr>
+                            <m:t>𝑓</m:t>
+                          </m:r>
+                          <m:d>
+                            <m:dPr>
+                              <m:ctrlPr>
+                                <a:rPr lang="en-US" altLang="zh-CN" sz="2400" i="1">
+                                  <a:latin typeface="Cambria Math" panose="02040503050406030204" pitchFamily="18" charset="0"/>
+                                </a:rPr>
+                              </m:ctrlPr>
+                            </m:dPr>
+                            <m:e>
+                              <m:sSub>
+                                <m:sSubPr>
+                                  <m:ctrlPr>
+                                    <a:rPr lang="en-US" altLang="zh-CN" sz="2400" i="1">
+                                      <a:latin typeface="Cambria Math" panose="02040503050406030204" pitchFamily="18" charset="0"/>
+                                    </a:rPr>
+                                  </m:ctrlPr>
+                                </m:sSubPr>
+                                <m:e>
+                                  <m:r>
+                                    <a:rPr lang="en-US" altLang="zh-CN" sz="2400" i="1">
+                                      <a:latin typeface="Cambria Math" panose="02040503050406030204" pitchFamily="18" charset="0"/>
+                                    </a:rPr>
+                                    <m:t>𝑡</m:t>
+                                  </m:r>
+                                </m:e>
+                                <m:sub>
+                                  <m:r>
+                                    <a:rPr lang="en-US" altLang="zh-CN" sz="2400" i="1">
+                                      <a:latin typeface="Cambria Math" panose="02040503050406030204" pitchFamily="18" charset="0"/>
+                                    </a:rPr>
+                                    <m:t>𝑛</m:t>
+                                  </m:r>
+                                </m:sub>
+                              </m:sSub>
+                              <m:r>
+                                <a:rPr lang="en-US" altLang="zh-CN" sz="2400" i="1">
+                                  <a:latin typeface="Cambria Math" panose="02040503050406030204" pitchFamily="18" charset="0"/>
+                                </a:rPr>
+                                <m:t>+</m:t>
+                              </m:r>
+                              <m:r>
+                                <a:rPr lang="en-US" altLang="zh-CN" sz="2400" i="1">
+                                  <a:latin typeface="Cambria Math" panose="02040503050406030204" pitchFamily="18" charset="0"/>
+                                </a:rPr>
+                                <m:t>𝑡</m:t>
+                              </m:r>
+                            </m:e>
+                          </m:d>
+                          <m:r>
+                            <a:rPr lang="en-US" altLang="zh-CN" sz="2400" i="1">
+                              <a:latin typeface="Cambria Math" panose="02040503050406030204" pitchFamily="18" charset="0"/>
+                            </a:rPr>
+                            <m:t>𝑑𝑡</m:t>
+                          </m:r>
+                        </m:e>
+                      </m:nary>
+                      <m:r>
+                        <a:rPr lang="en-US" altLang="zh-CN" sz="2400" i="1" smtClean="0">
+                          <a:latin typeface="Cambria Math" panose="02040503050406030204" pitchFamily="18" charset="0"/>
+                          <a:ea typeface="Cambria Math" panose="02040503050406030204" pitchFamily="18" charset="0"/>
+                        </a:rPr>
+                        <m:t>≈</m:t>
+                      </m:r>
+                      <m:sSub>
+                        <m:sSubPr>
+                          <m:ctrlPr>
+                            <a:rPr lang="en-US" altLang="zh-CN" sz="2400" b="0" i="1" smtClean="0">
+                              <a:latin typeface="Cambria Math" panose="02040503050406030204" pitchFamily="18" charset="0"/>
+                            </a:rPr>
+                          </m:ctrlPr>
+                        </m:sSubPr>
+                        <m:e>
+                          <m:r>
+                            <a:rPr lang="en-US" altLang="zh-CN" sz="2400" b="1" i="1" smtClean="0">
+                              <a:latin typeface="Cambria Math" panose="02040503050406030204" pitchFamily="18" charset="0"/>
+                            </a:rPr>
+                            <m:t>𝒗</m:t>
+                          </m:r>
+                        </m:e>
+                        <m:sub>
+                          <m:r>
+                            <a:rPr lang="en-US" altLang="zh-CN" sz="2400" b="0" i="1" smtClean="0">
+                              <a:latin typeface="Cambria Math" panose="02040503050406030204" pitchFamily="18" charset="0"/>
+                            </a:rPr>
+                            <m:t>𝑛</m:t>
+                          </m:r>
+                        </m:sub>
+                      </m:sSub>
+                      <m:r>
+                        <a:rPr lang="en-US" altLang="zh-CN" sz="2400" b="0" i="1" smtClean="0">
+                          <a:latin typeface="Cambria Math" panose="02040503050406030204" pitchFamily="18" charset="0"/>
+                        </a:rPr>
+                        <m:t>+</m:t>
+                      </m:r>
+                      <m:r>
+                        <a:rPr lang="en-US" altLang="zh-CN" sz="2400" b="0" i="1" smtClean="0">
+                          <a:latin typeface="Cambria Math" panose="02040503050406030204" pitchFamily="18" charset="0"/>
+                        </a:rPr>
+                        <m:t>h</m:t>
+                      </m:r>
+                      <m:sSup>
+                        <m:sSupPr>
+                          <m:ctrlPr>
+                            <a:rPr lang="en-US" altLang="zh-CN" sz="2400" b="0" i="1" smtClean="0">
+                              <a:latin typeface="Cambria Math" panose="02040503050406030204" pitchFamily="18" charset="0"/>
+                            </a:rPr>
+                          </m:ctrlPr>
+                        </m:sSupPr>
+                        <m:e>
+                          <m:r>
+                            <a:rPr lang="en-US" altLang="zh-CN" sz="2400" b="0" i="1" smtClean="0">
+                              <a:latin typeface="Cambria Math" panose="02040503050406030204" pitchFamily="18" charset="0"/>
+                            </a:rPr>
+                            <m:t>𝑀</m:t>
+                          </m:r>
+                        </m:e>
+                        <m:sup>
+                          <m:r>
+                            <a:rPr lang="en-US" altLang="zh-CN" sz="2400" b="0" i="1" smtClean="0">
+                              <a:latin typeface="Cambria Math" panose="02040503050406030204" pitchFamily="18" charset="0"/>
+                            </a:rPr>
+                            <m:t>−1</m:t>
+                          </m:r>
+                        </m:sup>
+                      </m:sSup>
+                      <m:r>
+                        <a:rPr lang="en-US" altLang="zh-CN" sz="2400" b="0" i="1" smtClean="0">
+                          <a:latin typeface="Cambria Math" panose="02040503050406030204" pitchFamily="18" charset="0"/>
+                        </a:rPr>
+                        <m:t>𝑓</m:t>
+                      </m:r>
+                      <m:d>
+                        <m:dPr>
+                          <m:ctrlPr>
+                            <a:rPr lang="en-US" altLang="zh-CN" sz="2400" b="0" i="1" smtClean="0">
+                              <a:latin typeface="Cambria Math" panose="02040503050406030204" pitchFamily="18" charset="0"/>
+                            </a:rPr>
+                          </m:ctrlPr>
+                        </m:dPr>
+                        <m:e>
+                          <m:sSub>
+                            <m:sSubPr>
+                              <m:ctrlPr>
+                                <a:rPr lang="en-US" altLang="zh-CN" sz="2400" b="0" i="1" smtClean="0">
+                                  <a:latin typeface="Cambria Math" panose="02040503050406030204" pitchFamily="18" charset="0"/>
+                                </a:rPr>
+                              </m:ctrlPr>
+                            </m:sSubPr>
+                            <m:e>
+                              <m:r>
+                                <a:rPr lang="en-US" altLang="zh-CN" sz="2400" b="1" i="1" smtClean="0">
+                                  <a:latin typeface="Cambria Math" panose="02040503050406030204" pitchFamily="18" charset="0"/>
+                                </a:rPr>
+                                <m:t>𝒙</m:t>
+                              </m:r>
+                            </m:e>
+                            <m:sub>
+                              <m:r>
+                                <a:rPr lang="en-US" altLang="zh-CN" sz="2400" b="0" i="1" smtClean="0">
+                                  <a:solidFill>
+                                    <a:schemeClr val="accent6"/>
+                                  </a:solidFill>
+                                  <a:latin typeface="Cambria Math" panose="02040503050406030204" pitchFamily="18" charset="0"/>
+                                </a:rPr>
+                                <m:t>𝑛</m:t>
+                              </m:r>
+                            </m:sub>
+                          </m:sSub>
+                        </m:e>
+                      </m:d>
+                    </m:oMath>
+                  </m:oMathPara>
+                </a14:m>
+                <a:endParaRPr lang="en-US" altLang="zh-CN" sz="2400" b="0" i="1" dirty="0">
+                  <a:latin typeface="Cambria Math" panose="02040503050406030204" pitchFamily="18" charset="0"/>
+                </a:endParaRPr>
+              </a:p>
+              <a:p>
+                <a:pPr marL="0" indent="0">
+                  <a:buNone/>
+                </a:pPr>
+                <a14:m>
+                  <m:oMathPara xmlns:m="http://schemas.openxmlformats.org/officeDocument/2006/math">
+                    <m:oMathParaPr>
+                      <m:jc m:val="left"/>
+                    </m:oMathParaPr>
+                    <m:oMath xmlns:m="http://schemas.openxmlformats.org/officeDocument/2006/math">
+                      <m:sSub>
+                        <m:sSubPr>
+                          <m:ctrlPr>
+                            <a:rPr kumimoji="0" lang="en-US" altLang="zh-CN" sz="2400" b="0" i="1" u="none" strike="noStrike" kern="1200" cap="none" spc="0" normalizeH="0" baseline="0" noProof="0" smtClean="0">
+                              <a:ln>
+                                <a:noFill/>
+                              </a:ln>
+                              <a:solidFill>
+                                <a:prstClr val="black"/>
+                              </a:solidFill>
+                              <a:effectLst/>
+                              <a:uLnTx/>
+                              <a:uFillTx/>
+                              <a:latin typeface="Cambria Math" panose="02040503050406030204" pitchFamily="18" charset="0"/>
+                              <a:cs typeface="+mn-cs"/>
+                            </a:rPr>
+                          </m:ctrlPr>
+                        </m:sSubPr>
+                        <m:e>
+                          <m:r>
+                            <a:rPr kumimoji="0" lang="en-US" altLang="zh-CN" sz="2400" b="1" i="1" u="none" strike="noStrike" kern="1200" cap="none" spc="0" normalizeH="0" baseline="0" noProof="0" smtClean="0">
+                              <a:ln>
+                                <a:noFill/>
+                              </a:ln>
+                              <a:solidFill>
+                                <a:prstClr val="black"/>
+                              </a:solidFill>
+                              <a:effectLst/>
+                              <a:uLnTx/>
+                              <a:uFillTx/>
+                              <a:latin typeface="Cambria Math" panose="02040503050406030204" pitchFamily="18" charset="0"/>
+                              <a:cs typeface="+mn-cs"/>
+                            </a:rPr>
+                            <m:t>𝒙</m:t>
+                          </m:r>
+                        </m:e>
+                        <m:sub>
+                          <m:r>
+                            <a:rPr kumimoji="0" lang="en-US" altLang="zh-CN" sz="2400" b="0" i="1" u="none" strike="noStrike" kern="1200" cap="none" spc="0" normalizeH="0" baseline="0" noProof="0" smtClean="0">
+                              <a:ln>
+                                <a:noFill/>
+                              </a:ln>
+                              <a:solidFill>
+                                <a:prstClr val="black"/>
+                              </a:solidFill>
+                              <a:effectLst/>
+                              <a:uLnTx/>
+                              <a:uFillTx/>
+                              <a:latin typeface="Cambria Math" panose="02040503050406030204" pitchFamily="18" charset="0"/>
+                              <a:cs typeface="+mn-cs"/>
+                            </a:rPr>
+                            <m:t>𝑛</m:t>
+                          </m:r>
+                          <m:r>
+                            <a:rPr kumimoji="0" lang="en-US" altLang="zh-CN" sz="2400" b="0" i="1" u="none" strike="noStrike" kern="1200" cap="none" spc="0" normalizeH="0" baseline="0" noProof="0" smtClean="0">
+                              <a:ln>
+                                <a:noFill/>
+                              </a:ln>
+                              <a:solidFill>
+                                <a:prstClr val="black"/>
+                              </a:solidFill>
+                              <a:effectLst/>
+                              <a:uLnTx/>
+                              <a:uFillTx/>
+                              <a:latin typeface="Cambria Math" panose="02040503050406030204" pitchFamily="18" charset="0"/>
+                              <a:cs typeface="+mn-cs"/>
+                            </a:rPr>
+                            <m:t>+1</m:t>
+                          </m:r>
+                        </m:sub>
+                      </m:sSub>
+                      <m:r>
+                        <a:rPr kumimoji="0" lang="en-US" altLang="zh-CN" sz="2400" b="0" i="1" u="none" strike="noStrike" kern="1200" cap="none" spc="0" normalizeH="0" baseline="0" noProof="0" smtClean="0">
+                          <a:ln>
+                            <a:noFill/>
+                          </a:ln>
+                          <a:solidFill>
+                            <a:prstClr val="black"/>
+                          </a:solidFill>
+                          <a:effectLst/>
+                          <a:uLnTx/>
+                          <a:uFillTx/>
+                          <a:latin typeface="Cambria Math" panose="02040503050406030204" pitchFamily="18" charset="0"/>
+                          <a:cs typeface="+mn-cs"/>
+                        </a:rPr>
+                        <m:t>=</m:t>
+                      </m:r>
+                      <m:r>
+                        <a:rPr kumimoji="0" lang="en-US" altLang="zh-CN" sz="2400" b="1" i="1" u="none" strike="noStrike" kern="1200" cap="none" spc="0" normalizeH="0" baseline="0" noProof="0" smtClean="0">
+                          <a:ln>
+                            <a:noFill/>
+                          </a:ln>
+                          <a:solidFill>
+                            <a:prstClr val="black"/>
+                          </a:solidFill>
+                          <a:effectLst/>
+                          <a:uLnTx/>
+                          <a:uFillTx/>
+                          <a:latin typeface="Cambria Math" panose="02040503050406030204" pitchFamily="18" charset="0"/>
+                          <a:cs typeface="+mn-cs"/>
+                        </a:rPr>
+                        <m:t>𝒙</m:t>
+                      </m:r>
+                      <m:d>
+                        <m:dPr>
+                          <m:ctrlPr>
+                            <a:rPr kumimoji="0" lang="en-US" altLang="zh-CN" sz="2400" b="0" i="1" u="none" strike="noStrike" kern="1200" cap="none" spc="0" normalizeH="0" baseline="0" noProof="0">
+                              <a:ln>
+                                <a:noFill/>
+                              </a:ln>
+                              <a:solidFill>
+                                <a:prstClr val="black"/>
+                              </a:solidFill>
+                              <a:effectLst/>
+                              <a:uLnTx/>
+                              <a:uFillTx/>
+                              <a:latin typeface="Cambria Math" panose="02040503050406030204" pitchFamily="18" charset="0"/>
+                              <a:cs typeface="+mn-cs"/>
+                            </a:rPr>
+                          </m:ctrlPr>
+                        </m:dPr>
+                        <m:e>
+                          <m:sSub>
+                            <m:sSubPr>
+                              <m:ctrlPr>
+                                <a:rPr kumimoji="0" lang="en-US" altLang="zh-CN" sz="2400" b="0" i="1" u="none" strike="noStrike" kern="1200" cap="none" spc="0" normalizeH="0" baseline="0" noProof="0">
+                                  <a:ln>
+                                    <a:noFill/>
+                                  </a:ln>
+                                  <a:solidFill>
+                                    <a:prstClr val="black"/>
+                                  </a:solidFill>
+                                  <a:effectLst/>
+                                  <a:uLnTx/>
+                                  <a:uFillTx/>
+                                  <a:latin typeface="Cambria Math" panose="02040503050406030204" pitchFamily="18" charset="0"/>
+                                  <a:cs typeface="+mn-cs"/>
+                                </a:rPr>
+                              </m:ctrlPr>
+                            </m:sSubPr>
+                            <m:e>
+                              <m:r>
+                                <a:rPr kumimoji="0" lang="en-US" altLang="zh-CN" sz="2400" b="0" i="1" u="none" strike="noStrike" kern="1200" cap="none" spc="0" normalizeH="0" baseline="0" noProof="0">
+                                  <a:ln>
+                                    <a:noFill/>
+                                  </a:ln>
+                                  <a:solidFill>
+                                    <a:prstClr val="black"/>
+                                  </a:solidFill>
+                                  <a:effectLst/>
+                                  <a:uLnTx/>
+                                  <a:uFillTx/>
+                                  <a:latin typeface="Cambria Math" panose="02040503050406030204" pitchFamily="18" charset="0"/>
+                                  <a:cs typeface="+mn-cs"/>
+                                </a:rPr>
+                                <m:t>𝑡</m:t>
+                              </m:r>
+                            </m:e>
+                            <m:sub>
+                              <m:r>
+                                <a:rPr kumimoji="0" lang="en-US" altLang="zh-CN" sz="2400" b="0" i="1" u="none" strike="noStrike" kern="1200" cap="none" spc="0" normalizeH="0" baseline="0" noProof="0">
+                                  <a:ln>
+                                    <a:noFill/>
+                                  </a:ln>
+                                  <a:solidFill>
+                                    <a:prstClr val="black"/>
+                                  </a:solidFill>
+                                  <a:effectLst/>
+                                  <a:uLnTx/>
+                                  <a:uFillTx/>
+                                  <a:latin typeface="Cambria Math" panose="02040503050406030204" pitchFamily="18" charset="0"/>
+                                  <a:cs typeface="+mn-cs"/>
+                                </a:rPr>
+                                <m:t>𝑛</m:t>
+                              </m:r>
+                            </m:sub>
+                          </m:sSub>
+                        </m:e>
+                      </m:d>
+                      <m:r>
+                        <a:rPr kumimoji="0" lang="en-US" altLang="zh-CN" sz="2400" b="0" i="1" u="none" strike="noStrike" kern="1200" cap="none" spc="0" normalizeH="0" baseline="0" noProof="0">
+                          <a:ln>
+                            <a:noFill/>
+                          </a:ln>
+                          <a:solidFill>
+                            <a:prstClr val="black"/>
+                          </a:solidFill>
+                          <a:effectLst/>
+                          <a:uLnTx/>
+                          <a:uFillTx/>
+                          <a:latin typeface="Cambria Math" panose="02040503050406030204" pitchFamily="18" charset="0"/>
+                          <a:cs typeface="+mn-cs"/>
+                        </a:rPr>
+                        <m:t>+</m:t>
+                      </m:r>
+                      <m:nary>
+                        <m:naryPr>
+                          <m:ctrlPr>
+                            <a:rPr kumimoji="0" lang="en-US" altLang="zh-CN" sz="2400" b="0" i="1" u="none" strike="noStrike" kern="1200" cap="none" spc="0" normalizeH="0" baseline="0" noProof="0">
+                              <a:ln>
+                                <a:noFill/>
+                              </a:ln>
+                              <a:solidFill>
+                                <a:prstClr val="black"/>
+                              </a:solidFill>
+                              <a:effectLst/>
+                              <a:uLnTx/>
+                              <a:uFillTx/>
+                              <a:latin typeface="Cambria Math" panose="02040503050406030204" pitchFamily="18" charset="0"/>
+                              <a:cs typeface="+mn-cs"/>
+                            </a:rPr>
+                          </m:ctrlPr>
+                        </m:naryPr>
+                        <m:sub>
+                          <m:r>
+                            <m:rPr>
+                              <m:brk m:alnAt="23"/>
+                            </m:rPr>
+                            <a:rPr kumimoji="0" lang="en-US" altLang="zh-CN" sz="2400" b="0" i="1" u="none" strike="noStrike" kern="1200" cap="none" spc="0" normalizeH="0" baseline="0" noProof="0">
+                              <a:ln>
+                                <a:noFill/>
+                              </a:ln>
+                              <a:solidFill>
+                                <a:prstClr val="black"/>
+                              </a:solidFill>
+                              <a:effectLst/>
+                              <a:uLnTx/>
+                              <a:uFillTx/>
+                              <a:latin typeface="Cambria Math" panose="02040503050406030204" pitchFamily="18" charset="0"/>
+                              <a:cs typeface="+mn-cs"/>
+                            </a:rPr>
+                            <m:t>0</m:t>
+                          </m:r>
+                        </m:sub>
+                        <m:sup>
+                          <m:r>
+                            <a:rPr kumimoji="0" lang="en-US" altLang="zh-CN" sz="2400" b="0" i="1" u="none" strike="noStrike" kern="1200" cap="none" spc="0" normalizeH="0" baseline="0" noProof="0">
+                              <a:ln>
+                                <a:noFill/>
+                              </a:ln>
+                              <a:solidFill>
+                                <a:prstClr val="black"/>
+                              </a:solidFill>
+                              <a:effectLst/>
+                              <a:uLnTx/>
+                              <a:uFillTx/>
+                              <a:latin typeface="Cambria Math" panose="02040503050406030204" pitchFamily="18" charset="0"/>
+                              <a:cs typeface="+mn-cs"/>
+                            </a:rPr>
+                            <m:t>h</m:t>
+                          </m:r>
+                        </m:sup>
+                        <m:e>
+                          <m:r>
+                            <a:rPr kumimoji="0" lang="en-US" altLang="zh-CN" sz="2400" b="1" i="1" u="none" strike="noStrike" kern="1200" cap="none" spc="0" normalizeH="0" baseline="0" noProof="0">
+                              <a:ln>
+                                <a:noFill/>
+                              </a:ln>
+                              <a:solidFill>
+                                <a:prstClr val="black"/>
+                              </a:solidFill>
+                              <a:effectLst/>
+                              <a:uLnTx/>
+                              <a:uFillTx/>
+                              <a:latin typeface="Cambria Math" panose="02040503050406030204" pitchFamily="18" charset="0"/>
+                              <a:cs typeface="+mn-cs"/>
+                            </a:rPr>
+                            <m:t>𝒗</m:t>
+                          </m:r>
+                          <m:d>
+                            <m:dPr>
+                              <m:ctrlPr>
+                                <a:rPr kumimoji="0" lang="en-US" altLang="zh-CN" sz="2400" b="0" i="1" u="none" strike="noStrike" kern="1200" cap="none" spc="0" normalizeH="0" baseline="0" noProof="0">
+                                  <a:ln>
+                                    <a:noFill/>
+                                  </a:ln>
+                                  <a:solidFill>
+                                    <a:prstClr val="black"/>
+                                  </a:solidFill>
+                                  <a:effectLst/>
+                                  <a:uLnTx/>
+                                  <a:uFillTx/>
+                                  <a:latin typeface="Cambria Math" panose="02040503050406030204" pitchFamily="18" charset="0"/>
+                                  <a:cs typeface="+mn-cs"/>
+                                </a:rPr>
+                              </m:ctrlPr>
+                            </m:dPr>
+                            <m:e>
+                              <m:sSub>
+                                <m:sSubPr>
+                                  <m:ctrlPr>
+                                    <a:rPr kumimoji="0" lang="en-US" altLang="zh-CN" sz="2400" b="0" i="1" u="none" strike="noStrike" kern="1200" cap="none" spc="0" normalizeH="0" baseline="0" noProof="0">
+                                      <a:ln>
+                                        <a:noFill/>
+                                      </a:ln>
+                                      <a:solidFill>
+                                        <a:prstClr val="black"/>
+                                      </a:solidFill>
+                                      <a:effectLst/>
+                                      <a:uLnTx/>
+                                      <a:uFillTx/>
+                                      <a:latin typeface="Cambria Math" panose="02040503050406030204" pitchFamily="18" charset="0"/>
+                                      <a:cs typeface="+mn-cs"/>
+                                    </a:rPr>
+                                  </m:ctrlPr>
+                                </m:sSubPr>
+                                <m:e>
+                                  <m:r>
+                                    <a:rPr kumimoji="0" lang="en-US" altLang="zh-CN" sz="2400" b="0" i="1" u="none" strike="noStrike" kern="1200" cap="none" spc="0" normalizeH="0" baseline="0" noProof="0">
+                                      <a:ln>
+                                        <a:noFill/>
+                                      </a:ln>
+                                      <a:solidFill>
+                                        <a:prstClr val="black"/>
+                                      </a:solidFill>
+                                      <a:effectLst/>
+                                      <a:uLnTx/>
+                                      <a:uFillTx/>
+                                      <a:latin typeface="Cambria Math" panose="02040503050406030204" pitchFamily="18" charset="0"/>
+                                      <a:cs typeface="+mn-cs"/>
+                                    </a:rPr>
+                                    <m:t>𝑡</m:t>
+                                  </m:r>
+                                </m:e>
+                                <m:sub>
+                                  <m:r>
+                                    <a:rPr kumimoji="0" lang="en-US" altLang="zh-CN" sz="2400" b="0" i="1" u="none" strike="noStrike" kern="1200" cap="none" spc="0" normalizeH="0" baseline="0" noProof="0">
+                                      <a:ln>
+                                        <a:noFill/>
+                                      </a:ln>
+                                      <a:solidFill>
+                                        <a:prstClr val="black"/>
+                                      </a:solidFill>
+                                      <a:effectLst/>
+                                      <a:uLnTx/>
+                                      <a:uFillTx/>
+                                      <a:latin typeface="Cambria Math" panose="02040503050406030204" pitchFamily="18" charset="0"/>
+                                      <a:cs typeface="+mn-cs"/>
+                                    </a:rPr>
+                                    <m:t>𝑛</m:t>
+                                  </m:r>
+                                </m:sub>
+                              </m:sSub>
+                              <m:r>
+                                <a:rPr kumimoji="0" lang="en-US" altLang="zh-CN" sz="2400" b="0" i="1" u="none" strike="noStrike" kern="1200" cap="none" spc="0" normalizeH="0" baseline="0" noProof="0">
+                                  <a:ln>
+                                    <a:noFill/>
+                                  </a:ln>
+                                  <a:solidFill>
+                                    <a:prstClr val="black"/>
+                                  </a:solidFill>
+                                  <a:effectLst/>
+                                  <a:uLnTx/>
+                                  <a:uFillTx/>
+                                  <a:latin typeface="Cambria Math" panose="02040503050406030204" pitchFamily="18" charset="0"/>
+                                  <a:cs typeface="+mn-cs"/>
+                                </a:rPr>
+                                <m:t>+</m:t>
+                              </m:r>
+                              <m:r>
+                                <a:rPr kumimoji="0" lang="en-US" altLang="zh-CN" sz="2400" b="0" i="1" u="none" strike="noStrike" kern="1200" cap="none" spc="0" normalizeH="0" baseline="0" noProof="0">
+                                  <a:ln>
+                                    <a:noFill/>
+                                  </a:ln>
+                                  <a:solidFill>
+                                    <a:prstClr val="black"/>
+                                  </a:solidFill>
+                                  <a:effectLst/>
+                                  <a:uLnTx/>
+                                  <a:uFillTx/>
+                                  <a:latin typeface="Cambria Math" panose="02040503050406030204" pitchFamily="18" charset="0"/>
+                                  <a:cs typeface="+mn-cs"/>
+                                </a:rPr>
+                                <m:t>𝑡</m:t>
+                              </m:r>
+                            </m:e>
+                          </m:d>
+                          <m:r>
+                            <a:rPr kumimoji="0" lang="en-US" altLang="zh-CN" sz="2400" b="0" i="1" u="none" strike="noStrike" kern="1200" cap="none" spc="0" normalizeH="0" baseline="0" noProof="0">
+                              <a:ln>
+                                <a:noFill/>
+                              </a:ln>
+                              <a:solidFill>
+                                <a:prstClr val="black"/>
+                              </a:solidFill>
+                              <a:effectLst/>
+                              <a:uLnTx/>
+                              <a:uFillTx/>
+                              <a:latin typeface="Cambria Math" panose="02040503050406030204" pitchFamily="18" charset="0"/>
+                              <a:cs typeface="+mn-cs"/>
+                            </a:rPr>
+                            <m:t>𝑑𝑡</m:t>
+                          </m:r>
+                        </m:e>
+                      </m:nary>
+                      <m:r>
+                        <a:rPr kumimoji="0" lang="en-US" altLang="zh-CN" sz="2400" b="0" i="1" u="none" strike="noStrike" kern="1200" cap="none" spc="0" normalizeH="0" baseline="0" noProof="0" smtClean="0">
+                          <a:ln>
+                            <a:noFill/>
+                          </a:ln>
+                          <a:solidFill>
+                            <a:prstClr val="black"/>
+                          </a:solidFill>
+                          <a:effectLst/>
+                          <a:uLnTx/>
+                          <a:uFillTx/>
+                          <a:latin typeface="Cambria Math" panose="02040503050406030204" pitchFamily="18" charset="0"/>
+                          <a:ea typeface="Cambria Math" panose="02040503050406030204" pitchFamily="18" charset="0"/>
+                          <a:cs typeface="+mn-cs"/>
+                        </a:rPr>
+                        <m:t>≈</m:t>
+                      </m:r>
+                      <m:sSub>
+                        <m:sSubPr>
+                          <m:ctrlPr>
+                            <a:rPr kumimoji="0" lang="en-US" altLang="zh-CN" sz="2400" b="0" i="1" u="none" strike="noStrike" kern="1200" cap="none" spc="0" normalizeH="0" baseline="0" noProof="0" smtClean="0">
+                              <a:ln>
+                                <a:noFill/>
+                              </a:ln>
+                              <a:solidFill>
+                                <a:prstClr val="black"/>
+                              </a:solidFill>
+                              <a:effectLst/>
+                              <a:uLnTx/>
+                              <a:uFillTx/>
+                              <a:latin typeface="Cambria Math" panose="02040503050406030204" pitchFamily="18" charset="0"/>
+                              <a:cs typeface="+mn-cs"/>
+                            </a:rPr>
+                          </m:ctrlPr>
+                        </m:sSubPr>
+                        <m:e>
+                          <m:r>
+                            <a:rPr kumimoji="0" lang="en-US" altLang="zh-CN" sz="2400" b="1" i="1" u="none" strike="noStrike" kern="1200" cap="none" spc="0" normalizeH="0" baseline="0" noProof="0" smtClean="0">
+                              <a:ln>
+                                <a:noFill/>
+                              </a:ln>
+                              <a:solidFill>
+                                <a:prstClr val="black"/>
+                              </a:solidFill>
+                              <a:effectLst/>
+                              <a:uLnTx/>
+                              <a:uFillTx/>
+                              <a:latin typeface="Cambria Math" panose="02040503050406030204" pitchFamily="18" charset="0"/>
+                              <a:cs typeface="+mn-cs"/>
+                            </a:rPr>
+                            <m:t>𝒙</m:t>
+                          </m:r>
+                        </m:e>
+                        <m:sub>
+                          <m:r>
+                            <a:rPr kumimoji="0" lang="en-US" altLang="zh-CN" sz="2400" b="0" i="1" u="none" strike="noStrike" kern="1200" cap="none" spc="0" normalizeH="0" baseline="0" noProof="0" smtClean="0">
+                              <a:ln>
+                                <a:noFill/>
+                              </a:ln>
+                              <a:solidFill>
+                                <a:prstClr val="black"/>
+                              </a:solidFill>
+                              <a:effectLst/>
+                              <a:uLnTx/>
+                              <a:uFillTx/>
+                              <a:latin typeface="Cambria Math" panose="02040503050406030204" pitchFamily="18" charset="0"/>
+                              <a:cs typeface="+mn-cs"/>
+                            </a:rPr>
+                            <m:t>𝑛</m:t>
+                          </m:r>
+                        </m:sub>
+                      </m:sSub>
+                      <m:r>
+                        <a:rPr kumimoji="0" lang="en-US" altLang="zh-CN" sz="2400" b="0" i="1" u="none" strike="noStrike" kern="1200" cap="none" spc="0" normalizeH="0" baseline="0" noProof="0" smtClean="0">
+                          <a:ln>
+                            <a:noFill/>
+                          </a:ln>
+                          <a:solidFill>
+                            <a:prstClr val="black"/>
+                          </a:solidFill>
+                          <a:effectLst/>
+                          <a:uLnTx/>
+                          <a:uFillTx/>
+                          <a:latin typeface="Cambria Math" panose="02040503050406030204" pitchFamily="18" charset="0"/>
+                          <a:cs typeface="+mn-cs"/>
+                        </a:rPr>
+                        <m:t>+</m:t>
+                      </m:r>
+                      <m:r>
+                        <a:rPr kumimoji="0" lang="en-US" altLang="zh-CN" sz="2400" b="0" i="1" u="none" strike="noStrike" kern="1200" cap="none" spc="0" normalizeH="0" baseline="0" noProof="0" smtClean="0">
+                          <a:ln>
+                            <a:noFill/>
+                          </a:ln>
+                          <a:solidFill>
+                            <a:prstClr val="black"/>
+                          </a:solidFill>
+                          <a:effectLst/>
+                          <a:uLnTx/>
+                          <a:uFillTx/>
+                          <a:latin typeface="Cambria Math" panose="02040503050406030204" pitchFamily="18" charset="0"/>
+                          <a:cs typeface="+mn-cs"/>
+                        </a:rPr>
+                        <m:t>h</m:t>
+                      </m:r>
+                      <m:sSub>
+                        <m:sSubPr>
+                          <m:ctrlPr>
+                            <a:rPr kumimoji="0" lang="en-US" altLang="zh-CN" sz="2400" b="0" i="1" u="none" strike="noStrike" kern="1200" cap="none" spc="0" normalizeH="0" baseline="0" noProof="0" smtClean="0">
+                              <a:ln>
+                                <a:noFill/>
+                              </a:ln>
+                              <a:solidFill>
+                                <a:prstClr val="black"/>
+                              </a:solidFill>
+                              <a:effectLst/>
+                              <a:uLnTx/>
+                              <a:uFillTx/>
+                              <a:latin typeface="Cambria Math" panose="02040503050406030204" pitchFamily="18" charset="0"/>
+                              <a:cs typeface="+mn-cs"/>
+                            </a:rPr>
+                          </m:ctrlPr>
+                        </m:sSubPr>
+                        <m:e>
+                          <m:r>
+                            <a:rPr kumimoji="0" lang="en-US" altLang="zh-CN" sz="2400" b="1" i="1" u="none" strike="noStrike" kern="1200" cap="none" spc="0" normalizeH="0" baseline="0" noProof="0" smtClean="0">
+                              <a:ln>
+                                <a:noFill/>
+                              </a:ln>
+                              <a:solidFill>
+                                <a:prstClr val="black"/>
+                              </a:solidFill>
+                              <a:effectLst/>
+                              <a:uLnTx/>
+                              <a:uFillTx/>
+                              <a:latin typeface="Cambria Math" panose="02040503050406030204" pitchFamily="18" charset="0"/>
+                              <a:cs typeface="+mn-cs"/>
+                            </a:rPr>
+                            <m:t>𝒗</m:t>
+                          </m:r>
+                        </m:e>
+                        <m:sub>
+                          <m:r>
+                            <a:rPr kumimoji="0" lang="en-US" altLang="zh-CN" sz="2400" b="0" i="1" u="none" strike="noStrike" kern="1200" cap="none" spc="0" normalizeH="0" baseline="0" noProof="0" smtClean="0">
+                              <a:ln>
+                                <a:noFill/>
+                              </a:ln>
+                              <a:solidFill>
+                                <a:srgbClr val="70AD47"/>
+                              </a:solidFill>
+                              <a:effectLst/>
+                              <a:uLnTx/>
+                              <a:uFillTx/>
+                              <a:latin typeface="Cambria Math" panose="02040503050406030204" pitchFamily="18" charset="0"/>
+                              <a:cs typeface="+mn-cs"/>
+                            </a:rPr>
+                            <m:t>𝑛</m:t>
+                          </m:r>
+                          <m:r>
+                            <a:rPr kumimoji="0" lang="en-US" altLang="zh-CN" sz="2400" b="0" i="1" u="none" strike="noStrike" kern="1200" cap="none" spc="0" normalizeH="0" baseline="0" noProof="0" smtClean="0">
+                              <a:ln>
+                                <a:noFill/>
+                              </a:ln>
+                              <a:solidFill>
+                                <a:srgbClr val="70AD47"/>
+                              </a:solidFill>
+                              <a:effectLst/>
+                              <a:uLnTx/>
+                              <a:uFillTx/>
+                              <a:latin typeface="Cambria Math" panose="02040503050406030204" pitchFamily="18" charset="0"/>
+                              <a:cs typeface="+mn-cs"/>
+                            </a:rPr>
+                            <m:t>+1</m:t>
+                          </m:r>
+                        </m:sub>
+                      </m:sSub>
+                    </m:oMath>
+                  </m:oMathPara>
+                </a14:m>
+                <a:endParaRPr lang="en-US" altLang="zh-CN" b="1" dirty="0"/>
+              </a:p>
+              <a:p>
+                <a:pPr marL="0" indent="0">
+                  <a:buNone/>
+                </a:pPr>
+                <a:r>
+                  <a:rPr lang="en-US" altLang="zh-CN" b="1" dirty="0"/>
+                  <a:t>Accuracy: </a:t>
+                </a:r>
+                <a:r>
+                  <a:rPr lang="en-US" altLang="zh-CN" sz="2400" dirty="0">
+                    <a:solidFill>
+                      <a:schemeClr val="accent1"/>
+                    </a:solidFill>
+                  </a:rPr>
+                  <a:t> 2</a:t>
+                </a:r>
+                <a:r>
+                  <a:rPr lang="en-US" altLang="zh-CN" sz="2400" baseline="30000" dirty="0">
+                    <a:solidFill>
+                      <a:schemeClr val="accent1"/>
+                    </a:solidFill>
+                  </a:rPr>
+                  <a:t>nd</a:t>
+                </a:r>
+                <a:r>
+                  <a:rPr lang="en-US" altLang="zh-CN" sz="2400" dirty="0">
+                    <a:solidFill>
+                      <a:schemeClr val="accent1"/>
+                    </a:solidFill>
+                  </a:rPr>
+                  <a:t>-order accurate</a:t>
+                </a:r>
+              </a:p>
+              <a:p>
+                <a:pPr marL="0" marR="0" lvl="0" indent="0" algn="l" defTabSz="914400" rtl="0" eaLnBrk="1" fontAlgn="auto" latinLnBrk="0" hangingPunct="1">
+                  <a:lnSpc>
+                    <a:spcPct val="90000"/>
+                  </a:lnSpc>
+                  <a:spcBef>
+                    <a:spcPts val="1000"/>
+                  </a:spcBef>
+                  <a:spcAft>
+                    <a:spcPts val="0"/>
+                  </a:spcAft>
+                  <a:buClrTx/>
+                  <a:buSzTx/>
+                  <a:buFont typeface="Arial" panose="020B0604020202020204" pitchFamily="34" charset="0"/>
+                  <a:buNone/>
+                  <a:tabLst/>
+                  <a:defRPr/>
+                </a:pPr>
+                <a14:m>
+                  <m:oMathPara xmlns:m="http://schemas.openxmlformats.org/officeDocument/2006/math">
+                    <m:oMathParaPr>
+                      <m:jc m:val="left"/>
+                    </m:oMathParaPr>
+                    <m:oMath xmlns:m="http://schemas.openxmlformats.org/officeDocument/2006/math">
+                      <m:sSub>
+                        <m:sSubPr>
+                          <m:ctrlPr>
+                            <a:rPr kumimoji="0" lang="en-US" altLang="zh-CN" sz="2400" b="0" i="1" u="none" strike="noStrike" kern="1200" cap="none" spc="0" normalizeH="0" baseline="0" noProof="0" smtClean="0">
+                              <a:ln>
+                                <a:noFill/>
+                              </a:ln>
+                              <a:solidFill>
+                                <a:prstClr val="black"/>
+                              </a:solidFill>
+                              <a:effectLst/>
+                              <a:uLnTx/>
+                              <a:uFillTx/>
+                              <a:latin typeface="Cambria Math" panose="02040503050406030204" pitchFamily="18" charset="0"/>
+                              <a:cs typeface="+mn-cs"/>
+                            </a:rPr>
+                          </m:ctrlPr>
+                        </m:sSubPr>
+                        <m:e>
+                          <m:r>
+                            <a:rPr kumimoji="0" lang="en-US" altLang="zh-CN" sz="2400" b="1" i="1" u="none" strike="noStrike" kern="1200" cap="none" spc="0" normalizeH="0" baseline="0" noProof="0" smtClean="0">
+                              <a:ln>
+                                <a:noFill/>
+                              </a:ln>
+                              <a:solidFill>
+                                <a:prstClr val="black"/>
+                              </a:solidFill>
+                              <a:effectLst/>
+                              <a:uLnTx/>
+                              <a:uFillTx/>
+                              <a:latin typeface="Cambria Math" panose="02040503050406030204" pitchFamily="18" charset="0"/>
+                              <a:cs typeface="+mn-cs"/>
+                            </a:rPr>
+                            <m:t>𝒗</m:t>
+                          </m:r>
+                        </m:e>
+                        <m:sub>
+                          <m:r>
+                            <a:rPr kumimoji="0" lang="en-US" altLang="zh-CN" sz="2400" b="0" i="1" u="none" strike="noStrike" kern="1200" cap="none" spc="0" normalizeH="0" baseline="0" noProof="0" smtClean="0">
+                              <a:ln>
+                                <a:noFill/>
+                              </a:ln>
+                              <a:solidFill>
+                                <a:prstClr val="black"/>
+                              </a:solidFill>
+                              <a:effectLst/>
+                              <a:uLnTx/>
+                              <a:uFillTx/>
+                              <a:latin typeface="Cambria Math" panose="02040503050406030204" pitchFamily="18" charset="0"/>
+                              <a:cs typeface="+mn-cs"/>
+                            </a:rPr>
+                            <m:t>𝑛</m:t>
+                          </m:r>
+                          <m:r>
+                            <a:rPr kumimoji="0" lang="en-US" altLang="zh-CN" sz="2400" b="0" i="1" u="none" strike="noStrike" kern="1200" cap="none" spc="0" normalizeH="0" baseline="0" noProof="0" smtClean="0">
+                              <a:ln>
+                                <a:noFill/>
+                              </a:ln>
+                              <a:solidFill>
+                                <a:prstClr val="black"/>
+                              </a:solidFill>
+                              <a:effectLst/>
+                              <a:uLnTx/>
+                              <a:uFillTx/>
+                              <a:latin typeface="Cambria Math" panose="02040503050406030204" pitchFamily="18" charset="0"/>
+                              <a:cs typeface="+mn-cs"/>
+                            </a:rPr>
+                            <m:t>+0.5</m:t>
+                          </m:r>
+                        </m:sub>
+                      </m:sSub>
+                      <m:r>
+                        <a:rPr kumimoji="0" lang="en-US" altLang="zh-CN" sz="2400" b="0" i="1" u="none" strike="noStrike" kern="1200" cap="none" spc="0" normalizeH="0" baseline="0" noProof="0" smtClean="0">
+                          <a:ln>
+                            <a:noFill/>
+                          </a:ln>
+                          <a:solidFill>
+                            <a:prstClr val="black"/>
+                          </a:solidFill>
+                          <a:effectLst/>
+                          <a:uLnTx/>
+                          <a:uFillTx/>
+                          <a:latin typeface="Cambria Math" panose="02040503050406030204" pitchFamily="18" charset="0"/>
+                          <a:ea typeface="Cambria Math" panose="02040503050406030204" pitchFamily="18" charset="0"/>
+                          <a:cs typeface="+mn-cs"/>
+                        </a:rPr>
+                        <m:t>≈</m:t>
+                      </m:r>
+                      <m:sSub>
+                        <m:sSubPr>
+                          <m:ctrlPr>
+                            <a:rPr kumimoji="0" lang="en-US" altLang="zh-CN" sz="2400" b="0" i="1" u="none" strike="noStrike" kern="1200" cap="none" spc="0" normalizeH="0" baseline="0" noProof="0" smtClean="0">
+                              <a:ln>
+                                <a:noFill/>
+                              </a:ln>
+                              <a:solidFill>
+                                <a:prstClr val="black"/>
+                              </a:solidFill>
+                              <a:effectLst/>
+                              <a:uLnTx/>
+                              <a:uFillTx/>
+                              <a:latin typeface="Cambria Math" panose="02040503050406030204" pitchFamily="18" charset="0"/>
+                              <a:cs typeface="+mn-cs"/>
+                            </a:rPr>
+                          </m:ctrlPr>
+                        </m:sSubPr>
+                        <m:e>
+                          <m:r>
+                            <a:rPr kumimoji="0" lang="en-US" altLang="zh-CN" sz="2400" b="1" i="1" u="none" strike="noStrike" kern="1200" cap="none" spc="0" normalizeH="0" baseline="0" noProof="0" smtClean="0">
+                              <a:ln>
+                                <a:noFill/>
+                              </a:ln>
+                              <a:solidFill>
+                                <a:prstClr val="black"/>
+                              </a:solidFill>
+                              <a:effectLst/>
+                              <a:uLnTx/>
+                              <a:uFillTx/>
+                              <a:latin typeface="Cambria Math" panose="02040503050406030204" pitchFamily="18" charset="0"/>
+                              <a:cs typeface="+mn-cs"/>
+                            </a:rPr>
+                            <m:t>𝒗</m:t>
+                          </m:r>
+                        </m:e>
+                        <m:sub>
+                          <m:r>
+                            <a:rPr kumimoji="0" lang="en-US" altLang="zh-CN" sz="2400" b="0" i="1" u="none" strike="noStrike" kern="1200" cap="none" spc="0" normalizeH="0" baseline="0" noProof="0" smtClean="0">
+                              <a:ln>
+                                <a:noFill/>
+                              </a:ln>
+                              <a:solidFill>
+                                <a:prstClr val="black"/>
+                              </a:solidFill>
+                              <a:effectLst/>
+                              <a:uLnTx/>
+                              <a:uFillTx/>
+                              <a:latin typeface="Cambria Math" panose="02040503050406030204" pitchFamily="18" charset="0"/>
+                              <a:cs typeface="+mn-cs"/>
+                            </a:rPr>
+                            <m:t>𝑛</m:t>
+                          </m:r>
+                          <m:r>
+                            <a:rPr kumimoji="0" lang="en-US" altLang="zh-CN" sz="2400" b="0" i="1" u="none" strike="noStrike" kern="1200" cap="none" spc="0" normalizeH="0" baseline="0" noProof="0" smtClean="0">
+                              <a:ln>
+                                <a:noFill/>
+                              </a:ln>
+                              <a:solidFill>
+                                <a:prstClr val="black"/>
+                              </a:solidFill>
+                              <a:effectLst/>
+                              <a:uLnTx/>
+                              <a:uFillTx/>
+                              <a:latin typeface="Cambria Math" panose="02040503050406030204" pitchFamily="18" charset="0"/>
+                              <a:cs typeface="+mn-cs"/>
+                            </a:rPr>
+                            <m:t>−0.5</m:t>
+                          </m:r>
+                        </m:sub>
+                      </m:sSub>
+                      <m:r>
+                        <a:rPr kumimoji="0" lang="en-US" altLang="zh-CN" sz="2400" b="0" i="1" u="none" strike="noStrike" kern="1200" cap="none" spc="0" normalizeH="0" baseline="0" noProof="0" smtClean="0">
+                          <a:ln>
+                            <a:noFill/>
+                          </a:ln>
+                          <a:solidFill>
+                            <a:prstClr val="black"/>
+                          </a:solidFill>
+                          <a:effectLst/>
+                          <a:uLnTx/>
+                          <a:uFillTx/>
+                          <a:latin typeface="Cambria Math" panose="02040503050406030204" pitchFamily="18" charset="0"/>
+                          <a:cs typeface="+mn-cs"/>
+                        </a:rPr>
+                        <m:t>+</m:t>
+                      </m:r>
+                      <m:r>
+                        <a:rPr kumimoji="0" lang="en-US" altLang="zh-CN" sz="2400" b="0" i="1" u="none" strike="noStrike" kern="1200" cap="none" spc="0" normalizeH="0" baseline="0" noProof="0" smtClean="0">
+                          <a:ln>
+                            <a:noFill/>
+                          </a:ln>
+                          <a:solidFill>
+                            <a:prstClr val="black"/>
+                          </a:solidFill>
+                          <a:effectLst/>
+                          <a:uLnTx/>
+                          <a:uFillTx/>
+                          <a:latin typeface="Cambria Math" panose="02040503050406030204" pitchFamily="18" charset="0"/>
+                          <a:cs typeface="+mn-cs"/>
+                        </a:rPr>
+                        <m:t>h</m:t>
+                      </m:r>
+                      <m:sSup>
+                        <m:sSupPr>
+                          <m:ctrlPr>
+                            <a:rPr kumimoji="0" lang="en-US" altLang="zh-CN" sz="2400" b="0" i="1" u="none" strike="noStrike" kern="1200" cap="none" spc="0" normalizeH="0" baseline="0" noProof="0" smtClean="0">
+                              <a:ln>
+                                <a:noFill/>
+                              </a:ln>
+                              <a:solidFill>
+                                <a:prstClr val="black"/>
+                              </a:solidFill>
+                              <a:effectLst/>
+                              <a:uLnTx/>
+                              <a:uFillTx/>
+                              <a:latin typeface="Cambria Math" panose="02040503050406030204" pitchFamily="18" charset="0"/>
+                              <a:cs typeface="+mn-cs"/>
+                            </a:rPr>
+                          </m:ctrlPr>
+                        </m:sSupPr>
+                        <m:e>
+                          <m:r>
+                            <a:rPr kumimoji="0" lang="en-US" altLang="zh-CN" sz="2400" b="0" i="1" u="none" strike="noStrike" kern="1200" cap="none" spc="0" normalizeH="0" baseline="0" noProof="0" smtClean="0">
+                              <a:ln>
+                                <a:noFill/>
+                              </a:ln>
+                              <a:solidFill>
+                                <a:prstClr val="black"/>
+                              </a:solidFill>
+                              <a:effectLst/>
+                              <a:uLnTx/>
+                              <a:uFillTx/>
+                              <a:latin typeface="Cambria Math" panose="02040503050406030204" pitchFamily="18" charset="0"/>
+                              <a:cs typeface="+mn-cs"/>
+                            </a:rPr>
+                            <m:t>𝑀</m:t>
+                          </m:r>
+                        </m:e>
+                        <m:sup>
+                          <m:r>
+                            <a:rPr kumimoji="0" lang="en-US" altLang="zh-CN" sz="2400" b="0" i="1" u="none" strike="noStrike" kern="1200" cap="none" spc="0" normalizeH="0" baseline="0" noProof="0" smtClean="0">
+                              <a:ln>
+                                <a:noFill/>
+                              </a:ln>
+                              <a:solidFill>
+                                <a:prstClr val="black"/>
+                              </a:solidFill>
+                              <a:effectLst/>
+                              <a:uLnTx/>
+                              <a:uFillTx/>
+                              <a:latin typeface="Cambria Math" panose="02040503050406030204" pitchFamily="18" charset="0"/>
+                              <a:cs typeface="+mn-cs"/>
+                            </a:rPr>
+                            <m:t>−1</m:t>
+                          </m:r>
+                        </m:sup>
+                      </m:sSup>
+                      <m:r>
+                        <a:rPr kumimoji="0" lang="en-US" altLang="zh-CN" sz="2400" b="0" i="1" u="none" strike="noStrike" kern="1200" cap="none" spc="0" normalizeH="0" baseline="0" noProof="0" smtClean="0">
+                          <a:ln>
+                            <a:noFill/>
+                          </a:ln>
+                          <a:solidFill>
+                            <a:prstClr val="black"/>
+                          </a:solidFill>
+                          <a:effectLst/>
+                          <a:uLnTx/>
+                          <a:uFillTx/>
+                          <a:latin typeface="Cambria Math" panose="02040503050406030204" pitchFamily="18" charset="0"/>
+                          <a:cs typeface="+mn-cs"/>
+                        </a:rPr>
+                        <m:t>𝑓</m:t>
+                      </m:r>
+                      <m:d>
+                        <m:dPr>
+                          <m:ctrlPr>
+                            <a:rPr kumimoji="0" lang="en-US" altLang="zh-CN" sz="2400" b="0" i="1" u="none" strike="noStrike" kern="1200" cap="none" spc="0" normalizeH="0" baseline="0" noProof="0" smtClean="0">
+                              <a:ln>
+                                <a:noFill/>
+                              </a:ln>
+                              <a:solidFill>
+                                <a:prstClr val="black"/>
+                              </a:solidFill>
+                              <a:effectLst/>
+                              <a:uLnTx/>
+                              <a:uFillTx/>
+                              <a:latin typeface="Cambria Math" panose="02040503050406030204" pitchFamily="18" charset="0"/>
+                              <a:cs typeface="+mn-cs"/>
+                            </a:rPr>
+                          </m:ctrlPr>
+                        </m:dPr>
+                        <m:e>
+                          <m:sSub>
+                            <m:sSubPr>
+                              <m:ctrlPr>
+                                <a:rPr kumimoji="0" lang="en-US" altLang="zh-CN" sz="2400" b="0" i="1" u="none" strike="noStrike" kern="1200" cap="none" spc="0" normalizeH="0" baseline="0" noProof="0" smtClean="0">
+                                  <a:ln>
+                                    <a:noFill/>
+                                  </a:ln>
+                                  <a:solidFill>
+                                    <a:prstClr val="black"/>
+                                  </a:solidFill>
+                                  <a:effectLst/>
+                                  <a:uLnTx/>
+                                  <a:uFillTx/>
+                                  <a:latin typeface="Cambria Math" panose="02040503050406030204" pitchFamily="18" charset="0"/>
+                                  <a:cs typeface="+mn-cs"/>
+                                </a:rPr>
+                              </m:ctrlPr>
+                            </m:sSubPr>
+                            <m:e>
+                              <m:r>
+                                <a:rPr kumimoji="0" lang="en-US" altLang="zh-CN" sz="2400" b="1" i="1" u="none" strike="noStrike" kern="1200" cap="none" spc="0" normalizeH="0" baseline="0" noProof="0" smtClean="0">
+                                  <a:ln>
+                                    <a:noFill/>
+                                  </a:ln>
+                                  <a:solidFill>
+                                    <a:prstClr val="black"/>
+                                  </a:solidFill>
+                                  <a:effectLst/>
+                                  <a:uLnTx/>
+                                  <a:uFillTx/>
+                                  <a:latin typeface="Cambria Math" panose="02040503050406030204" pitchFamily="18" charset="0"/>
+                                  <a:cs typeface="+mn-cs"/>
+                                </a:rPr>
+                                <m:t>𝒙</m:t>
+                              </m:r>
+                            </m:e>
+                            <m:sub>
+                              <m:r>
+                                <a:rPr kumimoji="0" lang="en-US" altLang="zh-CN" sz="2400" b="0" i="1" u="none" strike="noStrike" kern="1200" cap="none" spc="0" normalizeH="0" baseline="0" noProof="0" smtClean="0">
+                                  <a:ln>
+                                    <a:noFill/>
+                                  </a:ln>
+                                  <a:solidFill>
+                                    <a:srgbClr val="70AD47"/>
+                                  </a:solidFill>
+                                  <a:effectLst/>
+                                  <a:uLnTx/>
+                                  <a:uFillTx/>
+                                  <a:latin typeface="Cambria Math" panose="02040503050406030204" pitchFamily="18" charset="0"/>
+                                  <a:cs typeface="+mn-cs"/>
+                                </a:rPr>
+                                <m:t>𝑛</m:t>
+                              </m:r>
+                            </m:sub>
+                          </m:sSub>
+                        </m:e>
+                      </m:d>
+                    </m:oMath>
+                  </m:oMathPara>
+                </a14:m>
+                <a:endParaRPr kumimoji="0" lang="en-US" altLang="zh-CN" sz="2400" b="0" i="1" u="none" strike="noStrike" kern="1200" cap="none" spc="0" normalizeH="0" baseline="0" noProof="0" dirty="0">
+                  <a:ln>
+                    <a:noFill/>
+                  </a:ln>
+                  <a:solidFill>
+                    <a:prstClr val="black"/>
+                  </a:solidFill>
+                  <a:effectLst/>
+                  <a:uLnTx/>
+                  <a:uFillTx/>
+                  <a:latin typeface="Cambria Math" panose="02040503050406030204" pitchFamily="18" charset="0"/>
+                  <a:ea typeface="等线" panose="02010600030101010101" pitchFamily="2" charset="-122"/>
+                  <a:cs typeface="+mn-cs"/>
+                </a:endParaRPr>
+              </a:p>
+              <a:p>
+                <a:pPr marL="0" marR="0" lvl="0" indent="0" algn="l" defTabSz="914400" rtl="0" eaLnBrk="1" fontAlgn="auto" latinLnBrk="0" hangingPunct="1">
+                  <a:lnSpc>
+                    <a:spcPct val="90000"/>
+                  </a:lnSpc>
+                  <a:spcBef>
+                    <a:spcPts val="1000"/>
+                  </a:spcBef>
+                  <a:spcAft>
+                    <a:spcPts val="0"/>
+                  </a:spcAft>
+                  <a:buClrTx/>
+                  <a:buSzTx/>
+                  <a:buFont typeface="Arial" panose="020B0604020202020204" pitchFamily="34" charset="0"/>
+                  <a:buNone/>
+                  <a:tabLst/>
+                  <a:defRPr/>
+                </a:pPr>
+                <a14:m>
+                  <m:oMathPara xmlns:m="http://schemas.openxmlformats.org/officeDocument/2006/math">
+                    <m:oMathParaPr>
+                      <m:jc m:val="left"/>
+                    </m:oMathParaPr>
+                    <m:oMath xmlns:m="http://schemas.openxmlformats.org/officeDocument/2006/math">
+                      <m:sSub>
+                        <m:sSubPr>
+                          <m:ctrlPr>
+                            <a:rPr kumimoji="0" lang="en-US" altLang="zh-CN" sz="2400" b="0" i="1" u="none" strike="noStrike" kern="1200" cap="none" spc="0" normalizeH="0" baseline="0" noProof="0" smtClean="0">
+                              <a:ln>
+                                <a:noFill/>
+                              </a:ln>
+                              <a:solidFill>
+                                <a:prstClr val="black"/>
+                              </a:solidFill>
+                              <a:effectLst/>
+                              <a:uLnTx/>
+                              <a:uFillTx/>
+                              <a:latin typeface="Cambria Math" panose="02040503050406030204" pitchFamily="18" charset="0"/>
+                              <a:cs typeface="+mn-cs"/>
+                            </a:rPr>
+                          </m:ctrlPr>
+                        </m:sSubPr>
+                        <m:e>
+                          <m:r>
+                            <a:rPr kumimoji="0" lang="en-US" altLang="zh-CN" sz="2400" b="1" i="1" u="none" strike="noStrike" kern="1200" cap="none" spc="0" normalizeH="0" baseline="0" noProof="0" smtClean="0">
+                              <a:ln>
+                                <a:noFill/>
+                              </a:ln>
+                              <a:solidFill>
+                                <a:prstClr val="black"/>
+                              </a:solidFill>
+                              <a:effectLst/>
+                              <a:uLnTx/>
+                              <a:uFillTx/>
+                              <a:latin typeface="Cambria Math" panose="02040503050406030204" pitchFamily="18" charset="0"/>
+                              <a:cs typeface="+mn-cs"/>
+                            </a:rPr>
+                            <m:t>𝒙</m:t>
+                          </m:r>
+                        </m:e>
+                        <m:sub>
+                          <m:r>
+                            <a:rPr kumimoji="0" lang="en-US" altLang="zh-CN" sz="2400" b="0" i="1" u="none" strike="noStrike" kern="1200" cap="none" spc="0" normalizeH="0" baseline="0" noProof="0" smtClean="0">
+                              <a:ln>
+                                <a:noFill/>
+                              </a:ln>
+                              <a:solidFill>
+                                <a:prstClr val="black"/>
+                              </a:solidFill>
+                              <a:effectLst/>
+                              <a:uLnTx/>
+                              <a:uFillTx/>
+                              <a:latin typeface="Cambria Math" panose="02040503050406030204" pitchFamily="18" charset="0"/>
+                              <a:cs typeface="+mn-cs"/>
+                            </a:rPr>
+                            <m:t>𝑛</m:t>
+                          </m:r>
+                          <m:r>
+                            <a:rPr kumimoji="0" lang="en-US" altLang="zh-CN" sz="2400" b="0" i="1" u="none" strike="noStrike" kern="1200" cap="none" spc="0" normalizeH="0" baseline="0" noProof="0" smtClean="0">
+                              <a:ln>
+                                <a:noFill/>
+                              </a:ln>
+                              <a:solidFill>
+                                <a:prstClr val="black"/>
+                              </a:solidFill>
+                              <a:effectLst/>
+                              <a:uLnTx/>
+                              <a:uFillTx/>
+                              <a:latin typeface="Cambria Math" panose="02040503050406030204" pitchFamily="18" charset="0"/>
+                              <a:cs typeface="+mn-cs"/>
+                            </a:rPr>
+                            <m:t>+1</m:t>
+                          </m:r>
+                        </m:sub>
+                      </m:sSub>
+                      <m:r>
+                        <a:rPr kumimoji="0" lang="en-US" altLang="zh-CN" sz="2400" b="0" i="1" u="none" strike="noStrike" kern="1200" cap="none" spc="0" normalizeH="0" baseline="0" noProof="0" smtClean="0">
+                          <a:ln>
+                            <a:noFill/>
+                          </a:ln>
+                          <a:solidFill>
+                            <a:prstClr val="black"/>
+                          </a:solidFill>
+                          <a:effectLst/>
+                          <a:uLnTx/>
+                          <a:uFillTx/>
+                          <a:latin typeface="Cambria Math" panose="02040503050406030204" pitchFamily="18" charset="0"/>
+                          <a:ea typeface="Cambria Math" panose="02040503050406030204" pitchFamily="18" charset="0"/>
+                          <a:cs typeface="+mn-cs"/>
+                        </a:rPr>
+                        <m:t>≈</m:t>
+                      </m:r>
+                      <m:sSub>
+                        <m:sSubPr>
+                          <m:ctrlPr>
+                            <a:rPr kumimoji="0" lang="en-US" altLang="zh-CN" sz="2400" b="0" i="1" u="none" strike="noStrike" kern="1200" cap="none" spc="0" normalizeH="0" baseline="0" noProof="0" smtClean="0">
+                              <a:ln>
+                                <a:noFill/>
+                              </a:ln>
+                              <a:solidFill>
+                                <a:prstClr val="black"/>
+                              </a:solidFill>
+                              <a:effectLst/>
+                              <a:uLnTx/>
+                              <a:uFillTx/>
+                              <a:latin typeface="Cambria Math" panose="02040503050406030204" pitchFamily="18" charset="0"/>
+                              <a:cs typeface="+mn-cs"/>
+                            </a:rPr>
+                          </m:ctrlPr>
+                        </m:sSubPr>
+                        <m:e>
+                          <m:r>
+                            <a:rPr kumimoji="0" lang="en-US" altLang="zh-CN" sz="2400" b="1" i="1" u="none" strike="noStrike" kern="1200" cap="none" spc="0" normalizeH="0" baseline="0" noProof="0" smtClean="0">
+                              <a:ln>
+                                <a:noFill/>
+                              </a:ln>
+                              <a:solidFill>
+                                <a:prstClr val="black"/>
+                              </a:solidFill>
+                              <a:effectLst/>
+                              <a:uLnTx/>
+                              <a:uFillTx/>
+                              <a:latin typeface="Cambria Math" panose="02040503050406030204" pitchFamily="18" charset="0"/>
+                              <a:cs typeface="+mn-cs"/>
+                            </a:rPr>
+                            <m:t>𝒙</m:t>
+                          </m:r>
+                        </m:e>
+                        <m:sub>
+                          <m:r>
+                            <a:rPr kumimoji="0" lang="en-US" altLang="zh-CN" sz="2400" b="0" i="1" u="none" strike="noStrike" kern="1200" cap="none" spc="0" normalizeH="0" baseline="0" noProof="0" smtClean="0">
+                              <a:ln>
+                                <a:noFill/>
+                              </a:ln>
+                              <a:solidFill>
+                                <a:prstClr val="black"/>
+                              </a:solidFill>
+                              <a:effectLst/>
+                              <a:uLnTx/>
+                              <a:uFillTx/>
+                              <a:latin typeface="Cambria Math" panose="02040503050406030204" pitchFamily="18" charset="0"/>
+                              <a:cs typeface="+mn-cs"/>
+                            </a:rPr>
+                            <m:t>𝑛</m:t>
+                          </m:r>
+                        </m:sub>
+                      </m:sSub>
+                      <m:r>
+                        <a:rPr kumimoji="0" lang="en-US" altLang="zh-CN" sz="2400" b="0" i="1" u="none" strike="noStrike" kern="1200" cap="none" spc="0" normalizeH="0" baseline="0" noProof="0" smtClean="0">
+                          <a:ln>
+                            <a:noFill/>
+                          </a:ln>
+                          <a:solidFill>
+                            <a:prstClr val="black"/>
+                          </a:solidFill>
+                          <a:effectLst/>
+                          <a:uLnTx/>
+                          <a:uFillTx/>
+                          <a:latin typeface="Cambria Math" panose="02040503050406030204" pitchFamily="18" charset="0"/>
+                          <a:cs typeface="+mn-cs"/>
+                        </a:rPr>
+                        <m:t>+</m:t>
+                      </m:r>
+                      <m:r>
+                        <a:rPr kumimoji="0" lang="en-US" altLang="zh-CN" sz="2400" b="0" i="1" u="none" strike="noStrike" kern="1200" cap="none" spc="0" normalizeH="0" baseline="0" noProof="0" smtClean="0">
+                          <a:ln>
+                            <a:noFill/>
+                          </a:ln>
+                          <a:solidFill>
+                            <a:prstClr val="black"/>
+                          </a:solidFill>
+                          <a:effectLst/>
+                          <a:uLnTx/>
+                          <a:uFillTx/>
+                          <a:latin typeface="Cambria Math" panose="02040503050406030204" pitchFamily="18" charset="0"/>
+                          <a:cs typeface="+mn-cs"/>
+                        </a:rPr>
+                        <m:t>h</m:t>
+                      </m:r>
+                      <m:sSub>
+                        <m:sSubPr>
+                          <m:ctrlPr>
+                            <a:rPr kumimoji="0" lang="en-US" altLang="zh-CN" sz="2400" b="0" i="1" u="none" strike="noStrike" kern="1200" cap="none" spc="0" normalizeH="0" baseline="0" noProof="0" smtClean="0">
+                              <a:ln>
+                                <a:noFill/>
+                              </a:ln>
+                              <a:solidFill>
+                                <a:prstClr val="black"/>
+                              </a:solidFill>
+                              <a:effectLst/>
+                              <a:uLnTx/>
+                              <a:uFillTx/>
+                              <a:latin typeface="Cambria Math" panose="02040503050406030204" pitchFamily="18" charset="0"/>
+                              <a:cs typeface="+mn-cs"/>
+                            </a:rPr>
+                          </m:ctrlPr>
+                        </m:sSubPr>
+                        <m:e>
+                          <m:r>
+                            <a:rPr kumimoji="0" lang="en-US" altLang="zh-CN" sz="2400" b="1" i="1" u="none" strike="noStrike" kern="1200" cap="none" spc="0" normalizeH="0" baseline="0" noProof="0" smtClean="0">
+                              <a:ln>
+                                <a:noFill/>
+                              </a:ln>
+                              <a:solidFill>
+                                <a:prstClr val="black"/>
+                              </a:solidFill>
+                              <a:effectLst/>
+                              <a:uLnTx/>
+                              <a:uFillTx/>
+                              <a:latin typeface="Cambria Math" panose="02040503050406030204" pitchFamily="18" charset="0"/>
+                              <a:cs typeface="+mn-cs"/>
+                            </a:rPr>
+                            <m:t>𝒗</m:t>
+                          </m:r>
+                        </m:e>
+                        <m:sub>
+                          <m:r>
+                            <a:rPr kumimoji="0" lang="en-US" altLang="zh-CN" sz="2400" b="0" i="1" u="none" strike="noStrike" kern="1200" cap="none" spc="0" normalizeH="0" baseline="0" noProof="0" smtClean="0">
+                              <a:ln>
+                                <a:noFill/>
+                              </a:ln>
+                              <a:solidFill>
+                                <a:srgbClr val="70AD47"/>
+                              </a:solidFill>
+                              <a:effectLst/>
+                              <a:uLnTx/>
+                              <a:uFillTx/>
+                              <a:latin typeface="Cambria Math" panose="02040503050406030204" pitchFamily="18" charset="0"/>
+                              <a:cs typeface="+mn-cs"/>
+                            </a:rPr>
+                            <m:t>𝑛</m:t>
+                          </m:r>
+                          <m:r>
+                            <a:rPr kumimoji="0" lang="en-US" altLang="zh-CN" sz="2400" b="0" i="1" u="none" strike="noStrike" kern="1200" cap="none" spc="0" normalizeH="0" baseline="0" noProof="0" smtClean="0">
+                              <a:ln>
+                                <a:noFill/>
+                              </a:ln>
+                              <a:solidFill>
+                                <a:srgbClr val="70AD47"/>
+                              </a:solidFill>
+                              <a:effectLst/>
+                              <a:uLnTx/>
+                              <a:uFillTx/>
+                              <a:latin typeface="Cambria Math" panose="02040503050406030204" pitchFamily="18" charset="0"/>
+                              <a:cs typeface="+mn-cs"/>
+                            </a:rPr>
+                            <m:t>+0.5</m:t>
+                          </m:r>
+                        </m:sub>
+                      </m:sSub>
+                    </m:oMath>
+                  </m:oMathPara>
+                </a14:m>
+                <a:endParaRPr lang="en-US" altLang="zh-CN" sz="2400" dirty="0">
+                  <a:solidFill>
+                    <a:schemeClr val="accent1"/>
+                  </a:solidFill>
+                </a:endParaRPr>
+              </a:p>
+              <a:p>
+                <a:pPr marL="0" lvl="0" indent="0">
+                  <a:buNone/>
+                  <a:defRPr/>
+                </a:pPr>
+                <a14:m>
+                  <m:oMath xmlns:m="http://schemas.openxmlformats.org/officeDocument/2006/math">
+                    <m:nary>
+                      <m:naryPr>
+                        <m:ctrlPr>
+                          <a:rPr kumimoji="0" lang="en-US" altLang="zh-CN" sz="2400" b="0" i="1" u="none" strike="noStrike" kern="1200" cap="none" spc="0" normalizeH="0" baseline="0" noProof="0" smtClean="0">
+                            <a:ln>
+                              <a:noFill/>
+                            </a:ln>
+                            <a:solidFill>
+                              <a:prstClr val="black"/>
+                            </a:solidFill>
+                            <a:effectLst/>
+                            <a:uLnTx/>
+                            <a:uFillTx/>
+                            <a:latin typeface="Cambria Math" panose="02040503050406030204" pitchFamily="18" charset="0"/>
+                            <a:cs typeface="+mn-cs"/>
+                          </a:rPr>
+                        </m:ctrlPr>
+                      </m:naryPr>
+                      <m:sub>
+                        <m:r>
+                          <m:rPr>
+                            <m:brk m:alnAt="23"/>
+                          </m:rPr>
+                          <a:rPr kumimoji="0" lang="en-US" altLang="zh-CN" sz="2400" b="0" i="1" u="none" strike="noStrike" kern="1200" cap="none" spc="0" normalizeH="0" baseline="0" noProof="0">
+                            <a:ln>
+                              <a:noFill/>
+                            </a:ln>
+                            <a:solidFill>
+                              <a:prstClr val="black"/>
+                            </a:solidFill>
+                            <a:effectLst/>
+                            <a:uLnTx/>
+                            <a:uFillTx/>
+                            <a:latin typeface="Cambria Math" panose="02040503050406030204" pitchFamily="18" charset="0"/>
+                            <a:cs typeface="+mn-cs"/>
+                          </a:rPr>
+                          <m:t>0</m:t>
+                        </m:r>
+                      </m:sub>
+                      <m:sup>
+                        <m:r>
+                          <a:rPr kumimoji="0" lang="en-US" altLang="zh-CN" sz="2400" b="0" i="1" u="none" strike="noStrike" kern="1200" cap="none" spc="0" normalizeH="0" baseline="0" noProof="0">
+                            <a:ln>
+                              <a:noFill/>
+                            </a:ln>
+                            <a:solidFill>
+                              <a:prstClr val="black"/>
+                            </a:solidFill>
+                            <a:effectLst/>
+                            <a:uLnTx/>
+                            <a:uFillTx/>
+                            <a:latin typeface="Cambria Math" panose="02040503050406030204" pitchFamily="18" charset="0"/>
+                            <a:cs typeface="+mn-cs"/>
+                          </a:rPr>
+                          <m:t>h</m:t>
+                        </m:r>
+                      </m:sup>
+                      <m:e>
+                        <m:r>
+                          <a:rPr kumimoji="0" lang="en-US" altLang="zh-CN" sz="2400" b="1" i="1" u="none" strike="noStrike" kern="1200" cap="none" spc="0" normalizeH="0" baseline="0" noProof="0">
+                            <a:ln>
+                              <a:noFill/>
+                            </a:ln>
+                            <a:solidFill>
+                              <a:prstClr val="black"/>
+                            </a:solidFill>
+                            <a:effectLst/>
+                            <a:uLnTx/>
+                            <a:uFillTx/>
+                            <a:latin typeface="Cambria Math" panose="02040503050406030204" pitchFamily="18" charset="0"/>
+                            <a:cs typeface="+mn-cs"/>
+                          </a:rPr>
+                          <m:t>𝒗</m:t>
+                        </m:r>
+                        <m:d>
+                          <m:dPr>
+                            <m:ctrlPr>
+                              <a:rPr kumimoji="0" lang="en-US" altLang="zh-CN" sz="2400" b="0" i="1" u="none" strike="noStrike" kern="1200" cap="none" spc="0" normalizeH="0" baseline="0" noProof="0">
+                                <a:ln>
+                                  <a:noFill/>
+                                </a:ln>
+                                <a:solidFill>
+                                  <a:prstClr val="black"/>
+                                </a:solidFill>
+                                <a:effectLst/>
+                                <a:uLnTx/>
+                                <a:uFillTx/>
+                                <a:latin typeface="Cambria Math" panose="02040503050406030204" pitchFamily="18" charset="0"/>
+                                <a:cs typeface="+mn-cs"/>
+                              </a:rPr>
+                            </m:ctrlPr>
+                          </m:dPr>
+                          <m:e>
+                            <m:sSub>
+                              <m:sSubPr>
+                                <m:ctrlPr>
+                                  <a:rPr kumimoji="0" lang="en-US" altLang="zh-CN" sz="2400" b="0" i="1" u="none" strike="noStrike" kern="1200" cap="none" spc="0" normalizeH="0" baseline="0" noProof="0">
+                                    <a:ln>
+                                      <a:noFill/>
+                                    </a:ln>
+                                    <a:solidFill>
+                                      <a:prstClr val="black"/>
+                                    </a:solidFill>
+                                    <a:effectLst/>
+                                    <a:uLnTx/>
+                                    <a:uFillTx/>
+                                    <a:latin typeface="Cambria Math" panose="02040503050406030204" pitchFamily="18" charset="0"/>
+                                    <a:cs typeface="+mn-cs"/>
+                                  </a:rPr>
+                                </m:ctrlPr>
+                              </m:sSubPr>
+                              <m:e>
+                                <m:r>
+                                  <a:rPr kumimoji="0" lang="en-US" altLang="zh-CN" sz="2400" b="0" i="1" u="none" strike="noStrike" kern="1200" cap="none" spc="0" normalizeH="0" baseline="0" noProof="0">
+                                    <a:ln>
+                                      <a:noFill/>
+                                    </a:ln>
+                                    <a:solidFill>
+                                      <a:prstClr val="black"/>
+                                    </a:solidFill>
+                                    <a:effectLst/>
+                                    <a:uLnTx/>
+                                    <a:uFillTx/>
+                                    <a:latin typeface="Cambria Math" panose="02040503050406030204" pitchFamily="18" charset="0"/>
+                                    <a:cs typeface="+mn-cs"/>
+                                  </a:rPr>
+                                  <m:t>𝑡</m:t>
+                                </m:r>
+                              </m:e>
+                              <m:sub>
+                                <m:r>
+                                  <a:rPr kumimoji="0" lang="en-US" altLang="zh-CN" sz="2400" b="0" i="1" u="none" strike="noStrike" kern="1200" cap="none" spc="0" normalizeH="0" baseline="0" noProof="0">
+                                    <a:ln>
+                                      <a:noFill/>
+                                    </a:ln>
+                                    <a:solidFill>
+                                      <a:prstClr val="black"/>
+                                    </a:solidFill>
+                                    <a:effectLst/>
+                                    <a:uLnTx/>
+                                    <a:uFillTx/>
+                                    <a:latin typeface="Cambria Math" panose="02040503050406030204" pitchFamily="18" charset="0"/>
+                                    <a:cs typeface="+mn-cs"/>
+                                  </a:rPr>
+                                  <m:t>𝑛</m:t>
+                                </m:r>
+                              </m:sub>
+                            </m:sSub>
+                            <m:r>
+                              <a:rPr kumimoji="0" lang="en-US" altLang="zh-CN" sz="2400" b="0" i="1" u="none" strike="noStrike" kern="1200" cap="none" spc="0" normalizeH="0" baseline="0" noProof="0">
+                                <a:ln>
+                                  <a:noFill/>
+                                </a:ln>
+                                <a:solidFill>
+                                  <a:prstClr val="black"/>
+                                </a:solidFill>
+                                <a:effectLst/>
+                                <a:uLnTx/>
+                                <a:uFillTx/>
+                                <a:latin typeface="Cambria Math" panose="02040503050406030204" pitchFamily="18" charset="0"/>
+                                <a:cs typeface="+mn-cs"/>
+                              </a:rPr>
+                              <m:t>+</m:t>
+                            </m:r>
+                            <m:r>
+                              <a:rPr kumimoji="0" lang="en-US" altLang="zh-CN" sz="2400" b="0" i="1" u="none" strike="noStrike" kern="1200" cap="none" spc="0" normalizeH="0" baseline="0" noProof="0">
+                                <a:ln>
+                                  <a:noFill/>
+                                </a:ln>
+                                <a:solidFill>
+                                  <a:prstClr val="black"/>
+                                </a:solidFill>
+                                <a:effectLst/>
+                                <a:uLnTx/>
+                                <a:uFillTx/>
+                                <a:latin typeface="Cambria Math" panose="02040503050406030204" pitchFamily="18" charset="0"/>
+                                <a:cs typeface="+mn-cs"/>
+                              </a:rPr>
+                              <m:t>𝑡</m:t>
+                            </m:r>
+                          </m:e>
+                        </m:d>
+                        <m:r>
+                          <a:rPr kumimoji="0" lang="en-US" altLang="zh-CN" sz="2400" b="0" i="1" u="none" strike="noStrike" kern="1200" cap="none" spc="0" normalizeH="0" baseline="0" noProof="0">
+                            <a:ln>
+                              <a:noFill/>
+                            </a:ln>
+                            <a:solidFill>
+                              <a:prstClr val="black"/>
+                            </a:solidFill>
+                            <a:effectLst/>
+                            <a:uLnTx/>
+                            <a:uFillTx/>
+                            <a:latin typeface="Cambria Math" panose="02040503050406030204" pitchFamily="18" charset="0"/>
+                            <a:cs typeface="+mn-cs"/>
+                          </a:rPr>
+                          <m:t>𝑑𝑡</m:t>
+                        </m:r>
+                      </m:e>
+                    </m:nary>
+                    <m:r>
+                      <a:rPr kumimoji="0" lang="en-US" altLang="zh-CN" sz="2400" b="0" i="1" u="none" strike="noStrike" kern="1200" cap="none" spc="0" normalizeH="0" baseline="0" noProof="0" smtClean="0">
+                        <a:ln>
+                          <a:noFill/>
+                        </a:ln>
+                        <a:solidFill>
+                          <a:prstClr val="black"/>
+                        </a:solidFill>
+                        <a:effectLst/>
+                        <a:uLnTx/>
+                        <a:uFillTx/>
+                        <a:latin typeface="Cambria Math" panose="02040503050406030204" pitchFamily="18" charset="0"/>
+                        <a:cs typeface="+mn-cs"/>
+                      </a:rPr>
+                      <m:t>=</m:t>
+                    </m:r>
+                    <m:nary>
+                      <m:naryPr>
+                        <m:ctrlPr>
+                          <a:rPr lang="en-US" altLang="zh-CN" sz="2400" i="1">
+                            <a:solidFill>
+                              <a:prstClr val="black"/>
+                            </a:solidFill>
+                            <a:latin typeface="Cambria Math" panose="02040503050406030204" pitchFamily="18" charset="0"/>
+                          </a:rPr>
+                        </m:ctrlPr>
+                      </m:naryPr>
+                      <m:sub>
+                        <m:r>
+                          <m:rPr>
+                            <m:brk m:alnAt="23"/>
+                          </m:rPr>
+                          <a:rPr lang="en-US" altLang="zh-CN" sz="2400" i="1">
+                            <a:solidFill>
+                              <a:prstClr val="black"/>
+                            </a:solidFill>
+                            <a:latin typeface="Cambria Math" panose="02040503050406030204" pitchFamily="18" charset="0"/>
+                          </a:rPr>
+                          <m:t>0</m:t>
+                        </m:r>
+                      </m:sub>
+                      <m:sup>
+                        <m:r>
+                          <a:rPr lang="en-US" altLang="zh-CN" sz="2400" i="1">
+                            <a:solidFill>
+                              <a:prstClr val="black"/>
+                            </a:solidFill>
+                            <a:latin typeface="Cambria Math" panose="02040503050406030204" pitchFamily="18" charset="0"/>
+                          </a:rPr>
+                          <m:t>h</m:t>
+                        </m:r>
+                        <m:r>
+                          <a:rPr lang="en-US" altLang="zh-CN" sz="2400" b="0" i="1" smtClean="0">
+                            <a:solidFill>
+                              <a:prstClr val="black"/>
+                            </a:solidFill>
+                            <a:latin typeface="Cambria Math" panose="02040503050406030204" pitchFamily="18" charset="0"/>
+                          </a:rPr>
+                          <m:t>/2</m:t>
+                        </m:r>
+                      </m:sup>
+                      <m:e>
+                        <m:r>
+                          <a:rPr lang="en-US" altLang="zh-CN" sz="2400" b="1" i="1">
+                            <a:solidFill>
+                              <a:prstClr val="black"/>
+                            </a:solidFill>
+                            <a:latin typeface="Cambria Math" panose="02040503050406030204" pitchFamily="18" charset="0"/>
+                          </a:rPr>
+                          <m:t>𝒗</m:t>
+                        </m:r>
+                        <m:d>
+                          <m:dPr>
+                            <m:ctrlPr>
+                              <a:rPr lang="en-US" altLang="zh-CN" sz="2400" i="1">
+                                <a:solidFill>
+                                  <a:prstClr val="black"/>
+                                </a:solidFill>
+                                <a:latin typeface="Cambria Math" panose="02040503050406030204" pitchFamily="18" charset="0"/>
+                              </a:rPr>
+                            </m:ctrlPr>
+                          </m:dPr>
+                          <m:e>
+                            <m:sSub>
+                              <m:sSubPr>
+                                <m:ctrlPr>
+                                  <a:rPr lang="en-US" altLang="zh-CN" sz="2400" i="1">
+                                    <a:solidFill>
+                                      <a:prstClr val="black"/>
+                                    </a:solidFill>
+                                    <a:latin typeface="Cambria Math" panose="02040503050406030204" pitchFamily="18" charset="0"/>
+                                  </a:rPr>
+                                </m:ctrlPr>
+                              </m:sSubPr>
+                              <m:e>
+                                <m:r>
+                                  <a:rPr lang="en-US" altLang="zh-CN" sz="2400" i="1">
+                                    <a:solidFill>
+                                      <a:prstClr val="black"/>
+                                    </a:solidFill>
+                                    <a:latin typeface="Cambria Math" panose="02040503050406030204" pitchFamily="18" charset="0"/>
+                                  </a:rPr>
+                                  <m:t>𝑡</m:t>
+                                </m:r>
+                              </m:e>
+                              <m:sub>
+                                <m:r>
+                                  <a:rPr lang="en-US" altLang="zh-CN" sz="2400" i="1">
+                                    <a:solidFill>
+                                      <a:prstClr val="black"/>
+                                    </a:solidFill>
+                                    <a:latin typeface="Cambria Math" panose="02040503050406030204" pitchFamily="18" charset="0"/>
+                                  </a:rPr>
+                                  <m:t>𝑛</m:t>
+                                </m:r>
+                              </m:sub>
+                            </m:sSub>
+                            <m:r>
+                              <a:rPr lang="en-US" altLang="zh-CN" sz="2400" i="1">
+                                <a:solidFill>
+                                  <a:prstClr val="black"/>
+                                </a:solidFill>
+                                <a:latin typeface="Cambria Math" panose="02040503050406030204" pitchFamily="18" charset="0"/>
+                              </a:rPr>
+                              <m:t>+</m:t>
+                            </m:r>
+                            <m:r>
+                              <a:rPr lang="en-US" altLang="zh-CN" sz="2400" i="1">
+                                <a:solidFill>
+                                  <a:prstClr val="black"/>
+                                </a:solidFill>
+                                <a:latin typeface="Cambria Math" panose="02040503050406030204" pitchFamily="18" charset="0"/>
+                              </a:rPr>
+                              <m:t>𝑡</m:t>
+                            </m:r>
+                          </m:e>
+                        </m:d>
+                        <m:r>
+                          <a:rPr lang="en-US" altLang="zh-CN" sz="2400" i="1">
+                            <a:solidFill>
+                              <a:prstClr val="black"/>
+                            </a:solidFill>
+                            <a:latin typeface="Cambria Math" panose="02040503050406030204" pitchFamily="18" charset="0"/>
+                          </a:rPr>
+                          <m:t>𝑑𝑡</m:t>
+                        </m:r>
+                      </m:e>
+                    </m:nary>
+                    <m:r>
+                      <a:rPr lang="en-US" altLang="zh-CN" sz="2400" b="0" i="0" smtClean="0">
+                        <a:solidFill>
+                          <a:prstClr val="black"/>
+                        </a:solidFill>
+                        <a:latin typeface="Cambria Math" panose="02040503050406030204" pitchFamily="18" charset="0"/>
+                      </a:rPr>
+                      <m:t>+</m:t>
+                    </m:r>
+                    <m:nary>
+                      <m:naryPr>
+                        <m:ctrlPr>
+                          <a:rPr lang="en-US" altLang="zh-CN" sz="2400" i="1">
+                            <a:solidFill>
+                              <a:prstClr val="black"/>
+                            </a:solidFill>
+                            <a:latin typeface="Cambria Math" panose="02040503050406030204" pitchFamily="18" charset="0"/>
+                          </a:rPr>
+                        </m:ctrlPr>
+                      </m:naryPr>
+                      <m:sub>
+                        <m:r>
+                          <a:rPr lang="en-US" altLang="zh-CN" sz="2400" b="0" i="1" smtClean="0">
+                            <a:solidFill>
+                              <a:prstClr val="black"/>
+                            </a:solidFill>
+                            <a:latin typeface="Cambria Math" panose="02040503050406030204" pitchFamily="18" charset="0"/>
+                          </a:rPr>
+                          <m:t>h</m:t>
+                        </m:r>
+                        <m:r>
+                          <a:rPr lang="en-US" altLang="zh-CN" sz="2400" b="0" i="1" smtClean="0">
+                            <a:solidFill>
+                              <a:prstClr val="black"/>
+                            </a:solidFill>
+                            <a:latin typeface="Cambria Math" panose="02040503050406030204" pitchFamily="18" charset="0"/>
+                          </a:rPr>
+                          <m:t>/2</m:t>
+                        </m:r>
+                      </m:sub>
+                      <m:sup>
+                        <m:r>
+                          <a:rPr lang="en-US" altLang="zh-CN" sz="2400" i="1">
+                            <a:solidFill>
+                              <a:prstClr val="black"/>
+                            </a:solidFill>
+                            <a:latin typeface="Cambria Math" panose="02040503050406030204" pitchFamily="18" charset="0"/>
+                          </a:rPr>
+                          <m:t>h</m:t>
+                        </m:r>
+                      </m:sup>
+                      <m:e>
+                        <m:r>
+                          <a:rPr lang="en-US" altLang="zh-CN" sz="2400" b="1" i="1">
+                            <a:solidFill>
+                              <a:prstClr val="black"/>
+                            </a:solidFill>
+                            <a:latin typeface="Cambria Math" panose="02040503050406030204" pitchFamily="18" charset="0"/>
+                          </a:rPr>
+                          <m:t>𝒗</m:t>
+                        </m:r>
+                        <m:d>
+                          <m:dPr>
+                            <m:ctrlPr>
+                              <a:rPr lang="en-US" altLang="zh-CN" sz="2400" i="1">
+                                <a:solidFill>
+                                  <a:prstClr val="black"/>
+                                </a:solidFill>
+                                <a:latin typeface="Cambria Math" panose="02040503050406030204" pitchFamily="18" charset="0"/>
+                              </a:rPr>
+                            </m:ctrlPr>
+                          </m:dPr>
+                          <m:e>
+                            <m:sSub>
+                              <m:sSubPr>
+                                <m:ctrlPr>
+                                  <a:rPr lang="en-US" altLang="zh-CN" sz="2400" i="1">
+                                    <a:solidFill>
+                                      <a:prstClr val="black"/>
+                                    </a:solidFill>
+                                    <a:latin typeface="Cambria Math" panose="02040503050406030204" pitchFamily="18" charset="0"/>
+                                  </a:rPr>
+                                </m:ctrlPr>
+                              </m:sSubPr>
+                              <m:e>
+                                <m:r>
+                                  <a:rPr lang="en-US" altLang="zh-CN" sz="2400" i="1">
+                                    <a:solidFill>
+                                      <a:prstClr val="black"/>
+                                    </a:solidFill>
+                                    <a:latin typeface="Cambria Math" panose="02040503050406030204" pitchFamily="18" charset="0"/>
+                                  </a:rPr>
+                                  <m:t>𝑡</m:t>
+                                </m:r>
+                              </m:e>
+                              <m:sub>
+                                <m:r>
+                                  <a:rPr lang="en-US" altLang="zh-CN" sz="2400" i="1">
+                                    <a:solidFill>
+                                      <a:prstClr val="black"/>
+                                    </a:solidFill>
+                                    <a:latin typeface="Cambria Math" panose="02040503050406030204" pitchFamily="18" charset="0"/>
+                                  </a:rPr>
+                                  <m:t>𝑛</m:t>
+                                </m:r>
+                              </m:sub>
+                            </m:sSub>
+                            <m:r>
+                              <a:rPr lang="en-US" altLang="zh-CN" sz="2400" i="1">
+                                <a:solidFill>
+                                  <a:prstClr val="black"/>
+                                </a:solidFill>
+                                <a:latin typeface="Cambria Math" panose="02040503050406030204" pitchFamily="18" charset="0"/>
+                              </a:rPr>
+                              <m:t>+</m:t>
+                            </m:r>
+                            <m:r>
+                              <a:rPr lang="en-US" altLang="zh-CN" sz="2400" i="1">
+                                <a:solidFill>
+                                  <a:prstClr val="black"/>
+                                </a:solidFill>
+                                <a:latin typeface="Cambria Math" panose="02040503050406030204" pitchFamily="18" charset="0"/>
+                              </a:rPr>
+                              <m:t>𝑡</m:t>
+                            </m:r>
+                          </m:e>
+                        </m:d>
+                        <m:r>
+                          <a:rPr lang="en-US" altLang="zh-CN" sz="2400" i="1">
+                            <a:solidFill>
+                              <a:prstClr val="black"/>
+                            </a:solidFill>
+                            <a:latin typeface="Cambria Math" panose="02040503050406030204" pitchFamily="18" charset="0"/>
+                          </a:rPr>
+                          <m:t>𝑑𝑡</m:t>
+                        </m:r>
+                      </m:e>
+                    </m:nary>
+                    <m:r>
+                      <a:rPr lang="en-US" altLang="zh-CN" sz="2400" b="0" i="1" smtClean="0">
+                        <a:solidFill>
+                          <a:prstClr val="black"/>
+                        </a:solidFill>
+                        <a:latin typeface="Cambria Math" panose="02040503050406030204" pitchFamily="18" charset="0"/>
+                      </a:rPr>
+                      <m:t> </m:t>
+                    </m:r>
+                  </m:oMath>
+                </a14:m>
+                <a:r>
+                  <a:rPr lang="en-US" altLang="zh-CN" sz="2400" dirty="0">
+                    <a:solidFill>
+                      <a:schemeClr val="accent1"/>
+                    </a:solidFill>
+                  </a:rPr>
+                  <a:t> </a:t>
+                </a:r>
+              </a:p>
+            </p:txBody>
+          </p:sp>
+        </mc:Choice>
+        <mc:Fallback>
+          <p:sp>
+            <p:nvSpPr>
+              <p:cNvPr id="9" name="内容占位符 2">
+                <a:extLst>
+                  <a:ext uri="{FF2B5EF4-FFF2-40B4-BE49-F238E27FC236}">
+                    <a16:creationId xmlns:a16="http://schemas.microsoft.com/office/drawing/2014/main" id="{3FE43AD4-7DCF-4227-B1E6-6A71F8C42AAB}"/>
+                  </a:ext>
+                </a:extLst>
+              </p:cNvPr>
+              <p:cNvSpPr>
+                <a:spLocks noGrp="1" noRot="1" noChangeAspect="1" noMove="1" noResize="1" noEditPoints="1" noAdjustHandles="1" noChangeArrowheads="1" noChangeShapeType="1" noTextEdit="1"/>
+              </p:cNvSpPr>
+              <p:nvPr>
+                <p:ph idx="1"/>
+              </p:nvPr>
+            </p:nvSpPr>
+            <p:spPr>
+              <a:xfrm>
+                <a:off x="838200" y="1825625"/>
+                <a:ext cx="10515600" cy="4351338"/>
+              </a:xfrm>
+              <a:blipFill>
+                <a:blip r:embed="rId2"/>
+                <a:stretch>
+                  <a:fillRect l="-1217"/>
+                </a:stretch>
+              </a:blipFill>
+            </p:spPr>
+            <p:txBody>
+              <a:bodyPr/>
+              <a:lstStyle/>
+              <a:p>
+                <a:r>
+                  <a:rPr lang="zh-CN" altLang="en-US">
+                    <a:noFill/>
+                  </a:rPr>
+                  <a:t> </a:t>
+                </a:r>
+              </a:p>
+            </p:txBody>
+          </p:sp>
+        </mc:Fallback>
+      </mc:AlternateContent>
+      <p:sp>
+        <p:nvSpPr>
+          <p:cNvPr id="2" name="文本框 1">
+            <a:extLst>
+              <a:ext uri="{FF2B5EF4-FFF2-40B4-BE49-F238E27FC236}">
+                <a16:creationId xmlns:a16="http://schemas.microsoft.com/office/drawing/2014/main" id="{C3FFACDC-F9A1-444D-95F1-37EF7A289F9D}"/>
+              </a:ext>
+            </a:extLst>
+          </p:cNvPr>
+          <p:cNvSpPr txBox="1"/>
+          <p:nvPr/>
+        </p:nvSpPr>
+        <p:spPr>
+          <a:xfrm>
+            <a:off x="5100452" y="4049486"/>
+            <a:ext cx="1154483" cy="369332"/>
+          </a:xfrm>
+          <a:prstGeom prst="rect">
+            <a:avLst/>
+          </a:prstGeom>
+          <a:noFill/>
+        </p:spPr>
+        <p:txBody>
+          <a:bodyPr wrap="none" rtlCol="0">
+            <a:spAutoFit/>
+          </a:bodyPr>
+          <a:lstStyle/>
+          <a:p>
+            <a:r>
+              <a:rPr lang="en-US" altLang="zh-CN" b="1" dirty="0">
+                <a:solidFill>
+                  <a:schemeClr val="accent2"/>
+                </a:solidFill>
+              </a:rPr>
+              <a:t>Midpoint</a:t>
+            </a:r>
+            <a:endParaRPr lang="zh-CN" altLang="en-US" b="1" dirty="0">
+              <a:solidFill>
+                <a:schemeClr val="accent2"/>
+              </a:solidFill>
+            </a:endParaRPr>
+          </a:p>
+        </p:txBody>
+      </p:sp>
+    </p:spTree>
+    <p:extLst>
+      <p:ext uri="{BB962C8B-B14F-4D97-AF65-F5344CB8AC3E}">
+        <p14:creationId xmlns:p14="http://schemas.microsoft.com/office/powerpoint/2010/main" val="299033587"/>
       </p:ext>
     </p:extLst>
   </p:cSld>

--- a/20220725_simulation/Deformable Simulation.pptx
+++ b/20220725_simulation/Deformable Simulation.pptx
@@ -13,6 +13,10 @@
     <p:sldId id="261" r:id="rId7"/>
     <p:sldId id="262" r:id="rId8"/>
     <p:sldId id="263" r:id="rId9"/>
+    <p:sldId id="264" r:id="rId10"/>
+    <p:sldId id="265" r:id="rId11"/>
+    <p:sldId id="266" r:id="rId12"/>
+    <p:sldId id="267" r:id="rId13"/>
   </p:sldIdLst>
   <p:sldSz cx="12192000" cy="6858000"/>
   <p:notesSz cx="6858000" cy="9144000"/>
@@ -3765,6 +3769,2060 @@
 </p:sld>
 </file>
 
+<file path=ppt/slides/slide10.xml><?xml version="1.0" encoding="utf-8"?>
+<p:sld xmlns:a="http://schemas.openxmlformats.org/drawingml/2006/main" xmlns:r="http://schemas.openxmlformats.org/officeDocument/2006/relationships" xmlns:p="http://schemas.openxmlformats.org/presentationml/2006/main">
+  <p:cSld>
+    <p:spTree>
+      <p:nvGrpSpPr>
+        <p:cNvPr id="1" name=""/>
+        <p:cNvGrpSpPr/>
+        <p:nvPr/>
+      </p:nvGrpSpPr>
+      <p:grpSpPr>
+        <a:xfrm>
+          <a:off x="0" y="0"/>
+          <a:ext cx="0" cy="0"/>
+          <a:chOff x="0" y="0"/>
+          <a:chExt cx="0" cy="0"/>
+        </a:xfrm>
+      </p:grpSpPr>
+      <p:sp>
+        <p:nvSpPr>
+          <p:cNvPr id="4" name="标题 1">
+            <a:extLst>
+              <a:ext uri="{FF2B5EF4-FFF2-40B4-BE49-F238E27FC236}">
+                <a16:creationId xmlns:a16="http://schemas.microsoft.com/office/drawing/2014/main" id="{F95B9538-038A-4D08-8AAA-71E86E3B0A4F}"/>
+              </a:ext>
+            </a:extLst>
+          </p:cNvPr>
+          <p:cNvSpPr txBox="1">
+            <a:spLocks/>
+          </p:cNvSpPr>
+          <p:nvPr/>
+        </p:nvSpPr>
+        <p:spPr>
+          <a:xfrm>
+            <a:off x="990600" y="517525"/>
+            <a:ext cx="10515600" cy="1325563"/>
+          </a:xfrm>
+          <a:prstGeom prst="rect">
+            <a:avLst/>
+          </a:prstGeom>
+        </p:spPr>
+        <p:txBody>
+          <a:bodyPr vert="horz" lIns="91440" tIns="45720" rIns="91440" bIns="45720" rtlCol="0" anchor="ctr">
+            <a:normAutofit/>
+          </a:bodyPr>
+          <a:lstStyle>
+            <a:lvl1pPr algn="l" defTabSz="914400" rtl="0" eaLnBrk="1" latinLnBrk="0" hangingPunct="1">
+              <a:lnSpc>
+                <a:spcPct val="90000"/>
+              </a:lnSpc>
+              <a:spcBef>
+                <a:spcPct val="0"/>
+              </a:spcBef>
+              <a:buNone/>
+              <a:defRPr sz="4400" kern="1200">
+                <a:solidFill>
+                  <a:schemeClr val="tx1"/>
+                </a:solidFill>
+                <a:latin typeface="+mj-lt"/>
+                <a:ea typeface="+mj-ea"/>
+                <a:cs typeface="+mj-cs"/>
+              </a:defRPr>
+            </a:lvl1pPr>
+          </a:lstStyle>
+          <a:p>
+            <a:r>
+              <a:rPr lang="en-US" altLang="zh-CN" dirty="0">
+                <a:latin typeface="微软雅黑" panose="020B0503020204020204" pitchFamily="34" charset="-122"/>
+                <a:ea typeface="微软雅黑" panose="020B0503020204020204" pitchFamily="34" charset="-122"/>
+              </a:rPr>
+              <a:t>Spatial integration</a:t>
+            </a:r>
+            <a:endParaRPr lang="zh-CN" altLang="en-US" dirty="0">
+              <a:latin typeface="微软雅黑" panose="020B0503020204020204" pitchFamily="34" charset="-122"/>
+              <a:ea typeface="微软雅黑" panose="020B0503020204020204" pitchFamily="34" charset="-122"/>
+            </a:endParaRPr>
+          </a:p>
+        </p:txBody>
+      </p:sp>
+      <p:sp>
+        <p:nvSpPr>
+          <p:cNvPr id="5" name="内容占位符 2">
+            <a:extLst>
+              <a:ext uri="{FF2B5EF4-FFF2-40B4-BE49-F238E27FC236}">
+                <a16:creationId xmlns:a16="http://schemas.microsoft.com/office/drawing/2014/main" id="{0543F202-84A3-4D44-9D84-5A2CF33B8771}"/>
+              </a:ext>
+            </a:extLst>
+          </p:cNvPr>
+          <p:cNvSpPr txBox="1">
+            <a:spLocks/>
+          </p:cNvSpPr>
+          <p:nvPr/>
+        </p:nvSpPr>
+        <p:spPr>
+          <a:xfrm>
+            <a:off x="990600" y="1978025"/>
+            <a:ext cx="10515600" cy="4351338"/>
+          </a:xfrm>
+          <a:prstGeom prst="rect">
+            <a:avLst/>
+          </a:prstGeom>
+        </p:spPr>
+        <p:txBody>
+          <a:bodyPr vert="horz" lIns="91440" tIns="45720" rIns="91440" bIns="45720" rtlCol="0">
+            <a:normAutofit/>
+          </a:bodyPr>
+          <a:lstStyle>
+            <a:lvl1pPr marL="228600" indent="-228600" algn="l" defTabSz="914400" rtl="0" eaLnBrk="1" latinLnBrk="0" hangingPunct="1">
+              <a:lnSpc>
+                <a:spcPct val="90000"/>
+              </a:lnSpc>
+              <a:spcBef>
+                <a:spcPts val="1000"/>
+              </a:spcBef>
+              <a:buFont typeface="Arial" panose="020B0604020202020204" pitchFamily="34" charset="0"/>
+              <a:buChar char="•"/>
+              <a:defRPr sz="2800" kern="1200">
+                <a:solidFill>
+                  <a:schemeClr val="tx1"/>
+                </a:solidFill>
+                <a:latin typeface="+mn-lt"/>
+                <a:ea typeface="+mn-ea"/>
+                <a:cs typeface="+mn-cs"/>
+              </a:defRPr>
+            </a:lvl1pPr>
+            <a:lvl2pPr marL="685800" indent="-228600" algn="l" defTabSz="914400" rtl="0" eaLnBrk="1" latinLnBrk="0" hangingPunct="1">
+              <a:lnSpc>
+                <a:spcPct val="90000"/>
+              </a:lnSpc>
+              <a:spcBef>
+                <a:spcPts val="500"/>
+              </a:spcBef>
+              <a:buFont typeface="Arial" panose="020B0604020202020204" pitchFamily="34" charset="0"/>
+              <a:buChar char="•"/>
+              <a:defRPr sz="2400" kern="1200">
+                <a:solidFill>
+                  <a:schemeClr val="tx1"/>
+                </a:solidFill>
+                <a:latin typeface="+mn-lt"/>
+                <a:ea typeface="+mn-ea"/>
+                <a:cs typeface="+mn-cs"/>
+              </a:defRPr>
+            </a:lvl2pPr>
+            <a:lvl3pPr marL="1143000" indent="-228600" algn="l" defTabSz="914400" rtl="0" eaLnBrk="1" latinLnBrk="0" hangingPunct="1">
+              <a:lnSpc>
+                <a:spcPct val="90000"/>
+              </a:lnSpc>
+              <a:spcBef>
+                <a:spcPts val="500"/>
+              </a:spcBef>
+              <a:buFont typeface="Arial" panose="020B0604020202020204" pitchFamily="34" charset="0"/>
+              <a:buChar char="•"/>
+              <a:defRPr sz="2000" kern="1200">
+                <a:solidFill>
+                  <a:schemeClr val="tx1"/>
+                </a:solidFill>
+                <a:latin typeface="+mn-lt"/>
+                <a:ea typeface="+mn-ea"/>
+                <a:cs typeface="+mn-cs"/>
+              </a:defRPr>
+            </a:lvl3pPr>
+            <a:lvl4pPr marL="1600200" indent="-228600" algn="l" defTabSz="914400" rtl="0" eaLnBrk="1" latinLnBrk="0" hangingPunct="1">
+              <a:lnSpc>
+                <a:spcPct val="90000"/>
+              </a:lnSpc>
+              <a:spcBef>
+                <a:spcPts val="500"/>
+              </a:spcBef>
+              <a:buFont typeface="Arial" panose="020B0604020202020204" pitchFamily="34" charset="0"/>
+              <a:buChar char="•"/>
+              <a:defRPr sz="1800" kern="1200">
+                <a:solidFill>
+                  <a:schemeClr val="tx1"/>
+                </a:solidFill>
+                <a:latin typeface="+mn-lt"/>
+                <a:ea typeface="+mn-ea"/>
+                <a:cs typeface="+mn-cs"/>
+              </a:defRPr>
+            </a:lvl4pPr>
+            <a:lvl5pPr marL="2057400" indent="-228600" algn="l" defTabSz="914400" rtl="0" eaLnBrk="1" latinLnBrk="0" hangingPunct="1">
+              <a:lnSpc>
+                <a:spcPct val="90000"/>
+              </a:lnSpc>
+              <a:spcBef>
+                <a:spcPts val="500"/>
+              </a:spcBef>
+              <a:buFont typeface="Arial" panose="020B0604020202020204" pitchFamily="34" charset="0"/>
+              <a:buChar char="•"/>
+              <a:defRPr sz="1800" kern="1200">
+                <a:solidFill>
+                  <a:schemeClr val="tx1"/>
+                </a:solidFill>
+                <a:latin typeface="+mn-lt"/>
+                <a:ea typeface="+mn-ea"/>
+                <a:cs typeface="+mn-cs"/>
+              </a:defRPr>
+            </a:lvl5pPr>
+            <a:lvl6pPr marL="2514600" indent="-228600" algn="l" defTabSz="914400" rtl="0" eaLnBrk="1" latinLnBrk="0" hangingPunct="1">
+              <a:lnSpc>
+                <a:spcPct val="90000"/>
+              </a:lnSpc>
+              <a:spcBef>
+                <a:spcPts val="500"/>
+              </a:spcBef>
+              <a:buFont typeface="Arial" panose="020B0604020202020204" pitchFamily="34" charset="0"/>
+              <a:buChar char="•"/>
+              <a:defRPr sz="1800" kern="1200">
+                <a:solidFill>
+                  <a:schemeClr val="tx1"/>
+                </a:solidFill>
+                <a:latin typeface="+mn-lt"/>
+                <a:ea typeface="+mn-ea"/>
+                <a:cs typeface="+mn-cs"/>
+              </a:defRPr>
+            </a:lvl6pPr>
+            <a:lvl7pPr marL="2971800" indent="-228600" algn="l" defTabSz="914400" rtl="0" eaLnBrk="1" latinLnBrk="0" hangingPunct="1">
+              <a:lnSpc>
+                <a:spcPct val="90000"/>
+              </a:lnSpc>
+              <a:spcBef>
+                <a:spcPts val="500"/>
+              </a:spcBef>
+              <a:buFont typeface="Arial" panose="020B0604020202020204" pitchFamily="34" charset="0"/>
+              <a:buChar char="•"/>
+              <a:defRPr sz="1800" kern="1200">
+                <a:solidFill>
+                  <a:schemeClr val="tx1"/>
+                </a:solidFill>
+                <a:latin typeface="+mn-lt"/>
+                <a:ea typeface="+mn-ea"/>
+                <a:cs typeface="+mn-cs"/>
+              </a:defRPr>
+            </a:lvl7pPr>
+            <a:lvl8pPr marL="3429000" indent="-228600" algn="l" defTabSz="914400" rtl="0" eaLnBrk="1" latinLnBrk="0" hangingPunct="1">
+              <a:lnSpc>
+                <a:spcPct val="90000"/>
+              </a:lnSpc>
+              <a:spcBef>
+                <a:spcPts val="500"/>
+              </a:spcBef>
+              <a:buFont typeface="Arial" panose="020B0604020202020204" pitchFamily="34" charset="0"/>
+              <a:buChar char="•"/>
+              <a:defRPr sz="1800" kern="1200">
+                <a:solidFill>
+                  <a:schemeClr val="tx1"/>
+                </a:solidFill>
+                <a:latin typeface="+mn-lt"/>
+                <a:ea typeface="+mn-ea"/>
+                <a:cs typeface="+mn-cs"/>
+              </a:defRPr>
+            </a:lvl8pPr>
+            <a:lvl9pPr marL="3886200" indent="-228600" algn="l" defTabSz="914400" rtl="0" eaLnBrk="1" latinLnBrk="0" hangingPunct="1">
+              <a:lnSpc>
+                <a:spcPct val="90000"/>
+              </a:lnSpc>
+              <a:spcBef>
+                <a:spcPts val="500"/>
+              </a:spcBef>
+              <a:buFont typeface="Arial" panose="020B0604020202020204" pitchFamily="34" charset="0"/>
+              <a:buChar char="•"/>
+              <a:defRPr sz="1800" kern="1200">
+                <a:solidFill>
+                  <a:schemeClr val="tx1"/>
+                </a:solidFill>
+                <a:latin typeface="+mn-lt"/>
+                <a:ea typeface="+mn-ea"/>
+                <a:cs typeface="+mn-cs"/>
+              </a:defRPr>
+            </a:lvl9pPr>
+          </a:lstStyle>
+          <a:p>
+            <a:r>
+              <a:rPr lang="en-US" altLang="zh-CN" sz="2400" dirty="0"/>
+              <a:t>For conservative forces (as most of the elastic forces are), the energy definition is all we need for their simulations.</a:t>
+            </a:r>
+          </a:p>
+          <a:p>
+            <a:r>
+              <a:rPr lang="en-US" altLang="zh-CN" sz="2400" dirty="0"/>
+              <a:t>A deformable object is a </a:t>
+            </a:r>
+            <a:r>
+              <a:rPr lang="en-US" altLang="zh-CN" sz="2400" dirty="0">
+                <a:solidFill>
+                  <a:srgbClr val="FF0000"/>
+                </a:solidFill>
+              </a:rPr>
+              <a:t>continuum</a:t>
+            </a:r>
+            <a:r>
+              <a:rPr lang="en-US" altLang="zh-CN" sz="2400" dirty="0"/>
+              <a:t> body</a:t>
+            </a:r>
+          </a:p>
+        </p:txBody>
+      </p:sp>
+      <p:pic>
+        <p:nvPicPr>
+          <p:cNvPr id="7" name="图片 6">
+            <a:extLst>
+              <a:ext uri="{FF2B5EF4-FFF2-40B4-BE49-F238E27FC236}">
+                <a16:creationId xmlns:a16="http://schemas.microsoft.com/office/drawing/2014/main" id="{68B53FCA-0896-4A6C-8EB8-F0A449BD3321}"/>
+              </a:ext>
+            </a:extLst>
+          </p:cNvPr>
+          <p:cNvPicPr>
+            <a:picLocks noChangeAspect="1"/>
+          </p:cNvPicPr>
+          <p:nvPr/>
+        </p:nvPicPr>
+        <p:blipFill>
+          <a:blip r:embed="rId2">
+            <a:extLst>
+              <a:ext uri="{28A0092B-C50C-407E-A947-70E740481C1C}">
+                <a14:useLocalDpi xmlns:a14="http://schemas.microsoft.com/office/drawing/2010/main" val="0"/>
+              </a:ext>
+            </a:extLst>
+          </a:blip>
+          <a:stretch>
+            <a:fillRect/>
+          </a:stretch>
+        </p:blipFill>
+        <p:spPr>
+          <a:xfrm>
+            <a:off x="990600" y="3678612"/>
+            <a:ext cx="2489149" cy="2076012"/>
+          </a:xfrm>
+          <a:prstGeom prst="rect">
+            <a:avLst/>
+          </a:prstGeom>
+        </p:spPr>
+      </p:pic>
+      <mc:AlternateContent xmlns:mc="http://schemas.openxmlformats.org/markup-compatibility/2006">
+        <mc:Choice xmlns:a14="http://schemas.microsoft.com/office/drawing/2010/main" Requires="a14">
+          <p:sp>
+            <p:nvSpPr>
+              <p:cNvPr id="8" name="文本框 7">
+                <a:extLst>
+                  <a:ext uri="{FF2B5EF4-FFF2-40B4-BE49-F238E27FC236}">
+                    <a16:creationId xmlns:a16="http://schemas.microsoft.com/office/drawing/2014/main" id="{4302374A-CC93-4048-8A0E-1363E3CBF6EA}"/>
+                  </a:ext>
+                </a:extLst>
+              </p:cNvPr>
+              <p:cNvSpPr txBox="1"/>
+              <p:nvPr/>
+            </p:nvSpPr>
+            <p:spPr>
+              <a:xfrm>
+                <a:off x="5294934" y="4353345"/>
+                <a:ext cx="906081" cy="553998"/>
+              </a:xfrm>
+              <a:prstGeom prst="rect">
+                <a:avLst/>
+              </a:prstGeom>
+              <a:noFill/>
+            </p:spPr>
+            <p:txBody>
+              <a:bodyPr wrap="none" lIns="0" tIns="0" rIns="0" bIns="0" rtlCol="0">
+                <a:spAutoFit/>
+              </a:bodyPr>
+              <a:lstStyle/>
+              <a:p>
+                <a14:m>
+                  <m:oMathPara xmlns:m="http://schemas.openxmlformats.org/officeDocument/2006/math">
+                    <m:oMathParaPr>
+                      <m:jc m:val="centerGroup"/>
+                    </m:oMathParaPr>
+                    <m:oMath xmlns:m="http://schemas.openxmlformats.org/officeDocument/2006/math">
+                      <m:r>
+                        <a:rPr lang="en-US" altLang="zh-CN" sz="3600" b="0" i="1" smtClean="0">
+                          <a:latin typeface="Cambria Math" panose="02040503050406030204" pitchFamily="18" charset="0"/>
+                        </a:rPr>
+                        <m:t>𝐸</m:t>
+                      </m:r>
+                      <m:r>
+                        <a:rPr lang="en-US" altLang="zh-CN" sz="3600" b="0" i="1" smtClean="0">
+                          <a:latin typeface="Cambria Math" panose="02040503050406030204" pitchFamily="18" charset="0"/>
+                        </a:rPr>
+                        <m:t>=</m:t>
+                      </m:r>
+                    </m:oMath>
+                  </m:oMathPara>
+                </a14:m>
+                <a:endParaRPr lang="zh-CN" altLang="en-US" dirty="0"/>
+              </a:p>
+            </p:txBody>
+          </p:sp>
+        </mc:Choice>
+        <mc:Fallback>
+          <p:sp>
+            <p:nvSpPr>
+              <p:cNvPr id="8" name="文本框 7">
+                <a:extLst>
+                  <a:ext uri="{FF2B5EF4-FFF2-40B4-BE49-F238E27FC236}">
+                    <a16:creationId xmlns:a16="http://schemas.microsoft.com/office/drawing/2014/main" id="{4302374A-CC93-4048-8A0E-1363E3CBF6EA}"/>
+                  </a:ext>
+                </a:extLst>
+              </p:cNvPr>
+              <p:cNvSpPr txBox="1">
+                <a:spLocks noRot="1" noChangeAspect="1" noMove="1" noResize="1" noEditPoints="1" noAdjustHandles="1" noChangeArrowheads="1" noChangeShapeType="1" noTextEdit="1"/>
+              </p:cNvSpPr>
+              <p:nvPr/>
+            </p:nvSpPr>
+            <p:spPr>
+              <a:xfrm>
+                <a:off x="5294934" y="4353345"/>
+                <a:ext cx="906081" cy="553998"/>
+              </a:xfrm>
+              <a:prstGeom prst="rect">
+                <a:avLst/>
+              </a:prstGeom>
+              <a:blipFill>
+                <a:blip r:embed="rId3"/>
+                <a:stretch>
+                  <a:fillRect/>
+                </a:stretch>
+              </a:blipFill>
+            </p:spPr>
+            <p:txBody>
+              <a:bodyPr/>
+              <a:lstStyle/>
+              <a:p>
+                <a:r>
+                  <a:rPr lang="zh-CN" altLang="en-US">
+                    <a:noFill/>
+                  </a:rPr>
+                  <a:t> </a:t>
+                </a:r>
+              </a:p>
+            </p:txBody>
+          </p:sp>
+        </mc:Fallback>
+      </mc:AlternateContent>
+      <mc:AlternateContent xmlns:mc="http://schemas.openxmlformats.org/markup-compatibility/2006">
+        <mc:Choice xmlns:a14="http://schemas.microsoft.com/office/drawing/2010/main" Requires="a14">
+          <p:sp>
+            <p:nvSpPr>
+              <p:cNvPr id="9" name="文本框 8">
+                <a:extLst>
+                  <a:ext uri="{FF2B5EF4-FFF2-40B4-BE49-F238E27FC236}">
+                    <a16:creationId xmlns:a16="http://schemas.microsoft.com/office/drawing/2014/main" id="{D0A9C0FE-5F04-4E50-AA0B-F13B3D841D7D}"/>
+                  </a:ext>
+                </a:extLst>
+              </p:cNvPr>
+              <p:cNvSpPr txBox="1"/>
+              <p:nvPr/>
+            </p:nvSpPr>
+            <p:spPr>
+              <a:xfrm>
+                <a:off x="6077672" y="2586547"/>
+                <a:ext cx="3193888" cy="4641592"/>
+              </a:xfrm>
+              <a:prstGeom prst="rect">
+                <a:avLst/>
+              </a:prstGeom>
+              <a:noFill/>
+            </p:spPr>
+            <p:txBody>
+              <a:bodyPr wrap="none" lIns="0" tIns="0" rIns="0" bIns="0" rtlCol="0">
+                <a:spAutoFit/>
+              </a:bodyPr>
+              <a:lstStyle/>
+              <a:p>
+                <a14:m>
+                  <m:oMathPara xmlns:m="http://schemas.openxmlformats.org/officeDocument/2006/math">
+                    <m:oMathParaPr>
+                      <m:jc m:val="centerGroup"/>
+                    </m:oMathParaPr>
+                    <m:oMath xmlns:m="http://schemas.openxmlformats.org/officeDocument/2006/math">
+                      <m:nary>
+                        <m:naryPr>
+                          <m:limLoc m:val="undOvr"/>
+                          <m:subHide m:val="on"/>
+                          <m:supHide m:val="on"/>
+                          <m:ctrlPr>
+                            <a:rPr lang="zh-CN" altLang="en-US" sz="11500" i="1" smtClean="0">
+                              <a:latin typeface="Cambria Math" panose="02040503050406030204" pitchFamily="18" charset="0"/>
+                            </a:rPr>
+                          </m:ctrlPr>
+                        </m:naryPr>
+                        <m:sub/>
+                        <m:sup/>
+                        <m:e/>
+                      </m:nary>
+                    </m:oMath>
+                  </m:oMathPara>
+                </a14:m>
+                <a:endParaRPr lang="zh-CN" altLang="en-US" sz="11500" dirty="0"/>
+              </a:p>
+            </p:txBody>
+          </p:sp>
+        </mc:Choice>
+        <mc:Fallback>
+          <p:sp>
+            <p:nvSpPr>
+              <p:cNvPr id="9" name="文本框 8">
+                <a:extLst>
+                  <a:ext uri="{FF2B5EF4-FFF2-40B4-BE49-F238E27FC236}">
+                    <a16:creationId xmlns:a16="http://schemas.microsoft.com/office/drawing/2014/main" id="{D0A9C0FE-5F04-4E50-AA0B-F13B3D841D7D}"/>
+                  </a:ext>
+                </a:extLst>
+              </p:cNvPr>
+              <p:cNvSpPr txBox="1">
+                <a:spLocks noRot="1" noChangeAspect="1" noMove="1" noResize="1" noEditPoints="1" noAdjustHandles="1" noChangeArrowheads="1" noChangeShapeType="1" noTextEdit="1"/>
+              </p:cNvSpPr>
+              <p:nvPr/>
+            </p:nvSpPr>
+            <p:spPr>
+              <a:xfrm>
+                <a:off x="6077672" y="2586547"/>
+                <a:ext cx="3193888" cy="4641592"/>
+              </a:xfrm>
+              <a:prstGeom prst="rect">
+                <a:avLst/>
+              </a:prstGeom>
+              <a:blipFill>
+                <a:blip r:embed="rId4"/>
+                <a:stretch>
+                  <a:fillRect/>
+                </a:stretch>
+              </a:blipFill>
+            </p:spPr>
+            <p:txBody>
+              <a:bodyPr/>
+              <a:lstStyle/>
+              <a:p>
+                <a:r>
+                  <a:rPr lang="zh-CN" altLang="en-US">
+                    <a:noFill/>
+                  </a:rPr>
+                  <a:t> </a:t>
+                </a:r>
+              </a:p>
+            </p:txBody>
+          </p:sp>
+        </mc:Fallback>
+      </mc:AlternateContent>
+      <p:pic>
+        <p:nvPicPr>
+          <p:cNvPr id="11" name="图片 10">
+            <a:extLst>
+              <a:ext uri="{FF2B5EF4-FFF2-40B4-BE49-F238E27FC236}">
+                <a16:creationId xmlns:a16="http://schemas.microsoft.com/office/drawing/2014/main" id="{32938B3F-6DAF-4CF3-960D-289B2ABBD016}"/>
+              </a:ext>
+            </a:extLst>
+          </p:cNvPr>
+          <p:cNvPicPr>
+            <a:picLocks noChangeAspect="1"/>
+          </p:cNvPicPr>
+          <p:nvPr/>
+        </p:nvPicPr>
+        <p:blipFill>
+          <a:blip r:embed="rId5">
+            <a:extLst>
+              <a:ext uri="{BEBA8EAE-BF5A-486C-A8C5-ECC9F3942E4B}">
+                <a14:imgProps xmlns:a14="http://schemas.microsoft.com/office/drawing/2010/main">
+                  <a14:imgLayer r:embed="rId6">
+                    <a14:imgEffect>
+                      <a14:backgroundRemoval t="5435" b="89493" l="6627" r="94880">
+                        <a14:foregroundMark x1="6627" y1="61957" x2="6627" y2="61957"/>
+                        <a14:foregroundMark x1="37651" y1="8333" x2="37651" y2="8333"/>
+                        <a14:foregroundMark x1="59036" y1="7246" x2="59036" y2="7246"/>
+                        <a14:foregroundMark x1="37651" y1="5797" x2="37651" y2="5797"/>
+                        <a14:foregroundMark x1="90964" y1="72464" x2="90964" y2="72464"/>
+                        <a14:foregroundMark x1="94880" y1="74638" x2="94880" y2="74638"/>
+                      </a14:backgroundRemoval>
+                    </a14:imgEffect>
+                  </a14:imgLayer>
+                </a14:imgProps>
+              </a:ext>
+              <a:ext uri="{28A0092B-C50C-407E-A947-70E740481C1C}">
+                <a14:useLocalDpi xmlns:a14="http://schemas.microsoft.com/office/drawing/2010/main" val="0"/>
+              </a:ext>
+            </a:extLst>
+          </a:blip>
+          <a:stretch>
+            <a:fillRect/>
+          </a:stretch>
+        </p:blipFill>
+        <p:spPr>
+          <a:xfrm>
+            <a:off x="7166625" y="3226338"/>
+            <a:ext cx="4044155" cy="3362009"/>
+          </a:xfrm>
+          <a:prstGeom prst="rect">
+            <a:avLst/>
+          </a:prstGeom>
+        </p:spPr>
+      </p:pic>
+      <p:sp>
+        <p:nvSpPr>
+          <p:cNvPr id="12" name="文本框 11">
+            <a:extLst>
+              <a:ext uri="{FF2B5EF4-FFF2-40B4-BE49-F238E27FC236}">
+                <a16:creationId xmlns:a16="http://schemas.microsoft.com/office/drawing/2014/main" id="{0F651607-23E8-4507-9467-A0CD21E9C145}"/>
+              </a:ext>
+            </a:extLst>
+          </p:cNvPr>
+          <p:cNvSpPr txBox="1"/>
+          <p:nvPr/>
+        </p:nvSpPr>
+        <p:spPr>
+          <a:xfrm rot="1183364">
+            <a:off x="10219751" y="2503778"/>
+            <a:ext cx="1128835" cy="2646878"/>
+          </a:xfrm>
+          <a:prstGeom prst="rect">
+            <a:avLst/>
+          </a:prstGeom>
+          <a:noFill/>
+        </p:spPr>
+        <p:txBody>
+          <a:bodyPr wrap="none" rtlCol="0">
+            <a:spAutoFit/>
+          </a:bodyPr>
+          <a:lstStyle/>
+          <a:p>
+            <a:r>
+              <a:rPr lang="en-US" altLang="zh-CN" sz="16600" b="1" dirty="0"/>
+              <a:t>?</a:t>
+            </a:r>
+            <a:endParaRPr lang="zh-CN" altLang="en-US" sz="16600" b="1" dirty="0"/>
+          </a:p>
+        </p:txBody>
+      </p:sp>
+      <p:sp>
+        <p:nvSpPr>
+          <p:cNvPr id="13" name="文本框 12">
+            <a:extLst>
+              <a:ext uri="{FF2B5EF4-FFF2-40B4-BE49-F238E27FC236}">
+                <a16:creationId xmlns:a16="http://schemas.microsoft.com/office/drawing/2014/main" id="{599A2841-C836-4F4A-B913-D876C2BFF282}"/>
+              </a:ext>
+            </a:extLst>
+          </p:cNvPr>
+          <p:cNvSpPr txBox="1"/>
+          <p:nvPr/>
+        </p:nvSpPr>
+        <p:spPr>
+          <a:xfrm>
+            <a:off x="2335149" y="5970401"/>
+            <a:ext cx="3913251" cy="646331"/>
+          </a:xfrm>
+          <a:prstGeom prst="rect">
+            <a:avLst/>
+          </a:prstGeom>
+          <a:noFill/>
+        </p:spPr>
+        <p:txBody>
+          <a:bodyPr wrap="none" rtlCol="0">
+            <a:spAutoFit/>
+          </a:bodyPr>
+          <a:lstStyle/>
+          <a:p>
+            <a:r>
+              <a:rPr lang="en-US" altLang="zh-CN" b="1" dirty="0"/>
+              <a:t>How to describe the </a:t>
+            </a:r>
+            <a:r>
+              <a:rPr lang="en-US" altLang="zh-CN" b="1" dirty="0">
+                <a:solidFill>
+                  <a:srgbClr val="FF0000"/>
+                </a:solidFill>
+              </a:rPr>
+              <a:t>deformation</a:t>
+            </a:r>
+            <a:r>
+              <a:rPr lang="en-US" altLang="zh-CN" b="1" dirty="0"/>
+              <a:t>?</a:t>
+            </a:r>
+          </a:p>
+          <a:p>
+            <a:r>
+              <a:rPr lang="en-US" altLang="zh-CN" b="1" dirty="0"/>
+              <a:t>How to describe the </a:t>
+            </a:r>
+            <a:r>
+              <a:rPr lang="en-US" altLang="zh-CN" b="1" dirty="0">
+                <a:solidFill>
+                  <a:srgbClr val="FF0000"/>
+                </a:solidFill>
+              </a:rPr>
+              <a:t>elastic energy</a:t>
+            </a:r>
+            <a:r>
+              <a:rPr lang="en-US" altLang="zh-CN" b="1" dirty="0"/>
+              <a:t>?</a:t>
+            </a:r>
+            <a:endParaRPr lang="zh-CN" altLang="en-US" b="1" dirty="0"/>
+          </a:p>
+        </p:txBody>
+      </p:sp>
+    </p:spTree>
+    <p:extLst>
+      <p:ext uri="{BB962C8B-B14F-4D97-AF65-F5344CB8AC3E}">
+        <p14:creationId xmlns:p14="http://schemas.microsoft.com/office/powerpoint/2010/main" val="1346010124"/>
+      </p:ext>
+    </p:extLst>
+  </p:cSld>
+  <p:clrMapOvr>
+    <a:masterClrMapping/>
+  </p:clrMapOvr>
+</p:sld>
+</file>
+
+<file path=ppt/slides/slide11.xml><?xml version="1.0" encoding="utf-8"?>
+<p:sld xmlns:a="http://schemas.openxmlformats.org/drawingml/2006/main" xmlns:r="http://schemas.openxmlformats.org/officeDocument/2006/relationships" xmlns:p="http://schemas.openxmlformats.org/presentationml/2006/main">
+  <p:cSld>
+    <p:spTree>
+      <p:nvGrpSpPr>
+        <p:cNvPr id="1" name=""/>
+        <p:cNvGrpSpPr/>
+        <p:nvPr/>
+      </p:nvGrpSpPr>
+      <p:grpSpPr>
+        <a:xfrm>
+          <a:off x="0" y="0"/>
+          <a:ext cx="0" cy="0"/>
+          <a:chOff x="0" y="0"/>
+          <a:chExt cx="0" cy="0"/>
+        </a:xfrm>
+      </p:grpSpPr>
+      <p:sp>
+        <p:nvSpPr>
+          <p:cNvPr id="4" name="标题 1">
+            <a:extLst>
+              <a:ext uri="{FF2B5EF4-FFF2-40B4-BE49-F238E27FC236}">
+                <a16:creationId xmlns:a16="http://schemas.microsoft.com/office/drawing/2014/main" id="{F95B9538-038A-4D08-8AAA-71E86E3B0A4F}"/>
+              </a:ext>
+            </a:extLst>
+          </p:cNvPr>
+          <p:cNvSpPr txBox="1">
+            <a:spLocks/>
+          </p:cNvSpPr>
+          <p:nvPr/>
+        </p:nvSpPr>
+        <p:spPr>
+          <a:xfrm>
+            <a:off x="990600" y="517525"/>
+            <a:ext cx="10515600" cy="1325563"/>
+          </a:xfrm>
+          <a:prstGeom prst="rect">
+            <a:avLst/>
+          </a:prstGeom>
+        </p:spPr>
+        <p:txBody>
+          <a:bodyPr vert="horz" lIns="91440" tIns="45720" rIns="91440" bIns="45720" rtlCol="0" anchor="ctr">
+            <a:normAutofit/>
+          </a:bodyPr>
+          <a:lstStyle>
+            <a:lvl1pPr algn="l" defTabSz="914400" rtl="0" eaLnBrk="1" latinLnBrk="0" hangingPunct="1">
+              <a:lnSpc>
+                <a:spcPct val="90000"/>
+              </a:lnSpc>
+              <a:spcBef>
+                <a:spcPct val="0"/>
+              </a:spcBef>
+              <a:buNone/>
+              <a:defRPr sz="4400" kern="1200">
+                <a:solidFill>
+                  <a:schemeClr val="tx1"/>
+                </a:solidFill>
+                <a:latin typeface="+mj-lt"/>
+                <a:ea typeface="+mj-ea"/>
+                <a:cs typeface="+mj-cs"/>
+              </a:defRPr>
+            </a:lvl1pPr>
+          </a:lstStyle>
+          <a:p>
+            <a:r>
+              <a:rPr lang="en-US" altLang="zh-CN" dirty="0">
+                <a:latin typeface="微软雅黑" panose="020B0503020204020204" pitchFamily="34" charset="-122"/>
+                <a:ea typeface="微软雅黑" panose="020B0503020204020204" pitchFamily="34" charset="-122"/>
+              </a:rPr>
+              <a:t>Mass-spring system</a:t>
+            </a:r>
+            <a:endParaRPr lang="zh-CN" altLang="en-US" dirty="0">
+              <a:latin typeface="微软雅黑" panose="020B0503020204020204" pitchFamily="34" charset="-122"/>
+              <a:ea typeface="微软雅黑" panose="020B0503020204020204" pitchFamily="34" charset="-122"/>
+            </a:endParaRPr>
+          </a:p>
+        </p:txBody>
+      </p:sp>
+      <mc:AlternateContent xmlns:mc="http://schemas.openxmlformats.org/markup-compatibility/2006">
+        <mc:Choice xmlns:a14="http://schemas.microsoft.com/office/drawing/2010/main" Requires="a14">
+          <p:sp>
+            <p:nvSpPr>
+              <p:cNvPr id="5" name="内容占位符 2">
+                <a:extLst>
+                  <a:ext uri="{FF2B5EF4-FFF2-40B4-BE49-F238E27FC236}">
+                    <a16:creationId xmlns:a16="http://schemas.microsoft.com/office/drawing/2014/main" id="{0543F202-84A3-4D44-9D84-5A2CF33B8771}"/>
+                  </a:ext>
+                </a:extLst>
+              </p:cNvPr>
+              <p:cNvSpPr txBox="1">
+                <a:spLocks/>
+              </p:cNvSpPr>
+              <p:nvPr/>
+            </p:nvSpPr>
+            <p:spPr>
+              <a:xfrm>
+                <a:off x="990600" y="1978025"/>
+                <a:ext cx="10515600" cy="4351338"/>
+              </a:xfrm>
+              <a:prstGeom prst="rect">
+                <a:avLst/>
+              </a:prstGeom>
+            </p:spPr>
+            <p:txBody>
+              <a:bodyPr vert="horz" lIns="91440" tIns="45720" rIns="91440" bIns="45720" rtlCol="0">
+                <a:normAutofit/>
+              </a:bodyPr>
+              <a:lstStyle>
+                <a:lvl1pPr marL="228600" indent="-228600" algn="l" defTabSz="914400" rtl="0" eaLnBrk="1" latinLnBrk="0" hangingPunct="1">
+                  <a:lnSpc>
+                    <a:spcPct val="90000"/>
+                  </a:lnSpc>
+                  <a:spcBef>
+                    <a:spcPts val="1000"/>
+                  </a:spcBef>
+                  <a:buFont typeface="Arial" panose="020B0604020202020204" pitchFamily="34" charset="0"/>
+                  <a:buChar char="•"/>
+                  <a:defRPr sz="2800" kern="1200">
+                    <a:solidFill>
+                      <a:schemeClr val="tx1"/>
+                    </a:solidFill>
+                    <a:latin typeface="+mn-lt"/>
+                    <a:ea typeface="+mn-ea"/>
+                    <a:cs typeface="+mn-cs"/>
+                  </a:defRPr>
+                </a:lvl1pPr>
+                <a:lvl2pPr marL="685800" indent="-228600" algn="l" defTabSz="914400" rtl="0" eaLnBrk="1" latinLnBrk="0" hangingPunct="1">
+                  <a:lnSpc>
+                    <a:spcPct val="90000"/>
+                  </a:lnSpc>
+                  <a:spcBef>
+                    <a:spcPts val="500"/>
+                  </a:spcBef>
+                  <a:buFont typeface="Arial" panose="020B0604020202020204" pitchFamily="34" charset="0"/>
+                  <a:buChar char="•"/>
+                  <a:defRPr sz="2400" kern="1200">
+                    <a:solidFill>
+                      <a:schemeClr val="tx1"/>
+                    </a:solidFill>
+                    <a:latin typeface="+mn-lt"/>
+                    <a:ea typeface="+mn-ea"/>
+                    <a:cs typeface="+mn-cs"/>
+                  </a:defRPr>
+                </a:lvl2pPr>
+                <a:lvl3pPr marL="1143000" indent="-228600" algn="l" defTabSz="914400" rtl="0" eaLnBrk="1" latinLnBrk="0" hangingPunct="1">
+                  <a:lnSpc>
+                    <a:spcPct val="90000"/>
+                  </a:lnSpc>
+                  <a:spcBef>
+                    <a:spcPts val="500"/>
+                  </a:spcBef>
+                  <a:buFont typeface="Arial" panose="020B0604020202020204" pitchFamily="34" charset="0"/>
+                  <a:buChar char="•"/>
+                  <a:defRPr sz="2000" kern="1200">
+                    <a:solidFill>
+                      <a:schemeClr val="tx1"/>
+                    </a:solidFill>
+                    <a:latin typeface="+mn-lt"/>
+                    <a:ea typeface="+mn-ea"/>
+                    <a:cs typeface="+mn-cs"/>
+                  </a:defRPr>
+                </a:lvl3pPr>
+                <a:lvl4pPr marL="1600200" indent="-228600" algn="l" defTabSz="914400" rtl="0" eaLnBrk="1" latinLnBrk="0" hangingPunct="1">
+                  <a:lnSpc>
+                    <a:spcPct val="90000"/>
+                  </a:lnSpc>
+                  <a:spcBef>
+                    <a:spcPts val="500"/>
+                  </a:spcBef>
+                  <a:buFont typeface="Arial" panose="020B0604020202020204" pitchFamily="34" charset="0"/>
+                  <a:buChar char="•"/>
+                  <a:defRPr sz="1800" kern="1200">
+                    <a:solidFill>
+                      <a:schemeClr val="tx1"/>
+                    </a:solidFill>
+                    <a:latin typeface="+mn-lt"/>
+                    <a:ea typeface="+mn-ea"/>
+                    <a:cs typeface="+mn-cs"/>
+                  </a:defRPr>
+                </a:lvl4pPr>
+                <a:lvl5pPr marL="2057400" indent="-228600" algn="l" defTabSz="914400" rtl="0" eaLnBrk="1" latinLnBrk="0" hangingPunct="1">
+                  <a:lnSpc>
+                    <a:spcPct val="90000"/>
+                  </a:lnSpc>
+                  <a:spcBef>
+                    <a:spcPts val="500"/>
+                  </a:spcBef>
+                  <a:buFont typeface="Arial" panose="020B0604020202020204" pitchFamily="34" charset="0"/>
+                  <a:buChar char="•"/>
+                  <a:defRPr sz="1800" kern="1200">
+                    <a:solidFill>
+                      <a:schemeClr val="tx1"/>
+                    </a:solidFill>
+                    <a:latin typeface="+mn-lt"/>
+                    <a:ea typeface="+mn-ea"/>
+                    <a:cs typeface="+mn-cs"/>
+                  </a:defRPr>
+                </a:lvl5pPr>
+                <a:lvl6pPr marL="2514600" indent="-228600" algn="l" defTabSz="914400" rtl="0" eaLnBrk="1" latinLnBrk="0" hangingPunct="1">
+                  <a:lnSpc>
+                    <a:spcPct val="90000"/>
+                  </a:lnSpc>
+                  <a:spcBef>
+                    <a:spcPts val="500"/>
+                  </a:spcBef>
+                  <a:buFont typeface="Arial" panose="020B0604020202020204" pitchFamily="34" charset="0"/>
+                  <a:buChar char="•"/>
+                  <a:defRPr sz="1800" kern="1200">
+                    <a:solidFill>
+                      <a:schemeClr val="tx1"/>
+                    </a:solidFill>
+                    <a:latin typeface="+mn-lt"/>
+                    <a:ea typeface="+mn-ea"/>
+                    <a:cs typeface="+mn-cs"/>
+                  </a:defRPr>
+                </a:lvl6pPr>
+                <a:lvl7pPr marL="2971800" indent="-228600" algn="l" defTabSz="914400" rtl="0" eaLnBrk="1" latinLnBrk="0" hangingPunct="1">
+                  <a:lnSpc>
+                    <a:spcPct val="90000"/>
+                  </a:lnSpc>
+                  <a:spcBef>
+                    <a:spcPts val="500"/>
+                  </a:spcBef>
+                  <a:buFont typeface="Arial" panose="020B0604020202020204" pitchFamily="34" charset="0"/>
+                  <a:buChar char="•"/>
+                  <a:defRPr sz="1800" kern="1200">
+                    <a:solidFill>
+                      <a:schemeClr val="tx1"/>
+                    </a:solidFill>
+                    <a:latin typeface="+mn-lt"/>
+                    <a:ea typeface="+mn-ea"/>
+                    <a:cs typeface="+mn-cs"/>
+                  </a:defRPr>
+                </a:lvl7pPr>
+                <a:lvl8pPr marL="3429000" indent="-228600" algn="l" defTabSz="914400" rtl="0" eaLnBrk="1" latinLnBrk="0" hangingPunct="1">
+                  <a:lnSpc>
+                    <a:spcPct val="90000"/>
+                  </a:lnSpc>
+                  <a:spcBef>
+                    <a:spcPts val="500"/>
+                  </a:spcBef>
+                  <a:buFont typeface="Arial" panose="020B0604020202020204" pitchFamily="34" charset="0"/>
+                  <a:buChar char="•"/>
+                  <a:defRPr sz="1800" kern="1200">
+                    <a:solidFill>
+                      <a:schemeClr val="tx1"/>
+                    </a:solidFill>
+                    <a:latin typeface="+mn-lt"/>
+                    <a:ea typeface="+mn-ea"/>
+                    <a:cs typeface="+mn-cs"/>
+                  </a:defRPr>
+                </a:lvl8pPr>
+                <a:lvl9pPr marL="3886200" indent="-228600" algn="l" defTabSz="914400" rtl="0" eaLnBrk="1" latinLnBrk="0" hangingPunct="1">
+                  <a:lnSpc>
+                    <a:spcPct val="90000"/>
+                  </a:lnSpc>
+                  <a:spcBef>
+                    <a:spcPts val="500"/>
+                  </a:spcBef>
+                  <a:buFont typeface="Arial" panose="020B0604020202020204" pitchFamily="34" charset="0"/>
+                  <a:buChar char="•"/>
+                  <a:defRPr sz="1800" kern="1200">
+                    <a:solidFill>
+                      <a:schemeClr val="tx1"/>
+                    </a:solidFill>
+                    <a:latin typeface="+mn-lt"/>
+                    <a:ea typeface="+mn-ea"/>
+                    <a:cs typeface="+mn-cs"/>
+                  </a:defRPr>
+                </a:lvl9pPr>
+              </a:lstStyle>
+              <a:p>
+                <a:r>
+                  <a:rPr lang="en-US" altLang="zh-CN" sz="2400" dirty="0"/>
+                  <a:t>Aggregate the volume mass to the vertices</a:t>
+                </a:r>
+              </a:p>
+              <a:p>
+                <a:r>
+                  <a:rPr lang="en-US" altLang="zh-CN" sz="2400" dirty="0"/>
+                  <a:t>Link the mass vertices with springs</a:t>
+                </a:r>
+              </a:p>
+              <a:p>
+                <a:endParaRPr lang="en-US" altLang="zh-CN" sz="2400" dirty="0"/>
+              </a:p>
+              <a:p>
+                <a:r>
+                  <a:rPr lang="en-US" altLang="zh-CN" sz="2400" dirty="0"/>
+                  <a:t>How to describe the deformation?</a:t>
+                </a:r>
+              </a:p>
+              <a:p>
+                <a:pPr marL="457200" lvl="1" indent="0">
+                  <a:buNone/>
+                </a:pPr>
+                <a:r>
+                  <a:rPr lang="en-US" altLang="zh-CN" sz="2000" b="0" dirty="0"/>
+                  <a:t>“Deformation” </a:t>
+                </a:r>
+                <a14:m>
+                  <m:oMath xmlns:m="http://schemas.openxmlformats.org/officeDocument/2006/math">
+                    <m:r>
+                      <a:rPr lang="en-US" altLang="zh-CN" sz="2000" b="0" i="0" smtClean="0">
+                        <a:latin typeface="Cambria Math" panose="02040503050406030204" pitchFamily="18" charset="0"/>
+                      </a:rPr>
+                      <m:t>=</m:t>
+                    </m:r>
+                    <m:r>
+                      <a:rPr lang="en-US" altLang="zh-CN" sz="2000" b="0" i="1" smtClean="0">
+                        <a:latin typeface="Cambria Math" panose="02040503050406030204" pitchFamily="18" charset="0"/>
+                      </a:rPr>
+                      <m:t>𝑙</m:t>
+                    </m:r>
+                    <m:r>
+                      <a:rPr lang="en-US" altLang="zh-CN" sz="2000" b="0" i="1" smtClean="0">
+                        <a:latin typeface="Cambria Math" panose="02040503050406030204" pitchFamily="18" charset="0"/>
+                      </a:rPr>
+                      <m:t>−</m:t>
+                    </m:r>
+                    <m:sSub>
+                      <m:sSubPr>
+                        <m:ctrlPr>
+                          <a:rPr lang="en-US" altLang="zh-CN" sz="2000" b="0" i="1" smtClean="0">
+                            <a:latin typeface="Cambria Math" panose="02040503050406030204" pitchFamily="18" charset="0"/>
+                          </a:rPr>
+                        </m:ctrlPr>
+                      </m:sSubPr>
+                      <m:e>
+                        <m:r>
+                          <a:rPr lang="en-US" altLang="zh-CN" sz="2000" b="0" i="1" smtClean="0">
+                            <a:latin typeface="Cambria Math" panose="02040503050406030204" pitchFamily="18" charset="0"/>
+                          </a:rPr>
+                          <m:t>𝑙</m:t>
+                        </m:r>
+                      </m:e>
+                      <m:sub>
+                        <m:r>
+                          <a:rPr lang="en-US" altLang="zh-CN" sz="2000" b="0" i="1" smtClean="0">
+                            <a:latin typeface="Cambria Math" panose="02040503050406030204" pitchFamily="18" charset="0"/>
+                          </a:rPr>
+                          <m:t>0</m:t>
+                        </m:r>
+                      </m:sub>
+                    </m:sSub>
+                  </m:oMath>
+                </a14:m>
+                <a:endParaRPr lang="en-US" altLang="zh-CN" sz="2000" b="0" dirty="0"/>
+              </a:p>
+              <a:p>
+                <a:pPr marL="457200" lvl="1" indent="0">
+                  <a:buNone/>
+                </a:pPr>
+                <a:endParaRPr lang="en-US" altLang="zh-CN" sz="2000" dirty="0"/>
+              </a:p>
+              <a:p>
+                <a:pPr/>
+                <a:r>
+                  <a:rPr lang="en-US" altLang="zh-CN" sz="2400" dirty="0"/>
+                  <a:t>How to describe the elastic energy?</a:t>
+                </a:r>
+              </a:p>
+              <a:p>
+                <a:pPr marL="457200" lvl="1" indent="0">
+                  <a:buNone/>
+                </a:pPr>
+                <a:r>
+                  <a:rPr lang="en-US" altLang="zh-CN" sz="2000" dirty="0"/>
+                  <a:t>Hooke’s Law: </a:t>
+                </a:r>
+                <a14:m>
+                  <m:oMath xmlns:m="http://schemas.openxmlformats.org/officeDocument/2006/math">
+                    <m:r>
+                      <a:rPr lang="en-US" altLang="zh-CN" sz="2000" b="0" i="1" smtClean="0">
+                        <a:latin typeface="Cambria Math" panose="02040503050406030204" pitchFamily="18" charset="0"/>
+                      </a:rPr>
+                      <m:t>𝐸</m:t>
+                    </m:r>
+                    <m:d>
+                      <m:dPr>
+                        <m:ctrlPr>
+                          <a:rPr lang="en-US" altLang="zh-CN" sz="2000" b="0" i="1" smtClean="0">
+                            <a:latin typeface="Cambria Math" panose="02040503050406030204" pitchFamily="18" charset="0"/>
+                          </a:rPr>
+                        </m:ctrlPr>
+                      </m:dPr>
+                      <m:e>
+                        <m:sSub>
+                          <m:sSubPr>
+                            <m:ctrlPr>
+                              <a:rPr lang="en-US" altLang="zh-CN" sz="2000" b="0" i="1" smtClean="0">
+                                <a:latin typeface="Cambria Math" panose="02040503050406030204" pitchFamily="18" charset="0"/>
+                              </a:rPr>
+                            </m:ctrlPr>
+                          </m:sSubPr>
+                          <m:e>
+                            <m:r>
+                              <a:rPr lang="en-US" altLang="zh-CN" sz="2000" b="1" i="1" smtClean="0">
+                                <a:latin typeface="Cambria Math" panose="02040503050406030204" pitchFamily="18" charset="0"/>
+                              </a:rPr>
+                              <m:t>𝒙</m:t>
+                            </m:r>
+                          </m:e>
+                          <m:sub>
+                            <m:r>
+                              <a:rPr lang="en-US" altLang="zh-CN" sz="2000" b="0" i="1" smtClean="0">
+                                <a:latin typeface="Cambria Math" panose="02040503050406030204" pitchFamily="18" charset="0"/>
+                              </a:rPr>
+                              <m:t>1</m:t>
+                            </m:r>
+                          </m:sub>
+                        </m:sSub>
+                        <m:r>
+                          <a:rPr lang="en-US" altLang="zh-CN" sz="2000" b="0" i="1" smtClean="0">
+                            <a:latin typeface="Cambria Math" panose="02040503050406030204" pitchFamily="18" charset="0"/>
+                          </a:rPr>
+                          <m:t>,</m:t>
+                        </m:r>
+                        <m:sSub>
+                          <m:sSubPr>
+                            <m:ctrlPr>
+                              <a:rPr lang="en-US" altLang="zh-CN" sz="2000" b="0" i="1" smtClean="0">
+                                <a:latin typeface="Cambria Math" panose="02040503050406030204" pitchFamily="18" charset="0"/>
+                              </a:rPr>
+                            </m:ctrlPr>
+                          </m:sSubPr>
+                          <m:e>
+                            <m:r>
+                              <a:rPr lang="en-US" altLang="zh-CN" sz="2000" b="1" i="1" smtClean="0">
+                                <a:latin typeface="Cambria Math" panose="02040503050406030204" pitchFamily="18" charset="0"/>
+                              </a:rPr>
+                              <m:t>𝒙</m:t>
+                            </m:r>
+                          </m:e>
+                          <m:sub>
+                            <m:r>
+                              <a:rPr lang="en-US" altLang="zh-CN" sz="2000" b="0" i="1" smtClean="0">
+                                <a:latin typeface="Cambria Math" panose="02040503050406030204" pitchFamily="18" charset="0"/>
+                              </a:rPr>
+                              <m:t>2</m:t>
+                            </m:r>
+                          </m:sub>
+                        </m:sSub>
+                      </m:e>
+                    </m:d>
+                    <m:r>
+                      <a:rPr lang="en-US" altLang="zh-CN" sz="2000" b="0" i="1" smtClean="0">
+                        <a:latin typeface="Cambria Math" panose="02040503050406030204" pitchFamily="18" charset="0"/>
+                      </a:rPr>
+                      <m:t>=</m:t>
+                    </m:r>
+                    <m:f>
+                      <m:fPr>
+                        <m:ctrlPr>
+                          <a:rPr lang="en-US" altLang="zh-CN" sz="2000" b="0" i="1" smtClean="0">
+                            <a:latin typeface="Cambria Math" panose="02040503050406030204" pitchFamily="18" charset="0"/>
+                          </a:rPr>
+                        </m:ctrlPr>
+                      </m:fPr>
+                      <m:num>
+                        <m:r>
+                          <a:rPr lang="en-US" altLang="zh-CN" sz="2000" b="0" i="1" smtClean="0">
+                            <a:latin typeface="Cambria Math" panose="02040503050406030204" pitchFamily="18" charset="0"/>
+                          </a:rPr>
+                          <m:t>1</m:t>
+                        </m:r>
+                      </m:num>
+                      <m:den>
+                        <m:r>
+                          <a:rPr lang="en-US" altLang="zh-CN" sz="2000" b="0" i="1" smtClean="0">
+                            <a:latin typeface="Cambria Math" panose="02040503050406030204" pitchFamily="18" charset="0"/>
+                          </a:rPr>
+                          <m:t>2</m:t>
+                        </m:r>
+                      </m:den>
+                    </m:f>
+                    <m:r>
+                      <a:rPr lang="en-US" altLang="zh-CN" sz="2000" b="0" i="1" smtClean="0">
+                        <a:latin typeface="Cambria Math" panose="02040503050406030204" pitchFamily="18" charset="0"/>
+                      </a:rPr>
+                      <m:t>𝑘</m:t>
+                    </m:r>
+                    <m:sSup>
+                      <m:sSupPr>
+                        <m:ctrlPr>
+                          <a:rPr lang="en-US" altLang="zh-CN" sz="2000" b="0" i="1" smtClean="0">
+                            <a:latin typeface="Cambria Math" panose="02040503050406030204" pitchFamily="18" charset="0"/>
+                          </a:rPr>
+                        </m:ctrlPr>
+                      </m:sSupPr>
+                      <m:e>
+                        <m:d>
+                          <m:dPr>
+                            <m:ctrlPr>
+                              <a:rPr lang="en-US" altLang="zh-CN" sz="2000" b="0" i="1" smtClean="0">
+                                <a:latin typeface="Cambria Math" panose="02040503050406030204" pitchFamily="18" charset="0"/>
+                              </a:rPr>
+                            </m:ctrlPr>
+                          </m:dPr>
+                          <m:e>
+                            <m:r>
+                              <a:rPr lang="en-US" altLang="zh-CN" sz="2000" b="0" i="1" smtClean="0">
+                                <a:latin typeface="Cambria Math" panose="02040503050406030204" pitchFamily="18" charset="0"/>
+                              </a:rPr>
+                              <m:t>𝑙</m:t>
+                            </m:r>
+                            <m:r>
+                              <a:rPr lang="en-US" altLang="zh-CN" sz="2000" b="0" i="1" smtClean="0">
+                                <a:latin typeface="Cambria Math" panose="02040503050406030204" pitchFamily="18" charset="0"/>
+                              </a:rPr>
+                              <m:t>−</m:t>
+                            </m:r>
+                            <m:sSub>
+                              <m:sSubPr>
+                                <m:ctrlPr>
+                                  <a:rPr lang="en-US" altLang="zh-CN" sz="2000" b="0" i="1" smtClean="0">
+                                    <a:latin typeface="Cambria Math" panose="02040503050406030204" pitchFamily="18" charset="0"/>
+                                  </a:rPr>
+                                </m:ctrlPr>
+                              </m:sSubPr>
+                              <m:e>
+                                <m:r>
+                                  <a:rPr lang="en-US" altLang="zh-CN" sz="2000" b="0" i="1" smtClean="0">
+                                    <a:latin typeface="Cambria Math" panose="02040503050406030204" pitchFamily="18" charset="0"/>
+                                  </a:rPr>
+                                  <m:t>𝑙</m:t>
+                                </m:r>
+                              </m:e>
+                              <m:sub>
+                                <m:r>
+                                  <a:rPr lang="en-US" altLang="zh-CN" sz="2000" b="0" i="1" smtClean="0">
+                                    <a:latin typeface="Cambria Math" panose="02040503050406030204" pitchFamily="18" charset="0"/>
+                                  </a:rPr>
+                                  <m:t>0</m:t>
+                                </m:r>
+                              </m:sub>
+                            </m:sSub>
+                          </m:e>
+                        </m:d>
+                      </m:e>
+                      <m:sup>
+                        <m:r>
+                          <a:rPr lang="en-US" altLang="zh-CN" sz="2000" b="0" i="1" smtClean="0">
+                            <a:latin typeface="Cambria Math" panose="02040503050406030204" pitchFamily="18" charset="0"/>
+                          </a:rPr>
+                          <m:t>2</m:t>
+                        </m:r>
+                      </m:sup>
+                    </m:sSup>
+                  </m:oMath>
+                </a14:m>
+                <a:endParaRPr lang="en-US" altLang="zh-CN" sz="2000" dirty="0"/>
+              </a:p>
+            </p:txBody>
+          </p:sp>
+        </mc:Choice>
+        <mc:Fallback>
+          <p:sp>
+            <p:nvSpPr>
+              <p:cNvPr id="5" name="内容占位符 2">
+                <a:extLst>
+                  <a:ext uri="{FF2B5EF4-FFF2-40B4-BE49-F238E27FC236}">
+                    <a16:creationId xmlns:a16="http://schemas.microsoft.com/office/drawing/2014/main" id="{0543F202-84A3-4D44-9D84-5A2CF33B8771}"/>
+                  </a:ext>
+                </a:extLst>
+              </p:cNvPr>
+              <p:cNvSpPr txBox="1">
+                <a:spLocks noRot="1" noChangeAspect="1" noMove="1" noResize="1" noEditPoints="1" noAdjustHandles="1" noChangeArrowheads="1" noChangeShapeType="1" noTextEdit="1"/>
+              </p:cNvSpPr>
+              <p:nvPr/>
+            </p:nvSpPr>
+            <p:spPr>
+              <a:xfrm>
+                <a:off x="990600" y="1978025"/>
+                <a:ext cx="10515600" cy="4351338"/>
+              </a:xfrm>
+              <a:prstGeom prst="rect">
+                <a:avLst/>
+              </a:prstGeom>
+              <a:blipFill>
+                <a:blip r:embed="rId2"/>
+                <a:stretch>
+                  <a:fillRect l="-812" t="-1821"/>
+                </a:stretch>
+              </a:blipFill>
+            </p:spPr>
+            <p:txBody>
+              <a:bodyPr/>
+              <a:lstStyle/>
+              <a:p>
+                <a:r>
+                  <a:rPr lang="zh-CN" altLang="en-US">
+                    <a:noFill/>
+                  </a:rPr>
+                  <a:t> </a:t>
+                </a:r>
+              </a:p>
+            </p:txBody>
+          </p:sp>
+        </mc:Fallback>
+      </mc:AlternateContent>
+      <p:pic>
+        <p:nvPicPr>
+          <p:cNvPr id="3" name="图片 2">
+            <a:extLst>
+              <a:ext uri="{FF2B5EF4-FFF2-40B4-BE49-F238E27FC236}">
+                <a16:creationId xmlns:a16="http://schemas.microsoft.com/office/drawing/2014/main" id="{2F00E96B-D8A1-418E-AEE3-01D5C1E98DCB}"/>
+              </a:ext>
+            </a:extLst>
+          </p:cNvPr>
+          <p:cNvPicPr>
+            <a:picLocks noChangeAspect="1"/>
+          </p:cNvPicPr>
+          <p:nvPr/>
+        </p:nvPicPr>
+        <p:blipFill>
+          <a:blip r:embed="rId3">
+            <a:extLst>
+              <a:ext uri="{28A0092B-C50C-407E-A947-70E740481C1C}">
+                <a14:useLocalDpi xmlns:a14="http://schemas.microsoft.com/office/drawing/2010/main" val="0"/>
+              </a:ext>
+            </a:extLst>
+          </a:blip>
+          <a:stretch>
+            <a:fillRect/>
+          </a:stretch>
+        </p:blipFill>
+        <p:spPr>
+          <a:xfrm>
+            <a:off x="7771598" y="2047399"/>
+            <a:ext cx="3734602" cy="2787498"/>
+          </a:xfrm>
+          <a:prstGeom prst="rect">
+            <a:avLst/>
+          </a:prstGeom>
+        </p:spPr>
+      </p:pic>
+      <p:pic>
+        <p:nvPicPr>
+          <p:cNvPr id="10" name="图片 9">
+            <a:extLst>
+              <a:ext uri="{FF2B5EF4-FFF2-40B4-BE49-F238E27FC236}">
+                <a16:creationId xmlns:a16="http://schemas.microsoft.com/office/drawing/2014/main" id="{3DED1615-CC0E-444A-B1B4-69F05CC0549E}"/>
+              </a:ext>
+            </a:extLst>
+          </p:cNvPr>
+          <p:cNvPicPr>
+            <a:picLocks noChangeAspect="1"/>
+          </p:cNvPicPr>
+          <p:nvPr/>
+        </p:nvPicPr>
+        <p:blipFill>
+          <a:blip r:embed="rId4">
+            <a:extLst>
+              <a:ext uri="{28A0092B-C50C-407E-A947-70E740481C1C}">
+                <a14:useLocalDpi xmlns:a14="http://schemas.microsoft.com/office/drawing/2010/main" val="0"/>
+              </a:ext>
+            </a:extLst>
+          </a:blip>
+          <a:stretch>
+            <a:fillRect/>
+          </a:stretch>
+        </p:blipFill>
+        <p:spPr>
+          <a:xfrm>
+            <a:off x="7590095" y="4904271"/>
+            <a:ext cx="4097607" cy="1614457"/>
+          </a:xfrm>
+          <a:prstGeom prst="rect">
+            <a:avLst/>
+          </a:prstGeom>
+        </p:spPr>
+      </p:pic>
+      <mc:AlternateContent xmlns:mc="http://schemas.openxmlformats.org/markup-compatibility/2006">
+        <mc:Choice xmlns:a14="http://schemas.microsoft.com/office/drawing/2010/main" Requires="a14">
+          <p:sp>
+            <p:nvSpPr>
+              <p:cNvPr id="14" name="文本框 13">
+                <a:extLst>
+                  <a:ext uri="{FF2B5EF4-FFF2-40B4-BE49-F238E27FC236}">
+                    <a16:creationId xmlns:a16="http://schemas.microsoft.com/office/drawing/2014/main" id="{1EFBAFA8-246D-48E0-BB8D-976474AA7DEE}"/>
+                  </a:ext>
+                </a:extLst>
+              </p:cNvPr>
+              <p:cNvSpPr txBox="1"/>
+              <p:nvPr/>
+            </p:nvSpPr>
+            <p:spPr>
+              <a:xfrm>
+                <a:off x="990600" y="5370123"/>
+                <a:ext cx="4810612" cy="1614545"/>
+              </a:xfrm>
+              <a:prstGeom prst="rect">
+                <a:avLst/>
+              </a:prstGeom>
+              <a:noFill/>
+            </p:spPr>
+            <p:txBody>
+              <a:bodyPr wrap="none" lIns="0" tIns="0" rIns="0" bIns="0" rtlCol="0">
+                <a:spAutoFit/>
+              </a:bodyPr>
+              <a:lstStyle/>
+              <a:p>
+                <a14:m>
+                  <m:oMathPara xmlns:m="http://schemas.openxmlformats.org/officeDocument/2006/math">
+                    <m:oMathParaPr>
+                      <m:jc m:val="centerGroup"/>
+                    </m:oMathParaPr>
+                    <m:oMath xmlns:m="http://schemas.openxmlformats.org/officeDocument/2006/math">
+                      <m:r>
+                        <a:rPr lang="en-US" altLang="zh-CN" sz="4000" b="0" i="1" smtClean="0">
+                          <a:latin typeface="Cambria Math" panose="02040503050406030204" pitchFamily="18" charset="0"/>
+                        </a:rPr>
+                        <m:t>𝐸</m:t>
+                      </m:r>
+                      <m:r>
+                        <a:rPr lang="en-US" altLang="zh-CN" sz="4000" b="0" i="1" smtClean="0">
+                          <a:latin typeface="Cambria Math" panose="02040503050406030204" pitchFamily="18" charset="0"/>
+                        </a:rPr>
+                        <m:t>=</m:t>
+                      </m:r>
+                      <m:nary>
+                        <m:naryPr>
+                          <m:limLoc m:val="undOvr"/>
+                          <m:subHide m:val="on"/>
+                          <m:supHide m:val="on"/>
+                          <m:ctrlPr>
+                            <a:rPr lang="en-US" altLang="zh-CN" sz="4000" b="0" i="1" smtClean="0">
+                              <a:latin typeface="Cambria Math" panose="02040503050406030204" pitchFamily="18" charset="0"/>
+                            </a:rPr>
+                          </m:ctrlPr>
+                        </m:naryPr>
+                        <m:sub/>
+                        <m:sup/>
+                        <m:e/>
+                      </m:nary>
+                      <m:r>
+                        <a:rPr lang="en-US" altLang="zh-CN" sz="4000" b="0" i="1" smtClean="0">
+                          <a:latin typeface="Cambria Math" panose="02040503050406030204" pitchFamily="18" charset="0"/>
+                        </a:rPr>
+                        <m:t>      = </m:t>
+                      </m:r>
+                      <m:nary>
+                        <m:naryPr>
+                          <m:chr m:val="∑"/>
+                          <m:subHide m:val="on"/>
+                          <m:supHide m:val="on"/>
+                          <m:ctrlPr>
+                            <a:rPr lang="en-US" altLang="zh-CN" sz="4000" b="0" i="1" smtClean="0">
+                              <a:latin typeface="Cambria Math" panose="02040503050406030204" pitchFamily="18" charset="0"/>
+                            </a:rPr>
+                          </m:ctrlPr>
+                        </m:naryPr>
+                        <m:sub/>
+                        <m:sup/>
+                        <m:e/>
+                      </m:nary>
+                    </m:oMath>
+                  </m:oMathPara>
+                </a14:m>
+                <a:endParaRPr lang="zh-CN" altLang="en-US" sz="4000" dirty="0"/>
+              </a:p>
+            </p:txBody>
+          </p:sp>
+        </mc:Choice>
+        <mc:Fallback>
+          <p:sp>
+            <p:nvSpPr>
+              <p:cNvPr id="14" name="文本框 13">
+                <a:extLst>
+                  <a:ext uri="{FF2B5EF4-FFF2-40B4-BE49-F238E27FC236}">
+                    <a16:creationId xmlns:a16="http://schemas.microsoft.com/office/drawing/2014/main" id="{1EFBAFA8-246D-48E0-BB8D-976474AA7DEE}"/>
+                  </a:ext>
+                </a:extLst>
+              </p:cNvPr>
+              <p:cNvSpPr txBox="1">
+                <a:spLocks noRot="1" noChangeAspect="1" noMove="1" noResize="1" noEditPoints="1" noAdjustHandles="1" noChangeArrowheads="1" noChangeShapeType="1" noTextEdit="1"/>
+              </p:cNvSpPr>
+              <p:nvPr/>
+            </p:nvSpPr>
+            <p:spPr>
+              <a:xfrm>
+                <a:off x="990600" y="5370123"/>
+                <a:ext cx="4810612" cy="1614545"/>
+              </a:xfrm>
+              <a:prstGeom prst="rect">
+                <a:avLst/>
+              </a:prstGeom>
+              <a:blipFill>
+                <a:blip r:embed="rId5"/>
+                <a:stretch>
+                  <a:fillRect/>
+                </a:stretch>
+              </a:blipFill>
+            </p:spPr>
+            <p:txBody>
+              <a:bodyPr/>
+              <a:lstStyle/>
+              <a:p>
+                <a:r>
+                  <a:rPr lang="zh-CN" altLang="en-US">
+                    <a:noFill/>
+                  </a:rPr>
+                  <a:t> </a:t>
+                </a:r>
+              </a:p>
+            </p:txBody>
+          </p:sp>
+        </mc:Fallback>
+      </mc:AlternateContent>
+      <p:pic>
+        <p:nvPicPr>
+          <p:cNvPr id="15" name="图片 14">
+            <a:extLst>
+              <a:ext uri="{FF2B5EF4-FFF2-40B4-BE49-F238E27FC236}">
+                <a16:creationId xmlns:a16="http://schemas.microsoft.com/office/drawing/2014/main" id="{247378A9-2ED1-4A67-BE6B-ABFC4A213E23}"/>
+              </a:ext>
+            </a:extLst>
+          </p:cNvPr>
+          <p:cNvPicPr>
+            <a:picLocks noChangeAspect="1"/>
+          </p:cNvPicPr>
+          <p:nvPr/>
+        </p:nvPicPr>
+        <p:blipFill>
+          <a:blip r:embed="rId3">
+            <a:extLst>
+              <a:ext uri="{28A0092B-C50C-407E-A947-70E740481C1C}">
+                <a14:useLocalDpi xmlns:a14="http://schemas.microsoft.com/office/drawing/2010/main" val="0"/>
+              </a:ext>
+            </a:extLst>
+          </a:blip>
+          <a:stretch>
+            <a:fillRect/>
+          </a:stretch>
+        </p:blipFill>
+        <p:spPr>
+          <a:xfrm>
+            <a:off x="2425406" y="5701680"/>
+            <a:ext cx="1094655" cy="817048"/>
+          </a:xfrm>
+          <a:prstGeom prst="rect">
+            <a:avLst/>
+          </a:prstGeom>
+        </p:spPr>
+      </p:pic>
+      <p:pic>
+        <p:nvPicPr>
+          <p:cNvPr id="16" name="图片 15">
+            <a:extLst>
+              <a:ext uri="{FF2B5EF4-FFF2-40B4-BE49-F238E27FC236}">
+                <a16:creationId xmlns:a16="http://schemas.microsoft.com/office/drawing/2014/main" id="{B5C4CA96-A6FE-4EC4-BA35-27934B282834}"/>
+              </a:ext>
+            </a:extLst>
+          </p:cNvPr>
+          <p:cNvPicPr>
+            <a:picLocks noChangeAspect="1"/>
+          </p:cNvPicPr>
+          <p:nvPr/>
+        </p:nvPicPr>
+        <p:blipFill>
+          <a:blip r:embed="rId4">
+            <a:extLst>
+              <a:ext uri="{28A0092B-C50C-407E-A947-70E740481C1C}">
+                <a14:useLocalDpi xmlns:a14="http://schemas.microsoft.com/office/drawing/2010/main" val="0"/>
+              </a:ext>
+            </a:extLst>
+          </a:blip>
+          <a:stretch>
+            <a:fillRect/>
+          </a:stretch>
+        </p:blipFill>
+        <p:spPr>
+          <a:xfrm>
+            <a:off x="5237974" y="5802222"/>
+            <a:ext cx="1563360" cy="615964"/>
+          </a:xfrm>
+          <a:prstGeom prst="rect">
+            <a:avLst/>
+          </a:prstGeom>
+        </p:spPr>
+      </p:pic>
+    </p:spTree>
+    <p:extLst>
+      <p:ext uri="{BB962C8B-B14F-4D97-AF65-F5344CB8AC3E}">
+        <p14:creationId xmlns:p14="http://schemas.microsoft.com/office/powerpoint/2010/main" val="558962243"/>
+      </p:ext>
+    </p:extLst>
+  </p:cSld>
+  <p:clrMapOvr>
+    <a:masterClrMapping/>
+  </p:clrMapOvr>
+</p:sld>
+</file>
+
+<file path=ppt/slides/slide12.xml><?xml version="1.0" encoding="utf-8"?>
+<p:sld xmlns:a="http://schemas.openxmlformats.org/drawingml/2006/main" xmlns:r="http://schemas.openxmlformats.org/officeDocument/2006/relationships" xmlns:p="http://schemas.openxmlformats.org/presentationml/2006/main">
+  <p:cSld>
+    <p:spTree>
+      <p:nvGrpSpPr>
+        <p:cNvPr id="1" name=""/>
+        <p:cNvGrpSpPr/>
+        <p:nvPr/>
+      </p:nvGrpSpPr>
+      <p:grpSpPr>
+        <a:xfrm>
+          <a:off x="0" y="0"/>
+          <a:ext cx="0" cy="0"/>
+          <a:chOff x="0" y="0"/>
+          <a:chExt cx="0" cy="0"/>
+        </a:xfrm>
+      </p:grpSpPr>
+      <p:sp>
+        <p:nvSpPr>
+          <p:cNvPr id="4" name="标题 1">
+            <a:extLst>
+              <a:ext uri="{FF2B5EF4-FFF2-40B4-BE49-F238E27FC236}">
+                <a16:creationId xmlns:a16="http://schemas.microsoft.com/office/drawing/2014/main" id="{F95B9538-038A-4D08-8AAA-71E86E3B0A4F}"/>
+              </a:ext>
+            </a:extLst>
+          </p:cNvPr>
+          <p:cNvSpPr txBox="1">
+            <a:spLocks/>
+          </p:cNvSpPr>
+          <p:nvPr/>
+        </p:nvSpPr>
+        <p:spPr>
+          <a:xfrm>
+            <a:off x="990600" y="517525"/>
+            <a:ext cx="10515600" cy="1325563"/>
+          </a:xfrm>
+          <a:prstGeom prst="rect">
+            <a:avLst/>
+          </a:prstGeom>
+        </p:spPr>
+        <p:txBody>
+          <a:bodyPr vert="horz" lIns="91440" tIns="45720" rIns="91440" bIns="45720" rtlCol="0" anchor="ctr">
+            <a:normAutofit/>
+          </a:bodyPr>
+          <a:lstStyle>
+            <a:lvl1pPr algn="l" defTabSz="914400" rtl="0" eaLnBrk="1" latinLnBrk="0" hangingPunct="1">
+              <a:lnSpc>
+                <a:spcPct val="90000"/>
+              </a:lnSpc>
+              <a:spcBef>
+                <a:spcPct val="0"/>
+              </a:spcBef>
+              <a:buNone/>
+              <a:defRPr sz="4400" kern="1200">
+                <a:solidFill>
+                  <a:schemeClr val="tx1"/>
+                </a:solidFill>
+                <a:latin typeface="+mj-lt"/>
+                <a:ea typeface="+mj-ea"/>
+                <a:cs typeface="+mj-cs"/>
+              </a:defRPr>
+            </a:lvl1pPr>
+          </a:lstStyle>
+          <a:p>
+            <a:r>
+              <a:rPr lang="en-US" altLang="zh-CN" dirty="0">
+                <a:latin typeface="微软雅黑" panose="020B0503020204020204" pitchFamily="34" charset="-122"/>
+                <a:ea typeface="微软雅黑" panose="020B0503020204020204" pitchFamily="34" charset="-122"/>
+              </a:rPr>
+              <a:t>Mass-spring system</a:t>
+            </a:r>
+            <a:endParaRPr lang="zh-CN" altLang="en-US" dirty="0">
+              <a:latin typeface="微软雅黑" panose="020B0503020204020204" pitchFamily="34" charset="-122"/>
+              <a:ea typeface="微软雅黑" panose="020B0503020204020204" pitchFamily="34" charset="-122"/>
+            </a:endParaRPr>
+          </a:p>
+        </p:txBody>
+      </p:sp>
+      <p:sp>
+        <p:nvSpPr>
+          <p:cNvPr id="5" name="内容占位符 2">
+            <a:extLst>
+              <a:ext uri="{FF2B5EF4-FFF2-40B4-BE49-F238E27FC236}">
+                <a16:creationId xmlns:a16="http://schemas.microsoft.com/office/drawing/2014/main" id="{0543F202-84A3-4D44-9D84-5A2CF33B8771}"/>
+              </a:ext>
+            </a:extLst>
+          </p:cNvPr>
+          <p:cNvSpPr txBox="1">
+            <a:spLocks/>
+          </p:cNvSpPr>
+          <p:nvPr/>
+        </p:nvSpPr>
+        <p:spPr>
+          <a:xfrm>
+            <a:off x="990600" y="1978025"/>
+            <a:ext cx="10515600" cy="4351338"/>
+          </a:xfrm>
+          <a:prstGeom prst="rect">
+            <a:avLst/>
+          </a:prstGeom>
+        </p:spPr>
+        <p:txBody>
+          <a:bodyPr vert="horz" lIns="91440" tIns="45720" rIns="91440" bIns="45720" rtlCol="0">
+            <a:normAutofit/>
+          </a:bodyPr>
+          <a:lstStyle>
+            <a:lvl1pPr marL="228600" indent="-228600" algn="l" defTabSz="914400" rtl="0" eaLnBrk="1" latinLnBrk="0" hangingPunct="1">
+              <a:lnSpc>
+                <a:spcPct val="90000"/>
+              </a:lnSpc>
+              <a:spcBef>
+                <a:spcPts val="1000"/>
+              </a:spcBef>
+              <a:buFont typeface="Arial" panose="020B0604020202020204" pitchFamily="34" charset="0"/>
+              <a:buChar char="•"/>
+              <a:defRPr sz="2800" kern="1200">
+                <a:solidFill>
+                  <a:schemeClr val="tx1"/>
+                </a:solidFill>
+                <a:latin typeface="+mn-lt"/>
+                <a:ea typeface="+mn-ea"/>
+                <a:cs typeface="+mn-cs"/>
+              </a:defRPr>
+            </a:lvl1pPr>
+            <a:lvl2pPr marL="685800" indent="-228600" algn="l" defTabSz="914400" rtl="0" eaLnBrk="1" latinLnBrk="0" hangingPunct="1">
+              <a:lnSpc>
+                <a:spcPct val="90000"/>
+              </a:lnSpc>
+              <a:spcBef>
+                <a:spcPts val="500"/>
+              </a:spcBef>
+              <a:buFont typeface="Arial" panose="020B0604020202020204" pitchFamily="34" charset="0"/>
+              <a:buChar char="•"/>
+              <a:defRPr sz="2400" kern="1200">
+                <a:solidFill>
+                  <a:schemeClr val="tx1"/>
+                </a:solidFill>
+                <a:latin typeface="+mn-lt"/>
+                <a:ea typeface="+mn-ea"/>
+                <a:cs typeface="+mn-cs"/>
+              </a:defRPr>
+            </a:lvl2pPr>
+            <a:lvl3pPr marL="1143000" indent="-228600" algn="l" defTabSz="914400" rtl="0" eaLnBrk="1" latinLnBrk="0" hangingPunct="1">
+              <a:lnSpc>
+                <a:spcPct val="90000"/>
+              </a:lnSpc>
+              <a:spcBef>
+                <a:spcPts val="500"/>
+              </a:spcBef>
+              <a:buFont typeface="Arial" panose="020B0604020202020204" pitchFamily="34" charset="0"/>
+              <a:buChar char="•"/>
+              <a:defRPr sz="2000" kern="1200">
+                <a:solidFill>
+                  <a:schemeClr val="tx1"/>
+                </a:solidFill>
+                <a:latin typeface="+mn-lt"/>
+                <a:ea typeface="+mn-ea"/>
+                <a:cs typeface="+mn-cs"/>
+              </a:defRPr>
+            </a:lvl3pPr>
+            <a:lvl4pPr marL="1600200" indent="-228600" algn="l" defTabSz="914400" rtl="0" eaLnBrk="1" latinLnBrk="0" hangingPunct="1">
+              <a:lnSpc>
+                <a:spcPct val="90000"/>
+              </a:lnSpc>
+              <a:spcBef>
+                <a:spcPts val="500"/>
+              </a:spcBef>
+              <a:buFont typeface="Arial" panose="020B0604020202020204" pitchFamily="34" charset="0"/>
+              <a:buChar char="•"/>
+              <a:defRPr sz="1800" kern="1200">
+                <a:solidFill>
+                  <a:schemeClr val="tx1"/>
+                </a:solidFill>
+                <a:latin typeface="+mn-lt"/>
+                <a:ea typeface="+mn-ea"/>
+                <a:cs typeface="+mn-cs"/>
+              </a:defRPr>
+            </a:lvl4pPr>
+            <a:lvl5pPr marL="2057400" indent="-228600" algn="l" defTabSz="914400" rtl="0" eaLnBrk="1" latinLnBrk="0" hangingPunct="1">
+              <a:lnSpc>
+                <a:spcPct val="90000"/>
+              </a:lnSpc>
+              <a:spcBef>
+                <a:spcPts val="500"/>
+              </a:spcBef>
+              <a:buFont typeface="Arial" panose="020B0604020202020204" pitchFamily="34" charset="0"/>
+              <a:buChar char="•"/>
+              <a:defRPr sz="1800" kern="1200">
+                <a:solidFill>
+                  <a:schemeClr val="tx1"/>
+                </a:solidFill>
+                <a:latin typeface="+mn-lt"/>
+                <a:ea typeface="+mn-ea"/>
+                <a:cs typeface="+mn-cs"/>
+              </a:defRPr>
+            </a:lvl5pPr>
+            <a:lvl6pPr marL="2514600" indent="-228600" algn="l" defTabSz="914400" rtl="0" eaLnBrk="1" latinLnBrk="0" hangingPunct="1">
+              <a:lnSpc>
+                <a:spcPct val="90000"/>
+              </a:lnSpc>
+              <a:spcBef>
+                <a:spcPts val="500"/>
+              </a:spcBef>
+              <a:buFont typeface="Arial" panose="020B0604020202020204" pitchFamily="34" charset="0"/>
+              <a:buChar char="•"/>
+              <a:defRPr sz="1800" kern="1200">
+                <a:solidFill>
+                  <a:schemeClr val="tx1"/>
+                </a:solidFill>
+                <a:latin typeface="+mn-lt"/>
+                <a:ea typeface="+mn-ea"/>
+                <a:cs typeface="+mn-cs"/>
+              </a:defRPr>
+            </a:lvl6pPr>
+            <a:lvl7pPr marL="2971800" indent="-228600" algn="l" defTabSz="914400" rtl="0" eaLnBrk="1" latinLnBrk="0" hangingPunct="1">
+              <a:lnSpc>
+                <a:spcPct val="90000"/>
+              </a:lnSpc>
+              <a:spcBef>
+                <a:spcPts val="500"/>
+              </a:spcBef>
+              <a:buFont typeface="Arial" panose="020B0604020202020204" pitchFamily="34" charset="0"/>
+              <a:buChar char="•"/>
+              <a:defRPr sz="1800" kern="1200">
+                <a:solidFill>
+                  <a:schemeClr val="tx1"/>
+                </a:solidFill>
+                <a:latin typeface="+mn-lt"/>
+                <a:ea typeface="+mn-ea"/>
+                <a:cs typeface="+mn-cs"/>
+              </a:defRPr>
+            </a:lvl7pPr>
+            <a:lvl8pPr marL="3429000" indent="-228600" algn="l" defTabSz="914400" rtl="0" eaLnBrk="1" latinLnBrk="0" hangingPunct="1">
+              <a:lnSpc>
+                <a:spcPct val="90000"/>
+              </a:lnSpc>
+              <a:spcBef>
+                <a:spcPts val="500"/>
+              </a:spcBef>
+              <a:buFont typeface="Arial" panose="020B0604020202020204" pitchFamily="34" charset="0"/>
+              <a:buChar char="•"/>
+              <a:defRPr sz="1800" kern="1200">
+                <a:solidFill>
+                  <a:schemeClr val="tx1"/>
+                </a:solidFill>
+                <a:latin typeface="+mn-lt"/>
+                <a:ea typeface="+mn-ea"/>
+                <a:cs typeface="+mn-cs"/>
+              </a:defRPr>
+            </a:lvl8pPr>
+            <a:lvl9pPr marL="3886200" indent="-228600" algn="l" defTabSz="914400" rtl="0" eaLnBrk="1" latinLnBrk="0" hangingPunct="1">
+              <a:lnSpc>
+                <a:spcPct val="90000"/>
+              </a:lnSpc>
+              <a:spcBef>
+                <a:spcPts val="500"/>
+              </a:spcBef>
+              <a:buFont typeface="Arial" panose="020B0604020202020204" pitchFamily="34" charset="0"/>
+              <a:buChar char="•"/>
+              <a:defRPr sz="1800" kern="1200">
+                <a:solidFill>
+                  <a:schemeClr val="tx1"/>
+                </a:solidFill>
+                <a:latin typeface="+mn-lt"/>
+                <a:ea typeface="+mn-ea"/>
+                <a:cs typeface="+mn-cs"/>
+              </a:defRPr>
+            </a:lvl9pPr>
+          </a:lstStyle>
+          <a:p>
+            <a:r>
+              <a:rPr lang="en-US" altLang="zh-CN" sz="2400" dirty="0"/>
+              <a:t>Aggregate the volume mass to the vertices</a:t>
+            </a:r>
+          </a:p>
+        </p:txBody>
+      </p:sp>
+      <p:pic>
+        <p:nvPicPr>
+          <p:cNvPr id="6" name="图片 5">
+            <a:extLst>
+              <a:ext uri="{FF2B5EF4-FFF2-40B4-BE49-F238E27FC236}">
+                <a16:creationId xmlns:a16="http://schemas.microsoft.com/office/drawing/2014/main" id="{E06F50F9-B034-4D77-9989-CB3553B09601}"/>
+              </a:ext>
+            </a:extLst>
+          </p:cNvPr>
+          <p:cNvPicPr>
+            <a:picLocks noChangeAspect="1"/>
+          </p:cNvPicPr>
+          <p:nvPr/>
+        </p:nvPicPr>
+        <p:blipFill>
+          <a:blip r:embed="rId2">
+            <a:extLst>
+              <a:ext uri="{28A0092B-C50C-407E-A947-70E740481C1C}">
+                <a14:useLocalDpi xmlns:a14="http://schemas.microsoft.com/office/drawing/2010/main" val="0"/>
+              </a:ext>
+            </a:extLst>
+          </a:blip>
+          <a:stretch>
+            <a:fillRect/>
+          </a:stretch>
+        </p:blipFill>
+        <p:spPr>
+          <a:xfrm>
+            <a:off x="844709" y="2758086"/>
+            <a:ext cx="4991797" cy="2791215"/>
+          </a:xfrm>
+          <a:prstGeom prst="rect">
+            <a:avLst/>
+          </a:prstGeom>
+        </p:spPr>
+      </p:pic>
+      <p:sp>
+        <p:nvSpPr>
+          <p:cNvPr id="7" name="文本框 6">
+            <a:extLst>
+              <a:ext uri="{FF2B5EF4-FFF2-40B4-BE49-F238E27FC236}">
+                <a16:creationId xmlns:a16="http://schemas.microsoft.com/office/drawing/2014/main" id="{D25FE675-698D-417F-BDE2-B3916B077D30}"/>
+              </a:ext>
+            </a:extLst>
+          </p:cNvPr>
+          <p:cNvSpPr txBox="1"/>
+          <p:nvPr/>
+        </p:nvSpPr>
+        <p:spPr>
+          <a:xfrm>
+            <a:off x="2424330" y="5616166"/>
+            <a:ext cx="1832553" cy="646331"/>
+          </a:xfrm>
+          <a:prstGeom prst="rect">
+            <a:avLst/>
+          </a:prstGeom>
+          <a:noFill/>
+        </p:spPr>
+        <p:txBody>
+          <a:bodyPr wrap="none" rtlCol="0">
+            <a:spAutoFit/>
+          </a:bodyPr>
+          <a:lstStyle/>
+          <a:p>
+            <a:r>
+              <a:rPr lang="en-US" altLang="zh-CN" sz="1800" b="0" i="0" u="none" strike="noStrike" baseline="0" dirty="0">
+                <a:latin typeface="Calibri Light" panose="020F0302020204030204" pitchFamily="34" charset="0"/>
+              </a:rPr>
+              <a:t>       Cloth Sim</a:t>
+            </a:r>
+          </a:p>
+          <a:p>
+            <a:r>
+              <a:rPr lang="en-US" altLang="zh-CN" dirty="0" err="1"/>
+              <a:t>Dinev</a:t>
+            </a:r>
+            <a:r>
+              <a:rPr lang="en-US" altLang="zh-CN" dirty="0"/>
+              <a:t> et al. 2018</a:t>
+            </a:r>
+            <a:endParaRPr lang="zh-CN" altLang="en-US" dirty="0"/>
+          </a:p>
+        </p:txBody>
+      </p:sp>
+      <p:pic>
+        <p:nvPicPr>
+          <p:cNvPr id="9" name="图片 8">
+            <a:extLst>
+              <a:ext uri="{FF2B5EF4-FFF2-40B4-BE49-F238E27FC236}">
+                <a16:creationId xmlns:a16="http://schemas.microsoft.com/office/drawing/2014/main" id="{DC59914D-9112-4DDE-843E-852938C730DF}"/>
+              </a:ext>
+            </a:extLst>
+          </p:cNvPr>
+          <p:cNvPicPr>
+            <a:picLocks noChangeAspect="1"/>
+          </p:cNvPicPr>
+          <p:nvPr/>
+        </p:nvPicPr>
+        <p:blipFill>
+          <a:blip r:embed="rId3">
+            <a:extLst>
+              <a:ext uri="{28A0092B-C50C-407E-A947-70E740481C1C}">
+                <a14:useLocalDpi xmlns:a14="http://schemas.microsoft.com/office/drawing/2010/main" val="0"/>
+              </a:ext>
+            </a:extLst>
+          </a:blip>
+          <a:stretch>
+            <a:fillRect/>
+          </a:stretch>
+        </p:blipFill>
+        <p:spPr>
+          <a:xfrm>
+            <a:off x="7603744" y="2758086"/>
+            <a:ext cx="3251200" cy="2438400"/>
+          </a:xfrm>
+          <a:prstGeom prst="rect">
+            <a:avLst/>
+          </a:prstGeom>
+        </p:spPr>
+      </p:pic>
+      <p:sp>
+        <p:nvSpPr>
+          <p:cNvPr id="11" name="文本框 10">
+            <a:extLst>
+              <a:ext uri="{FF2B5EF4-FFF2-40B4-BE49-F238E27FC236}">
+                <a16:creationId xmlns:a16="http://schemas.microsoft.com/office/drawing/2014/main" id="{243BFAA8-7D21-4D8C-9536-336DD9A33B90}"/>
+              </a:ext>
+            </a:extLst>
+          </p:cNvPr>
+          <p:cNvSpPr txBox="1"/>
+          <p:nvPr/>
+        </p:nvSpPr>
+        <p:spPr>
+          <a:xfrm>
+            <a:off x="8365165" y="5549301"/>
+            <a:ext cx="1728358" cy="646331"/>
+          </a:xfrm>
+          <a:prstGeom prst="rect">
+            <a:avLst/>
+          </a:prstGeom>
+          <a:noFill/>
+        </p:spPr>
+        <p:txBody>
+          <a:bodyPr wrap="none" rtlCol="0">
+            <a:spAutoFit/>
+          </a:bodyPr>
+          <a:lstStyle/>
+          <a:p>
+            <a:r>
+              <a:rPr lang="en-US" altLang="zh-CN" dirty="0"/>
+              <a:t>      Hair Sim</a:t>
+            </a:r>
+          </a:p>
+          <a:p>
+            <a:r>
+              <a:rPr lang="en-US" altLang="zh-CN" dirty="0" err="1"/>
+              <a:t>Selle</a:t>
+            </a:r>
+            <a:r>
+              <a:rPr lang="en-US" altLang="zh-CN" dirty="0"/>
+              <a:t> et al. 2018</a:t>
+            </a:r>
+            <a:endParaRPr lang="zh-CN" altLang="en-US" dirty="0"/>
+          </a:p>
+        </p:txBody>
+      </p:sp>
+    </p:spTree>
+    <p:extLst>
+      <p:ext uri="{BB962C8B-B14F-4D97-AF65-F5344CB8AC3E}">
+        <p14:creationId xmlns:p14="http://schemas.microsoft.com/office/powerpoint/2010/main" val="3841589152"/>
+      </p:ext>
+    </p:extLst>
+  </p:cSld>
+  <p:clrMapOvr>
+    <a:masterClrMapping/>
+  </p:clrMapOvr>
+</p:sld>
+</file>
+
 <file path=ppt/slides/slide2.xml><?xml version="1.0" encoding="utf-8"?>
 <p:sld xmlns:a="http://schemas.openxmlformats.org/drawingml/2006/main" xmlns:r="http://schemas.openxmlformats.org/officeDocument/2006/relationships" xmlns:p="http://schemas.openxmlformats.org/presentationml/2006/main">
   <p:cSld>
@@ -3840,7 +5898,7 @@
           <a:p>
             <a:r>
               <a:rPr lang="en-US" altLang="zh-CN" dirty="0"/>
-              <a:t>Integration in time</a:t>
+              <a:t>The temporal integration</a:t>
             </a:r>
           </a:p>
           <a:p>
@@ -3858,9 +5916,17 @@
             </a:r>
           </a:p>
           <a:p>
+            <a:pPr lvl="1"/>
+            <a:r>
+              <a:rPr lang="en-US" altLang="zh-CN" dirty="0" err="1"/>
+              <a:t>Symplectic</a:t>
+            </a:r>
+            <a:endParaRPr lang="en-US" altLang="zh-CN" dirty="0"/>
+          </a:p>
+          <a:p>
             <a:r>
               <a:rPr lang="en-US" altLang="zh-CN" dirty="0"/>
-              <a:t>Integration in space</a:t>
+              <a:t>The spatial integration</a:t>
             </a:r>
           </a:p>
           <a:p>
@@ -5327,7 +7393,7 @@
                 <a:latin typeface="微软雅黑" panose="020B0503020204020204" pitchFamily="34" charset="-122"/>
                 <a:ea typeface="微软雅黑" panose="020B0503020204020204" pitchFamily="34" charset="-122"/>
               </a:rPr>
-              <a:t>Time integration (Explicit)</a:t>
+              <a:t>Temporal integration (Explicit)</a:t>
             </a:r>
             <a:endParaRPr lang="zh-CN" altLang="en-US" dirty="0">
               <a:latin typeface="微软雅黑" panose="020B0503020204020204" pitchFamily="34" charset="-122"/>
@@ -7153,11 +9219,11 @@
           </a:lstStyle>
           <a:p>
             <a:r>
-              <a:rPr lang="en-US" altLang="zh-CN">
+              <a:rPr lang="en-US" altLang="zh-CN" dirty="0">
                 <a:latin typeface="微软雅黑" panose="020B0503020204020204" pitchFamily="34" charset="-122"/>
                 <a:ea typeface="微软雅黑" panose="020B0503020204020204" pitchFamily="34" charset="-122"/>
               </a:rPr>
-              <a:t>Time integration (Explicit)</a:t>
+              <a:t>Temporal integration (Explicit)</a:t>
             </a:r>
             <a:endParaRPr lang="zh-CN" altLang="en-US" dirty="0">
               <a:latin typeface="微软雅黑" panose="020B0503020204020204" pitchFamily="34" charset="-122"/>
@@ -7707,7 +9773,7 @@
         </p:blipFill>
         <p:spPr>
           <a:xfrm>
-            <a:off x="8356606" y="1825625"/>
+            <a:off x="6719899" y="1681780"/>
             <a:ext cx="2013698" cy="2013698"/>
           </a:xfrm>
           <a:prstGeom prst="rect">
@@ -7853,6 +9919,206 @@
           </a:p>
         </p:txBody>
       </p:sp>
+      <p:cxnSp>
+        <p:nvCxnSpPr>
+          <p:cNvPr id="3" name="直接连接符 2">
+            <a:extLst>
+              <a:ext uri="{FF2B5EF4-FFF2-40B4-BE49-F238E27FC236}">
+                <a16:creationId xmlns:a16="http://schemas.microsoft.com/office/drawing/2014/main" id="{FDC4BCFE-46A0-447E-B75A-A2986E94933C}"/>
+              </a:ext>
+            </a:extLst>
+          </p:cNvPr>
+          <p:cNvCxnSpPr/>
+          <p:nvPr/>
+        </p:nvCxnSpPr>
+        <p:spPr>
+          <a:xfrm>
+            <a:off x="9022080" y="2706624"/>
+            <a:ext cx="2743200" cy="0"/>
+          </a:xfrm>
+          <a:prstGeom prst="line">
+            <a:avLst/>
+          </a:prstGeom>
+        </p:spPr>
+        <p:style>
+          <a:lnRef idx="1">
+            <a:schemeClr val="dk1"/>
+          </a:lnRef>
+          <a:fillRef idx="0">
+            <a:schemeClr val="dk1"/>
+          </a:fillRef>
+          <a:effectRef idx="0">
+            <a:schemeClr val="dk1"/>
+          </a:effectRef>
+          <a:fontRef idx="minor">
+            <a:schemeClr val="tx1"/>
+          </a:fontRef>
+        </p:style>
+      </p:cxnSp>
+      <p:cxnSp>
+        <p:nvCxnSpPr>
+          <p:cNvPr id="12" name="直接连接符 11">
+            <a:extLst>
+              <a:ext uri="{FF2B5EF4-FFF2-40B4-BE49-F238E27FC236}">
+                <a16:creationId xmlns:a16="http://schemas.microsoft.com/office/drawing/2014/main" id="{83947FBF-8DB7-4725-8A0B-7F6B6760F903}"/>
+              </a:ext>
+            </a:extLst>
+          </p:cNvPr>
+          <p:cNvCxnSpPr>
+            <a:cxnSpLocks/>
+          </p:cNvCxnSpPr>
+          <p:nvPr/>
+        </p:nvCxnSpPr>
+        <p:spPr>
+          <a:xfrm>
+            <a:off x="11353800" y="1511808"/>
+            <a:ext cx="44666" cy="2292096"/>
+          </a:xfrm>
+          <a:prstGeom prst="line">
+            <a:avLst/>
+          </a:prstGeom>
+        </p:spPr>
+        <p:style>
+          <a:lnRef idx="1">
+            <a:schemeClr val="dk1"/>
+          </a:lnRef>
+          <a:fillRef idx="0">
+            <a:schemeClr val="dk1"/>
+          </a:fillRef>
+          <a:effectRef idx="0">
+            <a:schemeClr val="dk1"/>
+          </a:effectRef>
+          <a:fontRef idx="minor">
+            <a:schemeClr val="tx1"/>
+          </a:fontRef>
+        </p:style>
+      </p:cxnSp>
+      <p:sp>
+        <p:nvSpPr>
+          <p:cNvPr id="13" name="椭圆 12">
+            <a:extLst>
+              <a:ext uri="{FF2B5EF4-FFF2-40B4-BE49-F238E27FC236}">
+                <a16:creationId xmlns:a16="http://schemas.microsoft.com/office/drawing/2014/main" id="{7FC8EFB9-51DE-4BE0-AFC8-C49D1CB55431}"/>
+              </a:ext>
+            </a:extLst>
+          </p:cNvPr>
+          <p:cNvSpPr/>
+          <p:nvPr/>
+        </p:nvSpPr>
+        <p:spPr>
+          <a:xfrm>
+            <a:off x="10183368" y="2132521"/>
+            <a:ext cx="1182624" cy="1171577"/>
+          </a:xfrm>
+          <a:prstGeom prst="ellipse">
+            <a:avLst/>
+          </a:prstGeom>
+          <a:noFill/>
+          <a:ln w="19050" cap="flat" cmpd="sng" algn="ctr">
+            <a:solidFill>
+              <a:schemeClr val="accent1"/>
+            </a:solidFill>
+            <a:prstDash val="solid"/>
+            <a:round/>
+            <a:headEnd type="none" w="med" len="med"/>
+            <a:tailEnd type="none" w="med" len="med"/>
+          </a:ln>
+        </p:spPr>
+        <p:style>
+          <a:lnRef idx="0">
+            <a:scrgbClr r="0" g="0" b="0"/>
+          </a:lnRef>
+          <a:fillRef idx="0">
+            <a:scrgbClr r="0" g="0" b="0"/>
+          </a:fillRef>
+          <a:effectRef idx="0">
+            <a:scrgbClr r="0" g="0" b="0"/>
+          </a:effectRef>
+          <a:fontRef idx="minor">
+            <a:schemeClr val="accent1"/>
+          </a:fontRef>
+        </p:style>
+        <p:txBody>
+          <a:bodyPr rtlCol="0" anchor="ctr"/>
+          <a:lstStyle/>
+          <a:p>
+            <a:pPr algn="ctr"/>
+            <a:endParaRPr lang="zh-CN" altLang="en-US"/>
+          </a:p>
+        </p:txBody>
+      </p:sp>
+      <p:sp>
+        <p:nvSpPr>
+          <p:cNvPr id="14" name="文本框 13">
+            <a:extLst>
+              <a:ext uri="{FF2B5EF4-FFF2-40B4-BE49-F238E27FC236}">
+                <a16:creationId xmlns:a16="http://schemas.microsoft.com/office/drawing/2014/main" id="{3266A3EB-FA52-42EB-A5FB-405AE335A6C5}"/>
+              </a:ext>
+            </a:extLst>
+          </p:cNvPr>
+          <p:cNvSpPr txBox="1"/>
+          <p:nvPr/>
+        </p:nvSpPr>
+        <p:spPr>
+          <a:xfrm>
+            <a:off x="9832743" y="2742255"/>
+            <a:ext cx="421910" cy="369332"/>
+          </a:xfrm>
+          <a:prstGeom prst="rect">
+            <a:avLst/>
+          </a:prstGeom>
+          <a:noFill/>
+        </p:spPr>
+        <p:txBody>
+          <a:bodyPr wrap="none" rtlCol="0">
+            <a:spAutoFit/>
+          </a:bodyPr>
+          <a:lstStyle/>
+          <a:p>
+            <a:r>
+              <a:rPr lang="en-US" altLang="zh-CN" dirty="0"/>
+              <a:t>-2</a:t>
+            </a:r>
+            <a:endParaRPr lang="zh-CN" altLang="en-US" dirty="0"/>
+          </a:p>
+        </p:txBody>
+      </p:sp>
+      <p:sp>
+        <p:nvSpPr>
+          <p:cNvPr id="15" name="文本框 14">
+            <a:extLst>
+              <a:ext uri="{FF2B5EF4-FFF2-40B4-BE49-F238E27FC236}">
+                <a16:creationId xmlns:a16="http://schemas.microsoft.com/office/drawing/2014/main" id="{4238A19D-9744-4522-8A40-81BD6603B129}"/>
+              </a:ext>
+            </a:extLst>
+          </p:cNvPr>
+          <p:cNvSpPr txBox="1"/>
+          <p:nvPr/>
+        </p:nvSpPr>
+        <p:spPr>
+          <a:xfrm>
+            <a:off x="11376133" y="2733875"/>
+            <a:ext cx="306494" cy="369332"/>
+          </a:xfrm>
+          <a:prstGeom prst="rect">
+            <a:avLst/>
+          </a:prstGeom>
+          <a:noFill/>
+        </p:spPr>
+        <p:txBody>
+          <a:bodyPr wrap="none" rtlCol="0">
+            <a:spAutoFit/>
+          </a:bodyPr>
+          <a:lstStyle/>
+          <a:p>
+            <a:r>
+              <a:rPr lang="en-US" altLang="zh-CN" dirty="0"/>
+              <a:t>0</a:t>
+            </a:r>
+            <a:endParaRPr lang="zh-CN" altLang="en-US" dirty="0"/>
+          </a:p>
+        </p:txBody>
+      </p:sp>
     </p:spTree>
     <p:extLst>
       <p:ext uri="{BB962C8B-B14F-4D97-AF65-F5344CB8AC3E}">
@@ -7935,7 +10201,7 @@
                 <a:latin typeface="微软雅黑" panose="020B0503020204020204" pitchFamily="34" charset="-122"/>
                 <a:ea typeface="微软雅黑" panose="020B0503020204020204" pitchFamily="34" charset="-122"/>
               </a:rPr>
-              <a:t>Time integration (Implicit)</a:t>
+              <a:t>Temporal integration (Implicit)</a:t>
             </a:r>
             <a:endParaRPr lang="zh-CN" altLang="en-US" dirty="0">
               <a:latin typeface="微软雅黑" panose="020B0503020204020204" pitchFamily="34" charset="-122"/>
@@ -9808,7 +12074,7 @@
                 <a:latin typeface="微软雅黑" panose="020B0503020204020204" pitchFamily="34" charset="-122"/>
                 <a:ea typeface="微软雅黑" panose="020B0503020204020204" pitchFamily="34" charset="-122"/>
               </a:rPr>
-              <a:t>Time integration (Implicit)</a:t>
+              <a:t>Temporal integration (Implicit)</a:t>
             </a:r>
             <a:endParaRPr lang="zh-CN" altLang="en-US" dirty="0">
               <a:latin typeface="微软雅黑" panose="020B0503020204020204" pitchFamily="34" charset="-122"/>
@@ -10553,7 +12819,7 @@
                 <a:latin typeface="微软雅黑" panose="020B0503020204020204" pitchFamily="34" charset="-122"/>
                 <a:ea typeface="微软雅黑" panose="020B0503020204020204" pitchFamily="34" charset="-122"/>
               </a:rPr>
-              <a:t>Time integration (</a:t>
+              <a:t>Temporal integration (</a:t>
             </a:r>
             <a:r>
               <a:rPr lang="en-US" altLang="zh-CN" dirty="0" err="1">
@@ -10602,7 +12868,7 @@
             </p:spPr>
             <p:txBody>
               <a:bodyPr>
-                <a:normAutofit/>
+                <a:normAutofit fontScale="92500" lnSpcReduction="10000"/>
               </a:bodyPr>
               <a:lstStyle/>
               <a:p>
@@ -12726,6 +14992,761 @@
                   <a:t> </a:t>
                 </a:r>
               </a:p>
+              <a:p>
+                <a:pPr marL="0" lvl="0" indent="0">
+                  <a:buNone/>
+                  <a:defRPr/>
+                </a:pPr>
+                <a:r>
+                  <a:rPr lang="en-US" altLang="zh-CN" sz="2400" b="0" dirty="0">
+                    <a:solidFill>
+                      <a:schemeClr val="tx1"/>
+                    </a:solidFill>
+                  </a:rPr>
+                  <a:t>		  </a:t>
+                </a:r>
+                <a14:m>
+                  <m:oMath xmlns:m="http://schemas.openxmlformats.org/officeDocument/2006/math">
+                    <m:r>
+                      <a:rPr lang="en-US" altLang="zh-CN" sz="2400" b="0" i="0" smtClean="0">
+                        <a:solidFill>
+                          <a:schemeClr val="tx1"/>
+                        </a:solidFill>
+                        <a:latin typeface="Cambria Math" panose="02040503050406030204" pitchFamily="18" charset="0"/>
+                      </a:rPr>
+                      <m:t>=</m:t>
+                    </m:r>
+                    <m:f>
+                      <m:fPr>
+                        <m:ctrlPr>
+                          <a:rPr lang="en-US" altLang="zh-CN" sz="2400" b="0" i="1" smtClean="0">
+                            <a:solidFill>
+                              <a:schemeClr val="tx1"/>
+                            </a:solidFill>
+                            <a:latin typeface="Cambria Math" panose="02040503050406030204" pitchFamily="18" charset="0"/>
+                          </a:rPr>
+                        </m:ctrlPr>
+                      </m:fPr>
+                      <m:num>
+                        <m:r>
+                          <a:rPr lang="en-US" altLang="zh-CN" sz="2400" b="0" i="1" smtClean="0">
+                            <a:solidFill>
+                              <a:schemeClr val="tx1"/>
+                            </a:solidFill>
+                            <a:latin typeface="Cambria Math" panose="02040503050406030204" pitchFamily="18" charset="0"/>
+                          </a:rPr>
+                          <m:t>h</m:t>
+                        </m:r>
+                      </m:num>
+                      <m:den>
+                        <m:r>
+                          <a:rPr lang="en-US" altLang="zh-CN" sz="2400" b="0" i="1" smtClean="0">
+                            <a:solidFill>
+                              <a:schemeClr val="tx1"/>
+                            </a:solidFill>
+                            <a:latin typeface="Cambria Math" panose="02040503050406030204" pitchFamily="18" charset="0"/>
+                          </a:rPr>
+                          <m:t>2</m:t>
+                        </m:r>
+                      </m:den>
+                    </m:f>
+                    <m:r>
+                      <a:rPr lang="en-US" altLang="zh-CN" sz="2400" b="1" i="1" smtClean="0">
+                        <a:solidFill>
+                          <a:schemeClr val="tx1"/>
+                        </a:solidFill>
+                        <a:latin typeface="Cambria Math" panose="02040503050406030204" pitchFamily="18" charset="0"/>
+                      </a:rPr>
+                      <m:t>𝒗</m:t>
+                    </m:r>
+                    <m:d>
+                      <m:dPr>
+                        <m:ctrlPr>
+                          <a:rPr lang="en-US" altLang="zh-CN" sz="2400" b="0" i="1" smtClean="0">
+                            <a:solidFill>
+                              <a:schemeClr val="tx1"/>
+                            </a:solidFill>
+                            <a:latin typeface="Cambria Math" panose="02040503050406030204" pitchFamily="18" charset="0"/>
+                          </a:rPr>
+                        </m:ctrlPr>
+                      </m:dPr>
+                      <m:e>
+                        <m:r>
+                          <a:rPr lang="en-US" altLang="zh-CN" sz="2400" b="0" i="1" smtClean="0">
+                            <a:solidFill>
+                              <a:schemeClr val="tx1"/>
+                            </a:solidFill>
+                            <a:latin typeface="Cambria Math" panose="02040503050406030204" pitchFamily="18" charset="0"/>
+                          </a:rPr>
+                          <m:t>h</m:t>
+                        </m:r>
+                        <m:r>
+                          <a:rPr lang="en-US" altLang="zh-CN" sz="2400" b="0" i="1" smtClean="0">
+                            <a:solidFill>
+                              <a:schemeClr val="tx1"/>
+                            </a:solidFill>
+                            <a:latin typeface="Cambria Math" panose="02040503050406030204" pitchFamily="18" charset="0"/>
+                          </a:rPr>
+                          <m:t>/2</m:t>
+                        </m:r>
+                      </m:e>
+                    </m:d>
+                    <m:r>
+                      <a:rPr lang="en-US" altLang="zh-CN" sz="2400" b="0" i="1" smtClean="0">
+                        <a:solidFill>
+                          <a:schemeClr val="tx1"/>
+                        </a:solidFill>
+                        <a:latin typeface="Cambria Math" panose="02040503050406030204" pitchFamily="18" charset="0"/>
+                      </a:rPr>
+                      <m:t>−</m:t>
+                    </m:r>
+                    <m:f>
+                      <m:fPr>
+                        <m:ctrlPr>
+                          <a:rPr lang="en-US" altLang="zh-CN" sz="2400" b="0" i="1" smtClean="0">
+                            <a:solidFill>
+                              <a:schemeClr val="tx1"/>
+                            </a:solidFill>
+                            <a:latin typeface="Cambria Math" panose="02040503050406030204" pitchFamily="18" charset="0"/>
+                          </a:rPr>
+                        </m:ctrlPr>
+                      </m:fPr>
+                      <m:num>
+                        <m:sSup>
+                          <m:sSupPr>
+                            <m:ctrlPr>
+                              <a:rPr lang="en-US" altLang="zh-CN" sz="2400" b="0" i="1" smtClean="0">
+                                <a:solidFill>
+                                  <a:schemeClr val="tx1"/>
+                                </a:solidFill>
+                                <a:latin typeface="Cambria Math" panose="02040503050406030204" pitchFamily="18" charset="0"/>
+                              </a:rPr>
+                            </m:ctrlPr>
+                          </m:sSupPr>
+                          <m:e>
+                            <m:r>
+                              <a:rPr lang="en-US" altLang="zh-CN" sz="2400" b="0" i="1" smtClean="0">
+                                <a:solidFill>
+                                  <a:schemeClr val="tx1"/>
+                                </a:solidFill>
+                                <a:latin typeface="Cambria Math" panose="02040503050406030204" pitchFamily="18" charset="0"/>
+                              </a:rPr>
+                              <m:t>h</m:t>
+                            </m:r>
+                          </m:e>
+                          <m:sup>
+                            <m:r>
+                              <a:rPr lang="en-US" altLang="zh-CN" sz="2400" b="0" i="1" smtClean="0">
+                                <a:solidFill>
+                                  <a:schemeClr val="tx1"/>
+                                </a:solidFill>
+                                <a:latin typeface="Cambria Math" panose="02040503050406030204" pitchFamily="18" charset="0"/>
+                              </a:rPr>
+                              <m:t>2</m:t>
+                            </m:r>
+                          </m:sup>
+                        </m:sSup>
+                      </m:num>
+                      <m:den>
+                        <m:r>
+                          <a:rPr lang="en-US" altLang="zh-CN" sz="2400" b="0" i="1" smtClean="0">
+                            <a:solidFill>
+                              <a:schemeClr val="tx1"/>
+                            </a:solidFill>
+                            <a:latin typeface="Cambria Math" panose="02040503050406030204" pitchFamily="18" charset="0"/>
+                          </a:rPr>
+                          <m:t>2</m:t>
+                        </m:r>
+                      </m:den>
+                    </m:f>
+                    <m:sSup>
+                      <m:sSupPr>
+                        <m:ctrlPr>
+                          <a:rPr lang="en-US" altLang="zh-CN" sz="2400" b="0" i="1" smtClean="0">
+                            <a:solidFill>
+                              <a:schemeClr val="tx1"/>
+                            </a:solidFill>
+                            <a:latin typeface="Cambria Math" panose="02040503050406030204" pitchFamily="18" charset="0"/>
+                          </a:rPr>
+                        </m:ctrlPr>
+                      </m:sSupPr>
+                      <m:e>
+                        <m:r>
+                          <a:rPr lang="en-US" altLang="zh-CN" sz="2400" b="1" i="1" smtClean="0">
+                            <a:solidFill>
+                              <a:schemeClr val="tx1"/>
+                            </a:solidFill>
+                            <a:latin typeface="Cambria Math" panose="02040503050406030204" pitchFamily="18" charset="0"/>
+                          </a:rPr>
+                          <m:t>𝒗</m:t>
+                        </m:r>
+                      </m:e>
+                      <m:sup>
+                        <m:r>
+                          <a:rPr lang="en-US" altLang="zh-CN" sz="2400" b="0" i="1" smtClean="0">
+                            <a:solidFill>
+                              <a:schemeClr val="tx1"/>
+                            </a:solidFill>
+                            <a:latin typeface="Cambria Math" panose="02040503050406030204" pitchFamily="18" charset="0"/>
+                          </a:rPr>
+                          <m:t>′</m:t>
+                        </m:r>
+                      </m:sup>
+                    </m:sSup>
+                    <m:d>
+                      <m:dPr>
+                        <m:ctrlPr>
+                          <a:rPr lang="en-US" altLang="zh-CN" sz="2400" b="0" i="1" smtClean="0">
+                            <a:solidFill>
+                              <a:schemeClr val="tx1"/>
+                            </a:solidFill>
+                            <a:latin typeface="Cambria Math" panose="02040503050406030204" pitchFamily="18" charset="0"/>
+                          </a:rPr>
+                        </m:ctrlPr>
+                      </m:dPr>
+                      <m:e>
+                        <m:f>
+                          <m:fPr>
+                            <m:ctrlPr>
+                              <a:rPr lang="en-US" altLang="zh-CN" sz="2400" b="0" i="1" smtClean="0">
+                                <a:solidFill>
+                                  <a:schemeClr val="tx1"/>
+                                </a:solidFill>
+                                <a:latin typeface="Cambria Math" panose="02040503050406030204" pitchFamily="18" charset="0"/>
+                              </a:rPr>
+                            </m:ctrlPr>
+                          </m:fPr>
+                          <m:num>
+                            <m:r>
+                              <a:rPr lang="en-US" altLang="zh-CN" sz="2400" b="0" i="1" smtClean="0">
+                                <a:solidFill>
+                                  <a:schemeClr val="tx1"/>
+                                </a:solidFill>
+                                <a:latin typeface="Cambria Math" panose="02040503050406030204" pitchFamily="18" charset="0"/>
+                              </a:rPr>
+                              <m:t>h</m:t>
+                            </m:r>
+                          </m:num>
+                          <m:den>
+                            <m:r>
+                              <a:rPr lang="en-US" altLang="zh-CN" sz="2400" b="0" i="1" smtClean="0">
+                                <a:solidFill>
+                                  <a:schemeClr val="tx1"/>
+                                </a:solidFill>
+                                <a:latin typeface="Cambria Math" panose="02040503050406030204" pitchFamily="18" charset="0"/>
+                              </a:rPr>
+                              <m:t>2</m:t>
+                            </m:r>
+                          </m:den>
+                        </m:f>
+                      </m:e>
+                    </m:d>
+                    <m:r>
+                      <a:rPr lang="en-US" altLang="zh-CN" sz="2400" b="0" i="1" smtClean="0">
+                        <a:solidFill>
+                          <a:schemeClr val="tx1"/>
+                        </a:solidFill>
+                        <a:latin typeface="Cambria Math" panose="02040503050406030204" pitchFamily="18" charset="0"/>
+                      </a:rPr>
+                      <m:t>+</m:t>
+                    </m:r>
+                    <m:r>
+                      <a:rPr lang="en-US" altLang="zh-CN" sz="2400" b="0" i="1" smtClean="0">
+                        <a:solidFill>
+                          <a:schemeClr val="tx1"/>
+                        </a:solidFill>
+                        <a:latin typeface="Cambria Math" panose="02040503050406030204" pitchFamily="18" charset="0"/>
+                      </a:rPr>
+                      <m:t>𝑂</m:t>
+                    </m:r>
+                    <m:d>
+                      <m:dPr>
+                        <m:ctrlPr>
+                          <a:rPr lang="en-US" altLang="zh-CN" sz="2400" b="0" i="1" smtClean="0">
+                            <a:solidFill>
+                              <a:schemeClr val="tx1"/>
+                            </a:solidFill>
+                            <a:latin typeface="Cambria Math" panose="02040503050406030204" pitchFamily="18" charset="0"/>
+                          </a:rPr>
+                        </m:ctrlPr>
+                      </m:dPr>
+                      <m:e>
+                        <m:sSup>
+                          <m:sSupPr>
+                            <m:ctrlPr>
+                              <a:rPr lang="en-US" altLang="zh-CN" sz="2400" b="0" i="1" smtClean="0">
+                                <a:solidFill>
+                                  <a:schemeClr val="tx1"/>
+                                </a:solidFill>
+                                <a:latin typeface="Cambria Math" panose="02040503050406030204" pitchFamily="18" charset="0"/>
+                              </a:rPr>
+                            </m:ctrlPr>
+                          </m:sSupPr>
+                          <m:e>
+                            <m:r>
+                              <a:rPr lang="en-US" altLang="zh-CN" sz="2400" b="0" i="1" smtClean="0">
+                                <a:solidFill>
+                                  <a:schemeClr val="tx1"/>
+                                </a:solidFill>
+                                <a:latin typeface="Cambria Math" panose="02040503050406030204" pitchFamily="18" charset="0"/>
+                              </a:rPr>
+                              <m:t>h</m:t>
+                            </m:r>
+                          </m:e>
+                          <m:sup>
+                            <m:r>
+                              <a:rPr lang="en-US" altLang="zh-CN" sz="2400" b="0" i="1" smtClean="0">
+                                <a:solidFill>
+                                  <a:schemeClr val="tx1"/>
+                                </a:solidFill>
+                                <a:latin typeface="Cambria Math" panose="02040503050406030204" pitchFamily="18" charset="0"/>
+                              </a:rPr>
+                              <m:t>3</m:t>
+                            </m:r>
+                          </m:sup>
+                        </m:sSup>
+                      </m:e>
+                    </m:d>
+                    <m:r>
+                      <a:rPr lang="en-US" altLang="zh-CN" sz="2400" b="0" i="1" smtClean="0">
+                        <a:solidFill>
+                          <a:schemeClr val="tx1"/>
+                        </a:solidFill>
+                        <a:latin typeface="Cambria Math" panose="02040503050406030204" pitchFamily="18" charset="0"/>
+                      </a:rPr>
+                      <m:t>+</m:t>
+                    </m:r>
+                  </m:oMath>
+                </a14:m>
+                <a:endParaRPr lang="en-US" altLang="zh-CN" sz="2400" b="0" dirty="0">
+                  <a:solidFill>
+                    <a:schemeClr val="tx1"/>
+                  </a:solidFill>
+                </a:endParaRPr>
+              </a:p>
+              <a:p>
+                <a:pPr marL="0" lvl="0" indent="0">
+                  <a:buNone/>
+                  <a:defRPr/>
+                </a:pPr>
+                <a:r>
+                  <a:rPr lang="en-US" altLang="zh-CN" sz="2400" b="0" dirty="0">
+                    <a:solidFill>
+                      <a:schemeClr val="tx1"/>
+                    </a:solidFill>
+                  </a:rPr>
+                  <a:t>		     </a:t>
+                </a:r>
+                <a14:m>
+                  <m:oMath xmlns:m="http://schemas.openxmlformats.org/officeDocument/2006/math">
+                    <m:f>
+                      <m:fPr>
+                        <m:ctrlPr>
+                          <a:rPr lang="en-US" altLang="zh-CN" sz="2400" b="0" i="1" smtClean="0">
+                            <a:solidFill>
+                              <a:schemeClr val="tx1"/>
+                            </a:solidFill>
+                            <a:latin typeface="Cambria Math" panose="02040503050406030204" pitchFamily="18" charset="0"/>
+                          </a:rPr>
+                        </m:ctrlPr>
+                      </m:fPr>
+                      <m:num>
+                        <m:r>
+                          <a:rPr lang="en-US" altLang="zh-CN" sz="2400" b="0" i="1" smtClean="0">
+                            <a:solidFill>
+                              <a:schemeClr val="tx1"/>
+                            </a:solidFill>
+                            <a:latin typeface="Cambria Math" panose="02040503050406030204" pitchFamily="18" charset="0"/>
+                          </a:rPr>
+                          <m:t>h</m:t>
+                        </m:r>
+                      </m:num>
+                      <m:den>
+                        <m:r>
+                          <a:rPr lang="en-US" altLang="zh-CN" sz="2400" b="0" i="1" smtClean="0">
+                            <a:solidFill>
+                              <a:schemeClr val="tx1"/>
+                            </a:solidFill>
+                            <a:latin typeface="Cambria Math" panose="02040503050406030204" pitchFamily="18" charset="0"/>
+                          </a:rPr>
+                          <m:t>2</m:t>
+                        </m:r>
+                      </m:den>
+                    </m:f>
+                    <m:r>
+                      <a:rPr lang="en-US" altLang="zh-CN" sz="2400" b="1" i="1" smtClean="0">
+                        <a:solidFill>
+                          <a:schemeClr val="tx1"/>
+                        </a:solidFill>
+                        <a:latin typeface="Cambria Math" panose="02040503050406030204" pitchFamily="18" charset="0"/>
+                      </a:rPr>
+                      <m:t>𝒗</m:t>
+                    </m:r>
+                    <m:d>
+                      <m:dPr>
+                        <m:ctrlPr>
+                          <a:rPr lang="en-US" altLang="zh-CN" sz="2400" b="0" i="1" smtClean="0">
+                            <a:solidFill>
+                              <a:schemeClr val="tx1"/>
+                            </a:solidFill>
+                            <a:latin typeface="Cambria Math" panose="02040503050406030204" pitchFamily="18" charset="0"/>
+                          </a:rPr>
+                        </m:ctrlPr>
+                      </m:dPr>
+                      <m:e>
+                        <m:r>
+                          <a:rPr lang="en-US" altLang="zh-CN" sz="2400" b="0" i="1" smtClean="0">
+                            <a:solidFill>
+                              <a:schemeClr val="tx1"/>
+                            </a:solidFill>
+                            <a:latin typeface="Cambria Math" panose="02040503050406030204" pitchFamily="18" charset="0"/>
+                          </a:rPr>
+                          <m:t>h</m:t>
+                        </m:r>
+                        <m:r>
+                          <a:rPr lang="en-US" altLang="zh-CN" sz="2400" b="0" i="1" smtClean="0">
+                            <a:solidFill>
+                              <a:schemeClr val="tx1"/>
+                            </a:solidFill>
+                            <a:latin typeface="Cambria Math" panose="02040503050406030204" pitchFamily="18" charset="0"/>
+                          </a:rPr>
+                          <m:t>/2</m:t>
+                        </m:r>
+                      </m:e>
+                    </m:d>
+                    <m:r>
+                      <a:rPr lang="en-US" altLang="zh-CN" sz="2400" b="0" i="1" smtClean="0">
+                        <a:solidFill>
+                          <a:schemeClr val="tx1"/>
+                        </a:solidFill>
+                        <a:latin typeface="Cambria Math" panose="02040503050406030204" pitchFamily="18" charset="0"/>
+                      </a:rPr>
+                      <m:t>+</m:t>
+                    </m:r>
+                    <m:f>
+                      <m:fPr>
+                        <m:ctrlPr>
+                          <a:rPr lang="en-US" altLang="zh-CN" sz="2400" b="0" i="1" smtClean="0">
+                            <a:solidFill>
+                              <a:schemeClr val="tx1"/>
+                            </a:solidFill>
+                            <a:latin typeface="Cambria Math" panose="02040503050406030204" pitchFamily="18" charset="0"/>
+                          </a:rPr>
+                        </m:ctrlPr>
+                      </m:fPr>
+                      <m:num>
+                        <m:sSup>
+                          <m:sSupPr>
+                            <m:ctrlPr>
+                              <a:rPr lang="en-US" altLang="zh-CN" sz="2400" b="0" i="1" smtClean="0">
+                                <a:solidFill>
+                                  <a:schemeClr val="tx1"/>
+                                </a:solidFill>
+                                <a:latin typeface="Cambria Math" panose="02040503050406030204" pitchFamily="18" charset="0"/>
+                              </a:rPr>
+                            </m:ctrlPr>
+                          </m:sSupPr>
+                          <m:e>
+                            <m:r>
+                              <a:rPr lang="en-US" altLang="zh-CN" sz="2400" b="0" i="1" smtClean="0">
+                                <a:solidFill>
+                                  <a:schemeClr val="tx1"/>
+                                </a:solidFill>
+                                <a:latin typeface="Cambria Math" panose="02040503050406030204" pitchFamily="18" charset="0"/>
+                              </a:rPr>
+                              <m:t>h</m:t>
+                            </m:r>
+                          </m:e>
+                          <m:sup>
+                            <m:r>
+                              <a:rPr lang="en-US" altLang="zh-CN" sz="2400" b="0" i="1" smtClean="0">
+                                <a:solidFill>
+                                  <a:schemeClr val="tx1"/>
+                                </a:solidFill>
+                                <a:latin typeface="Cambria Math" panose="02040503050406030204" pitchFamily="18" charset="0"/>
+                              </a:rPr>
+                              <m:t>2</m:t>
+                            </m:r>
+                          </m:sup>
+                        </m:sSup>
+                      </m:num>
+                      <m:den>
+                        <m:r>
+                          <a:rPr lang="en-US" altLang="zh-CN" sz="2400" b="0" i="1" smtClean="0">
+                            <a:solidFill>
+                              <a:schemeClr val="tx1"/>
+                            </a:solidFill>
+                            <a:latin typeface="Cambria Math" panose="02040503050406030204" pitchFamily="18" charset="0"/>
+                          </a:rPr>
+                          <m:t>2</m:t>
+                        </m:r>
+                      </m:den>
+                    </m:f>
+                    <m:sSup>
+                      <m:sSupPr>
+                        <m:ctrlPr>
+                          <a:rPr lang="en-US" altLang="zh-CN" sz="2400" b="0" i="1" smtClean="0">
+                            <a:solidFill>
+                              <a:schemeClr val="tx1"/>
+                            </a:solidFill>
+                            <a:latin typeface="Cambria Math" panose="02040503050406030204" pitchFamily="18" charset="0"/>
+                          </a:rPr>
+                        </m:ctrlPr>
+                      </m:sSupPr>
+                      <m:e>
+                        <m:r>
+                          <a:rPr lang="en-US" altLang="zh-CN" sz="2400" b="1" i="1" smtClean="0">
+                            <a:solidFill>
+                              <a:schemeClr val="tx1"/>
+                            </a:solidFill>
+                            <a:latin typeface="Cambria Math" panose="02040503050406030204" pitchFamily="18" charset="0"/>
+                          </a:rPr>
+                          <m:t>𝒗</m:t>
+                        </m:r>
+                      </m:e>
+                      <m:sup>
+                        <m:r>
+                          <a:rPr lang="en-US" altLang="zh-CN" sz="2400" b="0" i="1" smtClean="0">
+                            <a:solidFill>
+                              <a:schemeClr val="tx1"/>
+                            </a:solidFill>
+                            <a:latin typeface="Cambria Math" panose="02040503050406030204" pitchFamily="18" charset="0"/>
+                          </a:rPr>
+                          <m:t>′</m:t>
+                        </m:r>
+                      </m:sup>
+                    </m:sSup>
+                    <m:d>
+                      <m:dPr>
+                        <m:ctrlPr>
+                          <a:rPr lang="en-US" altLang="zh-CN" sz="2400" b="0" i="1" smtClean="0">
+                            <a:solidFill>
+                              <a:schemeClr val="tx1"/>
+                            </a:solidFill>
+                            <a:latin typeface="Cambria Math" panose="02040503050406030204" pitchFamily="18" charset="0"/>
+                          </a:rPr>
+                        </m:ctrlPr>
+                      </m:dPr>
+                      <m:e>
+                        <m:f>
+                          <m:fPr>
+                            <m:ctrlPr>
+                              <a:rPr lang="en-US" altLang="zh-CN" sz="2400" b="0" i="1" smtClean="0">
+                                <a:solidFill>
+                                  <a:schemeClr val="tx1"/>
+                                </a:solidFill>
+                                <a:latin typeface="Cambria Math" panose="02040503050406030204" pitchFamily="18" charset="0"/>
+                              </a:rPr>
+                            </m:ctrlPr>
+                          </m:fPr>
+                          <m:num>
+                            <m:r>
+                              <a:rPr lang="en-US" altLang="zh-CN" sz="2400" b="0" i="1" smtClean="0">
+                                <a:solidFill>
+                                  <a:schemeClr val="tx1"/>
+                                </a:solidFill>
+                                <a:latin typeface="Cambria Math" panose="02040503050406030204" pitchFamily="18" charset="0"/>
+                              </a:rPr>
+                              <m:t>h</m:t>
+                            </m:r>
+                          </m:num>
+                          <m:den>
+                            <m:r>
+                              <a:rPr lang="en-US" altLang="zh-CN" sz="2400" b="0" i="1" smtClean="0">
+                                <a:solidFill>
+                                  <a:schemeClr val="tx1"/>
+                                </a:solidFill>
+                                <a:latin typeface="Cambria Math" panose="02040503050406030204" pitchFamily="18" charset="0"/>
+                              </a:rPr>
+                              <m:t>2</m:t>
+                            </m:r>
+                          </m:den>
+                        </m:f>
+                      </m:e>
+                    </m:d>
+                    <m:r>
+                      <a:rPr lang="en-US" altLang="zh-CN" sz="2400" b="0" i="1" smtClean="0">
+                        <a:solidFill>
+                          <a:schemeClr val="tx1"/>
+                        </a:solidFill>
+                        <a:latin typeface="Cambria Math" panose="02040503050406030204" pitchFamily="18" charset="0"/>
+                      </a:rPr>
+                      <m:t>+</m:t>
+                    </m:r>
+                    <m:r>
+                      <a:rPr lang="en-US" altLang="zh-CN" sz="2400" b="0" i="1" smtClean="0">
+                        <a:solidFill>
+                          <a:schemeClr val="tx1"/>
+                        </a:solidFill>
+                        <a:latin typeface="Cambria Math" panose="02040503050406030204" pitchFamily="18" charset="0"/>
+                      </a:rPr>
+                      <m:t>𝑂</m:t>
+                    </m:r>
+                    <m:d>
+                      <m:dPr>
+                        <m:ctrlPr>
+                          <a:rPr lang="en-US" altLang="zh-CN" sz="2400" b="0" i="1" smtClean="0">
+                            <a:solidFill>
+                              <a:schemeClr val="tx1"/>
+                            </a:solidFill>
+                            <a:latin typeface="Cambria Math" panose="02040503050406030204" pitchFamily="18" charset="0"/>
+                          </a:rPr>
+                        </m:ctrlPr>
+                      </m:dPr>
+                      <m:e>
+                        <m:sSup>
+                          <m:sSupPr>
+                            <m:ctrlPr>
+                              <a:rPr lang="en-US" altLang="zh-CN" sz="2400" b="0" i="1" smtClean="0">
+                                <a:solidFill>
+                                  <a:schemeClr val="tx1"/>
+                                </a:solidFill>
+                                <a:latin typeface="Cambria Math" panose="02040503050406030204" pitchFamily="18" charset="0"/>
+                              </a:rPr>
+                            </m:ctrlPr>
+                          </m:sSupPr>
+                          <m:e>
+                            <m:r>
+                              <a:rPr lang="en-US" altLang="zh-CN" sz="2400" b="0" i="1" smtClean="0">
+                                <a:solidFill>
+                                  <a:schemeClr val="tx1"/>
+                                </a:solidFill>
+                                <a:latin typeface="Cambria Math" panose="02040503050406030204" pitchFamily="18" charset="0"/>
+                              </a:rPr>
+                              <m:t>h</m:t>
+                            </m:r>
+                          </m:e>
+                          <m:sup>
+                            <m:r>
+                              <a:rPr lang="en-US" altLang="zh-CN" sz="2400" b="0" i="1" smtClean="0">
+                                <a:solidFill>
+                                  <a:schemeClr val="tx1"/>
+                                </a:solidFill>
+                                <a:latin typeface="Cambria Math" panose="02040503050406030204" pitchFamily="18" charset="0"/>
+                              </a:rPr>
+                              <m:t>3</m:t>
+                            </m:r>
+                          </m:sup>
+                        </m:sSup>
+                      </m:e>
+                    </m:d>
+                    <m:r>
+                      <a:rPr lang="en-US" altLang="zh-CN" sz="2400" b="0" i="1" smtClean="0">
+                        <a:solidFill>
+                          <a:schemeClr val="tx1"/>
+                        </a:solidFill>
+                        <a:latin typeface="Cambria Math" panose="02040503050406030204" pitchFamily="18" charset="0"/>
+                      </a:rPr>
+                      <m:t>=</m:t>
+                    </m:r>
+                    <m:r>
+                      <a:rPr lang="en-US" altLang="zh-CN" sz="2400" b="0" i="1" smtClean="0">
+                        <a:solidFill>
+                          <a:schemeClr val="tx1"/>
+                        </a:solidFill>
+                        <a:latin typeface="Cambria Math" panose="02040503050406030204" pitchFamily="18" charset="0"/>
+                      </a:rPr>
+                      <m:t>h</m:t>
+                    </m:r>
+                    <m:sSub>
+                      <m:sSubPr>
+                        <m:ctrlPr>
+                          <a:rPr lang="en-US" altLang="zh-CN" sz="2400" b="0" i="1" smtClean="0">
+                            <a:solidFill>
+                              <a:schemeClr val="tx1"/>
+                            </a:solidFill>
+                            <a:latin typeface="Cambria Math" panose="02040503050406030204" pitchFamily="18" charset="0"/>
+                          </a:rPr>
+                        </m:ctrlPr>
+                      </m:sSubPr>
+                      <m:e>
+                        <m:r>
+                          <a:rPr lang="en-US" altLang="zh-CN" sz="2400" b="1" i="1" smtClean="0">
+                            <a:solidFill>
+                              <a:schemeClr val="tx1"/>
+                            </a:solidFill>
+                            <a:latin typeface="Cambria Math" panose="02040503050406030204" pitchFamily="18" charset="0"/>
+                          </a:rPr>
+                          <m:t>𝒗</m:t>
+                        </m:r>
+                      </m:e>
+                      <m:sub>
+                        <m:r>
+                          <a:rPr lang="en-US" altLang="zh-CN" sz="2400" b="0" i="1" smtClean="0">
+                            <a:solidFill>
+                              <a:schemeClr val="tx1"/>
+                            </a:solidFill>
+                            <a:latin typeface="Cambria Math" panose="02040503050406030204" pitchFamily="18" charset="0"/>
+                          </a:rPr>
+                          <m:t>𝑛</m:t>
+                        </m:r>
+                        <m:r>
+                          <a:rPr lang="en-US" altLang="zh-CN" sz="2400" b="0" i="1" smtClean="0">
+                            <a:solidFill>
+                              <a:schemeClr val="tx1"/>
+                            </a:solidFill>
+                            <a:latin typeface="Cambria Math" panose="02040503050406030204" pitchFamily="18" charset="0"/>
+                          </a:rPr>
+                          <m:t>+0.5</m:t>
+                        </m:r>
+                      </m:sub>
+                    </m:sSub>
+                    <m:r>
+                      <a:rPr lang="en-US" altLang="zh-CN" sz="2400" i="1">
+                        <a:latin typeface="Cambria Math" panose="02040503050406030204" pitchFamily="18" charset="0"/>
+                      </a:rPr>
+                      <m:t>+</m:t>
+                    </m:r>
+                    <m:r>
+                      <a:rPr lang="en-US" altLang="zh-CN" sz="2400" i="1">
+                        <a:latin typeface="Cambria Math" panose="02040503050406030204" pitchFamily="18" charset="0"/>
+                      </a:rPr>
+                      <m:t>𝑂</m:t>
+                    </m:r>
+                    <m:d>
+                      <m:dPr>
+                        <m:ctrlPr>
+                          <a:rPr lang="en-US" altLang="zh-CN" sz="2400" i="1">
+                            <a:latin typeface="Cambria Math" panose="02040503050406030204" pitchFamily="18" charset="0"/>
+                          </a:rPr>
+                        </m:ctrlPr>
+                      </m:dPr>
+                      <m:e>
+                        <m:sSup>
+                          <m:sSupPr>
+                            <m:ctrlPr>
+                              <a:rPr lang="en-US" altLang="zh-CN" sz="2400" i="1">
+                                <a:latin typeface="Cambria Math" panose="02040503050406030204" pitchFamily="18" charset="0"/>
+                              </a:rPr>
+                            </m:ctrlPr>
+                          </m:sSupPr>
+                          <m:e>
+                            <m:r>
+                              <a:rPr lang="en-US" altLang="zh-CN" sz="2400" i="1">
+                                <a:latin typeface="Cambria Math" panose="02040503050406030204" pitchFamily="18" charset="0"/>
+                              </a:rPr>
+                              <m:t>h</m:t>
+                            </m:r>
+                          </m:e>
+                          <m:sup>
+                            <m:r>
+                              <a:rPr lang="en-US" altLang="zh-CN" sz="2400" i="1">
+                                <a:latin typeface="Cambria Math" panose="02040503050406030204" pitchFamily="18" charset="0"/>
+                              </a:rPr>
+                              <m:t>3</m:t>
+                            </m:r>
+                          </m:sup>
+                        </m:sSup>
+                      </m:e>
+                    </m:d>
+                  </m:oMath>
+                </a14:m>
+                <a:endParaRPr lang="en-US" altLang="zh-CN" sz="2400" dirty="0">
+                  <a:solidFill>
+                    <a:schemeClr val="accent1"/>
+                  </a:solidFill>
+                </a:endParaRPr>
+              </a:p>
             </p:txBody>
           </p:sp>
         </mc:Choice>
@@ -12754,7 +15775,7 @@
               <a:blipFill>
                 <a:blip r:embed="rId2"/>
                 <a:stretch>
-                  <a:fillRect l="-1217"/>
+                  <a:fillRect l="-1043"/>
                 </a:stretch>
               </a:blipFill>
             </p:spPr>
@@ -12817,10 +15838,1597 @@
           </a:p>
         </p:txBody>
       </p:sp>
+      <p:sp>
+        <p:nvSpPr>
+          <p:cNvPr id="6" name="矩形: 圆角 5">
+            <a:extLst>
+              <a:ext uri="{FF2B5EF4-FFF2-40B4-BE49-F238E27FC236}">
+                <a16:creationId xmlns:a16="http://schemas.microsoft.com/office/drawing/2014/main" id="{3404A60C-67C2-4BF0-9FBD-C806FFCD2582}"/>
+              </a:ext>
+            </a:extLst>
+          </p:cNvPr>
+          <p:cNvSpPr/>
+          <p:nvPr/>
+        </p:nvSpPr>
+        <p:spPr>
+          <a:xfrm>
+            <a:off x="8034528" y="5437632"/>
+            <a:ext cx="902208" cy="548640"/>
+          </a:xfrm>
+          <a:prstGeom prst="roundRect">
+            <a:avLst/>
+          </a:prstGeom>
+          <a:noFill/>
+          <a:ln w="19050" cap="flat" cmpd="sng" algn="ctr">
+            <a:solidFill>
+              <a:schemeClr val="accent2"/>
+            </a:solidFill>
+            <a:prstDash val="dash"/>
+            <a:round/>
+            <a:headEnd type="none" w="med" len="med"/>
+            <a:tailEnd type="none" w="med" len="med"/>
+          </a:ln>
+        </p:spPr>
+        <p:style>
+          <a:lnRef idx="0">
+            <a:scrgbClr r="0" g="0" b="0"/>
+          </a:lnRef>
+          <a:fillRef idx="0">
+            <a:scrgbClr r="0" g="0" b="0"/>
+          </a:fillRef>
+          <a:effectRef idx="0">
+            <a:scrgbClr r="0" g="0" b="0"/>
+          </a:effectRef>
+          <a:fontRef idx="minor">
+            <a:schemeClr val="accent2"/>
+          </a:fontRef>
+        </p:style>
+        <p:txBody>
+          <a:bodyPr rtlCol="0" anchor="ctr"/>
+          <a:lstStyle/>
+          <a:p>
+            <a:pPr algn="ctr"/>
+            <a:endParaRPr lang="zh-CN" altLang="en-US"/>
+          </a:p>
+        </p:txBody>
+      </p:sp>
     </p:spTree>
     <p:extLst>
       <p:ext uri="{BB962C8B-B14F-4D97-AF65-F5344CB8AC3E}">
         <p14:creationId xmlns:p14="http://schemas.microsoft.com/office/powerpoint/2010/main" val="299033587"/>
+      </p:ext>
+    </p:extLst>
+  </p:cSld>
+  <p:clrMapOvr>
+    <a:masterClrMapping/>
+  </p:clrMapOvr>
+</p:sld>
+</file>
+
+<file path=ppt/slides/slide9.xml><?xml version="1.0" encoding="utf-8"?>
+<p:sld xmlns:a="http://schemas.openxmlformats.org/drawingml/2006/main" xmlns:r="http://schemas.openxmlformats.org/officeDocument/2006/relationships" xmlns:p="http://schemas.openxmlformats.org/presentationml/2006/main">
+  <p:cSld>
+    <p:spTree>
+      <p:nvGrpSpPr>
+        <p:cNvPr id="1" name=""/>
+        <p:cNvGrpSpPr/>
+        <p:nvPr/>
+      </p:nvGrpSpPr>
+      <p:grpSpPr>
+        <a:xfrm>
+          <a:off x="0" y="0"/>
+          <a:ext cx="0" cy="0"/>
+          <a:chOff x="0" y="0"/>
+          <a:chExt cx="0" cy="0"/>
+        </a:xfrm>
+      </p:grpSpPr>
+      <p:sp>
+        <p:nvSpPr>
+          <p:cNvPr id="4" name="标题 1">
+            <a:extLst>
+              <a:ext uri="{FF2B5EF4-FFF2-40B4-BE49-F238E27FC236}">
+                <a16:creationId xmlns:a16="http://schemas.microsoft.com/office/drawing/2014/main" id="{F95CA115-E12B-46D8-88CD-1804C637D699}"/>
+              </a:ext>
+            </a:extLst>
+          </p:cNvPr>
+          <p:cNvSpPr txBox="1">
+            <a:spLocks/>
+          </p:cNvSpPr>
+          <p:nvPr/>
+        </p:nvSpPr>
+        <p:spPr>
+          <a:xfrm>
+            <a:off x="990600" y="517525"/>
+            <a:ext cx="10515600" cy="1325563"/>
+          </a:xfrm>
+          <a:prstGeom prst="rect">
+            <a:avLst/>
+          </a:prstGeom>
+        </p:spPr>
+        <p:txBody>
+          <a:bodyPr vert="horz" lIns="91440" tIns="45720" rIns="91440" bIns="45720" rtlCol="0" anchor="ctr">
+            <a:normAutofit/>
+          </a:bodyPr>
+          <a:lstStyle>
+            <a:lvl1pPr algn="l" defTabSz="914400" rtl="0" eaLnBrk="1" latinLnBrk="0" hangingPunct="1">
+              <a:lnSpc>
+                <a:spcPct val="90000"/>
+              </a:lnSpc>
+              <a:spcBef>
+                <a:spcPct val="0"/>
+              </a:spcBef>
+              <a:buNone/>
+              <a:defRPr sz="4400" kern="1200">
+                <a:solidFill>
+                  <a:schemeClr val="tx1"/>
+                </a:solidFill>
+                <a:latin typeface="+mj-lt"/>
+                <a:ea typeface="+mj-ea"/>
+                <a:cs typeface="+mj-cs"/>
+              </a:defRPr>
+            </a:lvl1pPr>
+          </a:lstStyle>
+          <a:p>
+            <a:r>
+              <a:rPr lang="en-US" altLang="zh-CN" dirty="0">
+                <a:latin typeface="微软雅黑" panose="020B0503020204020204" pitchFamily="34" charset="-122"/>
+                <a:ea typeface="微软雅黑" panose="020B0503020204020204" pitchFamily="34" charset="-122"/>
+              </a:rPr>
+              <a:t>Temporal integration (</a:t>
+            </a:r>
+            <a:r>
+              <a:rPr lang="en-US" altLang="zh-CN" dirty="0" err="1">
+                <a:latin typeface="微软雅黑" panose="020B0503020204020204" pitchFamily="34" charset="-122"/>
+                <a:ea typeface="微软雅黑" panose="020B0503020204020204" pitchFamily="34" charset="-122"/>
+              </a:rPr>
+              <a:t>Symplectic</a:t>
+            </a:r>
+            <a:r>
+              <a:rPr lang="en-US" altLang="zh-CN" dirty="0">
+                <a:latin typeface="微软雅黑" panose="020B0503020204020204" pitchFamily="34" charset="-122"/>
+                <a:ea typeface="微软雅黑" panose="020B0503020204020204" pitchFamily="34" charset="-122"/>
+              </a:rPr>
+              <a:t>)</a:t>
+            </a:r>
+            <a:endParaRPr lang="zh-CN" altLang="en-US" dirty="0">
+              <a:latin typeface="微软雅黑" panose="020B0503020204020204" pitchFamily="34" charset="-122"/>
+              <a:ea typeface="微软雅黑" panose="020B0503020204020204" pitchFamily="34" charset="-122"/>
+            </a:endParaRPr>
+          </a:p>
+        </p:txBody>
+      </p:sp>
+      <mc:AlternateContent xmlns:mc="http://schemas.openxmlformats.org/markup-compatibility/2006">
+        <mc:Choice xmlns:a14="http://schemas.microsoft.com/office/drawing/2010/main" Requires="a14">
+          <p:sp>
+            <p:nvSpPr>
+              <p:cNvPr id="8" name="内容占位符 2">
+                <a:extLst>
+                  <a:ext uri="{FF2B5EF4-FFF2-40B4-BE49-F238E27FC236}">
+                    <a16:creationId xmlns:a16="http://schemas.microsoft.com/office/drawing/2014/main" id="{0E3FF9F4-39DA-4163-8E0A-871D26A6C1A4}"/>
+                  </a:ext>
+                </a:extLst>
+              </p:cNvPr>
+              <p:cNvSpPr>
+                <a:spLocks noGrp="1"/>
+              </p:cNvSpPr>
+              <p:nvPr>
+                <p:ph idx="1"/>
+              </p:nvPr>
+            </p:nvSpPr>
+            <p:spPr>
+              <a:xfrm>
+                <a:off x="838200" y="1825625"/>
+                <a:ext cx="10515600" cy="4351338"/>
+              </a:xfrm>
+            </p:spPr>
+            <p:txBody>
+              <a:bodyPr>
+                <a:normAutofit/>
+              </a:bodyPr>
+              <a:lstStyle/>
+              <a:p>
+                <a:pPr marL="0" indent="0">
+                  <a:buNone/>
+                </a:pPr>
+                <a:r>
+                  <a:rPr lang="en-US" altLang="zh-CN" b="1" dirty="0"/>
+                  <a:t>Stability: </a:t>
+                </a:r>
+              </a:p>
+              <a:p>
+                <a:pPr marL="0" indent="0">
+                  <a:buNone/>
+                </a:pPr>
+                <a:r>
+                  <a:rPr lang="en-US" altLang="zh-CN" dirty="0"/>
+                  <a:t>          </a:t>
+                </a:r>
+                <a:r>
+                  <a:rPr lang="en-US" altLang="zh-CN" sz="2400" dirty="0"/>
+                  <a:t>   </a:t>
+                </a:r>
+                <a14:m>
+                  <m:oMath xmlns:m="http://schemas.openxmlformats.org/officeDocument/2006/math">
+                    <m:f>
+                      <m:fPr>
+                        <m:ctrlPr>
+                          <a:rPr lang="en-US" altLang="zh-CN" sz="2400" i="1" smtClean="0">
+                            <a:latin typeface="Cambria Math" panose="02040503050406030204" pitchFamily="18" charset="0"/>
+                          </a:rPr>
+                        </m:ctrlPr>
+                      </m:fPr>
+                      <m:num>
+                        <m:r>
+                          <a:rPr lang="en-US" altLang="zh-CN" sz="2400" b="0" i="1" smtClean="0">
+                            <a:latin typeface="Cambria Math" panose="02040503050406030204" pitchFamily="18" charset="0"/>
+                          </a:rPr>
+                          <m:t>𝑑</m:t>
+                        </m:r>
+                      </m:num>
+                      <m:den>
+                        <m:r>
+                          <a:rPr lang="en-US" altLang="zh-CN" sz="2400" b="0" i="1" smtClean="0">
+                            <a:latin typeface="Cambria Math" panose="02040503050406030204" pitchFamily="18" charset="0"/>
+                          </a:rPr>
+                          <m:t>𝑑𝑡</m:t>
+                        </m:r>
+                      </m:den>
+                    </m:f>
+                    <m:r>
+                      <a:rPr lang="en-US" altLang="zh-CN" sz="2400" b="0" i="1" smtClean="0">
+                        <a:latin typeface="Cambria Math" panose="02040503050406030204" pitchFamily="18" charset="0"/>
+                      </a:rPr>
+                      <m:t>𝑥</m:t>
+                    </m:r>
+                    <m:r>
+                      <a:rPr lang="en-US" altLang="zh-CN" sz="2400" b="0" i="1" smtClean="0">
+                        <a:latin typeface="Cambria Math" panose="02040503050406030204" pitchFamily="18" charset="0"/>
+                      </a:rPr>
+                      <m:t>=</m:t>
+                    </m:r>
+                    <m:r>
+                      <a:rPr lang="en-US" altLang="zh-CN" sz="2400" b="0" i="1" smtClean="0">
+                        <a:latin typeface="Cambria Math" panose="02040503050406030204" pitchFamily="18" charset="0"/>
+                      </a:rPr>
+                      <m:t>𝜆</m:t>
+                    </m:r>
+                    <m:r>
+                      <a:rPr lang="en-US" altLang="zh-CN" sz="2400" b="0" i="1" smtClean="0">
+                        <a:latin typeface="Cambria Math" panose="02040503050406030204" pitchFamily="18" charset="0"/>
+                      </a:rPr>
+                      <m:t>𝑥</m:t>
+                    </m:r>
+                  </m:oMath>
+                </a14:m>
+                <a:endParaRPr lang="en-US" altLang="zh-CN" sz="2400" dirty="0"/>
+              </a:p>
+              <a:p>
+                <a:pPr marL="0" indent="0">
+                  <a:buNone/>
+                </a:pPr>
+                <a:r>
+                  <a:rPr lang="en-US" altLang="zh-CN" sz="2400" b="0" dirty="0"/>
+                  <a:t>	</a:t>
+                </a:r>
+                <a14:m>
+                  <m:oMath xmlns:m="http://schemas.openxmlformats.org/officeDocument/2006/math">
+                    <m:sSub>
+                      <m:sSubPr>
+                        <m:ctrlPr>
+                          <a:rPr lang="en-US" altLang="zh-CN" sz="2400" b="0" i="1" smtClean="0">
+                            <a:latin typeface="Cambria Math" panose="02040503050406030204" pitchFamily="18" charset="0"/>
+                          </a:rPr>
+                        </m:ctrlPr>
+                      </m:sSubPr>
+                      <m:e>
+                        <m:r>
+                          <a:rPr lang="en-US" altLang="zh-CN" sz="2400" b="0" i="1" smtClean="0">
+                            <a:latin typeface="Cambria Math" panose="02040503050406030204" pitchFamily="18" charset="0"/>
+                          </a:rPr>
+                          <m:t>𝑥</m:t>
+                        </m:r>
+                      </m:e>
+                      <m:sub>
+                        <m:r>
+                          <a:rPr lang="en-US" altLang="zh-CN" sz="2400" b="0" i="1" smtClean="0">
+                            <a:latin typeface="Cambria Math" panose="02040503050406030204" pitchFamily="18" charset="0"/>
+                          </a:rPr>
+                          <m:t>𝑛</m:t>
+                        </m:r>
+                        <m:r>
+                          <a:rPr lang="en-US" altLang="zh-CN" sz="2400" b="0" i="1" smtClean="0">
+                            <a:latin typeface="Cambria Math" panose="02040503050406030204" pitchFamily="18" charset="0"/>
+                          </a:rPr>
+                          <m:t>+1</m:t>
+                        </m:r>
+                      </m:sub>
+                    </m:sSub>
+                    <m:r>
+                      <a:rPr lang="en-US" altLang="zh-CN" sz="2400" b="0" i="1" smtClean="0">
+                        <a:latin typeface="Cambria Math" panose="02040503050406030204" pitchFamily="18" charset="0"/>
+                      </a:rPr>
+                      <m:t>=</m:t>
+                    </m:r>
+                    <m:sSub>
+                      <m:sSubPr>
+                        <m:ctrlPr>
+                          <a:rPr lang="en-US" altLang="zh-CN" sz="2400" b="0" i="1" smtClean="0">
+                            <a:latin typeface="Cambria Math" panose="02040503050406030204" pitchFamily="18" charset="0"/>
+                          </a:rPr>
+                        </m:ctrlPr>
+                      </m:sSubPr>
+                      <m:e>
+                        <m:r>
+                          <a:rPr lang="en-US" altLang="zh-CN" sz="2400" b="0" i="1" smtClean="0">
+                            <a:latin typeface="Cambria Math" panose="02040503050406030204" pitchFamily="18" charset="0"/>
+                          </a:rPr>
+                          <m:t>𝑥</m:t>
+                        </m:r>
+                      </m:e>
+                      <m:sub>
+                        <m:r>
+                          <a:rPr lang="en-US" altLang="zh-CN" sz="2400" b="0" i="1" smtClean="0">
+                            <a:latin typeface="Cambria Math" panose="02040503050406030204" pitchFamily="18" charset="0"/>
+                          </a:rPr>
+                          <m:t>𝑛</m:t>
+                        </m:r>
+                      </m:sub>
+                    </m:sSub>
+                    <m:r>
+                      <a:rPr lang="en-US" altLang="zh-CN" sz="2400" b="0" i="1" smtClean="0">
+                        <a:latin typeface="Cambria Math" panose="02040503050406030204" pitchFamily="18" charset="0"/>
+                      </a:rPr>
+                      <m:t>+</m:t>
+                    </m:r>
+                    <m:r>
+                      <a:rPr lang="en-US" altLang="zh-CN" sz="2400" b="0" i="1" smtClean="0">
+                        <a:latin typeface="Cambria Math" panose="02040503050406030204" pitchFamily="18" charset="0"/>
+                      </a:rPr>
+                      <m:t>h</m:t>
+                    </m:r>
+                    <m:r>
+                      <a:rPr lang="en-US" altLang="zh-CN" sz="2400" b="0" i="1" smtClean="0">
+                        <a:latin typeface="Cambria Math" panose="02040503050406030204" pitchFamily="18" charset="0"/>
+                      </a:rPr>
+                      <m:t>𝜆</m:t>
+                    </m:r>
+                    <m:sSub>
+                      <m:sSubPr>
+                        <m:ctrlPr>
+                          <a:rPr lang="en-US" altLang="zh-CN" sz="2400" b="0" i="1" smtClean="0">
+                            <a:latin typeface="Cambria Math" panose="02040503050406030204" pitchFamily="18" charset="0"/>
+                          </a:rPr>
+                        </m:ctrlPr>
+                      </m:sSubPr>
+                      <m:e>
+                        <m:r>
+                          <a:rPr lang="en-US" altLang="zh-CN" sz="2400" b="0" i="1" smtClean="0">
+                            <a:latin typeface="Cambria Math" panose="02040503050406030204" pitchFamily="18" charset="0"/>
+                          </a:rPr>
+                          <m:t>𝑥</m:t>
+                        </m:r>
+                      </m:e>
+                      <m:sub>
+                        <m:r>
+                          <a:rPr lang="en-US" altLang="zh-CN" sz="2400" b="0" i="1" smtClean="0">
+                            <a:latin typeface="Cambria Math" panose="02040503050406030204" pitchFamily="18" charset="0"/>
+                          </a:rPr>
+                          <m:t>𝑛</m:t>
+                        </m:r>
+                        <m:r>
+                          <a:rPr lang="en-US" altLang="zh-CN" sz="2400" b="0" i="1" smtClean="0">
+                            <a:latin typeface="Cambria Math" panose="02040503050406030204" pitchFamily="18" charset="0"/>
+                          </a:rPr>
+                          <m:t>+0.5</m:t>
+                        </m:r>
+                      </m:sub>
+                    </m:sSub>
+                    <m:r>
+                      <a:rPr lang="en-US" altLang="zh-CN" sz="2400" b="0" i="1" smtClean="0">
+                        <a:latin typeface="Cambria Math" panose="02040503050406030204" pitchFamily="18" charset="0"/>
+                      </a:rPr>
+                      <m:t>=</m:t>
+                    </m:r>
+                    <m:sSub>
+                      <m:sSubPr>
+                        <m:ctrlPr>
+                          <a:rPr lang="en-US" altLang="zh-CN" sz="2400" b="0" i="1" smtClean="0">
+                            <a:latin typeface="Cambria Math" panose="02040503050406030204" pitchFamily="18" charset="0"/>
+                          </a:rPr>
+                        </m:ctrlPr>
+                      </m:sSubPr>
+                      <m:e>
+                        <m:r>
+                          <a:rPr lang="en-US" altLang="zh-CN" sz="2400" b="0" i="1" smtClean="0">
+                            <a:latin typeface="Cambria Math" panose="02040503050406030204" pitchFamily="18" charset="0"/>
+                          </a:rPr>
+                          <m:t>𝑥</m:t>
+                        </m:r>
+                      </m:e>
+                      <m:sub>
+                        <m:r>
+                          <a:rPr lang="en-US" altLang="zh-CN" sz="2400" b="0" i="1" smtClean="0">
+                            <a:latin typeface="Cambria Math" panose="02040503050406030204" pitchFamily="18" charset="0"/>
+                          </a:rPr>
+                          <m:t>𝑛</m:t>
+                        </m:r>
+                      </m:sub>
+                    </m:sSub>
+                    <m:r>
+                      <a:rPr lang="en-US" altLang="zh-CN" sz="2400" b="0" i="1" smtClean="0">
+                        <a:latin typeface="Cambria Math" panose="02040503050406030204" pitchFamily="18" charset="0"/>
+                      </a:rPr>
+                      <m:t>+</m:t>
+                    </m:r>
+                    <m:r>
+                      <a:rPr lang="en-US" altLang="zh-CN" sz="2400" b="0" i="1" smtClean="0">
+                        <a:latin typeface="Cambria Math" panose="02040503050406030204" pitchFamily="18" charset="0"/>
+                      </a:rPr>
+                      <m:t>h</m:t>
+                    </m:r>
+                    <m:r>
+                      <a:rPr lang="en-US" altLang="zh-CN" sz="2400" b="0" i="1" smtClean="0">
+                        <a:latin typeface="Cambria Math" panose="02040503050406030204" pitchFamily="18" charset="0"/>
+                      </a:rPr>
+                      <m:t>𝜆</m:t>
+                    </m:r>
+                    <m:r>
+                      <a:rPr lang="en-US" altLang="zh-CN" sz="2400" b="0" i="1" smtClean="0">
+                        <a:latin typeface="Cambria Math" panose="02040503050406030204" pitchFamily="18" charset="0"/>
+                      </a:rPr>
+                      <m:t>(</m:t>
+                    </m:r>
+                    <m:sSub>
+                      <m:sSubPr>
+                        <m:ctrlPr>
+                          <a:rPr lang="en-US" altLang="zh-CN" sz="2400" b="0" i="1" smtClean="0">
+                            <a:latin typeface="Cambria Math" panose="02040503050406030204" pitchFamily="18" charset="0"/>
+                          </a:rPr>
+                        </m:ctrlPr>
+                      </m:sSubPr>
+                      <m:e>
+                        <m:r>
+                          <a:rPr lang="en-US" altLang="zh-CN" sz="2400" b="0" i="1" smtClean="0">
+                            <a:latin typeface="Cambria Math" panose="02040503050406030204" pitchFamily="18" charset="0"/>
+                          </a:rPr>
+                          <m:t>𝑥</m:t>
+                        </m:r>
+                      </m:e>
+                      <m:sub>
+                        <m:r>
+                          <a:rPr lang="en-US" altLang="zh-CN" sz="2400" b="0" i="1" smtClean="0">
+                            <a:latin typeface="Cambria Math" panose="02040503050406030204" pitchFamily="18" charset="0"/>
+                          </a:rPr>
+                          <m:t>𝑛</m:t>
+                        </m:r>
+                      </m:sub>
+                    </m:sSub>
+                    <m:r>
+                      <a:rPr lang="en-US" altLang="zh-CN" sz="2400" b="0" i="1" smtClean="0">
+                        <a:latin typeface="Cambria Math" panose="02040503050406030204" pitchFamily="18" charset="0"/>
+                      </a:rPr>
+                      <m:t>+0.5</m:t>
+                    </m:r>
+                    <m:r>
+                      <a:rPr lang="en-US" altLang="zh-CN" sz="2400" b="0" i="1" smtClean="0">
+                        <a:latin typeface="Cambria Math" panose="02040503050406030204" pitchFamily="18" charset="0"/>
+                      </a:rPr>
+                      <m:t>h</m:t>
+                    </m:r>
+                    <m:r>
+                      <a:rPr lang="en-US" altLang="zh-CN" sz="2400" b="0" i="1" smtClean="0">
+                        <a:latin typeface="Cambria Math" panose="02040503050406030204" pitchFamily="18" charset="0"/>
+                      </a:rPr>
+                      <m:t>𝜆</m:t>
+                    </m:r>
+                    <m:sSub>
+                      <m:sSubPr>
+                        <m:ctrlPr>
+                          <a:rPr lang="en-US" altLang="zh-CN" sz="2400" b="0" i="1" smtClean="0">
+                            <a:latin typeface="Cambria Math" panose="02040503050406030204" pitchFamily="18" charset="0"/>
+                          </a:rPr>
+                        </m:ctrlPr>
+                      </m:sSubPr>
+                      <m:e>
+                        <m:r>
+                          <a:rPr lang="en-US" altLang="zh-CN" sz="2400" b="0" i="1" smtClean="0">
+                            <a:latin typeface="Cambria Math" panose="02040503050406030204" pitchFamily="18" charset="0"/>
+                          </a:rPr>
+                          <m:t>𝑥</m:t>
+                        </m:r>
+                      </m:e>
+                      <m:sub>
+                        <m:r>
+                          <a:rPr lang="en-US" altLang="zh-CN" sz="2400" b="0" i="1" smtClean="0">
+                            <a:latin typeface="Cambria Math" panose="02040503050406030204" pitchFamily="18" charset="0"/>
+                          </a:rPr>
+                          <m:t>𝑛</m:t>
+                        </m:r>
+                      </m:sub>
+                    </m:sSub>
+                    <m:r>
+                      <a:rPr lang="en-US" altLang="zh-CN" sz="2400" b="0" i="1" smtClean="0">
+                        <a:latin typeface="Cambria Math" panose="02040503050406030204" pitchFamily="18" charset="0"/>
+                      </a:rPr>
+                      <m:t>)</m:t>
+                    </m:r>
+                  </m:oMath>
+                </a14:m>
+                <a:endParaRPr lang="en-US" altLang="zh-CN" sz="2400" b="0" dirty="0"/>
+              </a:p>
+              <a:p>
+                <a:pPr marL="0" indent="0">
+                  <a:buNone/>
+                </a:pPr>
+                <a:r>
+                  <a:rPr lang="en-US" altLang="zh-CN" sz="2400" b="0" dirty="0"/>
+                  <a:t>	</a:t>
+                </a:r>
+                <a14:m>
+                  <m:oMath xmlns:m="http://schemas.openxmlformats.org/officeDocument/2006/math">
+                    <m:r>
+                      <a:rPr lang="en-US" altLang="zh-CN" sz="2400" b="0" i="0" smtClean="0">
+                        <a:latin typeface="Cambria Math" panose="02040503050406030204" pitchFamily="18" charset="0"/>
+                      </a:rPr>
+                      <m:t>           </m:t>
+                    </m:r>
+                    <m:r>
+                      <a:rPr lang="en-US" altLang="zh-CN" sz="2400" b="0" i="1" smtClean="0">
+                        <a:latin typeface="Cambria Math" panose="02040503050406030204" pitchFamily="18" charset="0"/>
+                      </a:rPr>
+                      <m:t>=</m:t>
+                    </m:r>
+                    <m:sSub>
+                      <m:sSubPr>
+                        <m:ctrlPr>
+                          <a:rPr lang="en-US" altLang="zh-CN" sz="2400" b="0" i="1" smtClean="0">
+                            <a:latin typeface="Cambria Math" panose="02040503050406030204" pitchFamily="18" charset="0"/>
+                          </a:rPr>
+                        </m:ctrlPr>
+                      </m:sSubPr>
+                      <m:e>
+                        <m:r>
+                          <a:rPr lang="en-US" altLang="zh-CN" sz="2400" b="0" i="1" smtClean="0">
+                            <a:latin typeface="Cambria Math" panose="02040503050406030204" pitchFamily="18" charset="0"/>
+                          </a:rPr>
+                          <m:t>𝑥</m:t>
+                        </m:r>
+                      </m:e>
+                      <m:sub>
+                        <m:r>
+                          <a:rPr lang="en-US" altLang="zh-CN" sz="2400" b="0" i="1" smtClean="0">
+                            <a:latin typeface="Cambria Math" panose="02040503050406030204" pitchFamily="18" charset="0"/>
+                          </a:rPr>
+                          <m:t>𝑛</m:t>
+                        </m:r>
+                      </m:sub>
+                    </m:sSub>
+                    <m:d>
+                      <m:dPr>
+                        <m:ctrlPr>
+                          <a:rPr lang="en-US" altLang="zh-CN" sz="2400" b="0" i="1" smtClean="0">
+                            <a:latin typeface="Cambria Math" panose="02040503050406030204" pitchFamily="18" charset="0"/>
+                          </a:rPr>
+                        </m:ctrlPr>
+                      </m:dPr>
+                      <m:e>
+                        <m:r>
+                          <a:rPr lang="en-US" altLang="zh-CN" sz="2400" b="0" i="1" smtClean="0">
+                            <a:latin typeface="Cambria Math" panose="02040503050406030204" pitchFamily="18" charset="0"/>
+                          </a:rPr>
+                          <m:t>1+</m:t>
+                        </m:r>
+                        <m:r>
+                          <a:rPr lang="en-US" altLang="zh-CN" sz="2400" b="0" i="1" smtClean="0">
+                            <a:latin typeface="Cambria Math" panose="02040503050406030204" pitchFamily="18" charset="0"/>
+                          </a:rPr>
+                          <m:t>h</m:t>
+                        </m:r>
+                        <m:r>
+                          <a:rPr lang="en-US" altLang="zh-CN" sz="2400" b="0" i="1" smtClean="0">
+                            <a:latin typeface="Cambria Math" panose="02040503050406030204" pitchFamily="18" charset="0"/>
+                          </a:rPr>
+                          <m:t>𝜆</m:t>
+                        </m:r>
+                        <m:r>
+                          <a:rPr lang="en-US" altLang="zh-CN" sz="2400" b="0" i="1" smtClean="0">
+                            <a:latin typeface="Cambria Math" panose="02040503050406030204" pitchFamily="18" charset="0"/>
+                          </a:rPr>
+                          <m:t>+0.5</m:t>
+                        </m:r>
+                        <m:sSup>
+                          <m:sSupPr>
+                            <m:ctrlPr>
+                              <a:rPr lang="en-US" altLang="zh-CN" sz="2400" b="0" i="1" smtClean="0">
+                                <a:latin typeface="Cambria Math" panose="02040503050406030204" pitchFamily="18" charset="0"/>
+                              </a:rPr>
+                            </m:ctrlPr>
+                          </m:sSupPr>
+                          <m:e>
+                            <m:d>
+                              <m:dPr>
+                                <m:ctrlPr>
+                                  <a:rPr lang="en-US" altLang="zh-CN" sz="2400" b="0" i="1" smtClean="0">
+                                    <a:latin typeface="Cambria Math" panose="02040503050406030204" pitchFamily="18" charset="0"/>
+                                  </a:rPr>
+                                </m:ctrlPr>
+                              </m:dPr>
+                              <m:e>
+                                <m:r>
+                                  <a:rPr lang="en-US" altLang="zh-CN" sz="2400" b="0" i="1" smtClean="0">
+                                    <a:latin typeface="Cambria Math" panose="02040503050406030204" pitchFamily="18" charset="0"/>
+                                  </a:rPr>
+                                  <m:t>h</m:t>
+                                </m:r>
+                                <m:r>
+                                  <a:rPr lang="en-US" altLang="zh-CN" sz="2400" b="0" i="1" smtClean="0">
+                                    <a:latin typeface="Cambria Math" panose="02040503050406030204" pitchFamily="18" charset="0"/>
+                                  </a:rPr>
+                                  <m:t>𝜆</m:t>
+                                </m:r>
+                              </m:e>
+                            </m:d>
+                          </m:e>
+                          <m:sup>
+                            <m:r>
+                              <a:rPr lang="en-US" altLang="zh-CN" sz="2400" b="0" i="1" smtClean="0">
+                                <a:latin typeface="Cambria Math" panose="02040503050406030204" pitchFamily="18" charset="0"/>
+                              </a:rPr>
+                              <m:t>2</m:t>
+                            </m:r>
+                          </m:sup>
+                        </m:sSup>
+                      </m:e>
+                    </m:d>
+                  </m:oMath>
+                </a14:m>
+                <a:endParaRPr lang="en-US" altLang="zh-CN" sz="2400" b="0" i="1" dirty="0">
+                  <a:latin typeface="Cambria Math" panose="02040503050406030204" pitchFamily="18" charset="0"/>
+                </a:endParaRPr>
+              </a:p>
+              <a:p>
+                <a:pPr marL="0" indent="0">
+                  <a:buNone/>
+                </a:pPr>
+                <a:r>
+                  <a:rPr lang="en-US" altLang="zh-CN" sz="2400" i="1" dirty="0">
+                    <a:latin typeface="Cambria Math" panose="02040503050406030204" pitchFamily="18" charset="0"/>
+                  </a:rPr>
+                  <a:t>	</a:t>
+                </a:r>
+                <a14:m>
+                  <m:oMath xmlns:m="http://schemas.openxmlformats.org/officeDocument/2006/math">
+                    <m:sSub>
+                      <m:sSubPr>
+                        <m:ctrlPr>
+                          <a:rPr lang="en-US" altLang="zh-CN" sz="2400" b="0" i="1" smtClean="0">
+                            <a:latin typeface="Cambria Math" panose="02040503050406030204" pitchFamily="18" charset="0"/>
+                          </a:rPr>
+                        </m:ctrlPr>
+                      </m:sSubPr>
+                      <m:e>
+                        <m:r>
+                          <a:rPr lang="en-US" altLang="zh-CN" sz="2400" b="0" i="1" smtClean="0">
+                            <a:latin typeface="Cambria Math" panose="02040503050406030204" pitchFamily="18" charset="0"/>
+                          </a:rPr>
+                          <m:t>𝑥</m:t>
+                        </m:r>
+                      </m:e>
+                      <m:sub>
+                        <m:r>
+                          <a:rPr lang="en-US" altLang="zh-CN" sz="2400" b="0" i="1" smtClean="0">
+                            <a:latin typeface="Cambria Math" panose="02040503050406030204" pitchFamily="18" charset="0"/>
+                          </a:rPr>
+                          <m:t>𝑛</m:t>
+                        </m:r>
+                      </m:sub>
+                    </m:sSub>
+                    <m:r>
+                      <a:rPr lang="en-US" altLang="zh-CN" sz="2400" b="0" i="1" smtClean="0">
+                        <a:latin typeface="Cambria Math" panose="02040503050406030204" pitchFamily="18" charset="0"/>
+                      </a:rPr>
+                      <m:t>=</m:t>
+                    </m:r>
+                    <m:sSup>
+                      <m:sSupPr>
+                        <m:ctrlPr>
+                          <a:rPr lang="en-US" altLang="zh-CN" sz="2400" b="0" i="1" smtClean="0">
+                            <a:latin typeface="Cambria Math" panose="02040503050406030204" pitchFamily="18" charset="0"/>
+                          </a:rPr>
+                        </m:ctrlPr>
+                      </m:sSupPr>
+                      <m:e>
+                        <m:d>
+                          <m:dPr>
+                            <m:ctrlPr>
+                              <a:rPr lang="en-US" altLang="zh-CN" sz="2400" b="0" i="1" smtClean="0">
+                                <a:latin typeface="Cambria Math" panose="02040503050406030204" pitchFamily="18" charset="0"/>
+                              </a:rPr>
+                            </m:ctrlPr>
+                          </m:dPr>
+                          <m:e>
+                            <m:r>
+                              <a:rPr lang="en-US" altLang="zh-CN" sz="2400" i="1">
+                                <a:latin typeface="Cambria Math" panose="02040503050406030204" pitchFamily="18" charset="0"/>
+                              </a:rPr>
+                              <m:t>1+</m:t>
+                            </m:r>
+                            <m:r>
+                              <a:rPr lang="en-US" altLang="zh-CN" sz="2400" i="1">
+                                <a:latin typeface="Cambria Math" panose="02040503050406030204" pitchFamily="18" charset="0"/>
+                              </a:rPr>
+                              <m:t>h</m:t>
+                            </m:r>
+                            <m:r>
+                              <a:rPr lang="en-US" altLang="zh-CN" sz="2400" i="1">
+                                <a:latin typeface="Cambria Math" panose="02040503050406030204" pitchFamily="18" charset="0"/>
+                              </a:rPr>
+                              <m:t>𝜆</m:t>
+                            </m:r>
+                            <m:r>
+                              <a:rPr lang="en-US" altLang="zh-CN" sz="2400" i="1">
+                                <a:latin typeface="Cambria Math" panose="02040503050406030204" pitchFamily="18" charset="0"/>
+                              </a:rPr>
+                              <m:t>+0.5</m:t>
+                            </m:r>
+                            <m:sSup>
+                              <m:sSupPr>
+                                <m:ctrlPr>
+                                  <a:rPr lang="en-US" altLang="zh-CN" sz="2400" i="1">
+                                    <a:latin typeface="Cambria Math" panose="02040503050406030204" pitchFamily="18" charset="0"/>
+                                  </a:rPr>
+                                </m:ctrlPr>
+                              </m:sSupPr>
+                              <m:e>
+                                <m:d>
+                                  <m:dPr>
+                                    <m:ctrlPr>
+                                      <a:rPr lang="en-US" altLang="zh-CN" sz="2400" i="1">
+                                        <a:latin typeface="Cambria Math" panose="02040503050406030204" pitchFamily="18" charset="0"/>
+                                      </a:rPr>
+                                    </m:ctrlPr>
+                                  </m:dPr>
+                                  <m:e>
+                                    <m:r>
+                                      <a:rPr lang="en-US" altLang="zh-CN" sz="2400" i="1">
+                                        <a:latin typeface="Cambria Math" panose="02040503050406030204" pitchFamily="18" charset="0"/>
+                                      </a:rPr>
+                                      <m:t>h</m:t>
+                                    </m:r>
+                                    <m:r>
+                                      <a:rPr lang="en-US" altLang="zh-CN" sz="2400" i="1">
+                                        <a:latin typeface="Cambria Math" panose="02040503050406030204" pitchFamily="18" charset="0"/>
+                                      </a:rPr>
+                                      <m:t>𝜆</m:t>
+                                    </m:r>
+                                  </m:e>
+                                </m:d>
+                              </m:e>
+                              <m:sup>
+                                <m:r>
+                                  <a:rPr lang="en-US" altLang="zh-CN" sz="2400" i="1">
+                                    <a:latin typeface="Cambria Math" panose="02040503050406030204" pitchFamily="18" charset="0"/>
+                                  </a:rPr>
+                                  <m:t>2</m:t>
+                                </m:r>
+                              </m:sup>
+                            </m:sSup>
+                          </m:e>
+                        </m:d>
+                      </m:e>
+                      <m:sup>
+                        <m:r>
+                          <a:rPr lang="en-US" altLang="zh-CN" sz="2400" b="0" i="1" smtClean="0">
+                            <a:latin typeface="Cambria Math" panose="02040503050406030204" pitchFamily="18" charset="0"/>
+                          </a:rPr>
+                          <m:t>𝑛</m:t>
+                        </m:r>
+                      </m:sup>
+                    </m:sSup>
+                    <m:sSub>
+                      <m:sSubPr>
+                        <m:ctrlPr>
+                          <a:rPr lang="en-US" altLang="zh-CN" sz="2400" b="0" i="1" smtClean="0">
+                            <a:latin typeface="Cambria Math" panose="02040503050406030204" pitchFamily="18" charset="0"/>
+                          </a:rPr>
+                        </m:ctrlPr>
+                      </m:sSubPr>
+                      <m:e>
+                        <m:r>
+                          <a:rPr lang="en-US" altLang="zh-CN" sz="2400" b="0" i="1" smtClean="0">
+                            <a:latin typeface="Cambria Math" panose="02040503050406030204" pitchFamily="18" charset="0"/>
+                          </a:rPr>
+                          <m:t>𝑥</m:t>
+                        </m:r>
+                      </m:e>
+                      <m:sub>
+                        <m:r>
+                          <a:rPr lang="en-US" altLang="zh-CN" sz="2400" b="0" i="1" smtClean="0">
+                            <a:latin typeface="Cambria Math" panose="02040503050406030204" pitchFamily="18" charset="0"/>
+                          </a:rPr>
+                          <m:t>0</m:t>
+                        </m:r>
+                      </m:sub>
+                    </m:sSub>
+                  </m:oMath>
+                </a14:m>
+                <a:endParaRPr lang="en-US" altLang="zh-CN" sz="2400" dirty="0"/>
+              </a:p>
+              <a:p>
+                <a:pPr marL="0" indent="0">
+                  <a:buNone/>
+                </a:pPr>
+                <a:r>
+                  <a:rPr lang="en-US" altLang="zh-CN" sz="2400" dirty="0"/>
+                  <a:t>Condition of stability:</a:t>
+                </a:r>
+              </a:p>
+              <a:p>
+                <a:pPr marL="0" indent="0">
+                  <a:buNone/>
+                </a:pPr>
+                <a:r>
+                  <a:rPr lang="en-US" altLang="zh-CN" sz="2400" i="1" dirty="0">
+                    <a:latin typeface="Cambria Math" panose="02040503050406030204" pitchFamily="18" charset="0"/>
+                  </a:rPr>
+                  <a:t>           </a:t>
+                </a:r>
+                <a14:m>
+                  <m:oMath xmlns:m="http://schemas.openxmlformats.org/officeDocument/2006/math">
+                    <m:r>
+                      <a:rPr lang="en-US" altLang="zh-CN" sz="2400" i="1">
+                        <a:latin typeface="Cambria Math" panose="02040503050406030204" pitchFamily="18" charset="0"/>
+                      </a:rPr>
+                      <m:t>h</m:t>
+                    </m:r>
+                    <m:r>
+                      <a:rPr lang="en-US" altLang="zh-CN" sz="2400" i="1">
+                        <a:latin typeface="Cambria Math" panose="02040503050406030204" pitchFamily="18" charset="0"/>
+                      </a:rPr>
+                      <m:t>𝜆</m:t>
+                    </m:r>
+                    <m:r>
+                      <a:rPr lang="en-US" altLang="zh-CN" sz="2400" i="1">
+                        <a:latin typeface="Cambria Math" panose="02040503050406030204" pitchFamily="18" charset="0"/>
+                      </a:rPr>
+                      <m:t>=</m:t>
+                    </m:r>
+                    <m:r>
+                      <a:rPr lang="en-US" altLang="zh-CN" sz="2400" i="1">
+                        <a:latin typeface="Cambria Math" panose="02040503050406030204" pitchFamily="18" charset="0"/>
+                      </a:rPr>
+                      <m:t>𝑎</m:t>
+                    </m:r>
+                    <m:r>
+                      <a:rPr lang="en-US" altLang="zh-CN" sz="2400" i="1">
+                        <a:latin typeface="Cambria Math" panose="02040503050406030204" pitchFamily="18" charset="0"/>
+                      </a:rPr>
+                      <m:t>+</m:t>
+                    </m:r>
+                    <m:r>
+                      <a:rPr lang="en-US" altLang="zh-CN" sz="2400" i="1">
+                        <a:latin typeface="Cambria Math" panose="02040503050406030204" pitchFamily="18" charset="0"/>
+                      </a:rPr>
+                      <m:t>𝑖𝑏</m:t>
+                    </m:r>
+                    <m:r>
+                      <a:rPr lang="en-US" altLang="zh-CN" sz="2400" i="1">
+                        <a:latin typeface="Cambria Math" panose="02040503050406030204" pitchFamily="18" charset="0"/>
+                      </a:rPr>
+                      <m:t>,   </m:t>
+                    </m:r>
+                    <m:d>
+                      <m:dPr>
+                        <m:begChr m:val="|"/>
+                        <m:endChr m:val="|"/>
+                        <m:ctrlPr>
+                          <a:rPr lang="en-US" altLang="zh-CN" sz="2400" i="1" smtClean="0">
+                            <a:latin typeface="Cambria Math" panose="02040503050406030204" pitchFamily="18" charset="0"/>
+                          </a:rPr>
+                        </m:ctrlPr>
+                      </m:dPr>
+                      <m:e>
+                        <m:r>
+                          <a:rPr lang="en-US" altLang="zh-CN" sz="2400" i="1">
+                            <a:latin typeface="Cambria Math" panose="02040503050406030204" pitchFamily="18" charset="0"/>
+                          </a:rPr>
+                          <m:t>1+</m:t>
+                        </m:r>
+                        <m:r>
+                          <a:rPr lang="en-US" altLang="zh-CN" sz="2400" i="1">
+                            <a:latin typeface="Cambria Math" panose="02040503050406030204" pitchFamily="18" charset="0"/>
+                          </a:rPr>
+                          <m:t>h</m:t>
+                        </m:r>
+                        <m:r>
+                          <a:rPr lang="en-US" altLang="zh-CN" sz="2400" i="1">
+                            <a:latin typeface="Cambria Math" panose="02040503050406030204" pitchFamily="18" charset="0"/>
+                          </a:rPr>
+                          <m:t>𝜆</m:t>
+                        </m:r>
+                        <m:r>
+                          <a:rPr lang="en-US" altLang="zh-CN" sz="2400" i="1">
+                            <a:latin typeface="Cambria Math" panose="02040503050406030204" pitchFamily="18" charset="0"/>
+                          </a:rPr>
+                          <m:t>+0.5</m:t>
+                        </m:r>
+                        <m:sSup>
+                          <m:sSupPr>
+                            <m:ctrlPr>
+                              <a:rPr lang="en-US" altLang="zh-CN" sz="2400" i="1">
+                                <a:latin typeface="Cambria Math" panose="02040503050406030204" pitchFamily="18" charset="0"/>
+                              </a:rPr>
+                            </m:ctrlPr>
+                          </m:sSupPr>
+                          <m:e>
+                            <m:d>
+                              <m:dPr>
+                                <m:ctrlPr>
+                                  <a:rPr lang="en-US" altLang="zh-CN" sz="2400" i="1">
+                                    <a:latin typeface="Cambria Math" panose="02040503050406030204" pitchFamily="18" charset="0"/>
+                                  </a:rPr>
+                                </m:ctrlPr>
+                              </m:dPr>
+                              <m:e>
+                                <m:r>
+                                  <a:rPr lang="en-US" altLang="zh-CN" sz="2400" i="1">
+                                    <a:latin typeface="Cambria Math" panose="02040503050406030204" pitchFamily="18" charset="0"/>
+                                  </a:rPr>
+                                  <m:t>h</m:t>
+                                </m:r>
+                                <m:r>
+                                  <a:rPr lang="en-US" altLang="zh-CN" sz="2400" i="1">
+                                    <a:latin typeface="Cambria Math" panose="02040503050406030204" pitchFamily="18" charset="0"/>
+                                  </a:rPr>
+                                  <m:t>𝜆</m:t>
+                                </m:r>
+                              </m:e>
+                            </m:d>
+                          </m:e>
+                          <m:sup>
+                            <m:r>
+                              <a:rPr lang="en-US" altLang="zh-CN" sz="2400" i="1">
+                                <a:latin typeface="Cambria Math" panose="02040503050406030204" pitchFamily="18" charset="0"/>
+                              </a:rPr>
+                              <m:t>2</m:t>
+                            </m:r>
+                          </m:sup>
+                        </m:sSup>
+                      </m:e>
+                    </m:d>
+                    <m:r>
+                      <a:rPr lang="en-US" altLang="zh-CN" sz="2400" i="1" smtClean="0">
+                        <a:latin typeface="Cambria Math" panose="02040503050406030204" pitchFamily="18" charset="0"/>
+                        <a:ea typeface="Cambria Math" panose="02040503050406030204" pitchFamily="18" charset="0"/>
+                      </a:rPr>
+                      <m:t>≤</m:t>
+                    </m:r>
+                    <m:r>
+                      <a:rPr lang="en-US" altLang="zh-CN" sz="2400" b="0" i="1" smtClean="0">
+                        <a:latin typeface="Cambria Math" panose="02040503050406030204" pitchFamily="18" charset="0"/>
+                        <a:ea typeface="Cambria Math" panose="02040503050406030204" pitchFamily="18" charset="0"/>
+                      </a:rPr>
+                      <m:t>1</m:t>
+                    </m:r>
+                  </m:oMath>
+                </a14:m>
+                <a:endParaRPr lang="en-US" altLang="zh-CN" sz="2400" b="0" dirty="0"/>
+              </a:p>
+              <a:p>
+                <a:pPr marL="0" indent="0">
+                  <a:buNone/>
+                </a:pPr>
+                <a:r>
+                  <a:rPr lang="en-US" altLang="zh-CN" sz="2400" dirty="0"/>
+                  <a:t>		</a:t>
+                </a:r>
+                <a14:m>
+                  <m:oMath xmlns:m="http://schemas.openxmlformats.org/officeDocument/2006/math">
+                    <m:d>
+                      <m:dPr>
+                        <m:begChr m:val="|"/>
+                        <m:endChr m:val="|"/>
+                        <m:ctrlPr>
+                          <a:rPr lang="en-US" altLang="zh-CN" sz="2400" i="1" smtClean="0">
+                            <a:latin typeface="Cambria Math" panose="02040503050406030204" pitchFamily="18" charset="0"/>
+                          </a:rPr>
+                        </m:ctrlPr>
+                      </m:dPr>
+                      <m:e>
+                        <m:d>
+                          <m:dPr>
+                            <m:begChr m:val="["/>
+                            <m:endChr m:val="]"/>
+                            <m:ctrlPr>
+                              <a:rPr lang="en-US" altLang="zh-CN" sz="2400" i="1" smtClean="0">
+                                <a:latin typeface="Cambria Math" panose="02040503050406030204" pitchFamily="18" charset="0"/>
+                              </a:rPr>
+                            </m:ctrlPr>
+                          </m:dPr>
+                          <m:e>
+                            <m:m>
+                              <m:mPr>
+                                <m:mcs>
+                                  <m:mc>
+                                    <m:mcPr>
+                                      <m:count m:val="1"/>
+                                      <m:mcJc m:val="center"/>
+                                    </m:mcPr>
+                                  </m:mc>
+                                </m:mcs>
+                                <m:ctrlPr>
+                                  <a:rPr lang="en-US" altLang="zh-CN" sz="2400" b="0" i="1" smtClean="0">
+                                    <a:latin typeface="Cambria Math" panose="02040503050406030204" pitchFamily="18" charset="0"/>
+                                  </a:rPr>
+                                </m:ctrlPr>
+                              </m:mPr>
+                              <m:mr>
+                                <m:e>
+                                  <m:r>
+                                    <m:rPr>
+                                      <m:brk m:alnAt="7"/>
+                                    </m:rPr>
+                                    <a:rPr lang="en-US" altLang="zh-CN" sz="2400" b="0" i="1" smtClean="0">
+                                      <a:latin typeface="Cambria Math" panose="02040503050406030204" pitchFamily="18" charset="0"/>
+                                    </a:rPr>
+                                    <m:t>1+</m:t>
+                                  </m:r>
+                                  <m:r>
+                                    <a:rPr lang="en-US" altLang="zh-CN" sz="2400" b="0" i="1" smtClean="0">
+                                      <a:latin typeface="Cambria Math" panose="02040503050406030204" pitchFamily="18" charset="0"/>
+                                    </a:rPr>
+                                    <m:t>𝑎</m:t>
+                                  </m:r>
+                                  <m:r>
+                                    <a:rPr lang="en-US" altLang="zh-CN" sz="2400" b="0" i="1" smtClean="0">
+                                      <a:latin typeface="Cambria Math" panose="02040503050406030204" pitchFamily="18" charset="0"/>
+                                    </a:rPr>
+                                    <m:t>+</m:t>
+                                  </m:r>
+                                  <m:f>
+                                    <m:fPr>
+                                      <m:ctrlPr>
+                                        <a:rPr lang="en-US" altLang="zh-CN" sz="2400" b="0" i="1" smtClean="0">
+                                          <a:latin typeface="Cambria Math" panose="02040503050406030204" pitchFamily="18" charset="0"/>
+                                        </a:rPr>
+                                      </m:ctrlPr>
+                                    </m:fPr>
+                                    <m:num>
+                                      <m:sSup>
+                                        <m:sSupPr>
+                                          <m:ctrlPr>
+                                            <a:rPr lang="en-US" altLang="zh-CN" sz="2400" b="0" i="1" smtClean="0">
+                                              <a:latin typeface="Cambria Math" panose="02040503050406030204" pitchFamily="18" charset="0"/>
+                                            </a:rPr>
+                                          </m:ctrlPr>
+                                        </m:sSupPr>
+                                        <m:e>
+                                          <m:r>
+                                            <a:rPr lang="en-US" altLang="zh-CN" sz="2400" b="0" i="1" smtClean="0">
+                                              <a:latin typeface="Cambria Math" panose="02040503050406030204" pitchFamily="18" charset="0"/>
+                                            </a:rPr>
+                                            <m:t>𝑎</m:t>
+                                          </m:r>
+                                        </m:e>
+                                        <m:sup>
+                                          <m:r>
+                                            <a:rPr lang="en-US" altLang="zh-CN" sz="2400" b="0" i="1" smtClean="0">
+                                              <a:latin typeface="Cambria Math" panose="02040503050406030204" pitchFamily="18" charset="0"/>
+                                            </a:rPr>
+                                            <m:t>2</m:t>
+                                          </m:r>
+                                        </m:sup>
+                                      </m:sSup>
+                                      <m:r>
+                                        <a:rPr lang="en-US" altLang="zh-CN" sz="2400" b="0" i="1" smtClean="0">
+                                          <a:latin typeface="Cambria Math" panose="02040503050406030204" pitchFamily="18" charset="0"/>
+                                        </a:rPr>
+                                        <m:t>−</m:t>
+                                      </m:r>
+                                      <m:sSup>
+                                        <m:sSupPr>
+                                          <m:ctrlPr>
+                                            <a:rPr lang="en-US" altLang="zh-CN" sz="2400" b="0" i="1" smtClean="0">
+                                              <a:latin typeface="Cambria Math" panose="02040503050406030204" pitchFamily="18" charset="0"/>
+                                            </a:rPr>
+                                          </m:ctrlPr>
+                                        </m:sSupPr>
+                                        <m:e>
+                                          <m:r>
+                                            <a:rPr lang="en-US" altLang="zh-CN" sz="2400" b="0" i="1" smtClean="0">
+                                              <a:latin typeface="Cambria Math" panose="02040503050406030204" pitchFamily="18" charset="0"/>
+                                            </a:rPr>
+                                            <m:t>𝑏</m:t>
+                                          </m:r>
+                                        </m:e>
+                                        <m:sup>
+                                          <m:r>
+                                            <a:rPr lang="en-US" altLang="zh-CN" sz="2400" b="0" i="1" smtClean="0">
+                                              <a:latin typeface="Cambria Math" panose="02040503050406030204" pitchFamily="18" charset="0"/>
+                                            </a:rPr>
+                                            <m:t>2</m:t>
+                                          </m:r>
+                                        </m:sup>
+                                      </m:sSup>
+                                    </m:num>
+                                    <m:den>
+                                      <m:r>
+                                        <a:rPr lang="en-US" altLang="zh-CN" sz="2400" b="0" i="1" smtClean="0">
+                                          <a:latin typeface="Cambria Math" panose="02040503050406030204" pitchFamily="18" charset="0"/>
+                                        </a:rPr>
+                                        <m:t>2</m:t>
+                                      </m:r>
+                                    </m:den>
+                                  </m:f>
+                                </m:e>
+                              </m:mr>
+                              <m:mr>
+                                <m:e>
+                                  <m:r>
+                                    <a:rPr lang="en-US" altLang="zh-CN" sz="2400" b="0" i="1" smtClean="0">
+                                      <a:latin typeface="Cambria Math" panose="02040503050406030204" pitchFamily="18" charset="0"/>
+                                    </a:rPr>
+                                    <m:t>𝑏</m:t>
+                                  </m:r>
+                                  <m:r>
+                                    <a:rPr lang="en-US" altLang="zh-CN" sz="2400" b="0" i="1" smtClean="0">
+                                      <a:latin typeface="Cambria Math" panose="02040503050406030204" pitchFamily="18" charset="0"/>
+                                    </a:rPr>
+                                    <m:t>+</m:t>
+                                  </m:r>
+                                  <m:r>
+                                    <a:rPr lang="en-US" altLang="zh-CN" sz="2400" b="0" i="1" smtClean="0">
+                                      <a:latin typeface="Cambria Math" panose="02040503050406030204" pitchFamily="18" charset="0"/>
+                                    </a:rPr>
+                                    <m:t>𝑎𝑏</m:t>
+                                  </m:r>
+                                </m:e>
+                              </m:mr>
+                            </m:m>
+                          </m:e>
+                        </m:d>
+                      </m:e>
+                    </m:d>
+                    <m:r>
+                      <a:rPr lang="en-US" altLang="zh-CN" sz="2400" i="1" smtClean="0">
+                        <a:latin typeface="Cambria Math" panose="02040503050406030204" pitchFamily="18" charset="0"/>
+                        <a:ea typeface="Cambria Math" panose="02040503050406030204" pitchFamily="18" charset="0"/>
+                      </a:rPr>
+                      <m:t>≤</m:t>
+                    </m:r>
+                    <m:r>
+                      <a:rPr lang="en-US" altLang="zh-CN" sz="2400" b="0" i="1" smtClean="0">
+                        <a:latin typeface="Cambria Math" panose="02040503050406030204" pitchFamily="18" charset="0"/>
+                        <a:ea typeface="Cambria Math" panose="02040503050406030204" pitchFamily="18" charset="0"/>
+                      </a:rPr>
+                      <m:t>1</m:t>
+                    </m:r>
+                  </m:oMath>
+                </a14:m>
+                <a:endParaRPr lang="en-US" altLang="zh-CN" sz="2400" dirty="0"/>
+              </a:p>
+            </p:txBody>
+          </p:sp>
+        </mc:Choice>
+        <mc:Fallback>
+          <p:sp>
+            <p:nvSpPr>
+              <p:cNvPr id="8" name="内容占位符 2">
+                <a:extLst>
+                  <a:ext uri="{FF2B5EF4-FFF2-40B4-BE49-F238E27FC236}">
+                    <a16:creationId xmlns:a16="http://schemas.microsoft.com/office/drawing/2014/main" id="{0E3FF9F4-39DA-4163-8E0A-871D26A6C1A4}"/>
+                  </a:ext>
+                </a:extLst>
+              </p:cNvPr>
+              <p:cNvSpPr>
+                <a:spLocks noGrp="1" noRot="1" noChangeAspect="1" noMove="1" noResize="1" noEditPoints="1" noAdjustHandles="1" noChangeArrowheads="1" noChangeShapeType="1" noTextEdit="1"/>
+              </p:cNvSpPr>
+              <p:nvPr>
+                <p:ph idx="1"/>
+              </p:nvPr>
+            </p:nvSpPr>
+            <p:spPr>
+              <a:xfrm>
+                <a:off x="838200" y="1825625"/>
+                <a:ext cx="10515600" cy="4351338"/>
+              </a:xfrm>
+              <a:blipFill>
+                <a:blip r:embed="rId2"/>
+                <a:stretch>
+                  <a:fillRect l="-1217" t="-2521"/>
+                </a:stretch>
+              </a:blipFill>
+            </p:spPr>
+            <p:txBody>
+              <a:bodyPr/>
+              <a:lstStyle/>
+              <a:p>
+                <a:r>
+                  <a:rPr lang="zh-CN" altLang="en-US">
+                    <a:noFill/>
+                  </a:rPr>
+                  <a:t> </a:t>
+                </a:r>
+              </a:p>
+            </p:txBody>
+          </p:sp>
+        </mc:Fallback>
+      </mc:AlternateContent>
+      <p:pic>
+        <p:nvPicPr>
+          <p:cNvPr id="10" name="图片 9">
+            <a:extLst>
+              <a:ext uri="{FF2B5EF4-FFF2-40B4-BE49-F238E27FC236}">
+                <a16:creationId xmlns:a16="http://schemas.microsoft.com/office/drawing/2014/main" id="{011703B0-60A9-4DE6-BC80-4804573F117D}"/>
+              </a:ext>
+            </a:extLst>
+          </p:cNvPr>
+          <p:cNvPicPr>
+            <a:picLocks noChangeAspect="1"/>
+          </p:cNvPicPr>
+          <p:nvPr/>
+        </p:nvPicPr>
+        <p:blipFill>
+          <a:blip r:embed="rId3">
+            <a:extLst>
+              <a:ext uri="{28A0092B-C50C-407E-A947-70E740481C1C}">
+                <a14:useLocalDpi xmlns:a14="http://schemas.microsoft.com/office/drawing/2010/main" val="0"/>
+              </a:ext>
+            </a:extLst>
+          </a:blip>
+          <a:stretch>
+            <a:fillRect/>
+          </a:stretch>
+        </p:blipFill>
+        <p:spPr>
+          <a:xfrm>
+            <a:off x="7007128" y="3780669"/>
+            <a:ext cx="4822160" cy="2468487"/>
+          </a:xfrm>
+          <a:prstGeom prst="rect">
+            <a:avLst/>
+          </a:prstGeom>
+        </p:spPr>
+      </p:pic>
+      <p:cxnSp>
+        <p:nvCxnSpPr>
+          <p:cNvPr id="11" name="直接连接符 10">
+            <a:extLst>
+              <a:ext uri="{FF2B5EF4-FFF2-40B4-BE49-F238E27FC236}">
+                <a16:creationId xmlns:a16="http://schemas.microsoft.com/office/drawing/2014/main" id="{CDA9F5B4-4CD5-49B5-A4F7-E14A9BA92A1C}"/>
+              </a:ext>
+            </a:extLst>
+          </p:cNvPr>
+          <p:cNvCxnSpPr/>
+          <p:nvPr/>
+        </p:nvCxnSpPr>
+        <p:spPr>
+          <a:xfrm>
+            <a:off x="9009888" y="2554674"/>
+            <a:ext cx="2743200" cy="0"/>
+          </a:xfrm>
+          <a:prstGeom prst="line">
+            <a:avLst/>
+          </a:prstGeom>
+        </p:spPr>
+        <p:style>
+          <a:lnRef idx="1">
+            <a:schemeClr val="dk1"/>
+          </a:lnRef>
+          <a:fillRef idx="0">
+            <a:schemeClr val="dk1"/>
+          </a:fillRef>
+          <a:effectRef idx="0">
+            <a:schemeClr val="dk1"/>
+          </a:effectRef>
+          <a:fontRef idx="minor">
+            <a:schemeClr val="tx1"/>
+          </a:fontRef>
+        </p:style>
+      </p:cxnSp>
+      <p:cxnSp>
+        <p:nvCxnSpPr>
+          <p:cNvPr id="12" name="直接连接符 11">
+            <a:extLst>
+              <a:ext uri="{FF2B5EF4-FFF2-40B4-BE49-F238E27FC236}">
+                <a16:creationId xmlns:a16="http://schemas.microsoft.com/office/drawing/2014/main" id="{80868CD7-D5DE-4CF3-B42A-2635DE7AA928}"/>
+              </a:ext>
+            </a:extLst>
+          </p:cNvPr>
+          <p:cNvCxnSpPr>
+            <a:cxnSpLocks/>
+          </p:cNvCxnSpPr>
+          <p:nvPr/>
+        </p:nvCxnSpPr>
+        <p:spPr>
+          <a:xfrm>
+            <a:off x="11341608" y="1359858"/>
+            <a:ext cx="44666" cy="2292096"/>
+          </a:xfrm>
+          <a:prstGeom prst="line">
+            <a:avLst/>
+          </a:prstGeom>
+        </p:spPr>
+        <p:style>
+          <a:lnRef idx="1">
+            <a:schemeClr val="dk1"/>
+          </a:lnRef>
+          <a:fillRef idx="0">
+            <a:schemeClr val="dk1"/>
+          </a:fillRef>
+          <a:effectRef idx="0">
+            <a:schemeClr val="dk1"/>
+          </a:effectRef>
+          <a:fontRef idx="minor">
+            <a:schemeClr val="tx1"/>
+          </a:fontRef>
+        </p:style>
+      </p:cxnSp>
+      <p:sp>
+        <p:nvSpPr>
+          <p:cNvPr id="13" name="椭圆 12">
+            <a:extLst>
+              <a:ext uri="{FF2B5EF4-FFF2-40B4-BE49-F238E27FC236}">
+                <a16:creationId xmlns:a16="http://schemas.microsoft.com/office/drawing/2014/main" id="{20757743-9E11-4638-9A1B-88F8FB1768E0}"/>
+              </a:ext>
+            </a:extLst>
+          </p:cNvPr>
+          <p:cNvSpPr/>
+          <p:nvPr/>
+        </p:nvSpPr>
+        <p:spPr>
+          <a:xfrm>
+            <a:off x="10171176" y="1980571"/>
+            <a:ext cx="1182624" cy="1171577"/>
+          </a:xfrm>
+          <a:prstGeom prst="ellipse">
+            <a:avLst/>
+          </a:prstGeom>
+          <a:noFill/>
+          <a:ln w="19050" cap="flat" cmpd="sng" algn="ctr">
+            <a:solidFill>
+              <a:schemeClr val="accent1"/>
+            </a:solidFill>
+            <a:prstDash val="solid"/>
+            <a:round/>
+            <a:headEnd type="none" w="med" len="med"/>
+            <a:tailEnd type="none" w="med" len="med"/>
+          </a:ln>
+        </p:spPr>
+        <p:style>
+          <a:lnRef idx="0">
+            <a:scrgbClr r="0" g="0" b="0"/>
+          </a:lnRef>
+          <a:fillRef idx="0">
+            <a:scrgbClr r="0" g="0" b="0"/>
+          </a:fillRef>
+          <a:effectRef idx="0">
+            <a:scrgbClr r="0" g="0" b="0"/>
+          </a:effectRef>
+          <a:fontRef idx="minor">
+            <a:schemeClr val="accent1"/>
+          </a:fontRef>
+        </p:style>
+        <p:txBody>
+          <a:bodyPr rtlCol="0" anchor="ctr"/>
+          <a:lstStyle/>
+          <a:p>
+            <a:pPr algn="ctr"/>
+            <a:endParaRPr lang="zh-CN" altLang="en-US"/>
+          </a:p>
+        </p:txBody>
+      </p:sp>
+      <p:sp>
+        <p:nvSpPr>
+          <p:cNvPr id="14" name="文本框 13">
+            <a:extLst>
+              <a:ext uri="{FF2B5EF4-FFF2-40B4-BE49-F238E27FC236}">
+                <a16:creationId xmlns:a16="http://schemas.microsoft.com/office/drawing/2014/main" id="{40470E6E-A53D-4C33-AED9-33DBB9FB2644}"/>
+              </a:ext>
+            </a:extLst>
+          </p:cNvPr>
+          <p:cNvSpPr txBox="1"/>
+          <p:nvPr/>
+        </p:nvSpPr>
+        <p:spPr>
+          <a:xfrm>
+            <a:off x="9820551" y="2590305"/>
+            <a:ext cx="421910" cy="369332"/>
+          </a:xfrm>
+          <a:prstGeom prst="rect">
+            <a:avLst/>
+          </a:prstGeom>
+          <a:noFill/>
+        </p:spPr>
+        <p:txBody>
+          <a:bodyPr wrap="none" rtlCol="0">
+            <a:spAutoFit/>
+          </a:bodyPr>
+          <a:lstStyle/>
+          <a:p>
+            <a:r>
+              <a:rPr lang="en-US" altLang="zh-CN" dirty="0"/>
+              <a:t>-2</a:t>
+            </a:r>
+            <a:endParaRPr lang="zh-CN" altLang="en-US" dirty="0"/>
+          </a:p>
+        </p:txBody>
+      </p:sp>
+      <p:sp>
+        <p:nvSpPr>
+          <p:cNvPr id="15" name="文本框 14">
+            <a:extLst>
+              <a:ext uri="{FF2B5EF4-FFF2-40B4-BE49-F238E27FC236}">
+                <a16:creationId xmlns:a16="http://schemas.microsoft.com/office/drawing/2014/main" id="{EDA11340-F5E9-4FF8-8FAA-BB3D7AAED230}"/>
+              </a:ext>
+            </a:extLst>
+          </p:cNvPr>
+          <p:cNvSpPr txBox="1"/>
+          <p:nvPr/>
+        </p:nvSpPr>
+        <p:spPr>
+          <a:xfrm>
+            <a:off x="11363941" y="2581925"/>
+            <a:ext cx="306494" cy="369332"/>
+          </a:xfrm>
+          <a:prstGeom prst="rect">
+            <a:avLst/>
+          </a:prstGeom>
+          <a:noFill/>
+        </p:spPr>
+        <p:txBody>
+          <a:bodyPr wrap="none" rtlCol="0">
+            <a:spAutoFit/>
+          </a:bodyPr>
+          <a:lstStyle/>
+          <a:p>
+            <a:r>
+              <a:rPr lang="en-US" altLang="zh-CN" dirty="0"/>
+              <a:t>0</a:t>
+            </a:r>
+            <a:endParaRPr lang="zh-CN" altLang="en-US" dirty="0"/>
+          </a:p>
+        </p:txBody>
+      </p:sp>
+      <p:sp>
+        <p:nvSpPr>
+          <p:cNvPr id="16" name="椭圆 15">
+            <a:extLst>
+              <a:ext uri="{FF2B5EF4-FFF2-40B4-BE49-F238E27FC236}">
+                <a16:creationId xmlns:a16="http://schemas.microsoft.com/office/drawing/2014/main" id="{892855B5-09BC-4171-A3DE-27D8CE59EC7E}"/>
+              </a:ext>
+            </a:extLst>
+          </p:cNvPr>
+          <p:cNvSpPr/>
+          <p:nvPr/>
+        </p:nvSpPr>
+        <p:spPr>
+          <a:xfrm>
+            <a:off x="10167287" y="1655895"/>
+            <a:ext cx="1198705" cy="1846931"/>
+          </a:xfrm>
+          <a:prstGeom prst="ellipse">
+            <a:avLst/>
+          </a:prstGeom>
+          <a:noFill/>
+          <a:ln w="19050" cap="flat" cmpd="sng" algn="ctr">
+            <a:solidFill>
+              <a:srgbClr val="FF0000"/>
+            </a:solidFill>
+            <a:prstDash val="solid"/>
+            <a:round/>
+            <a:headEnd type="none" w="med" len="med"/>
+            <a:tailEnd type="none" w="med" len="med"/>
+          </a:ln>
+        </p:spPr>
+        <p:style>
+          <a:lnRef idx="0">
+            <a:scrgbClr r="0" g="0" b="0"/>
+          </a:lnRef>
+          <a:fillRef idx="0">
+            <a:scrgbClr r="0" g="0" b="0"/>
+          </a:fillRef>
+          <a:effectRef idx="0">
+            <a:scrgbClr r="0" g="0" b="0"/>
+          </a:effectRef>
+          <a:fontRef idx="minor">
+            <a:schemeClr val="accent4"/>
+          </a:fontRef>
+        </p:style>
+        <p:txBody>
+          <a:bodyPr rtlCol="0" anchor="ctr"/>
+          <a:lstStyle/>
+          <a:p>
+            <a:pPr algn="ctr"/>
+            <a:endParaRPr lang="zh-CN" altLang="en-US"/>
+          </a:p>
+        </p:txBody>
+      </p:sp>
+      <p:sp>
+        <p:nvSpPr>
+          <p:cNvPr id="18" name="文本框 17">
+            <a:extLst>
+              <a:ext uri="{FF2B5EF4-FFF2-40B4-BE49-F238E27FC236}">
+                <a16:creationId xmlns:a16="http://schemas.microsoft.com/office/drawing/2014/main" id="{7F44481B-C02C-469A-98D9-31E493AB3314}"/>
+              </a:ext>
+            </a:extLst>
+          </p:cNvPr>
+          <p:cNvSpPr txBox="1"/>
+          <p:nvPr/>
+        </p:nvSpPr>
+        <p:spPr>
+          <a:xfrm>
+            <a:off x="838200" y="6243510"/>
+            <a:ext cx="10991088" cy="646331"/>
+          </a:xfrm>
+          <a:prstGeom prst="rect">
+            <a:avLst/>
+          </a:prstGeom>
+          <a:noFill/>
+        </p:spPr>
+        <p:txBody>
+          <a:bodyPr wrap="square">
+            <a:spAutoFit/>
+          </a:bodyPr>
+          <a:lstStyle/>
+          <a:p>
+            <a:pPr algn="l"/>
+            <a:r>
+              <a:rPr lang="en-US" altLang="zh-CN" sz="1800" b="0" i="0" u="none" strike="noStrike" baseline="0" dirty="0" err="1">
+                <a:latin typeface="Calibri Light" panose="020F0302020204030204" pitchFamily="34" charset="0"/>
+              </a:rPr>
+              <a:t>Symplectic</a:t>
+            </a:r>
+            <a:r>
+              <a:rPr lang="en-US" altLang="zh-CN" sz="1800" b="0" i="0" u="none" strike="noStrike" baseline="0" dirty="0">
+                <a:latin typeface="Calibri Light" panose="020F0302020204030204" pitchFamily="34" charset="0"/>
+              </a:rPr>
+              <a:t> Euler is as </a:t>
+            </a:r>
+            <a:r>
+              <a:rPr lang="en-US" altLang="zh-CN" sz="1800" b="1" i="0" u="none" strike="noStrike" baseline="0" dirty="0">
+                <a:latin typeface="Calibri Light" panose="020F0302020204030204" pitchFamily="34" charset="0"/>
+              </a:rPr>
+              <a:t>fast</a:t>
+            </a:r>
+            <a:r>
+              <a:rPr lang="en-US" altLang="zh-CN" sz="1800" b="0" i="0" u="none" strike="noStrike" baseline="0" dirty="0">
+                <a:latin typeface="Calibri Light" panose="020F0302020204030204" pitchFamily="34" charset="0"/>
+              </a:rPr>
+              <a:t> as forward Euler. It has been widely used in </a:t>
+            </a:r>
+            <a:r>
+              <a:rPr lang="en-US" altLang="zh-CN" sz="1800" b="1" i="0" u="none" strike="noStrike" baseline="0" dirty="0">
+                <a:latin typeface="Calibri Light" panose="020F0302020204030204" pitchFamily="34" charset="0"/>
+              </a:rPr>
+              <a:t>accuracy centric applications </a:t>
+            </a:r>
+            <a:r>
+              <a:rPr lang="en-US" altLang="zh-CN" sz="1800" b="0" i="0" u="none" strike="noStrike" baseline="0" dirty="0">
+                <a:latin typeface="Calibri Light" panose="020F0302020204030204" pitchFamily="34" charset="0"/>
+              </a:rPr>
+              <a:t>(astronomy simulation / molecular dynamics </a:t>
+            </a:r>
+            <a:r>
+              <a:rPr lang="en-US" altLang="zh-CN" sz="1800" b="0" i="0" u="none" strike="noStrike" baseline="0" dirty="0" err="1">
+                <a:latin typeface="Calibri Light" panose="020F0302020204030204" pitchFamily="34" charset="0"/>
+              </a:rPr>
+              <a:t>etc</a:t>
+            </a:r>
+            <a:r>
+              <a:rPr lang="en-US" altLang="zh-CN" sz="1800" b="0" i="0" u="none" strike="noStrike" baseline="0" dirty="0">
+                <a:latin typeface="Calibri Light" panose="020F0302020204030204" pitchFamily="34" charset="0"/>
+              </a:rPr>
+              <a:t>).</a:t>
+            </a:r>
+            <a:endParaRPr lang="zh-CN" altLang="en-US" dirty="0"/>
+          </a:p>
+        </p:txBody>
+      </p:sp>
+    </p:spTree>
+    <p:extLst>
+      <p:ext uri="{BB962C8B-B14F-4D97-AF65-F5344CB8AC3E}">
+        <p14:creationId xmlns:p14="http://schemas.microsoft.com/office/powerpoint/2010/main" val="2245657135"/>
       </p:ext>
     </p:extLst>
   </p:cSld>

--- a/20220725_simulation/Deformable Simulation.pptx
+++ b/20220725_simulation/Deformable Simulation.pptx
@@ -4100,8 +4100,8 @@
           </a:prstGeom>
         </p:spPr>
       </p:pic>
-      <mc:AlternateContent xmlns:mc="http://schemas.openxmlformats.org/markup-compatibility/2006">
-        <mc:Choice xmlns:a14="http://schemas.microsoft.com/office/drawing/2010/main" Requires="a14">
+      <mc:AlternateContent xmlns:mc="http://schemas.openxmlformats.org/markup-compatibility/2006" xmlns:a14="http://schemas.microsoft.com/office/drawing/2010/main">
+        <mc:Choice Requires="a14">
           <p:sp>
             <p:nvSpPr>
               <p:cNvPr id="8" name="文本框 7">
@@ -4130,6 +4130,7 @@
               </a:bodyPr>
               <a:lstStyle/>
               <a:p>
+                <a:pPr/>
                 <a14:m>
                   <m:oMathPara xmlns:m="http://schemas.openxmlformats.org/officeDocument/2006/math">
                     <m:oMathParaPr>
@@ -4156,7 +4157,7 @@
             </p:txBody>
           </p:sp>
         </mc:Choice>
-        <mc:Fallback>
+        <mc:Fallback xmlns="">
           <p:sp>
             <p:nvSpPr>
               <p:cNvPr id="8" name="文本框 7">
@@ -4201,8 +4202,8 @@
           </p:sp>
         </mc:Fallback>
       </mc:AlternateContent>
-      <mc:AlternateContent xmlns:mc="http://schemas.openxmlformats.org/markup-compatibility/2006">
-        <mc:Choice xmlns:a14="http://schemas.microsoft.com/office/drawing/2010/main" Requires="a14">
+      <mc:AlternateContent xmlns:mc="http://schemas.openxmlformats.org/markup-compatibility/2006" xmlns:a14="http://schemas.microsoft.com/office/drawing/2010/main">
+        <mc:Choice Requires="a14">
           <p:sp>
             <p:nvSpPr>
               <p:cNvPr id="9" name="文本框 8">
@@ -4231,6 +4232,7 @@
               </a:bodyPr>
               <a:lstStyle/>
               <a:p>
+                <a:pPr/>
                 <a14:m>
                   <m:oMathPara xmlns:m="http://schemas.openxmlformats.org/officeDocument/2006/math">
                     <m:oMathParaPr>
@@ -4260,7 +4262,7 @@
             </p:txBody>
           </p:sp>
         </mc:Choice>
-        <mc:Fallback>
+        <mc:Fallback xmlns="">
           <p:sp>
             <p:nvSpPr>
               <p:cNvPr id="9" name="文本框 8">
@@ -4550,8 +4552,8 @@
           </a:p>
         </p:txBody>
       </p:sp>
-      <mc:AlternateContent xmlns:mc="http://schemas.openxmlformats.org/markup-compatibility/2006">
-        <mc:Choice xmlns:a14="http://schemas.microsoft.com/office/drawing/2010/main" Requires="a14">
+      <mc:AlternateContent xmlns:mc="http://schemas.openxmlformats.org/markup-compatibility/2006" xmlns:a14="http://schemas.microsoft.com/office/drawing/2010/main">
+        <mc:Choice Requires="a14">
           <p:sp>
             <p:nvSpPr>
               <p:cNvPr id="5" name="内容占位符 2">
@@ -4828,7 +4830,6 @@
                 <a:endParaRPr lang="en-US" altLang="zh-CN" sz="2000" dirty="0"/>
               </a:p>
               <a:p>
-                <a:pPr/>
                 <a:r>
                   <a:rPr lang="en-US" altLang="zh-CN" sz="2400" dirty="0"/>
                   <a:t>How to describe the elastic energy?</a:t>
@@ -5028,7 +5029,7 @@
             </p:txBody>
           </p:sp>
         </mc:Choice>
-        <mc:Fallback>
+        <mc:Fallback xmlns="">
           <p:sp>
             <p:nvSpPr>
               <p:cNvPr id="5" name="内容占位符 2">
@@ -5145,8 +5146,8 @@
           </a:prstGeom>
         </p:spPr>
       </p:pic>
-      <mc:AlternateContent xmlns:mc="http://schemas.openxmlformats.org/markup-compatibility/2006">
-        <mc:Choice xmlns:a14="http://schemas.microsoft.com/office/drawing/2010/main" Requires="a14">
+      <mc:AlternateContent xmlns:mc="http://schemas.openxmlformats.org/markup-compatibility/2006" xmlns:a14="http://schemas.microsoft.com/office/drawing/2010/main">
+        <mc:Choice Requires="a14">
           <p:sp>
             <p:nvSpPr>
               <p:cNvPr id="14" name="文本框 13">
@@ -5175,6 +5176,7 @@
               </a:bodyPr>
               <a:lstStyle/>
               <a:p>
+                <a:pPr/>
                 <a14:m>
                   <m:oMathPara xmlns:m="http://schemas.openxmlformats.org/officeDocument/2006/math">
                     <m:oMathParaPr>
@@ -5237,7 +5239,7 @@
             </p:txBody>
           </p:sp>
         </mc:Choice>
-        <mc:Fallback>
+        <mc:Fallback xmlns="">
           <p:sp>
             <p:nvSpPr>
               <p:cNvPr id="14" name="文本框 13">
@@ -5695,7 +5697,7 @@
         <p:spPr>
           <a:xfrm>
             <a:off x="2424330" y="5616166"/>
-            <a:ext cx="1832553" cy="646331"/>
+            <a:ext cx="1957587" cy="646331"/>
           </a:xfrm>
           <a:prstGeom prst="rect">
             <a:avLst/>
@@ -5710,12 +5712,16 @@
           <a:p>
             <a:r>
               <a:rPr lang="en-US" altLang="zh-CN" sz="1800" b="0" i="0" u="none" strike="noStrike" baseline="0" dirty="0">
-                <a:latin typeface="Calibri Light" panose="020F0302020204030204" pitchFamily="34" charset="0"/>
+                <a:latin typeface="+mn-ea"/>
               </a:rPr>
               <a:t>       Cloth Sim</a:t>
             </a:r>
           </a:p>
           <a:p>
+            <a:r>
+              <a:rPr lang="en-US" altLang="zh-CN" dirty="0"/>
+              <a:t> </a:t>
+            </a:r>
             <a:r>
               <a:rPr lang="en-US" altLang="zh-CN" dirty="0" err="1"/>
               <a:t>Dinev</a:t>
@@ -7438,8 +7444,8 @@
           </a:prstGeom>
         </p:spPr>
       </p:pic>
-      <mc:AlternateContent xmlns:mc="http://schemas.openxmlformats.org/markup-compatibility/2006">
-        <mc:Choice xmlns:a14="http://schemas.microsoft.com/office/drawing/2010/main" Requires="a14">
+      <mc:AlternateContent xmlns:mc="http://schemas.openxmlformats.org/markup-compatibility/2006" xmlns:a14="http://schemas.microsoft.com/office/drawing/2010/main">
+        <mc:Choice Requires="a14">
           <p:sp>
             <p:nvSpPr>
               <p:cNvPr id="9" name="内容占位符 2">
@@ -8488,7 +8494,7 @@
             </p:txBody>
           </p:sp>
         </mc:Choice>
-        <mc:Fallback>
+        <mc:Fallback xmlns="">
           <p:sp>
             <p:nvSpPr>
               <p:cNvPr id="9" name="内容占位符 2">
@@ -10246,8 +10252,8 @@
           </a:prstGeom>
         </p:spPr>
       </p:pic>
-      <mc:AlternateContent xmlns:mc="http://schemas.openxmlformats.org/markup-compatibility/2006">
-        <mc:Choice xmlns:a14="http://schemas.microsoft.com/office/drawing/2010/main" Requires="a14">
+      <mc:AlternateContent xmlns:mc="http://schemas.openxmlformats.org/markup-compatibility/2006" xmlns:a14="http://schemas.microsoft.com/office/drawing/2010/main">
+        <mc:Choice Requires="a14">
           <p:sp>
             <p:nvSpPr>
               <p:cNvPr id="9" name="内容占位符 2">
@@ -11653,7 +11659,7 @@
             </p:txBody>
           </p:sp>
         </mc:Choice>
-        <mc:Fallback>
+        <mc:Fallback xmlns="">
           <p:sp>
             <p:nvSpPr>
               <p:cNvPr id="9" name="内容占位符 2">
@@ -12842,8 +12848,8 @@
           </a:p>
         </p:txBody>
       </p:sp>
-      <mc:AlternateContent xmlns:mc="http://schemas.openxmlformats.org/markup-compatibility/2006">
-        <mc:Choice xmlns:a14="http://schemas.microsoft.com/office/drawing/2010/main" Requires="a14">
+      <mc:AlternateContent xmlns:mc="http://schemas.openxmlformats.org/markup-compatibility/2006" xmlns:a14="http://schemas.microsoft.com/office/drawing/2010/main">
+        <mc:Choice Requires="a14">
           <p:sp>
             <p:nvSpPr>
               <p:cNvPr id="9" name="内容占位符 2">
@@ -15750,7 +15756,7 @@
             </p:txBody>
           </p:sp>
         </mc:Choice>
-        <mc:Fallback>
+        <mc:Fallback xmlns="">
           <p:sp>
             <p:nvSpPr>
               <p:cNvPr id="9" name="内容占位符 2">
@@ -15997,8 +16003,8 @@
           </a:p>
         </p:txBody>
       </p:sp>
-      <mc:AlternateContent xmlns:mc="http://schemas.openxmlformats.org/markup-compatibility/2006">
-        <mc:Choice xmlns:a14="http://schemas.microsoft.com/office/drawing/2010/main" Requires="a14">
+      <mc:AlternateContent xmlns:mc="http://schemas.openxmlformats.org/markup-compatibility/2006" xmlns:a14="http://schemas.microsoft.com/office/drawing/2010/main">
+        <mc:Choice Requires="a14">
           <p:sp>
             <p:nvSpPr>
               <p:cNvPr id="8" name="内容占位符 2">
@@ -16871,7 +16877,13 @@
                                     <a:rPr lang="en-US" altLang="zh-CN" sz="2400" b="0" i="1" smtClean="0">
                                       <a:latin typeface="Cambria Math" panose="02040503050406030204" pitchFamily="18" charset="0"/>
                                     </a:rPr>
-                                    <m:t>1+</m:t>
+                                    <m:t>1</m:t>
+                                  </m:r>
+                                  <m:r>
+                                    <a:rPr lang="en-US" altLang="zh-CN" sz="2400" b="0" i="1" smtClean="0">
+                                      <a:latin typeface="Cambria Math" panose="02040503050406030204" pitchFamily="18" charset="0"/>
+                                    </a:rPr>
+                                    <m:t>+</m:t>
                                   </m:r>
                                   <m:r>
                                     <a:rPr lang="en-US" altLang="zh-CN" sz="2400" b="0" i="1" smtClean="0">
@@ -17010,7 +17022,7 @@
             </p:txBody>
           </p:sp>
         </mc:Choice>
-        <mc:Fallback>
+        <mc:Fallback xmlns="">
           <p:sp>
             <p:nvSpPr>
               <p:cNvPr id="8" name="内容占位符 2">

--- a/20220725_simulation/Deformable Simulation.pptx
+++ b/20220725_simulation/Deformable Simulation.pptx
@@ -17,6 +17,7 @@
     <p:sldId id="265" r:id="rId11"/>
     <p:sldId id="266" r:id="rId12"/>
     <p:sldId id="267" r:id="rId13"/>
+    <p:sldId id="268" r:id="rId14"/>
   </p:sldIdLst>
   <p:sldSz cx="12192000" cy="6858000"/>
   <p:notesSz cx="6858000" cy="9144000"/>
@@ -270,7 +271,7 @@
           <a:p>
             <a:fld id="{33791A2C-FC72-48B7-BD31-E3696B249E7F}" type="datetimeFigureOut">
               <a:rPr lang="zh-CN" altLang="en-US" smtClean="0"/>
-              <a:t>2022/7/21</a:t>
+              <a:t>2022/7/22</a:t>
             </a:fld>
             <a:endParaRPr lang="zh-CN" altLang="en-US"/>
           </a:p>
@@ -468,7 +469,7 @@
           <a:p>
             <a:fld id="{33791A2C-FC72-48B7-BD31-E3696B249E7F}" type="datetimeFigureOut">
               <a:rPr lang="zh-CN" altLang="en-US" smtClean="0"/>
-              <a:t>2022/7/21</a:t>
+              <a:t>2022/7/22</a:t>
             </a:fld>
             <a:endParaRPr lang="zh-CN" altLang="en-US"/>
           </a:p>
@@ -676,7 +677,7 @@
           <a:p>
             <a:fld id="{33791A2C-FC72-48B7-BD31-E3696B249E7F}" type="datetimeFigureOut">
               <a:rPr lang="zh-CN" altLang="en-US" smtClean="0"/>
-              <a:t>2022/7/21</a:t>
+              <a:t>2022/7/22</a:t>
             </a:fld>
             <a:endParaRPr lang="zh-CN" altLang="en-US"/>
           </a:p>
@@ -874,7 +875,7 @@
           <a:p>
             <a:fld id="{33791A2C-FC72-48B7-BD31-E3696B249E7F}" type="datetimeFigureOut">
               <a:rPr lang="zh-CN" altLang="en-US" smtClean="0"/>
-              <a:t>2022/7/21</a:t>
+              <a:t>2022/7/22</a:t>
             </a:fld>
             <a:endParaRPr lang="zh-CN" altLang="en-US"/>
           </a:p>
@@ -1149,7 +1150,7 @@
           <a:p>
             <a:fld id="{33791A2C-FC72-48B7-BD31-E3696B249E7F}" type="datetimeFigureOut">
               <a:rPr lang="zh-CN" altLang="en-US" smtClean="0"/>
-              <a:t>2022/7/21</a:t>
+              <a:t>2022/7/22</a:t>
             </a:fld>
             <a:endParaRPr lang="zh-CN" altLang="en-US"/>
           </a:p>
@@ -1414,7 +1415,7 @@
           <a:p>
             <a:fld id="{33791A2C-FC72-48B7-BD31-E3696B249E7F}" type="datetimeFigureOut">
               <a:rPr lang="zh-CN" altLang="en-US" smtClean="0"/>
-              <a:t>2022/7/21</a:t>
+              <a:t>2022/7/22</a:t>
             </a:fld>
             <a:endParaRPr lang="zh-CN" altLang="en-US"/>
           </a:p>
@@ -1826,7 +1827,7 @@
           <a:p>
             <a:fld id="{33791A2C-FC72-48B7-BD31-E3696B249E7F}" type="datetimeFigureOut">
               <a:rPr lang="zh-CN" altLang="en-US" smtClean="0"/>
-              <a:t>2022/7/21</a:t>
+              <a:t>2022/7/22</a:t>
             </a:fld>
             <a:endParaRPr lang="zh-CN" altLang="en-US"/>
           </a:p>
@@ -1967,7 +1968,7 @@
           <a:p>
             <a:fld id="{33791A2C-FC72-48B7-BD31-E3696B249E7F}" type="datetimeFigureOut">
               <a:rPr lang="zh-CN" altLang="en-US" smtClean="0"/>
-              <a:t>2022/7/21</a:t>
+              <a:t>2022/7/22</a:t>
             </a:fld>
             <a:endParaRPr lang="zh-CN" altLang="en-US"/>
           </a:p>
@@ -2080,7 +2081,7 @@
           <a:p>
             <a:fld id="{33791A2C-FC72-48B7-BD31-E3696B249E7F}" type="datetimeFigureOut">
               <a:rPr lang="zh-CN" altLang="en-US" smtClean="0"/>
-              <a:t>2022/7/21</a:t>
+              <a:t>2022/7/22</a:t>
             </a:fld>
             <a:endParaRPr lang="zh-CN" altLang="en-US"/>
           </a:p>
@@ -2391,7 +2392,7 @@
           <a:p>
             <a:fld id="{33791A2C-FC72-48B7-BD31-E3696B249E7F}" type="datetimeFigureOut">
               <a:rPr lang="zh-CN" altLang="en-US" smtClean="0"/>
-              <a:t>2022/7/21</a:t>
+              <a:t>2022/7/22</a:t>
             </a:fld>
             <a:endParaRPr lang="zh-CN" altLang="en-US"/>
           </a:p>
@@ -2679,7 +2680,7 @@
           <a:p>
             <a:fld id="{33791A2C-FC72-48B7-BD31-E3696B249E7F}" type="datetimeFigureOut">
               <a:rPr lang="zh-CN" altLang="en-US" smtClean="0"/>
-              <a:t>2022/7/21</a:t>
+              <a:t>2022/7/22</a:t>
             </a:fld>
             <a:endParaRPr lang="zh-CN" altLang="en-US"/>
           </a:p>
@@ -2920,7 +2921,7 @@
           <a:p>
             <a:fld id="{33791A2C-FC72-48B7-BD31-E3696B249E7F}" type="datetimeFigureOut">
               <a:rPr lang="zh-CN" altLang="en-US" smtClean="0"/>
-              <a:t>2022/7/21</a:t>
+              <a:t>2022/7/22</a:t>
             </a:fld>
             <a:endParaRPr lang="zh-CN" altLang="en-US"/>
           </a:p>
@@ -5641,7 +5642,28 @@
           <a:p>
             <a:r>
               <a:rPr lang="en-US" altLang="zh-CN" sz="2400" dirty="0"/>
-              <a:t>Aggregate the volume mass to the vertices</a:t>
+              <a:t>Mass-spring systems are particularly useful in:</a:t>
+            </a:r>
+          </a:p>
+          <a:p>
+            <a:endParaRPr lang="en-US" altLang="zh-CN" sz="2400" dirty="0"/>
+          </a:p>
+          <a:p>
+            <a:endParaRPr lang="en-US" altLang="zh-CN" sz="2400" dirty="0"/>
+          </a:p>
+          <a:p>
+            <a:endParaRPr lang="en-US" altLang="zh-CN" sz="2400" dirty="0"/>
+          </a:p>
+          <a:p>
+            <a:endParaRPr lang="en-US" altLang="zh-CN" sz="2400" dirty="0"/>
+          </a:p>
+          <a:p>
+            <a:endParaRPr lang="en-US" altLang="zh-CN" sz="2400" dirty="0"/>
+          </a:p>
+          <a:p>
+            <a:r>
+              <a:rPr lang="en-US" altLang="zh-CN" sz="2400" dirty="0"/>
+              <a:t>Mass-spring systems are NOT the best choices when simulating continuum area/volume</a:t>
             </a:r>
           </a:p>
         </p:txBody>
@@ -5674,8 +5696,8 @@
         </p:blipFill>
         <p:spPr>
           <a:xfrm>
-            <a:off x="844709" y="2758086"/>
-            <a:ext cx="4991797" cy="2791215"/>
+            <a:off x="1615930" y="2477670"/>
+            <a:ext cx="2825083" cy="1579674"/>
           </a:xfrm>
           <a:prstGeom prst="rect">
             <a:avLst/>
@@ -5696,8 +5718,8 @@
         </p:nvSpPr>
         <p:spPr>
           <a:xfrm>
-            <a:off x="2424330" y="5616166"/>
-            <a:ext cx="1957587" cy="646331"/>
+            <a:off x="2267686" y="4012438"/>
+            <a:ext cx="1521570" cy="523220"/>
           </a:xfrm>
           <a:prstGeom prst="rect">
             <a:avLst/>
@@ -5711,7 +5733,7 @@
           <a:lstStyle/>
           <a:p>
             <a:r>
-              <a:rPr lang="en-US" altLang="zh-CN" sz="1800" b="0" i="0" u="none" strike="noStrike" baseline="0" dirty="0">
+              <a:rPr lang="en-US" altLang="zh-CN" sz="1400" b="0" i="0" u="none" strike="noStrike" baseline="0" dirty="0">
                 <a:latin typeface="+mn-ea"/>
               </a:rPr>
               <a:t>       Cloth Sim</a:t>
@@ -5719,18 +5741,18 @@
           </a:p>
           <a:p>
             <a:r>
-              <a:rPr lang="en-US" altLang="zh-CN" dirty="0"/>
+              <a:rPr lang="en-US" altLang="zh-CN" sz="1400" dirty="0"/>
               <a:t> </a:t>
             </a:r>
             <a:r>
-              <a:rPr lang="en-US" altLang="zh-CN" dirty="0" err="1"/>
+              <a:rPr lang="en-US" altLang="zh-CN" sz="1400" dirty="0" err="1"/>
               <a:t>Dinev</a:t>
             </a:r>
             <a:r>
-              <a:rPr lang="en-US" altLang="zh-CN" dirty="0"/>
+              <a:rPr lang="en-US" altLang="zh-CN" sz="1400" dirty="0"/>
               <a:t> et al. 2018</a:t>
             </a:r>
-            <a:endParaRPr lang="zh-CN" altLang="en-US" dirty="0"/>
+            <a:endParaRPr lang="zh-CN" altLang="en-US" sz="1400" dirty="0"/>
           </a:p>
         </p:txBody>
       </p:sp>
@@ -5762,8 +5784,8 @@
         </p:blipFill>
         <p:spPr>
           <a:xfrm>
-            <a:off x="7603744" y="2758086"/>
-            <a:ext cx="3251200" cy="2438400"/>
+            <a:off x="7341986" y="2477670"/>
+            <a:ext cx="2046357" cy="1534768"/>
           </a:xfrm>
           <a:prstGeom prst="rect">
             <a:avLst/>
@@ -5784,8 +5806,8 @@
         </p:nvSpPr>
         <p:spPr>
           <a:xfrm>
-            <a:off x="8365165" y="5549301"/>
-            <a:ext cx="1728358" cy="646331"/>
+            <a:off x="7669300" y="4012438"/>
+            <a:ext cx="1391728" cy="523220"/>
           </a:xfrm>
           <a:prstGeom prst="rect">
             <a:avLst/>
@@ -5799,27 +5821,143 @@
           <a:lstStyle/>
           <a:p>
             <a:r>
-              <a:rPr lang="en-US" altLang="zh-CN" dirty="0"/>
+              <a:rPr lang="en-US" altLang="zh-CN" sz="1400" dirty="0"/>
               <a:t>      Hair Sim</a:t>
             </a:r>
           </a:p>
           <a:p>
             <a:r>
-              <a:rPr lang="en-US" altLang="zh-CN" dirty="0" err="1"/>
+              <a:rPr lang="en-US" altLang="zh-CN" sz="1400" dirty="0" err="1"/>
               <a:t>Selle</a:t>
             </a:r>
             <a:r>
-              <a:rPr lang="en-US" altLang="zh-CN" dirty="0"/>
+              <a:rPr lang="en-US" altLang="zh-CN" sz="1400" dirty="0"/>
               <a:t> et al. 2018</a:t>
             </a:r>
-            <a:endParaRPr lang="zh-CN" altLang="en-US" dirty="0"/>
+            <a:endParaRPr lang="zh-CN" altLang="en-US" sz="1400" dirty="0"/>
+          </a:p>
+        </p:txBody>
+      </p:sp>
+      <p:pic>
+        <p:nvPicPr>
+          <p:cNvPr id="3" name="图片 2" descr="图片包含 起子, 游戏机, 电缆, 刀&#10;&#10;描述已自动生成">
+            <a:extLst>
+              <a:ext uri="{FF2B5EF4-FFF2-40B4-BE49-F238E27FC236}">
+                <a16:creationId xmlns:a16="http://schemas.microsoft.com/office/drawing/2014/main" id="{8CF1127E-2566-4DBE-B092-1036ADEC19C5}"/>
+              </a:ext>
+            </a:extLst>
+          </p:cNvPr>
+          <p:cNvPicPr>
+            <a:picLocks noChangeAspect="1"/>
+          </p:cNvPicPr>
+          <p:nvPr/>
+        </p:nvPicPr>
+        <p:blipFill>
+          <a:blip r:embed="rId4">
+            <a:extLst>
+              <a:ext uri="{28A0092B-C50C-407E-A947-70E740481C1C}">
+                <a14:useLocalDpi xmlns:a14="http://schemas.microsoft.com/office/drawing/2010/main" val="0"/>
+              </a:ext>
+            </a:extLst>
+          </a:blip>
+          <a:stretch>
+            <a:fillRect/>
+          </a:stretch>
+        </p:blipFill>
+        <p:spPr>
+          <a:xfrm>
+            <a:off x="4057481" y="5141042"/>
+            <a:ext cx="3745400" cy="1654808"/>
+          </a:xfrm>
+          <a:prstGeom prst="rect">
+            <a:avLst/>
+          </a:prstGeom>
+        </p:spPr>
+      </p:pic>
+    </p:spTree>
+    <p:extLst>
+      <p:ext uri="{BB962C8B-B14F-4D97-AF65-F5344CB8AC3E}">
+        <p14:creationId xmlns:p14="http://schemas.microsoft.com/office/powerpoint/2010/main" val="3841589152"/>
+      </p:ext>
+    </p:extLst>
+  </p:cSld>
+  <p:clrMapOvr>
+    <a:masterClrMapping/>
+  </p:clrMapOvr>
+</p:sld>
+</file>
+
+<file path=ppt/slides/slide13.xml><?xml version="1.0" encoding="utf-8"?>
+<p:sld xmlns:a="http://schemas.openxmlformats.org/drawingml/2006/main" xmlns:r="http://schemas.openxmlformats.org/officeDocument/2006/relationships" xmlns:p="http://schemas.openxmlformats.org/presentationml/2006/main">
+  <p:cSld>
+    <p:spTree>
+      <p:nvGrpSpPr>
+        <p:cNvPr id="1" name=""/>
+        <p:cNvGrpSpPr/>
+        <p:nvPr/>
+      </p:nvGrpSpPr>
+      <p:grpSpPr>
+        <a:xfrm>
+          <a:off x="0" y="0"/>
+          <a:ext cx="0" cy="0"/>
+          <a:chOff x="0" y="0"/>
+          <a:chExt cx="0" cy="0"/>
+        </a:xfrm>
+      </p:grpSpPr>
+      <p:sp>
+        <p:nvSpPr>
+          <p:cNvPr id="2" name="标题 1">
+            <a:extLst>
+              <a:ext uri="{FF2B5EF4-FFF2-40B4-BE49-F238E27FC236}">
+                <a16:creationId xmlns:a16="http://schemas.microsoft.com/office/drawing/2014/main" id="{0ED0CC17-0395-470C-AB53-F6B94A07B135}"/>
+              </a:ext>
+            </a:extLst>
+          </p:cNvPr>
+          <p:cNvSpPr>
+            <a:spLocks noGrp="1"/>
+          </p:cNvSpPr>
+          <p:nvPr>
+            <p:ph type="title"/>
+          </p:nvPr>
+        </p:nvSpPr>
+        <p:spPr/>
+        <p:txBody>
+          <a:bodyPr/>
+          <a:lstStyle/>
+          <a:p>
+            <a:endParaRPr lang="zh-CN" altLang="en-US"/>
+          </a:p>
+        </p:txBody>
+      </p:sp>
+      <p:sp>
+        <p:nvSpPr>
+          <p:cNvPr id="3" name="内容占位符 2">
+            <a:extLst>
+              <a:ext uri="{FF2B5EF4-FFF2-40B4-BE49-F238E27FC236}">
+                <a16:creationId xmlns:a16="http://schemas.microsoft.com/office/drawing/2014/main" id="{CB6905AD-6E46-4166-8343-BFC5D2934E95}"/>
+              </a:ext>
+            </a:extLst>
+          </p:cNvPr>
+          <p:cNvSpPr>
+            <a:spLocks noGrp="1"/>
+          </p:cNvSpPr>
+          <p:nvPr>
+            <p:ph idx="1"/>
+          </p:nvPr>
+        </p:nvSpPr>
+        <p:spPr/>
+        <p:txBody>
+          <a:bodyPr/>
+          <a:lstStyle/>
+          <a:p>
+            <a:endParaRPr lang="zh-CN" altLang="en-US"/>
           </a:p>
         </p:txBody>
       </p:sp>
     </p:spTree>
     <p:extLst>
       <p:ext uri="{BB962C8B-B14F-4D97-AF65-F5344CB8AC3E}">
-        <p14:creationId xmlns:p14="http://schemas.microsoft.com/office/powerpoint/2010/main" val="3841589152"/>
+        <p14:creationId xmlns:p14="http://schemas.microsoft.com/office/powerpoint/2010/main" val="984612736"/>
       </p:ext>
     </p:extLst>
   </p:cSld>

--- a/20220725_simulation/Deformable Simulation.pptx
+++ b/20220725_simulation/Deformable Simulation.pptx
@@ -5906,54 +5906,2000 @@
       </p:grpSpPr>
       <p:sp>
         <p:nvSpPr>
-          <p:cNvPr id="2" name="标题 1">
+          <p:cNvPr id="16" name="矩形 15">
             <a:extLst>
               <a:ext uri="{FF2B5EF4-FFF2-40B4-BE49-F238E27FC236}">
-                <a16:creationId xmlns:a16="http://schemas.microsoft.com/office/drawing/2014/main" id="{0ED0CC17-0395-470C-AB53-F6B94A07B135}"/>
+                <a16:creationId xmlns:a16="http://schemas.microsoft.com/office/drawing/2014/main" id="{11E0F5BA-42A8-4DCA-8BC3-96D768946D0C}"/>
               </a:ext>
             </a:extLst>
           </p:cNvPr>
-          <p:cNvSpPr>
-            <a:spLocks noGrp="1"/>
-          </p:cNvSpPr>
-          <p:nvPr>
-            <p:ph type="title"/>
-          </p:nvPr>
+          <p:cNvSpPr/>
+          <p:nvPr/>
         </p:nvSpPr>
-        <p:spPr/>
+        <p:spPr>
+          <a:xfrm>
+            <a:off x="9561226" y="2550637"/>
+            <a:ext cx="1944974" cy="585225"/>
+          </a:xfrm>
+          <a:prstGeom prst="rect">
+            <a:avLst/>
+          </a:prstGeom>
+          <a:solidFill>
+            <a:schemeClr val="accent4">
+              <a:lumMod val="20000"/>
+              <a:lumOff val="80000"/>
+            </a:schemeClr>
+          </a:solidFill>
+          <a:ln>
+            <a:noFill/>
+          </a:ln>
+        </p:spPr>
+        <p:style>
+          <a:lnRef idx="2">
+            <a:schemeClr val="accent1">
+              <a:shade val="50000"/>
+            </a:schemeClr>
+          </a:lnRef>
+          <a:fillRef idx="1">
+            <a:schemeClr val="accent1"/>
+          </a:fillRef>
+          <a:effectRef idx="0">
+            <a:schemeClr val="accent1"/>
+          </a:effectRef>
+          <a:fontRef idx="minor">
+            <a:schemeClr val="lt1"/>
+          </a:fontRef>
+        </p:style>
         <p:txBody>
-          <a:bodyPr/>
+          <a:bodyPr rtlCol="0" anchor="ctr"/>
           <a:lstStyle/>
           <a:p>
+            <a:pPr algn="ctr"/>
             <a:endParaRPr lang="zh-CN" altLang="en-US"/>
           </a:p>
         </p:txBody>
       </p:sp>
       <p:sp>
         <p:nvSpPr>
-          <p:cNvPr id="3" name="内容占位符 2">
+          <p:cNvPr id="15" name="矩形 14">
             <a:extLst>
               <a:ext uri="{FF2B5EF4-FFF2-40B4-BE49-F238E27FC236}">
-                <a16:creationId xmlns:a16="http://schemas.microsoft.com/office/drawing/2014/main" id="{CB6905AD-6E46-4166-8343-BFC5D2934E95}"/>
+                <a16:creationId xmlns:a16="http://schemas.microsoft.com/office/drawing/2014/main" id="{6F790E05-462A-495D-9A4D-CBA101A44BD4}"/>
               </a:ext>
             </a:extLst>
           </p:cNvPr>
-          <p:cNvSpPr>
-            <a:spLocks noGrp="1"/>
-          </p:cNvSpPr>
-          <p:nvPr>
-            <p:ph idx="1"/>
-          </p:nvPr>
+          <p:cNvSpPr/>
+          <p:nvPr/>
         </p:nvSpPr>
-        <p:spPr/>
+        <p:spPr>
+          <a:xfrm>
+            <a:off x="8723137" y="2445622"/>
+            <a:ext cx="390767" cy="763535"/>
+          </a:xfrm>
+          <a:prstGeom prst="rect">
+            <a:avLst/>
+          </a:prstGeom>
+          <a:solidFill>
+            <a:schemeClr val="accent6">
+              <a:lumMod val="20000"/>
+              <a:lumOff val="80000"/>
+            </a:schemeClr>
+          </a:solidFill>
+          <a:ln>
+            <a:noFill/>
+          </a:ln>
+        </p:spPr>
+        <p:style>
+          <a:lnRef idx="1">
+            <a:schemeClr val="accent6"/>
+          </a:lnRef>
+          <a:fillRef idx="2">
+            <a:schemeClr val="accent6"/>
+          </a:fillRef>
+          <a:effectRef idx="1">
+            <a:schemeClr val="accent6"/>
+          </a:effectRef>
+          <a:fontRef idx="minor">
+            <a:schemeClr val="dk1"/>
+          </a:fontRef>
+        </p:style>
         <p:txBody>
-          <a:bodyPr/>
+          <a:bodyPr rtlCol="0" anchor="ctr"/>
           <a:lstStyle/>
           <a:p>
+            <a:pPr algn="ctr"/>
             <a:endParaRPr lang="zh-CN" altLang="en-US"/>
           </a:p>
         </p:txBody>
       </p:sp>
+      <p:sp>
+        <p:nvSpPr>
+          <p:cNvPr id="4" name="标题 1">
+            <a:extLst>
+              <a:ext uri="{FF2B5EF4-FFF2-40B4-BE49-F238E27FC236}">
+                <a16:creationId xmlns:a16="http://schemas.microsoft.com/office/drawing/2014/main" id="{935C812D-D7B3-4E5E-A938-9EC9C449441B}"/>
+              </a:ext>
+            </a:extLst>
+          </p:cNvPr>
+          <p:cNvSpPr txBox="1">
+            <a:spLocks/>
+          </p:cNvSpPr>
+          <p:nvPr/>
+        </p:nvSpPr>
+        <p:spPr>
+          <a:xfrm>
+            <a:off x="990600" y="517525"/>
+            <a:ext cx="10515600" cy="1325563"/>
+          </a:xfrm>
+          <a:prstGeom prst="rect">
+            <a:avLst/>
+          </a:prstGeom>
+        </p:spPr>
+        <p:txBody>
+          <a:bodyPr vert="horz" lIns="91440" tIns="45720" rIns="91440" bIns="45720" rtlCol="0" anchor="ctr">
+            <a:normAutofit/>
+          </a:bodyPr>
+          <a:lstStyle>
+            <a:lvl1pPr algn="l" defTabSz="914400" rtl="0" eaLnBrk="1" latinLnBrk="0" hangingPunct="1">
+              <a:lnSpc>
+                <a:spcPct val="90000"/>
+              </a:lnSpc>
+              <a:spcBef>
+                <a:spcPct val="0"/>
+              </a:spcBef>
+              <a:buNone/>
+              <a:defRPr sz="4400" kern="1200">
+                <a:solidFill>
+                  <a:schemeClr val="tx1"/>
+                </a:solidFill>
+                <a:latin typeface="+mj-lt"/>
+                <a:ea typeface="+mj-ea"/>
+                <a:cs typeface="+mj-cs"/>
+              </a:defRPr>
+            </a:lvl1pPr>
+          </a:lstStyle>
+          <a:p>
+            <a:r>
+              <a:rPr lang="en-US" altLang="zh-CN" dirty="0">
+                <a:latin typeface="微软雅黑" panose="020B0503020204020204" pitchFamily="34" charset="-122"/>
+                <a:ea typeface="微软雅黑" panose="020B0503020204020204" pitchFamily="34" charset="-122"/>
+              </a:rPr>
+              <a:t>Linear finite element method (FEM)</a:t>
+            </a:r>
+            <a:endParaRPr lang="zh-CN" altLang="en-US" dirty="0">
+              <a:latin typeface="微软雅黑" panose="020B0503020204020204" pitchFamily="34" charset="-122"/>
+              <a:ea typeface="微软雅黑" panose="020B0503020204020204" pitchFamily="34" charset="-122"/>
+            </a:endParaRPr>
+          </a:p>
+        </p:txBody>
+      </p:sp>
+      <mc:AlternateContent xmlns:mc="http://schemas.openxmlformats.org/markup-compatibility/2006">
+        <mc:Choice xmlns:a14="http://schemas.microsoft.com/office/drawing/2010/main" Requires="a14">
+          <p:sp>
+            <p:nvSpPr>
+              <p:cNvPr id="5" name="内容占位符 2">
+                <a:extLst>
+                  <a:ext uri="{FF2B5EF4-FFF2-40B4-BE49-F238E27FC236}">
+                    <a16:creationId xmlns:a16="http://schemas.microsoft.com/office/drawing/2014/main" id="{E1D4550C-8E55-4AA8-9EAB-AF6F39495D8C}"/>
+                  </a:ext>
+                </a:extLst>
+              </p:cNvPr>
+              <p:cNvSpPr txBox="1">
+                <a:spLocks/>
+              </p:cNvSpPr>
+              <p:nvPr/>
+            </p:nvSpPr>
+            <p:spPr>
+              <a:xfrm>
+                <a:off x="990600" y="1978025"/>
+                <a:ext cx="10515600" cy="4351338"/>
+              </a:xfrm>
+              <a:prstGeom prst="rect">
+                <a:avLst/>
+              </a:prstGeom>
+            </p:spPr>
+            <p:txBody>
+              <a:bodyPr vert="horz" lIns="91440" tIns="45720" rIns="91440" bIns="45720" rtlCol="0">
+                <a:normAutofit/>
+              </a:bodyPr>
+              <a:lstStyle>
+                <a:lvl1pPr marL="228600" indent="-228600" algn="l" defTabSz="914400" rtl="0" eaLnBrk="1" latinLnBrk="0" hangingPunct="1">
+                  <a:lnSpc>
+                    <a:spcPct val="90000"/>
+                  </a:lnSpc>
+                  <a:spcBef>
+                    <a:spcPts val="1000"/>
+                  </a:spcBef>
+                  <a:buFont typeface="Arial" panose="020B0604020202020204" pitchFamily="34" charset="0"/>
+                  <a:buChar char="•"/>
+                  <a:defRPr sz="2800" kern="1200">
+                    <a:solidFill>
+                      <a:schemeClr val="tx1"/>
+                    </a:solidFill>
+                    <a:latin typeface="+mn-lt"/>
+                    <a:ea typeface="+mn-ea"/>
+                    <a:cs typeface="+mn-cs"/>
+                  </a:defRPr>
+                </a:lvl1pPr>
+                <a:lvl2pPr marL="685800" indent="-228600" algn="l" defTabSz="914400" rtl="0" eaLnBrk="1" latinLnBrk="0" hangingPunct="1">
+                  <a:lnSpc>
+                    <a:spcPct val="90000"/>
+                  </a:lnSpc>
+                  <a:spcBef>
+                    <a:spcPts val="500"/>
+                  </a:spcBef>
+                  <a:buFont typeface="Arial" panose="020B0604020202020204" pitchFamily="34" charset="0"/>
+                  <a:buChar char="•"/>
+                  <a:defRPr sz="2400" kern="1200">
+                    <a:solidFill>
+                      <a:schemeClr val="tx1"/>
+                    </a:solidFill>
+                    <a:latin typeface="+mn-lt"/>
+                    <a:ea typeface="+mn-ea"/>
+                    <a:cs typeface="+mn-cs"/>
+                  </a:defRPr>
+                </a:lvl2pPr>
+                <a:lvl3pPr marL="1143000" indent="-228600" algn="l" defTabSz="914400" rtl="0" eaLnBrk="1" latinLnBrk="0" hangingPunct="1">
+                  <a:lnSpc>
+                    <a:spcPct val="90000"/>
+                  </a:lnSpc>
+                  <a:spcBef>
+                    <a:spcPts val="500"/>
+                  </a:spcBef>
+                  <a:buFont typeface="Arial" panose="020B0604020202020204" pitchFamily="34" charset="0"/>
+                  <a:buChar char="•"/>
+                  <a:defRPr sz="2000" kern="1200">
+                    <a:solidFill>
+                      <a:schemeClr val="tx1"/>
+                    </a:solidFill>
+                    <a:latin typeface="+mn-lt"/>
+                    <a:ea typeface="+mn-ea"/>
+                    <a:cs typeface="+mn-cs"/>
+                  </a:defRPr>
+                </a:lvl3pPr>
+                <a:lvl4pPr marL="1600200" indent="-228600" algn="l" defTabSz="914400" rtl="0" eaLnBrk="1" latinLnBrk="0" hangingPunct="1">
+                  <a:lnSpc>
+                    <a:spcPct val="90000"/>
+                  </a:lnSpc>
+                  <a:spcBef>
+                    <a:spcPts val="500"/>
+                  </a:spcBef>
+                  <a:buFont typeface="Arial" panose="020B0604020202020204" pitchFamily="34" charset="0"/>
+                  <a:buChar char="•"/>
+                  <a:defRPr sz="1800" kern="1200">
+                    <a:solidFill>
+                      <a:schemeClr val="tx1"/>
+                    </a:solidFill>
+                    <a:latin typeface="+mn-lt"/>
+                    <a:ea typeface="+mn-ea"/>
+                    <a:cs typeface="+mn-cs"/>
+                  </a:defRPr>
+                </a:lvl4pPr>
+                <a:lvl5pPr marL="2057400" indent="-228600" algn="l" defTabSz="914400" rtl="0" eaLnBrk="1" latinLnBrk="0" hangingPunct="1">
+                  <a:lnSpc>
+                    <a:spcPct val="90000"/>
+                  </a:lnSpc>
+                  <a:spcBef>
+                    <a:spcPts val="500"/>
+                  </a:spcBef>
+                  <a:buFont typeface="Arial" panose="020B0604020202020204" pitchFamily="34" charset="0"/>
+                  <a:buChar char="•"/>
+                  <a:defRPr sz="1800" kern="1200">
+                    <a:solidFill>
+                      <a:schemeClr val="tx1"/>
+                    </a:solidFill>
+                    <a:latin typeface="+mn-lt"/>
+                    <a:ea typeface="+mn-ea"/>
+                    <a:cs typeface="+mn-cs"/>
+                  </a:defRPr>
+                </a:lvl5pPr>
+                <a:lvl6pPr marL="2514600" indent="-228600" algn="l" defTabSz="914400" rtl="0" eaLnBrk="1" latinLnBrk="0" hangingPunct="1">
+                  <a:lnSpc>
+                    <a:spcPct val="90000"/>
+                  </a:lnSpc>
+                  <a:spcBef>
+                    <a:spcPts val="500"/>
+                  </a:spcBef>
+                  <a:buFont typeface="Arial" panose="020B0604020202020204" pitchFamily="34" charset="0"/>
+                  <a:buChar char="•"/>
+                  <a:defRPr sz="1800" kern="1200">
+                    <a:solidFill>
+                      <a:schemeClr val="tx1"/>
+                    </a:solidFill>
+                    <a:latin typeface="+mn-lt"/>
+                    <a:ea typeface="+mn-ea"/>
+                    <a:cs typeface="+mn-cs"/>
+                  </a:defRPr>
+                </a:lvl6pPr>
+                <a:lvl7pPr marL="2971800" indent="-228600" algn="l" defTabSz="914400" rtl="0" eaLnBrk="1" latinLnBrk="0" hangingPunct="1">
+                  <a:lnSpc>
+                    <a:spcPct val="90000"/>
+                  </a:lnSpc>
+                  <a:spcBef>
+                    <a:spcPts val="500"/>
+                  </a:spcBef>
+                  <a:buFont typeface="Arial" panose="020B0604020202020204" pitchFamily="34" charset="0"/>
+                  <a:buChar char="•"/>
+                  <a:defRPr sz="1800" kern="1200">
+                    <a:solidFill>
+                      <a:schemeClr val="tx1"/>
+                    </a:solidFill>
+                    <a:latin typeface="+mn-lt"/>
+                    <a:ea typeface="+mn-ea"/>
+                    <a:cs typeface="+mn-cs"/>
+                  </a:defRPr>
+                </a:lvl7pPr>
+                <a:lvl8pPr marL="3429000" indent="-228600" algn="l" defTabSz="914400" rtl="0" eaLnBrk="1" latinLnBrk="0" hangingPunct="1">
+                  <a:lnSpc>
+                    <a:spcPct val="90000"/>
+                  </a:lnSpc>
+                  <a:spcBef>
+                    <a:spcPts val="500"/>
+                  </a:spcBef>
+                  <a:buFont typeface="Arial" panose="020B0604020202020204" pitchFamily="34" charset="0"/>
+                  <a:buChar char="•"/>
+                  <a:defRPr sz="1800" kern="1200">
+                    <a:solidFill>
+                      <a:schemeClr val="tx1"/>
+                    </a:solidFill>
+                    <a:latin typeface="+mn-lt"/>
+                    <a:ea typeface="+mn-ea"/>
+                    <a:cs typeface="+mn-cs"/>
+                  </a:defRPr>
+                </a:lvl8pPr>
+                <a:lvl9pPr marL="3886200" indent="-228600" algn="l" defTabSz="914400" rtl="0" eaLnBrk="1" latinLnBrk="0" hangingPunct="1">
+                  <a:lnSpc>
+                    <a:spcPct val="90000"/>
+                  </a:lnSpc>
+                  <a:spcBef>
+                    <a:spcPts val="500"/>
+                  </a:spcBef>
+                  <a:buFont typeface="Arial" panose="020B0604020202020204" pitchFamily="34" charset="0"/>
+                  <a:buChar char="•"/>
+                  <a:defRPr sz="1800" kern="1200">
+                    <a:solidFill>
+                      <a:schemeClr val="tx1"/>
+                    </a:solidFill>
+                    <a:latin typeface="+mn-lt"/>
+                    <a:ea typeface="+mn-ea"/>
+                    <a:cs typeface="+mn-cs"/>
+                  </a:defRPr>
+                </a:lvl9pPr>
+              </a:lstStyle>
+              <a:p>
+                <a:r>
+                  <a:rPr lang="en-US" altLang="zh-CN" sz="2400" dirty="0"/>
+                  <a:t>How to describe the deformation</a:t>
+                </a:r>
+              </a:p>
+              <a:p>
+                <a:endParaRPr lang="en-US" altLang="zh-CN" sz="2400" dirty="0"/>
+              </a:p>
+              <a:p>
+                <a:endParaRPr lang="en-US" altLang="zh-CN" sz="2400" dirty="0"/>
+              </a:p>
+              <a:p>
+                <a:endParaRPr lang="en-US" altLang="zh-CN" sz="2400" dirty="0"/>
+              </a:p>
+              <a:p>
+                <a:endParaRPr lang="en-US" altLang="zh-CN" sz="2400" dirty="0"/>
+              </a:p>
+              <a:p>
+                <a:endParaRPr lang="en-US" altLang="zh-CN" sz="2400" dirty="0"/>
+              </a:p>
+              <a:p>
+                <a:r>
+                  <a:rPr lang="en-US" altLang="zh-CN" sz="2400" dirty="0"/>
+                  <a:t>Translation: </a:t>
+                </a:r>
+                <a14:m>
+                  <m:oMath xmlns:m="http://schemas.openxmlformats.org/officeDocument/2006/math">
+                    <m:r>
+                      <a:rPr lang="en-US" altLang="zh-CN" sz="2400" b="0" i="1" smtClean="0">
+                        <a:latin typeface="Cambria Math" panose="02040503050406030204" pitchFamily="18" charset="0"/>
+                      </a:rPr>
+                      <m:t>𝜙</m:t>
+                    </m:r>
+                    <m:d>
+                      <m:dPr>
+                        <m:ctrlPr>
+                          <a:rPr lang="en-US" altLang="zh-CN" sz="2400" b="0" i="1" smtClean="0">
+                            <a:latin typeface="Cambria Math" panose="02040503050406030204" pitchFamily="18" charset="0"/>
+                          </a:rPr>
+                        </m:ctrlPr>
+                      </m:dPr>
+                      <m:e>
+                        <m:r>
+                          <a:rPr lang="en-US" altLang="zh-CN" sz="2400" b="1" i="1" smtClean="0">
+                            <a:latin typeface="Cambria Math" panose="02040503050406030204" pitchFamily="18" charset="0"/>
+                          </a:rPr>
+                          <m:t>𝑿</m:t>
+                        </m:r>
+                      </m:e>
+                    </m:d>
+                    <m:r>
+                      <a:rPr lang="en-US" altLang="zh-CN" sz="2400" b="0" i="1" smtClean="0">
+                        <a:latin typeface="Cambria Math" panose="02040503050406030204" pitchFamily="18" charset="0"/>
+                      </a:rPr>
+                      <m:t>=</m:t>
+                    </m:r>
+                    <m:r>
+                      <a:rPr lang="en-US" altLang="zh-CN" sz="2400" b="1" i="1" smtClean="0">
+                        <a:latin typeface="Cambria Math" panose="02040503050406030204" pitchFamily="18" charset="0"/>
+                      </a:rPr>
+                      <m:t>𝑿</m:t>
+                    </m:r>
+                    <m:r>
+                      <a:rPr lang="en-US" altLang="zh-CN" sz="2400" b="0" i="1" smtClean="0">
+                        <a:latin typeface="Cambria Math" panose="02040503050406030204" pitchFamily="18" charset="0"/>
+                      </a:rPr>
+                      <m:t>+</m:t>
+                    </m:r>
+                    <m:r>
+                      <a:rPr lang="en-US" altLang="zh-CN" sz="2400" b="1" i="1" smtClean="0">
+                        <a:latin typeface="Cambria Math" panose="02040503050406030204" pitchFamily="18" charset="0"/>
+                      </a:rPr>
+                      <m:t>𝒕</m:t>
+                    </m:r>
+                  </m:oMath>
+                </a14:m>
+                <a:endParaRPr lang="en-US" altLang="zh-CN" sz="2400" b="1" dirty="0"/>
+              </a:p>
+              <a:p>
+                <a:r>
+                  <a:rPr lang="en-US" altLang="zh-CN" sz="2400" dirty="0"/>
+                  <a:t>Rotation: </a:t>
+                </a:r>
+                <a14:m>
+                  <m:oMath xmlns:m="http://schemas.openxmlformats.org/officeDocument/2006/math">
+                    <m:r>
+                      <a:rPr lang="en-US" altLang="zh-CN" sz="2400" b="0" i="1" smtClean="0">
+                        <a:latin typeface="Cambria Math" panose="02040503050406030204" pitchFamily="18" charset="0"/>
+                      </a:rPr>
+                      <m:t>𝜙</m:t>
+                    </m:r>
+                    <m:d>
+                      <m:dPr>
+                        <m:ctrlPr>
+                          <a:rPr lang="en-US" altLang="zh-CN" sz="2400" b="0" i="1" smtClean="0">
+                            <a:latin typeface="Cambria Math" panose="02040503050406030204" pitchFamily="18" charset="0"/>
+                          </a:rPr>
+                        </m:ctrlPr>
+                      </m:dPr>
+                      <m:e>
+                        <m:r>
+                          <a:rPr lang="en-US" altLang="zh-CN" sz="2400" b="1" i="1" smtClean="0">
+                            <a:latin typeface="Cambria Math" panose="02040503050406030204" pitchFamily="18" charset="0"/>
+                          </a:rPr>
+                          <m:t>𝑿</m:t>
+                        </m:r>
+                      </m:e>
+                    </m:d>
+                    <m:r>
+                      <a:rPr lang="en-US" altLang="zh-CN" sz="2400" b="0" i="1" smtClean="0">
+                        <a:latin typeface="Cambria Math" panose="02040503050406030204" pitchFamily="18" charset="0"/>
+                      </a:rPr>
+                      <m:t>=</m:t>
+                    </m:r>
+                    <m:r>
+                      <a:rPr lang="en-US" altLang="zh-CN" sz="2400" b="0" i="1" smtClean="0">
+                        <a:latin typeface="Cambria Math" panose="02040503050406030204" pitchFamily="18" charset="0"/>
+                      </a:rPr>
+                      <m:t>𝑅</m:t>
+                    </m:r>
+                    <m:r>
+                      <a:rPr lang="en-US" altLang="zh-CN" sz="2400" b="1" i="1" smtClean="0">
+                        <a:latin typeface="Cambria Math" panose="02040503050406030204" pitchFamily="18" charset="0"/>
+                      </a:rPr>
+                      <m:t>𝑿</m:t>
+                    </m:r>
+                  </m:oMath>
+                </a14:m>
+                <a:endParaRPr lang="en-US" altLang="zh-CN" sz="2400" b="1" dirty="0"/>
+              </a:p>
+              <a:p>
+                <a:r>
+                  <a:rPr lang="en-US" altLang="zh-CN" sz="2400" dirty="0"/>
+                  <a:t>Scaling: </a:t>
+                </a:r>
+                <a14:m>
+                  <m:oMath xmlns:m="http://schemas.openxmlformats.org/officeDocument/2006/math">
+                    <m:r>
+                      <a:rPr lang="en-US" altLang="zh-CN" sz="2400" b="0" i="1" smtClean="0">
+                        <a:latin typeface="Cambria Math" panose="02040503050406030204" pitchFamily="18" charset="0"/>
+                      </a:rPr>
+                      <m:t>𝜙</m:t>
+                    </m:r>
+                    <m:d>
+                      <m:dPr>
+                        <m:ctrlPr>
+                          <a:rPr lang="en-US" altLang="zh-CN" sz="2400" b="0" i="1" smtClean="0">
+                            <a:latin typeface="Cambria Math" panose="02040503050406030204" pitchFamily="18" charset="0"/>
+                          </a:rPr>
+                        </m:ctrlPr>
+                      </m:dPr>
+                      <m:e>
+                        <m:r>
+                          <a:rPr lang="en-US" altLang="zh-CN" sz="2400" b="1" i="1" smtClean="0">
+                            <a:latin typeface="Cambria Math" panose="02040503050406030204" pitchFamily="18" charset="0"/>
+                          </a:rPr>
+                          <m:t>𝑿</m:t>
+                        </m:r>
+                      </m:e>
+                    </m:d>
+                    <m:r>
+                      <a:rPr lang="en-US" altLang="zh-CN" sz="2400" b="0" i="1" smtClean="0">
+                        <a:latin typeface="Cambria Math" panose="02040503050406030204" pitchFamily="18" charset="0"/>
+                      </a:rPr>
+                      <m:t>=</m:t>
+                    </m:r>
+                    <m:r>
+                      <a:rPr lang="en-US" altLang="zh-CN" sz="2400" b="0" i="1" smtClean="0">
+                        <a:latin typeface="Cambria Math" panose="02040503050406030204" pitchFamily="18" charset="0"/>
+                      </a:rPr>
+                      <m:t>𝑆</m:t>
+                    </m:r>
+                    <m:r>
+                      <a:rPr lang="en-US" altLang="zh-CN" sz="2400" b="1" i="1" smtClean="0">
+                        <a:latin typeface="Cambria Math" panose="02040503050406030204" pitchFamily="18" charset="0"/>
+                      </a:rPr>
+                      <m:t>𝑿</m:t>
+                    </m:r>
+                  </m:oMath>
+                </a14:m>
+                <a:endParaRPr lang="en-US" altLang="zh-CN" sz="2400" b="1" dirty="0"/>
+              </a:p>
+            </p:txBody>
+          </p:sp>
+        </mc:Choice>
+        <mc:Fallback>
+          <p:sp>
+            <p:nvSpPr>
+              <p:cNvPr id="5" name="内容占位符 2">
+                <a:extLst>
+                  <a:ext uri="{FF2B5EF4-FFF2-40B4-BE49-F238E27FC236}">
+                    <a16:creationId xmlns:a16="http://schemas.microsoft.com/office/drawing/2014/main" id="{E1D4550C-8E55-4AA8-9EAB-AF6F39495D8C}"/>
+                  </a:ext>
+                </a:extLst>
+              </p:cNvPr>
+              <p:cNvSpPr txBox="1">
+                <a:spLocks noRot="1" noChangeAspect="1" noMove="1" noResize="1" noEditPoints="1" noAdjustHandles="1" noChangeArrowheads="1" noChangeShapeType="1" noTextEdit="1"/>
+              </p:cNvSpPr>
+              <p:nvPr/>
+            </p:nvSpPr>
+            <p:spPr>
+              <a:xfrm>
+                <a:off x="990600" y="1978025"/>
+                <a:ext cx="10515600" cy="4351338"/>
+              </a:xfrm>
+              <a:prstGeom prst="rect">
+                <a:avLst/>
+              </a:prstGeom>
+              <a:blipFill>
+                <a:blip r:embed="rId2"/>
+                <a:stretch>
+                  <a:fillRect l="-812" t="-1821"/>
+                </a:stretch>
+              </a:blipFill>
+            </p:spPr>
+            <p:txBody>
+              <a:bodyPr/>
+              <a:lstStyle/>
+              <a:p>
+                <a:r>
+                  <a:rPr lang="zh-CN" altLang="en-US">
+                    <a:noFill/>
+                  </a:rPr>
+                  <a:t> </a:t>
+                </a:r>
+              </a:p>
+            </p:txBody>
+          </p:sp>
+        </mc:Fallback>
+      </mc:AlternateContent>
+      <p:pic>
+        <p:nvPicPr>
+          <p:cNvPr id="3" name="图片 2" descr="图片包含 形状&#10;&#10;描述已自动生成">
+            <a:extLst>
+              <a:ext uri="{FF2B5EF4-FFF2-40B4-BE49-F238E27FC236}">
+                <a16:creationId xmlns:a16="http://schemas.microsoft.com/office/drawing/2014/main" id="{0214602C-5593-42A2-8A05-25B8AEA325EC}"/>
+              </a:ext>
+            </a:extLst>
+          </p:cNvPr>
+          <p:cNvPicPr>
+            <a:picLocks noChangeAspect="1"/>
+          </p:cNvPicPr>
+          <p:nvPr/>
+        </p:nvPicPr>
+        <p:blipFill>
+          <a:blip r:embed="rId3">
+            <a:extLst>
+              <a:ext uri="{28A0092B-C50C-407E-A947-70E740481C1C}">
+                <a14:useLocalDpi xmlns:a14="http://schemas.microsoft.com/office/drawing/2010/main" val="0"/>
+              </a:ext>
+            </a:extLst>
+          </a:blip>
+          <a:stretch>
+            <a:fillRect/>
+          </a:stretch>
+        </p:blipFill>
+        <p:spPr>
+          <a:xfrm>
+            <a:off x="4975859" y="2683385"/>
+            <a:ext cx="2240281" cy="1491230"/>
+          </a:xfrm>
+          <a:prstGeom prst="rect">
+            <a:avLst/>
+          </a:prstGeom>
+        </p:spPr>
+      </p:pic>
+      <p:pic>
+        <p:nvPicPr>
+          <p:cNvPr id="7" name="图片 6" descr="形状&#10;&#10;中度可信度描述已自动生成">
+            <a:extLst>
+              <a:ext uri="{FF2B5EF4-FFF2-40B4-BE49-F238E27FC236}">
+                <a16:creationId xmlns:a16="http://schemas.microsoft.com/office/drawing/2014/main" id="{E0B7B252-B4E2-4A01-B0BF-5E2ED6930F57}"/>
+              </a:ext>
+            </a:extLst>
+          </p:cNvPr>
+          <p:cNvPicPr>
+            <a:picLocks noChangeAspect="1"/>
+          </p:cNvPicPr>
+          <p:nvPr/>
+        </p:nvPicPr>
+        <p:blipFill>
+          <a:blip r:embed="rId4">
+            <a:extLst>
+              <a:ext uri="{28A0092B-C50C-407E-A947-70E740481C1C}">
+                <a14:useLocalDpi xmlns:a14="http://schemas.microsoft.com/office/drawing/2010/main" val="0"/>
+              </a:ext>
+            </a:extLst>
+          </a:blip>
+          <a:stretch>
+            <a:fillRect/>
+          </a:stretch>
+        </p:blipFill>
+        <p:spPr>
+          <a:xfrm>
+            <a:off x="1142837" y="2598040"/>
+            <a:ext cx="2240280" cy="1862402"/>
+          </a:xfrm>
+          <a:prstGeom prst="rect">
+            <a:avLst/>
+          </a:prstGeom>
+        </p:spPr>
+      </p:pic>
+      <mc:AlternateContent xmlns:mc="http://schemas.openxmlformats.org/markup-compatibility/2006">
+        <mc:Choice xmlns:a14="http://schemas.microsoft.com/office/drawing/2010/main" Requires="a14">
+          <p:sp>
+            <p:nvSpPr>
+              <p:cNvPr id="8" name="文本框 7">
+                <a:extLst>
+                  <a:ext uri="{FF2B5EF4-FFF2-40B4-BE49-F238E27FC236}">
+                    <a16:creationId xmlns:a16="http://schemas.microsoft.com/office/drawing/2014/main" id="{8AB6258B-F1F0-424F-83BB-C118C2B3389F}"/>
+                  </a:ext>
+                </a:extLst>
+              </p:cNvPr>
+              <p:cNvSpPr txBox="1"/>
+              <p:nvPr/>
+            </p:nvSpPr>
+            <p:spPr>
+              <a:xfrm>
+                <a:off x="2154357" y="2406386"/>
+                <a:ext cx="224420" cy="276999"/>
+              </a:xfrm>
+              <a:prstGeom prst="rect">
+                <a:avLst/>
+              </a:prstGeom>
+              <a:noFill/>
+            </p:spPr>
+            <p:txBody>
+              <a:bodyPr wrap="none" lIns="0" tIns="0" rIns="0" bIns="0" rtlCol="0">
+                <a:spAutoFit/>
+              </a:bodyPr>
+              <a:lstStyle/>
+              <a:p>
+                <a14:m>
+                  <m:oMathPara xmlns:m="http://schemas.openxmlformats.org/officeDocument/2006/math">
+                    <m:oMathParaPr>
+                      <m:jc m:val="centerGroup"/>
+                    </m:oMathParaPr>
+                    <m:oMath xmlns:m="http://schemas.openxmlformats.org/officeDocument/2006/math">
+                      <m:r>
+                        <a:rPr lang="en-US" altLang="zh-CN" b="1" i="1" smtClean="0">
+                          <a:latin typeface="Cambria Math" panose="02040503050406030204" pitchFamily="18" charset="0"/>
+                        </a:rPr>
+                        <m:t>𝑿</m:t>
+                      </m:r>
+                    </m:oMath>
+                  </m:oMathPara>
+                </a14:m>
+                <a:endParaRPr lang="zh-CN" altLang="en-US" b="1" dirty="0"/>
+              </a:p>
+            </p:txBody>
+          </p:sp>
+        </mc:Choice>
+        <mc:Fallback>
+          <p:sp>
+            <p:nvSpPr>
+              <p:cNvPr id="8" name="文本框 7">
+                <a:extLst>
+                  <a:ext uri="{FF2B5EF4-FFF2-40B4-BE49-F238E27FC236}">
+                    <a16:creationId xmlns:a16="http://schemas.microsoft.com/office/drawing/2014/main" id="{8AB6258B-F1F0-424F-83BB-C118C2B3389F}"/>
+                  </a:ext>
+                </a:extLst>
+              </p:cNvPr>
+              <p:cNvSpPr txBox="1">
+                <a:spLocks noRot="1" noChangeAspect="1" noMove="1" noResize="1" noEditPoints="1" noAdjustHandles="1" noChangeArrowheads="1" noChangeShapeType="1" noTextEdit="1"/>
+              </p:cNvSpPr>
+              <p:nvPr/>
+            </p:nvSpPr>
+            <p:spPr>
+              <a:xfrm>
+                <a:off x="2154357" y="2406386"/>
+                <a:ext cx="224420" cy="276999"/>
+              </a:xfrm>
+              <a:prstGeom prst="rect">
+                <a:avLst/>
+              </a:prstGeom>
+              <a:blipFill>
+                <a:blip r:embed="rId5"/>
+                <a:stretch>
+                  <a:fillRect l="-21622" r="-21622" b="-6667"/>
+                </a:stretch>
+              </a:blipFill>
+            </p:spPr>
+            <p:txBody>
+              <a:bodyPr/>
+              <a:lstStyle/>
+              <a:p>
+                <a:r>
+                  <a:rPr lang="zh-CN" altLang="en-US">
+                    <a:noFill/>
+                  </a:rPr>
+                  <a:t> </a:t>
+                </a:r>
+              </a:p>
+            </p:txBody>
+          </p:sp>
+        </mc:Fallback>
+      </mc:AlternateContent>
+      <mc:AlternateContent xmlns:mc="http://schemas.openxmlformats.org/markup-compatibility/2006">
+        <mc:Choice xmlns:a14="http://schemas.microsoft.com/office/drawing/2010/main" Requires="a14">
+          <p:sp>
+            <p:nvSpPr>
+              <p:cNvPr id="9" name="文本框 8">
+                <a:extLst>
+                  <a:ext uri="{FF2B5EF4-FFF2-40B4-BE49-F238E27FC236}">
+                    <a16:creationId xmlns:a16="http://schemas.microsoft.com/office/drawing/2014/main" id="{CE9BD70B-AAF3-4CB1-BE69-30AEE1502E80}"/>
+                  </a:ext>
+                </a:extLst>
+              </p:cNvPr>
+              <p:cNvSpPr txBox="1"/>
+              <p:nvPr/>
+            </p:nvSpPr>
+            <p:spPr>
+              <a:xfrm>
+                <a:off x="6095999" y="2406385"/>
+                <a:ext cx="197169" cy="276999"/>
+              </a:xfrm>
+              <a:prstGeom prst="rect">
+                <a:avLst/>
+              </a:prstGeom>
+              <a:noFill/>
+            </p:spPr>
+            <p:txBody>
+              <a:bodyPr wrap="none" lIns="0" tIns="0" rIns="0" bIns="0" rtlCol="0">
+                <a:spAutoFit/>
+              </a:bodyPr>
+              <a:lstStyle/>
+              <a:p>
+                <a14:m>
+                  <m:oMathPara xmlns:m="http://schemas.openxmlformats.org/officeDocument/2006/math">
+                    <m:oMathParaPr>
+                      <m:jc m:val="centerGroup"/>
+                    </m:oMathParaPr>
+                    <m:oMath xmlns:m="http://schemas.openxmlformats.org/officeDocument/2006/math">
+                      <m:r>
+                        <a:rPr lang="en-US" altLang="zh-CN" b="1" i="1" smtClean="0">
+                          <a:latin typeface="Cambria Math" panose="02040503050406030204" pitchFamily="18" charset="0"/>
+                        </a:rPr>
+                        <m:t>𝒙</m:t>
+                      </m:r>
+                    </m:oMath>
+                  </m:oMathPara>
+                </a14:m>
+                <a:endParaRPr lang="zh-CN" altLang="en-US" b="1" dirty="0"/>
+              </a:p>
+            </p:txBody>
+          </p:sp>
+        </mc:Choice>
+        <mc:Fallback>
+          <p:sp>
+            <p:nvSpPr>
+              <p:cNvPr id="9" name="文本框 8">
+                <a:extLst>
+                  <a:ext uri="{FF2B5EF4-FFF2-40B4-BE49-F238E27FC236}">
+                    <a16:creationId xmlns:a16="http://schemas.microsoft.com/office/drawing/2014/main" id="{CE9BD70B-AAF3-4CB1-BE69-30AEE1502E80}"/>
+                  </a:ext>
+                </a:extLst>
+              </p:cNvPr>
+              <p:cNvSpPr txBox="1">
+                <a:spLocks noRot="1" noChangeAspect="1" noMove="1" noResize="1" noEditPoints="1" noAdjustHandles="1" noChangeArrowheads="1" noChangeShapeType="1" noTextEdit="1"/>
+              </p:cNvSpPr>
+              <p:nvPr/>
+            </p:nvSpPr>
+            <p:spPr>
+              <a:xfrm>
+                <a:off x="6095999" y="2406385"/>
+                <a:ext cx="197169" cy="276999"/>
+              </a:xfrm>
+              <a:prstGeom prst="rect">
+                <a:avLst/>
+              </a:prstGeom>
+              <a:blipFill>
+                <a:blip r:embed="rId6"/>
+                <a:stretch>
+                  <a:fillRect l="-15625" r="-15625"/>
+                </a:stretch>
+              </a:blipFill>
+            </p:spPr>
+            <p:txBody>
+              <a:bodyPr/>
+              <a:lstStyle/>
+              <a:p>
+                <a:r>
+                  <a:rPr lang="zh-CN" altLang="en-US">
+                    <a:noFill/>
+                  </a:rPr>
+                  <a:t> </a:t>
+                </a:r>
+              </a:p>
+            </p:txBody>
+          </p:sp>
+        </mc:Fallback>
+      </mc:AlternateContent>
+      <p:cxnSp>
+        <p:nvCxnSpPr>
+          <p:cNvPr id="11" name="直接箭头连接符 10">
+            <a:extLst>
+              <a:ext uri="{FF2B5EF4-FFF2-40B4-BE49-F238E27FC236}">
+                <a16:creationId xmlns:a16="http://schemas.microsoft.com/office/drawing/2014/main" id="{C53FF567-899D-4640-BAD8-424DD5E3DDE4}"/>
+              </a:ext>
+            </a:extLst>
+          </p:cNvPr>
+          <p:cNvCxnSpPr>
+            <a:stCxn id="7" idx="3"/>
+          </p:cNvCxnSpPr>
+          <p:nvPr/>
+        </p:nvCxnSpPr>
+        <p:spPr>
+          <a:xfrm>
+            <a:off x="3383117" y="3529241"/>
+            <a:ext cx="1749715" cy="0"/>
+          </a:xfrm>
+          <a:prstGeom prst="straightConnector1">
+            <a:avLst/>
+          </a:prstGeom>
+          <a:ln w="28575">
+            <a:tailEnd type="triangle"/>
+          </a:ln>
+        </p:spPr>
+        <p:style>
+          <a:lnRef idx="1">
+            <a:schemeClr val="dk1"/>
+          </a:lnRef>
+          <a:fillRef idx="0">
+            <a:schemeClr val="dk1"/>
+          </a:fillRef>
+          <a:effectRef idx="0">
+            <a:schemeClr val="dk1"/>
+          </a:effectRef>
+          <a:fontRef idx="minor">
+            <a:schemeClr val="tx1"/>
+          </a:fontRef>
+        </p:style>
+      </p:cxnSp>
+      <mc:AlternateContent xmlns:mc="http://schemas.openxmlformats.org/markup-compatibility/2006">
+        <mc:Choice xmlns:a14="http://schemas.microsoft.com/office/drawing/2010/main" Requires="a14">
+          <p:sp>
+            <p:nvSpPr>
+              <p:cNvPr id="12" name="文本框 11">
+                <a:extLst>
+                  <a:ext uri="{FF2B5EF4-FFF2-40B4-BE49-F238E27FC236}">
+                    <a16:creationId xmlns:a16="http://schemas.microsoft.com/office/drawing/2014/main" id="{DF0445D3-59F5-4E3A-BC0F-ED81CF21829C}"/>
+                  </a:ext>
+                </a:extLst>
+              </p:cNvPr>
+              <p:cNvSpPr txBox="1"/>
+              <p:nvPr/>
+            </p:nvSpPr>
+            <p:spPr>
+              <a:xfrm>
+                <a:off x="3736142" y="3046274"/>
+                <a:ext cx="1003416" cy="276999"/>
+              </a:xfrm>
+              <a:prstGeom prst="rect">
+                <a:avLst/>
+              </a:prstGeom>
+              <a:noFill/>
+            </p:spPr>
+            <p:txBody>
+              <a:bodyPr wrap="none" lIns="0" tIns="0" rIns="0" bIns="0" rtlCol="0">
+                <a:spAutoFit/>
+              </a:bodyPr>
+              <a:lstStyle/>
+              <a:p>
+                <a14:m>
+                  <m:oMathPara xmlns:m="http://schemas.openxmlformats.org/officeDocument/2006/math">
+                    <m:oMathParaPr>
+                      <m:jc m:val="centerGroup"/>
+                    </m:oMathParaPr>
+                    <m:oMath xmlns:m="http://schemas.openxmlformats.org/officeDocument/2006/math">
+                      <m:r>
+                        <a:rPr lang="en-US" altLang="zh-CN" b="1" i="1" smtClean="0">
+                          <a:latin typeface="Cambria Math" panose="02040503050406030204" pitchFamily="18" charset="0"/>
+                        </a:rPr>
+                        <m:t>𝒙</m:t>
+                      </m:r>
+                      <m:r>
+                        <a:rPr lang="en-US" altLang="zh-CN" b="0" i="1" smtClean="0">
+                          <a:latin typeface="Cambria Math" panose="02040503050406030204" pitchFamily="18" charset="0"/>
+                        </a:rPr>
+                        <m:t>=</m:t>
+                      </m:r>
+                      <m:r>
+                        <a:rPr lang="en-US" altLang="zh-CN" b="0" i="1" smtClean="0">
+                          <a:latin typeface="Cambria Math" panose="02040503050406030204" pitchFamily="18" charset="0"/>
+                        </a:rPr>
+                        <m:t>𝜙</m:t>
+                      </m:r>
+                      <m:r>
+                        <a:rPr lang="en-US" altLang="zh-CN" b="0" i="1" smtClean="0">
+                          <a:latin typeface="Cambria Math" panose="02040503050406030204" pitchFamily="18" charset="0"/>
+                        </a:rPr>
+                        <m:t>(</m:t>
+                      </m:r>
+                      <m:r>
+                        <a:rPr lang="en-US" altLang="zh-CN" b="1" i="1" smtClean="0">
+                          <a:latin typeface="Cambria Math" panose="02040503050406030204" pitchFamily="18" charset="0"/>
+                        </a:rPr>
+                        <m:t>𝑿</m:t>
+                      </m:r>
+                      <m:r>
+                        <a:rPr lang="en-US" altLang="zh-CN" b="0" i="1" smtClean="0">
+                          <a:latin typeface="Cambria Math" panose="02040503050406030204" pitchFamily="18" charset="0"/>
+                        </a:rPr>
+                        <m:t>)</m:t>
+                      </m:r>
+                    </m:oMath>
+                  </m:oMathPara>
+                </a14:m>
+                <a:endParaRPr lang="zh-CN" altLang="en-US" dirty="0"/>
+              </a:p>
+            </p:txBody>
+          </p:sp>
+        </mc:Choice>
+        <mc:Fallback>
+          <p:sp>
+            <p:nvSpPr>
+              <p:cNvPr id="12" name="文本框 11">
+                <a:extLst>
+                  <a:ext uri="{FF2B5EF4-FFF2-40B4-BE49-F238E27FC236}">
+                    <a16:creationId xmlns:a16="http://schemas.microsoft.com/office/drawing/2014/main" id="{DF0445D3-59F5-4E3A-BC0F-ED81CF21829C}"/>
+                  </a:ext>
+                </a:extLst>
+              </p:cNvPr>
+              <p:cNvSpPr txBox="1">
+                <a:spLocks noRot="1" noChangeAspect="1" noMove="1" noResize="1" noEditPoints="1" noAdjustHandles="1" noChangeArrowheads="1" noChangeShapeType="1" noTextEdit="1"/>
+              </p:cNvSpPr>
+              <p:nvPr/>
+            </p:nvSpPr>
+            <p:spPr>
+              <a:xfrm>
+                <a:off x="3736142" y="3046274"/>
+                <a:ext cx="1003416" cy="276999"/>
+              </a:xfrm>
+              <a:prstGeom prst="rect">
+                <a:avLst/>
+              </a:prstGeom>
+              <a:blipFill>
+                <a:blip r:embed="rId7"/>
+                <a:stretch>
+                  <a:fillRect l="-3049" t="-4444" r="-8537" b="-35556"/>
+                </a:stretch>
+              </a:blipFill>
+            </p:spPr>
+            <p:txBody>
+              <a:bodyPr/>
+              <a:lstStyle/>
+              <a:p>
+                <a:r>
+                  <a:rPr lang="zh-CN" altLang="en-US">
+                    <a:noFill/>
+                  </a:rPr>
+                  <a:t> </a:t>
+                </a:r>
+              </a:p>
+            </p:txBody>
+          </p:sp>
+        </mc:Fallback>
+      </mc:AlternateContent>
+      <mc:AlternateContent xmlns:mc="http://schemas.openxmlformats.org/markup-compatibility/2006">
+        <mc:Choice xmlns:a14="http://schemas.microsoft.com/office/drawing/2010/main" Requires="a14">
+          <p:sp>
+            <p:nvSpPr>
+              <p:cNvPr id="13" name="文本框 12">
+                <a:extLst>
+                  <a:ext uri="{FF2B5EF4-FFF2-40B4-BE49-F238E27FC236}">
+                    <a16:creationId xmlns:a16="http://schemas.microsoft.com/office/drawing/2014/main" id="{3D1DBD3A-0C20-42A1-9A01-75D1AA690328}"/>
+                  </a:ext>
+                </a:extLst>
+              </p:cNvPr>
+              <p:cNvSpPr txBox="1"/>
+              <p:nvPr/>
+            </p:nvSpPr>
+            <p:spPr>
+              <a:xfrm>
+                <a:off x="1142837" y="6164806"/>
+                <a:ext cx="3577454" cy="535083"/>
+              </a:xfrm>
+              <a:prstGeom prst="rect">
+                <a:avLst/>
+              </a:prstGeom>
+              <a:noFill/>
+            </p:spPr>
+            <p:txBody>
+              <a:bodyPr wrap="none" lIns="0" tIns="0" rIns="0" bIns="0" rtlCol="0">
+                <a:spAutoFit/>
+              </a:bodyPr>
+              <a:lstStyle/>
+              <a:p>
+                <a14:m>
+                  <m:oMathPara xmlns:m="http://schemas.openxmlformats.org/officeDocument/2006/math">
+                    <m:oMathParaPr>
+                      <m:jc m:val="centerGroup"/>
+                    </m:oMathParaPr>
+                    <m:oMath xmlns:m="http://schemas.openxmlformats.org/officeDocument/2006/math">
+                      <m:r>
+                        <a:rPr lang="en-US" altLang="zh-CN" b="0" i="1" smtClean="0">
+                          <a:latin typeface="Cambria Math" panose="02040503050406030204" pitchFamily="18" charset="0"/>
+                        </a:rPr>
+                        <m:t>𝑅</m:t>
+                      </m:r>
+                      <m:r>
+                        <a:rPr lang="en-US" altLang="zh-CN" b="0" i="1" smtClean="0">
+                          <a:latin typeface="Cambria Math" panose="02040503050406030204" pitchFamily="18" charset="0"/>
+                        </a:rPr>
+                        <m:t>=</m:t>
+                      </m:r>
+                      <m:d>
+                        <m:dPr>
+                          <m:begChr m:val="["/>
+                          <m:endChr m:val="]"/>
+                          <m:ctrlPr>
+                            <a:rPr lang="en-US" altLang="zh-CN" b="0" i="1" smtClean="0">
+                              <a:latin typeface="Cambria Math" panose="02040503050406030204" pitchFamily="18" charset="0"/>
+                            </a:rPr>
+                          </m:ctrlPr>
+                        </m:dPr>
+                        <m:e>
+                          <m:m>
+                            <m:mPr>
+                              <m:mcs>
+                                <m:mc>
+                                  <m:mcPr>
+                                    <m:count m:val="2"/>
+                                    <m:mcJc m:val="center"/>
+                                  </m:mcPr>
+                                </m:mc>
+                              </m:mcs>
+                              <m:ctrlPr>
+                                <a:rPr lang="en-US" altLang="zh-CN" b="0" i="1" smtClean="0">
+                                  <a:latin typeface="Cambria Math" panose="02040503050406030204" pitchFamily="18" charset="0"/>
+                                </a:rPr>
+                              </m:ctrlPr>
+                            </m:mPr>
+                            <m:mr>
+                              <m:e>
+                                <m:r>
+                                  <m:rPr>
+                                    <m:sty m:val="p"/>
+                                    <m:brk m:alnAt="7"/>
+                                  </m:rPr>
+                                  <a:rPr lang="en-US" altLang="zh-CN" b="0" i="0" smtClean="0">
+                                    <a:latin typeface="Cambria Math" panose="02040503050406030204" pitchFamily="18" charset="0"/>
+                                  </a:rPr>
+                                  <m:t>cos</m:t>
+                                </m:r>
+                                <m:r>
+                                  <m:rPr>
+                                    <m:brk m:alnAt="7"/>
+                                  </m:rPr>
+                                  <a:rPr lang="en-US" altLang="zh-CN" b="0" i="1" smtClean="0">
+                                    <a:latin typeface="Cambria Math" panose="02040503050406030204" pitchFamily="18" charset="0"/>
+                                  </a:rPr>
+                                  <m:t>⁡(</m:t>
+                                </m:r>
+                                <m:r>
+                                  <a:rPr lang="en-US" altLang="zh-CN" b="0" i="1" smtClean="0">
+                                    <a:latin typeface="Cambria Math" panose="02040503050406030204" pitchFamily="18" charset="0"/>
+                                  </a:rPr>
+                                  <m:t>𝜃</m:t>
+                                </m:r>
+                                <m:r>
+                                  <a:rPr lang="en-US" altLang="zh-CN" b="0" i="1" smtClean="0">
+                                    <a:latin typeface="Cambria Math" panose="02040503050406030204" pitchFamily="18" charset="0"/>
+                                  </a:rPr>
+                                  <m:t>)</m:t>
+                                </m:r>
+                              </m:e>
+                              <m:e>
+                                <m:r>
+                                  <a:rPr lang="en-US" altLang="zh-CN" b="0" i="1" smtClean="0">
+                                    <a:latin typeface="Cambria Math" panose="02040503050406030204" pitchFamily="18" charset="0"/>
+                                  </a:rPr>
+                                  <m:t>−</m:t>
+                                </m:r>
+                                <m:r>
+                                  <m:rPr>
+                                    <m:sty m:val="p"/>
+                                  </m:rPr>
+                                  <a:rPr lang="en-US" altLang="zh-CN" b="0" i="0" smtClean="0">
+                                    <a:latin typeface="Cambria Math" panose="02040503050406030204" pitchFamily="18" charset="0"/>
+                                  </a:rPr>
+                                  <m:t>sin</m:t>
+                                </m:r>
+                                <m:r>
+                                  <a:rPr lang="en-US" altLang="zh-CN" b="0" i="1" smtClean="0">
+                                    <a:latin typeface="Cambria Math" panose="02040503050406030204" pitchFamily="18" charset="0"/>
+                                  </a:rPr>
+                                  <m:t>⁡(</m:t>
+                                </m:r>
+                                <m:r>
+                                  <a:rPr lang="en-US" altLang="zh-CN" b="0" i="1" smtClean="0">
+                                    <a:latin typeface="Cambria Math" panose="02040503050406030204" pitchFamily="18" charset="0"/>
+                                  </a:rPr>
+                                  <m:t>𝜃</m:t>
+                                </m:r>
+                                <m:r>
+                                  <a:rPr lang="en-US" altLang="zh-CN" b="0" i="1" smtClean="0">
+                                    <a:latin typeface="Cambria Math" panose="02040503050406030204" pitchFamily="18" charset="0"/>
+                                  </a:rPr>
+                                  <m:t>)</m:t>
+                                </m:r>
+                              </m:e>
+                            </m:mr>
+                            <m:mr>
+                              <m:e>
+                                <m:r>
+                                  <m:rPr>
+                                    <m:sty m:val="p"/>
+                                  </m:rPr>
+                                  <a:rPr lang="en-US" altLang="zh-CN" b="0" i="0" smtClean="0">
+                                    <a:latin typeface="Cambria Math" panose="02040503050406030204" pitchFamily="18" charset="0"/>
+                                  </a:rPr>
+                                  <m:t>sin</m:t>
+                                </m:r>
+                                <m:r>
+                                  <a:rPr lang="en-US" altLang="zh-CN" b="0" i="1" smtClean="0">
+                                    <a:latin typeface="Cambria Math" panose="02040503050406030204" pitchFamily="18" charset="0"/>
+                                  </a:rPr>
+                                  <m:t>⁡(</m:t>
+                                </m:r>
+                                <m:r>
+                                  <a:rPr lang="en-US" altLang="zh-CN" b="0" i="1" smtClean="0">
+                                    <a:latin typeface="Cambria Math" panose="02040503050406030204" pitchFamily="18" charset="0"/>
+                                  </a:rPr>
+                                  <m:t>𝜃</m:t>
+                                </m:r>
+                                <m:r>
+                                  <a:rPr lang="en-US" altLang="zh-CN" b="0" i="1" smtClean="0">
+                                    <a:latin typeface="Cambria Math" panose="02040503050406030204" pitchFamily="18" charset="0"/>
+                                  </a:rPr>
+                                  <m:t>)</m:t>
+                                </m:r>
+                              </m:e>
+                              <m:e>
+                                <m:r>
+                                  <m:rPr>
+                                    <m:sty m:val="p"/>
+                                  </m:rPr>
+                                  <a:rPr lang="en-US" altLang="zh-CN" b="0" i="0" smtClean="0">
+                                    <a:latin typeface="Cambria Math" panose="02040503050406030204" pitchFamily="18" charset="0"/>
+                                  </a:rPr>
+                                  <m:t>cos</m:t>
+                                </m:r>
+                                <m:r>
+                                  <a:rPr lang="en-US" altLang="zh-CN" b="0" i="1" smtClean="0">
+                                    <a:latin typeface="Cambria Math" panose="02040503050406030204" pitchFamily="18" charset="0"/>
+                                  </a:rPr>
+                                  <m:t>⁡(</m:t>
+                                </m:r>
+                                <m:r>
+                                  <a:rPr lang="en-US" altLang="zh-CN" b="0" i="1" smtClean="0">
+                                    <a:latin typeface="Cambria Math" panose="02040503050406030204" pitchFamily="18" charset="0"/>
+                                  </a:rPr>
+                                  <m:t>𝜃</m:t>
+                                </m:r>
+                                <m:r>
+                                  <a:rPr lang="en-US" altLang="zh-CN" b="0" i="1" smtClean="0">
+                                    <a:latin typeface="Cambria Math" panose="02040503050406030204" pitchFamily="18" charset="0"/>
+                                  </a:rPr>
+                                  <m:t>)</m:t>
+                                </m:r>
+                              </m:e>
+                            </m:mr>
+                          </m:m>
+                        </m:e>
+                      </m:d>
+                      <m:r>
+                        <a:rPr lang="en-US" altLang="zh-CN" b="0" i="1" smtClean="0">
+                          <a:latin typeface="Cambria Math" panose="02040503050406030204" pitchFamily="18" charset="0"/>
+                        </a:rPr>
+                        <m:t>, </m:t>
+                      </m:r>
+                      <m:r>
+                        <a:rPr lang="en-US" altLang="zh-CN" b="0" i="1" smtClean="0">
+                          <a:latin typeface="Cambria Math" panose="02040503050406030204" pitchFamily="18" charset="0"/>
+                        </a:rPr>
+                        <m:t>𝑆</m:t>
+                      </m:r>
+                      <m:r>
+                        <a:rPr lang="en-US" altLang="zh-CN" b="0" i="1" smtClean="0">
+                          <a:latin typeface="Cambria Math" panose="02040503050406030204" pitchFamily="18" charset="0"/>
+                        </a:rPr>
+                        <m:t>=</m:t>
+                      </m:r>
+                      <m:d>
+                        <m:dPr>
+                          <m:begChr m:val="["/>
+                          <m:endChr m:val="]"/>
+                          <m:ctrlPr>
+                            <a:rPr lang="en-US" altLang="zh-CN" b="0" i="1" smtClean="0">
+                              <a:latin typeface="Cambria Math" panose="02040503050406030204" pitchFamily="18" charset="0"/>
+                            </a:rPr>
+                          </m:ctrlPr>
+                        </m:dPr>
+                        <m:e>
+                          <m:m>
+                            <m:mPr>
+                              <m:mcs>
+                                <m:mc>
+                                  <m:mcPr>
+                                    <m:count m:val="2"/>
+                                    <m:mcJc m:val="center"/>
+                                  </m:mcPr>
+                                </m:mc>
+                              </m:mcs>
+                              <m:ctrlPr>
+                                <a:rPr lang="en-US" altLang="zh-CN" b="0" i="1" smtClean="0">
+                                  <a:latin typeface="Cambria Math" panose="02040503050406030204" pitchFamily="18" charset="0"/>
+                                </a:rPr>
+                              </m:ctrlPr>
+                            </m:mPr>
+                            <m:mr>
+                              <m:e>
+                                <m:r>
+                                  <m:rPr>
+                                    <m:brk m:alnAt="7"/>
+                                  </m:rPr>
+                                  <a:rPr lang="en-US" altLang="zh-CN" b="0" i="1" smtClean="0">
+                                    <a:latin typeface="Cambria Math" panose="02040503050406030204" pitchFamily="18" charset="0"/>
+                                  </a:rPr>
+                                  <m:t>2</m:t>
+                                </m:r>
+                              </m:e>
+                              <m:e>
+                                <m:r>
+                                  <a:rPr lang="en-US" altLang="zh-CN" b="0" i="1" smtClean="0">
+                                    <a:latin typeface="Cambria Math" panose="02040503050406030204" pitchFamily="18" charset="0"/>
+                                  </a:rPr>
+                                  <m:t>0</m:t>
+                                </m:r>
+                              </m:e>
+                            </m:mr>
+                            <m:mr>
+                              <m:e>
+                                <m:r>
+                                  <a:rPr lang="en-US" altLang="zh-CN" b="0" i="1" smtClean="0">
+                                    <a:latin typeface="Cambria Math" panose="02040503050406030204" pitchFamily="18" charset="0"/>
+                                  </a:rPr>
+                                  <m:t>0</m:t>
+                                </m:r>
+                              </m:e>
+                              <m:e>
+                                <m:r>
+                                  <a:rPr lang="en-US" altLang="zh-CN" b="0" i="1" smtClean="0">
+                                    <a:latin typeface="Cambria Math" panose="02040503050406030204" pitchFamily="18" charset="0"/>
+                                  </a:rPr>
+                                  <m:t>1</m:t>
+                                </m:r>
+                              </m:e>
+                            </m:mr>
+                          </m:m>
+                        </m:e>
+                      </m:d>
+                    </m:oMath>
+                  </m:oMathPara>
+                </a14:m>
+                <a:endParaRPr lang="zh-CN" altLang="en-US" dirty="0"/>
+              </a:p>
+            </p:txBody>
+          </p:sp>
+        </mc:Choice>
+        <mc:Fallback>
+          <p:sp>
+            <p:nvSpPr>
+              <p:cNvPr id="13" name="文本框 12">
+                <a:extLst>
+                  <a:ext uri="{FF2B5EF4-FFF2-40B4-BE49-F238E27FC236}">
+                    <a16:creationId xmlns:a16="http://schemas.microsoft.com/office/drawing/2014/main" id="{3D1DBD3A-0C20-42A1-9A01-75D1AA690328}"/>
+                  </a:ext>
+                </a:extLst>
+              </p:cNvPr>
+              <p:cNvSpPr txBox="1">
+                <a:spLocks noRot="1" noChangeAspect="1" noMove="1" noResize="1" noEditPoints="1" noAdjustHandles="1" noChangeArrowheads="1" noChangeShapeType="1" noTextEdit="1"/>
+              </p:cNvSpPr>
+              <p:nvPr/>
+            </p:nvSpPr>
+            <p:spPr>
+              <a:xfrm>
+                <a:off x="1142837" y="6164806"/>
+                <a:ext cx="3577454" cy="535083"/>
+              </a:xfrm>
+              <a:prstGeom prst="rect">
+                <a:avLst/>
+              </a:prstGeom>
+              <a:blipFill>
+                <a:blip r:embed="rId8"/>
+                <a:stretch>
+                  <a:fillRect/>
+                </a:stretch>
+              </a:blipFill>
+            </p:spPr>
+            <p:txBody>
+              <a:bodyPr/>
+              <a:lstStyle/>
+              <a:p>
+                <a:r>
+                  <a:rPr lang="zh-CN" altLang="en-US">
+                    <a:noFill/>
+                  </a:rPr>
+                  <a:t> </a:t>
+                </a:r>
+              </a:p>
+            </p:txBody>
+          </p:sp>
+        </mc:Fallback>
+      </mc:AlternateContent>
+      <mc:AlternateContent xmlns:mc="http://schemas.openxmlformats.org/markup-compatibility/2006">
+        <mc:Choice xmlns:a14="http://schemas.microsoft.com/office/drawing/2010/main" Requires="a14">
+          <p:sp>
+            <p:nvSpPr>
+              <p:cNvPr id="14" name="文本框 13">
+                <a:extLst>
+                  <a:ext uri="{FF2B5EF4-FFF2-40B4-BE49-F238E27FC236}">
+                    <a16:creationId xmlns:a16="http://schemas.microsoft.com/office/drawing/2014/main" id="{D57A8CC4-AC01-4E0A-949E-0F8D0D78CDD8}"/>
+                  </a:ext>
+                </a:extLst>
+              </p:cNvPr>
+              <p:cNvSpPr txBox="1"/>
+              <p:nvPr/>
+            </p:nvSpPr>
+            <p:spPr>
+              <a:xfrm>
+                <a:off x="7834645" y="2550637"/>
+                <a:ext cx="3656642" cy="585225"/>
+              </a:xfrm>
+              <a:prstGeom prst="rect">
+                <a:avLst/>
+              </a:prstGeom>
+              <a:noFill/>
+            </p:spPr>
+            <p:txBody>
+              <a:bodyPr wrap="none" lIns="0" tIns="0" rIns="0" bIns="0" rtlCol="0">
+                <a:spAutoFit/>
+              </a:bodyPr>
+              <a:lstStyle/>
+              <a:p>
+                <a14:m>
+                  <m:oMathPara xmlns:m="http://schemas.openxmlformats.org/officeDocument/2006/math">
+                    <m:oMathParaPr>
+                      <m:jc m:val="centerGroup"/>
+                    </m:oMathParaPr>
+                    <m:oMath xmlns:m="http://schemas.openxmlformats.org/officeDocument/2006/math">
+                      <m:r>
+                        <a:rPr lang="en-US" altLang="zh-CN" sz="2000" b="0" i="1" smtClean="0">
+                          <a:latin typeface="Cambria Math" panose="02040503050406030204" pitchFamily="18" charset="0"/>
+                        </a:rPr>
+                        <m:t>𝜙</m:t>
+                      </m:r>
+                      <m:d>
+                        <m:dPr>
+                          <m:ctrlPr>
+                            <a:rPr lang="en-US" altLang="zh-CN" sz="2000" b="0" i="1" smtClean="0">
+                              <a:latin typeface="Cambria Math" panose="02040503050406030204" pitchFamily="18" charset="0"/>
+                            </a:rPr>
+                          </m:ctrlPr>
+                        </m:dPr>
+                        <m:e>
+                          <m:r>
+                            <a:rPr lang="en-US" altLang="zh-CN" sz="2000" b="1" i="1" smtClean="0">
+                              <a:latin typeface="Cambria Math" panose="02040503050406030204" pitchFamily="18" charset="0"/>
+                            </a:rPr>
+                            <m:t>𝑿</m:t>
+                          </m:r>
+                        </m:e>
+                      </m:d>
+                      <m:r>
+                        <a:rPr lang="en-US" altLang="zh-CN" sz="2000" b="0" i="1" smtClean="0">
+                          <a:latin typeface="Cambria Math" panose="02040503050406030204" pitchFamily="18" charset="0"/>
+                          <a:ea typeface="Cambria Math" panose="02040503050406030204" pitchFamily="18" charset="0"/>
+                        </a:rPr>
+                        <m:t>≈</m:t>
+                      </m:r>
+                      <m:f>
+                        <m:fPr>
+                          <m:ctrlPr>
+                            <a:rPr lang="en-US" altLang="zh-CN" sz="2000" b="0" i="1" smtClean="0">
+                              <a:latin typeface="Cambria Math" panose="02040503050406030204" pitchFamily="18" charset="0"/>
+                              <a:ea typeface="Cambria Math" panose="02040503050406030204" pitchFamily="18" charset="0"/>
+                            </a:rPr>
+                          </m:ctrlPr>
+                        </m:fPr>
+                        <m:num>
+                          <m:r>
+                            <a:rPr lang="zh-CN" altLang="en-US" sz="2000" b="0" i="1" smtClean="0">
+                              <a:latin typeface="Cambria Math" panose="02040503050406030204" pitchFamily="18" charset="0"/>
+                              <a:ea typeface="Cambria Math" panose="02040503050406030204" pitchFamily="18" charset="0"/>
+                            </a:rPr>
+                            <m:t>𝜕</m:t>
+                          </m:r>
+                          <m:r>
+                            <a:rPr lang="en-US" altLang="zh-CN" sz="2000" b="0" i="1" smtClean="0">
+                              <a:latin typeface="Cambria Math" panose="02040503050406030204" pitchFamily="18" charset="0"/>
+                              <a:ea typeface="Cambria Math" panose="02040503050406030204" pitchFamily="18" charset="0"/>
+                            </a:rPr>
+                            <m:t>𝜙</m:t>
+                          </m:r>
+                        </m:num>
+                        <m:den>
+                          <m:r>
+                            <a:rPr lang="zh-CN" altLang="en-US" sz="2000" b="0" i="1" smtClean="0">
+                              <a:latin typeface="Cambria Math" panose="02040503050406030204" pitchFamily="18" charset="0"/>
+                            </a:rPr>
+                            <m:t>𝜕</m:t>
+                          </m:r>
+                          <m:r>
+                            <a:rPr lang="en-US" altLang="zh-CN" sz="2000" b="1" i="1" smtClean="0">
+                              <a:latin typeface="Cambria Math" panose="02040503050406030204" pitchFamily="18" charset="0"/>
+                            </a:rPr>
+                            <m:t>𝑿</m:t>
+                          </m:r>
+                        </m:den>
+                      </m:f>
+                      <m:r>
+                        <a:rPr lang="en-US" altLang="zh-CN" sz="2000" b="1" i="1" smtClean="0">
+                          <a:latin typeface="Cambria Math" panose="02040503050406030204" pitchFamily="18" charset="0"/>
+                          <a:ea typeface="Cambria Math" panose="02040503050406030204" pitchFamily="18" charset="0"/>
+                        </a:rPr>
+                        <m:t>𝑿</m:t>
+                      </m:r>
+                      <m:r>
+                        <a:rPr lang="en-US" altLang="zh-CN" sz="2000" b="0" i="1" smtClean="0">
+                          <a:latin typeface="Cambria Math" panose="02040503050406030204" pitchFamily="18" charset="0"/>
+                          <a:ea typeface="Cambria Math" panose="02040503050406030204" pitchFamily="18" charset="0"/>
+                        </a:rPr>
+                        <m:t>+(</m:t>
+                      </m:r>
+                      <m:r>
+                        <a:rPr lang="en-US" altLang="zh-CN" sz="2000" b="0" i="1" smtClean="0">
+                          <a:latin typeface="Cambria Math" panose="02040503050406030204" pitchFamily="18" charset="0"/>
+                          <a:ea typeface="Cambria Math" panose="02040503050406030204" pitchFamily="18" charset="0"/>
+                        </a:rPr>
+                        <m:t>𝜙</m:t>
+                      </m:r>
+                      <m:d>
+                        <m:dPr>
+                          <m:ctrlPr>
+                            <a:rPr lang="en-US" altLang="zh-CN" sz="2000" b="0" i="1" smtClean="0">
+                              <a:latin typeface="Cambria Math" panose="02040503050406030204" pitchFamily="18" charset="0"/>
+                              <a:ea typeface="Cambria Math" panose="02040503050406030204" pitchFamily="18" charset="0"/>
+                            </a:rPr>
+                          </m:ctrlPr>
+                        </m:dPr>
+                        <m:e>
+                          <m:sSup>
+                            <m:sSupPr>
+                              <m:ctrlPr>
+                                <a:rPr lang="en-US" altLang="zh-CN" sz="2000" b="0" i="1" smtClean="0">
+                                  <a:latin typeface="Cambria Math" panose="02040503050406030204" pitchFamily="18" charset="0"/>
+                                  <a:ea typeface="Cambria Math" panose="02040503050406030204" pitchFamily="18" charset="0"/>
+                                </a:rPr>
+                              </m:ctrlPr>
+                            </m:sSupPr>
+                            <m:e>
+                              <m:r>
+                                <a:rPr lang="en-US" altLang="zh-CN" sz="2000" b="1" i="1" smtClean="0">
+                                  <a:latin typeface="Cambria Math" panose="02040503050406030204" pitchFamily="18" charset="0"/>
+                                  <a:ea typeface="Cambria Math" panose="02040503050406030204" pitchFamily="18" charset="0"/>
+                                </a:rPr>
+                                <m:t>𝑿</m:t>
+                              </m:r>
+                            </m:e>
+                            <m:sup>
+                              <m:r>
+                                <a:rPr lang="en-US" altLang="zh-CN" sz="2000" b="0" i="1" smtClean="0">
+                                  <a:latin typeface="Cambria Math" panose="02040503050406030204" pitchFamily="18" charset="0"/>
+                                  <a:ea typeface="Cambria Math" panose="02040503050406030204" pitchFamily="18" charset="0"/>
+                                </a:rPr>
+                                <m:t>∗</m:t>
+                              </m:r>
+                            </m:sup>
+                          </m:sSup>
+                        </m:e>
+                      </m:d>
+                      <m:r>
+                        <a:rPr lang="en-US" altLang="zh-CN" sz="2000" b="0" i="1" smtClean="0">
+                          <a:latin typeface="Cambria Math" panose="02040503050406030204" pitchFamily="18" charset="0"/>
+                          <a:ea typeface="Cambria Math" panose="02040503050406030204" pitchFamily="18" charset="0"/>
+                        </a:rPr>
+                        <m:t>−</m:t>
+                      </m:r>
+                      <m:f>
+                        <m:fPr>
+                          <m:ctrlPr>
+                            <a:rPr lang="en-US" altLang="zh-CN" sz="2000" i="1">
+                              <a:latin typeface="Cambria Math" panose="02040503050406030204" pitchFamily="18" charset="0"/>
+                              <a:ea typeface="Cambria Math" panose="02040503050406030204" pitchFamily="18" charset="0"/>
+                            </a:rPr>
+                          </m:ctrlPr>
+                        </m:fPr>
+                        <m:num>
+                          <m:r>
+                            <a:rPr lang="zh-CN" altLang="en-US" sz="2000" i="1">
+                              <a:latin typeface="Cambria Math" panose="02040503050406030204" pitchFamily="18" charset="0"/>
+                              <a:ea typeface="Cambria Math" panose="02040503050406030204" pitchFamily="18" charset="0"/>
+                            </a:rPr>
+                            <m:t>𝜕</m:t>
+                          </m:r>
+                          <m:r>
+                            <a:rPr lang="en-US" altLang="zh-CN" sz="2000" i="1">
+                              <a:latin typeface="Cambria Math" panose="02040503050406030204" pitchFamily="18" charset="0"/>
+                              <a:ea typeface="Cambria Math" panose="02040503050406030204" pitchFamily="18" charset="0"/>
+                            </a:rPr>
+                            <m:t>𝜙</m:t>
+                          </m:r>
+                        </m:num>
+                        <m:den>
+                          <m:r>
+                            <a:rPr lang="zh-CN" altLang="en-US" sz="2000" i="1">
+                              <a:latin typeface="Cambria Math" panose="02040503050406030204" pitchFamily="18" charset="0"/>
+                            </a:rPr>
+                            <m:t>𝜕</m:t>
+                          </m:r>
+                          <m:r>
+                            <a:rPr lang="en-US" altLang="zh-CN" sz="2000" b="1" i="1">
+                              <a:latin typeface="Cambria Math" panose="02040503050406030204" pitchFamily="18" charset="0"/>
+                            </a:rPr>
+                            <m:t>𝑿</m:t>
+                          </m:r>
+                        </m:den>
+                      </m:f>
+                      <m:sSup>
+                        <m:sSupPr>
+                          <m:ctrlPr>
+                            <a:rPr lang="en-US" altLang="zh-CN" sz="2000" b="0" i="1" smtClean="0">
+                              <a:latin typeface="Cambria Math" panose="02040503050406030204" pitchFamily="18" charset="0"/>
+                              <a:ea typeface="Cambria Math" panose="02040503050406030204" pitchFamily="18" charset="0"/>
+                            </a:rPr>
+                          </m:ctrlPr>
+                        </m:sSupPr>
+                        <m:e>
+                          <m:r>
+                            <a:rPr lang="en-US" altLang="zh-CN" sz="2000" b="1" i="1">
+                              <a:latin typeface="Cambria Math" panose="02040503050406030204" pitchFamily="18" charset="0"/>
+                              <a:ea typeface="Cambria Math" panose="02040503050406030204" pitchFamily="18" charset="0"/>
+                            </a:rPr>
+                            <m:t>𝑿</m:t>
+                          </m:r>
+                        </m:e>
+                        <m:sup>
+                          <m:r>
+                            <a:rPr lang="en-US" altLang="zh-CN" sz="2000" b="0" i="1" smtClean="0">
+                              <a:latin typeface="Cambria Math" panose="02040503050406030204" pitchFamily="18" charset="0"/>
+                              <a:ea typeface="Cambria Math" panose="02040503050406030204" pitchFamily="18" charset="0"/>
+                            </a:rPr>
+                            <m:t>∗</m:t>
+                          </m:r>
+                        </m:sup>
+                      </m:sSup>
+                      <m:r>
+                        <a:rPr lang="en-US" altLang="zh-CN" sz="2000" b="0" i="1" smtClean="0">
+                          <a:latin typeface="Cambria Math" panose="02040503050406030204" pitchFamily="18" charset="0"/>
+                          <a:ea typeface="Cambria Math" panose="02040503050406030204" pitchFamily="18" charset="0"/>
+                        </a:rPr>
+                        <m:t>)</m:t>
+                      </m:r>
+                    </m:oMath>
+                  </m:oMathPara>
+                </a14:m>
+                <a:endParaRPr lang="zh-CN" altLang="en-US" sz="2000" dirty="0"/>
+              </a:p>
+            </p:txBody>
+          </p:sp>
+        </mc:Choice>
+        <mc:Fallback>
+          <p:sp>
+            <p:nvSpPr>
+              <p:cNvPr id="14" name="文本框 13">
+                <a:extLst>
+                  <a:ext uri="{FF2B5EF4-FFF2-40B4-BE49-F238E27FC236}">
+                    <a16:creationId xmlns:a16="http://schemas.microsoft.com/office/drawing/2014/main" id="{D57A8CC4-AC01-4E0A-949E-0F8D0D78CDD8}"/>
+                  </a:ext>
+                </a:extLst>
+              </p:cNvPr>
+              <p:cNvSpPr txBox="1">
+                <a:spLocks noRot="1" noChangeAspect="1" noMove="1" noResize="1" noEditPoints="1" noAdjustHandles="1" noChangeArrowheads="1" noChangeShapeType="1" noTextEdit="1"/>
+              </p:cNvSpPr>
+              <p:nvPr/>
+            </p:nvSpPr>
+            <p:spPr>
+              <a:xfrm>
+                <a:off x="7834645" y="2550637"/>
+                <a:ext cx="3656642" cy="585225"/>
+              </a:xfrm>
+              <a:prstGeom prst="rect">
+                <a:avLst/>
+              </a:prstGeom>
+              <a:blipFill>
+                <a:blip r:embed="rId9"/>
+                <a:stretch>
+                  <a:fillRect/>
+                </a:stretch>
+              </a:blipFill>
+            </p:spPr>
+            <p:txBody>
+              <a:bodyPr/>
+              <a:lstStyle/>
+              <a:p>
+                <a:r>
+                  <a:rPr lang="zh-CN" altLang="en-US">
+                    <a:noFill/>
+                  </a:rPr>
+                  <a:t> </a:t>
+                </a:r>
+              </a:p>
+            </p:txBody>
+          </p:sp>
+        </mc:Fallback>
+      </mc:AlternateContent>
+      <mc:AlternateContent xmlns:mc="http://schemas.openxmlformats.org/markup-compatibility/2006">
+        <mc:Choice xmlns:a14="http://schemas.microsoft.com/office/drawing/2010/main" Requires="a14">
+          <p:sp>
+            <p:nvSpPr>
+              <p:cNvPr id="17" name="文本框 16">
+                <a:extLst>
+                  <a:ext uri="{FF2B5EF4-FFF2-40B4-BE49-F238E27FC236}">
+                    <a16:creationId xmlns:a16="http://schemas.microsoft.com/office/drawing/2014/main" id="{39469224-A604-471A-83AD-867A8536504A}"/>
+                  </a:ext>
+                </a:extLst>
+              </p:cNvPr>
+              <p:cNvSpPr txBox="1"/>
+              <p:nvPr/>
+            </p:nvSpPr>
+            <p:spPr>
+              <a:xfrm>
+                <a:off x="8755116" y="3206719"/>
+                <a:ext cx="237629" cy="307777"/>
+              </a:xfrm>
+              <a:prstGeom prst="rect">
+                <a:avLst/>
+              </a:prstGeom>
+              <a:noFill/>
+            </p:spPr>
+            <p:txBody>
+              <a:bodyPr wrap="none" lIns="0" tIns="0" rIns="0" bIns="0" rtlCol="0">
+                <a:spAutoFit/>
+              </a:bodyPr>
+              <a:lstStyle/>
+              <a:p>
+                <a14:m>
+                  <m:oMathPara xmlns:m="http://schemas.openxmlformats.org/officeDocument/2006/math">
+                    <m:oMathParaPr>
+                      <m:jc m:val="centerGroup"/>
+                    </m:oMathParaPr>
+                    <m:oMath xmlns:m="http://schemas.openxmlformats.org/officeDocument/2006/math">
+                      <m:r>
+                        <a:rPr lang="en-US" altLang="zh-CN" sz="2000" b="0" i="1" smtClean="0">
+                          <a:solidFill>
+                            <a:schemeClr val="accent6">
+                              <a:lumMod val="60000"/>
+                              <a:lumOff val="40000"/>
+                            </a:schemeClr>
+                          </a:solidFill>
+                          <a:latin typeface="Cambria Math" panose="02040503050406030204" pitchFamily="18" charset="0"/>
+                        </a:rPr>
+                        <m:t>𝐹</m:t>
+                      </m:r>
+                    </m:oMath>
+                  </m:oMathPara>
+                </a14:m>
+                <a:endParaRPr lang="zh-CN" altLang="en-US" sz="2000" dirty="0"/>
+              </a:p>
+            </p:txBody>
+          </p:sp>
+        </mc:Choice>
+        <mc:Fallback>
+          <p:sp>
+            <p:nvSpPr>
+              <p:cNvPr id="17" name="文本框 16">
+                <a:extLst>
+                  <a:ext uri="{FF2B5EF4-FFF2-40B4-BE49-F238E27FC236}">
+                    <a16:creationId xmlns:a16="http://schemas.microsoft.com/office/drawing/2014/main" id="{39469224-A604-471A-83AD-867A8536504A}"/>
+                  </a:ext>
+                </a:extLst>
+              </p:cNvPr>
+              <p:cNvSpPr txBox="1">
+                <a:spLocks noRot="1" noChangeAspect="1" noMove="1" noResize="1" noEditPoints="1" noAdjustHandles="1" noChangeArrowheads="1" noChangeShapeType="1" noTextEdit="1"/>
+              </p:cNvSpPr>
+              <p:nvPr/>
+            </p:nvSpPr>
+            <p:spPr>
+              <a:xfrm>
+                <a:off x="8755116" y="3206719"/>
+                <a:ext cx="237629" cy="307777"/>
+              </a:xfrm>
+              <a:prstGeom prst="rect">
+                <a:avLst/>
+              </a:prstGeom>
+              <a:blipFill>
+                <a:blip r:embed="rId10"/>
+                <a:stretch>
+                  <a:fillRect l="-20513" r="-20513" b="-5882"/>
+                </a:stretch>
+              </a:blipFill>
+            </p:spPr>
+            <p:txBody>
+              <a:bodyPr/>
+              <a:lstStyle/>
+              <a:p>
+                <a:r>
+                  <a:rPr lang="zh-CN" altLang="en-US">
+                    <a:noFill/>
+                  </a:rPr>
+                  <a:t> </a:t>
+                </a:r>
+              </a:p>
+            </p:txBody>
+          </p:sp>
+        </mc:Fallback>
+      </mc:AlternateContent>
+      <mc:AlternateContent xmlns:mc="http://schemas.openxmlformats.org/markup-compatibility/2006">
+        <mc:Choice xmlns:a14="http://schemas.microsoft.com/office/drawing/2010/main" Requires="a14">
+          <p:sp>
+            <p:nvSpPr>
+              <p:cNvPr id="18" name="文本框 17">
+                <a:extLst>
+                  <a:ext uri="{FF2B5EF4-FFF2-40B4-BE49-F238E27FC236}">
+                    <a16:creationId xmlns:a16="http://schemas.microsoft.com/office/drawing/2014/main" id="{FF6C62DD-FB25-4BAD-941C-CA8754A681F4}"/>
+                  </a:ext>
+                </a:extLst>
+              </p:cNvPr>
+              <p:cNvSpPr txBox="1"/>
+              <p:nvPr/>
+            </p:nvSpPr>
+            <p:spPr>
+              <a:xfrm>
+                <a:off x="10269619" y="3176834"/>
+                <a:ext cx="177805" cy="307777"/>
+              </a:xfrm>
+              <a:prstGeom prst="rect">
+                <a:avLst/>
+              </a:prstGeom>
+              <a:noFill/>
+            </p:spPr>
+            <p:txBody>
+              <a:bodyPr wrap="none" lIns="0" tIns="0" rIns="0" bIns="0" rtlCol="0">
+                <a:spAutoFit/>
+              </a:bodyPr>
+              <a:lstStyle/>
+              <a:p>
+                <a14:m>
+                  <m:oMathPara xmlns:m="http://schemas.openxmlformats.org/officeDocument/2006/math">
+                    <m:oMathParaPr>
+                      <m:jc m:val="centerGroup"/>
+                    </m:oMathParaPr>
+                    <m:oMath xmlns:m="http://schemas.openxmlformats.org/officeDocument/2006/math">
+                      <m:r>
+                        <a:rPr lang="en-US" altLang="zh-CN" sz="2000" b="0" i="1" smtClean="0">
+                          <a:solidFill>
+                            <a:srgbClr val="FFC000"/>
+                          </a:solidFill>
+                          <a:latin typeface="Cambria Math" panose="02040503050406030204" pitchFamily="18" charset="0"/>
+                        </a:rPr>
+                        <m:t>𝑡</m:t>
+                      </m:r>
+                    </m:oMath>
+                  </m:oMathPara>
+                </a14:m>
+                <a:endParaRPr lang="zh-CN" altLang="en-US" sz="2000" dirty="0">
+                  <a:solidFill>
+                    <a:schemeClr val="accent4">
+                      <a:lumMod val="60000"/>
+                      <a:lumOff val="40000"/>
+                    </a:schemeClr>
+                  </a:solidFill>
+                </a:endParaRPr>
+              </a:p>
+            </p:txBody>
+          </p:sp>
+        </mc:Choice>
+        <mc:Fallback>
+          <p:sp>
+            <p:nvSpPr>
+              <p:cNvPr id="18" name="文本框 17">
+                <a:extLst>
+                  <a:ext uri="{FF2B5EF4-FFF2-40B4-BE49-F238E27FC236}">
+                    <a16:creationId xmlns:a16="http://schemas.microsoft.com/office/drawing/2014/main" id="{FF6C62DD-FB25-4BAD-941C-CA8754A681F4}"/>
+                  </a:ext>
+                </a:extLst>
+              </p:cNvPr>
+              <p:cNvSpPr txBox="1">
+                <a:spLocks noRot="1" noChangeAspect="1" noMove="1" noResize="1" noEditPoints="1" noAdjustHandles="1" noChangeArrowheads="1" noChangeShapeType="1" noTextEdit="1"/>
+              </p:cNvSpPr>
+              <p:nvPr/>
+            </p:nvSpPr>
+            <p:spPr>
+              <a:xfrm>
+                <a:off x="10269619" y="3176834"/>
+                <a:ext cx="177805" cy="307777"/>
+              </a:xfrm>
+              <a:prstGeom prst="rect">
+                <a:avLst/>
+              </a:prstGeom>
+              <a:blipFill>
+                <a:blip r:embed="rId11"/>
+                <a:stretch>
+                  <a:fillRect l="-24138" r="-24138" b="-1961"/>
+                </a:stretch>
+              </a:blipFill>
+            </p:spPr>
+            <p:txBody>
+              <a:bodyPr/>
+              <a:lstStyle/>
+              <a:p>
+                <a:r>
+                  <a:rPr lang="zh-CN" altLang="en-US">
+                    <a:noFill/>
+                  </a:rPr>
+                  <a:t> </a:t>
+                </a:r>
+              </a:p>
+            </p:txBody>
+          </p:sp>
+        </mc:Fallback>
+      </mc:AlternateContent>
+      <mc:AlternateContent xmlns:mc="http://schemas.openxmlformats.org/markup-compatibility/2006">
+        <mc:Choice xmlns:a14="http://schemas.microsoft.com/office/drawing/2010/main" Requires="a14">
+          <p:sp>
+            <p:nvSpPr>
+              <p:cNvPr id="19" name="文本框 18">
+                <a:extLst>
+                  <a:ext uri="{FF2B5EF4-FFF2-40B4-BE49-F238E27FC236}">
+                    <a16:creationId xmlns:a16="http://schemas.microsoft.com/office/drawing/2014/main" id="{4E3832F3-E617-4FD7-905B-DED970653EA1}"/>
+                  </a:ext>
+                </a:extLst>
+              </p:cNvPr>
+              <p:cNvSpPr txBox="1"/>
+              <p:nvPr/>
+            </p:nvSpPr>
+            <p:spPr>
+              <a:xfrm>
+                <a:off x="8494893" y="3568250"/>
+                <a:ext cx="1082797" cy="307777"/>
+              </a:xfrm>
+              <a:prstGeom prst="rect">
+                <a:avLst/>
+              </a:prstGeom>
+              <a:noFill/>
+            </p:spPr>
+            <p:txBody>
+              <a:bodyPr wrap="none" lIns="0" tIns="0" rIns="0" bIns="0" rtlCol="0">
+                <a:spAutoFit/>
+              </a:bodyPr>
+              <a:lstStyle/>
+              <a:p>
+                <a14:m>
+                  <m:oMathPara xmlns:m="http://schemas.openxmlformats.org/officeDocument/2006/math">
+                    <m:oMathParaPr>
+                      <m:jc m:val="centerGroup"/>
+                    </m:oMathParaPr>
+                    <m:oMath xmlns:m="http://schemas.openxmlformats.org/officeDocument/2006/math">
+                      <m:r>
+                        <a:rPr lang="en-US" altLang="zh-CN" sz="2000" b="0" i="1" smtClean="0">
+                          <a:latin typeface="Cambria Math" panose="02040503050406030204" pitchFamily="18" charset="0"/>
+                        </a:rPr>
+                        <m:t>=</m:t>
+                      </m:r>
+                      <m:r>
+                        <a:rPr lang="en-US" altLang="zh-CN" sz="2000" b="0" i="1" smtClean="0">
+                          <a:latin typeface="Cambria Math" panose="02040503050406030204" pitchFamily="18" charset="0"/>
+                        </a:rPr>
+                        <m:t>𝐹</m:t>
+                      </m:r>
+                      <m:r>
+                        <a:rPr lang="en-US" altLang="zh-CN" sz="2000" b="1" i="1" smtClean="0">
+                          <a:latin typeface="Cambria Math" panose="02040503050406030204" pitchFamily="18" charset="0"/>
+                        </a:rPr>
+                        <m:t>𝑿</m:t>
+                      </m:r>
+                      <m:r>
+                        <a:rPr lang="en-US" altLang="zh-CN" sz="2000" b="0" i="1" smtClean="0">
+                          <a:latin typeface="Cambria Math" panose="02040503050406030204" pitchFamily="18" charset="0"/>
+                        </a:rPr>
+                        <m:t>+</m:t>
+                      </m:r>
+                      <m:r>
+                        <a:rPr lang="en-US" altLang="zh-CN" sz="2000" b="0" i="1" smtClean="0">
+                          <a:latin typeface="Cambria Math" panose="02040503050406030204" pitchFamily="18" charset="0"/>
+                        </a:rPr>
+                        <m:t>𝑡</m:t>
+                      </m:r>
+                    </m:oMath>
+                  </m:oMathPara>
+                </a14:m>
+                <a:endParaRPr lang="zh-CN" altLang="en-US" sz="2000" dirty="0"/>
+              </a:p>
+            </p:txBody>
+          </p:sp>
+        </mc:Choice>
+        <mc:Fallback>
+          <p:sp>
+            <p:nvSpPr>
+              <p:cNvPr id="19" name="文本框 18">
+                <a:extLst>
+                  <a:ext uri="{FF2B5EF4-FFF2-40B4-BE49-F238E27FC236}">
+                    <a16:creationId xmlns:a16="http://schemas.microsoft.com/office/drawing/2014/main" id="{4E3832F3-E617-4FD7-905B-DED970653EA1}"/>
+                  </a:ext>
+                </a:extLst>
+              </p:cNvPr>
+              <p:cNvSpPr txBox="1">
+                <a:spLocks noRot="1" noChangeAspect="1" noMove="1" noResize="1" noEditPoints="1" noAdjustHandles="1" noChangeArrowheads="1" noChangeShapeType="1" noTextEdit="1"/>
+              </p:cNvSpPr>
+              <p:nvPr/>
+            </p:nvSpPr>
+            <p:spPr>
+              <a:xfrm>
+                <a:off x="8494893" y="3568250"/>
+                <a:ext cx="1082797" cy="307777"/>
+              </a:xfrm>
+              <a:prstGeom prst="rect">
+                <a:avLst/>
+              </a:prstGeom>
+              <a:blipFill>
+                <a:blip r:embed="rId12"/>
+                <a:stretch>
+                  <a:fillRect l="-1695" r="-3955" b="-5882"/>
+                </a:stretch>
+              </a:blipFill>
+            </p:spPr>
+            <p:txBody>
+              <a:bodyPr/>
+              <a:lstStyle/>
+              <a:p>
+                <a:r>
+                  <a:rPr lang="zh-CN" altLang="en-US">
+                    <a:noFill/>
+                  </a:rPr>
+                  <a:t> </a:t>
+                </a:r>
+              </a:p>
+            </p:txBody>
+          </p:sp>
+        </mc:Fallback>
+      </mc:AlternateContent>
     </p:spTree>
     <p:extLst>
       <p:ext uri="{BB962C8B-B14F-4D97-AF65-F5344CB8AC3E}">

--- a/20220725_simulation/Deformable Simulation.pptx
+++ b/20220725_simulation/Deformable Simulation.pptx
@@ -18,6 +18,7 @@
     <p:sldId id="266" r:id="rId12"/>
     <p:sldId id="267" r:id="rId13"/>
     <p:sldId id="268" r:id="rId14"/>
+    <p:sldId id="269" r:id="rId15"/>
   </p:sldIdLst>
   <p:sldSz cx="12192000" cy="6858000"/>
   <p:notesSz cx="6858000" cy="9144000"/>
@@ -6100,7 +6101,7 @@
             </p:spPr>
             <p:txBody>
               <a:bodyPr vert="horz" lIns="91440" tIns="45720" rIns="91440" bIns="45720" rtlCol="0">
-                <a:normAutofit/>
+                <a:normAutofit lnSpcReduction="10000"/>
               </a:bodyPr>
               <a:lstStyle>
                 <a:lvl1pPr marL="228600" indent="-228600" algn="l" defTabSz="914400" rtl="0" eaLnBrk="1" latinLnBrk="0" hangingPunct="1">
@@ -6269,7 +6270,7 @@
               <a:p>
                 <a:r>
                   <a:rPr lang="en-US" altLang="zh-CN" sz="2400" dirty="0"/>
-                  <a:t>How to describe the deformation</a:t>
+                  <a:t>How to describe the deformation?</a:t>
                 </a:r>
               </a:p>
               <a:p>
@@ -6343,7 +6344,79 @@
                     </m:r>
                   </m:oMath>
                 </a14:m>
-                <a:endParaRPr lang="en-US" altLang="zh-CN" sz="2400" b="1" dirty="0"/>
+                <a:r>
+                  <a:rPr lang="en-US" altLang="zh-CN" sz="2400" b="1" dirty="0"/>
+                  <a:t>                                  </a:t>
+                </a:r>
+                <a14:m>
+                  <m:oMath xmlns:m="http://schemas.openxmlformats.org/officeDocument/2006/math">
+                    <m:r>
+                      <a:rPr lang="en-US" altLang="zh-CN" sz="2400" b="0" i="1" dirty="0" smtClean="0">
+                        <a:latin typeface="Cambria Math" panose="02040503050406030204" pitchFamily="18" charset="0"/>
+                      </a:rPr>
+                      <m:t>𝐹</m:t>
+                    </m:r>
+                    <m:r>
+                      <a:rPr lang="en-US" altLang="zh-CN" sz="2400" b="0" i="1" dirty="0" smtClean="0">
+                        <a:latin typeface="Cambria Math" panose="02040503050406030204" pitchFamily="18" charset="0"/>
+                      </a:rPr>
+                      <m:t>=</m:t>
+                    </m:r>
+                    <m:f>
+                      <m:fPr>
+                        <m:ctrlPr>
+                          <a:rPr lang="en-US" altLang="zh-CN" sz="2400" i="1">
+                            <a:latin typeface="Cambria Math" panose="02040503050406030204" pitchFamily="18" charset="0"/>
+                            <a:ea typeface="Cambria Math" panose="02040503050406030204" pitchFamily="18" charset="0"/>
+                          </a:rPr>
+                        </m:ctrlPr>
+                      </m:fPr>
+                      <m:num>
+                        <m:r>
+                          <a:rPr lang="zh-CN" altLang="en-US" sz="2400" i="1">
+                            <a:latin typeface="Cambria Math" panose="02040503050406030204" pitchFamily="18" charset="0"/>
+                            <a:ea typeface="Cambria Math" panose="02040503050406030204" pitchFamily="18" charset="0"/>
+                          </a:rPr>
+                          <m:t>𝜕</m:t>
+                        </m:r>
+                        <m:r>
+                          <a:rPr lang="en-US" altLang="zh-CN" sz="2400" i="1">
+                            <a:latin typeface="Cambria Math" panose="02040503050406030204" pitchFamily="18" charset="0"/>
+                            <a:ea typeface="Cambria Math" panose="02040503050406030204" pitchFamily="18" charset="0"/>
+                          </a:rPr>
+                          <m:t>𝜙</m:t>
+                        </m:r>
+                      </m:num>
+                      <m:den>
+                        <m:r>
+                          <a:rPr lang="zh-CN" altLang="en-US" sz="2400" i="1">
+                            <a:latin typeface="Cambria Math" panose="02040503050406030204" pitchFamily="18" charset="0"/>
+                          </a:rPr>
+                          <m:t>𝜕</m:t>
+                        </m:r>
+                        <m:r>
+                          <a:rPr lang="en-US" altLang="zh-CN" sz="2400" b="1" i="1">
+                            <a:latin typeface="Cambria Math" panose="02040503050406030204" pitchFamily="18" charset="0"/>
+                          </a:rPr>
+                          <m:t>𝑿</m:t>
+                        </m:r>
+                      </m:den>
+                    </m:f>
+                    <m:r>
+                      <a:rPr lang="en-US" altLang="zh-CN" sz="2400" b="0" i="1" smtClean="0">
+                        <a:latin typeface="Cambria Math" panose="02040503050406030204" pitchFamily="18" charset="0"/>
+                      </a:rPr>
+                      <m:t>=</m:t>
+                    </m:r>
+                    <m:r>
+                      <a:rPr lang="en-US" altLang="zh-CN" sz="2400" b="0" i="1" smtClean="0">
+                        <a:latin typeface="Cambria Math" panose="02040503050406030204" pitchFamily="18" charset="0"/>
+                      </a:rPr>
+                      <m:t>𝐼</m:t>
+                    </m:r>
+                  </m:oMath>
+                </a14:m>
+                <a:endParaRPr lang="en-US" altLang="zh-CN" sz="2400" dirty="0"/>
               </a:p>
               <a:p>
                 <a:r>
@@ -6392,6 +6465,78 @@
                         <a:latin typeface="Cambria Math" panose="02040503050406030204" pitchFamily="18" charset="0"/>
                       </a:rPr>
                       <m:t>𝑿</m:t>
+                    </m:r>
+                  </m:oMath>
+                </a14:m>
+                <a:r>
+                  <a:rPr lang="en-US" altLang="zh-CN" sz="2400" b="1" dirty="0"/>
+                  <a:t>                                         </a:t>
+                </a:r>
+                <a14:m>
+                  <m:oMath xmlns:m="http://schemas.openxmlformats.org/officeDocument/2006/math">
+                    <m:r>
+                      <a:rPr lang="en-US" altLang="zh-CN" sz="2400" i="1" dirty="0">
+                        <a:latin typeface="Cambria Math" panose="02040503050406030204" pitchFamily="18" charset="0"/>
+                      </a:rPr>
+                      <m:t>𝐹</m:t>
+                    </m:r>
+                    <m:r>
+                      <a:rPr lang="en-US" altLang="zh-CN" sz="2400" i="1" dirty="0">
+                        <a:latin typeface="Cambria Math" panose="02040503050406030204" pitchFamily="18" charset="0"/>
+                      </a:rPr>
+                      <m:t>=</m:t>
+                    </m:r>
+                    <m:f>
+                      <m:fPr>
+                        <m:ctrlPr>
+                          <a:rPr lang="en-US" altLang="zh-CN" sz="2400" i="1">
+                            <a:latin typeface="Cambria Math" panose="02040503050406030204" pitchFamily="18" charset="0"/>
+                            <a:ea typeface="Cambria Math" panose="02040503050406030204" pitchFamily="18" charset="0"/>
+                          </a:rPr>
+                        </m:ctrlPr>
+                      </m:fPr>
+                      <m:num>
+                        <m:r>
+                          <a:rPr lang="zh-CN" altLang="en-US" sz="2400" i="1">
+                            <a:latin typeface="Cambria Math" panose="02040503050406030204" pitchFamily="18" charset="0"/>
+                            <a:ea typeface="Cambria Math" panose="02040503050406030204" pitchFamily="18" charset="0"/>
+                          </a:rPr>
+                          <m:t>𝜕</m:t>
+                        </m:r>
+                        <m:r>
+                          <a:rPr lang="en-US" altLang="zh-CN" sz="2400" i="1">
+                            <a:latin typeface="Cambria Math" panose="02040503050406030204" pitchFamily="18" charset="0"/>
+                            <a:ea typeface="Cambria Math" panose="02040503050406030204" pitchFamily="18" charset="0"/>
+                          </a:rPr>
+                          <m:t>𝜙</m:t>
+                        </m:r>
+                      </m:num>
+                      <m:den>
+                        <m:r>
+                          <a:rPr lang="zh-CN" altLang="en-US" sz="2400" i="1">
+                            <a:latin typeface="Cambria Math" panose="02040503050406030204" pitchFamily="18" charset="0"/>
+                          </a:rPr>
+                          <m:t>𝜕</m:t>
+                        </m:r>
+                        <m:r>
+                          <a:rPr lang="en-US" altLang="zh-CN" sz="2400" b="1" i="1">
+                            <a:latin typeface="Cambria Math" panose="02040503050406030204" pitchFamily="18" charset="0"/>
+                          </a:rPr>
+                          <m:t>𝑿</m:t>
+                        </m:r>
+                      </m:den>
+                    </m:f>
+                    <m:r>
+                      <a:rPr lang="en-US" altLang="zh-CN" sz="2400" i="1">
+                        <a:latin typeface="Cambria Math" panose="02040503050406030204" pitchFamily="18" charset="0"/>
+                      </a:rPr>
+                      <m:t>=</m:t>
+                    </m:r>
+                    <m:r>
+                      <a:rPr lang="en-US" altLang="zh-CN" sz="2400" b="0" i="1" smtClean="0">
+                        <a:latin typeface="Cambria Math" panose="02040503050406030204" pitchFamily="18" charset="0"/>
+                      </a:rPr>
+                      <m:t>𝑅</m:t>
                     </m:r>
                   </m:oMath>
                 </a14:m>
@@ -6447,6 +6592,78 @@
                     </m:r>
                   </m:oMath>
                 </a14:m>
+                <a:r>
+                  <a:rPr lang="en-US" altLang="zh-CN" sz="2400" b="1" dirty="0"/>
+                  <a:t>                                           </a:t>
+                </a:r>
+                <a14:m>
+                  <m:oMath xmlns:m="http://schemas.openxmlformats.org/officeDocument/2006/math">
+                    <m:r>
+                      <a:rPr lang="en-US" altLang="zh-CN" sz="2400" i="1" dirty="0">
+                        <a:latin typeface="Cambria Math" panose="02040503050406030204" pitchFamily="18" charset="0"/>
+                      </a:rPr>
+                      <m:t>𝐹</m:t>
+                    </m:r>
+                    <m:r>
+                      <a:rPr lang="en-US" altLang="zh-CN" sz="2400" i="1" dirty="0">
+                        <a:latin typeface="Cambria Math" panose="02040503050406030204" pitchFamily="18" charset="0"/>
+                      </a:rPr>
+                      <m:t>=</m:t>
+                    </m:r>
+                    <m:f>
+                      <m:fPr>
+                        <m:ctrlPr>
+                          <a:rPr lang="en-US" altLang="zh-CN" sz="2400" i="1">
+                            <a:latin typeface="Cambria Math" panose="02040503050406030204" pitchFamily="18" charset="0"/>
+                            <a:ea typeface="Cambria Math" panose="02040503050406030204" pitchFamily="18" charset="0"/>
+                          </a:rPr>
+                        </m:ctrlPr>
+                      </m:fPr>
+                      <m:num>
+                        <m:r>
+                          <a:rPr lang="zh-CN" altLang="en-US" sz="2400" i="1">
+                            <a:latin typeface="Cambria Math" panose="02040503050406030204" pitchFamily="18" charset="0"/>
+                            <a:ea typeface="Cambria Math" panose="02040503050406030204" pitchFamily="18" charset="0"/>
+                          </a:rPr>
+                          <m:t>𝜕</m:t>
+                        </m:r>
+                        <m:r>
+                          <a:rPr lang="en-US" altLang="zh-CN" sz="2400" i="1">
+                            <a:latin typeface="Cambria Math" panose="02040503050406030204" pitchFamily="18" charset="0"/>
+                            <a:ea typeface="Cambria Math" panose="02040503050406030204" pitchFamily="18" charset="0"/>
+                          </a:rPr>
+                          <m:t>𝜙</m:t>
+                        </m:r>
+                      </m:num>
+                      <m:den>
+                        <m:r>
+                          <a:rPr lang="zh-CN" altLang="en-US" sz="2400" i="1">
+                            <a:latin typeface="Cambria Math" panose="02040503050406030204" pitchFamily="18" charset="0"/>
+                          </a:rPr>
+                          <m:t>𝜕</m:t>
+                        </m:r>
+                        <m:r>
+                          <a:rPr lang="en-US" altLang="zh-CN" sz="2400" b="1" i="1">
+                            <a:latin typeface="Cambria Math" panose="02040503050406030204" pitchFamily="18" charset="0"/>
+                          </a:rPr>
+                          <m:t>𝑿</m:t>
+                        </m:r>
+                      </m:den>
+                    </m:f>
+                    <m:r>
+                      <a:rPr lang="en-US" altLang="zh-CN" sz="2400" i="1">
+                        <a:latin typeface="Cambria Math" panose="02040503050406030204" pitchFamily="18" charset="0"/>
+                      </a:rPr>
+                      <m:t>=</m:t>
+                    </m:r>
+                    <m:r>
+                      <a:rPr lang="en-US" altLang="zh-CN" sz="2400" b="0" i="1" smtClean="0">
+                        <a:latin typeface="Cambria Math" panose="02040503050406030204" pitchFamily="18" charset="0"/>
+                      </a:rPr>
+                      <m:t>𝑆</m:t>
+                    </m:r>
+                  </m:oMath>
+                </a14:m>
                 <a:endParaRPr lang="en-US" altLang="zh-CN" sz="2400" b="1" dirty="0"/>
               </a:p>
             </p:txBody>
@@ -6478,7 +6695,7 @@
               <a:blipFill>
                 <a:blip r:embed="rId2"/>
                 <a:stretch>
-                  <a:fillRect l="-812" t="-1821"/>
+                  <a:fillRect l="-812" t="-2521"/>
                 </a:stretch>
               </a:blipFill>
             </p:spPr>
@@ -7797,8 +8014,8 @@
             </p:nvSpPr>
             <p:spPr>
               <a:xfrm>
-                <a:off x="8494893" y="3568250"/>
-                <a:ext cx="1082797" cy="307777"/>
+                <a:off x="8263178" y="3568250"/>
+                <a:ext cx="1298048" cy="307777"/>
               </a:xfrm>
               <a:prstGeom prst="rect">
                 <a:avLst/>
@@ -7818,10 +8035,17 @@
                     </m:oMathParaPr>
                     <m:oMath xmlns:m="http://schemas.openxmlformats.org/officeDocument/2006/math">
                       <m:r>
-                        <a:rPr lang="en-US" altLang="zh-CN" sz="2000" b="0" i="1" smtClean="0">
+                        <a:rPr lang="en-US" altLang="zh-CN" sz="2000" b="1" i="1" smtClean="0">
                           <a:latin typeface="Cambria Math" panose="02040503050406030204" pitchFamily="18" charset="0"/>
                         </a:rPr>
-                        <m:t>=</m:t>
+                        <m:t>𝒙</m:t>
+                      </m:r>
+                      <m:r>
+                        <a:rPr lang="en-US" altLang="zh-CN" sz="2000" i="1">
+                          <a:latin typeface="Cambria Math" panose="02040503050406030204" pitchFamily="18" charset="0"/>
+                          <a:ea typeface="Cambria Math" panose="02040503050406030204" pitchFamily="18" charset="0"/>
+                        </a:rPr>
+                        <m:t>≈</m:t>
                       </m:r>
                       <m:r>
                         <a:rPr lang="en-US" altLang="zh-CN" sz="2000" b="0" i="1" smtClean="0">
@@ -7872,8 +8096,8 @@
             </p:nvSpPr>
             <p:spPr>
               <a:xfrm>
-                <a:off x="8494893" y="3568250"/>
-                <a:ext cx="1082797" cy="307777"/>
+                <a:off x="8263178" y="3568250"/>
+                <a:ext cx="1298048" cy="307777"/>
               </a:xfrm>
               <a:prstGeom prst="rect">
                 <a:avLst/>
@@ -7881,7 +8105,7 @@
               <a:blipFill>
                 <a:blip r:embed="rId12"/>
                 <a:stretch>
-                  <a:fillRect l="-1695" r="-3955" b="-5882"/>
+                  <a:fillRect l="-1887" r="-3302" b="-5882"/>
                 </a:stretch>
               </a:blipFill>
             </p:spPr>
@@ -7904,6 +8128,1461 @@
     <p:extLst>
       <p:ext uri="{BB962C8B-B14F-4D97-AF65-F5344CB8AC3E}">
         <p14:creationId xmlns:p14="http://schemas.microsoft.com/office/powerpoint/2010/main" val="984612736"/>
+      </p:ext>
+    </p:extLst>
+  </p:cSld>
+  <p:clrMapOvr>
+    <a:masterClrMapping/>
+  </p:clrMapOvr>
+</p:sld>
+</file>
+
+<file path=ppt/slides/slide14.xml><?xml version="1.0" encoding="utf-8"?>
+<p:sld xmlns:a="http://schemas.openxmlformats.org/drawingml/2006/main" xmlns:r="http://schemas.openxmlformats.org/officeDocument/2006/relationships" xmlns:p="http://schemas.openxmlformats.org/presentationml/2006/main">
+  <p:cSld>
+    <p:spTree>
+      <p:nvGrpSpPr>
+        <p:cNvPr id="1" name=""/>
+        <p:cNvGrpSpPr/>
+        <p:nvPr/>
+      </p:nvGrpSpPr>
+      <p:grpSpPr>
+        <a:xfrm>
+          <a:off x="0" y="0"/>
+          <a:ext cx="0" cy="0"/>
+          <a:chOff x="0" y="0"/>
+          <a:chExt cx="0" cy="0"/>
+        </a:xfrm>
+      </p:grpSpPr>
+      <p:sp>
+        <p:nvSpPr>
+          <p:cNvPr id="4" name="标题 1">
+            <a:extLst>
+              <a:ext uri="{FF2B5EF4-FFF2-40B4-BE49-F238E27FC236}">
+                <a16:creationId xmlns:a16="http://schemas.microsoft.com/office/drawing/2014/main" id="{2133513E-AC8C-4211-8D8D-85A9EF14DC79}"/>
+              </a:ext>
+            </a:extLst>
+          </p:cNvPr>
+          <p:cNvSpPr txBox="1">
+            <a:spLocks/>
+          </p:cNvSpPr>
+          <p:nvPr/>
+        </p:nvSpPr>
+        <p:spPr>
+          <a:xfrm>
+            <a:off x="990600" y="517525"/>
+            <a:ext cx="10515600" cy="1325563"/>
+          </a:xfrm>
+          <a:prstGeom prst="rect">
+            <a:avLst/>
+          </a:prstGeom>
+        </p:spPr>
+        <p:txBody>
+          <a:bodyPr vert="horz" lIns="91440" tIns="45720" rIns="91440" bIns="45720" rtlCol="0" anchor="ctr">
+            <a:normAutofit/>
+          </a:bodyPr>
+          <a:lstStyle>
+            <a:lvl1pPr algn="l" defTabSz="914400" rtl="0" eaLnBrk="1" latinLnBrk="0" hangingPunct="1">
+              <a:lnSpc>
+                <a:spcPct val="90000"/>
+              </a:lnSpc>
+              <a:spcBef>
+                <a:spcPct val="0"/>
+              </a:spcBef>
+              <a:buNone/>
+              <a:defRPr sz="4400" kern="1200">
+                <a:solidFill>
+                  <a:schemeClr val="tx1"/>
+                </a:solidFill>
+                <a:latin typeface="+mj-lt"/>
+                <a:ea typeface="+mj-ea"/>
+                <a:cs typeface="+mj-cs"/>
+              </a:defRPr>
+            </a:lvl1pPr>
+          </a:lstStyle>
+          <a:p>
+            <a:r>
+              <a:rPr lang="en-US" altLang="zh-CN" dirty="0">
+                <a:latin typeface="微软雅黑" panose="020B0503020204020204" pitchFamily="34" charset="-122"/>
+                <a:ea typeface="微软雅黑" panose="020B0503020204020204" pitchFamily="34" charset="-122"/>
+              </a:rPr>
+              <a:t>Linear finite element method (FEM)</a:t>
+            </a:r>
+            <a:endParaRPr lang="zh-CN" altLang="en-US" dirty="0">
+              <a:latin typeface="微软雅黑" panose="020B0503020204020204" pitchFamily="34" charset="-122"/>
+              <a:ea typeface="微软雅黑" panose="020B0503020204020204" pitchFamily="34" charset="-122"/>
+            </a:endParaRPr>
+          </a:p>
+        </p:txBody>
+      </p:sp>
+      <mc:AlternateContent xmlns:mc="http://schemas.openxmlformats.org/markup-compatibility/2006">
+        <mc:Choice xmlns:a14="http://schemas.microsoft.com/office/drawing/2010/main" Requires="a14">
+          <p:sp>
+            <p:nvSpPr>
+              <p:cNvPr id="5" name="内容占位符 2">
+                <a:extLst>
+                  <a:ext uri="{FF2B5EF4-FFF2-40B4-BE49-F238E27FC236}">
+                    <a16:creationId xmlns:a16="http://schemas.microsoft.com/office/drawing/2014/main" id="{0BEC3563-0F13-4A96-BBEA-B7D1F6A386B6}"/>
+                  </a:ext>
+                </a:extLst>
+              </p:cNvPr>
+              <p:cNvSpPr txBox="1">
+                <a:spLocks/>
+              </p:cNvSpPr>
+              <p:nvPr/>
+            </p:nvSpPr>
+            <p:spPr>
+              <a:xfrm>
+                <a:off x="990600" y="1978025"/>
+                <a:ext cx="10515600" cy="4351338"/>
+              </a:xfrm>
+              <a:prstGeom prst="rect">
+                <a:avLst/>
+              </a:prstGeom>
+            </p:spPr>
+            <p:txBody>
+              <a:bodyPr vert="horz" lIns="91440" tIns="45720" rIns="91440" bIns="45720" rtlCol="0">
+                <a:normAutofit/>
+              </a:bodyPr>
+              <a:lstStyle>
+                <a:lvl1pPr marL="228600" indent="-228600" algn="l" defTabSz="914400" rtl="0" eaLnBrk="1" latinLnBrk="0" hangingPunct="1">
+                  <a:lnSpc>
+                    <a:spcPct val="90000"/>
+                  </a:lnSpc>
+                  <a:spcBef>
+                    <a:spcPts val="1000"/>
+                  </a:spcBef>
+                  <a:buFont typeface="Arial" panose="020B0604020202020204" pitchFamily="34" charset="0"/>
+                  <a:buChar char="•"/>
+                  <a:defRPr sz="2800" kern="1200">
+                    <a:solidFill>
+                      <a:schemeClr val="tx1"/>
+                    </a:solidFill>
+                    <a:latin typeface="+mn-lt"/>
+                    <a:ea typeface="+mn-ea"/>
+                    <a:cs typeface="+mn-cs"/>
+                  </a:defRPr>
+                </a:lvl1pPr>
+                <a:lvl2pPr marL="685800" indent="-228600" algn="l" defTabSz="914400" rtl="0" eaLnBrk="1" latinLnBrk="0" hangingPunct="1">
+                  <a:lnSpc>
+                    <a:spcPct val="90000"/>
+                  </a:lnSpc>
+                  <a:spcBef>
+                    <a:spcPts val="500"/>
+                  </a:spcBef>
+                  <a:buFont typeface="Arial" panose="020B0604020202020204" pitchFamily="34" charset="0"/>
+                  <a:buChar char="•"/>
+                  <a:defRPr sz="2400" kern="1200">
+                    <a:solidFill>
+                      <a:schemeClr val="tx1"/>
+                    </a:solidFill>
+                    <a:latin typeface="+mn-lt"/>
+                    <a:ea typeface="+mn-ea"/>
+                    <a:cs typeface="+mn-cs"/>
+                  </a:defRPr>
+                </a:lvl2pPr>
+                <a:lvl3pPr marL="1143000" indent="-228600" algn="l" defTabSz="914400" rtl="0" eaLnBrk="1" latinLnBrk="0" hangingPunct="1">
+                  <a:lnSpc>
+                    <a:spcPct val="90000"/>
+                  </a:lnSpc>
+                  <a:spcBef>
+                    <a:spcPts val="500"/>
+                  </a:spcBef>
+                  <a:buFont typeface="Arial" panose="020B0604020202020204" pitchFamily="34" charset="0"/>
+                  <a:buChar char="•"/>
+                  <a:defRPr sz="2000" kern="1200">
+                    <a:solidFill>
+                      <a:schemeClr val="tx1"/>
+                    </a:solidFill>
+                    <a:latin typeface="+mn-lt"/>
+                    <a:ea typeface="+mn-ea"/>
+                    <a:cs typeface="+mn-cs"/>
+                  </a:defRPr>
+                </a:lvl3pPr>
+                <a:lvl4pPr marL="1600200" indent="-228600" algn="l" defTabSz="914400" rtl="0" eaLnBrk="1" latinLnBrk="0" hangingPunct="1">
+                  <a:lnSpc>
+                    <a:spcPct val="90000"/>
+                  </a:lnSpc>
+                  <a:spcBef>
+                    <a:spcPts val="500"/>
+                  </a:spcBef>
+                  <a:buFont typeface="Arial" panose="020B0604020202020204" pitchFamily="34" charset="0"/>
+                  <a:buChar char="•"/>
+                  <a:defRPr sz="1800" kern="1200">
+                    <a:solidFill>
+                      <a:schemeClr val="tx1"/>
+                    </a:solidFill>
+                    <a:latin typeface="+mn-lt"/>
+                    <a:ea typeface="+mn-ea"/>
+                    <a:cs typeface="+mn-cs"/>
+                  </a:defRPr>
+                </a:lvl4pPr>
+                <a:lvl5pPr marL="2057400" indent="-228600" algn="l" defTabSz="914400" rtl="0" eaLnBrk="1" latinLnBrk="0" hangingPunct="1">
+                  <a:lnSpc>
+                    <a:spcPct val="90000"/>
+                  </a:lnSpc>
+                  <a:spcBef>
+                    <a:spcPts val="500"/>
+                  </a:spcBef>
+                  <a:buFont typeface="Arial" panose="020B0604020202020204" pitchFamily="34" charset="0"/>
+                  <a:buChar char="•"/>
+                  <a:defRPr sz="1800" kern="1200">
+                    <a:solidFill>
+                      <a:schemeClr val="tx1"/>
+                    </a:solidFill>
+                    <a:latin typeface="+mn-lt"/>
+                    <a:ea typeface="+mn-ea"/>
+                    <a:cs typeface="+mn-cs"/>
+                  </a:defRPr>
+                </a:lvl5pPr>
+                <a:lvl6pPr marL="2514600" indent="-228600" algn="l" defTabSz="914400" rtl="0" eaLnBrk="1" latinLnBrk="0" hangingPunct="1">
+                  <a:lnSpc>
+                    <a:spcPct val="90000"/>
+                  </a:lnSpc>
+                  <a:spcBef>
+                    <a:spcPts val="500"/>
+                  </a:spcBef>
+                  <a:buFont typeface="Arial" panose="020B0604020202020204" pitchFamily="34" charset="0"/>
+                  <a:buChar char="•"/>
+                  <a:defRPr sz="1800" kern="1200">
+                    <a:solidFill>
+                      <a:schemeClr val="tx1"/>
+                    </a:solidFill>
+                    <a:latin typeface="+mn-lt"/>
+                    <a:ea typeface="+mn-ea"/>
+                    <a:cs typeface="+mn-cs"/>
+                  </a:defRPr>
+                </a:lvl6pPr>
+                <a:lvl7pPr marL="2971800" indent="-228600" algn="l" defTabSz="914400" rtl="0" eaLnBrk="1" latinLnBrk="0" hangingPunct="1">
+                  <a:lnSpc>
+                    <a:spcPct val="90000"/>
+                  </a:lnSpc>
+                  <a:spcBef>
+                    <a:spcPts val="500"/>
+                  </a:spcBef>
+                  <a:buFont typeface="Arial" panose="020B0604020202020204" pitchFamily="34" charset="0"/>
+                  <a:buChar char="•"/>
+                  <a:defRPr sz="1800" kern="1200">
+                    <a:solidFill>
+                      <a:schemeClr val="tx1"/>
+                    </a:solidFill>
+                    <a:latin typeface="+mn-lt"/>
+                    <a:ea typeface="+mn-ea"/>
+                    <a:cs typeface="+mn-cs"/>
+                  </a:defRPr>
+                </a:lvl7pPr>
+                <a:lvl8pPr marL="3429000" indent="-228600" algn="l" defTabSz="914400" rtl="0" eaLnBrk="1" latinLnBrk="0" hangingPunct="1">
+                  <a:lnSpc>
+                    <a:spcPct val="90000"/>
+                  </a:lnSpc>
+                  <a:spcBef>
+                    <a:spcPts val="500"/>
+                  </a:spcBef>
+                  <a:buFont typeface="Arial" panose="020B0604020202020204" pitchFamily="34" charset="0"/>
+                  <a:buChar char="•"/>
+                  <a:defRPr sz="1800" kern="1200">
+                    <a:solidFill>
+                      <a:schemeClr val="tx1"/>
+                    </a:solidFill>
+                    <a:latin typeface="+mn-lt"/>
+                    <a:ea typeface="+mn-ea"/>
+                    <a:cs typeface="+mn-cs"/>
+                  </a:defRPr>
+                </a:lvl8pPr>
+                <a:lvl9pPr marL="3886200" indent="-228600" algn="l" defTabSz="914400" rtl="0" eaLnBrk="1" latinLnBrk="0" hangingPunct="1">
+                  <a:lnSpc>
+                    <a:spcPct val="90000"/>
+                  </a:lnSpc>
+                  <a:spcBef>
+                    <a:spcPts val="500"/>
+                  </a:spcBef>
+                  <a:buFont typeface="Arial" panose="020B0604020202020204" pitchFamily="34" charset="0"/>
+                  <a:buChar char="•"/>
+                  <a:defRPr sz="1800" kern="1200">
+                    <a:solidFill>
+                      <a:schemeClr val="tx1"/>
+                    </a:solidFill>
+                    <a:latin typeface="+mn-lt"/>
+                    <a:ea typeface="+mn-ea"/>
+                    <a:cs typeface="+mn-cs"/>
+                  </a:defRPr>
+                </a:lvl9pPr>
+              </a:lstStyle>
+              <a:p>
+                <a:r>
+                  <a:rPr lang="en-US" altLang="zh-CN" sz="2400" dirty="0"/>
+                  <a:t>How to describe the elastic energy?</a:t>
+                </a:r>
+              </a:p>
+              <a:p>
+                <a:r>
+                  <a:rPr lang="en-US" altLang="zh-CN" sz="2400" dirty="0"/>
+                  <a:t>Define: </a:t>
+                </a:r>
+                <a14:m>
+                  <m:oMath xmlns:m="http://schemas.openxmlformats.org/officeDocument/2006/math">
+                    <m:r>
+                      <m:rPr>
+                        <m:sty m:val="p"/>
+                      </m:rPr>
+                      <a:rPr lang="en-US" altLang="zh-CN" sz="2400" b="0" i="0" smtClean="0">
+                        <a:latin typeface="Cambria Math" panose="02040503050406030204" pitchFamily="18" charset="0"/>
+                      </a:rPr>
+                      <m:t>Ψ</m:t>
+                    </m:r>
+                    <m:d>
+                      <m:dPr>
+                        <m:ctrlPr>
+                          <a:rPr lang="en-US" altLang="zh-CN" sz="2400" b="0" i="1" smtClean="0">
+                            <a:latin typeface="Cambria Math" panose="02040503050406030204" pitchFamily="18" charset="0"/>
+                          </a:rPr>
+                        </m:ctrlPr>
+                      </m:dPr>
+                      <m:e>
+                        <m:r>
+                          <a:rPr lang="en-US" altLang="zh-CN" sz="2400" b="1" i="1" smtClean="0">
+                            <a:latin typeface="Cambria Math" panose="02040503050406030204" pitchFamily="18" charset="0"/>
+                          </a:rPr>
+                          <m:t>𝒙</m:t>
+                        </m:r>
+                      </m:e>
+                    </m:d>
+                    <m:r>
+                      <a:rPr lang="en-US" altLang="zh-CN" sz="2400" b="0" i="1" smtClean="0">
+                        <a:latin typeface="Cambria Math" panose="02040503050406030204" pitchFamily="18" charset="0"/>
+                      </a:rPr>
+                      <m:t>=</m:t>
+                    </m:r>
+                    <m:r>
+                      <m:rPr>
+                        <m:sty m:val="p"/>
+                      </m:rPr>
+                      <a:rPr lang="en-US" altLang="zh-CN" sz="2400" b="0" i="0" smtClean="0">
+                        <a:latin typeface="Cambria Math" panose="02040503050406030204" pitchFamily="18" charset="0"/>
+                      </a:rPr>
+                      <m:t>Ψ</m:t>
+                    </m:r>
+                    <m:r>
+                      <a:rPr lang="en-US" altLang="zh-CN" sz="2400" b="0" i="1" smtClean="0">
+                        <a:latin typeface="Cambria Math" panose="02040503050406030204" pitchFamily="18" charset="0"/>
+                      </a:rPr>
+                      <m:t>(</m:t>
+                    </m:r>
+                    <m:r>
+                      <a:rPr lang="en-US" altLang="zh-CN" sz="2400" b="0" i="1" smtClean="0">
+                        <a:latin typeface="Cambria Math" panose="02040503050406030204" pitchFamily="18" charset="0"/>
+                      </a:rPr>
+                      <m:t>𝐹</m:t>
+                    </m:r>
+                    <m:r>
+                      <a:rPr lang="en-US" altLang="zh-CN" sz="2400" b="0" i="1" smtClean="0">
+                        <a:latin typeface="Cambria Math" panose="02040503050406030204" pitchFamily="18" charset="0"/>
+                      </a:rPr>
+                      <m:t>)</m:t>
+                    </m:r>
+                  </m:oMath>
+                </a14:m>
+                <a:r>
+                  <a:rPr lang="en-US" altLang="zh-CN" sz="2400" dirty="0"/>
+                  <a:t> is an energy density function at </a:t>
+                </a:r>
+                <a14:m>
+                  <m:oMath xmlns:m="http://schemas.openxmlformats.org/officeDocument/2006/math">
+                    <m:r>
+                      <a:rPr lang="en-US" altLang="zh-CN" sz="2400" b="1" i="1" smtClean="0">
+                        <a:latin typeface="Cambria Math" panose="02040503050406030204" pitchFamily="18" charset="0"/>
+                      </a:rPr>
+                      <m:t>𝒙</m:t>
+                    </m:r>
+                    <m:r>
+                      <a:rPr lang="en-US" altLang="zh-CN" sz="2400" b="0" i="1" smtClean="0">
+                        <a:latin typeface="Cambria Math" panose="02040503050406030204" pitchFamily="18" charset="0"/>
+                      </a:rPr>
+                      <m:t>=</m:t>
+                    </m:r>
+                    <m:r>
+                      <a:rPr lang="en-US" altLang="zh-CN" sz="2400" b="0" i="1" smtClean="0">
+                        <a:latin typeface="Cambria Math" panose="02040503050406030204" pitchFamily="18" charset="0"/>
+                      </a:rPr>
+                      <m:t>𝜙</m:t>
+                    </m:r>
+                    <m:r>
+                      <a:rPr lang="en-US" altLang="zh-CN" sz="2400" b="0" i="1" smtClean="0">
+                        <a:latin typeface="Cambria Math" panose="02040503050406030204" pitchFamily="18" charset="0"/>
+                      </a:rPr>
+                      <m:t>(</m:t>
+                    </m:r>
+                    <m:r>
+                      <a:rPr lang="en-US" altLang="zh-CN" sz="2400" b="1" i="1" smtClean="0">
+                        <a:latin typeface="Cambria Math" panose="02040503050406030204" pitchFamily="18" charset="0"/>
+                      </a:rPr>
+                      <m:t>𝑿</m:t>
+                    </m:r>
+                    <m:r>
+                      <a:rPr lang="en-US" altLang="zh-CN" sz="2400" b="0" i="1" smtClean="0">
+                        <a:latin typeface="Cambria Math" panose="02040503050406030204" pitchFamily="18" charset="0"/>
+                      </a:rPr>
+                      <m:t>)</m:t>
+                    </m:r>
+                  </m:oMath>
+                </a14:m>
+                <a:endParaRPr lang="en-US" altLang="zh-CN" sz="2400" dirty="0"/>
+              </a:p>
+              <a:p>
+                <a:r>
+                  <a:rPr lang="en-US" altLang="zh-CN" sz="2400" dirty="0"/>
+                  <a:t>Is it appropriate to do so?</a:t>
+                </a:r>
+              </a:p>
+            </p:txBody>
+          </p:sp>
+        </mc:Choice>
+        <mc:Fallback>
+          <p:sp>
+            <p:nvSpPr>
+              <p:cNvPr id="5" name="内容占位符 2">
+                <a:extLst>
+                  <a:ext uri="{FF2B5EF4-FFF2-40B4-BE49-F238E27FC236}">
+                    <a16:creationId xmlns:a16="http://schemas.microsoft.com/office/drawing/2014/main" id="{0BEC3563-0F13-4A96-BBEA-B7D1F6A386B6}"/>
+                  </a:ext>
+                </a:extLst>
+              </p:cNvPr>
+              <p:cNvSpPr txBox="1">
+                <a:spLocks noRot="1" noChangeAspect="1" noMove="1" noResize="1" noEditPoints="1" noAdjustHandles="1" noChangeArrowheads="1" noChangeShapeType="1" noTextEdit="1"/>
+              </p:cNvSpPr>
+              <p:nvPr/>
+            </p:nvSpPr>
+            <p:spPr>
+              <a:xfrm>
+                <a:off x="990600" y="1978025"/>
+                <a:ext cx="10515600" cy="4351338"/>
+              </a:xfrm>
+              <a:prstGeom prst="rect">
+                <a:avLst/>
+              </a:prstGeom>
+              <a:blipFill>
+                <a:blip r:embed="rId2"/>
+                <a:stretch>
+                  <a:fillRect l="-812" t="-1821"/>
+                </a:stretch>
+              </a:blipFill>
+            </p:spPr>
+            <p:txBody>
+              <a:bodyPr/>
+              <a:lstStyle/>
+              <a:p>
+                <a:r>
+                  <a:rPr lang="zh-CN" altLang="en-US">
+                    <a:noFill/>
+                  </a:rPr>
+                  <a:t> </a:t>
+                </a:r>
+              </a:p>
+            </p:txBody>
+          </p:sp>
+        </mc:Fallback>
+      </mc:AlternateContent>
+      <p:pic>
+        <p:nvPicPr>
+          <p:cNvPr id="7" name="图片 6" descr="图片包含 船, 小, 游戏机, 鸟&#10;&#10;描述已自动生成">
+            <a:extLst>
+              <a:ext uri="{FF2B5EF4-FFF2-40B4-BE49-F238E27FC236}">
+                <a16:creationId xmlns:a16="http://schemas.microsoft.com/office/drawing/2014/main" id="{160E4151-50B5-447C-9E00-AEE7442C6184}"/>
+              </a:ext>
+            </a:extLst>
+          </p:cNvPr>
+          <p:cNvPicPr>
+            <a:picLocks noChangeAspect="1"/>
+          </p:cNvPicPr>
+          <p:nvPr/>
+        </p:nvPicPr>
+        <p:blipFill>
+          <a:blip r:embed="rId3">
+            <a:extLst>
+              <a:ext uri="{28A0092B-C50C-407E-A947-70E740481C1C}">
+                <a14:useLocalDpi xmlns:a14="http://schemas.microsoft.com/office/drawing/2010/main" val="0"/>
+              </a:ext>
+            </a:extLst>
+          </a:blip>
+          <a:stretch>
+            <a:fillRect/>
+          </a:stretch>
+        </p:blipFill>
+        <p:spPr>
+          <a:xfrm>
+            <a:off x="1163581" y="3444240"/>
+            <a:ext cx="5353797" cy="2276793"/>
+          </a:xfrm>
+          <a:prstGeom prst="rect">
+            <a:avLst/>
+          </a:prstGeom>
+        </p:spPr>
+      </p:pic>
+      <mc:AlternateContent xmlns:mc="http://schemas.openxmlformats.org/markup-compatibility/2006">
+        <mc:Choice xmlns:a14="http://schemas.microsoft.com/office/drawing/2010/main" Requires="a14">
+          <p:sp>
+            <p:nvSpPr>
+              <p:cNvPr id="8" name="文本框 7">
+                <a:extLst>
+                  <a:ext uri="{FF2B5EF4-FFF2-40B4-BE49-F238E27FC236}">
+                    <a16:creationId xmlns:a16="http://schemas.microsoft.com/office/drawing/2014/main" id="{9180D480-3082-47F7-AB57-1FD94A0EF613}"/>
+                  </a:ext>
+                </a:extLst>
+              </p:cNvPr>
+              <p:cNvSpPr txBox="1"/>
+              <p:nvPr/>
+            </p:nvSpPr>
+            <p:spPr>
+              <a:xfrm>
+                <a:off x="8162967" y="3920916"/>
+                <a:ext cx="1697644" cy="1323439"/>
+              </a:xfrm>
+              <a:prstGeom prst="rect">
+                <a:avLst/>
+              </a:prstGeom>
+              <a:noFill/>
+            </p:spPr>
+            <p:txBody>
+              <a:bodyPr wrap="none" rtlCol="0">
+                <a:spAutoFit/>
+              </a:bodyPr>
+              <a:lstStyle/>
+              <a:p>
+                <a14:m>
+                  <m:oMathPara xmlns:m="http://schemas.openxmlformats.org/officeDocument/2006/math">
+                    <m:oMathParaPr>
+                      <m:jc m:val="centerGroup"/>
+                    </m:oMathParaPr>
+                    <m:oMath xmlns:m="http://schemas.openxmlformats.org/officeDocument/2006/math">
+                      <m:sSub>
+                        <m:sSubPr>
+                          <m:ctrlPr>
+                            <a:rPr lang="en-US" altLang="zh-CN" sz="2000" b="0" i="1" smtClean="0">
+                              <a:latin typeface="Cambria Math" panose="02040503050406030204" pitchFamily="18" charset="0"/>
+                            </a:rPr>
+                          </m:ctrlPr>
+                        </m:sSubPr>
+                        <m:e>
+                          <m:r>
+                            <a:rPr lang="en-US" altLang="zh-CN" sz="2000" b="0" i="1" smtClean="0">
+                              <a:latin typeface="Cambria Math" panose="02040503050406030204" pitchFamily="18" charset="0"/>
+                            </a:rPr>
+                            <m:t>𝑥</m:t>
+                          </m:r>
+                        </m:e>
+                        <m:sub>
+                          <m:r>
+                            <a:rPr lang="en-US" altLang="zh-CN" sz="2000" b="0" i="1" smtClean="0">
+                              <a:latin typeface="Cambria Math" panose="02040503050406030204" pitchFamily="18" charset="0"/>
+                            </a:rPr>
+                            <m:t>1</m:t>
+                          </m:r>
+                        </m:sub>
+                      </m:sSub>
+                      <m:r>
+                        <a:rPr lang="en-US" altLang="zh-CN" sz="2000" b="0" i="1" smtClean="0">
+                          <a:latin typeface="Cambria Math" panose="02040503050406030204" pitchFamily="18" charset="0"/>
+                        </a:rPr>
+                        <m:t>=</m:t>
+                      </m:r>
+                      <m:r>
+                        <a:rPr lang="en-US" altLang="zh-CN" sz="2000" b="0" i="1" smtClean="0">
+                          <a:latin typeface="Cambria Math" panose="02040503050406030204" pitchFamily="18" charset="0"/>
+                        </a:rPr>
+                        <m:t>𝐹</m:t>
+                      </m:r>
+                      <m:sSub>
+                        <m:sSubPr>
+                          <m:ctrlPr>
+                            <a:rPr lang="en-US" altLang="zh-CN" sz="2000" b="0" i="1" smtClean="0">
+                              <a:latin typeface="Cambria Math" panose="02040503050406030204" pitchFamily="18" charset="0"/>
+                            </a:rPr>
+                          </m:ctrlPr>
+                        </m:sSubPr>
+                        <m:e>
+                          <m:r>
+                            <a:rPr lang="en-US" altLang="zh-CN" sz="2000" b="0" i="1" smtClean="0">
+                              <a:latin typeface="Cambria Math" panose="02040503050406030204" pitchFamily="18" charset="0"/>
+                            </a:rPr>
+                            <m:t>𝑋</m:t>
+                          </m:r>
+                        </m:e>
+                        <m:sub>
+                          <m:r>
+                            <a:rPr lang="en-US" altLang="zh-CN" sz="2000" b="0" i="1" smtClean="0">
+                              <a:latin typeface="Cambria Math" panose="02040503050406030204" pitchFamily="18" charset="0"/>
+                            </a:rPr>
+                            <m:t>1</m:t>
+                          </m:r>
+                        </m:sub>
+                      </m:sSub>
+                      <m:r>
+                        <a:rPr lang="en-US" altLang="zh-CN" sz="2000" b="0" i="1" smtClean="0">
+                          <a:latin typeface="Cambria Math" panose="02040503050406030204" pitchFamily="18" charset="0"/>
+                        </a:rPr>
+                        <m:t>+</m:t>
+                      </m:r>
+                      <m:r>
+                        <a:rPr lang="en-US" altLang="zh-CN" sz="2000" b="0" i="1" smtClean="0">
+                          <a:latin typeface="Cambria Math" panose="02040503050406030204" pitchFamily="18" charset="0"/>
+                        </a:rPr>
+                        <m:t>𝑡</m:t>
+                      </m:r>
+                    </m:oMath>
+                  </m:oMathPara>
+                </a14:m>
+                <a:endParaRPr lang="en-US" altLang="zh-CN" sz="2000" dirty="0"/>
+              </a:p>
+              <a:p>
+                <a14:m>
+                  <m:oMathPara xmlns:m="http://schemas.openxmlformats.org/officeDocument/2006/math">
+                    <m:oMathParaPr>
+                      <m:jc m:val="centerGroup"/>
+                    </m:oMathParaPr>
+                    <m:oMath xmlns:m="http://schemas.openxmlformats.org/officeDocument/2006/math">
+                      <m:sSub>
+                        <m:sSubPr>
+                          <m:ctrlPr>
+                            <a:rPr lang="en-US" altLang="zh-CN" sz="2000" b="0" i="1" smtClean="0">
+                              <a:latin typeface="Cambria Math" panose="02040503050406030204" pitchFamily="18" charset="0"/>
+                            </a:rPr>
+                          </m:ctrlPr>
+                        </m:sSubPr>
+                        <m:e>
+                          <m:r>
+                            <a:rPr lang="en-US" altLang="zh-CN" sz="2000" b="0" i="1" smtClean="0">
+                              <a:latin typeface="Cambria Math" panose="02040503050406030204" pitchFamily="18" charset="0"/>
+                            </a:rPr>
+                            <m:t>𝑥</m:t>
+                          </m:r>
+                        </m:e>
+                        <m:sub>
+                          <m:r>
+                            <a:rPr lang="en-US" altLang="zh-CN" sz="2000" b="0" i="1" smtClean="0">
+                              <a:latin typeface="Cambria Math" panose="02040503050406030204" pitchFamily="18" charset="0"/>
+                            </a:rPr>
+                            <m:t>2</m:t>
+                          </m:r>
+                        </m:sub>
+                      </m:sSub>
+                      <m:r>
+                        <a:rPr lang="en-US" altLang="zh-CN" sz="2000" b="0" i="1" smtClean="0">
+                          <a:latin typeface="Cambria Math" panose="02040503050406030204" pitchFamily="18" charset="0"/>
+                        </a:rPr>
+                        <m:t>=</m:t>
+                      </m:r>
+                      <m:r>
+                        <a:rPr lang="en-US" altLang="zh-CN" sz="2000" b="0" i="1" smtClean="0">
+                          <a:latin typeface="Cambria Math" panose="02040503050406030204" pitchFamily="18" charset="0"/>
+                        </a:rPr>
+                        <m:t>𝐹</m:t>
+                      </m:r>
+                      <m:sSub>
+                        <m:sSubPr>
+                          <m:ctrlPr>
+                            <a:rPr lang="en-US" altLang="zh-CN" sz="2000" b="0" i="1" smtClean="0">
+                              <a:latin typeface="Cambria Math" panose="02040503050406030204" pitchFamily="18" charset="0"/>
+                            </a:rPr>
+                          </m:ctrlPr>
+                        </m:sSubPr>
+                        <m:e>
+                          <m:r>
+                            <a:rPr lang="en-US" altLang="zh-CN" sz="2000" b="0" i="1" smtClean="0">
+                              <a:latin typeface="Cambria Math" panose="02040503050406030204" pitchFamily="18" charset="0"/>
+                            </a:rPr>
+                            <m:t>𝑋</m:t>
+                          </m:r>
+                        </m:e>
+                        <m:sub>
+                          <m:r>
+                            <a:rPr lang="en-US" altLang="zh-CN" sz="2000" b="0" i="1" smtClean="0">
+                              <a:latin typeface="Cambria Math" panose="02040503050406030204" pitchFamily="18" charset="0"/>
+                            </a:rPr>
+                            <m:t>2</m:t>
+                          </m:r>
+                        </m:sub>
+                      </m:sSub>
+                      <m:r>
+                        <a:rPr lang="en-US" altLang="zh-CN" sz="2000" b="0" i="1" smtClean="0">
+                          <a:latin typeface="Cambria Math" panose="02040503050406030204" pitchFamily="18" charset="0"/>
+                        </a:rPr>
+                        <m:t>+</m:t>
+                      </m:r>
+                      <m:r>
+                        <a:rPr lang="en-US" altLang="zh-CN" sz="2000" b="0" i="1" smtClean="0">
+                          <a:latin typeface="Cambria Math" panose="02040503050406030204" pitchFamily="18" charset="0"/>
+                        </a:rPr>
+                        <m:t>𝑡</m:t>
+                      </m:r>
+                    </m:oMath>
+                  </m:oMathPara>
+                </a14:m>
+                <a:endParaRPr lang="en-US" altLang="zh-CN" sz="2000" b="0" dirty="0"/>
+              </a:p>
+              <a:p>
+                <a14:m>
+                  <m:oMathPara xmlns:m="http://schemas.openxmlformats.org/officeDocument/2006/math">
+                    <m:oMathParaPr>
+                      <m:jc m:val="centerGroup"/>
+                    </m:oMathParaPr>
+                    <m:oMath xmlns:m="http://schemas.openxmlformats.org/officeDocument/2006/math">
+                      <m:sSub>
+                        <m:sSubPr>
+                          <m:ctrlPr>
+                            <a:rPr lang="en-US" altLang="zh-CN" sz="2000" b="0" i="1" smtClean="0">
+                              <a:latin typeface="Cambria Math" panose="02040503050406030204" pitchFamily="18" charset="0"/>
+                            </a:rPr>
+                          </m:ctrlPr>
+                        </m:sSubPr>
+                        <m:e>
+                          <m:r>
+                            <a:rPr lang="en-US" altLang="zh-CN" sz="2000" b="0" i="1" smtClean="0">
+                              <a:latin typeface="Cambria Math" panose="02040503050406030204" pitchFamily="18" charset="0"/>
+                            </a:rPr>
+                            <m:t>𝑥</m:t>
+                          </m:r>
+                        </m:e>
+                        <m:sub>
+                          <m:r>
+                            <a:rPr lang="en-US" altLang="zh-CN" sz="2000" b="0" i="1" smtClean="0">
+                              <a:latin typeface="Cambria Math" panose="02040503050406030204" pitchFamily="18" charset="0"/>
+                            </a:rPr>
+                            <m:t>3</m:t>
+                          </m:r>
+                        </m:sub>
+                      </m:sSub>
+                      <m:r>
+                        <a:rPr lang="en-US" altLang="zh-CN" sz="2000" b="0" i="1" smtClean="0">
+                          <a:latin typeface="Cambria Math" panose="02040503050406030204" pitchFamily="18" charset="0"/>
+                        </a:rPr>
+                        <m:t>=</m:t>
+                      </m:r>
+                      <m:r>
+                        <a:rPr lang="en-US" altLang="zh-CN" sz="2000" b="0" i="1" smtClean="0">
+                          <a:latin typeface="Cambria Math" panose="02040503050406030204" pitchFamily="18" charset="0"/>
+                        </a:rPr>
+                        <m:t>𝐹</m:t>
+                      </m:r>
+                      <m:sSub>
+                        <m:sSubPr>
+                          <m:ctrlPr>
+                            <a:rPr lang="en-US" altLang="zh-CN" sz="2000" b="0" i="1" smtClean="0">
+                              <a:latin typeface="Cambria Math" panose="02040503050406030204" pitchFamily="18" charset="0"/>
+                            </a:rPr>
+                          </m:ctrlPr>
+                        </m:sSubPr>
+                        <m:e>
+                          <m:r>
+                            <a:rPr lang="en-US" altLang="zh-CN" sz="2000" b="0" i="1" smtClean="0">
+                              <a:latin typeface="Cambria Math" panose="02040503050406030204" pitchFamily="18" charset="0"/>
+                            </a:rPr>
+                            <m:t>𝑋</m:t>
+                          </m:r>
+                        </m:e>
+                        <m:sub>
+                          <m:r>
+                            <a:rPr lang="en-US" altLang="zh-CN" sz="2000" b="0" i="1" smtClean="0">
+                              <a:latin typeface="Cambria Math" panose="02040503050406030204" pitchFamily="18" charset="0"/>
+                            </a:rPr>
+                            <m:t>3</m:t>
+                          </m:r>
+                        </m:sub>
+                      </m:sSub>
+                      <m:r>
+                        <a:rPr lang="en-US" altLang="zh-CN" sz="2000" b="0" i="1" smtClean="0">
+                          <a:latin typeface="Cambria Math" panose="02040503050406030204" pitchFamily="18" charset="0"/>
+                        </a:rPr>
+                        <m:t>+</m:t>
+                      </m:r>
+                      <m:r>
+                        <a:rPr lang="en-US" altLang="zh-CN" sz="2000" b="0" i="1" smtClean="0">
+                          <a:latin typeface="Cambria Math" panose="02040503050406030204" pitchFamily="18" charset="0"/>
+                        </a:rPr>
+                        <m:t>𝑡</m:t>
+                      </m:r>
+                    </m:oMath>
+                  </m:oMathPara>
+                </a14:m>
+                <a:endParaRPr lang="en-US" altLang="zh-CN" sz="2000" b="0" dirty="0"/>
+              </a:p>
+              <a:p>
+                <a14:m>
+                  <m:oMathPara xmlns:m="http://schemas.openxmlformats.org/officeDocument/2006/math">
+                    <m:oMathParaPr>
+                      <m:jc m:val="centerGroup"/>
+                    </m:oMathParaPr>
+                    <m:oMath xmlns:m="http://schemas.openxmlformats.org/officeDocument/2006/math">
+                      <m:sSub>
+                        <m:sSubPr>
+                          <m:ctrlPr>
+                            <a:rPr lang="en-US" altLang="zh-CN" sz="2000" b="0" i="1" smtClean="0">
+                              <a:latin typeface="Cambria Math" panose="02040503050406030204" pitchFamily="18" charset="0"/>
+                            </a:rPr>
+                          </m:ctrlPr>
+                        </m:sSubPr>
+                        <m:e>
+                          <m:r>
+                            <a:rPr lang="en-US" altLang="zh-CN" sz="2000" b="0" i="1" smtClean="0">
+                              <a:latin typeface="Cambria Math" panose="02040503050406030204" pitchFamily="18" charset="0"/>
+                            </a:rPr>
+                            <m:t>𝑥</m:t>
+                          </m:r>
+                        </m:e>
+                        <m:sub>
+                          <m:r>
+                            <a:rPr lang="en-US" altLang="zh-CN" sz="2000" b="0" i="1" smtClean="0">
+                              <a:latin typeface="Cambria Math" panose="02040503050406030204" pitchFamily="18" charset="0"/>
+                            </a:rPr>
+                            <m:t>4</m:t>
+                          </m:r>
+                        </m:sub>
+                      </m:sSub>
+                      <m:r>
+                        <a:rPr lang="en-US" altLang="zh-CN" sz="2000" b="0" i="1" smtClean="0">
+                          <a:latin typeface="Cambria Math" panose="02040503050406030204" pitchFamily="18" charset="0"/>
+                        </a:rPr>
+                        <m:t>=</m:t>
+                      </m:r>
+                      <m:r>
+                        <a:rPr lang="en-US" altLang="zh-CN" sz="2000" b="0" i="1" smtClean="0">
+                          <a:latin typeface="Cambria Math" panose="02040503050406030204" pitchFamily="18" charset="0"/>
+                        </a:rPr>
+                        <m:t>𝐹</m:t>
+                      </m:r>
+                      <m:sSub>
+                        <m:sSubPr>
+                          <m:ctrlPr>
+                            <a:rPr lang="en-US" altLang="zh-CN" sz="2000" b="0" i="1" smtClean="0">
+                              <a:latin typeface="Cambria Math" panose="02040503050406030204" pitchFamily="18" charset="0"/>
+                            </a:rPr>
+                          </m:ctrlPr>
+                        </m:sSubPr>
+                        <m:e>
+                          <m:r>
+                            <a:rPr lang="en-US" altLang="zh-CN" sz="2000" b="0" i="1" smtClean="0">
+                              <a:latin typeface="Cambria Math" panose="02040503050406030204" pitchFamily="18" charset="0"/>
+                            </a:rPr>
+                            <m:t>𝑋</m:t>
+                          </m:r>
+                        </m:e>
+                        <m:sub>
+                          <m:r>
+                            <a:rPr lang="en-US" altLang="zh-CN" sz="2000" b="0" i="1" smtClean="0">
+                              <a:latin typeface="Cambria Math" panose="02040503050406030204" pitchFamily="18" charset="0"/>
+                            </a:rPr>
+                            <m:t>4</m:t>
+                          </m:r>
+                        </m:sub>
+                      </m:sSub>
+                      <m:r>
+                        <a:rPr lang="en-US" altLang="zh-CN" sz="2000" b="0" i="1" smtClean="0">
+                          <a:latin typeface="Cambria Math" panose="02040503050406030204" pitchFamily="18" charset="0"/>
+                        </a:rPr>
+                        <m:t>+</m:t>
+                      </m:r>
+                      <m:r>
+                        <a:rPr lang="en-US" altLang="zh-CN" sz="2000" b="0" i="1" smtClean="0">
+                          <a:latin typeface="Cambria Math" panose="02040503050406030204" pitchFamily="18" charset="0"/>
+                        </a:rPr>
+                        <m:t>𝑡</m:t>
+                      </m:r>
+                    </m:oMath>
+                  </m:oMathPara>
+                </a14:m>
+                <a:endParaRPr lang="zh-CN" altLang="en-US" sz="2000" dirty="0"/>
+              </a:p>
+            </p:txBody>
+          </p:sp>
+        </mc:Choice>
+        <mc:Fallback>
+          <p:sp>
+            <p:nvSpPr>
+              <p:cNvPr id="8" name="文本框 7">
+                <a:extLst>
+                  <a:ext uri="{FF2B5EF4-FFF2-40B4-BE49-F238E27FC236}">
+                    <a16:creationId xmlns:a16="http://schemas.microsoft.com/office/drawing/2014/main" id="{9180D480-3082-47F7-AB57-1FD94A0EF613}"/>
+                  </a:ext>
+                </a:extLst>
+              </p:cNvPr>
+              <p:cNvSpPr txBox="1">
+                <a:spLocks noRot="1" noChangeAspect="1" noMove="1" noResize="1" noEditPoints="1" noAdjustHandles="1" noChangeArrowheads="1" noChangeShapeType="1" noTextEdit="1"/>
+              </p:cNvSpPr>
+              <p:nvPr/>
+            </p:nvSpPr>
+            <p:spPr>
+              <a:xfrm>
+                <a:off x="8162967" y="3920916"/>
+                <a:ext cx="1697644" cy="1323439"/>
+              </a:xfrm>
+              <a:prstGeom prst="rect">
+                <a:avLst/>
+              </a:prstGeom>
+              <a:blipFill>
+                <a:blip r:embed="rId4"/>
+                <a:stretch>
+                  <a:fillRect/>
+                </a:stretch>
+              </a:blipFill>
+            </p:spPr>
+            <p:txBody>
+              <a:bodyPr/>
+              <a:lstStyle/>
+              <a:p>
+                <a:r>
+                  <a:rPr lang="zh-CN" altLang="en-US">
+                    <a:noFill/>
+                  </a:rPr>
+                  <a:t> </a:t>
+                </a:r>
+              </a:p>
+            </p:txBody>
+          </p:sp>
+        </mc:Fallback>
+      </mc:AlternateContent>
+      <mc:AlternateContent xmlns:mc="http://schemas.openxmlformats.org/markup-compatibility/2006">
+        <mc:Choice xmlns:a14="http://schemas.microsoft.com/office/drawing/2010/main" Requires="a14">
+          <p:sp>
+            <p:nvSpPr>
+              <p:cNvPr id="9" name="文本框 8">
+                <a:extLst>
+                  <a:ext uri="{FF2B5EF4-FFF2-40B4-BE49-F238E27FC236}">
+                    <a16:creationId xmlns:a16="http://schemas.microsoft.com/office/drawing/2014/main" id="{ED7FE69B-A6D1-4BE3-92F8-B57CD9CB349B}"/>
+                  </a:ext>
+                </a:extLst>
+              </p:cNvPr>
+              <p:cNvSpPr txBox="1"/>
+              <p:nvPr/>
+            </p:nvSpPr>
+            <p:spPr>
+              <a:xfrm>
+                <a:off x="990600" y="5907559"/>
+                <a:ext cx="6252994" cy="276999"/>
+              </a:xfrm>
+              <a:prstGeom prst="rect">
+                <a:avLst/>
+              </a:prstGeom>
+              <a:noFill/>
+            </p:spPr>
+            <p:txBody>
+              <a:bodyPr wrap="none" lIns="0" tIns="0" rIns="0" bIns="0" rtlCol="0">
+                <a:spAutoFit/>
+              </a:bodyPr>
+              <a:lstStyle/>
+              <a:p>
+                <a14:m>
+                  <m:oMathPara xmlns:m="http://schemas.openxmlformats.org/officeDocument/2006/math">
+                    <m:oMathParaPr>
+                      <m:jc m:val="centerGroup"/>
+                    </m:oMathParaPr>
+                    <m:oMath xmlns:m="http://schemas.openxmlformats.org/officeDocument/2006/math">
+                      <m:d>
+                        <m:dPr>
+                          <m:begChr m:val="["/>
+                          <m:endChr m:val="]"/>
+                          <m:ctrlPr>
+                            <a:rPr lang="en-US" altLang="zh-CN" i="1" smtClean="0">
+                              <a:latin typeface="Cambria Math" panose="02040503050406030204" pitchFamily="18" charset="0"/>
+                            </a:rPr>
+                          </m:ctrlPr>
+                        </m:dPr>
+                        <m:e>
+                          <m:m>
+                            <m:mPr>
+                              <m:mcs>
+                                <m:mc>
+                                  <m:mcPr>
+                                    <m:count m:val="3"/>
+                                    <m:mcJc m:val="center"/>
+                                  </m:mcPr>
+                                </m:mc>
+                              </m:mcs>
+                              <m:ctrlPr>
+                                <a:rPr lang="en-US" altLang="zh-CN" b="0" i="1" smtClean="0">
+                                  <a:latin typeface="Cambria Math" panose="02040503050406030204" pitchFamily="18" charset="0"/>
+                                </a:rPr>
+                              </m:ctrlPr>
+                            </m:mPr>
+                            <m:mr>
+                              <m:e>
+                                <m:sSub>
+                                  <m:sSubPr>
+                                    <m:ctrlPr>
+                                      <a:rPr lang="en-US" altLang="zh-CN" b="0" i="1" smtClean="0">
+                                        <a:latin typeface="Cambria Math" panose="02040503050406030204" pitchFamily="18" charset="0"/>
+                                      </a:rPr>
+                                    </m:ctrlPr>
+                                  </m:sSubPr>
+                                  <m:e>
+                                    <m:r>
+                                      <m:rPr>
+                                        <m:brk m:alnAt="7"/>
+                                      </m:rPr>
+                                      <a:rPr lang="en-US" altLang="zh-CN" b="0" i="1" smtClean="0">
+                                        <a:latin typeface="Cambria Math" panose="02040503050406030204" pitchFamily="18" charset="0"/>
+                                      </a:rPr>
+                                      <m:t>𝑥</m:t>
+                                    </m:r>
+                                  </m:e>
+                                  <m:sub>
+                                    <m:r>
+                                      <m:rPr>
+                                        <m:brk m:alnAt="7"/>
+                                      </m:rPr>
+                                      <a:rPr lang="en-US" altLang="zh-CN" b="0" i="1" smtClean="0">
+                                        <a:latin typeface="Cambria Math" panose="02040503050406030204" pitchFamily="18" charset="0"/>
+                                      </a:rPr>
+                                      <m:t>1</m:t>
+                                    </m:r>
+                                  </m:sub>
+                                </m:sSub>
+                                <m:r>
+                                  <m:rPr>
+                                    <m:brk m:alnAt="7"/>
+                                  </m:rPr>
+                                  <a:rPr lang="en-US" altLang="zh-CN" b="0" i="1" smtClean="0">
+                                    <a:latin typeface="Cambria Math" panose="02040503050406030204" pitchFamily="18" charset="0"/>
+                                  </a:rPr>
+                                  <m:t>−</m:t>
+                                </m:r>
+                                <m:sSub>
+                                  <m:sSubPr>
+                                    <m:ctrlPr>
+                                      <a:rPr lang="en-US" altLang="zh-CN" b="0" i="1" smtClean="0">
+                                        <a:latin typeface="Cambria Math" panose="02040503050406030204" pitchFamily="18" charset="0"/>
+                                      </a:rPr>
+                                    </m:ctrlPr>
+                                  </m:sSubPr>
+                                  <m:e>
+                                    <m:r>
+                                      <m:rPr>
+                                        <m:brk m:alnAt="7"/>
+                                      </m:rPr>
+                                      <a:rPr lang="en-US" altLang="zh-CN" b="0" i="1" smtClean="0">
+                                        <a:latin typeface="Cambria Math" panose="02040503050406030204" pitchFamily="18" charset="0"/>
+                                      </a:rPr>
+                                      <m:t>𝑥</m:t>
+                                    </m:r>
+                                  </m:e>
+                                  <m:sub>
+                                    <m:r>
+                                      <a:rPr lang="en-US" altLang="zh-CN" b="0" i="1" smtClean="0">
+                                        <a:latin typeface="Cambria Math" panose="02040503050406030204" pitchFamily="18" charset="0"/>
+                                      </a:rPr>
+                                      <m:t>4</m:t>
+                                    </m:r>
+                                  </m:sub>
+                                </m:sSub>
+                              </m:e>
+                              <m:e>
+                                <m:sSub>
+                                  <m:sSubPr>
+                                    <m:ctrlPr>
+                                      <a:rPr lang="en-US" altLang="zh-CN" b="0" i="1" smtClean="0">
+                                        <a:latin typeface="Cambria Math" panose="02040503050406030204" pitchFamily="18" charset="0"/>
+                                      </a:rPr>
+                                    </m:ctrlPr>
+                                  </m:sSubPr>
+                                  <m:e>
+                                    <m:r>
+                                      <a:rPr lang="en-US" altLang="zh-CN" b="0" i="1" smtClean="0">
+                                        <a:latin typeface="Cambria Math" panose="02040503050406030204" pitchFamily="18" charset="0"/>
+                                      </a:rPr>
+                                      <m:t>𝑥</m:t>
+                                    </m:r>
+                                  </m:e>
+                                  <m:sub>
+                                    <m:r>
+                                      <a:rPr lang="en-US" altLang="zh-CN" b="0" i="1" smtClean="0">
+                                        <a:latin typeface="Cambria Math" panose="02040503050406030204" pitchFamily="18" charset="0"/>
+                                      </a:rPr>
+                                      <m:t>2</m:t>
+                                    </m:r>
+                                  </m:sub>
+                                </m:sSub>
+                                <m:r>
+                                  <a:rPr lang="en-US" altLang="zh-CN" b="0" i="1" smtClean="0">
+                                    <a:latin typeface="Cambria Math" panose="02040503050406030204" pitchFamily="18" charset="0"/>
+                                  </a:rPr>
+                                  <m:t>−</m:t>
+                                </m:r>
+                                <m:sSub>
+                                  <m:sSubPr>
+                                    <m:ctrlPr>
+                                      <a:rPr lang="en-US" altLang="zh-CN" b="0" i="1" smtClean="0">
+                                        <a:latin typeface="Cambria Math" panose="02040503050406030204" pitchFamily="18" charset="0"/>
+                                      </a:rPr>
+                                    </m:ctrlPr>
+                                  </m:sSubPr>
+                                  <m:e>
+                                    <m:r>
+                                      <a:rPr lang="en-US" altLang="zh-CN" b="0" i="1" smtClean="0">
+                                        <a:latin typeface="Cambria Math" panose="02040503050406030204" pitchFamily="18" charset="0"/>
+                                      </a:rPr>
+                                      <m:t>𝑥</m:t>
+                                    </m:r>
+                                  </m:e>
+                                  <m:sub>
+                                    <m:r>
+                                      <a:rPr lang="en-US" altLang="zh-CN" b="0" i="1" smtClean="0">
+                                        <a:latin typeface="Cambria Math" panose="02040503050406030204" pitchFamily="18" charset="0"/>
+                                      </a:rPr>
+                                      <m:t>4</m:t>
+                                    </m:r>
+                                  </m:sub>
+                                </m:sSub>
+                              </m:e>
+                              <m:e>
+                                <m:sSub>
+                                  <m:sSubPr>
+                                    <m:ctrlPr>
+                                      <a:rPr lang="en-US" altLang="zh-CN" b="0" i="1" smtClean="0">
+                                        <a:latin typeface="Cambria Math" panose="02040503050406030204" pitchFamily="18" charset="0"/>
+                                      </a:rPr>
+                                    </m:ctrlPr>
+                                  </m:sSubPr>
+                                  <m:e>
+                                    <m:r>
+                                      <a:rPr lang="en-US" altLang="zh-CN" b="0" i="1" smtClean="0">
+                                        <a:latin typeface="Cambria Math" panose="02040503050406030204" pitchFamily="18" charset="0"/>
+                                      </a:rPr>
+                                      <m:t>𝑥</m:t>
+                                    </m:r>
+                                  </m:e>
+                                  <m:sub>
+                                    <m:r>
+                                      <a:rPr lang="en-US" altLang="zh-CN" b="0" i="1" smtClean="0">
+                                        <a:latin typeface="Cambria Math" panose="02040503050406030204" pitchFamily="18" charset="0"/>
+                                      </a:rPr>
+                                      <m:t>3</m:t>
+                                    </m:r>
+                                  </m:sub>
+                                </m:sSub>
+                                <m:r>
+                                  <a:rPr lang="en-US" altLang="zh-CN" b="0" i="1" smtClean="0">
+                                    <a:latin typeface="Cambria Math" panose="02040503050406030204" pitchFamily="18" charset="0"/>
+                                  </a:rPr>
+                                  <m:t>−</m:t>
+                                </m:r>
+                                <m:sSub>
+                                  <m:sSubPr>
+                                    <m:ctrlPr>
+                                      <a:rPr lang="en-US" altLang="zh-CN" b="0" i="1" smtClean="0">
+                                        <a:latin typeface="Cambria Math" panose="02040503050406030204" pitchFamily="18" charset="0"/>
+                                      </a:rPr>
+                                    </m:ctrlPr>
+                                  </m:sSubPr>
+                                  <m:e>
+                                    <m:r>
+                                      <a:rPr lang="en-US" altLang="zh-CN" b="0" i="1" smtClean="0">
+                                        <a:latin typeface="Cambria Math" panose="02040503050406030204" pitchFamily="18" charset="0"/>
+                                      </a:rPr>
+                                      <m:t>𝑥</m:t>
+                                    </m:r>
+                                  </m:e>
+                                  <m:sub>
+                                    <m:r>
+                                      <a:rPr lang="en-US" altLang="zh-CN" b="0" i="1" smtClean="0">
+                                        <a:latin typeface="Cambria Math" panose="02040503050406030204" pitchFamily="18" charset="0"/>
+                                      </a:rPr>
+                                      <m:t>4</m:t>
+                                    </m:r>
+                                  </m:sub>
+                                </m:sSub>
+                              </m:e>
+                            </m:mr>
+                          </m:m>
+                        </m:e>
+                      </m:d>
+                      <m:r>
+                        <a:rPr lang="en-US" altLang="zh-CN" b="0" i="1" smtClean="0">
+                          <a:latin typeface="Cambria Math" panose="02040503050406030204" pitchFamily="18" charset="0"/>
+                        </a:rPr>
+                        <m:t>=</m:t>
+                      </m:r>
+                      <m:r>
+                        <a:rPr lang="en-US" altLang="zh-CN" b="0" i="1" smtClean="0">
+                          <a:latin typeface="Cambria Math" panose="02040503050406030204" pitchFamily="18" charset="0"/>
+                        </a:rPr>
+                        <m:t>𝐹</m:t>
+                      </m:r>
+                      <m:d>
+                        <m:dPr>
+                          <m:begChr m:val="["/>
+                          <m:endChr m:val="]"/>
+                          <m:ctrlPr>
+                            <a:rPr lang="en-US" altLang="zh-CN" b="0" i="1" smtClean="0">
+                              <a:latin typeface="Cambria Math" panose="02040503050406030204" pitchFamily="18" charset="0"/>
+                            </a:rPr>
+                          </m:ctrlPr>
+                        </m:dPr>
+                        <m:e>
+                          <m:m>
+                            <m:mPr>
+                              <m:mcs>
+                                <m:mc>
+                                  <m:mcPr>
+                                    <m:count m:val="3"/>
+                                    <m:mcJc m:val="center"/>
+                                  </m:mcPr>
+                                </m:mc>
+                              </m:mcs>
+                              <m:ctrlPr>
+                                <a:rPr lang="en-US" altLang="zh-CN" b="0" i="1" smtClean="0">
+                                  <a:latin typeface="Cambria Math" panose="02040503050406030204" pitchFamily="18" charset="0"/>
+                                </a:rPr>
+                              </m:ctrlPr>
+                            </m:mPr>
+                            <m:mr>
+                              <m:e>
+                                <m:sSub>
+                                  <m:sSubPr>
+                                    <m:ctrlPr>
+                                      <a:rPr lang="en-US" altLang="zh-CN" b="0" i="1" smtClean="0">
+                                        <a:latin typeface="Cambria Math" panose="02040503050406030204" pitchFamily="18" charset="0"/>
+                                      </a:rPr>
+                                    </m:ctrlPr>
+                                  </m:sSubPr>
+                                  <m:e>
+                                    <m:r>
+                                      <m:rPr>
+                                        <m:brk m:alnAt="7"/>
+                                      </m:rPr>
+                                      <a:rPr lang="en-US" altLang="zh-CN" b="0" i="1" smtClean="0">
+                                        <a:latin typeface="Cambria Math" panose="02040503050406030204" pitchFamily="18" charset="0"/>
+                                      </a:rPr>
+                                      <m:t>𝑋</m:t>
+                                    </m:r>
+                                  </m:e>
+                                  <m:sub>
+                                    <m:r>
+                                      <m:rPr>
+                                        <m:brk m:alnAt="7"/>
+                                      </m:rPr>
+                                      <a:rPr lang="en-US" altLang="zh-CN" b="0" i="1" smtClean="0">
+                                        <a:latin typeface="Cambria Math" panose="02040503050406030204" pitchFamily="18" charset="0"/>
+                                      </a:rPr>
+                                      <m:t>1</m:t>
+                                    </m:r>
+                                  </m:sub>
+                                </m:sSub>
+                                <m:r>
+                                  <m:rPr>
+                                    <m:brk m:alnAt="7"/>
+                                  </m:rPr>
+                                  <a:rPr lang="en-US" altLang="zh-CN" b="0" i="1" smtClean="0">
+                                    <a:latin typeface="Cambria Math" panose="02040503050406030204" pitchFamily="18" charset="0"/>
+                                  </a:rPr>
+                                  <m:t>−</m:t>
+                                </m:r>
+                                <m:sSub>
+                                  <m:sSubPr>
+                                    <m:ctrlPr>
+                                      <a:rPr lang="en-US" altLang="zh-CN" b="0" i="1" smtClean="0">
+                                        <a:latin typeface="Cambria Math" panose="02040503050406030204" pitchFamily="18" charset="0"/>
+                                      </a:rPr>
+                                    </m:ctrlPr>
+                                  </m:sSubPr>
+                                  <m:e>
+                                    <m:r>
+                                      <m:rPr>
+                                        <m:brk m:alnAt="7"/>
+                                      </m:rPr>
+                                      <a:rPr lang="en-US" altLang="zh-CN" b="0" i="1" smtClean="0">
+                                        <a:latin typeface="Cambria Math" panose="02040503050406030204" pitchFamily="18" charset="0"/>
+                                      </a:rPr>
+                                      <m:t>𝑋</m:t>
+                                    </m:r>
+                                  </m:e>
+                                  <m:sub>
+                                    <m:r>
+                                      <m:rPr>
+                                        <m:brk m:alnAt="7"/>
+                                      </m:rPr>
+                                      <a:rPr lang="en-US" altLang="zh-CN" b="0" i="1" smtClean="0">
+                                        <a:latin typeface="Cambria Math" panose="02040503050406030204" pitchFamily="18" charset="0"/>
+                                      </a:rPr>
+                                      <m:t>4</m:t>
+                                    </m:r>
+                                  </m:sub>
+                                </m:sSub>
+                              </m:e>
+                              <m:e>
+                                <m:sSub>
+                                  <m:sSubPr>
+                                    <m:ctrlPr>
+                                      <a:rPr lang="en-US" altLang="zh-CN" b="0" i="1" smtClean="0">
+                                        <a:latin typeface="Cambria Math" panose="02040503050406030204" pitchFamily="18" charset="0"/>
+                                      </a:rPr>
+                                    </m:ctrlPr>
+                                  </m:sSubPr>
+                                  <m:e>
+                                    <m:r>
+                                      <a:rPr lang="en-US" altLang="zh-CN" b="0" i="1" smtClean="0">
+                                        <a:latin typeface="Cambria Math" panose="02040503050406030204" pitchFamily="18" charset="0"/>
+                                      </a:rPr>
+                                      <m:t>𝑋</m:t>
+                                    </m:r>
+                                  </m:e>
+                                  <m:sub>
+                                    <m:r>
+                                      <a:rPr lang="en-US" altLang="zh-CN" b="0" i="1" smtClean="0">
+                                        <a:latin typeface="Cambria Math" panose="02040503050406030204" pitchFamily="18" charset="0"/>
+                                      </a:rPr>
+                                      <m:t>2</m:t>
+                                    </m:r>
+                                  </m:sub>
+                                </m:sSub>
+                                <m:r>
+                                  <a:rPr lang="en-US" altLang="zh-CN" b="0" i="1" smtClean="0">
+                                    <a:latin typeface="Cambria Math" panose="02040503050406030204" pitchFamily="18" charset="0"/>
+                                  </a:rPr>
+                                  <m:t>−</m:t>
+                                </m:r>
+                                <m:sSub>
+                                  <m:sSubPr>
+                                    <m:ctrlPr>
+                                      <a:rPr lang="en-US" altLang="zh-CN" b="0" i="1" smtClean="0">
+                                        <a:latin typeface="Cambria Math" panose="02040503050406030204" pitchFamily="18" charset="0"/>
+                                      </a:rPr>
+                                    </m:ctrlPr>
+                                  </m:sSubPr>
+                                  <m:e>
+                                    <m:r>
+                                      <a:rPr lang="en-US" altLang="zh-CN" b="0" i="1" smtClean="0">
+                                        <a:latin typeface="Cambria Math" panose="02040503050406030204" pitchFamily="18" charset="0"/>
+                                      </a:rPr>
+                                      <m:t>𝑋</m:t>
+                                    </m:r>
+                                  </m:e>
+                                  <m:sub>
+                                    <m:r>
+                                      <a:rPr lang="en-US" altLang="zh-CN" b="0" i="1" smtClean="0">
+                                        <a:latin typeface="Cambria Math" panose="02040503050406030204" pitchFamily="18" charset="0"/>
+                                      </a:rPr>
+                                      <m:t>4</m:t>
+                                    </m:r>
+                                  </m:sub>
+                                </m:sSub>
+                              </m:e>
+                              <m:e>
+                                <m:sSub>
+                                  <m:sSubPr>
+                                    <m:ctrlPr>
+                                      <a:rPr lang="en-US" altLang="zh-CN" b="0" i="1" smtClean="0">
+                                        <a:latin typeface="Cambria Math" panose="02040503050406030204" pitchFamily="18" charset="0"/>
+                                      </a:rPr>
+                                    </m:ctrlPr>
+                                  </m:sSubPr>
+                                  <m:e>
+                                    <m:r>
+                                      <a:rPr lang="en-US" altLang="zh-CN" b="0" i="1" smtClean="0">
+                                        <a:latin typeface="Cambria Math" panose="02040503050406030204" pitchFamily="18" charset="0"/>
+                                      </a:rPr>
+                                      <m:t>𝑋</m:t>
+                                    </m:r>
+                                  </m:e>
+                                  <m:sub>
+                                    <m:r>
+                                      <a:rPr lang="en-US" altLang="zh-CN" b="0" i="1" smtClean="0">
+                                        <a:latin typeface="Cambria Math" panose="02040503050406030204" pitchFamily="18" charset="0"/>
+                                      </a:rPr>
+                                      <m:t>3</m:t>
+                                    </m:r>
+                                  </m:sub>
+                                </m:sSub>
+                                <m:r>
+                                  <a:rPr lang="en-US" altLang="zh-CN" b="0" i="1" smtClean="0">
+                                    <a:latin typeface="Cambria Math" panose="02040503050406030204" pitchFamily="18" charset="0"/>
+                                  </a:rPr>
+                                  <m:t>−</m:t>
+                                </m:r>
+                                <m:sSub>
+                                  <m:sSubPr>
+                                    <m:ctrlPr>
+                                      <a:rPr lang="en-US" altLang="zh-CN" b="0" i="1" smtClean="0">
+                                        <a:latin typeface="Cambria Math" panose="02040503050406030204" pitchFamily="18" charset="0"/>
+                                      </a:rPr>
+                                    </m:ctrlPr>
+                                  </m:sSubPr>
+                                  <m:e>
+                                    <m:r>
+                                      <a:rPr lang="en-US" altLang="zh-CN" b="0" i="1" smtClean="0">
+                                        <a:latin typeface="Cambria Math" panose="02040503050406030204" pitchFamily="18" charset="0"/>
+                                      </a:rPr>
+                                      <m:t>𝑋</m:t>
+                                    </m:r>
+                                  </m:e>
+                                  <m:sub>
+                                    <m:r>
+                                      <a:rPr lang="en-US" altLang="zh-CN" b="0" i="1" smtClean="0">
+                                        <a:latin typeface="Cambria Math" panose="02040503050406030204" pitchFamily="18" charset="0"/>
+                                      </a:rPr>
+                                      <m:t>4</m:t>
+                                    </m:r>
+                                  </m:sub>
+                                </m:sSub>
+                              </m:e>
+                            </m:mr>
+                          </m:m>
+                        </m:e>
+                      </m:d>
+                    </m:oMath>
+                  </m:oMathPara>
+                </a14:m>
+                <a:endParaRPr lang="zh-CN" altLang="en-US" dirty="0"/>
+              </a:p>
+            </p:txBody>
+          </p:sp>
+        </mc:Choice>
+        <mc:Fallback>
+          <p:sp>
+            <p:nvSpPr>
+              <p:cNvPr id="9" name="文本框 8">
+                <a:extLst>
+                  <a:ext uri="{FF2B5EF4-FFF2-40B4-BE49-F238E27FC236}">
+                    <a16:creationId xmlns:a16="http://schemas.microsoft.com/office/drawing/2014/main" id="{ED7FE69B-A6D1-4BE3-92F8-B57CD9CB349B}"/>
+                  </a:ext>
+                </a:extLst>
+              </p:cNvPr>
+              <p:cNvSpPr txBox="1">
+                <a:spLocks noRot="1" noChangeAspect="1" noMove="1" noResize="1" noEditPoints="1" noAdjustHandles="1" noChangeArrowheads="1" noChangeShapeType="1" noTextEdit="1"/>
+              </p:cNvSpPr>
+              <p:nvPr/>
+            </p:nvSpPr>
+            <p:spPr>
+              <a:xfrm>
+                <a:off x="990600" y="5907559"/>
+                <a:ext cx="6252994" cy="276999"/>
+              </a:xfrm>
+              <a:prstGeom prst="rect">
+                <a:avLst/>
+              </a:prstGeom>
+              <a:blipFill>
+                <a:blip r:embed="rId5"/>
+                <a:stretch>
+                  <a:fillRect b="-10870"/>
+                </a:stretch>
+              </a:blipFill>
+            </p:spPr>
+            <p:txBody>
+              <a:bodyPr/>
+              <a:lstStyle/>
+              <a:p>
+                <a:r>
+                  <a:rPr lang="zh-CN" altLang="en-US">
+                    <a:noFill/>
+                  </a:rPr>
+                  <a:t> </a:t>
+                </a:r>
+              </a:p>
+            </p:txBody>
+          </p:sp>
+        </mc:Fallback>
+      </mc:AlternateContent>
+    </p:spTree>
+    <p:extLst>
+      <p:ext uri="{BB962C8B-B14F-4D97-AF65-F5344CB8AC3E}">
+        <p14:creationId xmlns:p14="http://schemas.microsoft.com/office/powerpoint/2010/main" val="647711035"/>
       </p:ext>
     </p:extLst>
   </p:cSld>

--- a/20220725_simulation/Deformable Simulation.pptx
+++ b/20220725_simulation/Deformable Simulation.pptx
@@ -4,6 +4,9 @@
   <p:sldMasterIdLst>
     <p:sldMasterId id="2147483648" r:id="rId1"/>
   </p:sldMasterIdLst>
+  <p:notesMasterIdLst>
+    <p:notesMasterId r:id="rId17"/>
+  </p:notesMasterIdLst>
   <p:sldIdLst>
     <p:sldId id="256" r:id="rId2"/>
     <p:sldId id="257" r:id="rId3"/>
@@ -19,6 +22,7 @@
     <p:sldId id="267" r:id="rId13"/>
     <p:sldId id="268" r:id="rId14"/>
     <p:sldId id="269" r:id="rId15"/>
+    <p:sldId id="270" r:id="rId16"/>
   </p:sldIdLst>
   <p:sldSz cx="12192000" cy="6858000"/>
   <p:notesSz cx="6858000" cy="9144000"/>
@@ -123,6 +127,648 @@
     </p:ext>
   </p:extLst>
 </p:presentation>
+</file>
+
+<file path=ppt/notesMasters/notesMaster1.xml><?xml version="1.0" encoding="utf-8"?>
+<p:notesMaster xmlns:a="http://schemas.openxmlformats.org/drawingml/2006/main" xmlns:r="http://schemas.openxmlformats.org/officeDocument/2006/relationships" xmlns:p="http://schemas.openxmlformats.org/presentationml/2006/main">
+  <p:cSld>
+    <p:bg>
+      <p:bgRef idx="1001">
+        <a:schemeClr val="bg1"/>
+      </p:bgRef>
+    </p:bg>
+    <p:spTree>
+      <p:nvGrpSpPr>
+        <p:cNvPr id="1" name=""/>
+        <p:cNvGrpSpPr/>
+        <p:nvPr/>
+      </p:nvGrpSpPr>
+      <p:grpSpPr>
+        <a:xfrm>
+          <a:off x="0" y="0"/>
+          <a:ext cx="0" cy="0"/>
+          <a:chOff x="0" y="0"/>
+          <a:chExt cx="0" cy="0"/>
+        </a:xfrm>
+      </p:grpSpPr>
+      <p:sp>
+        <p:nvSpPr>
+          <p:cNvPr id="2" name="页眉占位符 1"/>
+          <p:cNvSpPr>
+            <a:spLocks noGrp="1"/>
+          </p:cNvSpPr>
+          <p:nvPr>
+            <p:ph type="hdr" sz="quarter"/>
+          </p:nvPr>
+        </p:nvSpPr>
+        <p:spPr>
+          <a:xfrm>
+            <a:off x="0" y="0"/>
+            <a:ext cx="2971800" cy="458788"/>
+          </a:xfrm>
+          <a:prstGeom prst="rect">
+            <a:avLst/>
+          </a:prstGeom>
+        </p:spPr>
+        <p:txBody>
+          <a:bodyPr vert="horz" lIns="91440" tIns="45720" rIns="91440" bIns="45720" rtlCol="0"/>
+          <a:lstStyle>
+            <a:lvl1pPr algn="l">
+              <a:defRPr sz="1200"/>
+            </a:lvl1pPr>
+          </a:lstStyle>
+          <a:p>
+            <a:endParaRPr lang="zh-CN" altLang="en-US"/>
+          </a:p>
+        </p:txBody>
+      </p:sp>
+      <p:sp>
+        <p:nvSpPr>
+          <p:cNvPr id="3" name="日期占位符 2"/>
+          <p:cNvSpPr>
+            <a:spLocks noGrp="1"/>
+          </p:cNvSpPr>
+          <p:nvPr>
+            <p:ph type="dt" idx="1"/>
+          </p:nvPr>
+        </p:nvSpPr>
+        <p:spPr>
+          <a:xfrm>
+            <a:off x="3884613" y="0"/>
+            <a:ext cx="2971800" cy="458788"/>
+          </a:xfrm>
+          <a:prstGeom prst="rect">
+            <a:avLst/>
+          </a:prstGeom>
+        </p:spPr>
+        <p:txBody>
+          <a:bodyPr vert="horz" lIns="91440" tIns="45720" rIns="91440" bIns="45720" rtlCol="0"/>
+          <a:lstStyle>
+            <a:lvl1pPr algn="r">
+              <a:defRPr sz="1200"/>
+            </a:lvl1pPr>
+          </a:lstStyle>
+          <a:p>
+            <a:fld id="{63FDC6A3-7C42-4479-866C-9B859DB0775B}" type="datetimeFigureOut">
+              <a:rPr lang="zh-CN" altLang="en-US" smtClean="0"/>
+              <a:t>2022/7/22</a:t>
+            </a:fld>
+            <a:endParaRPr lang="zh-CN" altLang="en-US"/>
+          </a:p>
+        </p:txBody>
+      </p:sp>
+      <p:sp>
+        <p:nvSpPr>
+          <p:cNvPr id="4" name="幻灯片图像占位符 3"/>
+          <p:cNvSpPr>
+            <a:spLocks noGrp="1" noRot="1" noChangeAspect="1"/>
+          </p:cNvSpPr>
+          <p:nvPr>
+            <p:ph type="sldImg" idx="2"/>
+          </p:nvPr>
+        </p:nvSpPr>
+        <p:spPr>
+          <a:xfrm>
+            <a:off x="685800" y="1143000"/>
+            <a:ext cx="5486400" cy="3086100"/>
+          </a:xfrm>
+          <a:prstGeom prst="rect">
+            <a:avLst/>
+          </a:prstGeom>
+          <a:noFill/>
+          <a:ln w="12700">
+            <a:solidFill>
+              <a:prstClr val="black"/>
+            </a:solidFill>
+          </a:ln>
+        </p:spPr>
+        <p:txBody>
+          <a:bodyPr vert="horz" lIns="91440" tIns="45720" rIns="91440" bIns="45720" rtlCol="0" anchor="ctr"/>
+          <a:lstStyle/>
+          <a:p>
+            <a:endParaRPr lang="zh-CN" altLang="en-US"/>
+          </a:p>
+        </p:txBody>
+      </p:sp>
+      <p:sp>
+        <p:nvSpPr>
+          <p:cNvPr id="5" name="备注占位符 4"/>
+          <p:cNvSpPr>
+            <a:spLocks noGrp="1"/>
+          </p:cNvSpPr>
+          <p:nvPr>
+            <p:ph type="body" sz="quarter" idx="3"/>
+          </p:nvPr>
+        </p:nvSpPr>
+        <p:spPr>
+          <a:xfrm>
+            <a:off x="685800" y="4400550"/>
+            <a:ext cx="5486400" cy="3600450"/>
+          </a:xfrm>
+          <a:prstGeom prst="rect">
+            <a:avLst/>
+          </a:prstGeom>
+        </p:spPr>
+        <p:txBody>
+          <a:bodyPr vert="horz" lIns="91440" tIns="45720" rIns="91440" bIns="45720" rtlCol="0"/>
+          <a:lstStyle/>
+          <a:p>
+            <a:pPr lvl="0"/>
+            <a:r>
+              <a:rPr lang="zh-CN" altLang="en-US"/>
+              <a:t>单击此处编辑母版文本样式</a:t>
+            </a:r>
+          </a:p>
+          <a:p>
+            <a:pPr lvl="1"/>
+            <a:r>
+              <a:rPr lang="zh-CN" altLang="en-US"/>
+              <a:t>二级</a:t>
+            </a:r>
+          </a:p>
+          <a:p>
+            <a:pPr lvl="2"/>
+            <a:r>
+              <a:rPr lang="zh-CN" altLang="en-US"/>
+              <a:t>三级</a:t>
+            </a:r>
+          </a:p>
+          <a:p>
+            <a:pPr lvl="3"/>
+            <a:r>
+              <a:rPr lang="zh-CN" altLang="en-US"/>
+              <a:t>四级</a:t>
+            </a:r>
+          </a:p>
+          <a:p>
+            <a:pPr lvl="4"/>
+            <a:r>
+              <a:rPr lang="zh-CN" altLang="en-US"/>
+              <a:t>五级</a:t>
+            </a:r>
+          </a:p>
+        </p:txBody>
+      </p:sp>
+      <p:sp>
+        <p:nvSpPr>
+          <p:cNvPr id="6" name="页脚占位符 5"/>
+          <p:cNvSpPr>
+            <a:spLocks noGrp="1"/>
+          </p:cNvSpPr>
+          <p:nvPr>
+            <p:ph type="ftr" sz="quarter" idx="4"/>
+          </p:nvPr>
+        </p:nvSpPr>
+        <p:spPr>
+          <a:xfrm>
+            <a:off x="0" y="8685213"/>
+            <a:ext cx="2971800" cy="458787"/>
+          </a:xfrm>
+          <a:prstGeom prst="rect">
+            <a:avLst/>
+          </a:prstGeom>
+        </p:spPr>
+        <p:txBody>
+          <a:bodyPr vert="horz" lIns="91440" tIns="45720" rIns="91440" bIns="45720" rtlCol="0" anchor="b"/>
+          <a:lstStyle>
+            <a:lvl1pPr algn="l">
+              <a:defRPr sz="1200"/>
+            </a:lvl1pPr>
+          </a:lstStyle>
+          <a:p>
+            <a:endParaRPr lang="zh-CN" altLang="en-US"/>
+          </a:p>
+        </p:txBody>
+      </p:sp>
+      <p:sp>
+        <p:nvSpPr>
+          <p:cNvPr id="7" name="灯片编号占位符 6"/>
+          <p:cNvSpPr>
+            <a:spLocks noGrp="1"/>
+          </p:cNvSpPr>
+          <p:nvPr>
+            <p:ph type="sldNum" sz="quarter" idx="5"/>
+          </p:nvPr>
+        </p:nvSpPr>
+        <p:spPr>
+          <a:xfrm>
+            <a:off x="3884613" y="8685213"/>
+            <a:ext cx="2971800" cy="458787"/>
+          </a:xfrm>
+          <a:prstGeom prst="rect">
+            <a:avLst/>
+          </a:prstGeom>
+        </p:spPr>
+        <p:txBody>
+          <a:bodyPr vert="horz" lIns="91440" tIns="45720" rIns="91440" bIns="45720" rtlCol="0" anchor="b"/>
+          <a:lstStyle>
+            <a:lvl1pPr algn="r">
+              <a:defRPr sz="1200"/>
+            </a:lvl1pPr>
+          </a:lstStyle>
+          <a:p>
+            <a:fld id="{5A3394F7-11F7-462F-BBE6-C6B05860DB22}" type="slidenum">
+              <a:rPr lang="zh-CN" altLang="en-US" smtClean="0"/>
+              <a:t>‹#›</a:t>
+            </a:fld>
+            <a:endParaRPr lang="zh-CN" altLang="en-US"/>
+          </a:p>
+        </p:txBody>
+      </p:sp>
+    </p:spTree>
+    <p:extLst>
+      <p:ext uri="{BB962C8B-B14F-4D97-AF65-F5344CB8AC3E}">
+        <p14:creationId xmlns:p14="http://schemas.microsoft.com/office/powerpoint/2010/main" val="2947145832"/>
+      </p:ext>
+    </p:extLst>
+  </p:cSld>
+  <p:clrMap bg1="lt1" tx1="dk1" bg2="lt2" tx2="dk2" accent1="accent1" accent2="accent2" accent3="accent3" accent4="accent4" accent5="accent5" accent6="accent6" hlink="hlink" folHlink="folHlink"/>
+  <p:notesStyle>
+    <a:lvl1pPr marL="0" algn="l" defTabSz="914400" rtl="0" eaLnBrk="1" latinLnBrk="0" hangingPunct="1">
+      <a:defRPr sz="1200" kern="1200">
+        <a:solidFill>
+          <a:schemeClr val="tx1"/>
+        </a:solidFill>
+        <a:latin typeface="+mn-lt"/>
+        <a:ea typeface="+mn-ea"/>
+        <a:cs typeface="+mn-cs"/>
+      </a:defRPr>
+    </a:lvl1pPr>
+    <a:lvl2pPr marL="457200" algn="l" defTabSz="914400" rtl="0" eaLnBrk="1" latinLnBrk="0" hangingPunct="1">
+      <a:defRPr sz="1200" kern="1200">
+        <a:solidFill>
+          <a:schemeClr val="tx1"/>
+        </a:solidFill>
+        <a:latin typeface="+mn-lt"/>
+        <a:ea typeface="+mn-ea"/>
+        <a:cs typeface="+mn-cs"/>
+      </a:defRPr>
+    </a:lvl2pPr>
+    <a:lvl3pPr marL="914400" algn="l" defTabSz="914400" rtl="0" eaLnBrk="1" latinLnBrk="0" hangingPunct="1">
+      <a:defRPr sz="1200" kern="1200">
+        <a:solidFill>
+          <a:schemeClr val="tx1"/>
+        </a:solidFill>
+        <a:latin typeface="+mn-lt"/>
+        <a:ea typeface="+mn-ea"/>
+        <a:cs typeface="+mn-cs"/>
+      </a:defRPr>
+    </a:lvl3pPr>
+    <a:lvl4pPr marL="1371600" algn="l" defTabSz="914400" rtl="0" eaLnBrk="1" latinLnBrk="0" hangingPunct="1">
+      <a:defRPr sz="1200" kern="1200">
+        <a:solidFill>
+          <a:schemeClr val="tx1"/>
+        </a:solidFill>
+        <a:latin typeface="+mn-lt"/>
+        <a:ea typeface="+mn-ea"/>
+        <a:cs typeface="+mn-cs"/>
+      </a:defRPr>
+    </a:lvl4pPr>
+    <a:lvl5pPr marL="1828800" algn="l" defTabSz="914400" rtl="0" eaLnBrk="1" latinLnBrk="0" hangingPunct="1">
+      <a:defRPr sz="1200" kern="1200">
+        <a:solidFill>
+          <a:schemeClr val="tx1"/>
+        </a:solidFill>
+        <a:latin typeface="+mn-lt"/>
+        <a:ea typeface="+mn-ea"/>
+        <a:cs typeface="+mn-cs"/>
+      </a:defRPr>
+    </a:lvl5pPr>
+    <a:lvl6pPr marL="2286000" algn="l" defTabSz="914400" rtl="0" eaLnBrk="1" latinLnBrk="0" hangingPunct="1">
+      <a:defRPr sz="1200" kern="1200">
+        <a:solidFill>
+          <a:schemeClr val="tx1"/>
+        </a:solidFill>
+        <a:latin typeface="+mn-lt"/>
+        <a:ea typeface="+mn-ea"/>
+        <a:cs typeface="+mn-cs"/>
+      </a:defRPr>
+    </a:lvl6pPr>
+    <a:lvl7pPr marL="2743200" algn="l" defTabSz="914400" rtl="0" eaLnBrk="1" latinLnBrk="0" hangingPunct="1">
+      <a:defRPr sz="1200" kern="1200">
+        <a:solidFill>
+          <a:schemeClr val="tx1"/>
+        </a:solidFill>
+        <a:latin typeface="+mn-lt"/>
+        <a:ea typeface="+mn-ea"/>
+        <a:cs typeface="+mn-cs"/>
+      </a:defRPr>
+    </a:lvl7pPr>
+    <a:lvl8pPr marL="3200400" algn="l" defTabSz="914400" rtl="0" eaLnBrk="1" latinLnBrk="0" hangingPunct="1">
+      <a:defRPr sz="1200" kern="1200">
+        <a:solidFill>
+          <a:schemeClr val="tx1"/>
+        </a:solidFill>
+        <a:latin typeface="+mn-lt"/>
+        <a:ea typeface="+mn-ea"/>
+        <a:cs typeface="+mn-cs"/>
+      </a:defRPr>
+    </a:lvl8pPr>
+    <a:lvl9pPr marL="3657600" algn="l" defTabSz="914400" rtl="0" eaLnBrk="1" latinLnBrk="0" hangingPunct="1">
+      <a:defRPr sz="1200" kern="1200">
+        <a:solidFill>
+          <a:schemeClr val="tx1"/>
+        </a:solidFill>
+        <a:latin typeface="+mn-lt"/>
+        <a:ea typeface="+mn-ea"/>
+        <a:cs typeface="+mn-cs"/>
+      </a:defRPr>
+    </a:lvl9pPr>
+  </p:notesStyle>
+</p:notesMaster>
+</file>
+
+<file path=ppt/notesSlides/notesSlide1.xml><?xml version="1.0" encoding="utf-8"?>
+<p:notes xmlns:a="http://schemas.openxmlformats.org/drawingml/2006/main" xmlns:r="http://schemas.openxmlformats.org/officeDocument/2006/relationships" xmlns:p="http://schemas.openxmlformats.org/presentationml/2006/main">
+  <p:cSld>
+    <p:spTree>
+      <p:nvGrpSpPr>
+        <p:cNvPr id="1" name=""/>
+        <p:cNvGrpSpPr/>
+        <p:nvPr/>
+      </p:nvGrpSpPr>
+      <p:grpSpPr>
+        <a:xfrm>
+          <a:off x="0" y="0"/>
+          <a:ext cx="0" cy="0"/>
+          <a:chOff x="0" y="0"/>
+          <a:chExt cx="0" cy="0"/>
+        </a:xfrm>
+      </p:grpSpPr>
+      <p:sp>
+        <p:nvSpPr>
+          <p:cNvPr id="2" name="幻灯片图像占位符 1"/>
+          <p:cNvSpPr>
+            <a:spLocks noGrp="1" noRot="1" noChangeAspect="1"/>
+          </p:cNvSpPr>
+          <p:nvPr>
+            <p:ph type="sldImg"/>
+          </p:nvPr>
+        </p:nvSpPr>
+        <p:spPr/>
+      </p:sp>
+      <p:sp>
+        <p:nvSpPr>
+          <p:cNvPr id="3" name="备注占位符 2"/>
+          <p:cNvSpPr>
+            <a:spLocks noGrp="1"/>
+          </p:cNvSpPr>
+          <p:nvPr>
+            <p:ph type="body" idx="1"/>
+          </p:nvPr>
+        </p:nvSpPr>
+        <p:spPr/>
+        <p:txBody>
+          <a:bodyPr/>
+          <a:lstStyle/>
+          <a:p>
+            <a:r>
+              <a:rPr lang="zh-CN" altLang="en-US" dirty="0"/>
+              <a:t>在一个小的邻域内，可以把</a:t>
+            </a:r>
+            <a:r>
+              <a:rPr lang="en-US" altLang="zh-CN" dirty="0"/>
+              <a:t>x=</a:t>
+            </a:r>
+            <a:r>
+              <a:rPr lang="en-US" altLang="zh-CN" dirty="0" err="1"/>
+              <a:t>FX+t</a:t>
+            </a:r>
+            <a:r>
+              <a:rPr lang="zh-CN" altLang="en-US" dirty="0"/>
+              <a:t>视作成立</a:t>
+            </a:r>
+          </a:p>
+        </p:txBody>
+      </p:sp>
+      <p:sp>
+        <p:nvSpPr>
+          <p:cNvPr id="4" name="灯片编号占位符 3"/>
+          <p:cNvSpPr>
+            <a:spLocks noGrp="1"/>
+          </p:cNvSpPr>
+          <p:nvPr>
+            <p:ph type="sldNum" sz="quarter" idx="5"/>
+          </p:nvPr>
+        </p:nvSpPr>
+        <p:spPr/>
+        <p:txBody>
+          <a:bodyPr/>
+          <a:lstStyle/>
+          <a:p>
+            <a:fld id="{5A3394F7-11F7-462F-BBE6-C6B05860DB22}" type="slidenum">
+              <a:rPr lang="zh-CN" altLang="en-US" smtClean="0"/>
+              <a:t>13</a:t>
+            </a:fld>
+            <a:endParaRPr lang="zh-CN" altLang="en-US"/>
+          </a:p>
+        </p:txBody>
+      </p:sp>
+    </p:spTree>
+    <p:extLst>
+      <p:ext uri="{BB962C8B-B14F-4D97-AF65-F5344CB8AC3E}">
+        <p14:creationId xmlns:p14="http://schemas.microsoft.com/office/powerpoint/2010/main" val="2071982703"/>
+      </p:ext>
+    </p:extLst>
+  </p:cSld>
+  <p:clrMapOvr>
+    <a:masterClrMapping/>
+  </p:clrMapOvr>
+</p:notes>
+</file>
+
+<file path=ppt/notesSlides/notesSlide2.xml><?xml version="1.0" encoding="utf-8"?>
+<p:notes xmlns:a="http://schemas.openxmlformats.org/drawingml/2006/main" xmlns:r="http://schemas.openxmlformats.org/officeDocument/2006/relationships" xmlns:p="http://schemas.openxmlformats.org/presentationml/2006/main">
+  <p:cSld>
+    <p:spTree>
+      <p:nvGrpSpPr>
+        <p:cNvPr id="1" name=""/>
+        <p:cNvGrpSpPr/>
+        <p:nvPr/>
+      </p:nvGrpSpPr>
+      <p:grpSpPr>
+        <a:xfrm>
+          <a:off x="0" y="0"/>
+          <a:ext cx="0" cy="0"/>
+          <a:chOff x="0" y="0"/>
+          <a:chExt cx="0" cy="0"/>
+        </a:xfrm>
+      </p:grpSpPr>
+      <p:sp>
+        <p:nvSpPr>
+          <p:cNvPr id="2" name="幻灯片图像占位符 1"/>
+          <p:cNvSpPr>
+            <a:spLocks noGrp="1" noRot="1" noChangeAspect="1"/>
+          </p:cNvSpPr>
+          <p:nvPr>
+            <p:ph type="sldImg"/>
+          </p:nvPr>
+        </p:nvSpPr>
+        <p:spPr/>
+      </p:sp>
+      <p:sp>
+        <p:nvSpPr>
+          <p:cNvPr id="3" name="备注占位符 2"/>
+          <p:cNvSpPr>
+            <a:spLocks noGrp="1"/>
+          </p:cNvSpPr>
+          <p:nvPr>
+            <p:ph type="body" idx="1"/>
+          </p:nvPr>
+        </p:nvSpPr>
+        <p:spPr/>
+        <p:txBody>
+          <a:bodyPr/>
+          <a:lstStyle/>
+          <a:p>
+            <a:r>
+              <a:rPr lang="en-US" altLang="zh-CN" dirty="0"/>
+              <a:t>F</a:t>
+            </a:r>
+            <a:r>
+              <a:rPr lang="zh-CN" altLang="en-US" dirty="0"/>
+              <a:t>能够描述四面体的各顶点相对位置的关系，也就是说他其中不包含平移相关的量</a:t>
+            </a:r>
+          </a:p>
+        </p:txBody>
+      </p:sp>
+      <p:sp>
+        <p:nvSpPr>
+          <p:cNvPr id="4" name="灯片编号占位符 3"/>
+          <p:cNvSpPr>
+            <a:spLocks noGrp="1"/>
+          </p:cNvSpPr>
+          <p:nvPr>
+            <p:ph type="sldNum" sz="quarter" idx="5"/>
+          </p:nvPr>
+        </p:nvSpPr>
+        <p:spPr/>
+        <p:txBody>
+          <a:bodyPr/>
+          <a:lstStyle/>
+          <a:p>
+            <a:fld id="{5A3394F7-11F7-462F-BBE6-C6B05860DB22}" type="slidenum">
+              <a:rPr lang="zh-CN" altLang="en-US" smtClean="0"/>
+              <a:t>14</a:t>
+            </a:fld>
+            <a:endParaRPr lang="zh-CN" altLang="en-US"/>
+          </a:p>
+        </p:txBody>
+      </p:sp>
+    </p:spTree>
+    <p:extLst>
+      <p:ext uri="{BB962C8B-B14F-4D97-AF65-F5344CB8AC3E}">
+        <p14:creationId xmlns:p14="http://schemas.microsoft.com/office/powerpoint/2010/main" val="3753100529"/>
+      </p:ext>
+    </p:extLst>
+  </p:cSld>
+  <p:clrMapOvr>
+    <a:masterClrMapping/>
+  </p:clrMapOvr>
+</p:notes>
+</file>
+
+<file path=ppt/notesSlides/notesSlide3.xml><?xml version="1.0" encoding="utf-8"?>
+<p:notes xmlns:a="http://schemas.openxmlformats.org/drawingml/2006/main" xmlns:r="http://schemas.openxmlformats.org/officeDocument/2006/relationships" xmlns:p="http://schemas.openxmlformats.org/presentationml/2006/main">
+  <p:cSld>
+    <p:spTree>
+      <p:nvGrpSpPr>
+        <p:cNvPr id="1" name=""/>
+        <p:cNvGrpSpPr/>
+        <p:nvPr/>
+      </p:nvGrpSpPr>
+      <p:grpSpPr>
+        <a:xfrm>
+          <a:off x="0" y="0"/>
+          <a:ext cx="0" cy="0"/>
+          <a:chOff x="0" y="0"/>
+          <a:chExt cx="0" cy="0"/>
+        </a:xfrm>
+      </p:grpSpPr>
+      <p:sp>
+        <p:nvSpPr>
+          <p:cNvPr id="2" name="幻灯片图像占位符 1"/>
+          <p:cNvSpPr>
+            <a:spLocks noGrp="1" noRot="1" noChangeAspect="1"/>
+          </p:cNvSpPr>
+          <p:nvPr>
+            <p:ph type="sldImg"/>
+          </p:nvPr>
+        </p:nvSpPr>
+        <p:spPr/>
+      </p:sp>
+      <p:sp>
+        <p:nvSpPr>
+          <p:cNvPr id="3" name="备注占位符 2"/>
+          <p:cNvSpPr>
+            <a:spLocks noGrp="1"/>
+          </p:cNvSpPr>
+          <p:nvPr>
+            <p:ph type="body" idx="1"/>
+          </p:nvPr>
+        </p:nvSpPr>
+        <p:spPr/>
+        <p:txBody>
+          <a:bodyPr/>
+          <a:lstStyle/>
+          <a:p>
+            <a:r>
+              <a:rPr lang="zh-CN" altLang="en-US" dirty="0"/>
+              <a:t>怎么把</a:t>
+            </a:r>
+            <a:r>
+              <a:rPr lang="en-US" altLang="zh-CN" dirty="0"/>
+              <a:t>U</a:t>
+            </a:r>
+            <a:r>
+              <a:rPr lang="zh-CN" altLang="en-US" dirty="0"/>
+              <a:t>丢掉呢？用</a:t>
+            </a:r>
+            <a:r>
+              <a:rPr lang="en-US" altLang="zh-CN" dirty="0" err="1"/>
+              <a:t>svd</a:t>
+            </a:r>
+            <a:r>
+              <a:rPr lang="zh-CN" altLang="en-US" dirty="0"/>
+              <a:t>嘛，不太好，这并不优雅</a:t>
+            </a:r>
+          </a:p>
+        </p:txBody>
+      </p:sp>
+      <p:sp>
+        <p:nvSpPr>
+          <p:cNvPr id="4" name="灯片编号占位符 3"/>
+          <p:cNvSpPr>
+            <a:spLocks noGrp="1"/>
+          </p:cNvSpPr>
+          <p:nvPr>
+            <p:ph type="sldNum" sz="quarter" idx="5"/>
+          </p:nvPr>
+        </p:nvSpPr>
+        <p:spPr/>
+        <p:txBody>
+          <a:bodyPr/>
+          <a:lstStyle/>
+          <a:p>
+            <a:fld id="{5A3394F7-11F7-462F-BBE6-C6B05860DB22}" type="slidenum">
+              <a:rPr lang="zh-CN" altLang="en-US" smtClean="0"/>
+              <a:t>15</a:t>
+            </a:fld>
+            <a:endParaRPr lang="zh-CN" altLang="en-US"/>
+          </a:p>
+        </p:txBody>
+      </p:sp>
+    </p:spTree>
+    <p:extLst>
+      <p:ext uri="{BB962C8B-B14F-4D97-AF65-F5344CB8AC3E}">
+        <p14:creationId xmlns:p14="http://schemas.microsoft.com/office/powerpoint/2010/main" val="2952669848"/>
+      </p:ext>
+    </p:extLst>
+  </p:cSld>
+  <p:clrMapOvr>
+    <a:masterClrMapping/>
+  </p:clrMapOvr>
+</p:notes>
 </file>
 
 <file path=ppt/slideLayouts/slideLayout1.xml><?xml version="1.0" encoding="utf-8"?>
@@ -6074,8 +6720,8 @@
           </a:p>
         </p:txBody>
       </p:sp>
-      <mc:AlternateContent xmlns:mc="http://schemas.openxmlformats.org/markup-compatibility/2006">
-        <mc:Choice xmlns:a14="http://schemas.microsoft.com/office/drawing/2010/main" Requires="a14">
+      <mc:AlternateContent xmlns:mc="http://schemas.openxmlformats.org/markup-compatibility/2006" xmlns:a14="http://schemas.microsoft.com/office/drawing/2010/main">
+        <mc:Choice Requires="a14">
           <p:sp>
             <p:nvSpPr>
               <p:cNvPr id="5" name="内容占位符 2">
@@ -6669,7 +7315,7 @@
             </p:txBody>
           </p:sp>
         </mc:Choice>
-        <mc:Fallback>
+        <mc:Fallback xmlns="">
           <p:sp>
             <p:nvSpPr>
               <p:cNvPr id="5" name="内容占位符 2">
@@ -6693,7 +7339,7 @@
                 <a:avLst/>
               </a:prstGeom>
               <a:blipFill>
-                <a:blip r:embed="rId2"/>
+                <a:blip r:embed="rId3"/>
                 <a:stretch>
                   <a:fillRect l="-812" t="-2521"/>
                 </a:stretch>
@@ -6729,7 +7375,7 @@
           <p:nvPr/>
         </p:nvPicPr>
         <p:blipFill>
-          <a:blip r:embed="rId3">
+          <a:blip r:embed="rId4">
             <a:extLst>
               <a:ext uri="{28A0092B-C50C-407E-A947-70E740481C1C}">
                 <a14:useLocalDpi xmlns:a14="http://schemas.microsoft.com/office/drawing/2010/main" val="0"/>
@@ -6765,7 +7411,7 @@
           <p:nvPr/>
         </p:nvPicPr>
         <p:blipFill>
-          <a:blip r:embed="rId4">
+          <a:blip r:embed="rId5">
             <a:extLst>
               <a:ext uri="{28A0092B-C50C-407E-A947-70E740481C1C}">
                 <a14:useLocalDpi xmlns:a14="http://schemas.microsoft.com/office/drawing/2010/main" val="0"/>
@@ -6786,8 +7432,8 @@
           </a:prstGeom>
         </p:spPr>
       </p:pic>
-      <mc:AlternateContent xmlns:mc="http://schemas.openxmlformats.org/markup-compatibility/2006">
-        <mc:Choice xmlns:a14="http://schemas.microsoft.com/office/drawing/2010/main" Requires="a14">
+      <mc:AlternateContent xmlns:mc="http://schemas.openxmlformats.org/markup-compatibility/2006" xmlns:a14="http://schemas.microsoft.com/office/drawing/2010/main">
+        <mc:Choice Requires="a14">
           <p:sp>
             <p:nvSpPr>
               <p:cNvPr id="8" name="文本框 7">
@@ -6816,6 +7462,7 @@
               </a:bodyPr>
               <a:lstStyle/>
               <a:p>
+                <a:pPr/>
                 <a14:m>
                   <m:oMathPara xmlns:m="http://schemas.openxmlformats.org/officeDocument/2006/math">
                     <m:oMathParaPr>
@@ -6836,7 +7483,7 @@
             </p:txBody>
           </p:sp>
         </mc:Choice>
-        <mc:Fallback>
+        <mc:Fallback xmlns="">
           <p:sp>
             <p:nvSpPr>
               <p:cNvPr id="8" name="文本框 7">
@@ -6860,7 +7507,7 @@
                 <a:avLst/>
               </a:prstGeom>
               <a:blipFill>
-                <a:blip r:embed="rId5"/>
+                <a:blip r:embed="rId6"/>
                 <a:stretch>
                   <a:fillRect l="-21622" r="-21622" b="-6667"/>
                 </a:stretch>
@@ -6881,8 +7528,8 @@
           </p:sp>
         </mc:Fallback>
       </mc:AlternateContent>
-      <mc:AlternateContent xmlns:mc="http://schemas.openxmlformats.org/markup-compatibility/2006">
-        <mc:Choice xmlns:a14="http://schemas.microsoft.com/office/drawing/2010/main" Requires="a14">
+      <mc:AlternateContent xmlns:mc="http://schemas.openxmlformats.org/markup-compatibility/2006" xmlns:a14="http://schemas.microsoft.com/office/drawing/2010/main">
+        <mc:Choice Requires="a14">
           <p:sp>
             <p:nvSpPr>
               <p:cNvPr id="9" name="文本框 8">
@@ -6911,6 +7558,7 @@
               </a:bodyPr>
               <a:lstStyle/>
               <a:p>
+                <a:pPr/>
                 <a14:m>
                   <m:oMathPara xmlns:m="http://schemas.openxmlformats.org/officeDocument/2006/math">
                     <m:oMathParaPr>
@@ -6931,7 +7579,7 @@
             </p:txBody>
           </p:sp>
         </mc:Choice>
-        <mc:Fallback>
+        <mc:Fallback xmlns="">
           <p:sp>
             <p:nvSpPr>
               <p:cNvPr id="9" name="文本框 8">
@@ -6955,7 +7603,7 @@
                 <a:avLst/>
               </a:prstGeom>
               <a:blipFill>
-                <a:blip r:embed="rId6"/>
+                <a:blip r:embed="rId7"/>
                 <a:stretch>
                   <a:fillRect l="-15625" r="-15625"/>
                 </a:stretch>
@@ -7017,8 +7665,8 @@
           </a:fontRef>
         </p:style>
       </p:cxnSp>
-      <mc:AlternateContent xmlns:mc="http://schemas.openxmlformats.org/markup-compatibility/2006">
-        <mc:Choice xmlns:a14="http://schemas.microsoft.com/office/drawing/2010/main" Requires="a14">
+      <mc:AlternateContent xmlns:mc="http://schemas.openxmlformats.org/markup-compatibility/2006" xmlns:a14="http://schemas.microsoft.com/office/drawing/2010/main">
+        <mc:Choice Requires="a14">
           <p:sp>
             <p:nvSpPr>
               <p:cNvPr id="12" name="文本框 11">
@@ -7047,6 +7695,7 @@
               </a:bodyPr>
               <a:lstStyle/>
               <a:p>
+                <a:pPr/>
                 <a14:m>
                   <m:oMathPara xmlns:m="http://schemas.openxmlformats.org/officeDocument/2006/math">
                     <m:oMathParaPr>
@@ -7097,7 +7746,7 @@
             </p:txBody>
           </p:sp>
         </mc:Choice>
-        <mc:Fallback>
+        <mc:Fallback xmlns="">
           <p:sp>
             <p:nvSpPr>
               <p:cNvPr id="12" name="文本框 11">
@@ -7121,7 +7770,7 @@
                 <a:avLst/>
               </a:prstGeom>
               <a:blipFill>
-                <a:blip r:embed="rId7"/>
+                <a:blip r:embed="rId8"/>
                 <a:stretch>
                   <a:fillRect l="-3049" t="-4444" r="-8537" b="-35556"/>
                 </a:stretch>
@@ -7142,8 +7791,8 @@
           </p:sp>
         </mc:Fallback>
       </mc:AlternateContent>
-      <mc:AlternateContent xmlns:mc="http://schemas.openxmlformats.org/markup-compatibility/2006">
-        <mc:Choice xmlns:a14="http://schemas.microsoft.com/office/drawing/2010/main" Requires="a14">
+      <mc:AlternateContent xmlns:mc="http://schemas.openxmlformats.org/markup-compatibility/2006" xmlns:a14="http://schemas.microsoft.com/office/drawing/2010/main">
+        <mc:Choice Requires="a14">
           <p:sp>
             <p:nvSpPr>
               <p:cNvPr id="13" name="文本框 12">
@@ -7172,6 +7821,7 @@
               </a:bodyPr>
               <a:lstStyle/>
               <a:p>
+                <a:pPr/>
                 <a14:m>
                   <m:oMathPara xmlns:m="http://schemas.openxmlformats.org/officeDocument/2006/math">
                     <m:oMathParaPr>
@@ -7227,7 +7877,16 @@
                                   <a:rPr lang="en-US" altLang="zh-CN" b="0" i="0" smtClean="0">
                                     <a:latin typeface="Cambria Math" panose="02040503050406030204" pitchFamily="18" charset="0"/>
                                   </a:rPr>
-                                  <m:t>cos</m:t>
+                                  <m:t>c</m:t>
+                                </m:r>
+                                <m:r>
+                                  <m:rPr>
+                                    <m:sty m:val="p"/>
+                                  </m:rPr>
+                                  <a:rPr lang="en-US" altLang="zh-CN" b="0" i="0" smtClean="0">
+                                    <a:latin typeface="Cambria Math" panose="02040503050406030204" pitchFamily="18" charset="0"/>
+                                  </a:rPr>
+                                  <m:t>os</m:t>
                                 </m:r>
                                 <m:r>
                                   <m:rPr>
@@ -7236,7 +7895,13 @@
                                   <a:rPr lang="en-US" altLang="zh-CN" b="0" i="1" smtClean="0">
                                     <a:latin typeface="Cambria Math" panose="02040503050406030204" pitchFamily="18" charset="0"/>
                                   </a:rPr>
-                                  <m:t>⁡(</m:t>
+                                  <m:t>⁡</m:t>
+                                </m:r>
+                                <m:r>
+                                  <a:rPr lang="en-US" altLang="zh-CN" b="0" i="1" smtClean="0">
+                                    <a:latin typeface="Cambria Math" panose="02040503050406030204" pitchFamily="18" charset="0"/>
+                                  </a:rPr>
+                                  <m:t>(</m:t>
                                 </m:r>
                                 <m:r>
                                   <a:rPr lang="en-US" altLang="zh-CN" b="0" i="1" smtClean="0">
@@ -7445,7 +8110,7 @@
             </p:txBody>
           </p:sp>
         </mc:Choice>
-        <mc:Fallback>
+        <mc:Fallback xmlns="">
           <p:sp>
             <p:nvSpPr>
               <p:cNvPr id="13" name="文本框 12">
@@ -7469,7 +8134,7 @@
                 <a:avLst/>
               </a:prstGeom>
               <a:blipFill>
-                <a:blip r:embed="rId8"/>
+                <a:blip r:embed="rId9"/>
                 <a:stretch>
                   <a:fillRect/>
                 </a:stretch>
@@ -7490,8 +8155,8 @@
           </p:sp>
         </mc:Fallback>
       </mc:AlternateContent>
-      <mc:AlternateContent xmlns:mc="http://schemas.openxmlformats.org/markup-compatibility/2006">
-        <mc:Choice xmlns:a14="http://schemas.microsoft.com/office/drawing/2010/main" Requires="a14">
+      <mc:AlternateContent xmlns:mc="http://schemas.openxmlformats.org/markup-compatibility/2006" xmlns:a14="http://schemas.microsoft.com/office/drawing/2010/main">
+        <mc:Choice Requires="a14">
           <p:sp>
             <p:nvSpPr>
               <p:cNvPr id="14" name="文本框 13">
@@ -7520,6 +8185,7 @@
               </a:bodyPr>
               <a:lstStyle/>
               <a:p>
+                <a:pPr/>
                 <a14:m>
                   <m:oMathPara xmlns:m="http://schemas.openxmlformats.org/officeDocument/2006/math">
                     <m:oMathParaPr>
@@ -7747,7 +8413,7 @@
             </p:txBody>
           </p:sp>
         </mc:Choice>
-        <mc:Fallback>
+        <mc:Fallback xmlns="">
           <p:sp>
             <p:nvSpPr>
               <p:cNvPr id="14" name="文本框 13">
@@ -7771,7 +8437,7 @@
                 <a:avLst/>
               </a:prstGeom>
               <a:blipFill>
-                <a:blip r:embed="rId9"/>
+                <a:blip r:embed="rId10"/>
                 <a:stretch>
                   <a:fillRect/>
                 </a:stretch>
@@ -7792,8 +8458,8 @@
           </p:sp>
         </mc:Fallback>
       </mc:AlternateContent>
-      <mc:AlternateContent xmlns:mc="http://schemas.openxmlformats.org/markup-compatibility/2006">
-        <mc:Choice xmlns:a14="http://schemas.microsoft.com/office/drawing/2010/main" Requires="a14">
+      <mc:AlternateContent xmlns:mc="http://schemas.openxmlformats.org/markup-compatibility/2006" xmlns:a14="http://schemas.microsoft.com/office/drawing/2010/main">
+        <mc:Choice Requires="a14">
           <p:sp>
             <p:nvSpPr>
               <p:cNvPr id="17" name="文本框 16">
@@ -7822,6 +8488,7 @@
               </a:bodyPr>
               <a:lstStyle/>
               <a:p>
+                <a:pPr/>
                 <a14:m>
                   <m:oMathPara xmlns:m="http://schemas.openxmlformats.org/officeDocument/2006/math">
                     <m:oMathParaPr>
@@ -7848,7 +8515,7 @@
             </p:txBody>
           </p:sp>
         </mc:Choice>
-        <mc:Fallback>
+        <mc:Fallback xmlns="">
           <p:sp>
             <p:nvSpPr>
               <p:cNvPr id="17" name="文本框 16">
@@ -7872,7 +8539,7 @@
                 <a:avLst/>
               </a:prstGeom>
               <a:blipFill>
-                <a:blip r:embed="rId10"/>
+                <a:blip r:embed="rId11"/>
                 <a:stretch>
                   <a:fillRect l="-20513" r="-20513" b="-5882"/>
                 </a:stretch>
@@ -7893,8 +8560,8 @@
           </p:sp>
         </mc:Fallback>
       </mc:AlternateContent>
-      <mc:AlternateContent xmlns:mc="http://schemas.openxmlformats.org/markup-compatibility/2006">
-        <mc:Choice xmlns:a14="http://schemas.microsoft.com/office/drawing/2010/main" Requires="a14">
+      <mc:AlternateContent xmlns:mc="http://schemas.openxmlformats.org/markup-compatibility/2006" xmlns:a14="http://schemas.microsoft.com/office/drawing/2010/main">
+        <mc:Choice Requires="a14">
           <p:sp>
             <p:nvSpPr>
               <p:cNvPr id="18" name="文本框 17">
@@ -7923,6 +8590,7 @@
               </a:bodyPr>
               <a:lstStyle/>
               <a:p>
+                <a:pPr/>
                 <a14:m>
                   <m:oMathPara xmlns:m="http://schemas.openxmlformats.org/officeDocument/2006/math">
                     <m:oMathParaPr>
@@ -7953,7 +8621,7 @@
             </p:txBody>
           </p:sp>
         </mc:Choice>
-        <mc:Fallback>
+        <mc:Fallback xmlns="">
           <p:sp>
             <p:nvSpPr>
               <p:cNvPr id="18" name="文本框 17">
@@ -7977,7 +8645,7 @@
                 <a:avLst/>
               </a:prstGeom>
               <a:blipFill>
-                <a:blip r:embed="rId11"/>
+                <a:blip r:embed="rId12"/>
                 <a:stretch>
                   <a:fillRect l="-24138" r="-24138" b="-1961"/>
                 </a:stretch>
@@ -7998,8 +8666,8 @@
           </p:sp>
         </mc:Fallback>
       </mc:AlternateContent>
-      <mc:AlternateContent xmlns:mc="http://schemas.openxmlformats.org/markup-compatibility/2006">
-        <mc:Choice xmlns:a14="http://schemas.microsoft.com/office/drawing/2010/main" Requires="a14">
+      <mc:AlternateContent xmlns:mc="http://schemas.openxmlformats.org/markup-compatibility/2006" xmlns:a14="http://schemas.microsoft.com/office/drawing/2010/main">
+        <mc:Choice Requires="a14">
           <p:sp>
             <p:nvSpPr>
               <p:cNvPr id="19" name="文本框 18">
@@ -8028,6 +8696,7 @@
               </a:bodyPr>
               <a:lstStyle/>
               <a:p>
+                <a:pPr/>
                 <a14:m>
                   <m:oMathPara xmlns:m="http://schemas.openxmlformats.org/officeDocument/2006/math">
                     <m:oMathParaPr>
@@ -8079,7 +8748,7 @@
             </p:txBody>
           </p:sp>
         </mc:Choice>
-        <mc:Fallback>
+        <mc:Fallback xmlns="">
           <p:sp>
             <p:nvSpPr>
               <p:cNvPr id="19" name="文本框 18">
@@ -8103,7 +8772,7 @@
                 <a:avLst/>
               </a:prstGeom>
               <a:blipFill>
-                <a:blip r:embed="rId12"/>
+                <a:blip r:embed="rId13"/>
                 <a:stretch>
                   <a:fillRect l="-1887" r="-3302" b="-5882"/>
                 </a:stretch>
@@ -8234,7 +8903,7 @@
             <p:spPr>
               <a:xfrm>
                 <a:off x="990600" y="1978025"/>
-                <a:ext cx="10515600" cy="4351338"/>
+                <a:ext cx="10896600" cy="4351338"/>
               </a:xfrm>
               <a:prstGeom prst="rect">
                 <a:avLst/>
@@ -8526,6 +9195,72 @@
                     </m:r>
                   </m:oMath>
                 </a14:m>
+                <a:r>
+                  <a:rPr lang="en-US" altLang="zh-CN" sz="2400" dirty="0"/>
+                  <a:t>, so </a:t>
+                </a:r>
+                <a14:m>
+                  <m:oMath xmlns:m="http://schemas.openxmlformats.org/officeDocument/2006/math">
+                    <m:r>
+                      <a:rPr lang="en-US" altLang="zh-CN" sz="2400" i="1">
+                        <a:latin typeface="Cambria Math" panose="02040503050406030204" pitchFamily="18" charset="0"/>
+                      </a:rPr>
+                      <m:t>𝐸</m:t>
+                    </m:r>
+                    <m:r>
+                      <a:rPr lang="en-US" altLang="zh-CN" sz="2400" i="1">
+                        <a:latin typeface="Cambria Math" panose="02040503050406030204" pitchFamily="18" charset="0"/>
+                      </a:rPr>
+                      <m:t>=∑</m:t>
+                    </m:r>
+                    <m:r>
+                      <m:rPr>
+                        <m:sty m:val="p"/>
+                      </m:rPr>
+                      <a:rPr lang="en-US" altLang="zh-CN" sz="2400">
+                        <a:latin typeface="Cambria Math" panose="02040503050406030204" pitchFamily="18" charset="0"/>
+                      </a:rPr>
+                      <m:t>Ψ</m:t>
+                    </m:r>
+                    <m:r>
+                      <a:rPr lang="en-US" altLang="zh-CN" sz="2400" i="1">
+                        <a:latin typeface="Cambria Math" panose="02040503050406030204" pitchFamily="18" charset="0"/>
+                      </a:rPr>
+                      <m:t>(</m:t>
+                    </m:r>
+                    <m:sSub>
+                      <m:sSubPr>
+                        <m:ctrlPr>
+                          <a:rPr lang="en-US" altLang="zh-CN" sz="2400" i="1">
+                            <a:latin typeface="Cambria Math" panose="02040503050406030204" pitchFamily="18" charset="0"/>
+                          </a:rPr>
+                        </m:ctrlPr>
+                      </m:sSubPr>
+                      <m:e>
+                        <m:r>
+                          <a:rPr lang="en-US" altLang="zh-CN" sz="2400" i="1">
+                            <a:latin typeface="Cambria Math" panose="02040503050406030204" pitchFamily="18" charset="0"/>
+                          </a:rPr>
+                          <m:t>𝐹</m:t>
+                        </m:r>
+                      </m:e>
+                      <m:sub>
+                        <m:r>
+                          <a:rPr lang="en-US" altLang="zh-CN" sz="2400" i="1">
+                            <a:latin typeface="Cambria Math" panose="02040503050406030204" pitchFamily="18" charset="0"/>
+                          </a:rPr>
+                          <m:t>𝑒</m:t>
+                        </m:r>
+                      </m:sub>
+                    </m:sSub>
+                    <m:r>
+                      <a:rPr lang="en-US" altLang="zh-CN" sz="2400" i="1">
+                        <a:latin typeface="Cambria Math" panose="02040503050406030204" pitchFamily="18" charset="0"/>
+                      </a:rPr>
+                      <m:t>)</m:t>
+                    </m:r>
+                  </m:oMath>
+                </a14:m>
                 <a:endParaRPr lang="en-US" altLang="zh-CN" sz="2400" dirty="0"/>
               </a:p>
               <a:p>
@@ -8555,15 +9290,15 @@
             <p:spPr>
               <a:xfrm>
                 <a:off x="990600" y="1978025"/>
-                <a:ext cx="10515600" cy="4351338"/>
+                <a:ext cx="10896600" cy="4351338"/>
               </a:xfrm>
               <a:prstGeom prst="rect">
                 <a:avLst/>
               </a:prstGeom>
               <a:blipFill>
-                <a:blip r:embed="rId2"/>
+                <a:blip r:embed="rId3"/>
                 <a:stretch>
-                  <a:fillRect l="-812" t="-1821"/>
+                  <a:fillRect l="-783" t="-1821"/>
                 </a:stretch>
               </a:blipFill>
             </p:spPr>
@@ -8597,7 +9332,7 @@
           <p:nvPr/>
         </p:nvPicPr>
         <p:blipFill>
-          <a:blip r:embed="rId3">
+          <a:blip r:embed="rId4">
             <a:extLst>
               <a:ext uri="{28A0092B-C50C-407E-A947-70E740481C1C}">
                 <a14:useLocalDpi xmlns:a14="http://schemas.microsoft.com/office/drawing/2010/main" val="0"/>
@@ -8618,8 +9353,8 @@
           </a:prstGeom>
         </p:spPr>
       </p:pic>
-      <mc:AlternateContent xmlns:mc="http://schemas.openxmlformats.org/markup-compatibility/2006">
-        <mc:Choice xmlns:a14="http://schemas.microsoft.com/office/drawing/2010/main" Requires="a14">
+      <mc:AlternateContent xmlns:mc="http://schemas.openxmlformats.org/markup-compatibility/2006" xmlns:a14="http://schemas.microsoft.com/office/drawing/2010/main">
+        <mc:Choice Requires="a14">
           <p:sp>
             <p:nvSpPr>
               <p:cNvPr id="8" name="文本框 7">
@@ -8648,6 +9383,7 @@
               </a:bodyPr>
               <a:lstStyle/>
               <a:p>
+                <a:pPr/>
                 <a14:m>
                   <m:oMathPara xmlns:m="http://schemas.openxmlformats.org/officeDocument/2006/math">
                     <m:oMathParaPr>
@@ -8734,6 +9470,7 @@
                 <a:endParaRPr lang="en-US" altLang="zh-CN" sz="2000" dirty="0"/>
               </a:p>
               <a:p>
+                <a:pPr/>
                 <a14:m>
                   <m:oMathPara xmlns:m="http://schemas.openxmlformats.org/officeDocument/2006/math">
                     <m:oMathParaPr>
@@ -8820,6 +9557,7 @@
                 <a:endParaRPr lang="en-US" altLang="zh-CN" sz="2000" b="0" dirty="0"/>
               </a:p>
               <a:p>
+                <a:pPr/>
                 <a14:m>
                   <m:oMathPara xmlns:m="http://schemas.openxmlformats.org/officeDocument/2006/math">
                     <m:oMathParaPr>
@@ -8906,6 +9644,7 @@
                 <a:endParaRPr lang="en-US" altLang="zh-CN" sz="2000" b="0" dirty="0"/>
               </a:p>
               <a:p>
+                <a:pPr/>
                 <a14:m>
                   <m:oMathPara xmlns:m="http://schemas.openxmlformats.org/officeDocument/2006/math">
                     <m:oMathParaPr>
@@ -8994,7 +9733,7 @@
             </p:txBody>
           </p:sp>
         </mc:Choice>
-        <mc:Fallback>
+        <mc:Fallback xmlns="">
           <p:sp>
             <p:nvSpPr>
               <p:cNvPr id="8" name="文本框 7">
@@ -9018,7 +9757,7 @@
                 <a:avLst/>
               </a:prstGeom>
               <a:blipFill>
-                <a:blip r:embed="rId4"/>
+                <a:blip r:embed="rId5"/>
                 <a:stretch>
                   <a:fillRect/>
                 </a:stretch>
@@ -9039,8 +9778,8 @@
           </p:sp>
         </mc:Fallback>
       </mc:AlternateContent>
-      <mc:AlternateContent xmlns:mc="http://schemas.openxmlformats.org/markup-compatibility/2006">
-        <mc:Choice xmlns:a14="http://schemas.microsoft.com/office/drawing/2010/main" Requires="a14">
+      <mc:AlternateContent xmlns:mc="http://schemas.openxmlformats.org/markup-compatibility/2006" xmlns:a14="http://schemas.microsoft.com/office/drawing/2010/main">
+        <mc:Choice Requires="a14">
           <p:sp>
             <p:nvSpPr>
               <p:cNvPr id="9" name="文本框 8">
@@ -9069,6 +9808,7 @@
               </a:bodyPr>
               <a:lstStyle/>
               <a:p>
+                <a:pPr/>
                 <a14:m>
                   <m:oMathPara xmlns:m="http://schemas.openxmlformats.org/officeDocument/2006/math">
                     <m:oMathParaPr>
@@ -9534,7 +10274,7 @@
             </p:txBody>
           </p:sp>
         </mc:Choice>
-        <mc:Fallback>
+        <mc:Fallback xmlns="">
           <p:sp>
             <p:nvSpPr>
               <p:cNvPr id="9" name="文本框 8">
@@ -9558,9 +10298,606 @@
                 <a:avLst/>
               </a:prstGeom>
               <a:blipFill>
-                <a:blip r:embed="rId5"/>
+                <a:blip r:embed="rId6"/>
                 <a:stretch>
                   <a:fillRect b="-10870"/>
+                </a:stretch>
+              </a:blipFill>
+            </p:spPr>
+            <p:txBody>
+              <a:bodyPr/>
+              <a:lstStyle/>
+              <a:p>
+                <a:r>
+                  <a:rPr lang="zh-CN" altLang="en-US">
+                    <a:noFill/>
+                  </a:rPr>
+                  <a:t> </a:t>
+                </a:r>
+              </a:p>
+            </p:txBody>
+          </p:sp>
+        </mc:Fallback>
+      </mc:AlternateContent>
+      <mc:AlternateContent xmlns:mc="http://schemas.openxmlformats.org/markup-compatibility/2006">
+        <mc:Choice xmlns:a14="http://schemas.microsoft.com/office/drawing/2010/main" Requires="a14">
+          <p:sp>
+            <p:nvSpPr>
+              <p:cNvPr id="2" name="文本框 1">
+                <a:extLst>
+                  <a:ext uri="{FF2B5EF4-FFF2-40B4-BE49-F238E27FC236}">
+                    <a16:creationId xmlns:a16="http://schemas.microsoft.com/office/drawing/2014/main" id="{3EF2E49A-4C13-3AA3-35CC-DBE4827767FB}"/>
+                  </a:ext>
+                </a:extLst>
+              </p:cNvPr>
+              <p:cNvSpPr txBox="1"/>
+              <p:nvPr/>
+            </p:nvSpPr>
+            <p:spPr>
+              <a:xfrm>
+                <a:off x="2334827" y="6431136"/>
+                <a:ext cx="304058" cy="276999"/>
+              </a:xfrm>
+              <a:prstGeom prst="rect">
+                <a:avLst/>
+              </a:prstGeom>
+              <a:noFill/>
+            </p:spPr>
+            <p:txBody>
+              <a:bodyPr wrap="none" lIns="0" tIns="0" rIns="0" bIns="0" rtlCol="0">
+                <a:spAutoFit/>
+              </a:bodyPr>
+              <a:lstStyle/>
+              <a:p>
+                <a14:m>
+                  <m:oMathPara xmlns:m="http://schemas.openxmlformats.org/officeDocument/2006/math">
+                    <m:oMathParaPr>
+                      <m:jc m:val="centerGroup"/>
+                    </m:oMathParaPr>
+                    <m:oMath xmlns:m="http://schemas.openxmlformats.org/officeDocument/2006/math">
+                      <m:sSub>
+                        <m:sSubPr>
+                          <m:ctrlPr>
+                            <a:rPr lang="en-US" altLang="zh-CN" b="0" i="1" smtClean="0">
+                              <a:latin typeface="Cambria Math" panose="02040503050406030204" pitchFamily="18" charset="0"/>
+                            </a:rPr>
+                          </m:ctrlPr>
+                        </m:sSubPr>
+                        <m:e>
+                          <m:r>
+                            <a:rPr lang="en-US" altLang="zh-CN" b="0" i="1" smtClean="0">
+                              <a:latin typeface="Cambria Math" panose="02040503050406030204" pitchFamily="18" charset="0"/>
+                            </a:rPr>
+                            <m:t>𝐷</m:t>
+                          </m:r>
+                        </m:e>
+                        <m:sub>
+                          <m:r>
+                            <a:rPr lang="en-US" altLang="zh-CN" b="0" i="1" smtClean="0">
+                              <a:latin typeface="Cambria Math" panose="02040503050406030204" pitchFamily="18" charset="0"/>
+                            </a:rPr>
+                            <m:t>𝑠</m:t>
+                          </m:r>
+                        </m:sub>
+                      </m:sSub>
+                    </m:oMath>
+                  </m:oMathPara>
+                </a14:m>
+                <a:endParaRPr lang="zh-CN" altLang="en-US" dirty="0"/>
+              </a:p>
+            </p:txBody>
+          </p:sp>
+        </mc:Choice>
+        <mc:Fallback>
+          <p:sp>
+            <p:nvSpPr>
+              <p:cNvPr id="2" name="文本框 1">
+                <a:extLst>
+                  <a:ext uri="{FF2B5EF4-FFF2-40B4-BE49-F238E27FC236}">
+                    <a16:creationId xmlns:a16="http://schemas.microsoft.com/office/drawing/2014/main" id="{3EF2E49A-4C13-3AA3-35CC-DBE4827767FB}"/>
+                  </a:ext>
+                </a:extLst>
+              </p:cNvPr>
+              <p:cNvSpPr txBox="1">
+                <a:spLocks noRot="1" noChangeAspect="1" noMove="1" noResize="1" noEditPoints="1" noAdjustHandles="1" noChangeArrowheads="1" noChangeShapeType="1" noTextEdit="1"/>
+              </p:cNvSpPr>
+              <p:nvPr/>
+            </p:nvSpPr>
+            <p:spPr>
+              <a:xfrm>
+                <a:off x="2334827" y="6431136"/>
+                <a:ext cx="304058" cy="276999"/>
+              </a:xfrm>
+              <a:prstGeom prst="rect">
+                <a:avLst/>
+              </a:prstGeom>
+              <a:blipFill>
+                <a:blip r:embed="rId7"/>
+                <a:stretch>
+                  <a:fillRect l="-16000" r="-2000" b="-11111"/>
+                </a:stretch>
+              </a:blipFill>
+            </p:spPr>
+            <p:txBody>
+              <a:bodyPr/>
+              <a:lstStyle/>
+              <a:p>
+                <a:r>
+                  <a:rPr lang="zh-CN" altLang="en-US">
+                    <a:noFill/>
+                  </a:rPr>
+                  <a:t> </a:t>
+                </a:r>
+              </a:p>
+            </p:txBody>
+          </p:sp>
+        </mc:Fallback>
+      </mc:AlternateContent>
+      <p:sp>
+        <p:nvSpPr>
+          <p:cNvPr id="6" name="右大括号 5">
+            <a:extLst>
+              <a:ext uri="{FF2B5EF4-FFF2-40B4-BE49-F238E27FC236}">
+                <a16:creationId xmlns:a16="http://schemas.microsoft.com/office/drawing/2014/main" id="{C91E547D-0A10-2523-EC13-79932F79FC9D}"/>
+              </a:ext>
+            </a:extLst>
+          </p:cNvPr>
+          <p:cNvSpPr/>
+          <p:nvPr/>
+        </p:nvSpPr>
+        <p:spPr>
+          <a:xfrm rot="5400000">
+            <a:off x="2316481" y="5017639"/>
+            <a:ext cx="276997" cy="2547284"/>
+          </a:xfrm>
+          <a:prstGeom prst="rightBrace">
+            <a:avLst>
+              <a:gd name="adj1" fmla="val 78704"/>
+              <a:gd name="adj2" fmla="val 50000"/>
+            </a:avLst>
+          </a:prstGeom>
+        </p:spPr>
+        <p:style>
+          <a:lnRef idx="1">
+            <a:schemeClr val="accent1"/>
+          </a:lnRef>
+          <a:fillRef idx="0">
+            <a:schemeClr val="accent1"/>
+          </a:fillRef>
+          <a:effectRef idx="0">
+            <a:schemeClr val="accent1"/>
+          </a:effectRef>
+          <a:fontRef idx="minor">
+            <a:schemeClr val="tx1"/>
+          </a:fontRef>
+        </p:style>
+        <p:txBody>
+          <a:bodyPr rtlCol="0" anchor="ctr"/>
+          <a:lstStyle/>
+          <a:p>
+            <a:pPr algn="ctr"/>
+            <a:endParaRPr lang="zh-CN" altLang="en-US"/>
+          </a:p>
+        </p:txBody>
+      </p:sp>
+      <p:sp>
+        <p:nvSpPr>
+          <p:cNvPr id="10" name="右大括号 9">
+            <a:extLst>
+              <a:ext uri="{FF2B5EF4-FFF2-40B4-BE49-F238E27FC236}">
+                <a16:creationId xmlns:a16="http://schemas.microsoft.com/office/drawing/2014/main" id="{3C3136B3-58ED-34B0-5B10-EF543883737C}"/>
+              </a:ext>
+            </a:extLst>
+          </p:cNvPr>
+          <p:cNvSpPr/>
+          <p:nvPr/>
+        </p:nvSpPr>
+        <p:spPr>
+          <a:xfrm rot="5400000">
+            <a:off x="5584945" y="5049415"/>
+            <a:ext cx="276997" cy="2547284"/>
+          </a:xfrm>
+          <a:prstGeom prst="rightBrace">
+            <a:avLst>
+              <a:gd name="adj1" fmla="val 78704"/>
+              <a:gd name="adj2" fmla="val 50000"/>
+            </a:avLst>
+          </a:prstGeom>
+        </p:spPr>
+        <p:style>
+          <a:lnRef idx="1">
+            <a:schemeClr val="accent1"/>
+          </a:lnRef>
+          <a:fillRef idx="0">
+            <a:schemeClr val="accent1"/>
+          </a:fillRef>
+          <a:effectRef idx="0">
+            <a:schemeClr val="accent1"/>
+          </a:effectRef>
+          <a:fontRef idx="minor">
+            <a:schemeClr val="tx1"/>
+          </a:fontRef>
+        </p:style>
+        <p:txBody>
+          <a:bodyPr rtlCol="0" anchor="ctr"/>
+          <a:lstStyle/>
+          <a:p>
+            <a:pPr algn="ctr"/>
+            <a:endParaRPr lang="zh-CN" altLang="en-US"/>
+          </a:p>
+        </p:txBody>
+      </p:sp>
+      <mc:AlternateContent xmlns:mc="http://schemas.openxmlformats.org/markup-compatibility/2006">
+        <mc:Choice xmlns:a14="http://schemas.microsoft.com/office/drawing/2010/main" Requires="a14">
+          <p:sp>
+            <p:nvSpPr>
+              <p:cNvPr id="11" name="文本框 10">
+                <a:extLst>
+                  <a:ext uri="{FF2B5EF4-FFF2-40B4-BE49-F238E27FC236}">
+                    <a16:creationId xmlns:a16="http://schemas.microsoft.com/office/drawing/2014/main" id="{D6167957-BE6F-9F1D-674D-FF4348A6C5F7}"/>
+                  </a:ext>
+                </a:extLst>
+              </p:cNvPr>
+              <p:cNvSpPr txBox="1"/>
+              <p:nvPr/>
+            </p:nvSpPr>
+            <p:spPr>
+              <a:xfrm>
+                <a:off x="5571414" y="6431136"/>
+                <a:ext cx="387863" cy="276999"/>
+              </a:xfrm>
+              <a:prstGeom prst="rect">
+                <a:avLst/>
+              </a:prstGeom>
+              <a:noFill/>
+            </p:spPr>
+            <p:txBody>
+              <a:bodyPr wrap="none" lIns="0" tIns="0" rIns="0" bIns="0" rtlCol="0">
+                <a:spAutoFit/>
+              </a:bodyPr>
+              <a:lstStyle/>
+              <a:p>
+                <a14:m>
+                  <m:oMathPara xmlns:m="http://schemas.openxmlformats.org/officeDocument/2006/math">
+                    <m:oMathParaPr>
+                      <m:jc m:val="centerGroup"/>
+                    </m:oMathParaPr>
+                    <m:oMath xmlns:m="http://schemas.openxmlformats.org/officeDocument/2006/math">
+                      <m:sSub>
+                        <m:sSubPr>
+                          <m:ctrlPr>
+                            <a:rPr lang="en-US" altLang="zh-CN" b="0" i="1" smtClean="0">
+                              <a:latin typeface="Cambria Math" panose="02040503050406030204" pitchFamily="18" charset="0"/>
+                            </a:rPr>
+                          </m:ctrlPr>
+                        </m:sSubPr>
+                        <m:e>
+                          <m:r>
+                            <a:rPr lang="en-US" altLang="zh-CN" b="0" i="1" smtClean="0">
+                              <a:latin typeface="Cambria Math" panose="02040503050406030204" pitchFamily="18" charset="0"/>
+                            </a:rPr>
+                            <m:t>𝐷</m:t>
+                          </m:r>
+                        </m:e>
+                        <m:sub>
+                          <m:r>
+                            <a:rPr lang="en-US" altLang="zh-CN" b="0" i="1" smtClean="0">
+                              <a:latin typeface="Cambria Math" panose="02040503050406030204" pitchFamily="18" charset="0"/>
+                            </a:rPr>
+                            <m:t>𝑚</m:t>
+                          </m:r>
+                        </m:sub>
+                      </m:sSub>
+                    </m:oMath>
+                  </m:oMathPara>
+                </a14:m>
+                <a:endParaRPr lang="zh-CN" altLang="en-US" dirty="0"/>
+              </a:p>
+            </p:txBody>
+          </p:sp>
+        </mc:Choice>
+        <mc:Fallback>
+          <p:sp>
+            <p:nvSpPr>
+              <p:cNvPr id="11" name="文本框 10">
+                <a:extLst>
+                  <a:ext uri="{FF2B5EF4-FFF2-40B4-BE49-F238E27FC236}">
+                    <a16:creationId xmlns:a16="http://schemas.microsoft.com/office/drawing/2014/main" id="{D6167957-BE6F-9F1D-674D-FF4348A6C5F7}"/>
+                  </a:ext>
+                </a:extLst>
+              </p:cNvPr>
+              <p:cNvSpPr txBox="1">
+                <a:spLocks noRot="1" noChangeAspect="1" noMove="1" noResize="1" noEditPoints="1" noAdjustHandles="1" noChangeArrowheads="1" noChangeShapeType="1" noTextEdit="1"/>
+              </p:cNvSpPr>
+              <p:nvPr/>
+            </p:nvSpPr>
+            <p:spPr>
+              <a:xfrm>
+                <a:off x="5571414" y="6431136"/>
+                <a:ext cx="387863" cy="276999"/>
+              </a:xfrm>
+              <a:prstGeom prst="rect">
+                <a:avLst/>
+              </a:prstGeom>
+              <a:blipFill>
+                <a:blip r:embed="rId8"/>
+                <a:stretch>
+                  <a:fillRect l="-12500" b="-11111"/>
+                </a:stretch>
+              </a:blipFill>
+            </p:spPr>
+            <p:txBody>
+              <a:bodyPr/>
+              <a:lstStyle/>
+              <a:p>
+                <a:r>
+                  <a:rPr lang="zh-CN" altLang="en-US">
+                    <a:noFill/>
+                  </a:rPr>
+                  <a:t> </a:t>
+                </a:r>
+              </a:p>
+            </p:txBody>
+          </p:sp>
+        </mc:Fallback>
+      </mc:AlternateContent>
+      <mc:AlternateContent xmlns:mc="http://schemas.openxmlformats.org/markup-compatibility/2006">
+        <mc:Choice xmlns:a14="http://schemas.microsoft.com/office/drawing/2010/main" Requires="a14">
+          <p:sp>
+            <p:nvSpPr>
+              <p:cNvPr id="12" name="文本框 11">
+                <a:extLst>
+                  <a:ext uri="{FF2B5EF4-FFF2-40B4-BE49-F238E27FC236}">
+                    <a16:creationId xmlns:a16="http://schemas.microsoft.com/office/drawing/2014/main" id="{2956BF94-8886-9487-7634-165E08203185}"/>
+                  </a:ext>
+                </a:extLst>
+              </p:cNvPr>
+              <p:cNvSpPr txBox="1"/>
+              <p:nvPr/>
+            </p:nvSpPr>
+            <p:spPr>
+              <a:xfrm>
+                <a:off x="8607571" y="5538227"/>
+                <a:ext cx="1534651" cy="369332"/>
+              </a:xfrm>
+              <a:prstGeom prst="rect">
+                <a:avLst/>
+              </a:prstGeom>
+              <a:noFill/>
+            </p:spPr>
+            <p:txBody>
+              <a:bodyPr wrap="none" lIns="0" tIns="0" rIns="0" bIns="0" rtlCol="0">
+                <a:spAutoFit/>
+              </a:bodyPr>
+              <a:lstStyle/>
+              <a:p>
+                <a14:m>
+                  <m:oMathPara xmlns:m="http://schemas.openxmlformats.org/officeDocument/2006/math">
+                    <m:oMathParaPr>
+                      <m:jc m:val="centerGroup"/>
+                    </m:oMathParaPr>
+                    <m:oMath xmlns:m="http://schemas.openxmlformats.org/officeDocument/2006/math">
+                      <m:r>
+                        <a:rPr lang="en-US" altLang="zh-CN" sz="2400" b="0" i="1" smtClean="0">
+                          <a:latin typeface="Cambria Math" panose="02040503050406030204" pitchFamily="18" charset="0"/>
+                        </a:rPr>
+                        <m:t>𝐹</m:t>
+                      </m:r>
+                      <m:r>
+                        <a:rPr lang="en-US" altLang="zh-CN" sz="2400" b="0" i="1" smtClean="0">
+                          <a:latin typeface="Cambria Math" panose="02040503050406030204" pitchFamily="18" charset="0"/>
+                        </a:rPr>
+                        <m:t>=</m:t>
+                      </m:r>
+                      <m:sSub>
+                        <m:sSubPr>
+                          <m:ctrlPr>
+                            <a:rPr lang="en-US" altLang="zh-CN" sz="2400" b="0" i="1" smtClean="0">
+                              <a:latin typeface="Cambria Math" panose="02040503050406030204" pitchFamily="18" charset="0"/>
+                            </a:rPr>
+                          </m:ctrlPr>
+                        </m:sSubPr>
+                        <m:e>
+                          <m:r>
+                            <a:rPr lang="en-US" altLang="zh-CN" sz="2400" b="0" i="1" smtClean="0">
+                              <a:latin typeface="Cambria Math" panose="02040503050406030204" pitchFamily="18" charset="0"/>
+                            </a:rPr>
+                            <m:t>𝐷</m:t>
+                          </m:r>
+                        </m:e>
+                        <m:sub>
+                          <m:r>
+                            <a:rPr lang="en-US" altLang="zh-CN" sz="2400" b="0" i="1" smtClean="0">
+                              <a:latin typeface="Cambria Math" panose="02040503050406030204" pitchFamily="18" charset="0"/>
+                            </a:rPr>
+                            <m:t>𝑠</m:t>
+                          </m:r>
+                        </m:sub>
+                      </m:sSub>
+                      <m:sSubSup>
+                        <m:sSubSupPr>
+                          <m:ctrlPr>
+                            <a:rPr lang="en-US" altLang="zh-CN" sz="2400" b="0" i="1" smtClean="0">
+                              <a:latin typeface="Cambria Math" panose="02040503050406030204" pitchFamily="18" charset="0"/>
+                            </a:rPr>
+                          </m:ctrlPr>
+                        </m:sSubSupPr>
+                        <m:e>
+                          <m:r>
+                            <a:rPr lang="en-US" altLang="zh-CN" sz="2400" b="0" i="1" smtClean="0">
+                              <a:latin typeface="Cambria Math" panose="02040503050406030204" pitchFamily="18" charset="0"/>
+                            </a:rPr>
+                            <m:t>𝐷</m:t>
+                          </m:r>
+                        </m:e>
+                        <m:sub>
+                          <m:r>
+                            <a:rPr lang="en-US" altLang="zh-CN" sz="2400" b="0" i="1" smtClean="0">
+                              <a:latin typeface="Cambria Math" panose="02040503050406030204" pitchFamily="18" charset="0"/>
+                            </a:rPr>
+                            <m:t>𝑚</m:t>
+                          </m:r>
+                        </m:sub>
+                        <m:sup>
+                          <m:r>
+                            <a:rPr lang="en-US" altLang="zh-CN" sz="2400" b="0" i="1" smtClean="0">
+                              <a:latin typeface="Cambria Math" panose="02040503050406030204" pitchFamily="18" charset="0"/>
+                            </a:rPr>
+                            <m:t>−1</m:t>
+                          </m:r>
+                        </m:sup>
+                      </m:sSubSup>
+                    </m:oMath>
+                  </m:oMathPara>
+                </a14:m>
+                <a:endParaRPr lang="zh-CN" altLang="en-US" sz="2400" dirty="0"/>
+              </a:p>
+            </p:txBody>
+          </p:sp>
+        </mc:Choice>
+        <mc:Fallback>
+          <p:sp>
+            <p:nvSpPr>
+              <p:cNvPr id="12" name="文本框 11">
+                <a:extLst>
+                  <a:ext uri="{FF2B5EF4-FFF2-40B4-BE49-F238E27FC236}">
+                    <a16:creationId xmlns:a16="http://schemas.microsoft.com/office/drawing/2014/main" id="{2956BF94-8886-9487-7634-165E08203185}"/>
+                  </a:ext>
+                </a:extLst>
+              </p:cNvPr>
+              <p:cNvSpPr txBox="1">
+                <a:spLocks noRot="1" noChangeAspect="1" noMove="1" noResize="1" noEditPoints="1" noAdjustHandles="1" noChangeArrowheads="1" noChangeShapeType="1" noTextEdit="1"/>
+              </p:cNvSpPr>
+              <p:nvPr/>
+            </p:nvSpPr>
+            <p:spPr>
+              <a:xfrm>
+                <a:off x="8607571" y="5538227"/>
+                <a:ext cx="1534651" cy="369332"/>
+              </a:xfrm>
+              <a:prstGeom prst="rect">
+                <a:avLst/>
+              </a:prstGeom>
+              <a:blipFill>
+                <a:blip r:embed="rId9"/>
+                <a:stretch>
+                  <a:fillRect l="-3571" t="-1667" r="-794" b="-10000"/>
+                </a:stretch>
+              </a:blipFill>
+            </p:spPr>
+            <p:txBody>
+              <a:bodyPr/>
+              <a:lstStyle/>
+              <a:p>
+                <a:r>
+                  <a:rPr lang="zh-CN" altLang="en-US">
+                    <a:noFill/>
+                  </a:rPr>
+                  <a:t> </a:t>
+                </a:r>
+              </a:p>
+            </p:txBody>
+          </p:sp>
+        </mc:Fallback>
+      </mc:AlternateContent>
+      <mc:AlternateContent xmlns:mc="http://schemas.openxmlformats.org/markup-compatibility/2006">
+        <mc:Choice xmlns:a14="http://schemas.microsoft.com/office/drawing/2010/main" Requires="a14">
+          <p:sp>
+            <p:nvSpPr>
+              <p:cNvPr id="13" name="文本框 12">
+                <a:extLst>
+                  <a:ext uri="{FF2B5EF4-FFF2-40B4-BE49-F238E27FC236}">
+                    <a16:creationId xmlns:a16="http://schemas.microsoft.com/office/drawing/2014/main" id="{9A4346FE-E348-9C6B-D5A2-D5B9F7404963}"/>
+                  </a:ext>
+                </a:extLst>
+              </p:cNvPr>
+              <p:cNvSpPr txBox="1"/>
+              <p:nvPr/>
+            </p:nvSpPr>
+            <p:spPr>
+              <a:xfrm>
+                <a:off x="7892246" y="6070743"/>
+                <a:ext cx="2965299" cy="646331"/>
+              </a:xfrm>
+              <a:prstGeom prst="rect">
+                <a:avLst/>
+              </a:prstGeom>
+              <a:noFill/>
+            </p:spPr>
+            <p:txBody>
+              <a:bodyPr wrap="none" rtlCol="0">
+                <a:spAutoFit/>
+              </a:bodyPr>
+              <a:lstStyle/>
+              <a:p>
+                <a14:m>
+                  <m:oMath xmlns:m="http://schemas.openxmlformats.org/officeDocument/2006/math">
+                    <m:r>
+                      <a:rPr lang="en-US" altLang="zh-CN" b="0" i="1" smtClean="0">
+                        <a:latin typeface="Cambria Math" panose="02040503050406030204" pitchFamily="18" charset="0"/>
+                      </a:rPr>
+                      <m:t>𝐹</m:t>
+                    </m:r>
+                  </m:oMath>
+                </a14:m>
+                <a:r>
+                  <a:rPr lang="zh-CN" altLang="en-US" dirty="0"/>
+                  <a:t> </a:t>
+                </a:r>
+                <a:r>
+                  <a:rPr lang="en-US" altLang="zh-CN" dirty="0"/>
+                  <a:t>is related to deformation, </a:t>
+                </a:r>
+              </a:p>
+              <a:p>
+                <a:r>
+                  <a:rPr lang="en-US" altLang="zh-CN" dirty="0"/>
+                  <a:t>But it contains </a:t>
+                </a:r>
+                <a:r>
+                  <a:rPr lang="en-US" altLang="zh-CN" b="1" dirty="0">
+                    <a:solidFill>
+                      <a:srgbClr val="FF0000"/>
+                    </a:solidFill>
+                  </a:rPr>
+                  <a:t>rotation</a:t>
+                </a:r>
+                <a:r>
+                  <a:rPr lang="en-US" altLang="zh-CN" dirty="0"/>
+                  <a:t>.</a:t>
+                </a:r>
+                <a:endParaRPr lang="zh-CN" altLang="en-US" dirty="0"/>
+              </a:p>
+            </p:txBody>
+          </p:sp>
+        </mc:Choice>
+        <mc:Fallback>
+          <p:sp>
+            <p:nvSpPr>
+              <p:cNvPr id="13" name="文本框 12">
+                <a:extLst>
+                  <a:ext uri="{FF2B5EF4-FFF2-40B4-BE49-F238E27FC236}">
+                    <a16:creationId xmlns:a16="http://schemas.microsoft.com/office/drawing/2014/main" id="{9A4346FE-E348-9C6B-D5A2-D5B9F7404963}"/>
+                  </a:ext>
+                </a:extLst>
+              </p:cNvPr>
+              <p:cNvSpPr txBox="1">
+                <a:spLocks noRot="1" noChangeAspect="1" noMove="1" noResize="1" noEditPoints="1" noAdjustHandles="1" noChangeArrowheads="1" noChangeShapeType="1" noTextEdit="1"/>
+              </p:cNvSpPr>
+              <p:nvPr/>
+            </p:nvSpPr>
+            <p:spPr>
+              <a:xfrm>
+                <a:off x="7892246" y="6070743"/>
+                <a:ext cx="2965299" cy="646331"/>
+              </a:xfrm>
+              <a:prstGeom prst="rect">
+                <a:avLst/>
+              </a:prstGeom>
+              <a:blipFill>
+                <a:blip r:embed="rId10"/>
+                <a:stretch>
+                  <a:fillRect l="-1852" t="-5660" r="-617" b="-14151"/>
                 </a:stretch>
               </a:blipFill>
             </p:spPr>
@@ -9583,6 +10920,1516 @@
     <p:extLst>
       <p:ext uri="{BB962C8B-B14F-4D97-AF65-F5344CB8AC3E}">
         <p14:creationId xmlns:p14="http://schemas.microsoft.com/office/powerpoint/2010/main" val="647711035"/>
+      </p:ext>
+    </p:extLst>
+  </p:cSld>
+  <p:clrMapOvr>
+    <a:masterClrMapping/>
+  </p:clrMapOvr>
+</p:sld>
+</file>
+
+<file path=ppt/slides/slide15.xml><?xml version="1.0" encoding="utf-8"?>
+<p:sld xmlns:a="http://schemas.openxmlformats.org/drawingml/2006/main" xmlns:r="http://schemas.openxmlformats.org/officeDocument/2006/relationships" xmlns:p="http://schemas.openxmlformats.org/presentationml/2006/main">
+  <p:cSld>
+    <p:spTree>
+      <p:nvGrpSpPr>
+        <p:cNvPr id="1" name=""/>
+        <p:cNvGrpSpPr/>
+        <p:nvPr/>
+      </p:nvGrpSpPr>
+      <p:grpSpPr>
+        <a:xfrm>
+          <a:off x="0" y="0"/>
+          <a:ext cx="0" cy="0"/>
+          <a:chOff x="0" y="0"/>
+          <a:chExt cx="0" cy="0"/>
+        </a:xfrm>
+      </p:grpSpPr>
+      <p:sp>
+        <p:nvSpPr>
+          <p:cNvPr id="4" name="标题 1">
+            <a:extLst>
+              <a:ext uri="{FF2B5EF4-FFF2-40B4-BE49-F238E27FC236}">
+                <a16:creationId xmlns:a16="http://schemas.microsoft.com/office/drawing/2014/main" id="{2133513E-AC8C-4211-8D8D-85A9EF14DC79}"/>
+              </a:ext>
+            </a:extLst>
+          </p:cNvPr>
+          <p:cNvSpPr txBox="1">
+            <a:spLocks/>
+          </p:cNvSpPr>
+          <p:nvPr/>
+        </p:nvSpPr>
+        <p:spPr>
+          <a:xfrm>
+            <a:off x="990600" y="517525"/>
+            <a:ext cx="10515600" cy="1325563"/>
+          </a:xfrm>
+          <a:prstGeom prst="rect">
+            <a:avLst/>
+          </a:prstGeom>
+        </p:spPr>
+        <p:txBody>
+          <a:bodyPr vert="horz" lIns="91440" tIns="45720" rIns="91440" bIns="45720" rtlCol="0" anchor="ctr">
+            <a:normAutofit/>
+          </a:bodyPr>
+          <a:lstStyle>
+            <a:lvl1pPr algn="l" defTabSz="914400" rtl="0" eaLnBrk="1" latinLnBrk="0" hangingPunct="1">
+              <a:lnSpc>
+                <a:spcPct val="90000"/>
+              </a:lnSpc>
+              <a:spcBef>
+                <a:spcPct val="0"/>
+              </a:spcBef>
+              <a:buNone/>
+              <a:defRPr sz="4400" kern="1200">
+                <a:solidFill>
+                  <a:schemeClr val="tx1"/>
+                </a:solidFill>
+                <a:latin typeface="+mj-lt"/>
+                <a:ea typeface="+mj-ea"/>
+                <a:cs typeface="+mj-cs"/>
+              </a:defRPr>
+            </a:lvl1pPr>
+          </a:lstStyle>
+          <a:p>
+            <a:r>
+              <a:rPr lang="en-US" altLang="zh-CN" dirty="0">
+                <a:latin typeface="微软雅黑" panose="020B0503020204020204" pitchFamily="34" charset="-122"/>
+                <a:ea typeface="微软雅黑" panose="020B0503020204020204" pitchFamily="34" charset="-122"/>
+              </a:rPr>
+              <a:t>Linear finite element method (FEM)</a:t>
+            </a:r>
+            <a:endParaRPr lang="zh-CN" altLang="en-US" dirty="0">
+              <a:latin typeface="微软雅黑" panose="020B0503020204020204" pitchFamily="34" charset="-122"/>
+              <a:ea typeface="微软雅黑" panose="020B0503020204020204" pitchFamily="34" charset="-122"/>
+            </a:endParaRPr>
+          </a:p>
+        </p:txBody>
+      </p:sp>
+      <mc:AlternateContent xmlns:mc="http://schemas.openxmlformats.org/markup-compatibility/2006">
+        <mc:Choice xmlns:a14="http://schemas.microsoft.com/office/drawing/2010/main" Requires="a14">
+          <p:sp>
+            <p:nvSpPr>
+              <p:cNvPr id="5" name="内容占位符 2">
+                <a:extLst>
+                  <a:ext uri="{FF2B5EF4-FFF2-40B4-BE49-F238E27FC236}">
+                    <a16:creationId xmlns:a16="http://schemas.microsoft.com/office/drawing/2014/main" id="{0BEC3563-0F13-4A96-BBEA-B7D1F6A386B6}"/>
+                  </a:ext>
+                </a:extLst>
+              </p:cNvPr>
+              <p:cNvSpPr txBox="1">
+                <a:spLocks/>
+              </p:cNvSpPr>
+              <p:nvPr/>
+            </p:nvSpPr>
+            <p:spPr>
+              <a:xfrm>
+                <a:off x="990600" y="1978025"/>
+                <a:ext cx="10515600" cy="4351338"/>
+              </a:xfrm>
+              <a:prstGeom prst="rect">
+                <a:avLst/>
+              </a:prstGeom>
+            </p:spPr>
+            <p:txBody>
+              <a:bodyPr vert="horz" lIns="91440" tIns="45720" rIns="91440" bIns="45720" rtlCol="0">
+                <a:normAutofit/>
+              </a:bodyPr>
+              <a:lstStyle>
+                <a:lvl1pPr marL="228600" indent="-228600" algn="l" defTabSz="914400" rtl="0" eaLnBrk="1" latinLnBrk="0" hangingPunct="1">
+                  <a:lnSpc>
+                    <a:spcPct val="90000"/>
+                  </a:lnSpc>
+                  <a:spcBef>
+                    <a:spcPts val="1000"/>
+                  </a:spcBef>
+                  <a:buFont typeface="Arial" panose="020B0604020202020204" pitchFamily="34" charset="0"/>
+                  <a:buChar char="•"/>
+                  <a:defRPr sz="2800" kern="1200">
+                    <a:solidFill>
+                      <a:schemeClr val="tx1"/>
+                    </a:solidFill>
+                    <a:latin typeface="+mn-lt"/>
+                    <a:ea typeface="+mn-ea"/>
+                    <a:cs typeface="+mn-cs"/>
+                  </a:defRPr>
+                </a:lvl1pPr>
+                <a:lvl2pPr marL="685800" indent="-228600" algn="l" defTabSz="914400" rtl="0" eaLnBrk="1" latinLnBrk="0" hangingPunct="1">
+                  <a:lnSpc>
+                    <a:spcPct val="90000"/>
+                  </a:lnSpc>
+                  <a:spcBef>
+                    <a:spcPts val="500"/>
+                  </a:spcBef>
+                  <a:buFont typeface="Arial" panose="020B0604020202020204" pitchFamily="34" charset="0"/>
+                  <a:buChar char="•"/>
+                  <a:defRPr sz="2400" kern="1200">
+                    <a:solidFill>
+                      <a:schemeClr val="tx1"/>
+                    </a:solidFill>
+                    <a:latin typeface="+mn-lt"/>
+                    <a:ea typeface="+mn-ea"/>
+                    <a:cs typeface="+mn-cs"/>
+                  </a:defRPr>
+                </a:lvl2pPr>
+                <a:lvl3pPr marL="1143000" indent="-228600" algn="l" defTabSz="914400" rtl="0" eaLnBrk="1" latinLnBrk="0" hangingPunct="1">
+                  <a:lnSpc>
+                    <a:spcPct val="90000"/>
+                  </a:lnSpc>
+                  <a:spcBef>
+                    <a:spcPts val="500"/>
+                  </a:spcBef>
+                  <a:buFont typeface="Arial" panose="020B0604020202020204" pitchFamily="34" charset="0"/>
+                  <a:buChar char="•"/>
+                  <a:defRPr sz="2000" kern="1200">
+                    <a:solidFill>
+                      <a:schemeClr val="tx1"/>
+                    </a:solidFill>
+                    <a:latin typeface="+mn-lt"/>
+                    <a:ea typeface="+mn-ea"/>
+                    <a:cs typeface="+mn-cs"/>
+                  </a:defRPr>
+                </a:lvl3pPr>
+                <a:lvl4pPr marL="1600200" indent="-228600" algn="l" defTabSz="914400" rtl="0" eaLnBrk="1" latinLnBrk="0" hangingPunct="1">
+                  <a:lnSpc>
+                    <a:spcPct val="90000"/>
+                  </a:lnSpc>
+                  <a:spcBef>
+                    <a:spcPts val="500"/>
+                  </a:spcBef>
+                  <a:buFont typeface="Arial" panose="020B0604020202020204" pitchFamily="34" charset="0"/>
+                  <a:buChar char="•"/>
+                  <a:defRPr sz="1800" kern="1200">
+                    <a:solidFill>
+                      <a:schemeClr val="tx1"/>
+                    </a:solidFill>
+                    <a:latin typeface="+mn-lt"/>
+                    <a:ea typeface="+mn-ea"/>
+                    <a:cs typeface="+mn-cs"/>
+                  </a:defRPr>
+                </a:lvl4pPr>
+                <a:lvl5pPr marL="2057400" indent="-228600" algn="l" defTabSz="914400" rtl="0" eaLnBrk="1" latinLnBrk="0" hangingPunct="1">
+                  <a:lnSpc>
+                    <a:spcPct val="90000"/>
+                  </a:lnSpc>
+                  <a:spcBef>
+                    <a:spcPts val="500"/>
+                  </a:spcBef>
+                  <a:buFont typeface="Arial" panose="020B0604020202020204" pitchFamily="34" charset="0"/>
+                  <a:buChar char="•"/>
+                  <a:defRPr sz="1800" kern="1200">
+                    <a:solidFill>
+                      <a:schemeClr val="tx1"/>
+                    </a:solidFill>
+                    <a:latin typeface="+mn-lt"/>
+                    <a:ea typeface="+mn-ea"/>
+                    <a:cs typeface="+mn-cs"/>
+                  </a:defRPr>
+                </a:lvl5pPr>
+                <a:lvl6pPr marL="2514600" indent="-228600" algn="l" defTabSz="914400" rtl="0" eaLnBrk="1" latinLnBrk="0" hangingPunct="1">
+                  <a:lnSpc>
+                    <a:spcPct val="90000"/>
+                  </a:lnSpc>
+                  <a:spcBef>
+                    <a:spcPts val="500"/>
+                  </a:spcBef>
+                  <a:buFont typeface="Arial" panose="020B0604020202020204" pitchFamily="34" charset="0"/>
+                  <a:buChar char="•"/>
+                  <a:defRPr sz="1800" kern="1200">
+                    <a:solidFill>
+                      <a:schemeClr val="tx1"/>
+                    </a:solidFill>
+                    <a:latin typeface="+mn-lt"/>
+                    <a:ea typeface="+mn-ea"/>
+                    <a:cs typeface="+mn-cs"/>
+                  </a:defRPr>
+                </a:lvl6pPr>
+                <a:lvl7pPr marL="2971800" indent="-228600" algn="l" defTabSz="914400" rtl="0" eaLnBrk="1" latinLnBrk="0" hangingPunct="1">
+                  <a:lnSpc>
+                    <a:spcPct val="90000"/>
+                  </a:lnSpc>
+                  <a:spcBef>
+                    <a:spcPts val="500"/>
+                  </a:spcBef>
+                  <a:buFont typeface="Arial" panose="020B0604020202020204" pitchFamily="34" charset="0"/>
+                  <a:buChar char="•"/>
+                  <a:defRPr sz="1800" kern="1200">
+                    <a:solidFill>
+                      <a:schemeClr val="tx1"/>
+                    </a:solidFill>
+                    <a:latin typeface="+mn-lt"/>
+                    <a:ea typeface="+mn-ea"/>
+                    <a:cs typeface="+mn-cs"/>
+                  </a:defRPr>
+                </a:lvl7pPr>
+                <a:lvl8pPr marL="3429000" indent="-228600" algn="l" defTabSz="914400" rtl="0" eaLnBrk="1" latinLnBrk="0" hangingPunct="1">
+                  <a:lnSpc>
+                    <a:spcPct val="90000"/>
+                  </a:lnSpc>
+                  <a:spcBef>
+                    <a:spcPts val="500"/>
+                  </a:spcBef>
+                  <a:buFont typeface="Arial" panose="020B0604020202020204" pitchFamily="34" charset="0"/>
+                  <a:buChar char="•"/>
+                  <a:defRPr sz="1800" kern="1200">
+                    <a:solidFill>
+                      <a:schemeClr val="tx1"/>
+                    </a:solidFill>
+                    <a:latin typeface="+mn-lt"/>
+                    <a:ea typeface="+mn-ea"/>
+                    <a:cs typeface="+mn-cs"/>
+                  </a:defRPr>
+                </a:lvl8pPr>
+                <a:lvl9pPr marL="3886200" indent="-228600" algn="l" defTabSz="914400" rtl="0" eaLnBrk="1" latinLnBrk="0" hangingPunct="1">
+                  <a:lnSpc>
+                    <a:spcPct val="90000"/>
+                  </a:lnSpc>
+                  <a:spcBef>
+                    <a:spcPts val="500"/>
+                  </a:spcBef>
+                  <a:buFont typeface="Arial" panose="020B0604020202020204" pitchFamily="34" charset="0"/>
+                  <a:buChar char="•"/>
+                  <a:defRPr sz="1800" kern="1200">
+                    <a:solidFill>
+                      <a:schemeClr val="tx1"/>
+                    </a:solidFill>
+                    <a:latin typeface="+mn-lt"/>
+                    <a:ea typeface="+mn-ea"/>
+                    <a:cs typeface="+mn-cs"/>
+                  </a:defRPr>
+                </a:lvl9pPr>
+              </a:lstStyle>
+              <a:p>
+                <a:pPr marL="0" indent="0">
+                  <a:buNone/>
+                </a:pPr>
+                <a:r>
+                  <a:rPr lang="en-US" altLang="zh-CN" sz="2400" dirty="0"/>
+                  <a:t>Ideally, we need a tensor to describe shape deformation only. Recall that SVD gives </a:t>
+                </a:r>
+                <a14:m>
+                  <m:oMath xmlns:m="http://schemas.openxmlformats.org/officeDocument/2006/math">
+                    <m:r>
+                      <a:rPr lang="en-US" altLang="zh-CN" sz="2400" b="0" i="1" smtClean="0">
+                        <a:latin typeface="Cambria Math" panose="02040503050406030204" pitchFamily="18" charset="0"/>
+                      </a:rPr>
+                      <m:t>𝐹</m:t>
+                    </m:r>
+                    <m:r>
+                      <a:rPr lang="en-US" altLang="zh-CN" sz="2400" b="0" i="1" smtClean="0">
+                        <a:latin typeface="Cambria Math" panose="02040503050406030204" pitchFamily="18" charset="0"/>
+                      </a:rPr>
+                      <m:t>=</m:t>
+                    </m:r>
+                    <m:r>
+                      <a:rPr lang="en-US" altLang="zh-CN" sz="2400" b="0" i="1" smtClean="0">
+                        <a:latin typeface="Cambria Math" panose="02040503050406030204" pitchFamily="18" charset="0"/>
+                      </a:rPr>
+                      <m:t>𝑈𝐷</m:t>
+                    </m:r>
+                    <m:sSup>
+                      <m:sSupPr>
+                        <m:ctrlPr>
+                          <a:rPr lang="en-US" altLang="zh-CN" sz="2400" b="0" i="1" smtClean="0">
+                            <a:latin typeface="Cambria Math" panose="02040503050406030204" pitchFamily="18" charset="0"/>
+                          </a:rPr>
+                        </m:ctrlPr>
+                      </m:sSupPr>
+                      <m:e>
+                        <m:r>
+                          <a:rPr lang="en-US" altLang="zh-CN" sz="2400" b="0" i="1" smtClean="0">
+                            <a:latin typeface="Cambria Math" panose="02040503050406030204" pitchFamily="18" charset="0"/>
+                          </a:rPr>
+                          <m:t>𝑉</m:t>
+                        </m:r>
+                      </m:e>
+                      <m:sup>
+                        <m:r>
+                          <a:rPr lang="en-US" altLang="zh-CN" sz="2400" b="0" i="1" smtClean="0">
+                            <a:latin typeface="Cambria Math" panose="02040503050406030204" pitchFamily="18" charset="0"/>
+                          </a:rPr>
+                          <m:t>𝑇</m:t>
+                        </m:r>
+                      </m:sup>
+                    </m:sSup>
+                  </m:oMath>
+                </a14:m>
+                <a:r>
+                  <a:rPr lang="en-US" altLang="zh-CN" sz="2400" dirty="0"/>
+                  <a:t>, where only </a:t>
+                </a:r>
+                <a14:m>
+                  <m:oMath xmlns:m="http://schemas.openxmlformats.org/officeDocument/2006/math">
+                    <m:sSup>
+                      <m:sSupPr>
+                        <m:ctrlPr>
+                          <a:rPr lang="en-US" altLang="zh-CN" sz="2400" i="1">
+                            <a:latin typeface="Cambria Math" panose="02040503050406030204" pitchFamily="18" charset="0"/>
+                          </a:rPr>
+                        </m:ctrlPr>
+                      </m:sSupPr>
+                      <m:e>
+                        <m:r>
+                          <a:rPr lang="en-US" altLang="zh-CN" sz="2400" i="1">
+                            <a:latin typeface="Cambria Math" panose="02040503050406030204" pitchFamily="18" charset="0"/>
+                          </a:rPr>
+                          <m:t>𝑉</m:t>
+                        </m:r>
+                      </m:e>
+                      <m:sup>
+                        <m:r>
+                          <a:rPr lang="en-US" altLang="zh-CN" sz="2400" i="1">
+                            <a:latin typeface="Cambria Math" panose="02040503050406030204" pitchFamily="18" charset="0"/>
+                          </a:rPr>
+                          <m:t>𝑇</m:t>
+                        </m:r>
+                      </m:sup>
+                    </m:sSup>
+                  </m:oMath>
+                </a14:m>
+                <a:r>
+                  <a:rPr lang="en-US" altLang="zh-CN" sz="2400" dirty="0"/>
+                  <a:t> and </a:t>
+                </a:r>
+                <a14:m>
+                  <m:oMath xmlns:m="http://schemas.openxmlformats.org/officeDocument/2006/math">
+                    <m:r>
+                      <a:rPr lang="en-US" altLang="zh-CN" sz="2400" i="1">
+                        <a:latin typeface="Cambria Math" panose="02040503050406030204" pitchFamily="18" charset="0"/>
+                      </a:rPr>
+                      <m:t>𝐷</m:t>
+                    </m:r>
+                  </m:oMath>
+                </a14:m>
+                <a:r>
+                  <a:rPr lang="en-US" altLang="zh-CN" sz="2400" dirty="0"/>
+                  <a:t> are relevant to deformation.</a:t>
+                </a:r>
+              </a:p>
+              <a:p>
+                <a:pPr marL="0" indent="0">
+                  <a:buNone/>
+                </a:pPr>
+                <a:endParaRPr lang="en-US" altLang="zh-CN" sz="2400" dirty="0"/>
+              </a:p>
+              <a:p>
+                <a:pPr marL="0" indent="0">
+                  <a:buNone/>
+                </a:pPr>
+                <a:endParaRPr lang="en-US" altLang="zh-CN" sz="2400" dirty="0"/>
+              </a:p>
+              <a:p>
+                <a:pPr marL="0" indent="0">
+                  <a:buNone/>
+                </a:pPr>
+                <a:endParaRPr lang="en-US" altLang="zh-CN" sz="2400" dirty="0"/>
+              </a:p>
+              <a:p>
+                <a:pPr marL="0" indent="0">
+                  <a:buNone/>
+                </a:pPr>
+                <a:r>
+                  <a:rPr lang="en-US" altLang="zh-CN" sz="2400" dirty="0"/>
+                  <a:t>So we get rid of </a:t>
+                </a:r>
+                <a14:m>
+                  <m:oMath xmlns:m="http://schemas.openxmlformats.org/officeDocument/2006/math">
+                    <m:r>
+                      <a:rPr lang="en-US" altLang="zh-CN" sz="2400" b="0" i="1" smtClean="0">
+                        <a:latin typeface="Cambria Math" panose="02040503050406030204" pitchFamily="18" charset="0"/>
+                      </a:rPr>
+                      <m:t>𝑈</m:t>
+                    </m:r>
+                  </m:oMath>
+                </a14:m>
+                <a:r>
+                  <a:rPr lang="en-US" altLang="zh-CN" sz="2400" dirty="0"/>
+                  <a:t> as: </a:t>
+                </a:r>
+              </a:p>
+              <a:p>
+                <a:pPr marL="0" indent="0">
+                  <a:buNone/>
+                </a:pPr>
+                <a14:m>
+                  <m:oMathPara xmlns:m="http://schemas.openxmlformats.org/officeDocument/2006/math">
+                    <m:oMathParaPr>
+                      <m:jc m:val="centerGroup"/>
+                    </m:oMathParaPr>
+                    <m:oMath xmlns:m="http://schemas.openxmlformats.org/officeDocument/2006/math">
+                      <m:sSub>
+                        <m:sSubPr>
+                          <m:ctrlPr>
+                            <a:rPr lang="en-US" altLang="zh-CN" sz="2400" b="0" i="1" smtClean="0">
+                              <a:latin typeface="Cambria Math" panose="02040503050406030204" pitchFamily="18" charset="0"/>
+                            </a:rPr>
+                          </m:ctrlPr>
+                        </m:sSubPr>
+                        <m:e>
+                          <m:r>
+                            <a:rPr lang="en-US" altLang="zh-CN" sz="2400" b="0" i="1" smtClean="0">
+                              <a:latin typeface="Cambria Math" panose="02040503050406030204" pitchFamily="18" charset="0"/>
+                            </a:rPr>
+                            <m:t>𝜖</m:t>
+                          </m:r>
+                        </m:e>
+                        <m:sub>
+                          <m:r>
+                            <a:rPr lang="en-US" altLang="zh-CN" sz="2400" b="0" i="1" smtClean="0">
+                              <a:latin typeface="Cambria Math" panose="02040503050406030204" pitchFamily="18" charset="0"/>
+                            </a:rPr>
+                            <m:t>𝐺</m:t>
+                          </m:r>
+                        </m:sub>
+                      </m:sSub>
+                      <m:r>
+                        <a:rPr lang="en-US" altLang="zh-CN" sz="2400" b="0" i="1" smtClean="0">
+                          <a:latin typeface="Cambria Math" panose="02040503050406030204" pitchFamily="18" charset="0"/>
+                        </a:rPr>
+                        <m:t>(</m:t>
+                      </m:r>
+                      <m:r>
+                        <a:rPr lang="en-US" altLang="zh-CN" sz="2400" b="0" i="1" smtClean="0">
+                          <a:latin typeface="Cambria Math" panose="02040503050406030204" pitchFamily="18" charset="0"/>
+                        </a:rPr>
+                        <m:t>𝐹</m:t>
+                      </m:r>
+                      <m:r>
+                        <a:rPr lang="en-US" altLang="zh-CN" sz="2400" b="0" i="1" smtClean="0">
+                          <a:latin typeface="Cambria Math" panose="02040503050406030204" pitchFamily="18" charset="0"/>
+                        </a:rPr>
+                        <m:t>)=</m:t>
+                      </m:r>
+                      <m:f>
+                        <m:fPr>
+                          <m:ctrlPr>
+                            <a:rPr lang="en-US" altLang="zh-CN" sz="2400" b="0" i="1" smtClean="0">
+                              <a:latin typeface="Cambria Math" panose="02040503050406030204" pitchFamily="18" charset="0"/>
+                            </a:rPr>
+                          </m:ctrlPr>
+                        </m:fPr>
+                        <m:num>
+                          <m:r>
+                            <a:rPr lang="en-US" altLang="zh-CN" sz="2400" b="0" i="1" smtClean="0">
+                              <a:latin typeface="Cambria Math" panose="02040503050406030204" pitchFamily="18" charset="0"/>
+                            </a:rPr>
+                            <m:t>1</m:t>
+                          </m:r>
+                        </m:num>
+                        <m:den>
+                          <m:r>
+                            <a:rPr lang="en-US" altLang="zh-CN" sz="2400" b="0" i="1" smtClean="0">
+                              <a:latin typeface="Cambria Math" panose="02040503050406030204" pitchFamily="18" charset="0"/>
+                            </a:rPr>
+                            <m:t>2</m:t>
+                          </m:r>
+                        </m:den>
+                      </m:f>
+                      <m:d>
+                        <m:dPr>
+                          <m:ctrlPr>
+                            <a:rPr lang="en-US" altLang="zh-CN" sz="2400" b="0" i="1" smtClean="0">
+                              <a:latin typeface="Cambria Math" panose="02040503050406030204" pitchFamily="18" charset="0"/>
+                            </a:rPr>
+                          </m:ctrlPr>
+                        </m:dPr>
+                        <m:e>
+                          <m:sSup>
+                            <m:sSupPr>
+                              <m:ctrlPr>
+                                <a:rPr lang="en-US" altLang="zh-CN" sz="2400" b="0" i="1" smtClean="0">
+                                  <a:latin typeface="Cambria Math" panose="02040503050406030204" pitchFamily="18" charset="0"/>
+                                </a:rPr>
+                              </m:ctrlPr>
+                            </m:sSupPr>
+                            <m:e>
+                              <m:r>
+                                <a:rPr lang="en-US" altLang="zh-CN" sz="2400" b="0" i="1" smtClean="0">
+                                  <a:latin typeface="Cambria Math" panose="02040503050406030204" pitchFamily="18" charset="0"/>
+                                </a:rPr>
+                                <m:t>𝐹</m:t>
+                              </m:r>
+                            </m:e>
+                            <m:sup>
+                              <m:r>
+                                <a:rPr lang="en-US" altLang="zh-CN" sz="2400" b="0" i="1" smtClean="0">
+                                  <a:latin typeface="Cambria Math" panose="02040503050406030204" pitchFamily="18" charset="0"/>
+                                </a:rPr>
+                                <m:t>𝑇</m:t>
+                              </m:r>
+                            </m:sup>
+                          </m:sSup>
+                          <m:r>
+                            <a:rPr lang="en-US" altLang="zh-CN" sz="2400" b="0" i="1" smtClean="0">
+                              <a:latin typeface="Cambria Math" panose="02040503050406030204" pitchFamily="18" charset="0"/>
+                            </a:rPr>
+                            <m:t>𝐹</m:t>
+                          </m:r>
+                          <m:r>
+                            <a:rPr lang="en-US" altLang="zh-CN" sz="2400" b="0" i="1" smtClean="0">
+                              <a:latin typeface="Cambria Math" panose="02040503050406030204" pitchFamily="18" charset="0"/>
+                            </a:rPr>
+                            <m:t>−</m:t>
+                          </m:r>
+                          <m:r>
+                            <a:rPr lang="en-US" altLang="zh-CN" sz="2400" b="0" i="1" smtClean="0">
+                              <a:latin typeface="Cambria Math" panose="02040503050406030204" pitchFamily="18" charset="0"/>
+                            </a:rPr>
+                            <m:t>𝐼</m:t>
+                          </m:r>
+                        </m:e>
+                      </m:d>
+                      <m:r>
+                        <a:rPr lang="en-US" altLang="zh-CN" sz="2400" b="0" i="1" smtClean="0">
+                          <a:latin typeface="Cambria Math" panose="02040503050406030204" pitchFamily="18" charset="0"/>
+                        </a:rPr>
+                        <m:t>=</m:t>
+                      </m:r>
+                      <m:f>
+                        <m:fPr>
+                          <m:ctrlPr>
+                            <a:rPr lang="en-US" altLang="zh-CN" sz="2400" b="0" i="1" smtClean="0">
+                              <a:latin typeface="Cambria Math" panose="02040503050406030204" pitchFamily="18" charset="0"/>
+                            </a:rPr>
+                          </m:ctrlPr>
+                        </m:fPr>
+                        <m:num>
+                          <m:r>
+                            <a:rPr lang="en-US" altLang="zh-CN" sz="2400" b="0" i="1" smtClean="0">
+                              <a:latin typeface="Cambria Math" panose="02040503050406030204" pitchFamily="18" charset="0"/>
+                            </a:rPr>
+                            <m:t>1</m:t>
+                          </m:r>
+                        </m:num>
+                        <m:den>
+                          <m:r>
+                            <a:rPr lang="en-US" altLang="zh-CN" sz="2400" b="0" i="1" smtClean="0">
+                              <a:latin typeface="Cambria Math" panose="02040503050406030204" pitchFamily="18" charset="0"/>
+                            </a:rPr>
+                            <m:t>2</m:t>
+                          </m:r>
+                        </m:den>
+                      </m:f>
+                      <m:r>
+                        <a:rPr lang="en-US" altLang="zh-CN" sz="2400" b="0" i="1" smtClean="0">
+                          <a:latin typeface="Cambria Math" panose="02040503050406030204" pitchFamily="18" charset="0"/>
+                        </a:rPr>
+                        <m:t>(</m:t>
+                      </m:r>
+                      <m:r>
+                        <a:rPr lang="en-US" altLang="zh-CN" sz="2400" b="0" i="1" smtClean="0">
+                          <a:latin typeface="Cambria Math" panose="02040503050406030204" pitchFamily="18" charset="0"/>
+                        </a:rPr>
+                        <m:t>𝑉</m:t>
+                      </m:r>
+                      <m:sSup>
+                        <m:sSupPr>
+                          <m:ctrlPr>
+                            <a:rPr lang="en-US" altLang="zh-CN" sz="2400" b="0" i="1" smtClean="0">
+                              <a:latin typeface="Cambria Math" panose="02040503050406030204" pitchFamily="18" charset="0"/>
+                            </a:rPr>
+                          </m:ctrlPr>
+                        </m:sSupPr>
+                        <m:e>
+                          <m:r>
+                            <a:rPr lang="en-US" altLang="zh-CN" sz="2400" b="0" i="1" smtClean="0">
+                              <a:latin typeface="Cambria Math" panose="02040503050406030204" pitchFamily="18" charset="0"/>
+                            </a:rPr>
+                            <m:t>𝐷</m:t>
+                          </m:r>
+                        </m:e>
+                        <m:sup>
+                          <m:r>
+                            <a:rPr lang="en-US" altLang="zh-CN" sz="2400" b="0" i="1" smtClean="0">
+                              <a:latin typeface="Cambria Math" panose="02040503050406030204" pitchFamily="18" charset="0"/>
+                            </a:rPr>
+                            <m:t>2</m:t>
+                          </m:r>
+                        </m:sup>
+                      </m:sSup>
+                      <m:sSup>
+                        <m:sSupPr>
+                          <m:ctrlPr>
+                            <a:rPr lang="en-US" altLang="zh-CN" sz="2400" b="0" i="1" smtClean="0">
+                              <a:latin typeface="Cambria Math" panose="02040503050406030204" pitchFamily="18" charset="0"/>
+                            </a:rPr>
+                          </m:ctrlPr>
+                        </m:sSupPr>
+                        <m:e>
+                          <m:r>
+                            <a:rPr lang="en-US" altLang="zh-CN" sz="2400" b="0" i="1" smtClean="0">
+                              <a:latin typeface="Cambria Math" panose="02040503050406030204" pitchFamily="18" charset="0"/>
+                            </a:rPr>
+                            <m:t>𝑉</m:t>
+                          </m:r>
+                        </m:e>
+                        <m:sup>
+                          <m:r>
+                            <a:rPr lang="en-US" altLang="zh-CN" sz="2400" b="0" i="1" smtClean="0">
+                              <a:latin typeface="Cambria Math" panose="02040503050406030204" pitchFamily="18" charset="0"/>
+                            </a:rPr>
+                            <m:t>𝑇</m:t>
+                          </m:r>
+                        </m:sup>
+                      </m:sSup>
+                      <m:r>
+                        <a:rPr lang="en-US" altLang="zh-CN" sz="2400" b="0" i="1" smtClean="0">
+                          <a:latin typeface="Cambria Math" panose="02040503050406030204" pitchFamily="18" charset="0"/>
+                        </a:rPr>
+                        <m:t>−</m:t>
+                      </m:r>
+                      <m:r>
+                        <a:rPr lang="en-US" altLang="zh-CN" sz="2400" b="0" i="1" smtClean="0">
+                          <a:latin typeface="Cambria Math" panose="02040503050406030204" pitchFamily="18" charset="0"/>
+                        </a:rPr>
+                        <m:t>𝐼</m:t>
+                      </m:r>
+                      <m:r>
+                        <a:rPr lang="en-US" altLang="zh-CN" sz="2400" b="0" i="1" smtClean="0">
+                          <a:latin typeface="Cambria Math" panose="02040503050406030204" pitchFamily="18" charset="0"/>
+                        </a:rPr>
+                        <m:t>)</m:t>
+                      </m:r>
+                    </m:oMath>
+                  </m:oMathPara>
+                </a14:m>
+                <a:endParaRPr lang="en-US" altLang="zh-CN" sz="2400" dirty="0"/>
+              </a:p>
+              <a:p>
+                <a:pPr marL="0" indent="0">
+                  <a:buNone/>
+                </a:pPr>
+                <a:r>
+                  <a:rPr lang="en-US" altLang="zh-CN" sz="2400" dirty="0"/>
+                  <a:t>Strain:  Descriptor of severity of deformation</a:t>
+                </a:r>
+              </a:p>
+              <a:p>
+                <a:pPr lvl="1"/>
+                <a14:m>
+                  <m:oMath xmlns:m="http://schemas.openxmlformats.org/officeDocument/2006/math">
+                    <m:r>
+                      <a:rPr lang="en-US" altLang="zh-CN" sz="2000" b="0" i="1" smtClean="0">
+                        <a:latin typeface="Cambria Math" panose="02040503050406030204" pitchFamily="18" charset="0"/>
+                      </a:rPr>
+                      <m:t>𝜖</m:t>
+                    </m:r>
+                    <m:d>
+                      <m:dPr>
+                        <m:ctrlPr>
+                          <a:rPr lang="en-US" altLang="zh-CN" sz="2000" b="0" i="1" smtClean="0">
+                            <a:latin typeface="Cambria Math" panose="02040503050406030204" pitchFamily="18" charset="0"/>
+                          </a:rPr>
+                        </m:ctrlPr>
+                      </m:dPr>
+                      <m:e>
+                        <m:r>
+                          <a:rPr lang="en-US" altLang="zh-CN" sz="2000" b="0" i="1" smtClean="0">
+                            <a:latin typeface="Cambria Math" panose="02040503050406030204" pitchFamily="18" charset="0"/>
+                          </a:rPr>
+                          <m:t>𝐼</m:t>
+                        </m:r>
+                      </m:e>
+                    </m:d>
+                    <m:r>
+                      <a:rPr lang="en-US" altLang="zh-CN" sz="2000" b="0" i="1" smtClean="0">
+                        <a:latin typeface="Cambria Math" panose="02040503050406030204" pitchFamily="18" charset="0"/>
+                      </a:rPr>
+                      <m:t>=0</m:t>
+                    </m:r>
+                  </m:oMath>
+                </a14:m>
+                <a:endParaRPr lang="en-US" altLang="zh-CN" sz="2000" b="0" dirty="0"/>
+              </a:p>
+              <a:p>
+                <a:pPr lvl="1"/>
+                <a14:m>
+                  <m:oMath xmlns:m="http://schemas.openxmlformats.org/officeDocument/2006/math">
+                    <m:r>
+                      <a:rPr lang="en-US" altLang="zh-CN" sz="2000" b="0" i="1" smtClean="0">
+                        <a:latin typeface="Cambria Math" panose="02040503050406030204" pitchFamily="18" charset="0"/>
+                      </a:rPr>
+                      <m:t>𝜖</m:t>
+                    </m:r>
+                    <m:d>
+                      <m:dPr>
+                        <m:ctrlPr>
+                          <a:rPr lang="en-US" altLang="zh-CN" sz="2000" b="0" i="1" smtClean="0">
+                            <a:latin typeface="Cambria Math" panose="02040503050406030204" pitchFamily="18" charset="0"/>
+                          </a:rPr>
+                        </m:ctrlPr>
+                      </m:dPr>
+                      <m:e>
+                        <m:r>
+                          <a:rPr lang="en-US" altLang="zh-CN" sz="2000" b="0" i="1" smtClean="0">
+                            <a:latin typeface="Cambria Math" panose="02040503050406030204" pitchFamily="18" charset="0"/>
+                          </a:rPr>
+                          <m:t>𝐹</m:t>
+                        </m:r>
+                      </m:e>
+                    </m:d>
+                    <m:r>
+                      <a:rPr lang="en-US" altLang="zh-CN" sz="2000" b="0" i="1" smtClean="0">
+                        <a:latin typeface="Cambria Math" panose="02040503050406030204" pitchFamily="18" charset="0"/>
+                      </a:rPr>
+                      <m:t>=</m:t>
+                    </m:r>
+                    <m:r>
+                      <a:rPr lang="en-US" altLang="zh-CN" sz="2000" b="0" i="1" smtClean="0">
+                        <a:latin typeface="Cambria Math" panose="02040503050406030204" pitchFamily="18" charset="0"/>
+                      </a:rPr>
+                      <m:t>𝜖</m:t>
+                    </m:r>
+                    <m:r>
+                      <a:rPr lang="en-US" altLang="zh-CN" sz="2000" b="0" i="1" smtClean="0">
+                        <a:latin typeface="Cambria Math" panose="02040503050406030204" pitchFamily="18" charset="0"/>
+                      </a:rPr>
+                      <m:t>(</m:t>
+                    </m:r>
+                    <m:r>
+                      <a:rPr lang="en-US" altLang="zh-CN" sz="2000" b="0" i="1" smtClean="0">
+                        <a:latin typeface="Cambria Math" panose="02040503050406030204" pitchFamily="18" charset="0"/>
+                      </a:rPr>
+                      <m:t>𝑅𝐹</m:t>
+                    </m:r>
+                    <m:r>
+                      <a:rPr lang="en-US" altLang="zh-CN" sz="2000" b="0" i="1" smtClean="0">
+                        <a:latin typeface="Cambria Math" panose="02040503050406030204" pitchFamily="18" charset="0"/>
+                      </a:rPr>
+                      <m:t>)</m:t>
+                    </m:r>
+                  </m:oMath>
+                </a14:m>
+                <a:endParaRPr lang="en-US" altLang="zh-CN" sz="2000" dirty="0"/>
+              </a:p>
+            </p:txBody>
+          </p:sp>
+        </mc:Choice>
+        <mc:Fallback>
+          <p:sp>
+            <p:nvSpPr>
+              <p:cNvPr id="5" name="内容占位符 2">
+                <a:extLst>
+                  <a:ext uri="{FF2B5EF4-FFF2-40B4-BE49-F238E27FC236}">
+                    <a16:creationId xmlns:a16="http://schemas.microsoft.com/office/drawing/2014/main" id="{0BEC3563-0F13-4A96-BBEA-B7D1F6A386B6}"/>
+                  </a:ext>
+                </a:extLst>
+              </p:cNvPr>
+              <p:cNvSpPr txBox="1">
+                <a:spLocks noRot="1" noChangeAspect="1" noMove="1" noResize="1" noEditPoints="1" noAdjustHandles="1" noChangeArrowheads="1" noChangeShapeType="1" noTextEdit="1"/>
+              </p:cNvSpPr>
+              <p:nvPr/>
+            </p:nvSpPr>
+            <p:spPr>
+              <a:xfrm>
+                <a:off x="990600" y="1978025"/>
+                <a:ext cx="10515600" cy="4351338"/>
+              </a:xfrm>
+              <a:prstGeom prst="rect">
+                <a:avLst/>
+              </a:prstGeom>
+              <a:blipFill>
+                <a:blip r:embed="rId3"/>
+                <a:stretch>
+                  <a:fillRect l="-928" t="-1821" b="-1401"/>
+                </a:stretch>
+              </a:blipFill>
+            </p:spPr>
+            <p:txBody>
+              <a:bodyPr/>
+              <a:lstStyle/>
+              <a:p>
+                <a:r>
+                  <a:rPr lang="zh-CN" altLang="en-US">
+                    <a:noFill/>
+                  </a:rPr>
+                  <a:t> </a:t>
+                </a:r>
+              </a:p>
+            </p:txBody>
+          </p:sp>
+        </mc:Fallback>
+      </mc:AlternateContent>
+      <p:sp>
+        <p:nvSpPr>
+          <p:cNvPr id="3" name="矩形 2">
+            <a:extLst>
+              <a:ext uri="{FF2B5EF4-FFF2-40B4-BE49-F238E27FC236}">
+                <a16:creationId xmlns:a16="http://schemas.microsoft.com/office/drawing/2014/main" id="{13D07AB5-F3B8-B65A-CB85-140E024E79A3}"/>
+              </a:ext>
+            </a:extLst>
+          </p:cNvPr>
+          <p:cNvSpPr/>
+          <p:nvPr/>
+        </p:nvSpPr>
+        <p:spPr>
+          <a:xfrm>
+            <a:off x="1428110" y="2971802"/>
+            <a:ext cx="739739" cy="688368"/>
+          </a:xfrm>
+          <a:prstGeom prst="rect">
+            <a:avLst/>
+          </a:prstGeom>
+          <a:solidFill>
+            <a:schemeClr val="accent2">
+              <a:lumMod val="60000"/>
+              <a:lumOff val="40000"/>
+            </a:schemeClr>
+          </a:solidFill>
+          <a:ln>
+            <a:noFill/>
+          </a:ln>
+        </p:spPr>
+        <p:style>
+          <a:lnRef idx="2">
+            <a:schemeClr val="accent1">
+              <a:shade val="50000"/>
+            </a:schemeClr>
+          </a:lnRef>
+          <a:fillRef idx="1">
+            <a:schemeClr val="accent1"/>
+          </a:fillRef>
+          <a:effectRef idx="0">
+            <a:schemeClr val="accent1"/>
+          </a:effectRef>
+          <a:fontRef idx="minor">
+            <a:schemeClr val="lt1"/>
+          </a:fontRef>
+        </p:style>
+        <p:txBody>
+          <a:bodyPr rtlCol="0" anchor="ctr"/>
+          <a:lstStyle/>
+          <a:p>
+            <a:pPr algn="ctr"/>
+            <a:endParaRPr lang="zh-CN" altLang="en-US"/>
+          </a:p>
+        </p:txBody>
+      </p:sp>
+      <mc:AlternateContent xmlns:mc="http://schemas.openxmlformats.org/markup-compatibility/2006">
+        <mc:Choice xmlns:a14="http://schemas.microsoft.com/office/drawing/2010/main" Requires="a14">
+          <p:sp>
+            <p:nvSpPr>
+              <p:cNvPr id="15" name="箭头: 右 14">
+                <a:extLst>
+                  <a:ext uri="{FF2B5EF4-FFF2-40B4-BE49-F238E27FC236}">
+                    <a16:creationId xmlns:a16="http://schemas.microsoft.com/office/drawing/2014/main" id="{A59EE251-C00C-DD81-5A78-51EE6EA9EC63}"/>
+                  </a:ext>
+                </a:extLst>
+              </p:cNvPr>
+              <p:cNvSpPr/>
+              <p:nvPr/>
+            </p:nvSpPr>
+            <p:spPr>
+              <a:xfrm>
+                <a:off x="2769743" y="3028952"/>
+                <a:ext cx="1103617" cy="574068"/>
+              </a:xfrm>
+              <a:prstGeom prst="rightArrow">
+                <a:avLst/>
+              </a:prstGeom>
+            </p:spPr>
+            <p:style>
+              <a:lnRef idx="2">
+                <a:schemeClr val="accent1">
+                  <a:shade val="50000"/>
+                </a:schemeClr>
+              </a:lnRef>
+              <a:fillRef idx="1">
+                <a:schemeClr val="accent1"/>
+              </a:fillRef>
+              <a:effectRef idx="0">
+                <a:schemeClr val="accent1"/>
+              </a:effectRef>
+              <a:fontRef idx="minor">
+                <a:schemeClr val="lt1"/>
+              </a:fontRef>
+            </p:style>
+            <p:txBody>
+              <a:bodyPr rtlCol="0" anchor="ctr"/>
+              <a:lstStyle/>
+              <a:p>
+                <a:pPr algn="ctr"/>
+                <a14:m>
+                  <m:oMathPara xmlns:m="http://schemas.openxmlformats.org/officeDocument/2006/math">
+                    <m:oMathParaPr>
+                      <m:jc m:val="centerGroup"/>
+                    </m:oMathParaPr>
+                    <m:oMath xmlns:m="http://schemas.openxmlformats.org/officeDocument/2006/math">
+                      <m:sSup>
+                        <m:sSupPr>
+                          <m:ctrlPr>
+                            <a:rPr lang="en-US" altLang="zh-CN" i="1">
+                              <a:latin typeface="Cambria Math" panose="02040503050406030204" pitchFamily="18" charset="0"/>
+                            </a:rPr>
+                          </m:ctrlPr>
+                        </m:sSupPr>
+                        <m:e>
+                          <m:r>
+                            <a:rPr lang="en-US" altLang="zh-CN" i="1">
+                              <a:latin typeface="Cambria Math" panose="02040503050406030204" pitchFamily="18" charset="0"/>
+                            </a:rPr>
+                            <m:t>𝑉</m:t>
+                          </m:r>
+                        </m:e>
+                        <m:sup>
+                          <m:r>
+                            <a:rPr lang="en-US" altLang="zh-CN" i="1">
+                              <a:latin typeface="Cambria Math" panose="02040503050406030204" pitchFamily="18" charset="0"/>
+                            </a:rPr>
+                            <m:t>𝑇</m:t>
+                          </m:r>
+                        </m:sup>
+                      </m:sSup>
+                    </m:oMath>
+                  </m:oMathPara>
+                </a14:m>
+                <a:endParaRPr lang="zh-CN" altLang="en-US" dirty="0"/>
+              </a:p>
+            </p:txBody>
+          </p:sp>
+        </mc:Choice>
+        <mc:Fallback>
+          <p:sp>
+            <p:nvSpPr>
+              <p:cNvPr id="15" name="箭头: 右 14">
+                <a:extLst>
+                  <a:ext uri="{FF2B5EF4-FFF2-40B4-BE49-F238E27FC236}">
+                    <a16:creationId xmlns:a16="http://schemas.microsoft.com/office/drawing/2014/main" id="{A59EE251-C00C-DD81-5A78-51EE6EA9EC63}"/>
+                  </a:ext>
+                </a:extLst>
+              </p:cNvPr>
+              <p:cNvSpPr>
+                <a:spLocks noRot="1" noChangeAspect="1" noMove="1" noResize="1" noEditPoints="1" noAdjustHandles="1" noChangeArrowheads="1" noChangeShapeType="1" noTextEdit="1"/>
+              </p:cNvSpPr>
+              <p:nvPr/>
+            </p:nvSpPr>
+            <p:spPr>
+              <a:xfrm>
+                <a:off x="2769743" y="3028952"/>
+                <a:ext cx="1103617" cy="574068"/>
+              </a:xfrm>
+              <a:prstGeom prst="rightArrow">
+                <a:avLst/>
+              </a:prstGeom>
+              <a:blipFill>
+                <a:blip r:embed="rId4"/>
+                <a:stretch>
+                  <a:fillRect/>
+                </a:stretch>
+              </a:blipFill>
+            </p:spPr>
+            <p:txBody>
+              <a:bodyPr/>
+              <a:lstStyle/>
+              <a:p>
+                <a:r>
+                  <a:rPr lang="zh-CN" altLang="en-US">
+                    <a:noFill/>
+                  </a:rPr>
+                  <a:t> </a:t>
+                </a:r>
+              </a:p>
+            </p:txBody>
+          </p:sp>
+        </mc:Fallback>
+      </mc:AlternateContent>
+      <p:sp>
+        <p:nvSpPr>
+          <p:cNvPr id="16" name="矩形 15">
+            <a:extLst>
+              <a:ext uri="{FF2B5EF4-FFF2-40B4-BE49-F238E27FC236}">
+                <a16:creationId xmlns:a16="http://schemas.microsoft.com/office/drawing/2014/main" id="{FDFC0BD8-A583-1973-A2D6-2B9A3511A393}"/>
+              </a:ext>
+            </a:extLst>
+          </p:cNvPr>
+          <p:cNvSpPr/>
+          <p:nvPr/>
+        </p:nvSpPr>
+        <p:spPr>
+          <a:xfrm rot="2669341">
+            <a:off x="4486555" y="2953317"/>
+            <a:ext cx="739739" cy="683963"/>
+          </a:xfrm>
+          <a:prstGeom prst="rect">
+            <a:avLst/>
+          </a:prstGeom>
+          <a:solidFill>
+            <a:schemeClr val="accent2">
+              <a:lumMod val="60000"/>
+              <a:lumOff val="40000"/>
+            </a:schemeClr>
+          </a:solidFill>
+          <a:ln>
+            <a:noFill/>
+          </a:ln>
+        </p:spPr>
+        <p:style>
+          <a:lnRef idx="2">
+            <a:schemeClr val="accent1">
+              <a:shade val="50000"/>
+            </a:schemeClr>
+          </a:lnRef>
+          <a:fillRef idx="1">
+            <a:schemeClr val="accent1"/>
+          </a:fillRef>
+          <a:effectRef idx="0">
+            <a:schemeClr val="accent1"/>
+          </a:effectRef>
+          <a:fontRef idx="minor">
+            <a:schemeClr val="lt1"/>
+          </a:fontRef>
+        </p:style>
+        <p:txBody>
+          <a:bodyPr rtlCol="0" anchor="ctr"/>
+          <a:lstStyle/>
+          <a:p>
+            <a:pPr algn="ctr"/>
+            <a:endParaRPr lang="zh-CN" altLang="en-US"/>
+          </a:p>
+        </p:txBody>
+      </p:sp>
+      <mc:AlternateContent xmlns:mc="http://schemas.openxmlformats.org/markup-compatibility/2006">
+        <mc:Choice xmlns:a14="http://schemas.microsoft.com/office/drawing/2010/main" Requires="a14">
+          <p:sp>
+            <p:nvSpPr>
+              <p:cNvPr id="17" name="箭头: 右 16">
+                <a:extLst>
+                  <a:ext uri="{FF2B5EF4-FFF2-40B4-BE49-F238E27FC236}">
+                    <a16:creationId xmlns:a16="http://schemas.microsoft.com/office/drawing/2014/main" id="{CBFBD71C-95F8-2B7F-E290-F301A13CFE75}"/>
+                  </a:ext>
+                </a:extLst>
+              </p:cNvPr>
+              <p:cNvSpPr/>
+              <p:nvPr/>
+            </p:nvSpPr>
+            <p:spPr>
+              <a:xfrm>
+                <a:off x="5788633" y="3027242"/>
+                <a:ext cx="1103617" cy="574068"/>
+              </a:xfrm>
+              <a:prstGeom prst="rightArrow">
+                <a:avLst/>
+              </a:prstGeom>
+            </p:spPr>
+            <p:style>
+              <a:lnRef idx="2">
+                <a:schemeClr val="accent1">
+                  <a:shade val="50000"/>
+                </a:schemeClr>
+              </a:lnRef>
+              <a:fillRef idx="1">
+                <a:schemeClr val="accent1"/>
+              </a:fillRef>
+              <a:effectRef idx="0">
+                <a:schemeClr val="accent1"/>
+              </a:effectRef>
+              <a:fontRef idx="minor">
+                <a:schemeClr val="lt1"/>
+              </a:fontRef>
+            </p:style>
+            <p:txBody>
+              <a:bodyPr rtlCol="0" anchor="ctr"/>
+              <a:lstStyle/>
+              <a:p>
+                <a:pPr algn="ctr"/>
+                <a14:m>
+                  <m:oMathPara xmlns:m="http://schemas.openxmlformats.org/officeDocument/2006/math">
+                    <m:oMathParaPr>
+                      <m:jc m:val="centerGroup"/>
+                    </m:oMathParaPr>
+                    <m:oMath xmlns:m="http://schemas.openxmlformats.org/officeDocument/2006/math">
+                      <m:r>
+                        <a:rPr lang="en-US" altLang="zh-CN" b="0" i="1" smtClean="0">
+                          <a:latin typeface="Cambria Math" panose="02040503050406030204" pitchFamily="18" charset="0"/>
+                        </a:rPr>
+                        <m:t>𝐷</m:t>
+                      </m:r>
+                    </m:oMath>
+                  </m:oMathPara>
+                </a14:m>
+                <a:endParaRPr lang="zh-CN" altLang="en-US" dirty="0"/>
+              </a:p>
+            </p:txBody>
+          </p:sp>
+        </mc:Choice>
+        <mc:Fallback>
+          <p:sp>
+            <p:nvSpPr>
+              <p:cNvPr id="17" name="箭头: 右 16">
+                <a:extLst>
+                  <a:ext uri="{FF2B5EF4-FFF2-40B4-BE49-F238E27FC236}">
+                    <a16:creationId xmlns:a16="http://schemas.microsoft.com/office/drawing/2014/main" id="{CBFBD71C-95F8-2B7F-E290-F301A13CFE75}"/>
+                  </a:ext>
+                </a:extLst>
+              </p:cNvPr>
+              <p:cNvSpPr>
+                <a:spLocks noRot="1" noChangeAspect="1" noMove="1" noResize="1" noEditPoints="1" noAdjustHandles="1" noChangeArrowheads="1" noChangeShapeType="1" noTextEdit="1"/>
+              </p:cNvSpPr>
+              <p:nvPr/>
+            </p:nvSpPr>
+            <p:spPr>
+              <a:xfrm>
+                <a:off x="5788633" y="3027242"/>
+                <a:ext cx="1103617" cy="574068"/>
+              </a:xfrm>
+              <a:prstGeom prst="rightArrow">
+                <a:avLst/>
+              </a:prstGeom>
+              <a:blipFill>
+                <a:blip r:embed="rId5"/>
+                <a:stretch>
+                  <a:fillRect/>
+                </a:stretch>
+              </a:blipFill>
+            </p:spPr>
+            <p:txBody>
+              <a:bodyPr/>
+              <a:lstStyle/>
+              <a:p>
+                <a:r>
+                  <a:rPr lang="zh-CN" altLang="en-US">
+                    <a:noFill/>
+                  </a:rPr>
+                  <a:t> </a:t>
+                </a:r>
+              </a:p>
+            </p:txBody>
+          </p:sp>
+        </mc:Fallback>
+      </mc:AlternateContent>
+      <p:sp>
+        <p:nvSpPr>
+          <p:cNvPr id="18" name="菱形 17">
+            <a:extLst>
+              <a:ext uri="{FF2B5EF4-FFF2-40B4-BE49-F238E27FC236}">
+                <a16:creationId xmlns:a16="http://schemas.microsoft.com/office/drawing/2014/main" id="{F90265CE-72B8-0F97-E21C-1F84218BE7F5}"/>
+              </a:ext>
+            </a:extLst>
+          </p:cNvPr>
+          <p:cNvSpPr/>
+          <p:nvPr/>
+        </p:nvSpPr>
+        <p:spPr>
+          <a:xfrm>
+            <a:off x="7305440" y="2811116"/>
+            <a:ext cx="479119" cy="1006320"/>
+          </a:xfrm>
+          <a:prstGeom prst="diamond">
+            <a:avLst/>
+          </a:prstGeom>
+          <a:solidFill>
+            <a:schemeClr val="accent2">
+              <a:lumMod val="60000"/>
+              <a:lumOff val="40000"/>
+            </a:schemeClr>
+          </a:solidFill>
+          <a:ln>
+            <a:noFill/>
+          </a:ln>
+        </p:spPr>
+        <p:style>
+          <a:lnRef idx="2">
+            <a:schemeClr val="accent1">
+              <a:shade val="50000"/>
+            </a:schemeClr>
+          </a:lnRef>
+          <a:fillRef idx="1">
+            <a:schemeClr val="accent1"/>
+          </a:fillRef>
+          <a:effectRef idx="0">
+            <a:schemeClr val="accent1"/>
+          </a:effectRef>
+          <a:fontRef idx="minor">
+            <a:schemeClr val="lt1"/>
+          </a:fontRef>
+        </p:style>
+        <p:txBody>
+          <a:bodyPr rtlCol="0" anchor="ctr"/>
+          <a:lstStyle/>
+          <a:p>
+            <a:pPr algn="ctr"/>
+            <a:endParaRPr lang="zh-CN" altLang="en-US"/>
+          </a:p>
+        </p:txBody>
+      </p:sp>
+      <mc:AlternateContent xmlns:mc="http://schemas.openxmlformats.org/markup-compatibility/2006">
+        <mc:Choice xmlns:a14="http://schemas.microsoft.com/office/drawing/2010/main" Requires="a14">
+          <p:sp>
+            <p:nvSpPr>
+              <p:cNvPr id="19" name="箭头: 右 18">
+                <a:extLst>
+                  <a:ext uri="{FF2B5EF4-FFF2-40B4-BE49-F238E27FC236}">
+                    <a16:creationId xmlns:a16="http://schemas.microsoft.com/office/drawing/2014/main" id="{5DC1B81A-1146-7AD0-1688-940E714F77BF}"/>
+                  </a:ext>
+                </a:extLst>
+              </p:cNvPr>
+              <p:cNvSpPr/>
+              <p:nvPr/>
+            </p:nvSpPr>
+            <p:spPr>
+              <a:xfrm>
+                <a:off x="8293817" y="3035806"/>
+                <a:ext cx="1103617" cy="574068"/>
+              </a:xfrm>
+              <a:prstGeom prst="rightArrow">
+                <a:avLst/>
+              </a:prstGeom>
+            </p:spPr>
+            <p:style>
+              <a:lnRef idx="2">
+                <a:schemeClr val="accent1">
+                  <a:shade val="50000"/>
+                </a:schemeClr>
+              </a:lnRef>
+              <a:fillRef idx="1">
+                <a:schemeClr val="accent1"/>
+              </a:fillRef>
+              <a:effectRef idx="0">
+                <a:schemeClr val="accent1"/>
+              </a:effectRef>
+              <a:fontRef idx="minor">
+                <a:schemeClr val="lt1"/>
+              </a:fontRef>
+            </p:style>
+            <p:txBody>
+              <a:bodyPr rtlCol="0" anchor="ctr"/>
+              <a:lstStyle/>
+              <a:p>
+                <a:pPr algn="ctr"/>
+                <a14:m>
+                  <m:oMathPara xmlns:m="http://schemas.openxmlformats.org/officeDocument/2006/math">
+                    <m:oMathParaPr>
+                      <m:jc m:val="centerGroup"/>
+                    </m:oMathParaPr>
+                    <m:oMath xmlns:m="http://schemas.openxmlformats.org/officeDocument/2006/math">
+                      <m:r>
+                        <m:rPr>
+                          <m:sty m:val="p"/>
+                        </m:rPr>
+                        <a:rPr lang="en-US" altLang="zh-CN" i="1">
+                          <a:latin typeface="Cambria Math" panose="02040503050406030204" pitchFamily="18" charset="0"/>
+                        </a:rPr>
+                        <m:t>U</m:t>
+                      </m:r>
+                    </m:oMath>
+                  </m:oMathPara>
+                </a14:m>
+                <a:endParaRPr lang="zh-CN" altLang="en-US" dirty="0"/>
+              </a:p>
+            </p:txBody>
+          </p:sp>
+        </mc:Choice>
+        <mc:Fallback>
+          <p:sp>
+            <p:nvSpPr>
+              <p:cNvPr id="19" name="箭头: 右 18">
+                <a:extLst>
+                  <a:ext uri="{FF2B5EF4-FFF2-40B4-BE49-F238E27FC236}">
+                    <a16:creationId xmlns:a16="http://schemas.microsoft.com/office/drawing/2014/main" id="{5DC1B81A-1146-7AD0-1688-940E714F77BF}"/>
+                  </a:ext>
+                </a:extLst>
+              </p:cNvPr>
+              <p:cNvSpPr>
+                <a:spLocks noRot="1" noChangeAspect="1" noMove="1" noResize="1" noEditPoints="1" noAdjustHandles="1" noChangeArrowheads="1" noChangeShapeType="1" noTextEdit="1"/>
+              </p:cNvSpPr>
+              <p:nvPr/>
+            </p:nvSpPr>
+            <p:spPr>
+              <a:xfrm>
+                <a:off x="8293817" y="3035806"/>
+                <a:ext cx="1103617" cy="574068"/>
+              </a:xfrm>
+              <a:prstGeom prst="rightArrow">
+                <a:avLst/>
+              </a:prstGeom>
+              <a:blipFill>
+                <a:blip r:embed="rId6"/>
+                <a:stretch>
+                  <a:fillRect/>
+                </a:stretch>
+              </a:blipFill>
+            </p:spPr>
+            <p:txBody>
+              <a:bodyPr/>
+              <a:lstStyle/>
+              <a:p>
+                <a:r>
+                  <a:rPr lang="zh-CN" altLang="en-US">
+                    <a:noFill/>
+                  </a:rPr>
+                  <a:t> </a:t>
+                </a:r>
+              </a:p>
+            </p:txBody>
+          </p:sp>
+        </mc:Fallback>
+      </mc:AlternateContent>
+      <p:sp>
+        <p:nvSpPr>
+          <p:cNvPr id="20" name="菱形 19">
+            <a:extLst>
+              <a:ext uri="{FF2B5EF4-FFF2-40B4-BE49-F238E27FC236}">
+                <a16:creationId xmlns:a16="http://schemas.microsoft.com/office/drawing/2014/main" id="{E2971DAF-6A7B-C74E-3AEF-74D3F8C2E738}"/>
+              </a:ext>
+            </a:extLst>
+          </p:cNvPr>
+          <p:cNvSpPr/>
+          <p:nvPr/>
+        </p:nvSpPr>
+        <p:spPr>
+          <a:xfrm rot="17850332">
+            <a:off x="9956003" y="2811116"/>
+            <a:ext cx="479119" cy="1006320"/>
+          </a:xfrm>
+          <a:prstGeom prst="diamond">
+            <a:avLst/>
+          </a:prstGeom>
+          <a:solidFill>
+            <a:schemeClr val="accent2">
+              <a:lumMod val="60000"/>
+              <a:lumOff val="40000"/>
+            </a:schemeClr>
+          </a:solidFill>
+          <a:ln>
+            <a:noFill/>
+          </a:ln>
+        </p:spPr>
+        <p:style>
+          <a:lnRef idx="2">
+            <a:schemeClr val="accent1">
+              <a:shade val="50000"/>
+            </a:schemeClr>
+          </a:lnRef>
+          <a:fillRef idx="1">
+            <a:schemeClr val="accent1"/>
+          </a:fillRef>
+          <a:effectRef idx="0">
+            <a:schemeClr val="accent1"/>
+          </a:effectRef>
+          <a:fontRef idx="minor">
+            <a:schemeClr val="lt1"/>
+          </a:fontRef>
+        </p:style>
+        <p:txBody>
+          <a:bodyPr rtlCol="0" anchor="ctr"/>
+          <a:lstStyle/>
+          <a:p>
+            <a:pPr algn="ctr"/>
+            <a:endParaRPr lang="zh-CN" altLang="en-US"/>
+          </a:p>
+        </p:txBody>
+      </p:sp>
+      <p:sp>
+        <p:nvSpPr>
+          <p:cNvPr id="21" name="矩形: 圆角 20">
+            <a:extLst>
+              <a:ext uri="{FF2B5EF4-FFF2-40B4-BE49-F238E27FC236}">
+                <a16:creationId xmlns:a16="http://schemas.microsoft.com/office/drawing/2014/main" id="{F5BC45F4-34B6-0F55-A9F7-7A25828E7035}"/>
+              </a:ext>
+            </a:extLst>
+          </p:cNvPr>
+          <p:cNvSpPr/>
+          <p:nvPr/>
+        </p:nvSpPr>
+        <p:spPr>
+          <a:xfrm>
+            <a:off x="1208843" y="2735492"/>
+            <a:ext cx="6922642" cy="1284276"/>
+          </a:xfrm>
+          <a:prstGeom prst="roundRect">
+            <a:avLst/>
+          </a:prstGeom>
+          <a:noFill/>
+          <a:ln w="38100" cap="flat" cmpd="sng" algn="ctr">
+            <a:solidFill>
+              <a:srgbClr val="4472C4"/>
+            </a:solidFill>
+            <a:prstDash val="dash"/>
+            <a:round/>
+            <a:headEnd type="none" w="med" len="med"/>
+            <a:tailEnd type="none" w="med" len="med"/>
+          </a:ln>
+        </p:spPr>
+        <p:style>
+          <a:lnRef idx="0">
+            <a:scrgbClr r="0" g="0" b="0"/>
+          </a:lnRef>
+          <a:fillRef idx="0">
+            <a:scrgbClr r="0" g="0" b="0"/>
+          </a:fillRef>
+          <a:effectRef idx="0">
+            <a:scrgbClr r="0" g="0" b="0"/>
+          </a:effectRef>
+          <a:fontRef idx="minor">
+            <a:schemeClr val="accent1"/>
+          </a:fontRef>
+        </p:style>
+        <p:txBody>
+          <a:bodyPr rtlCol="0" anchor="ctr"/>
+          <a:lstStyle/>
+          <a:p>
+            <a:pPr algn="ctr"/>
+            <a:r>
+              <a:rPr lang="en-US" altLang="zh-CN" dirty="0"/>
+              <a:t>s</a:t>
+            </a:r>
+            <a:endParaRPr lang="zh-CN" altLang="en-US" dirty="0"/>
+          </a:p>
+        </p:txBody>
+      </p:sp>
+      <p:sp>
+        <p:nvSpPr>
+          <p:cNvPr id="22" name="文本框 21">
+            <a:extLst>
+              <a:ext uri="{FF2B5EF4-FFF2-40B4-BE49-F238E27FC236}">
+                <a16:creationId xmlns:a16="http://schemas.microsoft.com/office/drawing/2014/main" id="{71B08515-3F88-4FB1-DB2A-05EA2CEC6DC4}"/>
+              </a:ext>
+            </a:extLst>
+          </p:cNvPr>
+          <p:cNvSpPr txBox="1"/>
+          <p:nvPr/>
+        </p:nvSpPr>
+        <p:spPr>
+          <a:xfrm>
+            <a:off x="8736508" y="4632249"/>
+            <a:ext cx="1459054" cy="369332"/>
+          </a:xfrm>
+          <a:prstGeom prst="rect">
+            <a:avLst/>
+          </a:prstGeom>
+          <a:noFill/>
+        </p:spPr>
+        <p:txBody>
+          <a:bodyPr wrap="none" rtlCol="0">
+            <a:spAutoFit/>
+          </a:bodyPr>
+          <a:lstStyle/>
+          <a:p>
+            <a:r>
+              <a:rPr lang="en-US" altLang="zh-CN" b="1" dirty="0">
+                <a:solidFill>
+                  <a:schemeClr val="accent6">
+                    <a:lumMod val="75000"/>
+                  </a:schemeClr>
+                </a:solidFill>
+              </a:rPr>
+              <a:t>Green strain</a:t>
+            </a:r>
+            <a:endParaRPr lang="zh-CN" altLang="en-US" b="1" dirty="0">
+              <a:solidFill>
+                <a:schemeClr val="accent6">
+                  <a:lumMod val="75000"/>
+                </a:schemeClr>
+              </a:solidFill>
+            </a:endParaRPr>
+          </a:p>
+        </p:txBody>
+      </p:sp>
+    </p:spTree>
+    <p:extLst>
+      <p:ext uri="{BB962C8B-B14F-4D97-AF65-F5344CB8AC3E}">
+        <p14:creationId xmlns:p14="http://schemas.microsoft.com/office/powerpoint/2010/main" val="2750577522"/>
       </p:ext>
     </p:extLst>
   </p:cSld>
@@ -21506,4 +24353,299 @@
     </a:ext>
   </a:extLst>
 </a:theme>
+</file>
+
+<file path=ppt/theme/theme2.xml><?xml version="1.0" encoding="utf-8"?>
+<a:theme xmlns:a="http://schemas.openxmlformats.org/drawingml/2006/main" name="Office 主题​​">
+  <a:themeElements>
+    <a:clrScheme name="Office">
+      <a:dk1>
+        <a:sysClr val="windowText" lastClr="000000"/>
+      </a:dk1>
+      <a:lt1>
+        <a:sysClr val="window" lastClr="FFFFFF"/>
+      </a:lt1>
+      <a:dk2>
+        <a:srgbClr val="44546A"/>
+      </a:dk2>
+      <a:lt2>
+        <a:srgbClr val="E7E6E6"/>
+      </a:lt2>
+      <a:accent1>
+        <a:srgbClr val="4472C4"/>
+      </a:accent1>
+      <a:accent2>
+        <a:srgbClr val="ED7D31"/>
+      </a:accent2>
+      <a:accent3>
+        <a:srgbClr val="A5A5A5"/>
+      </a:accent3>
+      <a:accent4>
+        <a:srgbClr val="FFC000"/>
+      </a:accent4>
+      <a:accent5>
+        <a:srgbClr val="5B9BD5"/>
+      </a:accent5>
+      <a:accent6>
+        <a:srgbClr val="70AD47"/>
+      </a:accent6>
+      <a:hlink>
+        <a:srgbClr val="0563C1"/>
+      </a:hlink>
+      <a:folHlink>
+        <a:srgbClr val="954F72"/>
+      </a:folHlink>
+    </a:clrScheme>
+    <a:fontScheme name="Office">
+      <a:majorFont>
+        <a:latin typeface="等线 Light" panose="020F0302020204030204"/>
+        <a:ea typeface=""/>
+        <a:cs typeface=""/>
+        <a:font script="Jpan" typeface="游ゴシック Light"/>
+        <a:font script="Hang" typeface="맑은 고딕"/>
+        <a:font script="Hans" typeface="等线 Light"/>
+        <a:font script="Hant" typeface="新細明體"/>
+        <a:font script="Arab" typeface="Times New Roman"/>
+        <a:font script="Hebr" typeface="Times New Roman"/>
+        <a:font script="Thai" typeface="Angsana New"/>
+        <a:font script="Ethi" typeface="Nyala"/>
+        <a:font script="Beng" typeface="Vrinda"/>
+        <a:font script="Gujr" typeface="Shruti"/>
+        <a:font script="Khmr" typeface="MoolBoran"/>
+        <a:font script="Knda" typeface="Tunga"/>
+        <a:font script="Guru" typeface="Raavi"/>
+        <a:font script="Cans" typeface="Euphemia"/>
+        <a:font script="Cher" typeface="Plantagenet Cherokee"/>
+        <a:font script="Yiii" typeface="Microsoft Yi Baiti"/>
+        <a:font script="Tibt" typeface="Microsoft Himalaya"/>
+        <a:font script="Thaa" typeface="MV Boli"/>
+        <a:font script="Deva" typeface="Mangal"/>
+        <a:font script="Telu" typeface="Gautami"/>
+        <a:font script="Taml" typeface="Latha"/>
+        <a:font script="Syrc" typeface="Estrangelo Edessa"/>
+        <a:font script="Orya" typeface="Kalinga"/>
+        <a:font script="Mlym" typeface="Kartika"/>
+        <a:font script="Laoo" typeface="DokChampa"/>
+        <a:font script="Sinh" typeface="Iskoola Pota"/>
+        <a:font script="Mong" typeface="Mongolian Baiti"/>
+        <a:font script="Viet" typeface="Times New Roman"/>
+        <a:font script="Uigh" typeface="Microsoft Uighur"/>
+        <a:font script="Geor" typeface="Sylfaen"/>
+        <a:font script="Armn" typeface="Arial"/>
+        <a:font script="Bugi" typeface="Leelawadee UI"/>
+        <a:font script="Bopo" typeface="Microsoft JhengHei"/>
+        <a:font script="Java" typeface="Javanese Text"/>
+        <a:font script="Lisu" typeface="Segoe UI"/>
+        <a:font script="Mymr" typeface="Myanmar Text"/>
+        <a:font script="Nkoo" typeface="Ebrima"/>
+        <a:font script="Olck" typeface="Nirmala UI"/>
+        <a:font script="Osma" typeface="Ebrima"/>
+        <a:font script="Phag" typeface="Phagspa"/>
+        <a:font script="Syrn" typeface="Estrangelo Edessa"/>
+        <a:font script="Syrj" typeface="Estrangelo Edessa"/>
+        <a:font script="Syre" typeface="Estrangelo Edessa"/>
+        <a:font script="Sora" typeface="Nirmala UI"/>
+        <a:font script="Tale" typeface="Microsoft Tai Le"/>
+        <a:font script="Talu" typeface="Microsoft New Tai Lue"/>
+        <a:font script="Tfng" typeface="Ebrima"/>
+      </a:majorFont>
+      <a:minorFont>
+        <a:latin typeface="等线" panose="020F0502020204030204"/>
+        <a:ea typeface=""/>
+        <a:cs typeface=""/>
+        <a:font script="Jpan" typeface="游ゴシック"/>
+        <a:font script="Hang" typeface="맑은 고딕"/>
+        <a:font script="Hans" typeface="等线"/>
+        <a:font script="Hant" typeface="新細明體"/>
+        <a:font script="Arab" typeface="Arial"/>
+        <a:font script="Hebr" typeface="Arial"/>
+        <a:font script="Thai" typeface="Cordia New"/>
+        <a:font script="Ethi" typeface="Nyala"/>
+        <a:font script="Beng" typeface="Vrinda"/>
+        <a:font script="Gujr" typeface="Shruti"/>
+        <a:font script="Khmr" typeface="DaunPenh"/>
+        <a:font script="Knda" typeface="Tunga"/>
+        <a:font script="Guru" typeface="Raavi"/>
+        <a:font script="Cans" typeface="Euphemia"/>
+        <a:font script="Cher" typeface="Plantagenet Cherokee"/>
+        <a:font script="Yiii" typeface="Microsoft Yi Baiti"/>
+        <a:font script="Tibt" typeface="Microsoft Himalaya"/>
+        <a:font script="Thaa" typeface="MV Boli"/>
+        <a:font script="Deva" typeface="Mangal"/>
+        <a:font script="Telu" typeface="Gautami"/>
+        <a:font script="Taml" typeface="Latha"/>
+        <a:font script="Syrc" typeface="Estrangelo Edessa"/>
+        <a:font script="Orya" typeface="Kalinga"/>
+        <a:font script="Mlym" typeface="Kartika"/>
+        <a:font script="Laoo" typeface="DokChampa"/>
+        <a:font script="Sinh" typeface="Iskoola Pota"/>
+        <a:font script="Mong" typeface="Mongolian Baiti"/>
+        <a:font script="Viet" typeface="Arial"/>
+        <a:font script="Uigh" typeface="Microsoft Uighur"/>
+        <a:font script="Geor" typeface="Sylfaen"/>
+        <a:font script="Armn" typeface="Arial"/>
+        <a:font script="Bugi" typeface="Leelawadee UI"/>
+        <a:font script="Bopo" typeface="Microsoft JhengHei"/>
+        <a:font script="Java" typeface="Javanese Text"/>
+        <a:font script="Lisu" typeface="Segoe UI"/>
+        <a:font script="Mymr" typeface="Myanmar Text"/>
+        <a:font script="Nkoo" typeface="Ebrima"/>
+        <a:font script="Olck" typeface="Nirmala UI"/>
+        <a:font script="Osma" typeface="Ebrima"/>
+        <a:font script="Phag" typeface="Phagspa"/>
+        <a:font script="Syrn" typeface="Estrangelo Edessa"/>
+        <a:font script="Syrj" typeface="Estrangelo Edessa"/>
+        <a:font script="Syre" typeface="Estrangelo Edessa"/>
+        <a:font script="Sora" typeface="Nirmala UI"/>
+        <a:font script="Tale" typeface="Microsoft Tai Le"/>
+        <a:font script="Talu" typeface="Microsoft New Tai Lue"/>
+        <a:font script="Tfng" typeface="Ebrima"/>
+      </a:minorFont>
+    </a:fontScheme>
+    <a:fmtScheme name="Office">
+      <a:fillStyleLst>
+        <a:solidFill>
+          <a:schemeClr val="phClr"/>
+        </a:solidFill>
+        <a:gradFill rotWithShape="1">
+          <a:gsLst>
+            <a:gs pos="0">
+              <a:schemeClr val="phClr">
+                <a:lumMod val="110000"/>
+                <a:satMod val="105000"/>
+                <a:tint val="67000"/>
+              </a:schemeClr>
+            </a:gs>
+            <a:gs pos="50000">
+              <a:schemeClr val="phClr">
+                <a:lumMod val="105000"/>
+                <a:satMod val="103000"/>
+                <a:tint val="73000"/>
+              </a:schemeClr>
+            </a:gs>
+            <a:gs pos="100000">
+              <a:schemeClr val="phClr">
+                <a:lumMod val="105000"/>
+                <a:satMod val="109000"/>
+                <a:tint val="81000"/>
+              </a:schemeClr>
+            </a:gs>
+          </a:gsLst>
+          <a:lin ang="5400000" scaled="0"/>
+        </a:gradFill>
+        <a:gradFill rotWithShape="1">
+          <a:gsLst>
+            <a:gs pos="0">
+              <a:schemeClr val="phClr">
+                <a:satMod val="103000"/>
+                <a:lumMod val="102000"/>
+                <a:tint val="94000"/>
+              </a:schemeClr>
+            </a:gs>
+            <a:gs pos="50000">
+              <a:schemeClr val="phClr">
+                <a:satMod val="110000"/>
+                <a:lumMod val="100000"/>
+                <a:shade val="100000"/>
+              </a:schemeClr>
+            </a:gs>
+            <a:gs pos="100000">
+              <a:schemeClr val="phClr">
+                <a:lumMod val="99000"/>
+                <a:satMod val="120000"/>
+                <a:shade val="78000"/>
+              </a:schemeClr>
+            </a:gs>
+          </a:gsLst>
+          <a:lin ang="5400000" scaled="0"/>
+        </a:gradFill>
+      </a:fillStyleLst>
+      <a:lnStyleLst>
+        <a:ln w="6350" cap="flat" cmpd="sng" algn="ctr">
+          <a:solidFill>
+            <a:schemeClr val="phClr"/>
+          </a:solidFill>
+          <a:prstDash val="solid"/>
+          <a:miter lim="800000"/>
+        </a:ln>
+        <a:ln w="12700" cap="flat" cmpd="sng" algn="ctr">
+          <a:solidFill>
+            <a:schemeClr val="phClr"/>
+          </a:solidFill>
+          <a:prstDash val="solid"/>
+          <a:miter lim="800000"/>
+        </a:ln>
+        <a:ln w="19050" cap="flat" cmpd="sng" algn="ctr">
+          <a:solidFill>
+            <a:schemeClr val="phClr"/>
+          </a:solidFill>
+          <a:prstDash val="solid"/>
+          <a:miter lim="800000"/>
+        </a:ln>
+      </a:lnStyleLst>
+      <a:effectStyleLst>
+        <a:effectStyle>
+          <a:effectLst/>
+        </a:effectStyle>
+        <a:effectStyle>
+          <a:effectLst/>
+        </a:effectStyle>
+        <a:effectStyle>
+          <a:effectLst>
+            <a:outerShdw blurRad="57150" dist="19050" dir="5400000" algn="ctr" rotWithShape="0">
+              <a:srgbClr val="000000">
+                <a:alpha val="63000"/>
+              </a:srgbClr>
+            </a:outerShdw>
+          </a:effectLst>
+        </a:effectStyle>
+      </a:effectStyleLst>
+      <a:bgFillStyleLst>
+        <a:solidFill>
+          <a:schemeClr val="phClr"/>
+        </a:solidFill>
+        <a:solidFill>
+          <a:schemeClr val="phClr">
+            <a:tint val="95000"/>
+            <a:satMod val="170000"/>
+          </a:schemeClr>
+        </a:solidFill>
+        <a:gradFill rotWithShape="1">
+          <a:gsLst>
+            <a:gs pos="0">
+              <a:schemeClr val="phClr">
+                <a:tint val="93000"/>
+                <a:satMod val="150000"/>
+                <a:shade val="98000"/>
+                <a:lumMod val="102000"/>
+              </a:schemeClr>
+            </a:gs>
+            <a:gs pos="50000">
+              <a:schemeClr val="phClr">
+                <a:tint val="98000"/>
+                <a:satMod val="130000"/>
+                <a:shade val="90000"/>
+                <a:lumMod val="103000"/>
+              </a:schemeClr>
+            </a:gs>
+            <a:gs pos="100000">
+              <a:schemeClr val="phClr">
+                <a:shade val="63000"/>
+                <a:satMod val="120000"/>
+              </a:schemeClr>
+            </a:gs>
+          </a:gsLst>
+          <a:lin ang="5400000" scaled="0"/>
+        </a:gradFill>
+      </a:bgFillStyleLst>
+    </a:fmtScheme>
+  </a:themeElements>
+  <a:objectDefaults/>
+  <a:extraClrSchemeLst/>
+  <a:extLst>
+    <a:ext uri="{05A4C25C-085E-4340-85A3-A5531E510DB2}">
+      <thm15:themeFamily xmlns:thm15="http://schemas.microsoft.com/office/thememl/2012/main" name="Office Theme" id="{62F939B6-93AF-4DB8-9C6B-D6C7DFDC589F}" vid="{4A3C46E8-61CC-4603-A589-7422A47A8E4A}"/>
+    </a:ext>
+  </a:extLst>
+</a:theme>
 </file>
--- a/20220725_simulation/Deformable Simulation.pptx
+++ b/20220725_simulation/Deformable Simulation.pptx
@@ -5,7 +5,7 @@
     <p:sldMasterId id="2147483648" r:id="rId1"/>
   </p:sldMasterIdLst>
   <p:notesMasterIdLst>
-    <p:notesMasterId r:id="rId17"/>
+    <p:notesMasterId r:id="rId21"/>
   </p:notesMasterIdLst>
   <p:sldIdLst>
     <p:sldId id="256" r:id="rId2"/>
@@ -23,6 +23,10 @@
     <p:sldId id="268" r:id="rId14"/>
     <p:sldId id="269" r:id="rId15"/>
     <p:sldId id="270" r:id="rId16"/>
+    <p:sldId id="271" r:id="rId17"/>
+    <p:sldId id="272" r:id="rId18"/>
+    <p:sldId id="273" r:id="rId19"/>
+    <p:sldId id="274" r:id="rId20"/>
   </p:sldIdLst>
   <p:sldSz cx="12192000" cy="6858000"/>
   <p:notesSz cx="6858000" cy="9144000"/>
@@ -211,7 +215,7 @@
           <a:p>
             <a:fld id="{63FDC6A3-7C42-4479-866C-9B859DB0775B}" type="datetimeFigureOut">
               <a:rPr lang="zh-CN" altLang="en-US" smtClean="0"/>
-              <a:t>2022/7/22</a:t>
+              <a:t>2022/7/23</a:t>
             </a:fld>
             <a:endParaRPr lang="zh-CN" altLang="en-US"/>
           </a:p>
@@ -771,6 +775,489 @@
 </p:notes>
 </file>
 
+<file path=ppt/notesSlides/notesSlide4.xml><?xml version="1.0" encoding="utf-8"?>
+<p:notes xmlns:a="http://schemas.openxmlformats.org/drawingml/2006/main" xmlns:r="http://schemas.openxmlformats.org/officeDocument/2006/relationships" xmlns:p="http://schemas.openxmlformats.org/presentationml/2006/main">
+  <p:cSld>
+    <p:spTree>
+      <p:nvGrpSpPr>
+        <p:cNvPr id="1" name=""/>
+        <p:cNvGrpSpPr/>
+        <p:nvPr/>
+      </p:nvGrpSpPr>
+      <p:grpSpPr>
+        <a:xfrm>
+          <a:off x="0" y="0"/>
+          <a:ext cx="0" cy="0"/>
+          <a:chOff x="0" y="0"/>
+          <a:chExt cx="0" cy="0"/>
+        </a:xfrm>
+      </p:grpSpPr>
+      <p:sp>
+        <p:nvSpPr>
+          <p:cNvPr id="2" name="幻灯片图像占位符 1"/>
+          <p:cNvSpPr>
+            <a:spLocks noGrp="1" noRot="1" noChangeAspect="1"/>
+          </p:cNvSpPr>
+          <p:nvPr>
+            <p:ph type="sldImg"/>
+          </p:nvPr>
+        </p:nvSpPr>
+        <p:spPr/>
+      </p:sp>
+      <p:sp>
+        <p:nvSpPr>
+          <p:cNvPr id="3" name="备注占位符 2"/>
+          <p:cNvSpPr>
+            <a:spLocks noGrp="1"/>
+          </p:cNvSpPr>
+          <p:nvPr>
+            <p:ph type="body" idx="1"/>
+          </p:nvPr>
+        </p:nvSpPr>
+        <p:spPr/>
+        <p:txBody>
+          <a:bodyPr/>
+          <a:lstStyle/>
+          <a:p>
+            <a:r>
+              <a:rPr lang="zh-CN" altLang="en-US" b="0" i="0" dirty="0">
+                <a:solidFill>
+                  <a:srgbClr val="222222"/>
+                </a:solidFill>
+                <a:effectLst/>
+                <a:latin typeface="Arial" panose="020B0604020202020204" pitchFamily="34" charset="0"/>
+              </a:rPr>
+              <a:t> “</a:t>
+            </a:r>
+            <a:r>
+              <a:rPr lang="en-US" altLang="zh-CN" b="0" i="0" dirty="0" err="1">
+                <a:solidFill>
+                  <a:srgbClr val="222222"/>
+                </a:solidFill>
+                <a:effectLst/>
+                <a:latin typeface="Arial" panose="020B0604020202020204" pitchFamily="34" charset="0"/>
+              </a:rPr>
+              <a:t>StVK</a:t>
+            </a:r>
+            <a:r>
+              <a:rPr lang="zh-CN" altLang="en-US" b="0" i="0" dirty="0">
+                <a:solidFill>
+                  <a:srgbClr val="222222"/>
+                </a:solidFill>
+                <a:effectLst/>
+                <a:latin typeface="Arial" panose="020B0604020202020204" pitchFamily="34" charset="0"/>
+              </a:rPr>
+              <a:t>是一种会翻转的模型，所以当体积丢失到一定程度的时候确实会翻掉的” “如果你仔细研究</a:t>
+            </a:r>
+            <a:r>
+              <a:rPr lang="en-US" altLang="zh-CN" b="0" i="0" dirty="0" err="1">
+                <a:solidFill>
+                  <a:srgbClr val="222222"/>
+                </a:solidFill>
+                <a:effectLst/>
+                <a:latin typeface="Arial" panose="020B0604020202020204" pitchFamily="34" charset="0"/>
+              </a:rPr>
+              <a:t>StVK</a:t>
+            </a:r>
+            <a:r>
+              <a:rPr lang="zh-CN" altLang="en-US" b="0" i="0" dirty="0">
+                <a:solidFill>
+                  <a:srgbClr val="222222"/>
+                </a:solidFill>
+                <a:effectLst/>
+                <a:latin typeface="Arial" panose="020B0604020202020204" pitchFamily="34" charset="0"/>
+              </a:rPr>
+              <a:t>的能量，会发现当</a:t>
+            </a:r>
+            <a:r>
+              <a:rPr lang="en-US" altLang="zh-CN" b="0" i="0" dirty="0">
+                <a:solidFill>
+                  <a:srgbClr val="222222"/>
+                </a:solidFill>
+                <a:effectLst/>
+                <a:latin typeface="Arial" panose="020B0604020202020204" pitchFamily="34" charset="0"/>
+              </a:rPr>
+              <a:t>F=0</a:t>
+            </a:r>
+            <a:r>
+              <a:rPr lang="zh-CN" altLang="en-US" b="0" i="0" dirty="0">
+                <a:solidFill>
+                  <a:srgbClr val="222222"/>
+                </a:solidFill>
+                <a:effectLst/>
+                <a:latin typeface="Arial" panose="020B0604020202020204" pitchFamily="34" charset="0"/>
+              </a:rPr>
+              <a:t>的时候也是它的一个（非最小）极值点。当然当</a:t>
+            </a:r>
+            <a:r>
+              <a:rPr lang="en-US" altLang="zh-CN" b="0" i="0" dirty="0">
+                <a:solidFill>
+                  <a:srgbClr val="222222"/>
+                </a:solidFill>
+                <a:effectLst/>
+                <a:latin typeface="Arial" panose="020B0604020202020204" pitchFamily="34" charset="0"/>
+              </a:rPr>
+              <a:t>F=-F</a:t>
+            </a:r>
+            <a:r>
+              <a:rPr lang="zh-CN" altLang="en-US" b="0" i="0" dirty="0">
+                <a:solidFill>
+                  <a:srgbClr val="222222"/>
+                </a:solidFill>
+                <a:effectLst/>
+                <a:latin typeface="Arial" panose="020B0604020202020204" pitchFamily="34" charset="0"/>
+              </a:rPr>
+              <a:t>的时候因为</a:t>
+            </a:r>
+            <a:r>
+              <a:rPr lang="en-US" altLang="zh-CN" b="0" i="0" dirty="0">
+                <a:solidFill>
+                  <a:srgbClr val="222222"/>
+                </a:solidFill>
+                <a:effectLst/>
+                <a:latin typeface="Arial" panose="020B0604020202020204" pitchFamily="34" charset="0"/>
+              </a:rPr>
+              <a:t>strain</a:t>
+            </a:r>
+            <a:r>
+              <a:rPr lang="zh-CN" altLang="en-US" b="0" i="0" dirty="0">
+                <a:solidFill>
+                  <a:srgbClr val="222222"/>
+                </a:solidFill>
+                <a:effectLst/>
+                <a:latin typeface="Arial" panose="020B0604020202020204" pitchFamily="34" charset="0"/>
+              </a:rPr>
+              <a:t>不变，所以还会存在一个额外的最小极值点。” </a:t>
+            </a:r>
+            <a:endParaRPr lang="en-US" altLang="zh-CN" b="0" i="0" dirty="0">
+              <a:solidFill>
+                <a:srgbClr val="222222"/>
+              </a:solidFill>
+              <a:effectLst/>
+              <a:latin typeface="Arial" panose="020B0604020202020204" pitchFamily="34" charset="0"/>
+            </a:endParaRPr>
+          </a:p>
+          <a:p>
+            <a:r>
+              <a:rPr lang="zh-CN" altLang="en-US" b="0" i="0" dirty="0">
+                <a:solidFill>
+                  <a:srgbClr val="222222"/>
+                </a:solidFill>
+                <a:effectLst/>
+                <a:latin typeface="Arial" panose="020B0604020202020204" pitchFamily="34" charset="0"/>
+              </a:rPr>
+              <a:t>应力张量</a:t>
+            </a:r>
+            <a:endParaRPr lang="zh-CN" altLang="en-US" dirty="0"/>
+          </a:p>
+        </p:txBody>
+      </p:sp>
+      <p:sp>
+        <p:nvSpPr>
+          <p:cNvPr id="4" name="灯片编号占位符 3"/>
+          <p:cNvSpPr>
+            <a:spLocks noGrp="1"/>
+          </p:cNvSpPr>
+          <p:nvPr>
+            <p:ph type="sldNum" sz="quarter" idx="5"/>
+          </p:nvPr>
+        </p:nvSpPr>
+        <p:spPr/>
+        <p:txBody>
+          <a:bodyPr/>
+          <a:lstStyle/>
+          <a:p>
+            <a:fld id="{5A3394F7-11F7-462F-BBE6-C6B05860DB22}" type="slidenum">
+              <a:rPr lang="zh-CN" altLang="en-US" smtClean="0"/>
+              <a:t>16</a:t>
+            </a:fld>
+            <a:endParaRPr lang="zh-CN" altLang="en-US"/>
+          </a:p>
+        </p:txBody>
+      </p:sp>
+    </p:spTree>
+    <p:extLst>
+      <p:ext uri="{BB962C8B-B14F-4D97-AF65-F5344CB8AC3E}">
+        <p14:creationId xmlns:p14="http://schemas.microsoft.com/office/powerpoint/2010/main" val="3967035343"/>
+      </p:ext>
+    </p:extLst>
+  </p:cSld>
+  <p:clrMapOvr>
+    <a:masterClrMapping/>
+  </p:clrMapOvr>
+</p:notes>
+</file>
+
+<file path=ppt/notesSlides/notesSlide5.xml><?xml version="1.0" encoding="utf-8"?>
+<p:notes xmlns:a="http://schemas.openxmlformats.org/drawingml/2006/main" xmlns:r="http://schemas.openxmlformats.org/officeDocument/2006/relationships" xmlns:p="http://schemas.openxmlformats.org/presentationml/2006/main">
+  <p:cSld>
+    <p:spTree>
+      <p:nvGrpSpPr>
+        <p:cNvPr id="1" name=""/>
+        <p:cNvGrpSpPr/>
+        <p:nvPr/>
+      </p:nvGrpSpPr>
+      <p:grpSpPr>
+        <a:xfrm>
+          <a:off x="0" y="0"/>
+          <a:ext cx="0" cy="0"/>
+          <a:chOff x="0" y="0"/>
+          <a:chExt cx="0" cy="0"/>
+        </a:xfrm>
+      </p:grpSpPr>
+      <p:sp>
+        <p:nvSpPr>
+          <p:cNvPr id="2" name="幻灯片图像占位符 1"/>
+          <p:cNvSpPr>
+            <a:spLocks noGrp="1" noRot="1" noChangeAspect="1"/>
+          </p:cNvSpPr>
+          <p:nvPr>
+            <p:ph type="sldImg"/>
+          </p:nvPr>
+        </p:nvSpPr>
+        <p:spPr/>
+      </p:sp>
+      <p:sp>
+        <p:nvSpPr>
+          <p:cNvPr id="3" name="备注占位符 2"/>
+          <p:cNvSpPr>
+            <a:spLocks noGrp="1"/>
+          </p:cNvSpPr>
+          <p:nvPr>
+            <p:ph type="body" idx="1"/>
+          </p:nvPr>
+        </p:nvSpPr>
+        <p:spPr/>
+        <p:txBody>
+          <a:bodyPr/>
+          <a:lstStyle/>
+          <a:p>
+            <a:r>
+              <a:rPr lang="zh-CN" altLang="en-US" dirty="0"/>
+              <a:t>首先是看一个四面体的情况</a:t>
+            </a:r>
+            <a:endParaRPr lang="en-US" altLang="zh-CN" dirty="0"/>
+          </a:p>
+          <a:p>
+            <a:r>
+              <a:rPr lang="zh-CN" altLang="en-US" dirty="0"/>
+              <a:t>然后把视角放到全局，一个百变怪，或者说一个软体物体，由很多很多个四面体构成，那么对第</a:t>
+            </a:r>
+            <a:r>
+              <a:rPr lang="en-US" altLang="zh-CN" dirty="0"/>
+              <a:t>e</a:t>
+            </a:r>
+            <a:r>
+              <a:rPr lang="zh-CN" altLang="en-US" dirty="0"/>
+              <a:t>个四面体来说，有：</a:t>
+            </a:r>
+          </a:p>
+        </p:txBody>
+      </p:sp>
+      <p:sp>
+        <p:nvSpPr>
+          <p:cNvPr id="4" name="灯片编号占位符 3"/>
+          <p:cNvSpPr>
+            <a:spLocks noGrp="1"/>
+          </p:cNvSpPr>
+          <p:nvPr>
+            <p:ph type="sldNum" sz="quarter" idx="5"/>
+          </p:nvPr>
+        </p:nvSpPr>
+        <p:spPr/>
+        <p:txBody>
+          <a:bodyPr/>
+          <a:lstStyle/>
+          <a:p>
+            <a:fld id="{5A3394F7-11F7-462F-BBE6-C6B05860DB22}" type="slidenum">
+              <a:rPr lang="zh-CN" altLang="en-US" smtClean="0"/>
+              <a:t>17</a:t>
+            </a:fld>
+            <a:endParaRPr lang="zh-CN" altLang="en-US"/>
+          </a:p>
+        </p:txBody>
+      </p:sp>
+    </p:spTree>
+    <p:extLst>
+      <p:ext uri="{BB962C8B-B14F-4D97-AF65-F5344CB8AC3E}">
+        <p14:creationId xmlns:p14="http://schemas.microsoft.com/office/powerpoint/2010/main" val="3689910724"/>
+      </p:ext>
+    </p:extLst>
+  </p:cSld>
+  <p:clrMapOvr>
+    <a:masterClrMapping/>
+  </p:clrMapOvr>
+</p:notes>
+</file>
+
+<file path=ppt/notesSlides/notesSlide6.xml><?xml version="1.0" encoding="utf-8"?>
+<p:notes xmlns:a="http://schemas.openxmlformats.org/drawingml/2006/main" xmlns:r="http://schemas.openxmlformats.org/officeDocument/2006/relationships" xmlns:p="http://schemas.openxmlformats.org/presentationml/2006/main">
+  <p:cSld>
+    <p:spTree>
+      <p:nvGrpSpPr>
+        <p:cNvPr id="1" name=""/>
+        <p:cNvGrpSpPr/>
+        <p:nvPr/>
+      </p:nvGrpSpPr>
+      <p:grpSpPr>
+        <a:xfrm>
+          <a:off x="0" y="0"/>
+          <a:ext cx="0" cy="0"/>
+          <a:chOff x="0" y="0"/>
+          <a:chExt cx="0" cy="0"/>
+        </a:xfrm>
+      </p:grpSpPr>
+      <p:sp>
+        <p:nvSpPr>
+          <p:cNvPr id="2" name="幻灯片图像占位符 1"/>
+          <p:cNvSpPr>
+            <a:spLocks noGrp="1" noRot="1" noChangeAspect="1"/>
+          </p:cNvSpPr>
+          <p:nvPr>
+            <p:ph type="sldImg"/>
+          </p:nvPr>
+        </p:nvSpPr>
+        <p:spPr/>
+      </p:sp>
+      <p:sp>
+        <p:nvSpPr>
+          <p:cNvPr id="3" name="备注占位符 2"/>
+          <p:cNvSpPr>
+            <a:spLocks noGrp="1"/>
+          </p:cNvSpPr>
+          <p:nvPr>
+            <p:ph type="body" idx="1"/>
+          </p:nvPr>
+        </p:nvSpPr>
+        <p:spPr/>
+        <p:txBody>
+          <a:bodyPr/>
+          <a:lstStyle/>
+          <a:p>
+            <a:endParaRPr lang="zh-CN" altLang="en-US" dirty="0"/>
+          </a:p>
+        </p:txBody>
+      </p:sp>
+      <p:sp>
+        <p:nvSpPr>
+          <p:cNvPr id="4" name="灯片编号占位符 3"/>
+          <p:cNvSpPr>
+            <a:spLocks noGrp="1"/>
+          </p:cNvSpPr>
+          <p:nvPr>
+            <p:ph type="sldNum" sz="quarter" idx="5"/>
+          </p:nvPr>
+        </p:nvSpPr>
+        <p:spPr/>
+        <p:txBody>
+          <a:bodyPr/>
+          <a:lstStyle/>
+          <a:p>
+            <a:fld id="{5A3394F7-11F7-462F-BBE6-C6B05860DB22}" type="slidenum">
+              <a:rPr lang="zh-CN" altLang="en-US" smtClean="0"/>
+              <a:t>18</a:t>
+            </a:fld>
+            <a:endParaRPr lang="zh-CN" altLang="en-US"/>
+          </a:p>
+        </p:txBody>
+      </p:sp>
+    </p:spTree>
+    <p:extLst>
+      <p:ext uri="{BB962C8B-B14F-4D97-AF65-F5344CB8AC3E}">
+        <p14:creationId xmlns:p14="http://schemas.microsoft.com/office/powerpoint/2010/main" val="2039773874"/>
+      </p:ext>
+    </p:extLst>
+  </p:cSld>
+  <p:clrMapOvr>
+    <a:masterClrMapping/>
+  </p:clrMapOvr>
+</p:notes>
+</file>
+
+<file path=ppt/notesSlides/notesSlide7.xml><?xml version="1.0" encoding="utf-8"?>
+<p:notes xmlns:a="http://schemas.openxmlformats.org/drawingml/2006/main" xmlns:r="http://schemas.openxmlformats.org/officeDocument/2006/relationships" xmlns:p="http://schemas.openxmlformats.org/presentationml/2006/main">
+  <p:cSld>
+    <p:spTree>
+      <p:nvGrpSpPr>
+        <p:cNvPr id="1" name=""/>
+        <p:cNvGrpSpPr/>
+        <p:nvPr/>
+      </p:nvGrpSpPr>
+      <p:grpSpPr>
+        <a:xfrm>
+          <a:off x="0" y="0"/>
+          <a:ext cx="0" cy="0"/>
+          <a:chOff x="0" y="0"/>
+          <a:chExt cx="0" cy="0"/>
+        </a:xfrm>
+      </p:grpSpPr>
+      <p:sp>
+        <p:nvSpPr>
+          <p:cNvPr id="2" name="幻灯片图像占位符 1"/>
+          <p:cNvSpPr>
+            <a:spLocks noGrp="1" noRot="1" noChangeAspect="1"/>
+          </p:cNvSpPr>
+          <p:nvPr>
+            <p:ph type="sldImg"/>
+          </p:nvPr>
+        </p:nvSpPr>
+        <p:spPr/>
+      </p:sp>
+      <p:sp>
+        <p:nvSpPr>
+          <p:cNvPr id="3" name="备注占位符 2"/>
+          <p:cNvSpPr>
+            <a:spLocks noGrp="1"/>
+          </p:cNvSpPr>
+          <p:nvPr>
+            <p:ph type="body" idx="1"/>
+          </p:nvPr>
+        </p:nvSpPr>
+        <p:spPr/>
+        <p:txBody>
+          <a:bodyPr/>
+          <a:lstStyle/>
+          <a:p>
+            <a:endParaRPr lang="zh-CN" altLang="en-US" dirty="0"/>
+          </a:p>
+        </p:txBody>
+      </p:sp>
+      <p:sp>
+        <p:nvSpPr>
+          <p:cNvPr id="4" name="灯片编号占位符 3"/>
+          <p:cNvSpPr>
+            <a:spLocks noGrp="1"/>
+          </p:cNvSpPr>
+          <p:nvPr>
+            <p:ph type="sldNum" sz="quarter" idx="5"/>
+          </p:nvPr>
+        </p:nvSpPr>
+        <p:spPr/>
+        <p:txBody>
+          <a:bodyPr/>
+          <a:lstStyle/>
+          <a:p>
+            <a:fld id="{5A3394F7-11F7-462F-BBE6-C6B05860DB22}" type="slidenum">
+              <a:rPr lang="zh-CN" altLang="en-US" smtClean="0"/>
+              <a:t>19</a:t>
+            </a:fld>
+            <a:endParaRPr lang="zh-CN" altLang="en-US"/>
+          </a:p>
+        </p:txBody>
+      </p:sp>
+    </p:spTree>
+    <p:extLst>
+      <p:ext uri="{BB962C8B-B14F-4D97-AF65-F5344CB8AC3E}">
+        <p14:creationId xmlns:p14="http://schemas.microsoft.com/office/powerpoint/2010/main" val="3616578185"/>
+      </p:ext>
+    </p:extLst>
+  </p:cSld>
+  <p:clrMapOvr>
+    <a:masterClrMapping/>
+  </p:clrMapOvr>
+</p:notes>
+</file>
+
 <file path=ppt/slideLayouts/slideLayout1.xml><?xml version="1.0" encoding="utf-8"?>
 <p:sldLayout xmlns:a="http://schemas.openxmlformats.org/drawingml/2006/main" xmlns:r="http://schemas.openxmlformats.org/officeDocument/2006/relationships" xmlns:p="http://schemas.openxmlformats.org/presentationml/2006/main" type="title" preserve="1">
   <p:cSld name="标题幻灯片">
@@ -918,7 +1405,7 @@
           <a:p>
             <a:fld id="{33791A2C-FC72-48B7-BD31-E3696B249E7F}" type="datetimeFigureOut">
               <a:rPr lang="zh-CN" altLang="en-US" smtClean="0"/>
-              <a:t>2022/7/22</a:t>
+              <a:t>2022/7/23</a:t>
             </a:fld>
             <a:endParaRPr lang="zh-CN" altLang="en-US"/>
           </a:p>
@@ -1116,7 +1603,7 @@
           <a:p>
             <a:fld id="{33791A2C-FC72-48B7-BD31-E3696B249E7F}" type="datetimeFigureOut">
               <a:rPr lang="zh-CN" altLang="en-US" smtClean="0"/>
-              <a:t>2022/7/22</a:t>
+              <a:t>2022/7/23</a:t>
             </a:fld>
             <a:endParaRPr lang="zh-CN" altLang="en-US"/>
           </a:p>
@@ -1324,7 +1811,7 @@
           <a:p>
             <a:fld id="{33791A2C-FC72-48B7-BD31-E3696B249E7F}" type="datetimeFigureOut">
               <a:rPr lang="zh-CN" altLang="en-US" smtClean="0"/>
-              <a:t>2022/7/22</a:t>
+              <a:t>2022/7/23</a:t>
             </a:fld>
             <a:endParaRPr lang="zh-CN" altLang="en-US"/>
           </a:p>
@@ -1522,7 +2009,7 @@
           <a:p>
             <a:fld id="{33791A2C-FC72-48B7-BD31-E3696B249E7F}" type="datetimeFigureOut">
               <a:rPr lang="zh-CN" altLang="en-US" smtClean="0"/>
-              <a:t>2022/7/22</a:t>
+              <a:t>2022/7/23</a:t>
             </a:fld>
             <a:endParaRPr lang="zh-CN" altLang="en-US"/>
           </a:p>
@@ -1797,7 +2284,7 @@
           <a:p>
             <a:fld id="{33791A2C-FC72-48B7-BD31-E3696B249E7F}" type="datetimeFigureOut">
               <a:rPr lang="zh-CN" altLang="en-US" smtClean="0"/>
-              <a:t>2022/7/22</a:t>
+              <a:t>2022/7/23</a:t>
             </a:fld>
             <a:endParaRPr lang="zh-CN" altLang="en-US"/>
           </a:p>
@@ -2062,7 +2549,7 @@
           <a:p>
             <a:fld id="{33791A2C-FC72-48B7-BD31-E3696B249E7F}" type="datetimeFigureOut">
               <a:rPr lang="zh-CN" altLang="en-US" smtClean="0"/>
-              <a:t>2022/7/22</a:t>
+              <a:t>2022/7/23</a:t>
             </a:fld>
             <a:endParaRPr lang="zh-CN" altLang="en-US"/>
           </a:p>
@@ -2474,7 +2961,7 @@
           <a:p>
             <a:fld id="{33791A2C-FC72-48B7-BD31-E3696B249E7F}" type="datetimeFigureOut">
               <a:rPr lang="zh-CN" altLang="en-US" smtClean="0"/>
-              <a:t>2022/7/22</a:t>
+              <a:t>2022/7/23</a:t>
             </a:fld>
             <a:endParaRPr lang="zh-CN" altLang="en-US"/>
           </a:p>
@@ -2615,7 +3102,7 @@
           <a:p>
             <a:fld id="{33791A2C-FC72-48B7-BD31-E3696B249E7F}" type="datetimeFigureOut">
               <a:rPr lang="zh-CN" altLang="en-US" smtClean="0"/>
-              <a:t>2022/7/22</a:t>
+              <a:t>2022/7/23</a:t>
             </a:fld>
             <a:endParaRPr lang="zh-CN" altLang="en-US"/>
           </a:p>
@@ -2728,7 +3215,7 @@
           <a:p>
             <a:fld id="{33791A2C-FC72-48B7-BD31-E3696B249E7F}" type="datetimeFigureOut">
               <a:rPr lang="zh-CN" altLang="en-US" smtClean="0"/>
-              <a:t>2022/7/22</a:t>
+              <a:t>2022/7/23</a:t>
             </a:fld>
             <a:endParaRPr lang="zh-CN" altLang="en-US"/>
           </a:p>
@@ -3039,7 +3526,7 @@
           <a:p>
             <a:fld id="{33791A2C-FC72-48B7-BD31-E3696B249E7F}" type="datetimeFigureOut">
               <a:rPr lang="zh-CN" altLang="en-US" smtClean="0"/>
-              <a:t>2022/7/22</a:t>
+              <a:t>2022/7/23</a:t>
             </a:fld>
             <a:endParaRPr lang="zh-CN" altLang="en-US"/>
           </a:p>
@@ -3327,7 +3814,7 @@
           <a:p>
             <a:fld id="{33791A2C-FC72-48B7-BD31-E3696B249E7F}" type="datetimeFigureOut">
               <a:rPr lang="zh-CN" altLang="en-US" smtClean="0"/>
-              <a:t>2022/7/22</a:t>
+              <a:t>2022/7/23</a:t>
             </a:fld>
             <a:endParaRPr lang="zh-CN" altLang="en-US"/>
           </a:p>
@@ -3568,7 +4055,7 @@
           <a:p>
             <a:fld id="{33791A2C-FC72-48B7-BD31-E3696B249E7F}" type="datetimeFigureOut">
               <a:rPr lang="zh-CN" altLang="en-US" smtClean="0"/>
-              <a:t>2022/7/22</a:t>
+              <a:t>2022/7/23</a:t>
             </a:fld>
             <a:endParaRPr lang="zh-CN" altLang="en-US"/>
           </a:p>
@@ -8902,8 +9389,8 @@
             </p:nvSpPr>
             <p:spPr>
               <a:xfrm>
-                <a:off x="990600" y="1978025"/>
-                <a:ext cx="10896600" cy="4351338"/>
+                <a:off x="780836" y="1978025"/>
+                <a:ext cx="11157736" cy="4351338"/>
               </a:xfrm>
               <a:prstGeom prst="rect">
                 <a:avLst/>
@@ -9213,6 +9700,34 @@
                       </a:rPr>
                       <m:t>=∑</m:t>
                     </m:r>
+                    <m:sSub>
+                      <m:sSubPr>
+                        <m:ctrlPr>
+                          <a:rPr lang="en-US" altLang="zh-CN" sz="2400" b="0" i="0" smtClean="0">
+                            <a:latin typeface="Cambria Math" panose="02040503050406030204" pitchFamily="18" charset="0"/>
+                          </a:rPr>
+                        </m:ctrlPr>
+                      </m:sSubPr>
+                      <m:e>
+                        <m:r>
+                          <a:rPr lang="en-US" altLang="zh-CN" sz="2400" b="0" i="1" smtClean="0">
+                            <a:latin typeface="Cambria Math" panose="02040503050406030204" pitchFamily="18" charset="0"/>
+                          </a:rPr>
+                          <m:t>𝑤</m:t>
+                        </m:r>
+                      </m:e>
+                      <m:sub>
+                        <m:r>
+                          <m:rPr>
+                            <m:sty m:val="p"/>
+                          </m:rPr>
+                          <a:rPr lang="en-US" altLang="zh-CN" sz="2400" b="0" i="0" smtClean="0">
+                            <a:latin typeface="Cambria Math" panose="02040503050406030204" pitchFamily="18" charset="0"/>
+                          </a:rPr>
+                          <m:t>e</m:t>
+                        </m:r>
+                      </m:sub>
+                    </m:sSub>
                     <m:r>
                       <m:rPr>
                         <m:sty m:val="p"/>
@@ -9289,8 +9804,8 @@
             </p:nvSpPr>
             <p:spPr>
               <a:xfrm>
-                <a:off x="990600" y="1978025"/>
-                <a:ext cx="10896600" cy="4351338"/>
+                <a:off x="780836" y="1978025"/>
+                <a:ext cx="11157736" cy="4351338"/>
               </a:xfrm>
               <a:prstGeom prst="rect">
                 <a:avLst/>
@@ -9298,7 +9813,7 @@
               <a:blipFill>
                 <a:blip r:embed="rId3"/>
                 <a:stretch>
-                  <a:fillRect l="-783" t="-1821"/>
+                  <a:fillRect l="-710" t="-1821" r="-328"/>
                 </a:stretch>
               </a:blipFill>
             </p:spPr>
@@ -10319,8 +10834,8 @@
           </p:sp>
         </mc:Fallback>
       </mc:AlternateContent>
-      <mc:AlternateContent xmlns:mc="http://schemas.openxmlformats.org/markup-compatibility/2006">
-        <mc:Choice xmlns:a14="http://schemas.microsoft.com/office/drawing/2010/main" Requires="a14">
+      <mc:AlternateContent xmlns:mc="http://schemas.openxmlformats.org/markup-compatibility/2006" xmlns:a14="http://schemas.microsoft.com/office/drawing/2010/main">
+        <mc:Choice Requires="a14">
           <p:sp>
             <p:nvSpPr>
               <p:cNvPr id="2" name="文本框 1">
@@ -10349,6 +10864,7 @@
               </a:bodyPr>
               <a:lstStyle/>
               <a:p>
+                <a:pPr/>
                 <a14:m>
                   <m:oMathPara xmlns:m="http://schemas.openxmlformats.org/officeDocument/2006/math">
                     <m:oMathParaPr>
@@ -10388,7 +10904,7 @@
             </p:txBody>
           </p:sp>
         </mc:Choice>
-        <mc:Fallback>
+        <mc:Fallback xmlns="">
           <p:sp>
             <p:nvSpPr>
               <p:cNvPr id="2" name="文本框 1">
@@ -10527,8 +11043,8 @@
           </a:p>
         </p:txBody>
       </p:sp>
-      <mc:AlternateContent xmlns:mc="http://schemas.openxmlformats.org/markup-compatibility/2006">
-        <mc:Choice xmlns:a14="http://schemas.microsoft.com/office/drawing/2010/main" Requires="a14">
+      <mc:AlternateContent xmlns:mc="http://schemas.openxmlformats.org/markup-compatibility/2006" xmlns:a14="http://schemas.microsoft.com/office/drawing/2010/main">
+        <mc:Choice Requires="a14">
           <p:sp>
             <p:nvSpPr>
               <p:cNvPr id="11" name="文本框 10">
@@ -10557,6 +11073,7 @@
               </a:bodyPr>
               <a:lstStyle/>
               <a:p>
+                <a:pPr/>
                 <a14:m>
                   <m:oMathPara xmlns:m="http://schemas.openxmlformats.org/officeDocument/2006/math">
                     <m:oMathParaPr>
@@ -10596,7 +11113,7 @@
             </p:txBody>
           </p:sp>
         </mc:Choice>
-        <mc:Fallback>
+        <mc:Fallback xmlns="">
           <p:sp>
             <p:nvSpPr>
               <p:cNvPr id="11" name="文本框 10">
@@ -10641,8 +11158,8 @@
           </p:sp>
         </mc:Fallback>
       </mc:AlternateContent>
-      <mc:AlternateContent xmlns:mc="http://schemas.openxmlformats.org/markup-compatibility/2006">
-        <mc:Choice xmlns:a14="http://schemas.microsoft.com/office/drawing/2010/main" Requires="a14">
+      <mc:AlternateContent xmlns:mc="http://schemas.openxmlformats.org/markup-compatibility/2006" xmlns:a14="http://schemas.microsoft.com/office/drawing/2010/main">
+        <mc:Choice Requires="a14">
           <p:sp>
             <p:nvSpPr>
               <p:cNvPr id="12" name="文本框 11">
@@ -10671,6 +11188,7 @@
               </a:bodyPr>
               <a:lstStyle/>
               <a:p>
+                <a:pPr/>
                 <a14:m>
                   <m:oMathPara xmlns:m="http://schemas.openxmlformats.org/officeDocument/2006/math">
                     <m:oMathParaPr>
@@ -10755,7 +11273,7 @@
             </p:txBody>
           </p:sp>
         </mc:Choice>
-        <mc:Fallback>
+        <mc:Fallback xmlns="">
           <p:sp>
             <p:nvSpPr>
               <p:cNvPr id="12" name="文本框 11">
@@ -10800,8 +11318,8 @@
           </p:sp>
         </mc:Fallback>
       </mc:AlternateContent>
-      <mc:AlternateContent xmlns:mc="http://schemas.openxmlformats.org/markup-compatibility/2006">
-        <mc:Choice xmlns:a14="http://schemas.microsoft.com/office/drawing/2010/main" Requires="a14">
+      <mc:AlternateContent xmlns:mc="http://schemas.openxmlformats.org/markup-compatibility/2006" xmlns:a14="http://schemas.microsoft.com/office/drawing/2010/main">
+        <mc:Choice Requires="a14">
           <p:sp>
             <p:nvSpPr>
               <p:cNvPr id="13" name="文本框 12">
@@ -10871,7 +11389,7 @@
             </p:txBody>
           </p:sp>
         </mc:Choice>
-        <mc:Fallback>
+        <mc:Fallback xmlns="">
           <p:sp>
             <p:nvSpPr>
               <p:cNvPr id="13" name="文本框 12">
@@ -11007,8 +11525,8 @@
           </a:p>
         </p:txBody>
       </p:sp>
-      <mc:AlternateContent xmlns:mc="http://schemas.openxmlformats.org/markup-compatibility/2006">
-        <mc:Choice xmlns:a14="http://schemas.microsoft.com/office/drawing/2010/main" Requires="a14">
+      <mc:AlternateContent xmlns:mc="http://schemas.openxmlformats.org/markup-compatibility/2006" xmlns:a14="http://schemas.microsoft.com/office/drawing/2010/main">
+        <mc:Choice Requires="a14">
           <p:sp>
             <p:nvSpPr>
               <p:cNvPr id="5" name="内容占位符 2">
@@ -11706,7 +12224,7 @@
             </p:txBody>
           </p:sp>
         </mc:Choice>
-        <mc:Fallback>
+        <mc:Fallback xmlns="">
           <p:sp>
             <p:nvSpPr>
               <p:cNvPr id="5" name="内容占位符 2">
@@ -11806,8 +12324,8 @@
           </a:p>
         </p:txBody>
       </p:sp>
-      <mc:AlternateContent xmlns:mc="http://schemas.openxmlformats.org/markup-compatibility/2006">
-        <mc:Choice xmlns:a14="http://schemas.microsoft.com/office/drawing/2010/main" Requires="a14">
+      <mc:AlternateContent xmlns:mc="http://schemas.openxmlformats.org/markup-compatibility/2006" xmlns:a14="http://schemas.microsoft.com/office/drawing/2010/main">
+        <mc:Choice Requires="a14">
           <p:sp>
             <p:nvSpPr>
               <p:cNvPr id="15" name="箭头: 右 14">
@@ -11889,7 +12407,7 @@
             </p:txBody>
           </p:sp>
         </mc:Choice>
-        <mc:Fallback>
+        <mc:Fallback xmlns="">
           <p:sp>
             <p:nvSpPr>
               <p:cNvPr id="15" name="箭头: 右 14">
@@ -11989,8 +12507,8 @@
           </a:p>
         </p:txBody>
       </p:sp>
-      <mc:AlternateContent xmlns:mc="http://schemas.openxmlformats.org/markup-compatibility/2006">
-        <mc:Choice xmlns:a14="http://schemas.microsoft.com/office/drawing/2010/main" Requires="a14">
+      <mc:AlternateContent xmlns:mc="http://schemas.openxmlformats.org/markup-compatibility/2006" xmlns:a14="http://schemas.microsoft.com/office/drawing/2010/main">
+        <mc:Choice Requires="a14">
           <p:sp>
             <p:nvSpPr>
               <p:cNvPr id="17" name="箭头: 右 16">
@@ -12053,7 +12571,7 @@
             </p:txBody>
           </p:sp>
         </mc:Choice>
-        <mc:Fallback>
+        <mc:Fallback xmlns="">
           <p:sp>
             <p:nvSpPr>
               <p:cNvPr id="17" name="箭头: 右 16">
@@ -12153,8 +12671,8 @@
           </a:p>
         </p:txBody>
       </p:sp>
-      <mc:AlternateContent xmlns:mc="http://schemas.openxmlformats.org/markup-compatibility/2006">
-        <mc:Choice xmlns:a14="http://schemas.microsoft.com/office/drawing/2010/main" Requires="a14">
+      <mc:AlternateContent xmlns:mc="http://schemas.openxmlformats.org/markup-compatibility/2006" xmlns:a14="http://schemas.microsoft.com/office/drawing/2010/main">
+        <mc:Choice Requires="a14">
           <p:sp>
             <p:nvSpPr>
               <p:cNvPr id="19" name="箭头: 右 18">
@@ -12220,7 +12738,7 @@
             </p:txBody>
           </p:sp>
         </mc:Choice>
-        <mc:Fallback>
+        <mc:Fallback xmlns="">
           <p:sp>
             <p:nvSpPr>
               <p:cNvPr id="19" name="箭头: 右 18">
@@ -12430,6 +12948,9112 @@
     <p:extLst>
       <p:ext uri="{BB962C8B-B14F-4D97-AF65-F5344CB8AC3E}">
         <p14:creationId xmlns:p14="http://schemas.microsoft.com/office/powerpoint/2010/main" val="2750577522"/>
+      </p:ext>
+    </p:extLst>
+  </p:cSld>
+  <p:clrMapOvr>
+    <a:masterClrMapping/>
+  </p:clrMapOvr>
+</p:sld>
+</file>
+
+<file path=ppt/slides/slide16.xml><?xml version="1.0" encoding="utf-8"?>
+<p:sld xmlns:a="http://schemas.openxmlformats.org/drawingml/2006/main" xmlns:r="http://schemas.openxmlformats.org/officeDocument/2006/relationships" xmlns:p="http://schemas.openxmlformats.org/presentationml/2006/main">
+  <p:cSld>
+    <p:spTree>
+      <p:nvGrpSpPr>
+        <p:cNvPr id="1" name=""/>
+        <p:cNvGrpSpPr/>
+        <p:nvPr/>
+      </p:nvGrpSpPr>
+      <p:grpSpPr>
+        <a:xfrm>
+          <a:off x="0" y="0"/>
+          <a:ext cx="0" cy="0"/>
+          <a:chOff x="0" y="0"/>
+          <a:chExt cx="0" cy="0"/>
+        </a:xfrm>
+      </p:grpSpPr>
+      <p:sp>
+        <p:nvSpPr>
+          <p:cNvPr id="11" name="矩形 10">
+            <a:extLst>
+              <a:ext uri="{FF2B5EF4-FFF2-40B4-BE49-F238E27FC236}">
+                <a16:creationId xmlns:a16="http://schemas.microsoft.com/office/drawing/2014/main" id="{0C4FE1F9-E5D8-2BE5-DB94-C9412B906326}"/>
+              </a:ext>
+            </a:extLst>
+          </p:cNvPr>
+          <p:cNvSpPr/>
+          <p:nvPr/>
+        </p:nvSpPr>
+        <p:spPr>
+          <a:xfrm>
+            <a:off x="9904288" y="4581333"/>
+            <a:ext cx="412950" cy="709935"/>
+          </a:xfrm>
+          <a:prstGeom prst="rect">
+            <a:avLst/>
+          </a:prstGeom>
+          <a:solidFill>
+            <a:schemeClr val="accent2">
+              <a:lumMod val="20000"/>
+              <a:lumOff val="80000"/>
+            </a:schemeClr>
+          </a:solidFill>
+          <a:ln>
+            <a:noFill/>
+          </a:ln>
+        </p:spPr>
+        <p:style>
+          <a:lnRef idx="2">
+            <a:schemeClr val="accent1">
+              <a:shade val="50000"/>
+            </a:schemeClr>
+          </a:lnRef>
+          <a:fillRef idx="1">
+            <a:schemeClr val="accent1"/>
+          </a:fillRef>
+          <a:effectRef idx="0">
+            <a:schemeClr val="accent1"/>
+          </a:effectRef>
+          <a:fontRef idx="minor">
+            <a:schemeClr val="lt1"/>
+          </a:fontRef>
+        </p:style>
+        <p:txBody>
+          <a:bodyPr rtlCol="0" anchor="ctr"/>
+          <a:lstStyle/>
+          <a:p>
+            <a:pPr algn="ctr"/>
+            <a:endParaRPr lang="zh-CN" altLang="en-US"/>
+          </a:p>
+        </p:txBody>
+      </p:sp>
+      <p:sp>
+        <p:nvSpPr>
+          <p:cNvPr id="4" name="标题 1">
+            <a:extLst>
+              <a:ext uri="{FF2B5EF4-FFF2-40B4-BE49-F238E27FC236}">
+                <a16:creationId xmlns:a16="http://schemas.microsoft.com/office/drawing/2014/main" id="{6EEA1AA7-AD15-1409-9797-D28DC9CDF18F}"/>
+              </a:ext>
+            </a:extLst>
+          </p:cNvPr>
+          <p:cNvSpPr txBox="1">
+            <a:spLocks/>
+          </p:cNvSpPr>
+          <p:nvPr/>
+        </p:nvSpPr>
+        <p:spPr>
+          <a:xfrm>
+            <a:off x="990600" y="517525"/>
+            <a:ext cx="10515600" cy="1325563"/>
+          </a:xfrm>
+          <a:prstGeom prst="rect">
+            <a:avLst/>
+          </a:prstGeom>
+        </p:spPr>
+        <p:txBody>
+          <a:bodyPr vert="horz" lIns="91440" tIns="45720" rIns="91440" bIns="45720" rtlCol="0" anchor="ctr">
+            <a:normAutofit/>
+          </a:bodyPr>
+          <a:lstStyle>
+            <a:lvl1pPr algn="l" defTabSz="914400" rtl="0" eaLnBrk="1" latinLnBrk="0" hangingPunct="1">
+              <a:lnSpc>
+                <a:spcPct val="90000"/>
+              </a:lnSpc>
+              <a:spcBef>
+                <a:spcPct val="0"/>
+              </a:spcBef>
+              <a:buNone/>
+              <a:defRPr sz="4400" kern="1200">
+                <a:solidFill>
+                  <a:schemeClr val="tx1"/>
+                </a:solidFill>
+                <a:latin typeface="+mj-lt"/>
+                <a:ea typeface="+mj-ea"/>
+                <a:cs typeface="+mj-cs"/>
+              </a:defRPr>
+            </a:lvl1pPr>
+          </a:lstStyle>
+          <a:p>
+            <a:r>
+              <a:rPr lang="en-US" altLang="zh-CN" dirty="0">
+                <a:latin typeface="微软雅黑" panose="020B0503020204020204" pitchFamily="34" charset="-122"/>
+                <a:ea typeface="微软雅黑" panose="020B0503020204020204" pitchFamily="34" charset="-122"/>
+              </a:rPr>
+              <a:t>Linear finite element method (FEM)</a:t>
+            </a:r>
+            <a:endParaRPr lang="zh-CN" altLang="en-US" dirty="0">
+              <a:latin typeface="微软雅黑" panose="020B0503020204020204" pitchFamily="34" charset="-122"/>
+              <a:ea typeface="微软雅黑" panose="020B0503020204020204" pitchFamily="34" charset="-122"/>
+            </a:endParaRPr>
+          </a:p>
+        </p:txBody>
+      </p:sp>
+      <mc:AlternateContent xmlns:mc="http://schemas.openxmlformats.org/markup-compatibility/2006">
+        <mc:Choice xmlns:a14="http://schemas.microsoft.com/office/drawing/2010/main" Requires="a14">
+          <p:sp>
+            <p:nvSpPr>
+              <p:cNvPr id="5" name="内容占位符 2">
+                <a:extLst>
+                  <a:ext uri="{FF2B5EF4-FFF2-40B4-BE49-F238E27FC236}">
+                    <a16:creationId xmlns:a16="http://schemas.microsoft.com/office/drawing/2014/main" id="{006E7EB2-0D5C-4B2E-0CA4-6A1DC0F8F6EA}"/>
+                  </a:ext>
+                </a:extLst>
+              </p:cNvPr>
+              <p:cNvSpPr txBox="1">
+                <a:spLocks/>
+              </p:cNvSpPr>
+              <p:nvPr/>
+            </p:nvSpPr>
+            <p:spPr>
+              <a:xfrm>
+                <a:off x="990600" y="1978025"/>
+                <a:ext cx="10515600" cy="4351338"/>
+              </a:xfrm>
+              <a:prstGeom prst="rect">
+                <a:avLst/>
+              </a:prstGeom>
+            </p:spPr>
+            <p:txBody>
+              <a:bodyPr vert="horz" lIns="91440" tIns="45720" rIns="91440" bIns="45720" rtlCol="0">
+                <a:normAutofit/>
+              </a:bodyPr>
+              <a:lstStyle>
+                <a:lvl1pPr marL="228600" indent="-228600" algn="l" defTabSz="914400" rtl="0" eaLnBrk="1" latinLnBrk="0" hangingPunct="1">
+                  <a:lnSpc>
+                    <a:spcPct val="90000"/>
+                  </a:lnSpc>
+                  <a:spcBef>
+                    <a:spcPts val="1000"/>
+                  </a:spcBef>
+                  <a:buFont typeface="Arial" panose="020B0604020202020204" pitchFamily="34" charset="0"/>
+                  <a:buChar char="•"/>
+                  <a:defRPr sz="2800" kern="1200">
+                    <a:solidFill>
+                      <a:schemeClr val="tx1"/>
+                    </a:solidFill>
+                    <a:latin typeface="+mn-lt"/>
+                    <a:ea typeface="+mn-ea"/>
+                    <a:cs typeface="+mn-cs"/>
+                  </a:defRPr>
+                </a:lvl1pPr>
+                <a:lvl2pPr marL="685800" indent="-228600" algn="l" defTabSz="914400" rtl="0" eaLnBrk="1" latinLnBrk="0" hangingPunct="1">
+                  <a:lnSpc>
+                    <a:spcPct val="90000"/>
+                  </a:lnSpc>
+                  <a:spcBef>
+                    <a:spcPts val="500"/>
+                  </a:spcBef>
+                  <a:buFont typeface="Arial" panose="020B0604020202020204" pitchFamily="34" charset="0"/>
+                  <a:buChar char="•"/>
+                  <a:defRPr sz="2400" kern="1200">
+                    <a:solidFill>
+                      <a:schemeClr val="tx1"/>
+                    </a:solidFill>
+                    <a:latin typeface="+mn-lt"/>
+                    <a:ea typeface="+mn-ea"/>
+                    <a:cs typeface="+mn-cs"/>
+                  </a:defRPr>
+                </a:lvl2pPr>
+                <a:lvl3pPr marL="1143000" indent="-228600" algn="l" defTabSz="914400" rtl="0" eaLnBrk="1" latinLnBrk="0" hangingPunct="1">
+                  <a:lnSpc>
+                    <a:spcPct val="90000"/>
+                  </a:lnSpc>
+                  <a:spcBef>
+                    <a:spcPts val="500"/>
+                  </a:spcBef>
+                  <a:buFont typeface="Arial" panose="020B0604020202020204" pitchFamily="34" charset="0"/>
+                  <a:buChar char="•"/>
+                  <a:defRPr sz="2000" kern="1200">
+                    <a:solidFill>
+                      <a:schemeClr val="tx1"/>
+                    </a:solidFill>
+                    <a:latin typeface="+mn-lt"/>
+                    <a:ea typeface="+mn-ea"/>
+                    <a:cs typeface="+mn-cs"/>
+                  </a:defRPr>
+                </a:lvl3pPr>
+                <a:lvl4pPr marL="1600200" indent="-228600" algn="l" defTabSz="914400" rtl="0" eaLnBrk="1" latinLnBrk="0" hangingPunct="1">
+                  <a:lnSpc>
+                    <a:spcPct val="90000"/>
+                  </a:lnSpc>
+                  <a:spcBef>
+                    <a:spcPts val="500"/>
+                  </a:spcBef>
+                  <a:buFont typeface="Arial" panose="020B0604020202020204" pitchFamily="34" charset="0"/>
+                  <a:buChar char="•"/>
+                  <a:defRPr sz="1800" kern="1200">
+                    <a:solidFill>
+                      <a:schemeClr val="tx1"/>
+                    </a:solidFill>
+                    <a:latin typeface="+mn-lt"/>
+                    <a:ea typeface="+mn-ea"/>
+                    <a:cs typeface="+mn-cs"/>
+                  </a:defRPr>
+                </a:lvl4pPr>
+                <a:lvl5pPr marL="2057400" indent="-228600" algn="l" defTabSz="914400" rtl="0" eaLnBrk="1" latinLnBrk="0" hangingPunct="1">
+                  <a:lnSpc>
+                    <a:spcPct val="90000"/>
+                  </a:lnSpc>
+                  <a:spcBef>
+                    <a:spcPts val="500"/>
+                  </a:spcBef>
+                  <a:buFont typeface="Arial" panose="020B0604020202020204" pitchFamily="34" charset="0"/>
+                  <a:buChar char="•"/>
+                  <a:defRPr sz="1800" kern="1200">
+                    <a:solidFill>
+                      <a:schemeClr val="tx1"/>
+                    </a:solidFill>
+                    <a:latin typeface="+mn-lt"/>
+                    <a:ea typeface="+mn-ea"/>
+                    <a:cs typeface="+mn-cs"/>
+                  </a:defRPr>
+                </a:lvl5pPr>
+                <a:lvl6pPr marL="2514600" indent="-228600" algn="l" defTabSz="914400" rtl="0" eaLnBrk="1" latinLnBrk="0" hangingPunct="1">
+                  <a:lnSpc>
+                    <a:spcPct val="90000"/>
+                  </a:lnSpc>
+                  <a:spcBef>
+                    <a:spcPts val="500"/>
+                  </a:spcBef>
+                  <a:buFont typeface="Arial" panose="020B0604020202020204" pitchFamily="34" charset="0"/>
+                  <a:buChar char="•"/>
+                  <a:defRPr sz="1800" kern="1200">
+                    <a:solidFill>
+                      <a:schemeClr val="tx1"/>
+                    </a:solidFill>
+                    <a:latin typeface="+mn-lt"/>
+                    <a:ea typeface="+mn-ea"/>
+                    <a:cs typeface="+mn-cs"/>
+                  </a:defRPr>
+                </a:lvl6pPr>
+                <a:lvl7pPr marL="2971800" indent="-228600" algn="l" defTabSz="914400" rtl="0" eaLnBrk="1" latinLnBrk="0" hangingPunct="1">
+                  <a:lnSpc>
+                    <a:spcPct val="90000"/>
+                  </a:lnSpc>
+                  <a:spcBef>
+                    <a:spcPts val="500"/>
+                  </a:spcBef>
+                  <a:buFont typeface="Arial" panose="020B0604020202020204" pitchFamily="34" charset="0"/>
+                  <a:buChar char="•"/>
+                  <a:defRPr sz="1800" kern="1200">
+                    <a:solidFill>
+                      <a:schemeClr val="tx1"/>
+                    </a:solidFill>
+                    <a:latin typeface="+mn-lt"/>
+                    <a:ea typeface="+mn-ea"/>
+                    <a:cs typeface="+mn-cs"/>
+                  </a:defRPr>
+                </a:lvl7pPr>
+                <a:lvl8pPr marL="3429000" indent="-228600" algn="l" defTabSz="914400" rtl="0" eaLnBrk="1" latinLnBrk="0" hangingPunct="1">
+                  <a:lnSpc>
+                    <a:spcPct val="90000"/>
+                  </a:lnSpc>
+                  <a:spcBef>
+                    <a:spcPts val="500"/>
+                  </a:spcBef>
+                  <a:buFont typeface="Arial" panose="020B0604020202020204" pitchFamily="34" charset="0"/>
+                  <a:buChar char="•"/>
+                  <a:defRPr sz="1800" kern="1200">
+                    <a:solidFill>
+                      <a:schemeClr val="tx1"/>
+                    </a:solidFill>
+                    <a:latin typeface="+mn-lt"/>
+                    <a:ea typeface="+mn-ea"/>
+                    <a:cs typeface="+mn-cs"/>
+                  </a:defRPr>
+                </a:lvl8pPr>
+                <a:lvl9pPr marL="3886200" indent="-228600" algn="l" defTabSz="914400" rtl="0" eaLnBrk="1" latinLnBrk="0" hangingPunct="1">
+                  <a:lnSpc>
+                    <a:spcPct val="90000"/>
+                  </a:lnSpc>
+                  <a:spcBef>
+                    <a:spcPts val="500"/>
+                  </a:spcBef>
+                  <a:buFont typeface="Arial" panose="020B0604020202020204" pitchFamily="34" charset="0"/>
+                  <a:buChar char="•"/>
+                  <a:defRPr sz="1800" kern="1200">
+                    <a:solidFill>
+                      <a:schemeClr val="tx1"/>
+                    </a:solidFill>
+                    <a:latin typeface="+mn-lt"/>
+                    <a:ea typeface="+mn-ea"/>
+                    <a:cs typeface="+mn-cs"/>
+                  </a:defRPr>
+                </a:lvl9pPr>
+              </a:lstStyle>
+              <a:p>
+                <a:r>
+                  <a:rPr lang="en-US" altLang="zh-CN" sz="2400" dirty="0"/>
+                  <a:t>St. </a:t>
+                </a:r>
+                <a:r>
+                  <a:rPr lang="en-US" altLang="zh-CN" sz="2400" dirty="0" err="1"/>
+                  <a:t>Venant</a:t>
+                </a:r>
+                <a:r>
+                  <a:rPr lang="en-US" altLang="zh-CN" sz="2400" dirty="0"/>
+                  <a:t>-Kirchhoff model (</a:t>
+                </a:r>
+                <a:r>
+                  <a:rPr lang="en-US" altLang="zh-CN" sz="2400" dirty="0" err="1"/>
+                  <a:t>StVK</a:t>
+                </a:r>
+                <a:r>
+                  <a:rPr lang="en-US" altLang="zh-CN" sz="2400" dirty="0"/>
+                  <a:t>):</a:t>
+                </a:r>
+              </a:p>
+              <a:p>
+                <a:pPr lvl="1"/>
+                <a:r>
+                  <a:rPr lang="en-US" altLang="zh-CN" sz="2000" dirty="0"/>
+                  <a:t>Strain: </a:t>
+                </a:r>
+                <a14:m>
+                  <m:oMath xmlns:m="http://schemas.openxmlformats.org/officeDocument/2006/math">
+                    <m:sSub>
+                      <m:sSubPr>
+                        <m:ctrlPr>
+                          <a:rPr lang="en-US" altLang="zh-CN" sz="2000" b="0" i="1" smtClean="0">
+                            <a:latin typeface="Cambria Math" panose="02040503050406030204" pitchFamily="18" charset="0"/>
+                          </a:rPr>
+                        </m:ctrlPr>
+                      </m:sSubPr>
+                      <m:e>
+                        <m:r>
+                          <a:rPr lang="en-US" altLang="zh-CN" sz="2000" b="0" i="1" smtClean="0">
+                            <a:latin typeface="Cambria Math" panose="02040503050406030204" pitchFamily="18" charset="0"/>
+                          </a:rPr>
+                          <m:t>𝜖</m:t>
+                        </m:r>
+                      </m:e>
+                      <m:sub>
+                        <m:r>
+                          <a:rPr lang="en-US" altLang="zh-CN" sz="2000" b="0" i="1" smtClean="0">
+                            <a:latin typeface="Cambria Math" panose="02040503050406030204" pitchFamily="18" charset="0"/>
+                          </a:rPr>
+                          <m:t>𝑠𝑡𝑣𝑘</m:t>
+                        </m:r>
+                      </m:sub>
+                    </m:sSub>
+                    <m:d>
+                      <m:dPr>
+                        <m:ctrlPr>
+                          <a:rPr lang="en-US" altLang="zh-CN" sz="2000" b="0" i="1" smtClean="0">
+                            <a:latin typeface="Cambria Math" panose="02040503050406030204" pitchFamily="18" charset="0"/>
+                          </a:rPr>
+                        </m:ctrlPr>
+                      </m:dPr>
+                      <m:e>
+                        <m:r>
+                          <a:rPr lang="en-US" altLang="zh-CN" sz="2000" b="0" i="1" smtClean="0">
+                            <a:latin typeface="Cambria Math" panose="02040503050406030204" pitchFamily="18" charset="0"/>
+                          </a:rPr>
+                          <m:t>𝐹</m:t>
+                        </m:r>
+                      </m:e>
+                    </m:d>
+                    <m:r>
+                      <a:rPr lang="en-US" altLang="zh-CN" sz="2000" b="0" i="1" smtClean="0">
+                        <a:latin typeface="Cambria Math" panose="02040503050406030204" pitchFamily="18" charset="0"/>
+                      </a:rPr>
+                      <m:t>=</m:t>
+                    </m:r>
+                    <m:f>
+                      <m:fPr>
+                        <m:ctrlPr>
+                          <a:rPr lang="en-US" altLang="zh-CN" sz="2000" b="0" i="1" smtClean="0">
+                            <a:latin typeface="Cambria Math" panose="02040503050406030204" pitchFamily="18" charset="0"/>
+                          </a:rPr>
+                        </m:ctrlPr>
+                      </m:fPr>
+                      <m:num>
+                        <m:r>
+                          <a:rPr lang="en-US" altLang="zh-CN" sz="2000" b="0" i="1" smtClean="0">
+                            <a:latin typeface="Cambria Math" panose="02040503050406030204" pitchFamily="18" charset="0"/>
+                          </a:rPr>
+                          <m:t>1</m:t>
+                        </m:r>
+                      </m:num>
+                      <m:den>
+                        <m:r>
+                          <a:rPr lang="en-US" altLang="zh-CN" sz="2000" b="0" i="1" smtClean="0">
+                            <a:latin typeface="Cambria Math" panose="02040503050406030204" pitchFamily="18" charset="0"/>
+                          </a:rPr>
+                          <m:t>2</m:t>
+                        </m:r>
+                      </m:den>
+                    </m:f>
+                    <m:r>
+                      <a:rPr lang="en-US" altLang="zh-CN" sz="2000" b="0" i="1" smtClean="0">
+                        <a:latin typeface="Cambria Math" panose="02040503050406030204" pitchFamily="18" charset="0"/>
+                      </a:rPr>
+                      <m:t>(</m:t>
+                    </m:r>
+                    <m:sSup>
+                      <m:sSupPr>
+                        <m:ctrlPr>
+                          <a:rPr lang="en-US" altLang="zh-CN" sz="2000" b="0" i="1" smtClean="0">
+                            <a:latin typeface="Cambria Math" panose="02040503050406030204" pitchFamily="18" charset="0"/>
+                          </a:rPr>
+                        </m:ctrlPr>
+                      </m:sSupPr>
+                      <m:e>
+                        <m:r>
+                          <a:rPr lang="en-US" altLang="zh-CN" sz="2000" b="0" i="1" smtClean="0">
+                            <a:latin typeface="Cambria Math" panose="02040503050406030204" pitchFamily="18" charset="0"/>
+                          </a:rPr>
+                          <m:t>𝐹</m:t>
+                        </m:r>
+                      </m:e>
+                      <m:sup>
+                        <m:r>
+                          <a:rPr lang="en-US" altLang="zh-CN" sz="2000" b="0" i="1" smtClean="0">
+                            <a:latin typeface="Cambria Math" panose="02040503050406030204" pitchFamily="18" charset="0"/>
+                          </a:rPr>
+                          <m:t>𝑇</m:t>
+                        </m:r>
+                      </m:sup>
+                    </m:sSup>
+                    <m:r>
+                      <a:rPr lang="en-US" altLang="zh-CN" sz="2000" b="0" i="1" smtClean="0">
+                        <a:latin typeface="Cambria Math" panose="02040503050406030204" pitchFamily="18" charset="0"/>
+                      </a:rPr>
+                      <m:t>𝐹</m:t>
+                    </m:r>
+                    <m:r>
+                      <a:rPr lang="en-US" altLang="zh-CN" sz="2000" b="0" i="1" smtClean="0">
+                        <a:latin typeface="Cambria Math" panose="02040503050406030204" pitchFamily="18" charset="0"/>
+                      </a:rPr>
+                      <m:t>−</m:t>
+                    </m:r>
+                    <m:r>
+                      <a:rPr lang="en-US" altLang="zh-CN" sz="2000" b="0" i="1" smtClean="0">
+                        <a:latin typeface="Cambria Math" panose="02040503050406030204" pitchFamily="18" charset="0"/>
+                      </a:rPr>
+                      <m:t>𝐼</m:t>
+                    </m:r>
+                    <m:r>
+                      <a:rPr lang="en-US" altLang="zh-CN" sz="2000" b="0" i="1" smtClean="0">
+                        <a:latin typeface="Cambria Math" panose="02040503050406030204" pitchFamily="18" charset="0"/>
+                      </a:rPr>
+                      <m:t>)</m:t>
+                    </m:r>
+                  </m:oMath>
+                </a14:m>
+                <a:endParaRPr lang="en-US" altLang="zh-CN" sz="2000" dirty="0"/>
+              </a:p>
+              <a:p>
+                <a:pPr lvl="1"/>
+                <a:r>
+                  <a:rPr lang="en-US" altLang="zh-CN" sz="2000" dirty="0"/>
+                  <a:t>Energy density: </a:t>
+                </a:r>
+                <a14:m>
+                  <m:oMath xmlns:m="http://schemas.openxmlformats.org/officeDocument/2006/math">
+                    <m:r>
+                      <m:rPr>
+                        <m:sty m:val="p"/>
+                      </m:rPr>
+                      <a:rPr lang="en-US" altLang="zh-CN" sz="2000" b="0" i="0" smtClean="0">
+                        <a:latin typeface="Cambria Math" panose="02040503050406030204" pitchFamily="18" charset="0"/>
+                      </a:rPr>
+                      <m:t>Ψ</m:t>
+                    </m:r>
+                    <m:d>
+                      <m:dPr>
+                        <m:ctrlPr>
+                          <a:rPr lang="en-US" altLang="zh-CN" sz="2000" b="0" i="1" smtClean="0">
+                            <a:latin typeface="Cambria Math" panose="02040503050406030204" pitchFamily="18" charset="0"/>
+                          </a:rPr>
+                        </m:ctrlPr>
+                      </m:dPr>
+                      <m:e>
+                        <m:sSub>
+                          <m:sSubPr>
+                            <m:ctrlPr>
+                              <a:rPr lang="en-US" altLang="zh-CN" sz="2000" b="0" i="1" smtClean="0">
+                                <a:latin typeface="Cambria Math" panose="02040503050406030204" pitchFamily="18" charset="0"/>
+                              </a:rPr>
+                            </m:ctrlPr>
+                          </m:sSubPr>
+                          <m:e>
+                            <m:r>
+                              <a:rPr lang="en-US" altLang="zh-CN" sz="2000" b="0" i="1" smtClean="0">
+                                <a:latin typeface="Cambria Math" panose="02040503050406030204" pitchFamily="18" charset="0"/>
+                              </a:rPr>
+                              <m:t>𝜖</m:t>
+                            </m:r>
+                          </m:e>
+                          <m:sub>
+                            <m:r>
+                              <a:rPr lang="en-US" altLang="zh-CN" sz="2000" b="0" i="1" smtClean="0">
+                                <a:latin typeface="Cambria Math" panose="02040503050406030204" pitchFamily="18" charset="0"/>
+                              </a:rPr>
+                              <m:t>𝑠𝑡𝑣𝑘</m:t>
+                            </m:r>
+                          </m:sub>
+                        </m:sSub>
+                      </m:e>
+                    </m:d>
+                    <m:r>
+                      <a:rPr lang="en-US" altLang="zh-CN" sz="2000" b="0" i="1" smtClean="0">
+                        <a:latin typeface="Cambria Math" panose="02040503050406030204" pitchFamily="18" charset="0"/>
+                      </a:rPr>
+                      <m:t>=</m:t>
+                    </m:r>
+                    <m:r>
+                      <a:rPr lang="en-US" altLang="zh-CN" sz="2000" b="0" i="1" smtClean="0">
+                        <a:latin typeface="Cambria Math" panose="02040503050406030204" pitchFamily="18" charset="0"/>
+                      </a:rPr>
+                      <m:t>𝜇</m:t>
+                    </m:r>
+                    <m:sSubSup>
+                      <m:sSubSupPr>
+                        <m:ctrlPr>
+                          <a:rPr lang="en-US" altLang="zh-CN" sz="2000" b="0" i="1" smtClean="0">
+                            <a:latin typeface="Cambria Math" panose="02040503050406030204" pitchFamily="18" charset="0"/>
+                          </a:rPr>
+                        </m:ctrlPr>
+                      </m:sSubSupPr>
+                      <m:e>
+                        <m:d>
+                          <m:dPr>
+                            <m:begChr m:val="‖"/>
+                            <m:endChr m:val="‖"/>
+                            <m:ctrlPr>
+                              <a:rPr lang="en-US" altLang="zh-CN" sz="2000" b="0" i="1" smtClean="0">
+                                <a:latin typeface="Cambria Math" panose="02040503050406030204" pitchFamily="18" charset="0"/>
+                              </a:rPr>
+                            </m:ctrlPr>
+                          </m:dPr>
+                          <m:e>
+                            <m:sSub>
+                              <m:sSubPr>
+                                <m:ctrlPr>
+                                  <a:rPr lang="en-US" altLang="zh-CN" sz="2000" i="1">
+                                    <a:latin typeface="Cambria Math" panose="02040503050406030204" pitchFamily="18" charset="0"/>
+                                  </a:rPr>
+                                </m:ctrlPr>
+                              </m:sSubPr>
+                              <m:e>
+                                <m:r>
+                                  <a:rPr lang="en-US" altLang="zh-CN" sz="2000" i="1">
+                                    <a:latin typeface="Cambria Math" panose="02040503050406030204" pitchFamily="18" charset="0"/>
+                                  </a:rPr>
+                                  <m:t>𝜖</m:t>
+                                </m:r>
+                              </m:e>
+                              <m:sub>
+                                <m:r>
+                                  <a:rPr lang="en-US" altLang="zh-CN" sz="2000" i="1">
+                                    <a:latin typeface="Cambria Math" panose="02040503050406030204" pitchFamily="18" charset="0"/>
+                                  </a:rPr>
+                                  <m:t>𝑠𝑡𝑣𝑘</m:t>
+                                </m:r>
+                              </m:sub>
+                            </m:sSub>
+                            <m:d>
+                              <m:dPr>
+                                <m:ctrlPr>
+                                  <a:rPr lang="en-US" altLang="zh-CN" sz="2000" i="1">
+                                    <a:latin typeface="Cambria Math" panose="02040503050406030204" pitchFamily="18" charset="0"/>
+                                  </a:rPr>
+                                </m:ctrlPr>
+                              </m:dPr>
+                              <m:e>
+                                <m:r>
+                                  <a:rPr lang="en-US" altLang="zh-CN" sz="2000" i="1">
+                                    <a:latin typeface="Cambria Math" panose="02040503050406030204" pitchFamily="18" charset="0"/>
+                                  </a:rPr>
+                                  <m:t>𝐹</m:t>
+                                </m:r>
+                              </m:e>
+                            </m:d>
+                          </m:e>
+                        </m:d>
+                      </m:e>
+                      <m:sub>
+                        <m:r>
+                          <a:rPr lang="en-US" altLang="zh-CN" sz="2000" b="0" i="1" smtClean="0">
+                            <a:latin typeface="Cambria Math" panose="02040503050406030204" pitchFamily="18" charset="0"/>
+                          </a:rPr>
+                          <m:t>𝐹</m:t>
+                        </m:r>
+                      </m:sub>
+                      <m:sup>
+                        <m:r>
+                          <a:rPr lang="en-US" altLang="zh-CN" sz="2000" b="0" i="1" smtClean="0">
+                            <a:latin typeface="Cambria Math" panose="02040503050406030204" pitchFamily="18" charset="0"/>
+                          </a:rPr>
+                          <m:t>2</m:t>
+                        </m:r>
+                      </m:sup>
+                    </m:sSubSup>
+                    <m:r>
+                      <a:rPr lang="en-US" altLang="zh-CN" sz="2000" b="0" i="1" smtClean="0">
+                        <a:latin typeface="Cambria Math" panose="02040503050406030204" pitchFamily="18" charset="0"/>
+                      </a:rPr>
+                      <m:t>+</m:t>
+                    </m:r>
+                    <m:f>
+                      <m:fPr>
+                        <m:ctrlPr>
+                          <a:rPr lang="en-US" altLang="zh-CN" sz="2000" b="0" i="1" smtClean="0">
+                            <a:latin typeface="Cambria Math" panose="02040503050406030204" pitchFamily="18" charset="0"/>
+                          </a:rPr>
+                        </m:ctrlPr>
+                      </m:fPr>
+                      <m:num>
+                        <m:r>
+                          <a:rPr lang="en-US" altLang="zh-CN" sz="2000" b="0" i="1" smtClean="0">
+                            <a:latin typeface="Cambria Math" panose="02040503050406030204" pitchFamily="18" charset="0"/>
+                          </a:rPr>
+                          <m:t>𝜆</m:t>
+                        </m:r>
+                      </m:num>
+                      <m:den>
+                        <m:r>
+                          <a:rPr lang="en-US" altLang="zh-CN" sz="2000" b="0" i="1" smtClean="0">
+                            <a:latin typeface="Cambria Math" panose="02040503050406030204" pitchFamily="18" charset="0"/>
+                          </a:rPr>
+                          <m:t>2</m:t>
+                        </m:r>
+                      </m:den>
+                    </m:f>
+                    <m:r>
+                      <a:rPr lang="en-US" altLang="zh-CN" sz="2000" b="0" i="1" smtClean="0">
+                        <a:latin typeface="Cambria Math" panose="02040503050406030204" pitchFamily="18" charset="0"/>
+                      </a:rPr>
+                      <m:t>𝑡𝑟</m:t>
+                    </m:r>
+                    <m:sSup>
+                      <m:sSupPr>
+                        <m:ctrlPr>
+                          <a:rPr lang="en-US" altLang="zh-CN" sz="2000" b="0" i="1" smtClean="0">
+                            <a:latin typeface="Cambria Math" panose="02040503050406030204" pitchFamily="18" charset="0"/>
+                          </a:rPr>
+                        </m:ctrlPr>
+                      </m:sSupPr>
+                      <m:e>
+                        <m:d>
+                          <m:dPr>
+                            <m:ctrlPr>
+                              <a:rPr lang="en-US" altLang="zh-CN" sz="2000" b="0" i="1" smtClean="0">
+                                <a:latin typeface="Cambria Math" panose="02040503050406030204" pitchFamily="18" charset="0"/>
+                              </a:rPr>
+                            </m:ctrlPr>
+                          </m:dPr>
+                          <m:e>
+                            <m:sSub>
+                              <m:sSubPr>
+                                <m:ctrlPr>
+                                  <a:rPr lang="en-US" altLang="zh-CN" sz="2000" i="1">
+                                    <a:latin typeface="Cambria Math" panose="02040503050406030204" pitchFamily="18" charset="0"/>
+                                  </a:rPr>
+                                </m:ctrlPr>
+                              </m:sSubPr>
+                              <m:e>
+                                <m:r>
+                                  <a:rPr lang="en-US" altLang="zh-CN" sz="2000" i="1">
+                                    <a:latin typeface="Cambria Math" panose="02040503050406030204" pitchFamily="18" charset="0"/>
+                                  </a:rPr>
+                                  <m:t>𝜖</m:t>
+                                </m:r>
+                              </m:e>
+                              <m:sub>
+                                <m:r>
+                                  <a:rPr lang="en-US" altLang="zh-CN" sz="2000" i="1">
+                                    <a:latin typeface="Cambria Math" panose="02040503050406030204" pitchFamily="18" charset="0"/>
+                                  </a:rPr>
+                                  <m:t>𝑠𝑡𝑣𝑘</m:t>
+                                </m:r>
+                              </m:sub>
+                            </m:sSub>
+                            <m:d>
+                              <m:dPr>
+                                <m:ctrlPr>
+                                  <a:rPr lang="en-US" altLang="zh-CN" sz="2000" i="1">
+                                    <a:latin typeface="Cambria Math" panose="02040503050406030204" pitchFamily="18" charset="0"/>
+                                  </a:rPr>
+                                </m:ctrlPr>
+                              </m:dPr>
+                              <m:e>
+                                <m:r>
+                                  <a:rPr lang="en-US" altLang="zh-CN" sz="2000" i="1">
+                                    <a:latin typeface="Cambria Math" panose="02040503050406030204" pitchFamily="18" charset="0"/>
+                                  </a:rPr>
+                                  <m:t>𝐹</m:t>
+                                </m:r>
+                              </m:e>
+                            </m:d>
+                          </m:e>
+                        </m:d>
+                      </m:e>
+                      <m:sup>
+                        <m:r>
+                          <a:rPr lang="en-US" altLang="zh-CN" sz="2000" b="0" i="1" smtClean="0">
+                            <a:latin typeface="Cambria Math" panose="02040503050406030204" pitchFamily="18" charset="0"/>
+                          </a:rPr>
+                          <m:t>2</m:t>
+                        </m:r>
+                      </m:sup>
+                    </m:sSup>
+                  </m:oMath>
+                </a14:m>
+                <a:endParaRPr lang="en-US" altLang="zh-CN" sz="2000" b="0" dirty="0"/>
+              </a:p>
+              <a:p>
+                <a:pPr lvl="1"/>
+                <a14:m>
+                  <m:oMath xmlns:m="http://schemas.openxmlformats.org/officeDocument/2006/math">
+                    <m:r>
+                      <a:rPr lang="en-US" altLang="zh-CN" sz="2000" b="0" i="1" smtClean="0">
+                        <a:latin typeface="Cambria Math" panose="02040503050406030204" pitchFamily="18" charset="0"/>
+                      </a:rPr>
+                      <m:t>𝑃</m:t>
+                    </m:r>
+                    <m:r>
+                      <a:rPr lang="en-US" altLang="zh-CN" sz="2000" b="0" i="1" smtClean="0">
+                        <a:latin typeface="Cambria Math" panose="02040503050406030204" pitchFamily="18" charset="0"/>
+                      </a:rPr>
+                      <m:t>=</m:t>
+                    </m:r>
+                    <m:f>
+                      <m:fPr>
+                        <m:ctrlPr>
+                          <a:rPr lang="en-US" altLang="zh-CN" sz="2000" b="0" i="1" smtClean="0">
+                            <a:latin typeface="Cambria Math" panose="02040503050406030204" pitchFamily="18" charset="0"/>
+                          </a:rPr>
+                        </m:ctrlPr>
+                      </m:fPr>
+                      <m:num>
+                        <m:r>
+                          <a:rPr lang="zh-CN" altLang="en-US" sz="2000" b="0" i="1" smtClean="0">
+                            <a:latin typeface="Cambria Math" panose="02040503050406030204" pitchFamily="18" charset="0"/>
+                          </a:rPr>
+                          <m:t>𝜕</m:t>
+                        </m:r>
+                        <m:r>
+                          <m:rPr>
+                            <m:sty m:val="p"/>
+                          </m:rPr>
+                          <a:rPr lang="en-US" altLang="zh-CN" sz="2000" b="0" i="0" smtClean="0">
+                            <a:latin typeface="Cambria Math" panose="02040503050406030204" pitchFamily="18" charset="0"/>
+                          </a:rPr>
+                          <m:t>Ψ</m:t>
+                        </m:r>
+                      </m:num>
+                      <m:den>
+                        <m:r>
+                          <a:rPr lang="zh-CN" altLang="en-US" sz="2000" b="0" i="1" smtClean="0">
+                            <a:latin typeface="Cambria Math" panose="02040503050406030204" pitchFamily="18" charset="0"/>
+                          </a:rPr>
+                          <m:t>𝜕</m:t>
+                        </m:r>
+                        <m:r>
+                          <a:rPr lang="en-US" altLang="zh-CN" sz="2000" b="0" i="1" smtClean="0">
+                            <a:latin typeface="Cambria Math" panose="02040503050406030204" pitchFamily="18" charset="0"/>
+                          </a:rPr>
+                          <m:t>𝐹</m:t>
+                        </m:r>
+                      </m:den>
+                    </m:f>
+                    <m:r>
+                      <a:rPr lang="en-US" altLang="zh-CN" sz="2000" b="0" i="1" smtClean="0">
+                        <a:latin typeface="Cambria Math" panose="02040503050406030204" pitchFamily="18" charset="0"/>
+                      </a:rPr>
+                      <m:t>=</m:t>
+                    </m:r>
+                    <m:r>
+                      <a:rPr lang="en-US" altLang="zh-CN" sz="2000" b="0" i="1" smtClean="0">
+                        <a:latin typeface="Cambria Math" panose="02040503050406030204" pitchFamily="18" charset="0"/>
+                      </a:rPr>
+                      <m:t>𝐹</m:t>
+                    </m:r>
+                    <m:d>
+                      <m:dPr>
+                        <m:begChr m:val="["/>
+                        <m:endChr m:val="]"/>
+                        <m:ctrlPr>
+                          <a:rPr lang="en-US" altLang="zh-CN" sz="2000" b="0" i="1" smtClean="0">
+                            <a:latin typeface="Cambria Math" panose="02040503050406030204" pitchFamily="18" charset="0"/>
+                          </a:rPr>
+                        </m:ctrlPr>
+                      </m:dPr>
+                      <m:e>
+                        <m:r>
+                          <a:rPr lang="en-US" altLang="zh-CN" sz="2000" b="0" i="1" smtClean="0">
+                            <a:latin typeface="Cambria Math" panose="02040503050406030204" pitchFamily="18" charset="0"/>
+                          </a:rPr>
+                          <m:t>2</m:t>
+                        </m:r>
+                        <m:r>
+                          <a:rPr lang="en-US" altLang="zh-CN" sz="2000" b="0" i="1" smtClean="0">
+                            <a:latin typeface="Cambria Math" panose="02040503050406030204" pitchFamily="18" charset="0"/>
+                          </a:rPr>
+                          <m:t>𝜇</m:t>
+                        </m:r>
+                        <m:sSub>
+                          <m:sSubPr>
+                            <m:ctrlPr>
+                              <a:rPr lang="en-US" altLang="zh-CN" sz="2000" i="1">
+                                <a:latin typeface="Cambria Math" panose="02040503050406030204" pitchFamily="18" charset="0"/>
+                              </a:rPr>
+                            </m:ctrlPr>
+                          </m:sSubPr>
+                          <m:e>
+                            <m:r>
+                              <a:rPr lang="en-US" altLang="zh-CN" sz="2000" i="1">
+                                <a:latin typeface="Cambria Math" panose="02040503050406030204" pitchFamily="18" charset="0"/>
+                              </a:rPr>
+                              <m:t>𝜖</m:t>
+                            </m:r>
+                          </m:e>
+                          <m:sub>
+                            <m:r>
+                              <a:rPr lang="en-US" altLang="zh-CN" sz="2000" i="1">
+                                <a:latin typeface="Cambria Math" panose="02040503050406030204" pitchFamily="18" charset="0"/>
+                              </a:rPr>
+                              <m:t>𝑠𝑡𝑣𝑘</m:t>
+                            </m:r>
+                          </m:sub>
+                        </m:sSub>
+                        <m:r>
+                          <a:rPr lang="en-US" altLang="zh-CN" sz="2000" b="0" i="1" smtClean="0">
+                            <a:latin typeface="Cambria Math" panose="02040503050406030204" pitchFamily="18" charset="0"/>
+                          </a:rPr>
+                          <m:t>+</m:t>
+                        </m:r>
+                        <m:r>
+                          <a:rPr lang="en-US" altLang="zh-CN" sz="2000" b="0" i="1" smtClean="0">
+                            <a:latin typeface="Cambria Math" panose="02040503050406030204" pitchFamily="18" charset="0"/>
+                          </a:rPr>
+                          <m:t>𝜆</m:t>
+                        </m:r>
+                        <m:r>
+                          <a:rPr lang="en-US" altLang="zh-CN" sz="2000" b="0" i="1" smtClean="0">
+                            <a:latin typeface="Cambria Math" panose="02040503050406030204" pitchFamily="18" charset="0"/>
+                          </a:rPr>
+                          <m:t>𝑡𝑟</m:t>
+                        </m:r>
+                        <m:d>
+                          <m:dPr>
+                            <m:ctrlPr>
+                              <a:rPr lang="en-US" altLang="zh-CN" sz="2000" b="0" i="1" smtClean="0">
+                                <a:latin typeface="Cambria Math" panose="02040503050406030204" pitchFamily="18" charset="0"/>
+                              </a:rPr>
+                            </m:ctrlPr>
+                          </m:dPr>
+                          <m:e>
+                            <m:sSub>
+                              <m:sSubPr>
+                                <m:ctrlPr>
+                                  <a:rPr lang="en-US" altLang="zh-CN" sz="2000" i="1">
+                                    <a:latin typeface="Cambria Math" panose="02040503050406030204" pitchFamily="18" charset="0"/>
+                                  </a:rPr>
+                                </m:ctrlPr>
+                              </m:sSubPr>
+                              <m:e>
+                                <m:r>
+                                  <a:rPr lang="en-US" altLang="zh-CN" sz="2000" i="1">
+                                    <a:latin typeface="Cambria Math" panose="02040503050406030204" pitchFamily="18" charset="0"/>
+                                  </a:rPr>
+                                  <m:t>𝜖</m:t>
+                                </m:r>
+                              </m:e>
+                              <m:sub>
+                                <m:r>
+                                  <a:rPr lang="en-US" altLang="zh-CN" sz="2000" i="1">
+                                    <a:latin typeface="Cambria Math" panose="02040503050406030204" pitchFamily="18" charset="0"/>
+                                  </a:rPr>
+                                  <m:t>𝑠𝑡𝑣𝑘</m:t>
+                                </m:r>
+                              </m:sub>
+                            </m:sSub>
+                          </m:e>
+                        </m:d>
+                        <m:r>
+                          <a:rPr lang="en-US" altLang="zh-CN" sz="2000" b="0" i="1" smtClean="0">
+                            <a:latin typeface="Cambria Math" panose="02040503050406030204" pitchFamily="18" charset="0"/>
+                          </a:rPr>
+                          <m:t>𝐼</m:t>
+                        </m:r>
+                      </m:e>
+                    </m:d>
+                  </m:oMath>
+                </a14:m>
+                <a:endParaRPr lang="en-US" altLang="zh-CN" sz="2000" dirty="0"/>
+              </a:p>
+              <a:p>
+                <a:pPr lvl="1"/>
+                <a:endParaRPr lang="en-US" altLang="zh-CN" sz="2000" dirty="0"/>
+              </a:p>
+              <a:p>
+                <a:r>
+                  <a:rPr lang="en-US" altLang="zh-CN" sz="2400" dirty="0"/>
+                  <a:t>Co-rotated linear model:</a:t>
+                </a:r>
+              </a:p>
+              <a:p>
+                <a:pPr lvl="1"/>
+                <a:r>
+                  <a:rPr lang="en-US" altLang="zh-CN" sz="2000" dirty="0"/>
+                  <a:t>Strain: </a:t>
+                </a:r>
+                <a14:m>
+                  <m:oMath xmlns:m="http://schemas.openxmlformats.org/officeDocument/2006/math">
+                    <m:sSub>
+                      <m:sSubPr>
+                        <m:ctrlPr>
+                          <a:rPr lang="en-US" altLang="zh-CN" sz="2000" b="0" i="1" smtClean="0">
+                            <a:latin typeface="Cambria Math" panose="02040503050406030204" pitchFamily="18" charset="0"/>
+                          </a:rPr>
+                        </m:ctrlPr>
+                      </m:sSubPr>
+                      <m:e>
+                        <m:r>
+                          <a:rPr lang="en-US" altLang="zh-CN" sz="2000" b="0" i="1" smtClean="0">
+                            <a:latin typeface="Cambria Math" panose="02040503050406030204" pitchFamily="18" charset="0"/>
+                          </a:rPr>
+                          <m:t>𝜖</m:t>
+                        </m:r>
+                      </m:e>
+                      <m:sub>
+                        <m:r>
+                          <a:rPr lang="en-US" altLang="zh-CN" sz="2000" b="0" i="1" smtClean="0">
+                            <a:latin typeface="Cambria Math" panose="02040503050406030204" pitchFamily="18" charset="0"/>
+                          </a:rPr>
+                          <m:t>𝑐</m:t>
+                        </m:r>
+                      </m:sub>
+                    </m:sSub>
+                    <m:d>
+                      <m:dPr>
+                        <m:ctrlPr>
+                          <a:rPr lang="en-US" altLang="zh-CN" sz="2000" b="0" i="1" smtClean="0">
+                            <a:latin typeface="Cambria Math" panose="02040503050406030204" pitchFamily="18" charset="0"/>
+                          </a:rPr>
+                        </m:ctrlPr>
+                      </m:dPr>
+                      <m:e>
+                        <m:r>
+                          <a:rPr lang="en-US" altLang="zh-CN" sz="2000" b="0" i="1" smtClean="0">
+                            <a:latin typeface="Cambria Math" panose="02040503050406030204" pitchFamily="18" charset="0"/>
+                          </a:rPr>
+                          <m:t>𝐹</m:t>
+                        </m:r>
+                      </m:e>
+                    </m:d>
+                    <m:r>
+                      <a:rPr lang="en-US" altLang="zh-CN" sz="2000" b="0" i="1" smtClean="0">
+                        <a:latin typeface="Cambria Math" panose="02040503050406030204" pitchFamily="18" charset="0"/>
+                      </a:rPr>
+                      <m:t>=</m:t>
+                    </m:r>
+                    <m:r>
+                      <a:rPr lang="en-US" altLang="zh-CN" sz="2000" b="0" i="1" smtClean="0">
+                        <a:latin typeface="Cambria Math" panose="02040503050406030204" pitchFamily="18" charset="0"/>
+                      </a:rPr>
+                      <m:t>𝑆</m:t>
+                    </m:r>
+                    <m:r>
+                      <a:rPr lang="en-US" altLang="zh-CN" sz="2000" b="0" i="1" smtClean="0">
+                        <a:latin typeface="Cambria Math" panose="02040503050406030204" pitchFamily="18" charset="0"/>
+                      </a:rPr>
+                      <m:t>−</m:t>
+                    </m:r>
+                    <m:r>
+                      <a:rPr lang="en-US" altLang="zh-CN" sz="2000" b="0" i="1" smtClean="0">
+                        <a:latin typeface="Cambria Math" panose="02040503050406030204" pitchFamily="18" charset="0"/>
+                      </a:rPr>
+                      <m:t>𝐼</m:t>
+                    </m:r>
+                  </m:oMath>
+                </a14:m>
+                <a:r>
+                  <a:rPr lang="en-US" altLang="zh-CN" sz="2000" dirty="0"/>
+                  <a:t>, where </a:t>
+                </a:r>
+                <a14:m>
+                  <m:oMath xmlns:m="http://schemas.openxmlformats.org/officeDocument/2006/math">
+                    <m:r>
+                      <a:rPr lang="en-US" altLang="zh-CN" sz="2000" b="0" i="1" smtClean="0">
+                        <a:latin typeface="Cambria Math" panose="02040503050406030204" pitchFamily="18" charset="0"/>
+                      </a:rPr>
+                      <m:t>𝐹</m:t>
+                    </m:r>
+                    <m:r>
+                      <a:rPr lang="en-US" altLang="zh-CN" sz="2000" b="0" i="1" smtClean="0">
+                        <a:latin typeface="Cambria Math" panose="02040503050406030204" pitchFamily="18" charset="0"/>
+                      </a:rPr>
+                      <m:t>=</m:t>
+                    </m:r>
+                    <m:r>
+                      <a:rPr lang="en-US" altLang="zh-CN" sz="2000" b="0" i="1" smtClean="0">
+                        <a:latin typeface="Cambria Math" panose="02040503050406030204" pitchFamily="18" charset="0"/>
+                      </a:rPr>
+                      <m:t>𝑅𝑆</m:t>
+                    </m:r>
+                  </m:oMath>
+                </a14:m>
+                <a:endParaRPr lang="en-US" altLang="zh-CN" sz="2000" dirty="0"/>
+              </a:p>
+              <a:p>
+                <a:pPr lvl="1"/>
+                <a:r>
+                  <a:rPr lang="en-US" altLang="zh-CN" sz="2000" dirty="0"/>
+                  <a:t>Energy density: </a:t>
+                </a:r>
+                <a14:m>
+                  <m:oMath xmlns:m="http://schemas.openxmlformats.org/officeDocument/2006/math">
+                    <m:r>
+                      <m:rPr>
+                        <m:sty m:val="p"/>
+                      </m:rPr>
+                      <a:rPr lang="en-US" altLang="zh-CN" sz="2000" b="0" i="0" smtClean="0">
+                        <a:latin typeface="Cambria Math" panose="02040503050406030204" pitchFamily="18" charset="0"/>
+                      </a:rPr>
+                      <m:t>Ψ</m:t>
+                    </m:r>
+                    <m:d>
+                      <m:dPr>
+                        <m:ctrlPr>
+                          <a:rPr lang="en-US" altLang="zh-CN" sz="2000" b="0" i="1" smtClean="0">
+                            <a:latin typeface="Cambria Math" panose="02040503050406030204" pitchFamily="18" charset="0"/>
+                          </a:rPr>
+                        </m:ctrlPr>
+                      </m:dPr>
+                      <m:e>
+                        <m:sSub>
+                          <m:sSubPr>
+                            <m:ctrlPr>
+                              <a:rPr lang="en-US" altLang="zh-CN" sz="2000" b="0" i="1" smtClean="0">
+                                <a:latin typeface="Cambria Math" panose="02040503050406030204" pitchFamily="18" charset="0"/>
+                              </a:rPr>
+                            </m:ctrlPr>
+                          </m:sSubPr>
+                          <m:e>
+                            <m:r>
+                              <a:rPr lang="en-US" altLang="zh-CN" sz="2000" b="0" i="1" smtClean="0">
+                                <a:latin typeface="Cambria Math" panose="02040503050406030204" pitchFamily="18" charset="0"/>
+                              </a:rPr>
+                              <m:t>𝜖</m:t>
+                            </m:r>
+                          </m:e>
+                          <m:sub>
+                            <m:r>
+                              <a:rPr lang="en-US" altLang="zh-CN" sz="2000" b="0" i="1" smtClean="0">
+                                <a:latin typeface="Cambria Math" panose="02040503050406030204" pitchFamily="18" charset="0"/>
+                              </a:rPr>
+                              <m:t>𝑐</m:t>
+                            </m:r>
+                          </m:sub>
+                        </m:sSub>
+                      </m:e>
+                    </m:d>
+                    <m:r>
+                      <a:rPr lang="en-US" altLang="zh-CN" sz="2000" b="0" i="1" smtClean="0">
+                        <a:latin typeface="Cambria Math" panose="02040503050406030204" pitchFamily="18" charset="0"/>
+                      </a:rPr>
+                      <m:t>=</m:t>
+                    </m:r>
+                    <m:r>
+                      <a:rPr lang="en-US" altLang="zh-CN" sz="2000" b="0" i="1" smtClean="0">
+                        <a:latin typeface="Cambria Math" panose="02040503050406030204" pitchFamily="18" charset="0"/>
+                      </a:rPr>
+                      <m:t>𝜇</m:t>
+                    </m:r>
+                    <m:sSubSup>
+                      <m:sSubSupPr>
+                        <m:ctrlPr>
+                          <a:rPr lang="en-US" altLang="zh-CN" sz="2000" b="0" i="1" smtClean="0">
+                            <a:latin typeface="Cambria Math" panose="02040503050406030204" pitchFamily="18" charset="0"/>
+                          </a:rPr>
+                        </m:ctrlPr>
+                      </m:sSubSupPr>
+                      <m:e>
+                        <m:d>
+                          <m:dPr>
+                            <m:begChr m:val="‖"/>
+                            <m:endChr m:val="‖"/>
+                            <m:ctrlPr>
+                              <a:rPr lang="en-US" altLang="zh-CN" sz="2000" b="0" i="1" smtClean="0">
+                                <a:latin typeface="Cambria Math" panose="02040503050406030204" pitchFamily="18" charset="0"/>
+                              </a:rPr>
+                            </m:ctrlPr>
+                          </m:dPr>
+                          <m:e>
+                            <m:sSub>
+                              <m:sSubPr>
+                                <m:ctrlPr>
+                                  <a:rPr lang="en-US" altLang="zh-CN" sz="2000" b="0" i="1" smtClean="0">
+                                    <a:latin typeface="Cambria Math" panose="02040503050406030204" pitchFamily="18" charset="0"/>
+                                  </a:rPr>
+                                </m:ctrlPr>
+                              </m:sSubPr>
+                              <m:e>
+                                <m:r>
+                                  <a:rPr lang="en-US" altLang="zh-CN" sz="2000" b="0" i="1" smtClean="0">
+                                    <a:latin typeface="Cambria Math" panose="02040503050406030204" pitchFamily="18" charset="0"/>
+                                  </a:rPr>
+                                  <m:t>𝜖</m:t>
+                                </m:r>
+                              </m:e>
+                              <m:sub>
+                                <m:r>
+                                  <a:rPr lang="en-US" altLang="zh-CN" sz="2000" b="0" i="1" smtClean="0">
+                                    <a:latin typeface="Cambria Math" panose="02040503050406030204" pitchFamily="18" charset="0"/>
+                                  </a:rPr>
+                                  <m:t>𝑐</m:t>
+                                </m:r>
+                              </m:sub>
+                            </m:sSub>
+                          </m:e>
+                        </m:d>
+                      </m:e>
+                      <m:sub>
+                        <m:r>
+                          <a:rPr lang="en-US" altLang="zh-CN" sz="2000" b="0" i="1" smtClean="0">
+                            <a:latin typeface="Cambria Math" panose="02040503050406030204" pitchFamily="18" charset="0"/>
+                          </a:rPr>
+                          <m:t>𝐹</m:t>
+                        </m:r>
+                      </m:sub>
+                      <m:sup>
+                        <m:r>
+                          <a:rPr lang="en-US" altLang="zh-CN" sz="2000" b="0" i="1" smtClean="0">
+                            <a:latin typeface="Cambria Math" panose="02040503050406030204" pitchFamily="18" charset="0"/>
+                          </a:rPr>
+                          <m:t>2</m:t>
+                        </m:r>
+                      </m:sup>
+                    </m:sSubSup>
+                    <m:r>
+                      <a:rPr lang="en-US" altLang="zh-CN" sz="2000" b="0" i="1" smtClean="0">
+                        <a:latin typeface="Cambria Math" panose="02040503050406030204" pitchFamily="18" charset="0"/>
+                      </a:rPr>
+                      <m:t>+</m:t>
+                    </m:r>
+                    <m:f>
+                      <m:fPr>
+                        <m:ctrlPr>
+                          <a:rPr lang="en-US" altLang="zh-CN" sz="2000" b="0" i="1" smtClean="0">
+                            <a:latin typeface="Cambria Math" panose="02040503050406030204" pitchFamily="18" charset="0"/>
+                          </a:rPr>
+                        </m:ctrlPr>
+                      </m:fPr>
+                      <m:num>
+                        <m:r>
+                          <a:rPr lang="en-US" altLang="zh-CN" sz="2000" b="0" i="1" smtClean="0">
+                            <a:latin typeface="Cambria Math" panose="02040503050406030204" pitchFamily="18" charset="0"/>
+                          </a:rPr>
+                          <m:t>𝜆</m:t>
+                        </m:r>
+                      </m:num>
+                      <m:den>
+                        <m:r>
+                          <a:rPr lang="en-US" altLang="zh-CN" sz="2000" b="0" i="1" smtClean="0">
+                            <a:latin typeface="Cambria Math" panose="02040503050406030204" pitchFamily="18" charset="0"/>
+                          </a:rPr>
+                          <m:t>2</m:t>
+                        </m:r>
+                      </m:den>
+                    </m:f>
+                    <m:r>
+                      <a:rPr lang="en-US" altLang="zh-CN" sz="2000" b="0" i="1" smtClean="0">
+                        <a:latin typeface="Cambria Math" panose="02040503050406030204" pitchFamily="18" charset="0"/>
+                      </a:rPr>
+                      <m:t>𝑡𝑟</m:t>
+                    </m:r>
+                    <m:sSup>
+                      <m:sSupPr>
+                        <m:ctrlPr>
+                          <a:rPr lang="en-US" altLang="zh-CN" sz="2000" b="0" i="1" smtClean="0">
+                            <a:latin typeface="Cambria Math" panose="02040503050406030204" pitchFamily="18" charset="0"/>
+                          </a:rPr>
+                        </m:ctrlPr>
+                      </m:sSupPr>
+                      <m:e>
+                        <m:d>
+                          <m:dPr>
+                            <m:ctrlPr>
+                              <a:rPr lang="en-US" altLang="zh-CN" sz="2000" b="0" i="1" smtClean="0">
+                                <a:latin typeface="Cambria Math" panose="02040503050406030204" pitchFamily="18" charset="0"/>
+                              </a:rPr>
+                            </m:ctrlPr>
+                          </m:dPr>
+                          <m:e>
+                            <m:sSup>
+                              <m:sSupPr>
+                                <m:ctrlPr>
+                                  <a:rPr lang="en-US" altLang="zh-CN" sz="2000" b="0" i="1" smtClean="0">
+                                    <a:latin typeface="Cambria Math" panose="02040503050406030204" pitchFamily="18" charset="0"/>
+                                  </a:rPr>
+                                </m:ctrlPr>
+                              </m:sSupPr>
+                              <m:e>
+                                <m:r>
+                                  <a:rPr lang="en-US" altLang="zh-CN" sz="2000" b="0" i="1" smtClean="0">
+                                    <a:latin typeface="Cambria Math" panose="02040503050406030204" pitchFamily="18" charset="0"/>
+                                  </a:rPr>
+                                  <m:t>𝑅</m:t>
+                                </m:r>
+                              </m:e>
+                              <m:sup>
+                                <m:r>
+                                  <a:rPr lang="en-US" altLang="zh-CN" sz="2000" b="0" i="1" smtClean="0">
+                                    <a:latin typeface="Cambria Math" panose="02040503050406030204" pitchFamily="18" charset="0"/>
+                                  </a:rPr>
+                                  <m:t>𝑇</m:t>
+                                </m:r>
+                              </m:sup>
+                            </m:sSup>
+                            <m:r>
+                              <a:rPr lang="en-US" altLang="zh-CN" sz="2000" b="0" i="1" smtClean="0">
+                                <a:latin typeface="Cambria Math" panose="02040503050406030204" pitchFamily="18" charset="0"/>
+                              </a:rPr>
+                              <m:t>𝐹</m:t>
+                            </m:r>
+                            <m:r>
+                              <a:rPr lang="en-US" altLang="zh-CN" sz="2000" b="0" i="1" smtClean="0">
+                                <a:latin typeface="Cambria Math" panose="02040503050406030204" pitchFamily="18" charset="0"/>
+                              </a:rPr>
+                              <m:t>−</m:t>
+                            </m:r>
+                            <m:r>
+                              <a:rPr lang="en-US" altLang="zh-CN" sz="2000" b="0" i="1" smtClean="0">
+                                <a:latin typeface="Cambria Math" panose="02040503050406030204" pitchFamily="18" charset="0"/>
+                              </a:rPr>
+                              <m:t>𝐼</m:t>
+                            </m:r>
+                          </m:e>
+                        </m:d>
+                      </m:e>
+                      <m:sup>
+                        <m:r>
+                          <a:rPr lang="en-US" altLang="zh-CN" sz="2000" b="0" i="1" smtClean="0">
+                            <a:latin typeface="Cambria Math" panose="02040503050406030204" pitchFamily="18" charset="0"/>
+                          </a:rPr>
+                          <m:t>2</m:t>
+                        </m:r>
+                      </m:sup>
+                    </m:sSup>
+                  </m:oMath>
+                </a14:m>
+                <a:endParaRPr lang="en-US" altLang="zh-CN" sz="2000" dirty="0"/>
+              </a:p>
+              <a:p>
+                <a:pPr lvl="1"/>
+                <a14:m>
+                  <m:oMath xmlns:m="http://schemas.openxmlformats.org/officeDocument/2006/math">
+                    <m:r>
+                      <a:rPr lang="en-US" altLang="zh-CN" sz="2000" b="0" i="1" smtClean="0">
+                        <a:latin typeface="Cambria Math" panose="02040503050406030204" pitchFamily="18" charset="0"/>
+                      </a:rPr>
+                      <m:t>𝑃</m:t>
+                    </m:r>
+                    <m:r>
+                      <a:rPr lang="en-US" altLang="zh-CN" sz="2000" b="0" i="1" smtClean="0">
+                        <a:latin typeface="Cambria Math" panose="02040503050406030204" pitchFamily="18" charset="0"/>
+                      </a:rPr>
+                      <m:t>=</m:t>
+                    </m:r>
+                    <m:f>
+                      <m:fPr>
+                        <m:ctrlPr>
+                          <a:rPr lang="en-US" altLang="zh-CN" sz="2000" b="0" i="1" smtClean="0">
+                            <a:latin typeface="Cambria Math" panose="02040503050406030204" pitchFamily="18" charset="0"/>
+                          </a:rPr>
+                        </m:ctrlPr>
+                      </m:fPr>
+                      <m:num>
+                        <m:r>
+                          <a:rPr lang="zh-CN" altLang="en-US" sz="2000" b="0" i="1" smtClean="0">
+                            <a:latin typeface="Cambria Math" panose="02040503050406030204" pitchFamily="18" charset="0"/>
+                          </a:rPr>
+                          <m:t>𝜕</m:t>
+                        </m:r>
+                        <m:r>
+                          <m:rPr>
+                            <m:sty m:val="p"/>
+                          </m:rPr>
+                          <a:rPr lang="en-US" altLang="zh-CN" sz="2000" b="0" i="0" smtClean="0">
+                            <a:latin typeface="Cambria Math" panose="02040503050406030204" pitchFamily="18" charset="0"/>
+                          </a:rPr>
+                          <m:t>Ψ</m:t>
+                        </m:r>
+                      </m:num>
+                      <m:den>
+                        <m:r>
+                          <a:rPr lang="zh-CN" altLang="en-US" sz="2000" b="0" i="1" smtClean="0">
+                            <a:latin typeface="Cambria Math" panose="02040503050406030204" pitchFamily="18" charset="0"/>
+                          </a:rPr>
+                          <m:t>𝜕</m:t>
+                        </m:r>
+                        <m:r>
+                          <a:rPr lang="en-US" altLang="zh-CN" sz="2000" b="0" i="1" smtClean="0">
+                            <a:latin typeface="Cambria Math" panose="02040503050406030204" pitchFamily="18" charset="0"/>
+                          </a:rPr>
+                          <m:t>𝐹</m:t>
+                        </m:r>
+                      </m:den>
+                    </m:f>
+                    <m:r>
+                      <a:rPr lang="en-US" altLang="zh-CN" sz="2000" b="0" i="1" smtClean="0">
+                        <a:latin typeface="Cambria Math" panose="02040503050406030204" pitchFamily="18" charset="0"/>
+                      </a:rPr>
+                      <m:t>=</m:t>
+                    </m:r>
+                    <m:r>
+                      <a:rPr lang="en-US" altLang="zh-CN" sz="2000" b="0" i="1" smtClean="0">
+                        <a:latin typeface="Cambria Math" panose="02040503050406030204" pitchFamily="18" charset="0"/>
+                      </a:rPr>
+                      <m:t>𝑅</m:t>
+                    </m:r>
+                    <m:d>
+                      <m:dPr>
+                        <m:begChr m:val="["/>
+                        <m:endChr m:val="]"/>
+                        <m:ctrlPr>
+                          <a:rPr lang="en-US" altLang="zh-CN" sz="2000" b="0" i="1" smtClean="0">
+                            <a:latin typeface="Cambria Math" panose="02040503050406030204" pitchFamily="18" charset="0"/>
+                          </a:rPr>
+                        </m:ctrlPr>
+                      </m:dPr>
+                      <m:e>
+                        <m:r>
+                          <a:rPr lang="en-US" altLang="zh-CN" sz="2000" b="0" i="1" smtClean="0">
+                            <a:latin typeface="Cambria Math" panose="02040503050406030204" pitchFamily="18" charset="0"/>
+                          </a:rPr>
+                          <m:t>2</m:t>
+                        </m:r>
+                        <m:r>
+                          <a:rPr lang="en-US" altLang="zh-CN" sz="2000" b="0" i="1" smtClean="0">
+                            <a:latin typeface="Cambria Math" panose="02040503050406030204" pitchFamily="18" charset="0"/>
+                          </a:rPr>
+                          <m:t>𝜇</m:t>
+                        </m:r>
+                        <m:sSub>
+                          <m:sSubPr>
+                            <m:ctrlPr>
+                              <a:rPr lang="en-US" altLang="zh-CN" sz="2000" b="0" i="1" smtClean="0">
+                                <a:latin typeface="Cambria Math" panose="02040503050406030204" pitchFamily="18" charset="0"/>
+                              </a:rPr>
+                            </m:ctrlPr>
+                          </m:sSubPr>
+                          <m:e>
+                            <m:r>
+                              <a:rPr lang="en-US" altLang="zh-CN" sz="2000" b="0" i="1" smtClean="0">
+                                <a:latin typeface="Cambria Math" panose="02040503050406030204" pitchFamily="18" charset="0"/>
+                              </a:rPr>
+                              <m:t>𝜖</m:t>
+                            </m:r>
+                          </m:e>
+                          <m:sub>
+                            <m:r>
+                              <a:rPr lang="en-US" altLang="zh-CN" sz="2000" b="0" i="1" smtClean="0">
+                                <a:latin typeface="Cambria Math" panose="02040503050406030204" pitchFamily="18" charset="0"/>
+                              </a:rPr>
+                              <m:t>𝑐</m:t>
+                            </m:r>
+                          </m:sub>
+                        </m:sSub>
+                        <m:r>
+                          <a:rPr lang="en-US" altLang="zh-CN" sz="2000" b="0" i="1" smtClean="0">
+                            <a:latin typeface="Cambria Math" panose="02040503050406030204" pitchFamily="18" charset="0"/>
+                          </a:rPr>
+                          <m:t>+</m:t>
+                        </m:r>
+                        <m:r>
+                          <a:rPr lang="en-US" altLang="zh-CN" sz="2000" b="0" i="1" smtClean="0">
+                            <a:latin typeface="Cambria Math" panose="02040503050406030204" pitchFamily="18" charset="0"/>
+                          </a:rPr>
+                          <m:t>𝜆</m:t>
+                        </m:r>
+                        <m:r>
+                          <a:rPr lang="en-US" altLang="zh-CN" sz="2000" b="0" i="1" smtClean="0">
+                            <a:latin typeface="Cambria Math" panose="02040503050406030204" pitchFamily="18" charset="0"/>
+                          </a:rPr>
+                          <m:t>𝑡𝑟</m:t>
+                        </m:r>
+                        <m:d>
+                          <m:dPr>
+                            <m:ctrlPr>
+                              <a:rPr lang="en-US" altLang="zh-CN" sz="2000" b="0" i="1" smtClean="0">
+                                <a:latin typeface="Cambria Math" panose="02040503050406030204" pitchFamily="18" charset="0"/>
+                              </a:rPr>
+                            </m:ctrlPr>
+                          </m:dPr>
+                          <m:e>
+                            <m:sSub>
+                              <m:sSubPr>
+                                <m:ctrlPr>
+                                  <a:rPr lang="en-US" altLang="zh-CN" sz="2000" b="0" i="1" smtClean="0">
+                                    <a:latin typeface="Cambria Math" panose="02040503050406030204" pitchFamily="18" charset="0"/>
+                                  </a:rPr>
+                                </m:ctrlPr>
+                              </m:sSubPr>
+                              <m:e>
+                                <m:r>
+                                  <a:rPr lang="en-US" altLang="zh-CN" sz="2000" b="0" i="1" smtClean="0">
+                                    <a:latin typeface="Cambria Math" panose="02040503050406030204" pitchFamily="18" charset="0"/>
+                                  </a:rPr>
+                                  <m:t>𝜖</m:t>
+                                </m:r>
+                              </m:e>
+                              <m:sub>
+                                <m:r>
+                                  <a:rPr lang="en-US" altLang="zh-CN" sz="2000" b="0" i="1" smtClean="0">
+                                    <a:latin typeface="Cambria Math" panose="02040503050406030204" pitchFamily="18" charset="0"/>
+                                  </a:rPr>
+                                  <m:t>𝑐</m:t>
+                                </m:r>
+                              </m:sub>
+                            </m:sSub>
+                          </m:e>
+                        </m:d>
+                        <m:r>
+                          <a:rPr lang="en-US" altLang="zh-CN" sz="2000" b="0" i="1" smtClean="0">
+                            <a:latin typeface="Cambria Math" panose="02040503050406030204" pitchFamily="18" charset="0"/>
+                          </a:rPr>
+                          <m:t>𝐼</m:t>
+                        </m:r>
+                      </m:e>
+                    </m:d>
+                  </m:oMath>
+                </a14:m>
+                <a:endParaRPr lang="en-US" altLang="zh-CN" sz="2000" dirty="0"/>
+              </a:p>
+            </p:txBody>
+          </p:sp>
+        </mc:Choice>
+        <mc:Fallback>
+          <p:sp>
+            <p:nvSpPr>
+              <p:cNvPr id="5" name="内容占位符 2">
+                <a:extLst>
+                  <a:ext uri="{FF2B5EF4-FFF2-40B4-BE49-F238E27FC236}">
+                    <a16:creationId xmlns:a16="http://schemas.microsoft.com/office/drawing/2014/main" id="{006E7EB2-0D5C-4B2E-0CA4-6A1DC0F8F6EA}"/>
+                  </a:ext>
+                </a:extLst>
+              </p:cNvPr>
+              <p:cNvSpPr txBox="1">
+                <a:spLocks noRot="1" noChangeAspect="1" noMove="1" noResize="1" noEditPoints="1" noAdjustHandles="1" noChangeArrowheads="1" noChangeShapeType="1" noTextEdit="1"/>
+              </p:cNvSpPr>
+              <p:nvPr/>
+            </p:nvSpPr>
+            <p:spPr>
+              <a:xfrm>
+                <a:off x="990600" y="1978025"/>
+                <a:ext cx="10515600" cy="4351338"/>
+              </a:xfrm>
+              <a:prstGeom prst="rect">
+                <a:avLst/>
+              </a:prstGeom>
+              <a:blipFill>
+                <a:blip r:embed="rId3"/>
+                <a:stretch>
+                  <a:fillRect l="-812" t="-1821"/>
+                </a:stretch>
+              </a:blipFill>
+            </p:spPr>
+            <p:txBody>
+              <a:bodyPr/>
+              <a:lstStyle/>
+              <a:p>
+                <a:r>
+                  <a:rPr lang="zh-CN" altLang="en-US">
+                    <a:noFill/>
+                  </a:rPr>
+                  <a:t> </a:t>
+                </a:r>
+              </a:p>
+            </p:txBody>
+          </p:sp>
+        </mc:Fallback>
+      </mc:AlternateContent>
+      <p:sp>
+        <p:nvSpPr>
+          <p:cNvPr id="6" name="文本框 5">
+            <a:extLst>
+              <a:ext uri="{FF2B5EF4-FFF2-40B4-BE49-F238E27FC236}">
+                <a16:creationId xmlns:a16="http://schemas.microsoft.com/office/drawing/2014/main" id="{C0E24FE0-3673-5DAE-0255-B53093682644}"/>
+              </a:ext>
+            </a:extLst>
+          </p:cNvPr>
+          <p:cNvSpPr txBox="1"/>
+          <p:nvPr/>
+        </p:nvSpPr>
+        <p:spPr>
+          <a:xfrm>
+            <a:off x="5804899" y="3328827"/>
+            <a:ext cx="3525324" cy="369332"/>
+          </a:xfrm>
+          <a:prstGeom prst="rect">
+            <a:avLst/>
+          </a:prstGeom>
+          <a:noFill/>
+        </p:spPr>
+        <p:txBody>
+          <a:bodyPr wrap="none" rtlCol="0">
+            <a:spAutoFit/>
+          </a:bodyPr>
+          <a:lstStyle/>
+          <a:p>
+            <a:r>
+              <a:rPr lang="en-US" altLang="zh-CN" b="1" dirty="0">
+                <a:solidFill>
+                  <a:schemeClr val="accent2"/>
+                </a:solidFill>
+              </a:rPr>
+              <a:t>1</a:t>
+            </a:r>
+            <a:r>
+              <a:rPr lang="en-US" altLang="zh-CN" b="1" baseline="30000" dirty="0">
+                <a:solidFill>
+                  <a:schemeClr val="accent2"/>
+                </a:solidFill>
+              </a:rPr>
+              <a:t>st</a:t>
+            </a:r>
+            <a:r>
+              <a:rPr lang="en-US" altLang="zh-CN" b="1" dirty="0">
+                <a:solidFill>
+                  <a:schemeClr val="accent2"/>
+                </a:solidFill>
+              </a:rPr>
+              <a:t>-Piola-Kirchhoff stress tensor</a:t>
+            </a:r>
+            <a:endParaRPr lang="zh-CN" altLang="en-US" b="1" dirty="0">
+              <a:solidFill>
+                <a:schemeClr val="accent2"/>
+              </a:solidFill>
+            </a:endParaRPr>
+          </a:p>
+        </p:txBody>
+      </p:sp>
+      <p:sp>
+        <p:nvSpPr>
+          <p:cNvPr id="8" name="矩形: 圆角 7">
+            <a:extLst>
+              <a:ext uri="{FF2B5EF4-FFF2-40B4-BE49-F238E27FC236}">
+                <a16:creationId xmlns:a16="http://schemas.microsoft.com/office/drawing/2014/main" id="{C3AE0F12-C42F-A2F4-0E0D-1B3F3D4636CD}"/>
+              </a:ext>
+            </a:extLst>
+          </p:cNvPr>
+          <p:cNvSpPr/>
+          <p:nvPr/>
+        </p:nvSpPr>
+        <p:spPr>
+          <a:xfrm>
+            <a:off x="7777537" y="3833095"/>
+            <a:ext cx="3525324" cy="1571111"/>
+          </a:xfrm>
+          <a:prstGeom prst="roundRect">
+            <a:avLst/>
+          </a:prstGeom>
+          <a:noFill/>
+          <a:ln w="9525" cap="flat" cmpd="sng" algn="ctr">
+            <a:solidFill>
+              <a:schemeClr val="dk1"/>
+            </a:solidFill>
+            <a:prstDash val="solid"/>
+            <a:round/>
+            <a:headEnd type="none" w="med" len="med"/>
+            <a:tailEnd type="none" w="med" len="med"/>
+          </a:ln>
+        </p:spPr>
+        <p:style>
+          <a:lnRef idx="0">
+            <a:scrgbClr r="0" g="0" b="0"/>
+          </a:lnRef>
+          <a:fillRef idx="0">
+            <a:scrgbClr r="0" g="0" b="0"/>
+          </a:fillRef>
+          <a:effectRef idx="0">
+            <a:scrgbClr r="0" g="0" b="0"/>
+          </a:effectRef>
+          <a:fontRef idx="minor">
+            <a:schemeClr val="dk1"/>
+          </a:fontRef>
+        </p:style>
+        <p:txBody>
+          <a:bodyPr rtlCol="0" anchor="ctr"/>
+          <a:lstStyle/>
+          <a:p>
+            <a:pPr algn="ctr"/>
+            <a:endParaRPr lang="zh-CN" altLang="en-US"/>
+          </a:p>
+        </p:txBody>
+      </p:sp>
+      <mc:AlternateContent xmlns:mc="http://schemas.openxmlformats.org/markup-compatibility/2006">
+        <mc:Choice xmlns:a14="http://schemas.microsoft.com/office/drawing/2010/main" Requires="a14">
+          <p:sp>
+            <p:nvSpPr>
+              <p:cNvPr id="9" name="文本框 8">
+                <a:extLst>
+                  <a:ext uri="{FF2B5EF4-FFF2-40B4-BE49-F238E27FC236}">
+                    <a16:creationId xmlns:a16="http://schemas.microsoft.com/office/drawing/2014/main" id="{49D73216-3E2D-9EC3-33FA-19CD73B37D46}"/>
+                  </a:ext>
+                </a:extLst>
+              </p:cNvPr>
+              <p:cNvSpPr txBox="1"/>
+              <p:nvPr/>
+            </p:nvSpPr>
+            <p:spPr>
+              <a:xfrm>
+                <a:off x="7860802" y="3935002"/>
+                <a:ext cx="3358793" cy="646331"/>
+              </a:xfrm>
+              <a:prstGeom prst="rect">
+                <a:avLst/>
+              </a:prstGeom>
+              <a:noFill/>
+            </p:spPr>
+            <p:txBody>
+              <a:bodyPr wrap="square" rtlCol="0">
+                <a:spAutoFit/>
+              </a:bodyPr>
+              <a:lstStyle/>
+              <a:p>
+                <a:r>
+                  <a:rPr lang="en-US" altLang="zh-CN" dirty="0"/>
+                  <a:t>Eventually we will need the gradient of </a:t>
+                </a:r>
+                <a14:m>
+                  <m:oMath xmlns:m="http://schemas.openxmlformats.org/officeDocument/2006/math">
+                    <m:r>
+                      <m:rPr>
+                        <m:sty m:val="p"/>
+                      </m:rPr>
+                      <a:rPr lang="en-US" altLang="zh-CN" b="0" i="0" smtClean="0">
+                        <a:latin typeface="Cambria Math" panose="02040503050406030204" pitchFamily="18" charset="0"/>
+                      </a:rPr>
+                      <m:t>Ψ</m:t>
+                    </m:r>
+                  </m:oMath>
+                </a14:m>
+                <a:r>
+                  <a:rPr lang="zh-CN" altLang="en-US" dirty="0"/>
+                  <a:t> </a:t>
+                </a:r>
+                <a:r>
+                  <a:rPr lang="en-US" altLang="zh-CN" dirty="0"/>
+                  <a:t>to run simulations.</a:t>
+                </a:r>
+                <a:endParaRPr lang="zh-CN" altLang="en-US" dirty="0"/>
+              </a:p>
+            </p:txBody>
+          </p:sp>
+        </mc:Choice>
+        <mc:Fallback>
+          <p:sp>
+            <p:nvSpPr>
+              <p:cNvPr id="9" name="文本框 8">
+                <a:extLst>
+                  <a:ext uri="{FF2B5EF4-FFF2-40B4-BE49-F238E27FC236}">
+                    <a16:creationId xmlns:a16="http://schemas.microsoft.com/office/drawing/2014/main" id="{49D73216-3E2D-9EC3-33FA-19CD73B37D46}"/>
+                  </a:ext>
+                </a:extLst>
+              </p:cNvPr>
+              <p:cNvSpPr txBox="1">
+                <a:spLocks noRot="1" noChangeAspect="1" noMove="1" noResize="1" noEditPoints="1" noAdjustHandles="1" noChangeArrowheads="1" noChangeShapeType="1" noTextEdit="1"/>
+              </p:cNvSpPr>
+              <p:nvPr/>
+            </p:nvSpPr>
+            <p:spPr>
+              <a:xfrm>
+                <a:off x="7860802" y="3935002"/>
+                <a:ext cx="3358793" cy="646331"/>
+              </a:xfrm>
+              <a:prstGeom prst="rect">
+                <a:avLst/>
+              </a:prstGeom>
+              <a:blipFill>
+                <a:blip r:embed="rId4"/>
+                <a:stretch>
+                  <a:fillRect l="-1636" t="-5660" r="-2909" b="-14151"/>
+                </a:stretch>
+              </a:blipFill>
+            </p:spPr>
+            <p:txBody>
+              <a:bodyPr/>
+              <a:lstStyle/>
+              <a:p>
+                <a:r>
+                  <a:rPr lang="zh-CN" altLang="en-US">
+                    <a:noFill/>
+                  </a:rPr>
+                  <a:t> </a:t>
+                </a:r>
+              </a:p>
+            </p:txBody>
+          </p:sp>
+        </mc:Fallback>
+      </mc:AlternateContent>
+      <mc:AlternateContent xmlns:mc="http://schemas.openxmlformats.org/markup-compatibility/2006">
+        <mc:Choice xmlns:a14="http://schemas.microsoft.com/office/drawing/2010/main" Requires="a14">
+          <p:sp>
+            <p:nvSpPr>
+              <p:cNvPr id="10" name="文本框 9">
+                <a:extLst>
+                  <a:ext uri="{FF2B5EF4-FFF2-40B4-BE49-F238E27FC236}">
+                    <a16:creationId xmlns:a16="http://schemas.microsoft.com/office/drawing/2014/main" id="{9CE6A536-F52C-801E-64EF-332329751574}"/>
+                  </a:ext>
+                </a:extLst>
+              </p:cNvPr>
+              <p:cNvSpPr txBox="1"/>
+              <p:nvPr/>
+            </p:nvSpPr>
+            <p:spPr>
+              <a:xfrm>
+                <a:off x="8763158" y="4643688"/>
+                <a:ext cx="1554080" cy="585225"/>
+              </a:xfrm>
+              <a:prstGeom prst="rect">
+                <a:avLst/>
+              </a:prstGeom>
+              <a:noFill/>
+            </p:spPr>
+            <p:txBody>
+              <a:bodyPr wrap="none" lIns="0" tIns="0" rIns="0" bIns="0" rtlCol="0">
+                <a:spAutoFit/>
+              </a:bodyPr>
+              <a:lstStyle/>
+              <a:p>
+                <a14:m>
+                  <m:oMathPara xmlns:m="http://schemas.openxmlformats.org/officeDocument/2006/math">
+                    <m:oMathParaPr>
+                      <m:jc m:val="centerGroup"/>
+                    </m:oMathParaPr>
+                    <m:oMath xmlns:m="http://schemas.openxmlformats.org/officeDocument/2006/math">
+                      <m:f>
+                        <m:fPr>
+                          <m:ctrlPr>
+                            <a:rPr lang="en-US" altLang="zh-CN" sz="2000" b="0" i="1" smtClean="0">
+                              <a:latin typeface="Cambria Math" panose="02040503050406030204" pitchFamily="18" charset="0"/>
+                            </a:rPr>
+                          </m:ctrlPr>
+                        </m:fPr>
+                        <m:num>
+                          <m:r>
+                            <a:rPr lang="zh-CN" altLang="en-US" sz="2000" b="0" i="1" smtClean="0">
+                              <a:latin typeface="Cambria Math" panose="02040503050406030204" pitchFamily="18" charset="0"/>
+                            </a:rPr>
+                            <m:t>𝜕</m:t>
+                          </m:r>
+                          <m:r>
+                            <m:rPr>
+                              <m:sty m:val="p"/>
+                            </m:rPr>
+                            <a:rPr lang="en-US" altLang="zh-CN" sz="2000" b="0" i="0" smtClean="0">
+                              <a:latin typeface="Cambria Math" panose="02040503050406030204" pitchFamily="18" charset="0"/>
+                            </a:rPr>
+                            <m:t>Ψ</m:t>
+                          </m:r>
+                        </m:num>
+                        <m:den>
+                          <m:r>
+                            <a:rPr lang="zh-CN" altLang="en-US" sz="2000" b="0" i="1" smtClean="0">
+                              <a:latin typeface="Cambria Math" panose="02040503050406030204" pitchFamily="18" charset="0"/>
+                            </a:rPr>
+                            <m:t>𝜕</m:t>
+                          </m:r>
+                          <m:r>
+                            <a:rPr lang="en-US" altLang="zh-CN" sz="2000" b="1" i="1" smtClean="0">
+                              <a:latin typeface="Cambria Math" panose="02040503050406030204" pitchFamily="18" charset="0"/>
+                            </a:rPr>
+                            <m:t>𝒙</m:t>
+                          </m:r>
+                        </m:den>
+                      </m:f>
+                      <m:r>
+                        <a:rPr lang="en-US" altLang="zh-CN" sz="2000" b="0" i="1" smtClean="0">
+                          <a:latin typeface="Cambria Math" panose="02040503050406030204" pitchFamily="18" charset="0"/>
+                        </a:rPr>
+                        <m:t>=</m:t>
+                      </m:r>
+                      <m:f>
+                        <m:fPr>
+                          <m:ctrlPr>
+                            <a:rPr lang="en-US" altLang="zh-CN" sz="2000" b="0" i="1" smtClean="0">
+                              <a:latin typeface="Cambria Math" panose="02040503050406030204" pitchFamily="18" charset="0"/>
+                            </a:rPr>
+                          </m:ctrlPr>
+                        </m:fPr>
+                        <m:num>
+                          <m:r>
+                            <a:rPr lang="zh-CN" altLang="en-US" sz="2000" b="0" i="1" smtClean="0">
+                              <a:latin typeface="Cambria Math" panose="02040503050406030204" pitchFamily="18" charset="0"/>
+                            </a:rPr>
+                            <m:t>𝜕</m:t>
+                          </m:r>
+                          <m:r>
+                            <a:rPr lang="en-US" altLang="zh-CN" sz="2000" b="0" i="1" smtClean="0">
+                              <a:latin typeface="Cambria Math" panose="02040503050406030204" pitchFamily="18" charset="0"/>
+                            </a:rPr>
+                            <m:t>𝐹</m:t>
+                          </m:r>
+                        </m:num>
+                        <m:den>
+                          <m:r>
+                            <a:rPr lang="zh-CN" altLang="en-US" sz="2000" b="0" i="1" smtClean="0">
+                              <a:latin typeface="Cambria Math" panose="02040503050406030204" pitchFamily="18" charset="0"/>
+                            </a:rPr>
+                            <m:t>𝜕</m:t>
+                          </m:r>
+                          <m:r>
+                            <a:rPr lang="en-US" altLang="zh-CN" sz="2000" b="1" i="1" smtClean="0">
+                              <a:latin typeface="Cambria Math" panose="02040503050406030204" pitchFamily="18" charset="0"/>
+                            </a:rPr>
+                            <m:t>𝒙</m:t>
+                          </m:r>
+                        </m:den>
+                      </m:f>
+                      <m:r>
+                        <a:rPr lang="en-US" altLang="zh-CN" sz="2000" b="0" i="1" smtClean="0">
+                          <a:latin typeface="Cambria Math" panose="02040503050406030204" pitchFamily="18" charset="0"/>
+                        </a:rPr>
+                        <m:t>:</m:t>
+                      </m:r>
+                      <m:f>
+                        <m:fPr>
+                          <m:ctrlPr>
+                            <a:rPr lang="en-US" altLang="zh-CN" sz="2000" b="0" i="1" smtClean="0">
+                              <a:latin typeface="Cambria Math" panose="02040503050406030204" pitchFamily="18" charset="0"/>
+                            </a:rPr>
+                          </m:ctrlPr>
+                        </m:fPr>
+                        <m:num>
+                          <m:r>
+                            <a:rPr lang="zh-CN" altLang="en-US" sz="2000" b="0" i="1" smtClean="0">
+                              <a:latin typeface="Cambria Math" panose="02040503050406030204" pitchFamily="18" charset="0"/>
+                            </a:rPr>
+                            <m:t>𝜕</m:t>
+                          </m:r>
+                          <m:r>
+                            <m:rPr>
+                              <m:sty m:val="p"/>
+                            </m:rPr>
+                            <a:rPr lang="en-US" altLang="zh-CN" sz="2000" b="0" i="0" smtClean="0">
+                              <a:latin typeface="Cambria Math" panose="02040503050406030204" pitchFamily="18" charset="0"/>
+                            </a:rPr>
+                            <m:t>Ψ</m:t>
+                          </m:r>
+                        </m:num>
+                        <m:den>
+                          <m:r>
+                            <a:rPr lang="zh-CN" altLang="en-US" sz="2000" b="0" i="1" smtClean="0">
+                              <a:latin typeface="Cambria Math" panose="02040503050406030204" pitchFamily="18" charset="0"/>
+                            </a:rPr>
+                            <m:t>𝜕</m:t>
+                          </m:r>
+                          <m:r>
+                            <a:rPr lang="en-US" altLang="zh-CN" sz="2000" b="0" i="1" smtClean="0">
+                              <a:latin typeface="Cambria Math" panose="02040503050406030204" pitchFamily="18" charset="0"/>
+                            </a:rPr>
+                            <m:t>𝐹</m:t>
+                          </m:r>
+                        </m:den>
+                      </m:f>
+                    </m:oMath>
+                  </m:oMathPara>
+                </a14:m>
+                <a:endParaRPr lang="zh-CN" altLang="en-US" sz="2000" dirty="0"/>
+              </a:p>
+            </p:txBody>
+          </p:sp>
+        </mc:Choice>
+        <mc:Fallback>
+          <p:sp>
+            <p:nvSpPr>
+              <p:cNvPr id="10" name="文本框 9">
+                <a:extLst>
+                  <a:ext uri="{FF2B5EF4-FFF2-40B4-BE49-F238E27FC236}">
+                    <a16:creationId xmlns:a16="http://schemas.microsoft.com/office/drawing/2014/main" id="{9CE6A536-F52C-801E-64EF-332329751574}"/>
+                  </a:ext>
+                </a:extLst>
+              </p:cNvPr>
+              <p:cNvSpPr txBox="1">
+                <a:spLocks noRot="1" noChangeAspect="1" noMove="1" noResize="1" noEditPoints="1" noAdjustHandles="1" noChangeArrowheads="1" noChangeShapeType="1" noTextEdit="1"/>
+              </p:cNvSpPr>
+              <p:nvPr/>
+            </p:nvSpPr>
+            <p:spPr>
+              <a:xfrm>
+                <a:off x="8763158" y="4643688"/>
+                <a:ext cx="1554080" cy="585225"/>
+              </a:xfrm>
+              <a:prstGeom prst="rect">
+                <a:avLst/>
+              </a:prstGeom>
+              <a:blipFill>
+                <a:blip r:embed="rId5"/>
+                <a:stretch>
+                  <a:fillRect/>
+                </a:stretch>
+              </a:blipFill>
+            </p:spPr>
+            <p:txBody>
+              <a:bodyPr/>
+              <a:lstStyle/>
+              <a:p>
+                <a:r>
+                  <a:rPr lang="zh-CN" altLang="en-US">
+                    <a:noFill/>
+                  </a:rPr>
+                  <a:t> </a:t>
+                </a:r>
+              </a:p>
+            </p:txBody>
+          </p:sp>
+        </mc:Fallback>
+      </mc:AlternateContent>
+      <p:cxnSp>
+        <p:nvCxnSpPr>
+          <p:cNvPr id="13" name="直接箭头连接符 12">
+            <a:extLst>
+              <a:ext uri="{FF2B5EF4-FFF2-40B4-BE49-F238E27FC236}">
+                <a16:creationId xmlns:a16="http://schemas.microsoft.com/office/drawing/2014/main" id="{6113FCD0-59E2-7F71-091C-281259B3A799}"/>
+              </a:ext>
+            </a:extLst>
+          </p:cNvPr>
+          <p:cNvCxnSpPr>
+            <a:cxnSpLocks/>
+            <a:stCxn id="10" idx="2"/>
+          </p:cNvCxnSpPr>
+          <p:nvPr/>
+        </p:nvCxnSpPr>
+        <p:spPr>
+          <a:xfrm flipH="1">
+            <a:off x="8424809" y="5228913"/>
+            <a:ext cx="1115389" cy="411599"/>
+          </a:xfrm>
+          <a:prstGeom prst="straightConnector1">
+            <a:avLst/>
+          </a:prstGeom>
+          <a:ln>
+            <a:tailEnd type="triangle"/>
+          </a:ln>
+        </p:spPr>
+        <p:style>
+          <a:lnRef idx="1">
+            <a:schemeClr val="accent1"/>
+          </a:lnRef>
+          <a:fillRef idx="0">
+            <a:schemeClr val="accent1"/>
+          </a:fillRef>
+          <a:effectRef idx="0">
+            <a:schemeClr val="accent1"/>
+          </a:effectRef>
+          <a:fontRef idx="minor">
+            <a:schemeClr val="tx1"/>
+          </a:fontRef>
+        </p:style>
+      </p:cxnSp>
+      <mc:AlternateContent xmlns:mc="http://schemas.openxmlformats.org/markup-compatibility/2006">
+        <mc:Choice xmlns:a14="http://schemas.microsoft.com/office/drawing/2010/main" Requires="a14">
+          <p:sp>
+            <p:nvSpPr>
+              <p:cNvPr id="14" name="文本框 13">
+                <a:extLst>
+                  <a:ext uri="{FF2B5EF4-FFF2-40B4-BE49-F238E27FC236}">
+                    <a16:creationId xmlns:a16="http://schemas.microsoft.com/office/drawing/2014/main" id="{83DC8E39-7E6A-ACB5-E1B5-D4DF1433D539}"/>
+                  </a:ext>
+                </a:extLst>
+              </p:cNvPr>
+              <p:cNvSpPr txBox="1"/>
+              <p:nvPr/>
+            </p:nvSpPr>
+            <p:spPr>
+              <a:xfrm>
+                <a:off x="6560510" y="5671642"/>
+                <a:ext cx="2600584" cy="338554"/>
+              </a:xfrm>
+              <a:prstGeom prst="rect">
+                <a:avLst/>
+              </a:prstGeom>
+              <a:noFill/>
+            </p:spPr>
+            <p:txBody>
+              <a:bodyPr wrap="none" rtlCol="0">
+                <a:spAutoFit/>
+              </a:bodyPr>
+              <a:lstStyle/>
+              <a:p>
+                <a:r>
+                  <a:rPr lang="en-US" altLang="zh-CN" sz="1600" dirty="0"/>
+                  <a:t>A </a:t>
+                </a:r>
+                <a14:m>
+                  <m:oMath xmlns:m="http://schemas.openxmlformats.org/officeDocument/2006/math">
+                    <m:d>
+                      <m:dPr>
+                        <m:ctrlPr>
+                          <a:rPr lang="en-US" altLang="zh-CN" sz="1600" i="1" smtClean="0">
+                            <a:latin typeface="Cambria Math" panose="02040503050406030204" pitchFamily="18" charset="0"/>
+                          </a:rPr>
+                        </m:ctrlPr>
+                      </m:dPr>
+                      <m:e>
+                        <m:r>
+                          <a:rPr lang="en-US" altLang="zh-CN" sz="1600" i="1" smtClean="0">
+                            <a:latin typeface="Cambria Math" panose="02040503050406030204" pitchFamily="18" charset="0"/>
+                          </a:rPr>
+                          <m:t>1</m:t>
+                        </m:r>
+                        <m:r>
+                          <a:rPr lang="en-US" altLang="zh-CN" sz="1600" b="0" i="1" smtClean="0">
+                            <a:latin typeface="Cambria Math" panose="02040503050406030204" pitchFamily="18" charset="0"/>
+                          </a:rPr>
+                          <m:t>2</m:t>
+                        </m:r>
+                        <m:r>
+                          <a:rPr lang="en-US" altLang="zh-CN" sz="1600" b="0" i="1" smtClean="0">
+                            <a:latin typeface="Cambria Math" panose="02040503050406030204" pitchFamily="18" charset="0"/>
+                          </a:rPr>
+                          <m:t>×1</m:t>
+                        </m:r>
+                      </m:e>
+                    </m:d>
+                    <m:r>
+                      <a:rPr lang="en-US" altLang="zh-CN" sz="1600" b="0" i="1" smtClean="0">
+                        <a:latin typeface="Cambria Math" panose="02040503050406030204" pitchFamily="18" charset="0"/>
+                      </a:rPr>
+                      <m:t>×</m:t>
+                    </m:r>
+                    <m:d>
+                      <m:dPr>
+                        <m:ctrlPr>
+                          <a:rPr lang="en-US" altLang="zh-CN" sz="1600" b="0" i="1" smtClean="0">
+                            <a:latin typeface="Cambria Math" panose="02040503050406030204" pitchFamily="18" charset="0"/>
+                          </a:rPr>
+                        </m:ctrlPr>
+                      </m:dPr>
+                      <m:e>
+                        <m:r>
+                          <a:rPr lang="en-US" altLang="zh-CN" sz="1600" b="0" i="1" smtClean="0">
+                            <a:latin typeface="Cambria Math" panose="02040503050406030204" pitchFamily="18" charset="0"/>
+                          </a:rPr>
+                          <m:t>3×3</m:t>
+                        </m:r>
+                      </m:e>
+                    </m:d>
+                  </m:oMath>
+                </a14:m>
+                <a:r>
+                  <a:rPr lang="en-US" altLang="zh-CN" sz="1600" dirty="0"/>
+                  <a:t> tensor</a:t>
+                </a:r>
+                <a:endParaRPr lang="zh-CN" altLang="en-US" sz="1600" dirty="0"/>
+              </a:p>
+            </p:txBody>
+          </p:sp>
+        </mc:Choice>
+        <mc:Fallback>
+          <p:sp>
+            <p:nvSpPr>
+              <p:cNvPr id="14" name="文本框 13">
+                <a:extLst>
+                  <a:ext uri="{FF2B5EF4-FFF2-40B4-BE49-F238E27FC236}">
+                    <a16:creationId xmlns:a16="http://schemas.microsoft.com/office/drawing/2014/main" id="{83DC8E39-7E6A-ACB5-E1B5-D4DF1433D539}"/>
+                  </a:ext>
+                </a:extLst>
+              </p:cNvPr>
+              <p:cNvSpPr txBox="1">
+                <a:spLocks noRot="1" noChangeAspect="1" noMove="1" noResize="1" noEditPoints="1" noAdjustHandles="1" noChangeArrowheads="1" noChangeShapeType="1" noTextEdit="1"/>
+              </p:cNvSpPr>
+              <p:nvPr/>
+            </p:nvSpPr>
+            <p:spPr>
+              <a:xfrm>
+                <a:off x="6560510" y="5671642"/>
+                <a:ext cx="2600584" cy="338554"/>
+              </a:xfrm>
+              <a:prstGeom prst="rect">
+                <a:avLst/>
+              </a:prstGeom>
+              <a:blipFill>
+                <a:blip r:embed="rId6"/>
+                <a:stretch>
+                  <a:fillRect l="-1171" t="-5357" b="-21429"/>
+                </a:stretch>
+              </a:blipFill>
+            </p:spPr>
+            <p:txBody>
+              <a:bodyPr/>
+              <a:lstStyle/>
+              <a:p>
+                <a:r>
+                  <a:rPr lang="zh-CN" altLang="en-US">
+                    <a:noFill/>
+                  </a:rPr>
+                  <a:t> </a:t>
+                </a:r>
+              </a:p>
+            </p:txBody>
+          </p:sp>
+        </mc:Fallback>
+      </mc:AlternateContent>
+      <mc:AlternateContent xmlns:mc="http://schemas.openxmlformats.org/markup-compatibility/2006">
+        <mc:Choice xmlns:a14="http://schemas.microsoft.com/office/drawing/2010/main" Requires="a14">
+          <p:sp>
+            <p:nvSpPr>
+              <p:cNvPr id="15" name="文本框 14">
+                <a:extLst>
+                  <a:ext uri="{FF2B5EF4-FFF2-40B4-BE49-F238E27FC236}">
+                    <a16:creationId xmlns:a16="http://schemas.microsoft.com/office/drawing/2014/main" id="{17B416BA-32FC-5DBA-AA4D-BAF02ED47FDD}"/>
+                  </a:ext>
+                </a:extLst>
+              </p:cNvPr>
+              <p:cNvSpPr txBox="1"/>
+              <p:nvPr/>
+            </p:nvSpPr>
+            <p:spPr>
+              <a:xfrm>
+                <a:off x="9626952" y="5640512"/>
+                <a:ext cx="2392193" cy="338554"/>
+              </a:xfrm>
+              <a:prstGeom prst="rect">
+                <a:avLst/>
+              </a:prstGeom>
+              <a:noFill/>
+            </p:spPr>
+            <p:txBody>
+              <a:bodyPr wrap="none" rtlCol="0">
+                <a:spAutoFit/>
+              </a:bodyPr>
+              <a:lstStyle/>
+              <a:p>
+                <a:r>
+                  <a:rPr lang="en-US" altLang="zh-CN" sz="1600" dirty="0"/>
+                  <a:t>A </a:t>
+                </a:r>
+                <a14:m>
+                  <m:oMath xmlns:m="http://schemas.openxmlformats.org/officeDocument/2006/math">
+                    <m:d>
+                      <m:dPr>
+                        <m:ctrlPr>
+                          <a:rPr lang="en-US" altLang="zh-CN" sz="1600" b="0" i="1" smtClean="0">
+                            <a:latin typeface="Cambria Math" panose="02040503050406030204" pitchFamily="18" charset="0"/>
+                          </a:rPr>
+                        </m:ctrlPr>
+                      </m:dPr>
+                      <m:e>
+                        <m:r>
+                          <a:rPr lang="en-US" altLang="zh-CN" sz="1600" b="0" i="1" smtClean="0">
+                            <a:latin typeface="Cambria Math" panose="02040503050406030204" pitchFamily="18" charset="0"/>
+                          </a:rPr>
+                          <m:t>3×3</m:t>
+                        </m:r>
+                      </m:e>
+                    </m:d>
+                  </m:oMath>
+                </a14:m>
+                <a:r>
+                  <a:rPr lang="en-US" altLang="zh-CN" sz="1600" dirty="0"/>
+                  <a:t> tensor (matrix)</a:t>
+                </a:r>
+                <a:endParaRPr lang="zh-CN" altLang="en-US" sz="1600" dirty="0"/>
+              </a:p>
+            </p:txBody>
+          </p:sp>
+        </mc:Choice>
+        <mc:Fallback>
+          <p:sp>
+            <p:nvSpPr>
+              <p:cNvPr id="15" name="文本框 14">
+                <a:extLst>
+                  <a:ext uri="{FF2B5EF4-FFF2-40B4-BE49-F238E27FC236}">
+                    <a16:creationId xmlns:a16="http://schemas.microsoft.com/office/drawing/2014/main" id="{17B416BA-32FC-5DBA-AA4D-BAF02ED47FDD}"/>
+                  </a:ext>
+                </a:extLst>
+              </p:cNvPr>
+              <p:cNvSpPr txBox="1">
+                <a:spLocks noRot="1" noChangeAspect="1" noMove="1" noResize="1" noEditPoints="1" noAdjustHandles="1" noChangeArrowheads="1" noChangeShapeType="1" noTextEdit="1"/>
+              </p:cNvSpPr>
+              <p:nvPr/>
+            </p:nvSpPr>
+            <p:spPr>
+              <a:xfrm>
+                <a:off x="9626952" y="5640512"/>
+                <a:ext cx="2392193" cy="338554"/>
+              </a:xfrm>
+              <a:prstGeom prst="rect">
+                <a:avLst/>
+              </a:prstGeom>
+              <a:blipFill>
+                <a:blip r:embed="rId7"/>
+                <a:stretch>
+                  <a:fillRect l="-1272" t="-5357" b="-21429"/>
+                </a:stretch>
+              </a:blipFill>
+            </p:spPr>
+            <p:txBody>
+              <a:bodyPr/>
+              <a:lstStyle/>
+              <a:p>
+                <a:r>
+                  <a:rPr lang="zh-CN" altLang="en-US">
+                    <a:noFill/>
+                  </a:rPr>
+                  <a:t> </a:t>
+                </a:r>
+              </a:p>
+            </p:txBody>
+          </p:sp>
+        </mc:Fallback>
+      </mc:AlternateContent>
+      <p:cxnSp>
+        <p:nvCxnSpPr>
+          <p:cNvPr id="17" name="直接箭头连接符 16">
+            <a:extLst>
+              <a:ext uri="{FF2B5EF4-FFF2-40B4-BE49-F238E27FC236}">
+                <a16:creationId xmlns:a16="http://schemas.microsoft.com/office/drawing/2014/main" id="{2A02637D-49A0-4922-4192-FA800E59B7BC}"/>
+              </a:ext>
+            </a:extLst>
+          </p:cNvPr>
+          <p:cNvCxnSpPr>
+            <a:endCxn id="15" idx="0"/>
+          </p:cNvCxnSpPr>
+          <p:nvPr/>
+        </p:nvCxnSpPr>
+        <p:spPr>
+          <a:xfrm>
+            <a:off x="10110763" y="5290215"/>
+            <a:ext cx="712286" cy="350297"/>
+          </a:xfrm>
+          <a:prstGeom prst="straightConnector1">
+            <a:avLst/>
+          </a:prstGeom>
+          <a:ln>
+            <a:tailEnd type="triangle"/>
+          </a:ln>
+        </p:spPr>
+        <p:style>
+          <a:lnRef idx="1">
+            <a:schemeClr val="accent1"/>
+          </a:lnRef>
+          <a:fillRef idx="0">
+            <a:schemeClr val="accent1"/>
+          </a:fillRef>
+          <a:effectRef idx="0">
+            <a:schemeClr val="accent1"/>
+          </a:effectRef>
+          <a:fontRef idx="minor">
+            <a:schemeClr val="tx1"/>
+          </a:fontRef>
+        </p:style>
+      </p:cxnSp>
+      <p:sp>
+        <p:nvSpPr>
+          <p:cNvPr id="18" name="左大括号 17">
+            <a:extLst>
+              <a:ext uri="{FF2B5EF4-FFF2-40B4-BE49-F238E27FC236}">
+                <a16:creationId xmlns:a16="http://schemas.microsoft.com/office/drawing/2014/main" id="{CB8C368F-397A-7AFA-145C-213B9E0C89FF}"/>
+              </a:ext>
+            </a:extLst>
+          </p:cNvPr>
+          <p:cNvSpPr/>
+          <p:nvPr/>
+        </p:nvSpPr>
+        <p:spPr>
+          <a:xfrm rot="16200000">
+            <a:off x="9151620" y="4698613"/>
+            <a:ext cx="276155" cy="2857791"/>
+          </a:xfrm>
+          <a:prstGeom prst="leftBrace">
+            <a:avLst>
+              <a:gd name="adj1" fmla="val 123666"/>
+              <a:gd name="adj2" fmla="val 50000"/>
+            </a:avLst>
+          </a:prstGeom>
+        </p:spPr>
+        <p:style>
+          <a:lnRef idx="1">
+            <a:schemeClr val="accent1"/>
+          </a:lnRef>
+          <a:fillRef idx="0">
+            <a:schemeClr val="accent1"/>
+          </a:fillRef>
+          <a:effectRef idx="0">
+            <a:schemeClr val="accent1"/>
+          </a:effectRef>
+          <a:fontRef idx="minor">
+            <a:schemeClr val="tx1"/>
+          </a:fontRef>
+        </p:style>
+        <p:txBody>
+          <a:bodyPr rtlCol="0" anchor="ctr"/>
+          <a:lstStyle/>
+          <a:p>
+            <a:pPr algn="ctr"/>
+            <a:endParaRPr lang="zh-CN" altLang="en-US"/>
+          </a:p>
+        </p:txBody>
+      </p:sp>
+      <mc:AlternateContent xmlns:mc="http://schemas.openxmlformats.org/markup-compatibility/2006">
+        <mc:Choice xmlns:a14="http://schemas.microsoft.com/office/drawing/2010/main" Requires="a14">
+          <p:sp>
+            <p:nvSpPr>
+              <p:cNvPr id="19" name="文本框 18">
+                <a:extLst>
+                  <a:ext uri="{FF2B5EF4-FFF2-40B4-BE49-F238E27FC236}">
+                    <a16:creationId xmlns:a16="http://schemas.microsoft.com/office/drawing/2014/main" id="{AB7361C4-5014-728D-892B-7754C0A9959D}"/>
+                  </a:ext>
+                </a:extLst>
+              </p:cNvPr>
+              <p:cNvSpPr txBox="1"/>
+              <p:nvPr/>
+            </p:nvSpPr>
+            <p:spPr>
+              <a:xfrm>
+                <a:off x="8064746" y="6327985"/>
+                <a:ext cx="2449901" cy="338554"/>
+              </a:xfrm>
+              <a:prstGeom prst="rect">
+                <a:avLst/>
+              </a:prstGeom>
+              <a:noFill/>
+            </p:spPr>
+            <p:txBody>
+              <a:bodyPr wrap="none" rtlCol="0">
+                <a:spAutoFit/>
+              </a:bodyPr>
+              <a:lstStyle/>
+              <a:p>
+                <a:r>
+                  <a:rPr lang="en-US" altLang="zh-CN" sz="1600" dirty="0"/>
+                  <a:t>A </a:t>
+                </a:r>
+                <a14:m>
+                  <m:oMath xmlns:m="http://schemas.openxmlformats.org/officeDocument/2006/math">
+                    <m:d>
+                      <m:dPr>
+                        <m:ctrlPr>
+                          <a:rPr lang="en-US" altLang="zh-CN" sz="1600" i="1" smtClean="0">
+                            <a:latin typeface="Cambria Math" panose="02040503050406030204" pitchFamily="18" charset="0"/>
+                          </a:rPr>
+                        </m:ctrlPr>
+                      </m:dPr>
+                      <m:e>
+                        <m:r>
+                          <a:rPr lang="en-US" altLang="zh-CN" sz="1600" i="1" smtClean="0">
+                            <a:latin typeface="Cambria Math" panose="02040503050406030204" pitchFamily="18" charset="0"/>
+                          </a:rPr>
+                          <m:t>1</m:t>
+                        </m:r>
+                        <m:r>
+                          <a:rPr lang="en-US" altLang="zh-CN" sz="1600" b="0" i="1" smtClean="0">
+                            <a:latin typeface="Cambria Math" panose="02040503050406030204" pitchFamily="18" charset="0"/>
+                          </a:rPr>
+                          <m:t>2</m:t>
+                        </m:r>
+                        <m:r>
+                          <a:rPr lang="en-US" altLang="zh-CN" sz="1600" b="0" i="1" smtClean="0">
+                            <a:latin typeface="Cambria Math" panose="02040503050406030204" pitchFamily="18" charset="0"/>
+                          </a:rPr>
+                          <m:t>×1</m:t>
+                        </m:r>
+                      </m:e>
+                    </m:d>
+                  </m:oMath>
+                </a14:m>
+                <a:r>
+                  <a:rPr lang="en-US" altLang="zh-CN" sz="1600" dirty="0"/>
+                  <a:t> tensor (vector)</a:t>
+                </a:r>
+                <a:endParaRPr lang="zh-CN" altLang="en-US" sz="1600" dirty="0"/>
+              </a:p>
+            </p:txBody>
+          </p:sp>
+        </mc:Choice>
+        <mc:Fallback>
+          <p:sp>
+            <p:nvSpPr>
+              <p:cNvPr id="19" name="文本框 18">
+                <a:extLst>
+                  <a:ext uri="{FF2B5EF4-FFF2-40B4-BE49-F238E27FC236}">
+                    <a16:creationId xmlns:a16="http://schemas.microsoft.com/office/drawing/2014/main" id="{AB7361C4-5014-728D-892B-7754C0A9959D}"/>
+                  </a:ext>
+                </a:extLst>
+              </p:cNvPr>
+              <p:cNvSpPr txBox="1">
+                <a:spLocks noRot="1" noChangeAspect="1" noMove="1" noResize="1" noEditPoints="1" noAdjustHandles="1" noChangeArrowheads="1" noChangeShapeType="1" noTextEdit="1"/>
+              </p:cNvSpPr>
+              <p:nvPr/>
+            </p:nvSpPr>
+            <p:spPr>
+              <a:xfrm>
+                <a:off x="8064746" y="6327985"/>
+                <a:ext cx="2449901" cy="338554"/>
+              </a:xfrm>
+              <a:prstGeom prst="rect">
+                <a:avLst/>
+              </a:prstGeom>
+              <a:blipFill>
+                <a:blip r:embed="rId8"/>
+                <a:stretch>
+                  <a:fillRect l="-1493" t="-5357" b="-21429"/>
+                </a:stretch>
+              </a:blipFill>
+            </p:spPr>
+            <p:txBody>
+              <a:bodyPr/>
+              <a:lstStyle/>
+              <a:p>
+                <a:r>
+                  <a:rPr lang="zh-CN" altLang="en-US">
+                    <a:noFill/>
+                  </a:rPr>
+                  <a:t> </a:t>
+                </a:r>
+              </a:p>
+            </p:txBody>
+          </p:sp>
+        </mc:Fallback>
+      </mc:AlternateContent>
+      <mc:AlternateContent xmlns:mc="http://schemas.openxmlformats.org/markup-compatibility/2006">
+        <mc:Choice xmlns:a14="http://schemas.microsoft.com/office/drawing/2010/main" Requires="a14">
+          <p:sp>
+            <p:nvSpPr>
+              <p:cNvPr id="21" name="文本框 20">
+                <a:extLst>
+                  <a:ext uri="{FF2B5EF4-FFF2-40B4-BE49-F238E27FC236}">
+                    <a16:creationId xmlns:a16="http://schemas.microsoft.com/office/drawing/2014/main" id="{4C7730F0-7E88-4D7E-602B-D77B8DA81837}"/>
+                  </a:ext>
+                </a:extLst>
+              </p:cNvPr>
+              <p:cNvSpPr txBox="1"/>
+              <p:nvPr/>
+            </p:nvSpPr>
+            <p:spPr>
+              <a:xfrm>
+                <a:off x="990600" y="6464300"/>
+                <a:ext cx="5087739" cy="371448"/>
+              </a:xfrm>
+              <a:prstGeom prst="rect">
+                <a:avLst/>
+              </a:prstGeom>
+              <a:noFill/>
+            </p:spPr>
+            <p:txBody>
+              <a:bodyPr wrap="none" rtlCol="0">
+                <a:spAutoFit/>
+              </a:bodyPr>
+              <a:lstStyle/>
+              <a:p>
+                <a:r>
+                  <a:rPr lang="en-US" altLang="zh-CN" sz="1400" dirty="0"/>
+                  <a:t>Note (matrix contraction): </a:t>
+                </a:r>
+                <a14:m>
+                  <m:oMath xmlns:m="http://schemas.openxmlformats.org/officeDocument/2006/math">
+                    <m:r>
+                      <a:rPr lang="en-US" altLang="zh-CN" sz="1400" b="0" i="1" smtClean="0">
+                        <a:latin typeface="Cambria Math" panose="02040503050406030204" pitchFamily="18" charset="0"/>
+                      </a:rPr>
+                      <m:t>𝐵</m:t>
+                    </m:r>
+                    <m:r>
+                      <a:rPr lang="en-US" altLang="zh-CN" sz="1400" b="0" i="1" smtClean="0">
+                        <a:latin typeface="Cambria Math" panose="02040503050406030204" pitchFamily="18" charset="0"/>
+                      </a:rPr>
+                      <m:t>:</m:t>
+                    </m:r>
+                    <m:r>
+                      <a:rPr lang="en-US" altLang="zh-CN" sz="1400" b="0" i="1" smtClean="0">
+                        <a:latin typeface="Cambria Math" panose="02040503050406030204" pitchFamily="18" charset="0"/>
+                      </a:rPr>
+                      <m:t>𝐴</m:t>
+                    </m:r>
+                    <m:r>
+                      <a:rPr lang="en-US" altLang="zh-CN" sz="1400" b="0" i="1" smtClean="0">
+                        <a:latin typeface="Cambria Math" panose="02040503050406030204" pitchFamily="18" charset="0"/>
+                      </a:rPr>
+                      <m:t>=</m:t>
+                    </m:r>
+                    <m:r>
+                      <a:rPr lang="en-US" altLang="zh-CN" sz="1400" b="0" i="1" smtClean="0">
+                        <a:latin typeface="Cambria Math" panose="02040503050406030204" pitchFamily="18" charset="0"/>
+                      </a:rPr>
+                      <m:t>𝐴</m:t>
+                    </m:r>
+                    <m:r>
+                      <a:rPr lang="en-US" altLang="zh-CN" sz="1400" b="0" i="1" smtClean="0">
+                        <a:latin typeface="Cambria Math" panose="02040503050406030204" pitchFamily="18" charset="0"/>
+                      </a:rPr>
+                      <m:t>:</m:t>
+                    </m:r>
+                    <m:r>
+                      <a:rPr lang="en-US" altLang="zh-CN" sz="1400" b="0" i="1" smtClean="0">
+                        <a:latin typeface="Cambria Math" panose="02040503050406030204" pitchFamily="18" charset="0"/>
+                      </a:rPr>
+                      <m:t>𝐵</m:t>
+                    </m:r>
+                    <m:r>
+                      <a:rPr lang="en-US" altLang="zh-CN" sz="1400" b="0" i="1" smtClean="0">
+                        <a:latin typeface="Cambria Math" panose="02040503050406030204" pitchFamily="18" charset="0"/>
+                      </a:rPr>
+                      <m:t>=</m:t>
+                    </m:r>
+                    <m:nary>
+                      <m:naryPr>
+                        <m:chr m:val="∑"/>
+                        <m:supHide m:val="on"/>
+                        <m:ctrlPr>
+                          <a:rPr lang="en-US" altLang="zh-CN" sz="1400" b="0" i="1" smtClean="0">
+                            <a:latin typeface="Cambria Math" panose="02040503050406030204" pitchFamily="18" charset="0"/>
+                          </a:rPr>
+                        </m:ctrlPr>
+                      </m:naryPr>
+                      <m:sub>
+                        <m:r>
+                          <a:rPr lang="en-US" altLang="zh-CN" sz="1400" b="0" i="1" smtClean="0">
+                            <a:latin typeface="Cambria Math" panose="02040503050406030204" pitchFamily="18" charset="0"/>
+                          </a:rPr>
+                          <m:t>𝑖</m:t>
+                        </m:r>
+                        <m:r>
+                          <a:rPr lang="en-US" altLang="zh-CN" sz="1400" b="0" i="1" smtClean="0">
+                            <a:latin typeface="Cambria Math" panose="02040503050406030204" pitchFamily="18" charset="0"/>
+                          </a:rPr>
+                          <m:t>,</m:t>
+                        </m:r>
+                        <m:r>
+                          <a:rPr lang="en-US" altLang="zh-CN" sz="1400" b="0" i="1" smtClean="0">
+                            <a:latin typeface="Cambria Math" panose="02040503050406030204" pitchFamily="18" charset="0"/>
+                          </a:rPr>
+                          <m:t>𝑗</m:t>
+                        </m:r>
+                      </m:sub>
+                      <m:sup/>
+                      <m:e>
+                        <m:sSub>
+                          <m:sSubPr>
+                            <m:ctrlPr>
+                              <a:rPr lang="en-US" altLang="zh-CN" sz="1400" b="0" i="1" smtClean="0">
+                                <a:latin typeface="Cambria Math" panose="02040503050406030204" pitchFamily="18" charset="0"/>
+                              </a:rPr>
+                            </m:ctrlPr>
+                          </m:sSubPr>
+                          <m:e>
+                            <m:r>
+                              <a:rPr lang="en-US" altLang="zh-CN" sz="1400" b="0" i="1" smtClean="0">
+                                <a:latin typeface="Cambria Math" panose="02040503050406030204" pitchFamily="18" charset="0"/>
+                              </a:rPr>
+                              <m:t>𝐴</m:t>
+                            </m:r>
+                          </m:e>
+                          <m:sub>
+                            <m:r>
+                              <a:rPr lang="en-US" altLang="zh-CN" sz="1400" b="0" i="1" smtClean="0">
+                                <a:latin typeface="Cambria Math" panose="02040503050406030204" pitchFamily="18" charset="0"/>
+                              </a:rPr>
+                              <m:t>𝑖𝑗</m:t>
+                            </m:r>
+                          </m:sub>
+                        </m:sSub>
+                        <m:sSub>
+                          <m:sSubPr>
+                            <m:ctrlPr>
+                              <a:rPr lang="en-US" altLang="zh-CN" sz="1400" b="0" i="1" smtClean="0">
+                                <a:latin typeface="Cambria Math" panose="02040503050406030204" pitchFamily="18" charset="0"/>
+                              </a:rPr>
+                            </m:ctrlPr>
+                          </m:sSubPr>
+                          <m:e>
+                            <m:r>
+                              <a:rPr lang="en-US" altLang="zh-CN" sz="1400" b="0" i="1" smtClean="0">
+                                <a:latin typeface="Cambria Math" panose="02040503050406030204" pitchFamily="18" charset="0"/>
+                              </a:rPr>
+                              <m:t>𝐵</m:t>
+                            </m:r>
+                          </m:e>
+                          <m:sub>
+                            <m:r>
+                              <a:rPr lang="en-US" altLang="zh-CN" sz="1400" b="0" i="1" smtClean="0">
+                                <a:latin typeface="Cambria Math" panose="02040503050406030204" pitchFamily="18" charset="0"/>
+                              </a:rPr>
+                              <m:t>𝑖𝑗</m:t>
+                            </m:r>
+                          </m:sub>
+                        </m:sSub>
+                      </m:e>
+                    </m:nary>
+                    <m:r>
+                      <a:rPr lang="en-US" altLang="zh-CN" sz="1400" b="0" i="1" smtClean="0">
+                        <a:latin typeface="Cambria Math" panose="02040503050406030204" pitchFamily="18" charset="0"/>
+                      </a:rPr>
+                      <m:t>=</m:t>
+                    </m:r>
+                    <m:rad>
+                      <m:radPr>
+                        <m:degHide m:val="on"/>
+                        <m:ctrlPr>
+                          <a:rPr lang="en-US" altLang="zh-CN" sz="1400" b="0" i="1" smtClean="0">
+                            <a:latin typeface="Cambria Math" panose="02040503050406030204" pitchFamily="18" charset="0"/>
+                          </a:rPr>
+                        </m:ctrlPr>
+                      </m:radPr>
+                      <m:deg/>
+                      <m:e>
+                        <m:r>
+                          <a:rPr lang="en-US" altLang="zh-CN" sz="1400" b="0" i="1" smtClean="0">
+                            <a:latin typeface="Cambria Math" panose="02040503050406030204" pitchFamily="18" charset="0"/>
+                          </a:rPr>
+                          <m:t>𝑡𝑟</m:t>
+                        </m:r>
+                        <m:r>
+                          <a:rPr lang="en-US" altLang="zh-CN" sz="1400" b="0" i="1" smtClean="0">
+                            <a:latin typeface="Cambria Math" panose="02040503050406030204" pitchFamily="18" charset="0"/>
+                          </a:rPr>
+                          <m:t>(</m:t>
+                        </m:r>
+                        <m:sSup>
+                          <m:sSupPr>
+                            <m:ctrlPr>
+                              <a:rPr lang="en-US" altLang="zh-CN" sz="1400" b="0" i="1" smtClean="0">
+                                <a:latin typeface="Cambria Math" panose="02040503050406030204" pitchFamily="18" charset="0"/>
+                              </a:rPr>
+                            </m:ctrlPr>
+                          </m:sSupPr>
+                          <m:e>
+                            <m:r>
+                              <a:rPr lang="en-US" altLang="zh-CN" sz="1400" b="0" i="1" smtClean="0">
+                                <a:latin typeface="Cambria Math" panose="02040503050406030204" pitchFamily="18" charset="0"/>
+                              </a:rPr>
+                              <m:t>𝐴</m:t>
+                            </m:r>
+                          </m:e>
+                          <m:sup>
+                            <m:r>
+                              <a:rPr lang="en-US" altLang="zh-CN" sz="1400" b="0" i="1" smtClean="0">
+                                <a:latin typeface="Cambria Math" panose="02040503050406030204" pitchFamily="18" charset="0"/>
+                              </a:rPr>
+                              <m:t>𝑇</m:t>
+                            </m:r>
+                          </m:sup>
+                        </m:sSup>
+                        <m:r>
+                          <a:rPr lang="en-US" altLang="zh-CN" sz="1400" b="0" i="1" smtClean="0">
+                            <a:latin typeface="Cambria Math" panose="02040503050406030204" pitchFamily="18" charset="0"/>
+                          </a:rPr>
+                          <m:t>𝐵</m:t>
+                        </m:r>
+                        <m:r>
+                          <a:rPr lang="en-US" altLang="zh-CN" sz="1400" b="0" i="1" smtClean="0">
+                            <a:latin typeface="Cambria Math" panose="02040503050406030204" pitchFamily="18" charset="0"/>
+                          </a:rPr>
+                          <m:t>)</m:t>
+                        </m:r>
+                      </m:e>
+                    </m:rad>
+                  </m:oMath>
+                </a14:m>
+                <a:endParaRPr lang="zh-CN" altLang="en-US" sz="1400" dirty="0"/>
+              </a:p>
+            </p:txBody>
+          </p:sp>
+        </mc:Choice>
+        <mc:Fallback>
+          <p:sp>
+            <p:nvSpPr>
+              <p:cNvPr id="21" name="文本框 20">
+                <a:extLst>
+                  <a:ext uri="{FF2B5EF4-FFF2-40B4-BE49-F238E27FC236}">
+                    <a16:creationId xmlns:a16="http://schemas.microsoft.com/office/drawing/2014/main" id="{4C7730F0-7E88-4D7E-602B-D77B8DA81837}"/>
+                  </a:ext>
+                </a:extLst>
+              </p:cNvPr>
+              <p:cNvSpPr txBox="1">
+                <a:spLocks noRot="1" noChangeAspect="1" noMove="1" noResize="1" noEditPoints="1" noAdjustHandles="1" noChangeArrowheads="1" noChangeShapeType="1" noTextEdit="1"/>
+              </p:cNvSpPr>
+              <p:nvPr/>
+            </p:nvSpPr>
+            <p:spPr>
+              <a:xfrm>
+                <a:off x="990600" y="6464300"/>
+                <a:ext cx="5087739" cy="371448"/>
+              </a:xfrm>
+              <a:prstGeom prst="rect">
+                <a:avLst/>
+              </a:prstGeom>
+              <a:blipFill>
+                <a:blip r:embed="rId9"/>
+                <a:stretch>
+                  <a:fillRect l="-360" t="-73770" b="-126230"/>
+                </a:stretch>
+              </a:blipFill>
+            </p:spPr>
+            <p:txBody>
+              <a:bodyPr/>
+              <a:lstStyle/>
+              <a:p>
+                <a:r>
+                  <a:rPr lang="zh-CN" altLang="en-US">
+                    <a:noFill/>
+                  </a:rPr>
+                  <a:t> </a:t>
+                </a:r>
+              </a:p>
+            </p:txBody>
+          </p:sp>
+        </mc:Fallback>
+      </mc:AlternateContent>
+    </p:spTree>
+    <p:extLst>
+      <p:ext uri="{BB962C8B-B14F-4D97-AF65-F5344CB8AC3E}">
+        <p14:creationId xmlns:p14="http://schemas.microsoft.com/office/powerpoint/2010/main" val="672850007"/>
+      </p:ext>
+    </p:extLst>
+  </p:cSld>
+  <p:clrMapOvr>
+    <a:masterClrMapping/>
+  </p:clrMapOvr>
+</p:sld>
+</file>
+
+<file path=ppt/slides/slide17.xml><?xml version="1.0" encoding="utf-8"?>
+<p:sld xmlns:a="http://schemas.openxmlformats.org/drawingml/2006/main" xmlns:r="http://schemas.openxmlformats.org/officeDocument/2006/relationships" xmlns:p="http://schemas.openxmlformats.org/presentationml/2006/main">
+  <p:cSld>
+    <p:spTree>
+      <p:nvGrpSpPr>
+        <p:cNvPr id="1" name=""/>
+        <p:cNvGrpSpPr/>
+        <p:nvPr/>
+      </p:nvGrpSpPr>
+      <p:grpSpPr>
+        <a:xfrm>
+          <a:off x="0" y="0"/>
+          <a:ext cx="0" cy="0"/>
+          <a:chOff x="0" y="0"/>
+          <a:chExt cx="0" cy="0"/>
+        </a:xfrm>
+      </p:grpSpPr>
+      <p:sp>
+        <p:nvSpPr>
+          <p:cNvPr id="4" name="标题 1">
+            <a:extLst>
+              <a:ext uri="{FF2B5EF4-FFF2-40B4-BE49-F238E27FC236}">
+                <a16:creationId xmlns:a16="http://schemas.microsoft.com/office/drawing/2014/main" id="{93724A23-A65B-F4DD-728E-E3A67A8D140F}"/>
+              </a:ext>
+            </a:extLst>
+          </p:cNvPr>
+          <p:cNvSpPr txBox="1">
+            <a:spLocks/>
+          </p:cNvSpPr>
+          <p:nvPr/>
+        </p:nvSpPr>
+        <p:spPr>
+          <a:xfrm>
+            <a:off x="990600" y="517525"/>
+            <a:ext cx="10515600" cy="1325563"/>
+          </a:xfrm>
+          <a:prstGeom prst="rect">
+            <a:avLst/>
+          </a:prstGeom>
+        </p:spPr>
+        <p:txBody>
+          <a:bodyPr vert="horz" lIns="91440" tIns="45720" rIns="91440" bIns="45720" rtlCol="0" anchor="ctr">
+            <a:normAutofit/>
+          </a:bodyPr>
+          <a:lstStyle>
+            <a:lvl1pPr algn="l" defTabSz="914400" rtl="0" eaLnBrk="1" latinLnBrk="0" hangingPunct="1">
+              <a:lnSpc>
+                <a:spcPct val="90000"/>
+              </a:lnSpc>
+              <a:spcBef>
+                <a:spcPct val="0"/>
+              </a:spcBef>
+              <a:buNone/>
+              <a:defRPr sz="4400" kern="1200">
+                <a:solidFill>
+                  <a:schemeClr val="tx1"/>
+                </a:solidFill>
+                <a:latin typeface="+mj-lt"/>
+                <a:ea typeface="+mj-ea"/>
+                <a:cs typeface="+mj-cs"/>
+              </a:defRPr>
+            </a:lvl1pPr>
+          </a:lstStyle>
+          <a:p>
+            <a:r>
+              <a:rPr lang="en-US" altLang="zh-CN" dirty="0">
+                <a:latin typeface="微软雅黑" panose="020B0503020204020204" pitchFamily="34" charset="-122"/>
+                <a:ea typeface="微软雅黑" panose="020B0503020204020204" pitchFamily="34" charset="-122"/>
+              </a:rPr>
+              <a:t>Linear finite element method (FEM)</a:t>
+            </a:r>
+            <a:endParaRPr lang="zh-CN" altLang="en-US" dirty="0">
+              <a:latin typeface="微软雅黑" panose="020B0503020204020204" pitchFamily="34" charset="-122"/>
+              <a:ea typeface="微软雅黑" panose="020B0503020204020204" pitchFamily="34" charset="-122"/>
+            </a:endParaRPr>
+          </a:p>
+        </p:txBody>
+      </p:sp>
+      <mc:AlternateContent xmlns:mc="http://schemas.openxmlformats.org/markup-compatibility/2006">
+        <mc:Choice xmlns:a14="http://schemas.microsoft.com/office/drawing/2010/main" Requires="a14">
+          <p:sp>
+            <p:nvSpPr>
+              <p:cNvPr id="5" name="内容占位符 2">
+                <a:extLst>
+                  <a:ext uri="{FF2B5EF4-FFF2-40B4-BE49-F238E27FC236}">
+                    <a16:creationId xmlns:a16="http://schemas.microsoft.com/office/drawing/2014/main" id="{9202D0FE-DDD9-AC79-46BA-AABDE1D6F791}"/>
+                  </a:ext>
+                </a:extLst>
+              </p:cNvPr>
+              <p:cNvSpPr txBox="1">
+                <a:spLocks/>
+              </p:cNvSpPr>
+              <p:nvPr/>
+            </p:nvSpPr>
+            <p:spPr>
+              <a:xfrm>
+                <a:off x="990600" y="1643865"/>
+                <a:ext cx="10515600" cy="4685498"/>
+              </a:xfrm>
+              <a:prstGeom prst="rect">
+                <a:avLst/>
+              </a:prstGeom>
+            </p:spPr>
+            <p:txBody>
+              <a:bodyPr vert="horz" lIns="91440" tIns="45720" rIns="91440" bIns="45720" rtlCol="0">
+                <a:normAutofit fontScale="92500" lnSpcReduction="20000"/>
+              </a:bodyPr>
+              <a:lstStyle>
+                <a:lvl1pPr marL="228600" indent="-228600" algn="l" defTabSz="914400" rtl="0" eaLnBrk="1" latinLnBrk="0" hangingPunct="1">
+                  <a:lnSpc>
+                    <a:spcPct val="90000"/>
+                  </a:lnSpc>
+                  <a:spcBef>
+                    <a:spcPts val="1000"/>
+                  </a:spcBef>
+                  <a:buFont typeface="Arial" panose="020B0604020202020204" pitchFamily="34" charset="0"/>
+                  <a:buChar char="•"/>
+                  <a:defRPr sz="2800" kern="1200">
+                    <a:solidFill>
+                      <a:schemeClr val="tx1"/>
+                    </a:solidFill>
+                    <a:latin typeface="+mn-lt"/>
+                    <a:ea typeface="+mn-ea"/>
+                    <a:cs typeface="+mn-cs"/>
+                  </a:defRPr>
+                </a:lvl1pPr>
+                <a:lvl2pPr marL="685800" indent="-228600" algn="l" defTabSz="914400" rtl="0" eaLnBrk="1" latinLnBrk="0" hangingPunct="1">
+                  <a:lnSpc>
+                    <a:spcPct val="90000"/>
+                  </a:lnSpc>
+                  <a:spcBef>
+                    <a:spcPts val="500"/>
+                  </a:spcBef>
+                  <a:buFont typeface="Arial" panose="020B0604020202020204" pitchFamily="34" charset="0"/>
+                  <a:buChar char="•"/>
+                  <a:defRPr sz="2400" kern="1200">
+                    <a:solidFill>
+                      <a:schemeClr val="tx1"/>
+                    </a:solidFill>
+                    <a:latin typeface="+mn-lt"/>
+                    <a:ea typeface="+mn-ea"/>
+                    <a:cs typeface="+mn-cs"/>
+                  </a:defRPr>
+                </a:lvl2pPr>
+                <a:lvl3pPr marL="1143000" indent="-228600" algn="l" defTabSz="914400" rtl="0" eaLnBrk="1" latinLnBrk="0" hangingPunct="1">
+                  <a:lnSpc>
+                    <a:spcPct val="90000"/>
+                  </a:lnSpc>
+                  <a:spcBef>
+                    <a:spcPts val="500"/>
+                  </a:spcBef>
+                  <a:buFont typeface="Arial" panose="020B0604020202020204" pitchFamily="34" charset="0"/>
+                  <a:buChar char="•"/>
+                  <a:defRPr sz="2000" kern="1200">
+                    <a:solidFill>
+                      <a:schemeClr val="tx1"/>
+                    </a:solidFill>
+                    <a:latin typeface="+mn-lt"/>
+                    <a:ea typeface="+mn-ea"/>
+                    <a:cs typeface="+mn-cs"/>
+                  </a:defRPr>
+                </a:lvl3pPr>
+                <a:lvl4pPr marL="1600200" indent="-228600" algn="l" defTabSz="914400" rtl="0" eaLnBrk="1" latinLnBrk="0" hangingPunct="1">
+                  <a:lnSpc>
+                    <a:spcPct val="90000"/>
+                  </a:lnSpc>
+                  <a:spcBef>
+                    <a:spcPts val="500"/>
+                  </a:spcBef>
+                  <a:buFont typeface="Arial" panose="020B0604020202020204" pitchFamily="34" charset="0"/>
+                  <a:buChar char="•"/>
+                  <a:defRPr sz="1800" kern="1200">
+                    <a:solidFill>
+                      <a:schemeClr val="tx1"/>
+                    </a:solidFill>
+                    <a:latin typeface="+mn-lt"/>
+                    <a:ea typeface="+mn-ea"/>
+                    <a:cs typeface="+mn-cs"/>
+                  </a:defRPr>
+                </a:lvl4pPr>
+                <a:lvl5pPr marL="2057400" indent="-228600" algn="l" defTabSz="914400" rtl="0" eaLnBrk="1" latinLnBrk="0" hangingPunct="1">
+                  <a:lnSpc>
+                    <a:spcPct val="90000"/>
+                  </a:lnSpc>
+                  <a:spcBef>
+                    <a:spcPts val="500"/>
+                  </a:spcBef>
+                  <a:buFont typeface="Arial" panose="020B0604020202020204" pitchFamily="34" charset="0"/>
+                  <a:buChar char="•"/>
+                  <a:defRPr sz="1800" kern="1200">
+                    <a:solidFill>
+                      <a:schemeClr val="tx1"/>
+                    </a:solidFill>
+                    <a:latin typeface="+mn-lt"/>
+                    <a:ea typeface="+mn-ea"/>
+                    <a:cs typeface="+mn-cs"/>
+                  </a:defRPr>
+                </a:lvl5pPr>
+                <a:lvl6pPr marL="2514600" indent="-228600" algn="l" defTabSz="914400" rtl="0" eaLnBrk="1" latinLnBrk="0" hangingPunct="1">
+                  <a:lnSpc>
+                    <a:spcPct val="90000"/>
+                  </a:lnSpc>
+                  <a:spcBef>
+                    <a:spcPts val="500"/>
+                  </a:spcBef>
+                  <a:buFont typeface="Arial" panose="020B0604020202020204" pitchFamily="34" charset="0"/>
+                  <a:buChar char="•"/>
+                  <a:defRPr sz="1800" kern="1200">
+                    <a:solidFill>
+                      <a:schemeClr val="tx1"/>
+                    </a:solidFill>
+                    <a:latin typeface="+mn-lt"/>
+                    <a:ea typeface="+mn-ea"/>
+                    <a:cs typeface="+mn-cs"/>
+                  </a:defRPr>
+                </a:lvl6pPr>
+                <a:lvl7pPr marL="2971800" indent="-228600" algn="l" defTabSz="914400" rtl="0" eaLnBrk="1" latinLnBrk="0" hangingPunct="1">
+                  <a:lnSpc>
+                    <a:spcPct val="90000"/>
+                  </a:lnSpc>
+                  <a:spcBef>
+                    <a:spcPts val="500"/>
+                  </a:spcBef>
+                  <a:buFont typeface="Arial" panose="020B0604020202020204" pitchFamily="34" charset="0"/>
+                  <a:buChar char="•"/>
+                  <a:defRPr sz="1800" kern="1200">
+                    <a:solidFill>
+                      <a:schemeClr val="tx1"/>
+                    </a:solidFill>
+                    <a:latin typeface="+mn-lt"/>
+                    <a:ea typeface="+mn-ea"/>
+                    <a:cs typeface="+mn-cs"/>
+                  </a:defRPr>
+                </a:lvl7pPr>
+                <a:lvl8pPr marL="3429000" indent="-228600" algn="l" defTabSz="914400" rtl="0" eaLnBrk="1" latinLnBrk="0" hangingPunct="1">
+                  <a:lnSpc>
+                    <a:spcPct val="90000"/>
+                  </a:lnSpc>
+                  <a:spcBef>
+                    <a:spcPts val="500"/>
+                  </a:spcBef>
+                  <a:buFont typeface="Arial" panose="020B0604020202020204" pitchFamily="34" charset="0"/>
+                  <a:buChar char="•"/>
+                  <a:defRPr sz="1800" kern="1200">
+                    <a:solidFill>
+                      <a:schemeClr val="tx1"/>
+                    </a:solidFill>
+                    <a:latin typeface="+mn-lt"/>
+                    <a:ea typeface="+mn-ea"/>
+                    <a:cs typeface="+mn-cs"/>
+                  </a:defRPr>
+                </a:lvl8pPr>
+                <a:lvl9pPr marL="3886200" indent="-228600" algn="l" defTabSz="914400" rtl="0" eaLnBrk="1" latinLnBrk="0" hangingPunct="1">
+                  <a:lnSpc>
+                    <a:spcPct val="90000"/>
+                  </a:lnSpc>
+                  <a:spcBef>
+                    <a:spcPts val="500"/>
+                  </a:spcBef>
+                  <a:buFont typeface="Arial" panose="020B0604020202020204" pitchFamily="34" charset="0"/>
+                  <a:buChar char="•"/>
+                  <a:defRPr sz="1800" kern="1200">
+                    <a:solidFill>
+                      <a:schemeClr val="tx1"/>
+                    </a:solidFill>
+                    <a:latin typeface="+mn-lt"/>
+                    <a:ea typeface="+mn-ea"/>
+                    <a:cs typeface="+mn-cs"/>
+                  </a:defRPr>
+                </a:lvl9pPr>
+              </a:lstStyle>
+              <a:p>
+                <a:r>
+                  <a:rPr lang="en-US" altLang="zh-CN" sz="2400" dirty="0"/>
+                  <a:t>Chain rule in detail: </a:t>
+                </a:r>
+                <a14:m>
+                  <m:oMath xmlns:m="http://schemas.openxmlformats.org/officeDocument/2006/math">
+                    <m:f>
+                      <m:fPr>
+                        <m:ctrlPr>
+                          <a:rPr lang="en-US" altLang="zh-CN" sz="2400" b="0" i="1" smtClean="0">
+                            <a:latin typeface="Cambria Math" panose="02040503050406030204" pitchFamily="18" charset="0"/>
+                          </a:rPr>
+                        </m:ctrlPr>
+                      </m:fPr>
+                      <m:num>
+                        <m:r>
+                          <a:rPr lang="zh-CN" altLang="en-US" sz="2400" b="0" i="1" smtClean="0">
+                            <a:latin typeface="Cambria Math" panose="02040503050406030204" pitchFamily="18" charset="0"/>
+                          </a:rPr>
+                          <m:t>𝜕</m:t>
+                        </m:r>
+                        <m:r>
+                          <m:rPr>
+                            <m:sty m:val="p"/>
+                          </m:rPr>
+                          <a:rPr lang="en-US" altLang="zh-CN" sz="2400" b="0" i="0" smtClean="0">
+                            <a:latin typeface="Cambria Math" panose="02040503050406030204" pitchFamily="18" charset="0"/>
+                          </a:rPr>
+                          <m:t>Ψ</m:t>
+                        </m:r>
+                      </m:num>
+                      <m:den>
+                        <m:r>
+                          <a:rPr lang="zh-CN" altLang="en-US" sz="2400" b="0" i="1" smtClean="0">
+                            <a:latin typeface="Cambria Math" panose="02040503050406030204" pitchFamily="18" charset="0"/>
+                          </a:rPr>
+                          <m:t>𝜕</m:t>
+                        </m:r>
+                        <m:sSubSup>
+                          <m:sSubSupPr>
+                            <m:ctrlPr>
+                              <a:rPr lang="en-US" altLang="zh-CN" sz="2400" b="0" i="1" smtClean="0">
+                                <a:latin typeface="Cambria Math" panose="02040503050406030204" pitchFamily="18" charset="0"/>
+                              </a:rPr>
+                            </m:ctrlPr>
+                          </m:sSubSupPr>
+                          <m:e>
+                            <m:r>
+                              <a:rPr lang="en-US" altLang="zh-CN" sz="2400" b="0" i="1" smtClean="0">
+                                <a:latin typeface="Cambria Math" panose="02040503050406030204" pitchFamily="18" charset="0"/>
+                              </a:rPr>
+                              <m:t>𝑥</m:t>
+                            </m:r>
+                          </m:e>
+                          <m:sub>
+                            <m:r>
+                              <a:rPr lang="en-US" altLang="zh-CN" sz="2400" b="0" i="1" smtClean="0">
+                                <a:latin typeface="Cambria Math" panose="02040503050406030204" pitchFamily="18" charset="0"/>
+                              </a:rPr>
+                              <m:t>𝑗</m:t>
+                            </m:r>
+                          </m:sub>
+                          <m:sup>
+                            <m:r>
+                              <a:rPr lang="en-US" altLang="zh-CN" sz="2400" b="0" i="1" smtClean="0">
+                                <a:latin typeface="Cambria Math" panose="02040503050406030204" pitchFamily="18" charset="0"/>
+                              </a:rPr>
+                              <m:t>𝑖</m:t>
+                            </m:r>
+                          </m:sup>
+                        </m:sSubSup>
+                      </m:den>
+                    </m:f>
+                    <m:r>
+                      <a:rPr lang="en-US" altLang="zh-CN" sz="2400" b="0" i="1" smtClean="0">
+                        <a:latin typeface="Cambria Math" panose="02040503050406030204" pitchFamily="18" charset="0"/>
+                      </a:rPr>
+                      <m:t>=</m:t>
+                    </m:r>
+                    <m:f>
+                      <m:fPr>
+                        <m:ctrlPr>
+                          <a:rPr lang="en-US" altLang="zh-CN" sz="2400" b="0" i="1" smtClean="0">
+                            <a:latin typeface="Cambria Math" panose="02040503050406030204" pitchFamily="18" charset="0"/>
+                          </a:rPr>
+                        </m:ctrlPr>
+                      </m:fPr>
+                      <m:num>
+                        <m:r>
+                          <a:rPr lang="zh-CN" altLang="en-US" sz="2400" b="0" i="1" smtClean="0">
+                            <a:latin typeface="Cambria Math" panose="02040503050406030204" pitchFamily="18" charset="0"/>
+                          </a:rPr>
+                          <m:t>𝜕</m:t>
+                        </m:r>
+                        <m:r>
+                          <a:rPr lang="en-US" altLang="zh-CN" sz="2400" b="0" i="1" smtClean="0">
+                            <a:latin typeface="Cambria Math" panose="02040503050406030204" pitchFamily="18" charset="0"/>
+                          </a:rPr>
+                          <m:t>𝐹</m:t>
+                        </m:r>
+                      </m:num>
+                      <m:den>
+                        <m:r>
+                          <a:rPr lang="zh-CN" altLang="en-US" sz="2400" b="0" i="1" smtClean="0">
+                            <a:latin typeface="Cambria Math" panose="02040503050406030204" pitchFamily="18" charset="0"/>
+                          </a:rPr>
+                          <m:t>𝜕</m:t>
+                        </m:r>
+                        <m:sSubSup>
+                          <m:sSubSupPr>
+                            <m:ctrlPr>
+                              <a:rPr lang="en-US" altLang="zh-CN" sz="2400" b="0" i="1" smtClean="0">
+                                <a:latin typeface="Cambria Math" panose="02040503050406030204" pitchFamily="18" charset="0"/>
+                              </a:rPr>
+                            </m:ctrlPr>
+                          </m:sSubSupPr>
+                          <m:e>
+                            <m:r>
+                              <a:rPr lang="en-US" altLang="zh-CN" sz="2400" b="0" i="1" smtClean="0">
+                                <a:latin typeface="Cambria Math" panose="02040503050406030204" pitchFamily="18" charset="0"/>
+                              </a:rPr>
+                              <m:t>𝑥</m:t>
+                            </m:r>
+                          </m:e>
+                          <m:sub>
+                            <m:r>
+                              <a:rPr lang="en-US" altLang="zh-CN" sz="2400" b="0" i="1" smtClean="0">
+                                <a:latin typeface="Cambria Math" panose="02040503050406030204" pitchFamily="18" charset="0"/>
+                              </a:rPr>
+                              <m:t>𝑗</m:t>
+                            </m:r>
+                          </m:sub>
+                          <m:sup>
+                            <m:r>
+                              <a:rPr lang="en-US" altLang="zh-CN" sz="2400" b="0" i="1" smtClean="0">
+                                <a:latin typeface="Cambria Math" panose="02040503050406030204" pitchFamily="18" charset="0"/>
+                              </a:rPr>
+                              <m:t>𝑖</m:t>
+                            </m:r>
+                          </m:sup>
+                        </m:sSubSup>
+                      </m:den>
+                    </m:f>
+                    <m:r>
+                      <a:rPr lang="en-US" altLang="zh-CN" sz="2400" b="0" i="1" smtClean="0">
+                        <a:latin typeface="Cambria Math" panose="02040503050406030204" pitchFamily="18" charset="0"/>
+                      </a:rPr>
+                      <m:t>:</m:t>
+                    </m:r>
+                    <m:r>
+                      <a:rPr lang="en-US" altLang="zh-CN" sz="2400" b="0" i="1" smtClean="0">
+                        <a:latin typeface="Cambria Math" panose="02040503050406030204" pitchFamily="18" charset="0"/>
+                      </a:rPr>
+                      <m:t>𝑃</m:t>
+                    </m:r>
+                  </m:oMath>
+                </a14:m>
+                <a:endParaRPr lang="en-US" altLang="zh-CN" sz="2400" b="0" dirty="0"/>
+              </a:p>
+              <a:p>
+                <a:pPr lvl="1"/>
+                <a:r>
+                  <a:rPr lang="en-US" altLang="zh-CN" sz="2000" dirty="0"/>
+                  <a:t>Let’s compute </a:t>
+                </a:r>
+                <a14:m>
+                  <m:oMath xmlns:m="http://schemas.openxmlformats.org/officeDocument/2006/math">
+                    <m:f>
+                      <m:fPr>
+                        <m:ctrlPr>
+                          <a:rPr lang="en-US" altLang="zh-CN" sz="2000" b="0" i="1" smtClean="0">
+                            <a:latin typeface="Cambria Math" panose="02040503050406030204" pitchFamily="18" charset="0"/>
+                          </a:rPr>
+                        </m:ctrlPr>
+                      </m:fPr>
+                      <m:num>
+                        <m:r>
+                          <a:rPr lang="zh-CN" altLang="en-US" sz="2000" b="0" i="1" smtClean="0">
+                            <a:latin typeface="Cambria Math" panose="02040503050406030204" pitchFamily="18" charset="0"/>
+                          </a:rPr>
+                          <m:t>𝜕</m:t>
+                        </m:r>
+                        <m:r>
+                          <a:rPr lang="en-US" altLang="zh-CN" sz="2000" b="0" i="1" smtClean="0">
+                            <a:latin typeface="Cambria Math" panose="02040503050406030204" pitchFamily="18" charset="0"/>
+                          </a:rPr>
+                          <m:t>𝐹</m:t>
+                        </m:r>
+                      </m:num>
+                      <m:den>
+                        <m:r>
+                          <a:rPr lang="zh-CN" altLang="en-US" sz="2000" b="0" i="1" smtClean="0">
+                            <a:latin typeface="Cambria Math" panose="02040503050406030204" pitchFamily="18" charset="0"/>
+                          </a:rPr>
+                          <m:t>𝜕</m:t>
+                        </m:r>
+                        <m:sSubSup>
+                          <m:sSubSupPr>
+                            <m:ctrlPr>
+                              <a:rPr lang="en-US" altLang="zh-CN" sz="2000" b="0" i="1" smtClean="0">
+                                <a:latin typeface="Cambria Math" panose="02040503050406030204" pitchFamily="18" charset="0"/>
+                              </a:rPr>
+                            </m:ctrlPr>
+                          </m:sSubSupPr>
+                          <m:e>
+                            <m:r>
+                              <a:rPr lang="en-US" altLang="zh-CN" sz="2000" b="0" i="1" smtClean="0">
+                                <a:latin typeface="Cambria Math" panose="02040503050406030204" pitchFamily="18" charset="0"/>
+                              </a:rPr>
+                              <m:t>𝑥</m:t>
+                            </m:r>
+                          </m:e>
+                          <m:sub>
+                            <m:r>
+                              <a:rPr lang="en-US" altLang="zh-CN" sz="2000" b="0" i="1" smtClean="0">
+                                <a:latin typeface="Cambria Math" panose="02040503050406030204" pitchFamily="18" charset="0"/>
+                              </a:rPr>
+                              <m:t>𝑗</m:t>
+                            </m:r>
+                          </m:sub>
+                          <m:sup>
+                            <m:r>
+                              <a:rPr lang="en-US" altLang="zh-CN" sz="2000" b="0" i="1" smtClean="0">
+                                <a:latin typeface="Cambria Math" panose="02040503050406030204" pitchFamily="18" charset="0"/>
+                              </a:rPr>
+                              <m:t>𝑖</m:t>
+                            </m:r>
+                          </m:sup>
+                        </m:sSubSup>
+                      </m:den>
+                    </m:f>
+                  </m:oMath>
+                </a14:m>
+                <a:r>
+                  <a:rPr lang="en-US" altLang="zh-CN" sz="2000" dirty="0"/>
+                  <a:t> first:</a:t>
+                </a:r>
+              </a:p>
+              <a:p>
+                <a:pPr marL="457200" lvl="1" indent="0">
+                  <a:buNone/>
+                </a:pPr>
+                <a:r>
+                  <a:rPr lang="en-US" altLang="zh-CN" sz="2000" dirty="0"/>
+                  <a:t>Since </a:t>
+                </a:r>
+                <a14:m>
+                  <m:oMath xmlns:m="http://schemas.openxmlformats.org/officeDocument/2006/math">
+                    <m:r>
+                      <a:rPr lang="en-US" altLang="zh-CN" sz="2000" b="0" i="1" smtClean="0">
+                        <a:latin typeface="Cambria Math" panose="02040503050406030204" pitchFamily="18" charset="0"/>
+                      </a:rPr>
+                      <m:t>𝐹</m:t>
+                    </m:r>
+                    <m:r>
+                      <a:rPr lang="en-US" altLang="zh-CN" sz="2000" b="0" i="1" smtClean="0">
+                        <a:latin typeface="Cambria Math" panose="02040503050406030204" pitchFamily="18" charset="0"/>
+                      </a:rPr>
+                      <m:t>=</m:t>
+                    </m:r>
+                    <m:sSub>
+                      <m:sSubPr>
+                        <m:ctrlPr>
+                          <a:rPr lang="en-US" altLang="zh-CN" sz="2000" b="0" i="1" smtClean="0">
+                            <a:latin typeface="Cambria Math" panose="02040503050406030204" pitchFamily="18" charset="0"/>
+                          </a:rPr>
+                        </m:ctrlPr>
+                      </m:sSubPr>
+                      <m:e>
+                        <m:r>
+                          <a:rPr lang="en-US" altLang="zh-CN" sz="2000" b="0" i="1" smtClean="0">
+                            <a:latin typeface="Cambria Math" panose="02040503050406030204" pitchFamily="18" charset="0"/>
+                          </a:rPr>
+                          <m:t>𝐷</m:t>
+                        </m:r>
+                      </m:e>
+                      <m:sub>
+                        <m:r>
+                          <a:rPr lang="en-US" altLang="zh-CN" sz="2000" b="0" i="1" smtClean="0">
+                            <a:latin typeface="Cambria Math" panose="02040503050406030204" pitchFamily="18" charset="0"/>
+                          </a:rPr>
+                          <m:t>𝑠</m:t>
+                        </m:r>
+                      </m:sub>
+                    </m:sSub>
+                    <m:sSubSup>
+                      <m:sSubSupPr>
+                        <m:ctrlPr>
+                          <a:rPr lang="en-US" altLang="zh-CN" sz="2000" b="0" i="1" smtClean="0">
+                            <a:latin typeface="Cambria Math" panose="02040503050406030204" pitchFamily="18" charset="0"/>
+                          </a:rPr>
+                        </m:ctrlPr>
+                      </m:sSubSupPr>
+                      <m:e>
+                        <m:r>
+                          <a:rPr lang="en-US" altLang="zh-CN" sz="2000" b="0" i="1" smtClean="0">
+                            <a:latin typeface="Cambria Math" panose="02040503050406030204" pitchFamily="18" charset="0"/>
+                          </a:rPr>
+                          <m:t>𝐷</m:t>
+                        </m:r>
+                      </m:e>
+                      <m:sub>
+                        <m:r>
+                          <a:rPr lang="en-US" altLang="zh-CN" sz="2000" b="0" i="1" smtClean="0">
+                            <a:latin typeface="Cambria Math" panose="02040503050406030204" pitchFamily="18" charset="0"/>
+                          </a:rPr>
+                          <m:t>𝑚</m:t>
+                        </m:r>
+                      </m:sub>
+                      <m:sup>
+                        <m:r>
+                          <a:rPr lang="en-US" altLang="zh-CN" sz="2000" b="0" i="1" smtClean="0">
+                            <a:latin typeface="Cambria Math" panose="02040503050406030204" pitchFamily="18" charset="0"/>
+                          </a:rPr>
+                          <m:t>−1</m:t>
+                        </m:r>
+                      </m:sup>
+                    </m:sSubSup>
+                  </m:oMath>
+                </a14:m>
+                <a:r>
+                  <a:rPr lang="en-US" altLang="zh-CN" sz="2000" dirty="0"/>
+                  <a:t>, so </a:t>
+                </a:r>
+                <a14:m>
+                  <m:oMath xmlns:m="http://schemas.openxmlformats.org/officeDocument/2006/math">
+                    <m:f>
+                      <m:fPr>
+                        <m:ctrlPr>
+                          <a:rPr lang="en-US" altLang="zh-CN" sz="2000" i="1">
+                            <a:latin typeface="Cambria Math" panose="02040503050406030204" pitchFamily="18" charset="0"/>
+                          </a:rPr>
+                        </m:ctrlPr>
+                      </m:fPr>
+                      <m:num>
+                        <m:r>
+                          <a:rPr lang="zh-CN" altLang="en-US" sz="2000" i="1">
+                            <a:latin typeface="Cambria Math" panose="02040503050406030204" pitchFamily="18" charset="0"/>
+                          </a:rPr>
+                          <m:t>𝜕</m:t>
+                        </m:r>
+                        <m:r>
+                          <a:rPr lang="en-US" altLang="zh-CN" sz="2000" i="1">
+                            <a:latin typeface="Cambria Math" panose="02040503050406030204" pitchFamily="18" charset="0"/>
+                          </a:rPr>
+                          <m:t>𝐹</m:t>
+                        </m:r>
+                      </m:num>
+                      <m:den>
+                        <m:r>
+                          <a:rPr lang="zh-CN" altLang="en-US" sz="2000" i="1">
+                            <a:latin typeface="Cambria Math" panose="02040503050406030204" pitchFamily="18" charset="0"/>
+                          </a:rPr>
+                          <m:t>𝜕</m:t>
+                        </m:r>
+                        <m:sSubSup>
+                          <m:sSubSupPr>
+                            <m:ctrlPr>
+                              <a:rPr lang="en-US" altLang="zh-CN" sz="2000" i="1">
+                                <a:latin typeface="Cambria Math" panose="02040503050406030204" pitchFamily="18" charset="0"/>
+                              </a:rPr>
+                            </m:ctrlPr>
+                          </m:sSubSupPr>
+                          <m:e>
+                            <m:r>
+                              <a:rPr lang="en-US" altLang="zh-CN" sz="2000" i="1">
+                                <a:latin typeface="Cambria Math" panose="02040503050406030204" pitchFamily="18" charset="0"/>
+                              </a:rPr>
+                              <m:t>𝑥</m:t>
+                            </m:r>
+                          </m:e>
+                          <m:sub>
+                            <m:r>
+                              <a:rPr lang="en-US" altLang="zh-CN" sz="2000" i="1">
+                                <a:latin typeface="Cambria Math" panose="02040503050406030204" pitchFamily="18" charset="0"/>
+                              </a:rPr>
+                              <m:t>𝑗</m:t>
+                            </m:r>
+                          </m:sub>
+                          <m:sup>
+                            <m:r>
+                              <a:rPr lang="en-US" altLang="zh-CN" sz="2000" i="1">
+                                <a:latin typeface="Cambria Math" panose="02040503050406030204" pitchFamily="18" charset="0"/>
+                              </a:rPr>
+                              <m:t>𝑖</m:t>
+                            </m:r>
+                          </m:sup>
+                        </m:sSubSup>
+                      </m:den>
+                    </m:f>
+                    <m:r>
+                      <a:rPr lang="en-US" altLang="zh-CN" sz="2000" b="0" i="1" smtClean="0">
+                        <a:latin typeface="Cambria Math" panose="02040503050406030204" pitchFamily="18" charset="0"/>
+                      </a:rPr>
+                      <m:t>=</m:t>
+                    </m:r>
+                    <m:f>
+                      <m:fPr>
+                        <m:ctrlPr>
+                          <a:rPr lang="en-US" altLang="zh-CN" sz="2000" i="1">
+                            <a:latin typeface="Cambria Math" panose="02040503050406030204" pitchFamily="18" charset="0"/>
+                          </a:rPr>
+                        </m:ctrlPr>
+                      </m:fPr>
+                      <m:num>
+                        <m:r>
+                          <a:rPr lang="zh-CN" altLang="en-US" sz="2000" i="1">
+                            <a:latin typeface="Cambria Math" panose="02040503050406030204" pitchFamily="18" charset="0"/>
+                          </a:rPr>
+                          <m:t>𝜕</m:t>
+                        </m:r>
+                        <m:sSub>
+                          <m:sSubPr>
+                            <m:ctrlPr>
+                              <a:rPr lang="en-US" altLang="zh-CN" sz="2000" b="0" i="1" smtClean="0">
+                                <a:latin typeface="Cambria Math" panose="02040503050406030204" pitchFamily="18" charset="0"/>
+                              </a:rPr>
+                            </m:ctrlPr>
+                          </m:sSubPr>
+                          <m:e>
+                            <m:r>
+                              <a:rPr lang="en-US" altLang="zh-CN" sz="2000" b="0" i="1" smtClean="0">
+                                <a:latin typeface="Cambria Math" panose="02040503050406030204" pitchFamily="18" charset="0"/>
+                              </a:rPr>
+                              <m:t>𝐷</m:t>
+                            </m:r>
+                          </m:e>
+                          <m:sub>
+                            <m:r>
+                              <a:rPr lang="en-US" altLang="zh-CN" sz="2000" b="0" i="1" smtClean="0">
+                                <a:latin typeface="Cambria Math" panose="02040503050406030204" pitchFamily="18" charset="0"/>
+                              </a:rPr>
+                              <m:t>𝑠</m:t>
+                            </m:r>
+                          </m:sub>
+                        </m:sSub>
+                      </m:num>
+                      <m:den>
+                        <m:r>
+                          <a:rPr lang="zh-CN" altLang="en-US" sz="2000" i="1">
+                            <a:latin typeface="Cambria Math" panose="02040503050406030204" pitchFamily="18" charset="0"/>
+                          </a:rPr>
+                          <m:t>𝜕</m:t>
+                        </m:r>
+                        <m:sSubSup>
+                          <m:sSubSupPr>
+                            <m:ctrlPr>
+                              <a:rPr lang="en-US" altLang="zh-CN" sz="2000" i="1">
+                                <a:latin typeface="Cambria Math" panose="02040503050406030204" pitchFamily="18" charset="0"/>
+                              </a:rPr>
+                            </m:ctrlPr>
+                          </m:sSubSupPr>
+                          <m:e>
+                            <m:r>
+                              <a:rPr lang="en-US" altLang="zh-CN" sz="2000" i="1">
+                                <a:latin typeface="Cambria Math" panose="02040503050406030204" pitchFamily="18" charset="0"/>
+                              </a:rPr>
+                              <m:t>𝑥</m:t>
+                            </m:r>
+                          </m:e>
+                          <m:sub>
+                            <m:r>
+                              <a:rPr lang="en-US" altLang="zh-CN" sz="2000" i="1">
+                                <a:latin typeface="Cambria Math" panose="02040503050406030204" pitchFamily="18" charset="0"/>
+                              </a:rPr>
+                              <m:t>𝑗</m:t>
+                            </m:r>
+                          </m:sub>
+                          <m:sup>
+                            <m:r>
+                              <a:rPr lang="en-US" altLang="zh-CN" sz="2000" i="1">
+                                <a:latin typeface="Cambria Math" panose="02040503050406030204" pitchFamily="18" charset="0"/>
+                              </a:rPr>
+                              <m:t>𝑖</m:t>
+                            </m:r>
+                          </m:sup>
+                        </m:sSubSup>
+                      </m:den>
+                    </m:f>
+                    <m:sSubSup>
+                      <m:sSubSupPr>
+                        <m:ctrlPr>
+                          <a:rPr lang="en-US" altLang="zh-CN" sz="2000" b="0" i="1" smtClean="0">
+                            <a:latin typeface="Cambria Math" panose="02040503050406030204" pitchFamily="18" charset="0"/>
+                          </a:rPr>
+                        </m:ctrlPr>
+                      </m:sSubSupPr>
+                      <m:e>
+                        <m:r>
+                          <a:rPr lang="en-US" altLang="zh-CN" sz="2000" b="0" i="1" smtClean="0">
+                            <a:latin typeface="Cambria Math" panose="02040503050406030204" pitchFamily="18" charset="0"/>
+                          </a:rPr>
+                          <m:t>𝐷</m:t>
+                        </m:r>
+                      </m:e>
+                      <m:sub>
+                        <m:r>
+                          <a:rPr lang="en-US" altLang="zh-CN" sz="2000" b="0" i="1" smtClean="0">
+                            <a:latin typeface="Cambria Math" panose="02040503050406030204" pitchFamily="18" charset="0"/>
+                          </a:rPr>
+                          <m:t>𝑚</m:t>
+                        </m:r>
+                      </m:sub>
+                      <m:sup>
+                        <m:r>
+                          <a:rPr lang="en-US" altLang="zh-CN" sz="2000" b="0" i="1" smtClean="0">
+                            <a:latin typeface="Cambria Math" panose="02040503050406030204" pitchFamily="18" charset="0"/>
+                          </a:rPr>
+                          <m:t>−1</m:t>
+                        </m:r>
+                      </m:sup>
+                    </m:sSubSup>
+                  </m:oMath>
+                </a14:m>
+                <a:endParaRPr lang="en-US" altLang="zh-CN" sz="2000" dirty="0"/>
+              </a:p>
+              <a:p>
+                <a:pPr marL="457200" lvl="1" indent="0">
+                  <a:buNone/>
+                </a:pPr>
+                <a14:m>
+                  <m:oMath xmlns:m="http://schemas.openxmlformats.org/officeDocument/2006/math">
+                    <m:f>
+                      <m:fPr>
+                        <m:ctrlPr>
+                          <a:rPr lang="en-US" altLang="zh-CN" sz="2000" i="1">
+                            <a:latin typeface="Cambria Math" panose="02040503050406030204" pitchFamily="18" charset="0"/>
+                          </a:rPr>
+                        </m:ctrlPr>
+                      </m:fPr>
+                      <m:num>
+                        <m:r>
+                          <a:rPr lang="zh-CN" altLang="en-US" sz="2000" i="1">
+                            <a:latin typeface="Cambria Math" panose="02040503050406030204" pitchFamily="18" charset="0"/>
+                          </a:rPr>
+                          <m:t>𝜕</m:t>
+                        </m:r>
+                        <m:sSub>
+                          <m:sSubPr>
+                            <m:ctrlPr>
+                              <a:rPr lang="en-US" altLang="zh-CN" sz="2000" i="1">
+                                <a:latin typeface="Cambria Math" panose="02040503050406030204" pitchFamily="18" charset="0"/>
+                              </a:rPr>
+                            </m:ctrlPr>
+                          </m:sSubPr>
+                          <m:e>
+                            <m:r>
+                              <a:rPr lang="en-US" altLang="zh-CN" sz="2000" i="1">
+                                <a:latin typeface="Cambria Math" panose="02040503050406030204" pitchFamily="18" charset="0"/>
+                              </a:rPr>
+                              <m:t>𝐷</m:t>
+                            </m:r>
+                          </m:e>
+                          <m:sub>
+                            <m:r>
+                              <a:rPr lang="en-US" altLang="zh-CN" sz="2000" i="1">
+                                <a:latin typeface="Cambria Math" panose="02040503050406030204" pitchFamily="18" charset="0"/>
+                              </a:rPr>
+                              <m:t>𝑠</m:t>
+                            </m:r>
+                          </m:sub>
+                        </m:sSub>
+                      </m:num>
+                      <m:den>
+                        <m:r>
+                          <a:rPr lang="zh-CN" altLang="en-US" sz="2000" i="1">
+                            <a:latin typeface="Cambria Math" panose="02040503050406030204" pitchFamily="18" charset="0"/>
+                          </a:rPr>
+                          <m:t>𝜕</m:t>
+                        </m:r>
+                        <m:sSubSup>
+                          <m:sSubSupPr>
+                            <m:ctrlPr>
+                              <a:rPr lang="en-US" altLang="zh-CN" sz="2000" i="1">
+                                <a:latin typeface="Cambria Math" panose="02040503050406030204" pitchFamily="18" charset="0"/>
+                              </a:rPr>
+                            </m:ctrlPr>
+                          </m:sSubSupPr>
+                          <m:e>
+                            <m:r>
+                              <a:rPr lang="en-US" altLang="zh-CN" sz="2000" i="1">
+                                <a:latin typeface="Cambria Math" panose="02040503050406030204" pitchFamily="18" charset="0"/>
+                              </a:rPr>
+                              <m:t>𝑥</m:t>
+                            </m:r>
+                          </m:e>
+                          <m:sub>
+                            <m:r>
+                              <a:rPr lang="en-US" altLang="zh-CN" sz="2000" i="1">
+                                <a:latin typeface="Cambria Math" panose="02040503050406030204" pitchFamily="18" charset="0"/>
+                              </a:rPr>
+                              <m:t>𝑗</m:t>
+                            </m:r>
+                          </m:sub>
+                          <m:sup>
+                            <m:r>
+                              <a:rPr lang="en-US" altLang="zh-CN" sz="2000" i="1">
+                                <a:latin typeface="Cambria Math" panose="02040503050406030204" pitchFamily="18" charset="0"/>
+                              </a:rPr>
+                              <m:t>𝑖</m:t>
+                            </m:r>
+                          </m:sup>
+                        </m:sSubSup>
+                      </m:den>
+                    </m:f>
+                    <m:r>
+                      <a:rPr lang="en-US" altLang="zh-CN" sz="2000" b="0" i="1" smtClean="0">
+                        <a:latin typeface="Cambria Math" panose="02040503050406030204" pitchFamily="18" charset="0"/>
+                      </a:rPr>
+                      <m:t>=</m:t>
+                    </m:r>
+                    <m:sSub>
+                      <m:sSubPr>
+                        <m:ctrlPr>
+                          <a:rPr lang="en-US" altLang="zh-CN" sz="2000" b="0" i="1" smtClean="0">
+                            <a:latin typeface="Cambria Math" panose="02040503050406030204" pitchFamily="18" charset="0"/>
+                          </a:rPr>
+                        </m:ctrlPr>
+                      </m:sSubPr>
+                      <m:e>
+                        <m:r>
+                          <a:rPr lang="zh-CN" altLang="en-US" sz="2000" b="0" i="1" smtClean="0">
+                            <a:latin typeface="Cambria Math" panose="02040503050406030204" pitchFamily="18" charset="0"/>
+                          </a:rPr>
+                          <m:t>𝛿</m:t>
+                        </m:r>
+                      </m:e>
+                      <m:sub>
+                        <m:r>
+                          <a:rPr lang="en-US" altLang="zh-CN" sz="2000" b="0" i="1" smtClean="0">
+                            <a:latin typeface="Cambria Math" panose="02040503050406030204" pitchFamily="18" charset="0"/>
+                          </a:rPr>
+                          <m:t>𝑖</m:t>
+                        </m:r>
+                      </m:sub>
+                    </m:sSub>
+                    <m:sSubSup>
+                      <m:sSubSupPr>
+                        <m:ctrlPr>
+                          <a:rPr lang="en-US" altLang="zh-CN" sz="2000" b="0" i="1" smtClean="0">
+                            <a:latin typeface="Cambria Math" panose="02040503050406030204" pitchFamily="18" charset="0"/>
+                          </a:rPr>
+                        </m:ctrlPr>
+                      </m:sSubSupPr>
+                      <m:e>
+                        <m:r>
+                          <a:rPr lang="zh-CN" altLang="en-US" sz="2000" b="0" i="1" smtClean="0">
+                            <a:latin typeface="Cambria Math" panose="02040503050406030204" pitchFamily="18" charset="0"/>
+                          </a:rPr>
+                          <m:t>𝛿</m:t>
+                        </m:r>
+                      </m:e>
+                      <m:sub>
+                        <m:r>
+                          <a:rPr lang="en-US" altLang="zh-CN" sz="2000" b="0" i="1" smtClean="0">
+                            <a:latin typeface="Cambria Math" panose="02040503050406030204" pitchFamily="18" charset="0"/>
+                          </a:rPr>
+                          <m:t>𝑗</m:t>
+                        </m:r>
+                      </m:sub>
+                      <m:sup>
+                        <m:r>
+                          <a:rPr lang="en-US" altLang="zh-CN" sz="2000" b="0" i="1" smtClean="0">
+                            <a:latin typeface="Cambria Math" panose="02040503050406030204" pitchFamily="18" charset="0"/>
+                          </a:rPr>
+                          <m:t>𝑇</m:t>
+                        </m:r>
+                      </m:sup>
+                    </m:sSubSup>
+                  </m:oMath>
+                </a14:m>
+                <a:r>
+                  <a:rPr lang="en-US" altLang="zh-CN" sz="2000" dirty="0"/>
+                  <a:t>, for </a:t>
+                </a:r>
+                <a14:m>
+                  <m:oMath xmlns:m="http://schemas.openxmlformats.org/officeDocument/2006/math">
+                    <m:r>
+                      <a:rPr lang="en-US" altLang="zh-CN" sz="2000" b="0" i="1" smtClean="0">
+                        <a:latin typeface="Cambria Math" panose="02040503050406030204" pitchFamily="18" charset="0"/>
+                      </a:rPr>
+                      <m:t>𝑗</m:t>
+                    </m:r>
+                    <m:r>
+                      <a:rPr lang="en-US" altLang="zh-CN" sz="2000" b="0" i="1" smtClean="0">
+                        <a:latin typeface="Cambria Math" panose="02040503050406030204" pitchFamily="18" charset="0"/>
+                      </a:rPr>
+                      <m:t>=1,2,3</m:t>
+                    </m:r>
+                  </m:oMath>
+                </a14:m>
+                <a:endParaRPr lang="en-US" altLang="zh-CN" sz="2000" dirty="0"/>
+              </a:p>
+              <a:p>
+                <a:pPr marL="457200" lvl="1" indent="0">
+                  <a:buNone/>
+                </a:pPr>
+                <a:r>
+                  <a:rPr lang="en-US" altLang="zh-CN" sz="2000" dirty="0"/>
+                  <a:t>Thus: </a:t>
+                </a:r>
+                <a14:m>
+                  <m:oMath xmlns:m="http://schemas.openxmlformats.org/officeDocument/2006/math">
+                    <m:f>
+                      <m:fPr>
+                        <m:ctrlPr>
+                          <a:rPr lang="en-US" altLang="zh-CN" sz="2000" b="0" i="1" smtClean="0">
+                            <a:latin typeface="Cambria Math" panose="02040503050406030204" pitchFamily="18" charset="0"/>
+                          </a:rPr>
+                        </m:ctrlPr>
+                      </m:fPr>
+                      <m:num>
+                        <m:r>
+                          <a:rPr lang="zh-CN" altLang="en-US" sz="2000" b="0" i="1" smtClean="0">
+                            <a:latin typeface="Cambria Math" panose="02040503050406030204" pitchFamily="18" charset="0"/>
+                          </a:rPr>
+                          <m:t>𝜕</m:t>
+                        </m:r>
+                        <m:r>
+                          <a:rPr lang="en-US" altLang="zh-CN" sz="2000" b="0" i="1" smtClean="0">
+                            <a:latin typeface="Cambria Math" panose="02040503050406030204" pitchFamily="18" charset="0"/>
+                          </a:rPr>
+                          <m:t>𝐹</m:t>
+                        </m:r>
+                      </m:num>
+                      <m:den>
+                        <m:r>
+                          <a:rPr lang="zh-CN" altLang="en-US" sz="2000" b="0" i="1" smtClean="0">
+                            <a:latin typeface="Cambria Math" panose="02040503050406030204" pitchFamily="18" charset="0"/>
+                          </a:rPr>
+                          <m:t>𝜕</m:t>
+                        </m:r>
+                        <m:sSubSup>
+                          <m:sSubSupPr>
+                            <m:ctrlPr>
+                              <a:rPr lang="en-US" altLang="zh-CN" sz="2000" b="0" i="1" smtClean="0">
+                                <a:latin typeface="Cambria Math" panose="02040503050406030204" pitchFamily="18" charset="0"/>
+                              </a:rPr>
+                            </m:ctrlPr>
+                          </m:sSubSupPr>
+                          <m:e>
+                            <m:r>
+                              <a:rPr lang="en-US" altLang="zh-CN" sz="2000" b="0" i="1" smtClean="0">
+                                <a:latin typeface="Cambria Math" panose="02040503050406030204" pitchFamily="18" charset="0"/>
+                              </a:rPr>
+                              <m:t>𝑥</m:t>
+                            </m:r>
+                          </m:e>
+                          <m:sub>
+                            <m:r>
+                              <a:rPr lang="en-US" altLang="zh-CN" sz="2000" b="0" i="1" smtClean="0">
+                                <a:latin typeface="Cambria Math" panose="02040503050406030204" pitchFamily="18" charset="0"/>
+                              </a:rPr>
+                              <m:t>𝑗</m:t>
+                            </m:r>
+                          </m:sub>
+                          <m:sup>
+                            <m:r>
+                              <a:rPr lang="en-US" altLang="zh-CN" sz="2000" b="0" i="1" smtClean="0">
+                                <a:latin typeface="Cambria Math" panose="02040503050406030204" pitchFamily="18" charset="0"/>
+                              </a:rPr>
+                              <m:t>𝑖</m:t>
+                            </m:r>
+                          </m:sup>
+                        </m:sSubSup>
+                      </m:den>
+                    </m:f>
+                    <m:r>
+                      <a:rPr lang="en-US" altLang="zh-CN" sz="2000" b="0" i="1" smtClean="0">
+                        <a:latin typeface="Cambria Math" panose="02040503050406030204" pitchFamily="18" charset="0"/>
+                      </a:rPr>
+                      <m:t>=</m:t>
+                    </m:r>
+                    <m:sSub>
+                      <m:sSubPr>
+                        <m:ctrlPr>
+                          <a:rPr lang="en-US" altLang="zh-CN" sz="2000" i="1">
+                            <a:latin typeface="Cambria Math" panose="02040503050406030204" pitchFamily="18" charset="0"/>
+                          </a:rPr>
+                        </m:ctrlPr>
+                      </m:sSubPr>
+                      <m:e>
+                        <m:r>
+                          <a:rPr lang="zh-CN" altLang="en-US" sz="2000" i="1">
+                            <a:latin typeface="Cambria Math" panose="02040503050406030204" pitchFamily="18" charset="0"/>
+                          </a:rPr>
+                          <m:t>𝛿</m:t>
+                        </m:r>
+                      </m:e>
+                      <m:sub>
+                        <m:r>
+                          <a:rPr lang="en-US" altLang="zh-CN" sz="2000" i="1">
+                            <a:latin typeface="Cambria Math" panose="02040503050406030204" pitchFamily="18" charset="0"/>
+                          </a:rPr>
+                          <m:t>𝑖</m:t>
+                        </m:r>
+                      </m:sub>
+                    </m:sSub>
+                    <m:sSubSup>
+                      <m:sSubSupPr>
+                        <m:ctrlPr>
+                          <a:rPr lang="en-US" altLang="zh-CN" sz="2000" i="1">
+                            <a:latin typeface="Cambria Math" panose="02040503050406030204" pitchFamily="18" charset="0"/>
+                          </a:rPr>
+                        </m:ctrlPr>
+                      </m:sSubSupPr>
+                      <m:e>
+                        <m:r>
+                          <a:rPr lang="zh-CN" altLang="en-US" sz="2000" i="1">
+                            <a:latin typeface="Cambria Math" panose="02040503050406030204" pitchFamily="18" charset="0"/>
+                          </a:rPr>
+                          <m:t>𝛿</m:t>
+                        </m:r>
+                      </m:e>
+                      <m:sub>
+                        <m:r>
+                          <a:rPr lang="en-US" altLang="zh-CN" sz="2000" i="1">
+                            <a:latin typeface="Cambria Math" panose="02040503050406030204" pitchFamily="18" charset="0"/>
+                          </a:rPr>
+                          <m:t>𝑗</m:t>
+                        </m:r>
+                      </m:sub>
+                      <m:sup>
+                        <m:r>
+                          <a:rPr lang="en-US" altLang="zh-CN" sz="2000" i="1">
+                            <a:latin typeface="Cambria Math" panose="02040503050406030204" pitchFamily="18" charset="0"/>
+                          </a:rPr>
+                          <m:t>𝑇</m:t>
+                        </m:r>
+                      </m:sup>
+                    </m:sSubSup>
+                    <m:sSubSup>
+                      <m:sSubSupPr>
+                        <m:ctrlPr>
+                          <a:rPr lang="en-US" altLang="zh-CN" sz="2000" b="0" i="1" smtClean="0">
+                            <a:latin typeface="Cambria Math" panose="02040503050406030204" pitchFamily="18" charset="0"/>
+                          </a:rPr>
+                        </m:ctrlPr>
+                      </m:sSubSupPr>
+                      <m:e>
+                        <m:r>
+                          <a:rPr lang="en-US" altLang="zh-CN" sz="2000" b="0" i="1" smtClean="0">
+                            <a:latin typeface="Cambria Math" panose="02040503050406030204" pitchFamily="18" charset="0"/>
+                          </a:rPr>
+                          <m:t>𝐷</m:t>
+                        </m:r>
+                      </m:e>
+                      <m:sub>
+                        <m:r>
+                          <a:rPr lang="en-US" altLang="zh-CN" sz="2000" b="0" i="1" smtClean="0">
+                            <a:latin typeface="Cambria Math" panose="02040503050406030204" pitchFamily="18" charset="0"/>
+                          </a:rPr>
+                          <m:t>𝑚</m:t>
+                        </m:r>
+                      </m:sub>
+                      <m:sup>
+                        <m:r>
+                          <a:rPr lang="en-US" altLang="zh-CN" sz="2000" b="0" i="1" smtClean="0">
+                            <a:latin typeface="Cambria Math" panose="02040503050406030204" pitchFamily="18" charset="0"/>
+                          </a:rPr>
+                          <m:t>−1</m:t>
+                        </m:r>
+                      </m:sup>
+                    </m:sSubSup>
+                  </m:oMath>
+                </a14:m>
+                <a:r>
+                  <a:rPr lang="en-US" altLang="zh-CN" sz="2000" dirty="0"/>
+                  <a:t> </a:t>
+                </a:r>
+              </a:p>
+              <a:p>
+                <a:pPr lvl="1"/>
+                <a14:m>
+                  <m:oMath xmlns:m="http://schemas.openxmlformats.org/officeDocument/2006/math">
+                    <m:f>
+                      <m:fPr>
+                        <m:ctrlPr>
+                          <a:rPr lang="en-US" altLang="zh-CN" sz="2000" b="0" i="1" smtClean="0">
+                            <a:latin typeface="Cambria Math" panose="02040503050406030204" pitchFamily="18" charset="0"/>
+                          </a:rPr>
+                        </m:ctrlPr>
+                      </m:fPr>
+                      <m:num>
+                        <m:r>
+                          <a:rPr lang="zh-CN" altLang="en-US" sz="2000" b="0" i="1" smtClean="0">
+                            <a:latin typeface="Cambria Math" panose="02040503050406030204" pitchFamily="18" charset="0"/>
+                          </a:rPr>
+                          <m:t>𝜕</m:t>
+                        </m:r>
+                        <m:r>
+                          <a:rPr lang="en-US" altLang="zh-CN" sz="2000" b="0" i="1" smtClean="0">
+                            <a:latin typeface="Cambria Math" panose="02040503050406030204" pitchFamily="18" charset="0"/>
+                          </a:rPr>
+                          <m:t>𝐹</m:t>
+                        </m:r>
+                      </m:num>
+                      <m:den>
+                        <m:r>
+                          <a:rPr lang="zh-CN" altLang="en-US" sz="2000" b="0" i="1" smtClean="0">
+                            <a:latin typeface="Cambria Math" panose="02040503050406030204" pitchFamily="18" charset="0"/>
+                          </a:rPr>
+                          <m:t>𝜕</m:t>
+                        </m:r>
+                        <m:sSubSup>
+                          <m:sSubSupPr>
+                            <m:ctrlPr>
+                              <a:rPr lang="en-US" altLang="zh-CN" sz="2000" b="0" i="1" smtClean="0">
+                                <a:latin typeface="Cambria Math" panose="02040503050406030204" pitchFamily="18" charset="0"/>
+                              </a:rPr>
+                            </m:ctrlPr>
+                          </m:sSubSupPr>
+                          <m:e>
+                            <m:r>
+                              <a:rPr lang="en-US" altLang="zh-CN" sz="2000" b="0" i="1" smtClean="0">
+                                <a:latin typeface="Cambria Math" panose="02040503050406030204" pitchFamily="18" charset="0"/>
+                              </a:rPr>
+                              <m:t>𝑥</m:t>
+                            </m:r>
+                          </m:e>
+                          <m:sub>
+                            <m:r>
+                              <a:rPr lang="en-US" altLang="zh-CN" sz="2000" b="0" i="1" smtClean="0">
+                                <a:latin typeface="Cambria Math" panose="02040503050406030204" pitchFamily="18" charset="0"/>
+                              </a:rPr>
+                              <m:t>𝑗</m:t>
+                            </m:r>
+                          </m:sub>
+                          <m:sup>
+                            <m:r>
+                              <a:rPr lang="en-US" altLang="zh-CN" sz="2000" b="0" i="1" smtClean="0">
+                                <a:latin typeface="Cambria Math" panose="02040503050406030204" pitchFamily="18" charset="0"/>
+                              </a:rPr>
+                              <m:t>𝑖</m:t>
+                            </m:r>
+                          </m:sup>
+                        </m:sSubSup>
+                      </m:den>
+                    </m:f>
+                    <m:r>
+                      <a:rPr lang="en-US" altLang="zh-CN" sz="2000" b="0" i="1" smtClean="0">
+                        <a:latin typeface="Cambria Math" panose="02040503050406030204" pitchFamily="18" charset="0"/>
+                      </a:rPr>
+                      <m:t>:</m:t>
+                    </m:r>
+                    <m:r>
+                      <a:rPr lang="en-US" altLang="zh-CN" sz="2000" b="0" i="1" smtClean="0">
+                        <a:latin typeface="Cambria Math" panose="02040503050406030204" pitchFamily="18" charset="0"/>
+                      </a:rPr>
+                      <m:t>𝑃</m:t>
+                    </m:r>
+                    <m:r>
+                      <a:rPr lang="en-US" altLang="zh-CN" sz="2000" b="0" i="1" smtClean="0">
+                        <a:latin typeface="Cambria Math" panose="02040503050406030204" pitchFamily="18" charset="0"/>
+                      </a:rPr>
+                      <m:t>=</m:t>
+                    </m:r>
+                    <m:sSub>
+                      <m:sSubPr>
+                        <m:ctrlPr>
+                          <a:rPr lang="en-US" altLang="zh-CN" sz="2000" i="1">
+                            <a:latin typeface="Cambria Math" panose="02040503050406030204" pitchFamily="18" charset="0"/>
+                          </a:rPr>
+                        </m:ctrlPr>
+                      </m:sSubPr>
+                      <m:e>
+                        <m:r>
+                          <a:rPr lang="zh-CN" altLang="en-US" sz="2000" i="1">
+                            <a:latin typeface="Cambria Math" panose="02040503050406030204" pitchFamily="18" charset="0"/>
+                          </a:rPr>
+                          <m:t>𝛿</m:t>
+                        </m:r>
+                      </m:e>
+                      <m:sub>
+                        <m:r>
+                          <a:rPr lang="en-US" altLang="zh-CN" sz="2000" i="1">
+                            <a:latin typeface="Cambria Math" panose="02040503050406030204" pitchFamily="18" charset="0"/>
+                          </a:rPr>
+                          <m:t>𝑖</m:t>
+                        </m:r>
+                      </m:sub>
+                    </m:sSub>
+                    <m:sSubSup>
+                      <m:sSubSupPr>
+                        <m:ctrlPr>
+                          <a:rPr lang="en-US" altLang="zh-CN" sz="2000" i="1">
+                            <a:latin typeface="Cambria Math" panose="02040503050406030204" pitchFamily="18" charset="0"/>
+                          </a:rPr>
+                        </m:ctrlPr>
+                      </m:sSubSupPr>
+                      <m:e>
+                        <m:r>
+                          <a:rPr lang="zh-CN" altLang="en-US" sz="2000" i="1">
+                            <a:latin typeface="Cambria Math" panose="02040503050406030204" pitchFamily="18" charset="0"/>
+                          </a:rPr>
+                          <m:t>𝛿</m:t>
+                        </m:r>
+                      </m:e>
+                      <m:sub>
+                        <m:r>
+                          <a:rPr lang="en-US" altLang="zh-CN" sz="2000" i="1">
+                            <a:latin typeface="Cambria Math" panose="02040503050406030204" pitchFamily="18" charset="0"/>
+                          </a:rPr>
+                          <m:t>𝑗</m:t>
+                        </m:r>
+                      </m:sub>
+                      <m:sup>
+                        <m:r>
+                          <a:rPr lang="en-US" altLang="zh-CN" sz="2000" i="1">
+                            <a:latin typeface="Cambria Math" panose="02040503050406030204" pitchFamily="18" charset="0"/>
+                          </a:rPr>
+                          <m:t>𝑇</m:t>
+                        </m:r>
+                      </m:sup>
+                    </m:sSubSup>
+                    <m:sSubSup>
+                      <m:sSubSupPr>
+                        <m:ctrlPr>
+                          <a:rPr lang="en-US" altLang="zh-CN" sz="2000" i="1">
+                            <a:latin typeface="Cambria Math" panose="02040503050406030204" pitchFamily="18" charset="0"/>
+                          </a:rPr>
+                        </m:ctrlPr>
+                      </m:sSubSupPr>
+                      <m:e>
+                        <m:r>
+                          <a:rPr lang="en-US" altLang="zh-CN" sz="2000" i="1">
+                            <a:latin typeface="Cambria Math" panose="02040503050406030204" pitchFamily="18" charset="0"/>
+                          </a:rPr>
+                          <m:t>𝐷</m:t>
+                        </m:r>
+                      </m:e>
+                      <m:sub>
+                        <m:r>
+                          <a:rPr lang="en-US" altLang="zh-CN" sz="2000" i="1">
+                            <a:latin typeface="Cambria Math" panose="02040503050406030204" pitchFamily="18" charset="0"/>
+                          </a:rPr>
+                          <m:t>𝑚</m:t>
+                        </m:r>
+                      </m:sub>
+                      <m:sup>
+                        <m:r>
+                          <a:rPr lang="en-US" altLang="zh-CN" sz="2000" i="1">
+                            <a:latin typeface="Cambria Math" panose="02040503050406030204" pitchFamily="18" charset="0"/>
+                          </a:rPr>
+                          <m:t>−1</m:t>
+                        </m:r>
+                      </m:sup>
+                    </m:sSubSup>
+                    <m:r>
+                      <a:rPr lang="en-US" altLang="zh-CN" sz="2000" b="0" i="1" smtClean="0">
+                        <a:latin typeface="Cambria Math" panose="02040503050406030204" pitchFamily="18" charset="0"/>
+                      </a:rPr>
+                      <m:t>:</m:t>
+                    </m:r>
+                    <m:r>
+                      <a:rPr lang="en-US" altLang="zh-CN" sz="2000" b="0" i="1" smtClean="0">
+                        <a:latin typeface="Cambria Math" panose="02040503050406030204" pitchFamily="18" charset="0"/>
+                      </a:rPr>
+                      <m:t>𝑃</m:t>
+                    </m:r>
+                    <m:r>
+                      <a:rPr lang="en-US" altLang="zh-CN" sz="2000" b="0" i="1" smtClean="0">
+                        <a:latin typeface="Cambria Math" panose="02040503050406030204" pitchFamily="18" charset="0"/>
+                      </a:rPr>
+                      <m:t>=</m:t>
+                    </m:r>
+                    <m:r>
+                      <a:rPr lang="en-US" altLang="zh-CN" sz="2000" b="0" i="1" smtClean="0">
+                        <a:latin typeface="Cambria Math" panose="02040503050406030204" pitchFamily="18" charset="0"/>
+                      </a:rPr>
+                      <m:t>𝑡𝑟</m:t>
+                    </m:r>
+                    <m:d>
+                      <m:dPr>
+                        <m:ctrlPr>
+                          <a:rPr lang="en-US" altLang="zh-CN" sz="2000" b="0" i="1" smtClean="0">
+                            <a:latin typeface="Cambria Math" panose="02040503050406030204" pitchFamily="18" charset="0"/>
+                          </a:rPr>
+                        </m:ctrlPr>
+                      </m:dPr>
+                      <m:e>
+                        <m:sSubSup>
+                          <m:sSubSupPr>
+                            <m:ctrlPr>
+                              <a:rPr lang="en-US" altLang="zh-CN" sz="2000" b="0" i="1" smtClean="0">
+                                <a:latin typeface="Cambria Math" panose="02040503050406030204" pitchFamily="18" charset="0"/>
+                              </a:rPr>
+                            </m:ctrlPr>
+                          </m:sSubSupPr>
+                          <m:e>
+                            <m:r>
+                              <a:rPr lang="en-US" altLang="zh-CN" sz="2000" b="0" i="1" smtClean="0">
+                                <a:latin typeface="Cambria Math" panose="02040503050406030204" pitchFamily="18" charset="0"/>
+                              </a:rPr>
+                              <m:t>𝐷</m:t>
+                            </m:r>
+                          </m:e>
+                          <m:sub>
+                            <m:r>
+                              <a:rPr lang="en-US" altLang="zh-CN" sz="2000" b="0" i="1" smtClean="0">
+                                <a:latin typeface="Cambria Math" panose="02040503050406030204" pitchFamily="18" charset="0"/>
+                              </a:rPr>
+                              <m:t>𝑚</m:t>
+                            </m:r>
+                          </m:sub>
+                          <m:sup>
+                            <m:r>
+                              <a:rPr lang="en-US" altLang="zh-CN" sz="2000" b="0" i="1" smtClean="0">
+                                <a:latin typeface="Cambria Math" panose="02040503050406030204" pitchFamily="18" charset="0"/>
+                              </a:rPr>
+                              <m:t>−</m:t>
+                            </m:r>
+                            <m:r>
+                              <a:rPr lang="en-US" altLang="zh-CN" sz="2000" b="0" i="1" smtClean="0">
+                                <a:latin typeface="Cambria Math" panose="02040503050406030204" pitchFamily="18" charset="0"/>
+                              </a:rPr>
+                              <m:t>𝑇</m:t>
+                            </m:r>
+                          </m:sup>
+                        </m:sSubSup>
+                        <m:sSub>
+                          <m:sSubPr>
+                            <m:ctrlPr>
+                              <a:rPr lang="en-US" altLang="zh-CN" sz="2000" b="0" i="1" smtClean="0">
+                                <a:latin typeface="Cambria Math" panose="02040503050406030204" pitchFamily="18" charset="0"/>
+                              </a:rPr>
+                            </m:ctrlPr>
+                          </m:sSubPr>
+                          <m:e>
+                            <m:r>
+                              <a:rPr lang="zh-CN" altLang="en-US" sz="2000" i="1">
+                                <a:latin typeface="Cambria Math" panose="02040503050406030204" pitchFamily="18" charset="0"/>
+                              </a:rPr>
+                              <m:t>𝛿</m:t>
+                            </m:r>
+                          </m:e>
+                          <m:sub>
+                            <m:r>
+                              <a:rPr lang="en-US" altLang="zh-CN" sz="2000" b="0" i="1" smtClean="0">
+                                <a:latin typeface="Cambria Math" panose="02040503050406030204" pitchFamily="18" charset="0"/>
+                              </a:rPr>
+                              <m:t>𝑗</m:t>
+                            </m:r>
+                          </m:sub>
+                        </m:sSub>
+                        <m:sSubSup>
+                          <m:sSubSupPr>
+                            <m:ctrlPr>
+                              <a:rPr lang="en-US" altLang="zh-CN" sz="2000" b="0" i="1" smtClean="0">
+                                <a:latin typeface="Cambria Math" panose="02040503050406030204" pitchFamily="18" charset="0"/>
+                              </a:rPr>
+                            </m:ctrlPr>
+                          </m:sSubSupPr>
+                          <m:e>
+                            <m:r>
+                              <a:rPr lang="zh-CN" altLang="en-US" sz="2000" i="1">
+                                <a:latin typeface="Cambria Math" panose="02040503050406030204" pitchFamily="18" charset="0"/>
+                              </a:rPr>
+                              <m:t>𝛿</m:t>
+                            </m:r>
+                          </m:e>
+                          <m:sub>
+                            <m:r>
+                              <a:rPr lang="en-US" altLang="zh-CN" sz="2000" b="0" i="1" smtClean="0">
+                                <a:latin typeface="Cambria Math" panose="02040503050406030204" pitchFamily="18" charset="0"/>
+                              </a:rPr>
+                              <m:t>𝑖</m:t>
+                            </m:r>
+                          </m:sub>
+                          <m:sup>
+                            <m:r>
+                              <a:rPr lang="en-US" altLang="zh-CN" sz="2000" b="0" i="1" smtClean="0">
+                                <a:latin typeface="Cambria Math" panose="02040503050406030204" pitchFamily="18" charset="0"/>
+                              </a:rPr>
+                              <m:t>𝑇</m:t>
+                            </m:r>
+                          </m:sup>
+                        </m:sSubSup>
+                        <m:r>
+                          <a:rPr lang="en-US" altLang="zh-CN" sz="2000" b="0" i="1" smtClean="0">
+                            <a:latin typeface="Cambria Math" panose="02040503050406030204" pitchFamily="18" charset="0"/>
+                          </a:rPr>
+                          <m:t>𝑃</m:t>
+                        </m:r>
+                      </m:e>
+                    </m:d>
+                  </m:oMath>
+                </a14:m>
+                <a:endParaRPr lang="en-US" altLang="zh-CN" sz="2000" b="0" i="1" dirty="0">
+                  <a:latin typeface="Cambria Math" panose="02040503050406030204" pitchFamily="18" charset="0"/>
+                </a:endParaRPr>
+              </a:p>
+              <a:p>
+                <a:pPr marL="457200" lvl="1" indent="0">
+                  <a:buNone/>
+                </a:pPr>
+                <a:r>
+                  <a:rPr lang="en-US" altLang="zh-CN" sz="2000" b="0" dirty="0"/>
+                  <a:t>             </a:t>
+                </a:r>
+                <a14:m>
+                  <m:oMath xmlns:m="http://schemas.openxmlformats.org/officeDocument/2006/math">
+                    <m:r>
+                      <a:rPr lang="en-US" altLang="zh-CN" sz="2000" b="0" i="1" smtClean="0">
+                        <a:latin typeface="Cambria Math" panose="02040503050406030204" pitchFamily="18" charset="0"/>
+                      </a:rPr>
+                      <m:t>=</m:t>
+                    </m:r>
+                    <m:r>
+                      <a:rPr lang="en-US" altLang="zh-CN" sz="2000" b="0" i="1" smtClean="0">
+                        <a:latin typeface="Cambria Math" panose="02040503050406030204" pitchFamily="18" charset="0"/>
+                      </a:rPr>
+                      <m:t>𝑡𝑟</m:t>
+                    </m:r>
+                    <m:d>
+                      <m:dPr>
+                        <m:ctrlPr>
+                          <a:rPr lang="en-US" altLang="zh-CN" sz="2000" b="0" i="1" smtClean="0">
+                            <a:latin typeface="Cambria Math" panose="02040503050406030204" pitchFamily="18" charset="0"/>
+                          </a:rPr>
+                        </m:ctrlPr>
+                      </m:dPr>
+                      <m:e>
+                        <m:sSubSup>
+                          <m:sSubSupPr>
+                            <m:ctrlPr>
+                              <a:rPr lang="en-US" altLang="zh-CN" sz="2000" b="0" i="1" smtClean="0">
+                                <a:latin typeface="Cambria Math" panose="02040503050406030204" pitchFamily="18" charset="0"/>
+                              </a:rPr>
+                            </m:ctrlPr>
+                          </m:sSubSupPr>
+                          <m:e>
+                            <m:r>
+                              <a:rPr lang="zh-CN" altLang="en-US" sz="2000" i="1">
+                                <a:latin typeface="Cambria Math" panose="02040503050406030204" pitchFamily="18" charset="0"/>
+                              </a:rPr>
+                              <m:t>𝛿</m:t>
+                            </m:r>
+                          </m:e>
+                          <m:sub>
+                            <m:r>
+                              <a:rPr lang="en-US" altLang="zh-CN" sz="2000" b="0" i="1" smtClean="0">
+                                <a:latin typeface="Cambria Math" panose="02040503050406030204" pitchFamily="18" charset="0"/>
+                              </a:rPr>
+                              <m:t>𝑖</m:t>
+                            </m:r>
+                          </m:sub>
+                          <m:sup>
+                            <m:r>
+                              <a:rPr lang="en-US" altLang="zh-CN" sz="2000" b="0" i="1" smtClean="0">
+                                <a:latin typeface="Cambria Math" panose="02040503050406030204" pitchFamily="18" charset="0"/>
+                              </a:rPr>
+                              <m:t>𝑇</m:t>
+                            </m:r>
+                          </m:sup>
+                        </m:sSubSup>
+                        <m:r>
+                          <a:rPr lang="en-US" altLang="zh-CN" sz="2000" b="0" i="1" smtClean="0">
+                            <a:latin typeface="Cambria Math" panose="02040503050406030204" pitchFamily="18" charset="0"/>
+                          </a:rPr>
+                          <m:t>𝑃</m:t>
+                        </m:r>
+                        <m:sSubSup>
+                          <m:sSubSupPr>
+                            <m:ctrlPr>
+                              <a:rPr lang="en-US" altLang="zh-CN" sz="2000" b="0" i="1" smtClean="0">
+                                <a:latin typeface="Cambria Math" panose="02040503050406030204" pitchFamily="18" charset="0"/>
+                              </a:rPr>
+                            </m:ctrlPr>
+                          </m:sSubSupPr>
+                          <m:e>
+                            <m:r>
+                              <a:rPr lang="en-US" altLang="zh-CN" sz="2000" b="0" i="1" smtClean="0">
+                                <a:latin typeface="Cambria Math" panose="02040503050406030204" pitchFamily="18" charset="0"/>
+                              </a:rPr>
+                              <m:t>𝐷</m:t>
+                            </m:r>
+                          </m:e>
+                          <m:sub>
+                            <m:r>
+                              <a:rPr lang="en-US" altLang="zh-CN" sz="2000" b="0" i="1" smtClean="0">
+                                <a:latin typeface="Cambria Math" panose="02040503050406030204" pitchFamily="18" charset="0"/>
+                              </a:rPr>
+                              <m:t>𝑚</m:t>
+                            </m:r>
+                          </m:sub>
+                          <m:sup>
+                            <m:r>
+                              <a:rPr lang="en-US" altLang="zh-CN" sz="2000" b="0" i="1" smtClean="0">
+                                <a:latin typeface="Cambria Math" panose="02040503050406030204" pitchFamily="18" charset="0"/>
+                              </a:rPr>
+                              <m:t>−</m:t>
+                            </m:r>
+                            <m:r>
+                              <a:rPr lang="en-US" altLang="zh-CN" sz="2000" b="0" i="1" smtClean="0">
+                                <a:latin typeface="Cambria Math" panose="02040503050406030204" pitchFamily="18" charset="0"/>
+                              </a:rPr>
+                              <m:t>𝑇</m:t>
+                            </m:r>
+                          </m:sup>
+                        </m:sSubSup>
+                        <m:sSub>
+                          <m:sSubPr>
+                            <m:ctrlPr>
+                              <a:rPr lang="en-US" altLang="zh-CN" sz="2000" b="0" i="1" smtClean="0">
+                                <a:latin typeface="Cambria Math" panose="02040503050406030204" pitchFamily="18" charset="0"/>
+                              </a:rPr>
+                            </m:ctrlPr>
+                          </m:sSubPr>
+                          <m:e>
+                            <m:r>
+                              <a:rPr lang="zh-CN" altLang="en-US" sz="2000" i="1">
+                                <a:latin typeface="Cambria Math" panose="02040503050406030204" pitchFamily="18" charset="0"/>
+                              </a:rPr>
+                              <m:t>𝛿</m:t>
+                            </m:r>
+                          </m:e>
+                          <m:sub>
+                            <m:r>
+                              <a:rPr lang="en-US" altLang="zh-CN" sz="2000" b="0" i="1" smtClean="0">
+                                <a:latin typeface="Cambria Math" panose="02040503050406030204" pitchFamily="18" charset="0"/>
+                              </a:rPr>
+                              <m:t>𝑗</m:t>
+                            </m:r>
+                          </m:sub>
+                        </m:sSub>
+                      </m:e>
+                    </m:d>
+                    <m:r>
+                      <a:rPr lang="en-US" altLang="zh-CN" sz="2000" b="0" i="1" smtClean="0">
+                        <a:latin typeface="Cambria Math" panose="02040503050406030204" pitchFamily="18" charset="0"/>
+                      </a:rPr>
+                      <m:t>=</m:t>
+                    </m:r>
+                    <m:sSubSup>
+                      <m:sSubSupPr>
+                        <m:ctrlPr>
+                          <a:rPr lang="en-US" altLang="zh-CN" sz="2000" i="1">
+                            <a:latin typeface="Cambria Math" panose="02040503050406030204" pitchFamily="18" charset="0"/>
+                          </a:rPr>
+                        </m:ctrlPr>
+                      </m:sSubSupPr>
+                      <m:e>
+                        <m:r>
+                          <a:rPr lang="zh-CN" altLang="en-US" sz="2000" i="1">
+                            <a:latin typeface="Cambria Math" panose="02040503050406030204" pitchFamily="18" charset="0"/>
+                          </a:rPr>
+                          <m:t>𝛿</m:t>
+                        </m:r>
+                      </m:e>
+                      <m:sub>
+                        <m:r>
+                          <a:rPr lang="en-US" altLang="zh-CN" sz="2000" i="1">
+                            <a:latin typeface="Cambria Math" panose="02040503050406030204" pitchFamily="18" charset="0"/>
+                          </a:rPr>
+                          <m:t>𝑖</m:t>
+                        </m:r>
+                      </m:sub>
+                      <m:sup>
+                        <m:r>
+                          <a:rPr lang="en-US" altLang="zh-CN" sz="2000" i="1">
+                            <a:latin typeface="Cambria Math" panose="02040503050406030204" pitchFamily="18" charset="0"/>
+                          </a:rPr>
+                          <m:t>𝑇</m:t>
+                        </m:r>
+                      </m:sup>
+                    </m:sSubSup>
+                    <m:r>
+                      <a:rPr lang="en-US" altLang="zh-CN" sz="2000" i="1">
+                        <a:latin typeface="Cambria Math" panose="02040503050406030204" pitchFamily="18" charset="0"/>
+                      </a:rPr>
+                      <m:t>𝑃</m:t>
+                    </m:r>
+                    <m:sSubSup>
+                      <m:sSubSupPr>
+                        <m:ctrlPr>
+                          <a:rPr lang="en-US" altLang="zh-CN" sz="2000" i="1">
+                            <a:latin typeface="Cambria Math" panose="02040503050406030204" pitchFamily="18" charset="0"/>
+                          </a:rPr>
+                        </m:ctrlPr>
+                      </m:sSubSupPr>
+                      <m:e>
+                        <m:r>
+                          <a:rPr lang="en-US" altLang="zh-CN" sz="2000" i="1">
+                            <a:latin typeface="Cambria Math" panose="02040503050406030204" pitchFamily="18" charset="0"/>
+                          </a:rPr>
+                          <m:t>𝐷</m:t>
+                        </m:r>
+                      </m:e>
+                      <m:sub>
+                        <m:r>
+                          <a:rPr lang="en-US" altLang="zh-CN" sz="2000" i="1">
+                            <a:latin typeface="Cambria Math" panose="02040503050406030204" pitchFamily="18" charset="0"/>
+                          </a:rPr>
+                          <m:t>𝑚</m:t>
+                        </m:r>
+                      </m:sub>
+                      <m:sup>
+                        <m:r>
+                          <a:rPr lang="en-US" altLang="zh-CN" sz="2000" i="1">
+                            <a:latin typeface="Cambria Math" panose="02040503050406030204" pitchFamily="18" charset="0"/>
+                          </a:rPr>
+                          <m:t>−</m:t>
+                        </m:r>
+                        <m:r>
+                          <a:rPr lang="en-US" altLang="zh-CN" sz="2000" i="1">
+                            <a:latin typeface="Cambria Math" panose="02040503050406030204" pitchFamily="18" charset="0"/>
+                          </a:rPr>
+                          <m:t>𝑇</m:t>
+                        </m:r>
+                      </m:sup>
+                    </m:sSubSup>
+                    <m:sSub>
+                      <m:sSubPr>
+                        <m:ctrlPr>
+                          <a:rPr lang="en-US" altLang="zh-CN" sz="2000" i="1">
+                            <a:latin typeface="Cambria Math" panose="02040503050406030204" pitchFamily="18" charset="0"/>
+                          </a:rPr>
+                        </m:ctrlPr>
+                      </m:sSubPr>
+                      <m:e>
+                        <m:r>
+                          <a:rPr lang="zh-CN" altLang="en-US" sz="2000" i="1">
+                            <a:latin typeface="Cambria Math" panose="02040503050406030204" pitchFamily="18" charset="0"/>
+                          </a:rPr>
+                          <m:t>𝛿</m:t>
+                        </m:r>
+                      </m:e>
+                      <m:sub>
+                        <m:r>
+                          <a:rPr lang="en-US" altLang="zh-CN" sz="2000" i="1">
+                            <a:latin typeface="Cambria Math" panose="02040503050406030204" pitchFamily="18" charset="0"/>
+                          </a:rPr>
+                          <m:t>𝑗</m:t>
+                        </m:r>
+                      </m:sub>
+                    </m:sSub>
+                    <m:r>
+                      <a:rPr lang="en-US" altLang="zh-CN" sz="2000" b="0" i="1" smtClean="0">
+                        <a:latin typeface="Cambria Math" panose="02040503050406030204" pitchFamily="18" charset="0"/>
+                      </a:rPr>
+                      <m:t>=</m:t>
+                    </m:r>
+                    <m:sSub>
+                      <m:sSubPr>
+                        <m:ctrlPr>
+                          <a:rPr lang="en-US" altLang="zh-CN" sz="2000" b="0" i="1" smtClean="0">
+                            <a:latin typeface="Cambria Math" panose="02040503050406030204" pitchFamily="18" charset="0"/>
+                          </a:rPr>
+                        </m:ctrlPr>
+                      </m:sSubPr>
+                      <m:e>
+                        <m:d>
+                          <m:dPr>
+                            <m:begChr m:val="["/>
+                            <m:endChr m:val="]"/>
+                            <m:ctrlPr>
+                              <a:rPr lang="en-US" altLang="zh-CN" sz="2000" b="0" i="1" smtClean="0">
+                                <a:latin typeface="Cambria Math" panose="02040503050406030204" pitchFamily="18" charset="0"/>
+                              </a:rPr>
+                            </m:ctrlPr>
+                          </m:dPr>
+                          <m:e>
+                            <m:r>
+                              <a:rPr lang="en-US" altLang="zh-CN" sz="2000" b="0" i="1" smtClean="0">
+                                <a:latin typeface="Cambria Math" panose="02040503050406030204" pitchFamily="18" charset="0"/>
+                              </a:rPr>
+                              <m:t>𝑃</m:t>
+                            </m:r>
+                            <m:sSubSup>
+                              <m:sSubSupPr>
+                                <m:ctrlPr>
+                                  <a:rPr lang="en-US" altLang="zh-CN" sz="2000" b="0" i="1" smtClean="0">
+                                    <a:latin typeface="Cambria Math" panose="02040503050406030204" pitchFamily="18" charset="0"/>
+                                  </a:rPr>
+                                </m:ctrlPr>
+                              </m:sSubSupPr>
+                              <m:e>
+                                <m:r>
+                                  <a:rPr lang="en-US" altLang="zh-CN" sz="2000" b="0" i="1" smtClean="0">
+                                    <a:latin typeface="Cambria Math" panose="02040503050406030204" pitchFamily="18" charset="0"/>
+                                  </a:rPr>
+                                  <m:t>𝐷</m:t>
+                                </m:r>
+                              </m:e>
+                              <m:sub>
+                                <m:r>
+                                  <a:rPr lang="en-US" altLang="zh-CN" sz="2000" b="0" i="1" smtClean="0">
+                                    <a:latin typeface="Cambria Math" panose="02040503050406030204" pitchFamily="18" charset="0"/>
+                                  </a:rPr>
+                                  <m:t>𝑚</m:t>
+                                </m:r>
+                              </m:sub>
+                              <m:sup>
+                                <m:r>
+                                  <a:rPr lang="en-US" altLang="zh-CN" sz="2000" b="0" i="1" smtClean="0">
+                                    <a:latin typeface="Cambria Math" panose="02040503050406030204" pitchFamily="18" charset="0"/>
+                                  </a:rPr>
+                                  <m:t>−</m:t>
+                                </m:r>
+                                <m:r>
+                                  <a:rPr lang="en-US" altLang="zh-CN" sz="2000" b="0" i="1" smtClean="0">
+                                    <a:latin typeface="Cambria Math" panose="02040503050406030204" pitchFamily="18" charset="0"/>
+                                  </a:rPr>
+                                  <m:t>𝑇</m:t>
+                                </m:r>
+                              </m:sup>
+                            </m:sSubSup>
+                          </m:e>
+                        </m:d>
+                      </m:e>
+                      <m:sub>
+                        <m:r>
+                          <a:rPr lang="en-US" altLang="zh-CN" sz="2000" b="0" i="1" smtClean="0">
+                            <a:latin typeface="Cambria Math" panose="02040503050406030204" pitchFamily="18" charset="0"/>
+                          </a:rPr>
+                          <m:t>𝑖𝑗</m:t>
+                        </m:r>
+                      </m:sub>
+                    </m:sSub>
+                  </m:oMath>
+                </a14:m>
+                <a:endParaRPr lang="en-US" altLang="zh-CN" sz="2000" b="0" dirty="0"/>
+              </a:p>
+              <a:p>
+                <a:pPr marL="457200" lvl="1" indent="0">
+                  <a:buNone/>
+                </a:pPr>
+                <a:endParaRPr lang="en-US" altLang="zh-CN" sz="2000" b="0" dirty="0"/>
+              </a:p>
+              <a:p>
+                <a:r>
+                  <a:rPr lang="en-US" altLang="zh-CN" sz="2400" b="0" dirty="0"/>
+                  <a:t>The energy gradient:</a:t>
+                </a:r>
+                <a14:m>
+                  <m:oMath xmlns:m="http://schemas.openxmlformats.org/officeDocument/2006/math">
+                    <m:f>
+                      <m:fPr>
+                        <m:ctrlPr>
+                          <a:rPr lang="en-US" altLang="zh-CN" sz="2400" b="0" i="1" smtClean="0">
+                            <a:latin typeface="Cambria Math" panose="02040503050406030204" pitchFamily="18" charset="0"/>
+                          </a:rPr>
+                        </m:ctrlPr>
+                      </m:fPr>
+                      <m:num>
+                        <m:r>
+                          <a:rPr lang="zh-CN" altLang="en-US" sz="2400" b="0" i="1" smtClean="0">
+                            <a:latin typeface="Cambria Math" panose="02040503050406030204" pitchFamily="18" charset="0"/>
+                          </a:rPr>
+                          <m:t>𝜕</m:t>
+                        </m:r>
+                        <m:sSub>
+                          <m:sSubPr>
+                            <m:ctrlPr>
+                              <a:rPr lang="en-US" altLang="zh-CN" sz="2400" b="0" i="1" smtClean="0">
+                                <a:latin typeface="Cambria Math" panose="02040503050406030204" pitchFamily="18" charset="0"/>
+                              </a:rPr>
+                            </m:ctrlPr>
+                          </m:sSubPr>
+                          <m:e>
+                            <m:r>
+                              <a:rPr lang="en-US" altLang="zh-CN" sz="2400" b="0" i="1" smtClean="0">
+                                <a:latin typeface="Cambria Math" panose="02040503050406030204" pitchFamily="18" charset="0"/>
+                              </a:rPr>
+                              <m:t>𝐸</m:t>
+                            </m:r>
+                          </m:e>
+                          <m:sub>
+                            <m:r>
+                              <a:rPr lang="en-US" altLang="zh-CN" sz="2400" b="0" i="1" smtClean="0">
+                                <a:latin typeface="Cambria Math" panose="02040503050406030204" pitchFamily="18" charset="0"/>
+                              </a:rPr>
+                              <m:t>𝑒</m:t>
+                            </m:r>
+                          </m:sub>
+                        </m:sSub>
+                      </m:num>
+                      <m:den>
+                        <m:r>
+                          <a:rPr lang="zh-CN" altLang="en-US" sz="2400" b="0" i="1" smtClean="0">
+                            <a:latin typeface="Cambria Math" panose="02040503050406030204" pitchFamily="18" charset="0"/>
+                          </a:rPr>
+                          <m:t>𝜕</m:t>
+                        </m:r>
+                        <m:sSub>
+                          <m:sSubPr>
+                            <m:ctrlPr>
+                              <a:rPr lang="en-US" altLang="zh-CN" sz="2400" b="0" i="1" smtClean="0">
+                                <a:latin typeface="Cambria Math" panose="02040503050406030204" pitchFamily="18" charset="0"/>
+                              </a:rPr>
+                            </m:ctrlPr>
+                          </m:sSubPr>
+                          <m:e>
+                            <m:r>
+                              <a:rPr lang="en-US" altLang="zh-CN" sz="2400" b="0" i="1" smtClean="0">
+                                <a:latin typeface="Cambria Math" panose="02040503050406030204" pitchFamily="18" charset="0"/>
+                              </a:rPr>
+                              <m:t>𝑥</m:t>
+                            </m:r>
+                          </m:e>
+                          <m:sub>
+                            <m:r>
+                              <a:rPr lang="en-US" altLang="zh-CN" sz="2400" b="0" i="1" smtClean="0">
+                                <a:latin typeface="Cambria Math" panose="02040503050406030204" pitchFamily="18" charset="0"/>
+                              </a:rPr>
+                              <m:t>𝑒</m:t>
+                            </m:r>
+                            <m:r>
+                              <a:rPr lang="en-US" altLang="zh-CN" sz="2400" b="0" i="1" smtClean="0">
+                                <a:latin typeface="Cambria Math" panose="02040503050406030204" pitchFamily="18" charset="0"/>
+                              </a:rPr>
+                              <m:t>,</m:t>
+                            </m:r>
+                            <m:r>
+                              <a:rPr lang="en-US" altLang="zh-CN" sz="2400" b="0" i="1" smtClean="0">
+                                <a:latin typeface="Cambria Math" panose="02040503050406030204" pitchFamily="18" charset="0"/>
+                              </a:rPr>
+                              <m:t>𝑗</m:t>
+                            </m:r>
+                          </m:sub>
+                        </m:sSub>
+                      </m:den>
+                    </m:f>
+                    <m:r>
+                      <a:rPr lang="en-US" altLang="zh-CN" sz="2400" b="0" i="1" smtClean="0">
+                        <a:latin typeface="Cambria Math" panose="02040503050406030204" pitchFamily="18" charset="0"/>
+                      </a:rPr>
+                      <m:t>=</m:t>
+                    </m:r>
+                    <m:sSub>
+                      <m:sSubPr>
+                        <m:ctrlPr>
+                          <a:rPr lang="en-US" altLang="zh-CN" sz="2400" b="0" i="1" smtClean="0">
+                            <a:latin typeface="Cambria Math" panose="02040503050406030204" pitchFamily="18" charset="0"/>
+                          </a:rPr>
+                        </m:ctrlPr>
+                      </m:sSubPr>
+                      <m:e>
+                        <m:r>
+                          <a:rPr lang="en-US" altLang="zh-CN" sz="2400" b="0" i="1" smtClean="0">
+                            <a:latin typeface="Cambria Math" panose="02040503050406030204" pitchFamily="18" charset="0"/>
+                          </a:rPr>
+                          <m:t>𝑤</m:t>
+                        </m:r>
+                      </m:e>
+                      <m:sub>
+                        <m:r>
+                          <a:rPr lang="en-US" altLang="zh-CN" sz="2400" b="0" i="1" smtClean="0">
+                            <a:latin typeface="Cambria Math" panose="02040503050406030204" pitchFamily="18" charset="0"/>
+                          </a:rPr>
+                          <m:t>𝑒</m:t>
+                        </m:r>
+                      </m:sub>
+                    </m:sSub>
+                    <m:f>
+                      <m:fPr>
+                        <m:ctrlPr>
+                          <a:rPr lang="en-US" altLang="zh-CN" sz="2400" b="0" i="1" smtClean="0">
+                            <a:latin typeface="Cambria Math" panose="02040503050406030204" pitchFamily="18" charset="0"/>
+                          </a:rPr>
+                        </m:ctrlPr>
+                      </m:fPr>
+                      <m:num>
+                        <m:r>
+                          <a:rPr lang="zh-CN" altLang="en-US" sz="2400" b="0" i="1" smtClean="0">
+                            <a:latin typeface="Cambria Math" panose="02040503050406030204" pitchFamily="18" charset="0"/>
+                          </a:rPr>
+                          <m:t>𝜕</m:t>
+                        </m:r>
+                        <m:sSub>
+                          <m:sSubPr>
+                            <m:ctrlPr>
+                              <a:rPr lang="en-US" altLang="zh-CN" sz="2400" b="0" i="1" smtClean="0">
+                                <a:latin typeface="Cambria Math" panose="02040503050406030204" pitchFamily="18" charset="0"/>
+                              </a:rPr>
+                            </m:ctrlPr>
+                          </m:sSubPr>
+                          <m:e>
+                            <m:r>
+                              <m:rPr>
+                                <m:sty m:val="p"/>
+                              </m:rPr>
+                              <a:rPr lang="en-US" altLang="zh-CN" sz="2400" b="0" i="0" smtClean="0">
+                                <a:latin typeface="Cambria Math" panose="02040503050406030204" pitchFamily="18" charset="0"/>
+                              </a:rPr>
+                              <m:t>Ψ</m:t>
+                            </m:r>
+                          </m:e>
+                          <m:sub>
+                            <m:r>
+                              <a:rPr lang="en-US" altLang="zh-CN" sz="2400" b="0" i="1" smtClean="0">
+                                <a:latin typeface="Cambria Math" panose="02040503050406030204" pitchFamily="18" charset="0"/>
+                              </a:rPr>
+                              <m:t>𝑒</m:t>
+                            </m:r>
+                          </m:sub>
+                        </m:sSub>
+                      </m:num>
+                      <m:den>
+                        <m:r>
+                          <a:rPr lang="zh-CN" altLang="en-US" sz="2400" b="0" i="1" smtClean="0">
+                            <a:latin typeface="Cambria Math" panose="02040503050406030204" pitchFamily="18" charset="0"/>
+                          </a:rPr>
+                          <m:t>𝜕</m:t>
+                        </m:r>
+                        <m:sSub>
+                          <m:sSubPr>
+                            <m:ctrlPr>
+                              <a:rPr lang="en-US" altLang="zh-CN" sz="2400" b="0" i="1" smtClean="0">
+                                <a:latin typeface="Cambria Math" panose="02040503050406030204" pitchFamily="18" charset="0"/>
+                              </a:rPr>
+                            </m:ctrlPr>
+                          </m:sSubPr>
+                          <m:e>
+                            <m:r>
+                              <a:rPr lang="en-US" altLang="zh-CN" sz="2400" b="0" i="1" smtClean="0">
+                                <a:latin typeface="Cambria Math" panose="02040503050406030204" pitchFamily="18" charset="0"/>
+                              </a:rPr>
+                              <m:t>𝑥</m:t>
+                            </m:r>
+                          </m:e>
+                          <m:sub>
+                            <m:r>
+                              <a:rPr lang="en-US" altLang="zh-CN" sz="2400" b="0" i="1" smtClean="0">
+                                <a:latin typeface="Cambria Math" panose="02040503050406030204" pitchFamily="18" charset="0"/>
+                              </a:rPr>
+                              <m:t>𝑒</m:t>
+                            </m:r>
+                            <m:r>
+                              <a:rPr lang="en-US" altLang="zh-CN" sz="2400" b="0" i="1" smtClean="0">
+                                <a:latin typeface="Cambria Math" panose="02040503050406030204" pitchFamily="18" charset="0"/>
+                              </a:rPr>
+                              <m:t>,</m:t>
+                            </m:r>
+                            <m:r>
+                              <a:rPr lang="en-US" altLang="zh-CN" sz="2400" b="0" i="1" smtClean="0">
+                                <a:latin typeface="Cambria Math" panose="02040503050406030204" pitchFamily="18" charset="0"/>
+                              </a:rPr>
+                              <m:t>𝑗</m:t>
+                            </m:r>
+                          </m:sub>
+                        </m:sSub>
+                      </m:den>
+                    </m:f>
+                    <m:r>
+                      <a:rPr lang="en-US" altLang="zh-CN" sz="2400" b="0" i="1" smtClean="0">
+                        <a:latin typeface="Cambria Math" panose="02040503050406030204" pitchFamily="18" charset="0"/>
+                      </a:rPr>
+                      <m:t>=</m:t>
+                    </m:r>
+                  </m:oMath>
+                </a14:m>
+                <a:r>
+                  <a:rPr lang="en-US" altLang="zh-CN" sz="2400" b="0" dirty="0"/>
+                  <a:t> the j-</a:t>
+                </a:r>
+                <a:r>
+                  <a:rPr lang="en-US" altLang="zh-CN" sz="2400" b="0" dirty="0" err="1"/>
+                  <a:t>th</a:t>
+                </a:r>
+                <a:r>
+                  <a:rPr lang="en-US" altLang="zh-CN" sz="2400" b="0" dirty="0"/>
+                  <a:t> col of</a:t>
+                </a:r>
+                <a:r>
+                  <a:rPr lang="en-US" altLang="zh-CN" sz="2400" dirty="0"/>
+                  <a:t> </a:t>
+                </a:r>
+                <a14:m>
+                  <m:oMath xmlns:m="http://schemas.openxmlformats.org/officeDocument/2006/math">
+                    <m:r>
+                      <a:rPr lang="en-US" altLang="zh-CN" sz="2400" i="1">
+                        <a:latin typeface="Cambria Math" panose="02040503050406030204" pitchFamily="18" charset="0"/>
+                      </a:rPr>
+                      <m:t>𝑃</m:t>
+                    </m:r>
+                    <m:sSubSup>
+                      <m:sSubSupPr>
+                        <m:ctrlPr>
+                          <a:rPr lang="en-US" altLang="zh-CN" sz="2400" i="1">
+                            <a:latin typeface="Cambria Math" panose="02040503050406030204" pitchFamily="18" charset="0"/>
+                          </a:rPr>
+                        </m:ctrlPr>
+                      </m:sSubSupPr>
+                      <m:e>
+                        <m:r>
+                          <a:rPr lang="en-US" altLang="zh-CN" sz="2400" i="1">
+                            <a:latin typeface="Cambria Math" panose="02040503050406030204" pitchFamily="18" charset="0"/>
+                          </a:rPr>
+                          <m:t>𝐷</m:t>
+                        </m:r>
+                      </m:e>
+                      <m:sub>
+                        <m:r>
+                          <a:rPr lang="en-US" altLang="zh-CN" sz="2400" i="1">
+                            <a:latin typeface="Cambria Math" panose="02040503050406030204" pitchFamily="18" charset="0"/>
+                          </a:rPr>
+                          <m:t>𝑚</m:t>
+                        </m:r>
+                      </m:sub>
+                      <m:sup>
+                        <m:r>
+                          <a:rPr lang="en-US" altLang="zh-CN" sz="2400" i="1">
+                            <a:latin typeface="Cambria Math" panose="02040503050406030204" pitchFamily="18" charset="0"/>
+                          </a:rPr>
+                          <m:t>−</m:t>
+                        </m:r>
+                        <m:r>
+                          <a:rPr lang="en-US" altLang="zh-CN" sz="2400" i="1">
+                            <a:latin typeface="Cambria Math" panose="02040503050406030204" pitchFamily="18" charset="0"/>
+                          </a:rPr>
+                          <m:t>𝑇</m:t>
+                        </m:r>
+                      </m:sup>
+                    </m:sSubSup>
+                  </m:oMath>
+                </a14:m>
+                <a:r>
+                  <a:rPr lang="en-US" altLang="zh-CN" sz="2400" b="0" dirty="0"/>
+                  <a:t> for j=1, 2, 3 in </a:t>
+                </a:r>
+                <a:r>
+                  <a:rPr lang="en-US" altLang="zh-CN" sz="2400" dirty="0"/>
+                  <a:t>the e-</a:t>
+                </a:r>
+                <a:r>
+                  <a:rPr lang="en-US" altLang="zh-CN" sz="2400" dirty="0" err="1"/>
+                  <a:t>th</a:t>
+                </a:r>
+                <a:r>
+                  <a:rPr lang="en-US" altLang="zh-CN" sz="2400" dirty="0"/>
+                  <a:t> tetrahedron</a:t>
+                </a:r>
+              </a:p>
+              <a:p>
+                <a:pPr lvl="1"/>
+                <a:r>
+                  <a:rPr lang="en-US" altLang="zh-CN" sz="2000" b="0" dirty="0"/>
+                  <a:t>For j = 4: </a:t>
+                </a:r>
+                <a14:m>
+                  <m:oMath xmlns:m="http://schemas.openxmlformats.org/officeDocument/2006/math">
+                    <m:f>
+                      <m:fPr>
+                        <m:ctrlPr>
+                          <a:rPr lang="en-US" altLang="zh-CN" sz="2000" b="0" i="1" smtClean="0">
+                            <a:latin typeface="Cambria Math" panose="02040503050406030204" pitchFamily="18" charset="0"/>
+                          </a:rPr>
+                        </m:ctrlPr>
+                      </m:fPr>
+                      <m:num>
+                        <m:r>
+                          <a:rPr lang="zh-CN" altLang="en-US" sz="2000" b="0" i="1" smtClean="0">
+                            <a:latin typeface="Cambria Math" panose="02040503050406030204" pitchFamily="18" charset="0"/>
+                          </a:rPr>
+                          <m:t>𝜕</m:t>
+                        </m:r>
+                        <m:sSub>
+                          <m:sSubPr>
+                            <m:ctrlPr>
+                              <a:rPr lang="en-US" altLang="zh-CN" sz="2000" b="0" i="1" smtClean="0">
+                                <a:latin typeface="Cambria Math" panose="02040503050406030204" pitchFamily="18" charset="0"/>
+                              </a:rPr>
+                            </m:ctrlPr>
+                          </m:sSubPr>
+                          <m:e>
+                            <m:r>
+                              <a:rPr lang="en-US" altLang="zh-CN" sz="2000" b="0" i="1" smtClean="0">
+                                <a:latin typeface="Cambria Math" panose="02040503050406030204" pitchFamily="18" charset="0"/>
+                              </a:rPr>
+                              <m:t>𝐸</m:t>
+                            </m:r>
+                          </m:e>
+                          <m:sub>
+                            <m:r>
+                              <a:rPr lang="en-US" altLang="zh-CN" sz="2000" b="0" i="1" smtClean="0">
+                                <a:latin typeface="Cambria Math" panose="02040503050406030204" pitchFamily="18" charset="0"/>
+                              </a:rPr>
+                              <m:t>𝑒</m:t>
+                            </m:r>
+                          </m:sub>
+                        </m:sSub>
+                      </m:num>
+                      <m:den>
+                        <m:r>
+                          <a:rPr lang="zh-CN" altLang="en-US" sz="2000" b="0" i="1" smtClean="0">
+                            <a:latin typeface="Cambria Math" panose="02040503050406030204" pitchFamily="18" charset="0"/>
+                          </a:rPr>
+                          <m:t>𝜕</m:t>
+                        </m:r>
+                        <m:sSub>
+                          <m:sSubPr>
+                            <m:ctrlPr>
+                              <a:rPr lang="en-US" altLang="zh-CN" sz="2000" b="0" i="1" smtClean="0">
+                                <a:latin typeface="Cambria Math" panose="02040503050406030204" pitchFamily="18" charset="0"/>
+                              </a:rPr>
+                            </m:ctrlPr>
+                          </m:sSubPr>
+                          <m:e>
+                            <m:r>
+                              <a:rPr lang="en-US" altLang="zh-CN" sz="2000" b="0" i="1" smtClean="0">
+                                <a:latin typeface="Cambria Math" panose="02040503050406030204" pitchFamily="18" charset="0"/>
+                              </a:rPr>
+                              <m:t>𝑥</m:t>
+                            </m:r>
+                          </m:e>
+                          <m:sub>
+                            <m:r>
+                              <a:rPr lang="en-US" altLang="zh-CN" sz="2000" b="0" i="1" smtClean="0">
+                                <a:latin typeface="Cambria Math" panose="02040503050406030204" pitchFamily="18" charset="0"/>
+                              </a:rPr>
+                              <m:t>𝑒</m:t>
+                            </m:r>
+                            <m:r>
+                              <a:rPr lang="en-US" altLang="zh-CN" sz="2000" b="0" i="1" smtClean="0">
+                                <a:latin typeface="Cambria Math" panose="02040503050406030204" pitchFamily="18" charset="0"/>
+                              </a:rPr>
+                              <m:t>,4</m:t>
+                            </m:r>
+                          </m:sub>
+                        </m:sSub>
+                      </m:den>
+                    </m:f>
+                    <m:r>
+                      <a:rPr lang="en-US" altLang="zh-CN" sz="2000" b="0" i="1" smtClean="0">
+                        <a:latin typeface="Cambria Math" panose="02040503050406030204" pitchFamily="18" charset="0"/>
+                      </a:rPr>
+                      <m:t>=</m:t>
+                    </m:r>
+                    <m:sSub>
+                      <m:sSubPr>
+                        <m:ctrlPr>
+                          <a:rPr lang="en-US" altLang="zh-CN" sz="2000" i="1">
+                            <a:latin typeface="Cambria Math" panose="02040503050406030204" pitchFamily="18" charset="0"/>
+                          </a:rPr>
+                        </m:ctrlPr>
+                      </m:sSubPr>
+                      <m:e>
+                        <m:r>
+                          <a:rPr lang="en-US" altLang="zh-CN" sz="2000" i="1">
+                            <a:latin typeface="Cambria Math" panose="02040503050406030204" pitchFamily="18" charset="0"/>
+                          </a:rPr>
+                          <m:t>𝑤</m:t>
+                        </m:r>
+                      </m:e>
+                      <m:sub>
+                        <m:r>
+                          <a:rPr lang="en-US" altLang="zh-CN" sz="2000" i="1">
+                            <a:latin typeface="Cambria Math" panose="02040503050406030204" pitchFamily="18" charset="0"/>
+                          </a:rPr>
+                          <m:t>𝑒</m:t>
+                        </m:r>
+                      </m:sub>
+                    </m:sSub>
+                    <m:f>
+                      <m:fPr>
+                        <m:ctrlPr>
+                          <a:rPr lang="en-US" altLang="zh-CN" sz="2000" i="1">
+                            <a:latin typeface="Cambria Math" panose="02040503050406030204" pitchFamily="18" charset="0"/>
+                          </a:rPr>
+                        </m:ctrlPr>
+                      </m:fPr>
+                      <m:num>
+                        <m:r>
+                          <a:rPr lang="zh-CN" altLang="en-US" sz="2000" i="1">
+                            <a:latin typeface="Cambria Math" panose="02040503050406030204" pitchFamily="18" charset="0"/>
+                          </a:rPr>
+                          <m:t>𝜕</m:t>
+                        </m:r>
+                        <m:sSub>
+                          <m:sSubPr>
+                            <m:ctrlPr>
+                              <a:rPr lang="en-US" altLang="zh-CN" sz="2000" i="1">
+                                <a:latin typeface="Cambria Math" panose="02040503050406030204" pitchFamily="18" charset="0"/>
+                              </a:rPr>
+                            </m:ctrlPr>
+                          </m:sSubPr>
+                          <m:e>
+                            <m:r>
+                              <m:rPr>
+                                <m:sty m:val="p"/>
+                              </m:rPr>
+                              <a:rPr lang="en-US" altLang="zh-CN" sz="2000">
+                                <a:latin typeface="Cambria Math" panose="02040503050406030204" pitchFamily="18" charset="0"/>
+                              </a:rPr>
+                              <m:t>Ψ</m:t>
+                            </m:r>
+                          </m:e>
+                          <m:sub>
+                            <m:r>
+                              <a:rPr lang="en-US" altLang="zh-CN" sz="2000" i="1">
+                                <a:latin typeface="Cambria Math" panose="02040503050406030204" pitchFamily="18" charset="0"/>
+                              </a:rPr>
+                              <m:t>𝑒</m:t>
+                            </m:r>
+                          </m:sub>
+                        </m:sSub>
+                      </m:num>
+                      <m:den>
+                        <m:r>
+                          <a:rPr lang="zh-CN" altLang="en-US" sz="2000" i="1">
+                            <a:latin typeface="Cambria Math" panose="02040503050406030204" pitchFamily="18" charset="0"/>
+                          </a:rPr>
+                          <m:t>𝜕</m:t>
+                        </m:r>
+                        <m:sSub>
+                          <m:sSubPr>
+                            <m:ctrlPr>
+                              <a:rPr lang="en-US" altLang="zh-CN" sz="2000" i="1">
+                                <a:latin typeface="Cambria Math" panose="02040503050406030204" pitchFamily="18" charset="0"/>
+                              </a:rPr>
+                            </m:ctrlPr>
+                          </m:sSubPr>
+                          <m:e>
+                            <m:r>
+                              <a:rPr lang="en-US" altLang="zh-CN" sz="2000" i="1">
+                                <a:latin typeface="Cambria Math" panose="02040503050406030204" pitchFamily="18" charset="0"/>
+                              </a:rPr>
+                              <m:t>𝑥</m:t>
+                            </m:r>
+                          </m:e>
+                          <m:sub>
+                            <m:r>
+                              <a:rPr lang="en-US" altLang="zh-CN" sz="2000" i="1">
+                                <a:latin typeface="Cambria Math" panose="02040503050406030204" pitchFamily="18" charset="0"/>
+                              </a:rPr>
+                              <m:t>𝑒</m:t>
+                            </m:r>
+                            <m:r>
+                              <a:rPr lang="en-US" altLang="zh-CN" sz="2000" i="1">
+                                <a:latin typeface="Cambria Math" panose="02040503050406030204" pitchFamily="18" charset="0"/>
+                              </a:rPr>
+                              <m:t>,4</m:t>
+                            </m:r>
+                          </m:sub>
+                        </m:sSub>
+                      </m:den>
+                    </m:f>
+                    <m:r>
+                      <a:rPr lang="en-US" altLang="zh-CN" sz="2000" b="0" i="1" smtClean="0">
+                        <a:latin typeface="Cambria Math" panose="02040503050406030204" pitchFamily="18" charset="0"/>
+                      </a:rPr>
+                      <m:t>=−</m:t>
+                    </m:r>
+                    <m:sSub>
+                      <m:sSubPr>
+                        <m:ctrlPr>
+                          <a:rPr lang="en-US" altLang="zh-CN" sz="2000" i="1">
+                            <a:latin typeface="Cambria Math" panose="02040503050406030204" pitchFamily="18" charset="0"/>
+                          </a:rPr>
+                        </m:ctrlPr>
+                      </m:sSubPr>
+                      <m:e>
+                        <m:r>
+                          <a:rPr lang="en-US" altLang="zh-CN" sz="2000" i="1">
+                            <a:latin typeface="Cambria Math" panose="02040503050406030204" pitchFamily="18" charset="0"/>
+                          </a:rPr>
+                          <m:t>𝑤</m:t>
+                        </m:r>
+                      </m:e>
+                      <m:sub>
+                        <m:r>
+                          <a:rPr lang="en-US" altLang="zh-CN" sz="2000" i="1">
+                            <a:latin typeface="Cambria Math" panose="02040503050406030204" pitchFamily="18" charset="0"/>
+                          </a:rPr>
+                          <m:t>𝑒</m:t>
+                        </m:r>
+                      </m:sub>
+                    </m:sSub>
+                    <m:nary>
+                      <m:naryPr>
+                        <m:chr m:val="∑"/>
+                        <m:ctrlPr>
+                          <a:rPr lang="en-US" altLang="zh-CN" sz="2000" b="0" i="1" smtClean="0">
+                            <a:latin typeface="Cambria Math" panose="02040503050406030204" pitchFamily="18" charset="0"/>
+                          </a:rPr>
+                        </m:ctrlPr>
+                      </m:naryPr>
+                      <m:sub>
+                        <m:r>
+                          <a:rPr lang="en-US" altLang="zh-CN" sz="2000" b="0" i="1" smtClean="0">
+                            <a:latin typeface="Cambria Math" panose="02040503050406030204" pitchFamily="18" charset="0"/>
+                          </a:rPr>
+                          <m:t>𝑗</m:t>
+                        </m:r>
+                        <m:r>
+                          <a:rPr lang="en-US" altLang="zh-CN" sz="2000" b="0" i="1" smtClean="0">
+                            <a:latin typeface="Cambria Math" panose="02040503050406030204" pitchFamily="18" charset="0"/>
+                          </a:rPr>
+                          <m:t>=1</m:t>
+                        </m:r>
+                      </m:sub>
+                      <m:sup>
+                        <m:r>
+                          <a:rPr lang="en-US" altLang="zh-CN" sz="2000" b="0" i="1" smtClean="0">
+                            <a:latin typeface="Cambria Math" panose="02040503050406030204" pitchFamily="18" charset="0"/>
+                          </a:rPr>
+                          <m:t>3</m:t>
+                        </m:r>
+                      </m:sup>
+                      <m:e>
+                        <m:f>
+                          <m:fPr>
+                            <m:ctrlPr>
+                              <a:rPr lang="en-US" altLang="zh-CN" sz="2000" i="1">
+                                <a:latin typeface="Cambria Math" panose="02040503050406030204" pitchFamily="18" charset="0"/>
+                              </a:rPr>
+                            </m:ctrlPr>
+                          </m:fPr>
+                          <m:num>
+                            <m:r>
+                              <a:rPr lang="zh-CN" altLang="en-US" sz="2000" i="1">
+                                <a:latin typeface="Cambria Math" panose="02040503050406030204" pitchFamily="18" charset="0"/>
+                              </a:rPr>
+                              <m:t>𝜕</m:t>
+                            </m:r>
+                            <m:sSub>
+                              <m:sSubPr>
+                                <m:ctrlPr>
+                                  <a:rPr lang="en-US" altLang="zh-CN" sz="2000" i="1">
+                                    <a:latin typeface="Cambria Math" panose="02040503050406030204" pitchFamily="18" charset="0"/>
+                                  </a:rPr>
+                                </m:ctrlPr>
+                              </m:sSubPr>
+                              <m:e>
+                                <m:r>
+                                  <m:rPr>
+                                    <m:sty m:val="p"/>
+                                  </m:rPr>
+                                  <a:rPr lang="en-US" altLang="zh-CN" sz="2000">
+                                    <a:latin typeface="Cambria Math" panose="02040503050406030204" pitchFamily="18" charset="0"/>
+                                  </a:rPr>
+                                  <m:t>Ψ</m:t>
+                                </m:r>
+                              </m:e>
+                              <m:sub>
+                                <m:r>
+                                  <a:rPr lang="en-US" altLang="zh-CN" sz="2000" i="1">
+                                    <a:latin typeface="Cambria Math" panose="02040503050406030204" pitchFamily="18" charset="0"/>
+                                  </a:rPr>
+                                  <m:t>𝑒</m:t>
+                                </m:r>
+                              </m:sub>
+                            </m:sSub>
+                          </m:num>
+                          <m:den>
+                            <m:r>
+                              <a:rPr lang="zh-CN" altLang="en-US" sz="2000" i="1">
+                                <a:latin typeface="Cambria Math" panose="02040503050406030204" pitchFamily="18" charset="0"/>
+                              </a:rPr>
+                              <m:t>𝜕</m:t>
+                            </m:r>
+                            <m:sSub>
+                              <m:sSubPr>
+                                <m:ctrlPr>
+                                  <a:rPr lang="en-US" altLang="zh-CN" sz="2000" i="1">
+                                    <a:latin typeface="Cambria Math" panose="02040503050406030204" pitchFamily="18" charset="0"/>
+                                  </a:rPr>
+                                </m:ctrlPr>
+                              </m:sSubPr>
+                              <m:e>
+                                <m:r>
+                                  <a:rPr lang="en-US" altLang="zh-CN" sz="2000" i="1">
+                                    <a:latin typeface="Cambria Math" panose="02040503050406030204" pitchFamily="18" charset="0"/>
+                                  </a:rPr>
+                                  <m:t>𝑥</m:t>
+                                </m:r>
+                              </m:e>
+                              <m:sub>
+                                <m:r>
+                                  <a:rPr lang="en-US" altLang="zh-CN" sz="2000" i="1">
+                                    <a:latin typeface="Cambria Math" panose="02040503050406030204" pitchFamily="18" charset="0"/>
+                                  </a:rPr>
+                                  <m:t>𝑒</m:t>
+                                </m:r>
+                                <m:r>
+                                  <a:rPr lang="en-US" altLang="zh-CN" sz="2000" i="1">
+                                    <a:latin typeface="Cambria Math" panose="02040503050406030204" pitchFamily="18" charset="0"/>
+                                  </a:rPr>
+                                  <m:t>,</m:t>
+                                </m:r>
+                                <m:r>
+                                  <a:rPr lang="en-US" altLang="zh-CN" sz="2000" i="1">
+                                    <a:latin typeface="Cambria Math" panose="02040503050406030204" pitchFamily="18" charset="0"/>
+                                  </a:rPr>
+                                  <m:t>𝑗</m:t>
+                                </m:r>
+                              </m:sub>
+                            </m:sSub>
+                          </m:den>
+                        </m:f>
+                      </m:e>
+                    </m:nary>
+                  </m:oMath>
+                </a14:m>
+                <a:endParaRPr lang="en-US" altLang="zh-CN" sz="2000" b="0" dirty="0"/>
+              </a:p>
+            </p:txBody>
+          </p:sp>
+        </mc:Choice>
+        <mc:Fallback>
+          <p:sp>
+            <p:nvSpPr>
+              <p:cNvPr id="5" name="内容占位符 2">
+                <a:extLst>
+                  <a:ext uri="{FF2B5EF4-FFF2-40B4-BE49-F238E27FC236}">
+                    <a16:creationId xmlns:a16="http://schemas.microsoft.com/office/drawing/2014/main" id="{9202D0FE-DDD9-AC79-46BA-AABDE1D6F791}"/>
+                  </a:ext>
+                </a:extLst>
+              </p:cNvPr>
+              <p:cNvSpPr txBox="1">
+                <a:spLocks noRot="1" noChangeAspect="1" noMove="1" noResize="1" noEditPoints="1" noAdjustHandles="1" noChangeArrowheads="1" noChangeShapeType="1" noTextEdit="1"/>
+              </p:cNvSpPr>
+              <p:nvPr/>
+            </p:nvSpPr>
+            <p:spPr>
+              <a:xfrm>
+                <a:off x="990600" y="1643865"/>
+                <a:ext cx="10515600" cy="4685498"/>
+              </a:xfrm>
+              <a:prstGeom prst="rect">
+                <a:avLst/>
+              </a:prstGeom>
+              <a:blipFill>
+                <a:blip r:embed="rId3"/>
+                <a:stretch>
+                  <a:fillRect l="-696" t="-1823" b="-9115"/>
+                </a:stretch>
+              </a:blipFill>
+            </p:spPr>
+            <p:txBody>
+              <a:bodyPr/>
+              <a:lstStyle/>
+              <a:p>
+                <a:r>
+                  <a:rPr lang="zh-CN" altLang="en-US">
+                    <a:noFill/>
+                  </a:rPr>
+                  <a:t> </a:t>
+                </a:r>
+              </a:p>
+            </p:txBody>
+          </p:sp>
+        </mc:Fallback>
+      </mc:AlternateContent>
+      <mc:AlternateContent xmlns:mc="http://schemas.openxmlformats.org/markup-compatibility/2006">
+        <mc:Choice xmlns:a14="http://schemas.microsoft.com/office/drawing/2010/main" Requires="a14">
+          <p:sp>
+            <p:nvSpPr>
+              <p:cNvPr id="6" name="文本框 5">
+                <a:extLst>
+                  <a:ext uri="{FF2B5EF4-FFF2-40B4-BE49-F238E27FC236}">
+                    <a16:creationId xmlns:a16="http://schemas.microsoft.com/office/drawing/2014/main" id="{656EAC0A-73E6-2957-C266-07370ED3D092}"/>
+                  </a:ext>
+                </a:extLst>
+              </p:cNvPr>
+              <p:cNvSpPr txBox="1"/>
+              <p:nvPr/>
+            </p:nvSpPr>
+            <p:spPr>
+              <a:xfrm>
+                <a:off x="7171361" y="2008597"/>
+                <a:ext cx="3750449" cy="1203856"/>
+              </a:xfrm>
+              <a:prstGeom prst="rect">
+                <a:avLst/>
+              </a:prstGeom>
+              <a:noFill/>
+            </p:spPr>
+            <p:txBody>
+              <a:bodyPr wrap="none" lIns="0" tIns="0" rIns="0" bIns="0" rtlCol="0">
+                <a:spAutoFit/>
+              </a:bodyPr>
+              <a:lstStyle/>
+              <a:p>
+                <a14:m>
+                  <m:oMathPara xmlns:m="http://schemas.openxmlformats.org/officeDocument/2006/math">
+                    <m:oMathParaPr>
+                      <m:jc m:val="centerGroup"/>
+                    </m:oMathParaPr>
+                    <m:oMath xmlns:m="http://schemas.openxmlformats.org/officeDocument/2006/math">
+                      <m:sSub>
+                        <m:sSubPr>
+                          <m:ctrlPr>
+                            <a:rPr lang="en-US" altLang="zh-CN" b="0" i="1" smtClean="0">
+                              <a:latin typeface="Cambria Math" panose="02040503050406030204" pitchFamily="18" charset="0"/>
+                            </a:rPr>
+                          </m:ctrlPr>
+                        </m:sSubPr>
+                        <m:e>
+                          <m:r>
+                            <a:rPr lang="en-US" altLang="zh-CN" b="0" i="1" smtClean="0">
+                              <a:latin typeface="Cambria Math" panose="02040503050406030204" pitchFamily="18" charset="0"/>
+                            </a:rPr>
+                            <m:t>𝐷</m:t>
+                          </m:r>
+                        </m:e>
+                        <m:sub>
+                          <m:r>
+                            <a:rPr lang="en-US" altLang="zh-CN" b="0" i="1" smtClean="0">
+                              <a:latin typeface="Cambria Math" panose="02040503050406030204" pitchFamily="18" charset="0"/>
+                            </a:rPr>
+                            <m:t>𝑠</m:t>
+                          </m:r>
+                        </m:sub>
+                      </m:sSub>
+                      <m:r>
+                        <a:rPr lang="en-US" altLang="zh-CN" b="0" i="1" smtClean="0">
+                          <a:latin typeface="Cambria Math" panose="02040503050406030204" pitchFamily="18" charset="0"/>
+                        </a:rPr>
+                        <m:t>=</m:t>
+                      </m:r>
+                      <m:d>
+                        <m:dPr>
+                          <m:begChr m:val="["/>
+                          <m:endChr m:val="]"/>
+                          <m:ctrlPr>
+                            <a:rPr lang="en-US" altLang="zh-CN" i="1">
+                              <a:latin typeface="Cambria Math" panose="02040503050406030204" pitchFamily="18" charset="0"/>
+                            </a:rPr>
+                          </m:ctrlPr>
+                        </m:dPr>
+                        <m:e>
+                          <m:m>
+                            <m:mPr>
+                              <m:mcs>
+                                <m:mc>
+                                  <m:mcPr>
+                                    <m:count m:val="3"/>
+                                    <m:mcJc m:val="center"/>
+                                  </m:mcPr>
+                                </m:mc>
+                              </m:mcs>
+                              <m:ctrlPr>
+                                <a:rPr lang="en-US" altLang="zh-CN" i="1">
+                                  <a:latin typeface="Cambria Math" panose="02040503050406030204" pitchFamily="18" charset="0"/>
+                                </a:rPr>
+                              </m:ctrlPr>
+                            </m:mPr>
+                            <m:mr>
+                              <m:e>
+                                <m:sSub>
+                                  <m:sSubPr>
+                                    <m:ctrlPr>
+                                      <a:rPr lang="en-US" altLang="zh-CN" i="1">
+                                        <a:latin typeface="Cambria Math" panose="02040503050406030204" pitchFamily="18" charset="0"/>
+                                      </a:rPr>
+                                    </m:ctrlPr>
+                                  </m:sSubPr>
+                                  <m:e>
+                                    <m:r>
+                                      <m:rPr>
+                                        <m:brk m:alnAt="7"/>
+                                      </m:rPr>
+                                      <a:rPr lang="en-US" altLang="zh-CN" i="1">
+                                        <a:latin typeface="Cambria Math" panose="02040503050406030204" pitchFamily="18" charset="0"/>
+                                      </a:rPr>
+                                      <m:t>𝑥</m:t>
+                                    </m:r>
+                                  </m:e>
+                                  <m:sub>
+                                    <m:r>
+                                      <m:rPr>
+                                        <m:brk m:alnAt="7"/>
+                                      </m:rPr>
+                                      <a:rPr lang="en-US" altLang="zh-CN" i="1">
+                                        <a:latin typeface="Cambria Math" panose="02040503050406030204" pitchFamily="18" charset="0"/>
+                                      </a:rPr>
+                                      <m:t>1</m:t>
+                                    </m:r>
+                                  </m:sub>
+                                </m:sSub>
+                                <m:r>
+                                  <m:rPr>
+                                    <m:brk m:alnAt="7"/>
+                                  </m:rPr>
+                                  <a:rPr lang="en-US" altLang="zh-CN" i="1">
+                                    <a:latin typeface="Cambria Math" panose="02040503050406030204" pitchFamily="18" charset="0"/>
+                                  </a:rPr>
+                                  <m:t>−</m:t>
+                                </m:r>
+                                <m:sSub>
+                                  <m:sSubPr>
+                                    <m:ctrlPr>
+                                      <a:rPr lang="en-US" altLang="zh-CN" i="1">
+                                        <a:latin typeface="Cambria Math" panose="02040503050406030204" pitchFamily="18" charset="0"/>
+                                      </a:rPr>
+                                    </m:ctrlPr>
+                                  </m:sSubPr>
+                                  <m:e>
+                                    <m:r>
+                                      <m:rPr>
+                                        <m:brk m:alnAt="7"/>
+                                      </m:rPr>
+                                      <a:rPr lang="en-US" altLang="zh-CN" i="1">
+                                        <a:latin typeface="Cambria Math" panose="02040503050406030204" pitchFamily="18" charset="0"/>
+                                      </a:rPr>
+                                      <m:t>𝑥</m:t>
+                                    </m:r>
+                                  </m:e>
+                                  <m:sub>
+                                    <m:r>
+                                      <a:rPr lang="en-US" altLang="zh-CN" i="1">
+                                        <a:latin typeface="Cambria Math" panose="02040503050406030204" pitchFamily="18" charset="0"/>
+                                      </a:rPr>
+                                      <m:t>4</m:t>
+                                    </m:r>
+                                  </m:sub>
+                                </m:sSub>
+                              </m:e>
+                              <m:e>
+                                <m:sSub>
+                                  <m:sSubPr>
+                                    <m:ctrlPr>
+                                      <a:rPr lang="en-US" altLang="zh-CN" i="1">
+                                        <a:latin typeface="Cambria Math" panose="02040503050406030204" pitchFamily="18" charset="0"/>
+                                      </a:rPr>
+                                    </m:ctrlPr>
+                                  </m:sSubPr>
+                                  <m:e>
+                                    <m:r>
+                                      <a:rPr lang="en-US" altLang="zh-CN" i="1">
+                                        <a:latin typeface="Cambria Math" panose="02040503050406030204" pitchFamily="18" charset="0"/>
+                                      </a:rPr>
+                                      <m:t>𝑥</m:t>
+                                    </m:r>
+                                  </m:e>
+                                  <m:sub>
+                                    <m:r>
+                                      <a:rPr lang="en-US" altLang="zh-CN" i="1">
+                                        <a:latin typeface="Cambria Math" panose="02040503050406030204" pitchFamily="18" charset="0"/>
+                                      </a:rPr>
+                                      <m:t>2</m:t>
+                                    </m:r>
+                                  </m:sub>
+                                </m:sSub>
+                                <m:r>
+                                  <a:rPr lang="en-US" altLang="zh-CN" i="1">
+                                    <a:latin typeface="Cambria Math" panose="02040503050406030204" pitchFamily="18" charset="0"/>
+                                  </a:rPr>
+                                  <m:t>−</m:t>
+                                </m:r>
+                                <m:sSub>
+                                  <m:sSubPr>
+                                    <m:ctrlPr>
+                                      <a:rPr lang="en-US" altLang="zh-CN" i="1">
+                                        <a:latin typeface="Cambria Math" panose="02040503050406030204" pitchFamily="18" charset="0"/>
+                                      </a:rPr>
+                                    </m:ctrlPr>
+                                  </m:sSubPr>
+                                  <m:e>
+                                    <m:r>
+                                      <a:rPr lang="en-US" altLang="zh-CN" i="1">
+                                        <a:latin typeface="Cambria Math" panose="02040503050406030204" pitchFamily="18" charset="0"/>
+                                      </a:rPr>
+                                      <m:t>𝑥</m:t>
+                                    </m:r>
+                                  </m:e>
+                                  <m:sub>
+                                    <m:r>
+                                      <a:rPr lang="en-US" altLang="zh-CN" i="1">
+                                        <a:latin typeface="Cambria Math" panose="02040503050406030204" pitchFamily="18" charset="0"/>
+                                      </a:rPr>
+                                      <m:t>4</m:t>
+                                    </m:r>
+                                  </m:sub>
+                                </m:sSub>
+                              </m:e>
+                              <m:e>
+                                <m:sSub>
+                                  <m:sSubPr>
+                                    <m:ctrlPr>
+                                      <a:rPr lang="en-US" altLang="zh-CN" i="1">
+                                        <a:latin typeface="Cambria Math" panose="02040503050406030204" pitchFamily="18" charset="0"/>
+                                      </a:rPr>
+                                    </m:ctrlPr>
+                                  </m:sSubPr>
+                                  <m:e>
+                                    <m:r>
+                                      <a:rPr lang="en-US" altLang="zh-CN" i="1">
+                                        <a:latin typeface="Cambria Math" panose="02040503050406030204" pitchFamily="18" charset="0"/>
+                                      </a:rPr>
+                                      <m:t>𝑥</m:t>
+                                    </m:r>
+                                  </m:e>
+                                  <m:sub>
+                                    <m:r>
+                                      <a:rPr lang="en-US" altLang="zh-CN" i="1">
+                                        <a:latin typeface="Cambria Math" panose="02040503050406030204" pitchFamily="18" charset="0"/>
+                                      </a:rPr>
+                                      <m:t>3</m:t>
+                                    </m:r>
+                                  </m:sub>
+                                </m:sSub>
+                                <m:r>
+                                  <a:rPr lang="en-US" altLang="zh-CN" i="1">
+                                    <a:latin typeface="Cambria Math" panose="02040503050406030204" pitchFamily="18" charset="0"/>
+                                  </a:rPr>
+                                  <m:t>−</m:t>
+                                </m:r>
+                                <m:sSub>
+                                  <m:sSubPr>
+                                    <m:ctrlPr>
+                                      <a:rPr lang="en-US" altLang="zh-CN" i="1">
+                                        <a:latin typeface="Cambria Math" panose="02040503050406030204" pitchFamily="18" charset="0"/>
+                                      </a:rPr>
+                                    </m:ctrlPr>
+                                  </m:sSubPr>
+                                  <m:e>
+                                    <m:r>
+                                      <a:rPr lang="en-US" altLang="zh-CN" i="1">
+                                        <a:latin typeface="Cambria Math" panose="02040503050406030204" pitchFamily="18" charset="0"/>
+                                      </a:rPr>
+                                      <m:t>𝑥</m:t>
+                                    </m:r>
+                                  </m:e>
+                                  <m:sub>
+                                    <m:r>
+                                      <a:rPr lang="en-US" altLang="zh-CN" i="1">
+                                        <a:latin typeface="Cambria Math" panose="02040503050406030204" pitchFamily="18" charset="0"/>
+                                      </a:rPr>
+                                      <m:t>4</m:t>
+                                    </m:r>
+                                  </m:sub>
+                                </m:sSub>
+                              </m:e>
+                            </m:mr>
+                          </m:m>
+                        </m:e>
+                      </m:d>
+                    </m:oMath>
+                  </m:oMathPara>
+                </a14:m>
+                <a:endParaRPr lang="en-US" altLang="zh-CN" i="1" dirty="0">
+                  <a:latin typeface="Cambria Math" panose="02040503050406030204" pitchFamily="18" charset="0"/>
+                </a:endParaRPr>
+              </a:p>
+              <a:p>
+                <a14:m>
+                  <m:oMathPara xmlns:m="http://schemas.openxmlformats.org/officeDocument/2006/math">
+                    <m:oMathParaPr>
+                      <m:jc m:val="centerGroup"/>
+                    </m:oMathParaPr>
+                    <m:oMath xmlns:m="http://schemas.openxmlformats.org/officeDocument/2006/math">
+                      <m:r>
+                        <a:rPr lang="en-US" altLang="zh-CN" b="0" i="1" smtClean="0">
+                          <a:latin typeface="Cambria Math" panose="02040503050406030204" pitchFamily="18" charset="0"/>
+                        </a:rPr>
+                        <m:t>        =</m:t>
+                      </m:r>
+                      <m:d>
+                        <m:dPr>
+                          <m:begChr m:val="["/>
+                          <m:endChr m:val="]"/>
+                          <m:ctrlPr>
+                            <a:rPr lang="en-US" altLang="zh-CN" b="0" i="1" smtClean="0">
+                              <a:latin typeface="Cambria Math" panose="02040503050406030204" pitchFamily="18" charset="0"/>
+                            </a:rPr>
+                          </m:ctrlPr>
+                        </m:dPr>
+                        <m:e>
+                          <m:m>
+                            <m:mPr>
+                              <m:mcs>
+                                <m:mc>
+                                  <m:mcPr>
+                                    <m:count m:val="3"/>
+                                    <m:mcJc m:val="center"/>
+                                  </m:mcPr>
+                                </m:mc>
+                              </m:mcs>
+                              <m:ctrlPr>
+                                <a:rPr lang="en-US" altLang="zh-CN" b="0" i="1" smtClean="0">
+                                  <a:latin typeface="Cambria Math" panose="02040503050406030204" pitchFamily="18" charset="0"/>
+                                </a:rPr>
+                              </m:ctrlPr>
+                            </m:mPr>
+                            <m:mr>
+                              <m:e>
+                                <m:sSubSup>
+                                  <m:sSubSupPr>
+                                    <m:ctrlPr>
+                                      <a:rPr lang="en-US" altLang="zh-CN" b="0" i="1" smtClean="0">
+                                        <a:latin typeface="Cambria Math" panose="02040503050406030204" pitchFamily="18" charset="0"/>
+                                      </a:rPr>
+                                    </m:ctrlPr>
+                                  </m:sSubSupPr>
+                                  <m:e>
+                                    <m:r>
+                                      <m:rPr>
+                                        <m:brk m:alnAt="7"/>
+                                      </m:rPr>
+                                      <a:rPr lang="en-US" altLang="zh-CN" b="0" i="1" smtClean="0">
+                                        <a:latin typeface="Cambria Math" panose="02040503050406030204" pitchFamily="18" charset="0"/>
+                                      </a:rPr>
+                                      <m:t>𝑥</m:t>
+                                    </m:r>
+                                  </m:e>
+                                  <m:sub>
+                                    <m:r>
+                                      <m:rPr>
+                                        <m:brk m:alnAt="7"/>
+                                      </m:rPr>
+                                      <a:rPr lang="en-US" altLang="zh-CN" b="0" i="1" smtClean="0">
+                                        <a:latin typeface="Cambria Math" panose="02040503050406030204" pitchFamily="18" charset="0"/>
+                                      </a:rPr>
+                                      <m:t>1</m:t>
+                                    </m:r>
+                                  </m:sub>
+                                  <m:sup>
+                                    <m:r>
+                                      <m:rPr>
+                                        <m:brk m:alnAt="7"/>
+                                      </m:rPr>
+                                      <a:rPr lang="en-US" altLang="zh-CN" b="0" i="1" smtClean="0">
+                                        <a:latin typeface="Cambria Math" panose="02040503050406030204" pitchFamily="18" charset="0"/>
+                                      </a:rPr>
+                                      <m:t>1</m:t>
+                                    </m:r>
+                                  </m:sup>
+                                </m:sSubSup>
+                                <m:r>
+                                  <m:rPr>
+                                    <m:brk m:alnAt="7"/>
+                                  </m:rPr>
+                                  <a:rPr lang="en-US" altLang="zh-CN" b="0" i="1" smtClean="0">
+                                    <a:latin typeface="Cambria Math" panose="02040503050406030204" pitchFamily="18" charset="0"/>
+                                  </a:rPr>
+                                  <m:t>−</m:t>
+                                </m:r>
+                                <m:sSubSup>
+                                  <m:sSubSupPr>
+                                    <m:ctrlPr>
+                                      <a:rPr lang="en-US" altLang="zh-CN" b="0" i="1" smtClean="0">
+                                        <a:latin typeface="Cambria Math" panose="02040503050406030204" pitchFamily="18" charset="0"/>
+                                      </a:rPr>
+                                    </m:ctrlPr>
+                                  </m:sSubSupPr>
+                                  <m:e>
+                                    <m:r>
+                                      <m:rPr>
+                                        <m:brk m:alnAt="7"/>
+                                      </m:rPr>
+                                      <a:rPr lang="en-US" altLang="zh-CN" b="0" i="1" smtClean="0">
+                                        <a:latin typeface="Cambria Math" panose="02040503050406030204" pitchFamily="18" charset="0"/>
+                                      </a:rPr>
+                                      <m:t>𝑥</m:t>
+                                    </m:r>
+                                  </m:e>
+                                  <m:sub>
+                                    <m:r>
+                                      <m:rPr>
+                                        <m:brk m:alnAt="7"/>
+                                      </m:rPr>
+                                      <a:rPr lang="en-US" altLang="zh-CN" b="0" i="1" smtClean="0">
+                                        <a:latin typeface="Cambria Math" panose="02040503050406030204" pitchFamily="18" charset="0"/>
+                                      </a:rPr>
+                                      <m:t>4</m:t>
+                                    </m:r>
+                                  </m:sub>
+                                  <m:sup>
+                                    <m:r>
+                                      <m:rPr>
+                                        <m:brk m:alnAt="7"/>
+                                      </m:rPr>
+                                      <a:rPr lang="en-US" altLang="zh-CN" b="0" i="1" smtClean="0">
+                                        <a:latin typeface="Cambria Math" panose="02040503050406030204" pitchFamily="18" charset="0"/>
+                                      </a:rPr>
+                                      <m:t>1</m:t>
+                                    </m:r>
+                                  </m:sup>
+                                </m:sSubSup>
+                              </m:e>
+                              <m:e>
+                                <m:sSubSup>
+                                  <m:sSubSupPr>
+                                    <m:ctrlPr>
+                                      <a:rPr lang="en-US" altLang="zh-CN" b="0" i="1" smtClean="0">
+                                        <a:latin typeface="Cambria Math" panose="02040503050406030204" pitchFamily="18" charset="0"/>
+                                      </a:rPr>
+                                    </m:ctrlPr>
+                                  </m:sSubSupPr>
+                                  <m:e>
+                                    <m:r>
+                                      <a:rPr lang="en-US" altLang="zh-CN" b="0" i="1" smtClean="0">
+                                        <a:latin typeface="Cambria Math" panose="02040503050406030204" pitchFamily="18" charset="0"/>
+                                      </a:rPr>
+                                      <m:t>𝑥</m:t>
+                                    </m:r>
+                                  </m:e>
+                                  <m:sub>
+                                    <m:r>
+                                      <a:rPr lang="en-US" altLang="zh-CN" b="0" i="1" smtClean="0">
+                                        <a:latin typeface="Cambria Math" panose="02040503050406030204" pitchFamily="18" charset="0"/>
+                                      </a:rPr>
+                                      <m:t>2</m:t>
+                                    </m:r>
+                                  </m:sub>
+                                  <m:sup>
+                                    <m:r>
+                                      <a:rPr lang="en-US" altLang="zh-CN" b="0" i="1" smtClean="0">
+                                        <a:latin typeface="Cambria Math" panose="02040503050406030204" pitchFamily="18" charset="0"/>
+                                      </a:rPr>
+                                      <m:t>1</m:t>
+                                    </m:r>
+                                  </m:sup>
+                                </m:sSubSup>
+                                <m:r>
+                                  <a:rPr lang="en-US" altLang="zh-CN" b="0" i="1" smtClean="0">
+                                    <a:latin typeface="Cambria Math" panose="02040503050406030204" pitchFamily="18" charset="0"/>
+                                  </a:rPr>
+                                  <m:t>−</m:t>
+                                </m:r>
+                                <m:sSubSup>
+                                  <m:sSubSupPr>
+                                    <m:ctrlPr>
+                                      <a:rPr lang="en-US" altLang="zh-CN" b="0" i="1" smtClean="0">
+                                        <a:latin typeface="Cambria Math" panose="02040503050406030204" pitchFamily="18" charset="0"/>
+                                      </a:rPr>
+                                    </m:ctrlPr>
+                                  </m:sSubSupPr>
+                                  <m:e>
+                                    <m:r>
+                                      <a:rPr lang="en-US" altLang="zh-CN" b="0" i="1" smtClean="0">
+                                        <a:latin typeface="Cambria Math" panose="02040503050406030204" pitchFamily="18" charset="0"/>
+                                      </a:rPr>
+                                      <m:t>𝑥</m:t>
+                                    </m:r>
+                                  </m:e>
+                                  <m:sub>
+                                    <m:r>
+                                      <a:rPr lang="en-US" altLang="zh-CN" b="0" i="1" smtClean="0">
+                                        <a:latin typeface="Cambria Math" panose="02040503050406030204" pitchFamily="18" charset="0"/>
+                                      </a:rPr>
+                                      <m:t>4</m:t>
+                                    </m:r>
+                                  </m:sub>
+                                  <m:sup>
+                                    <m:r>
+                                      <a:rPr lang="en-US" altLang="zh-CN" b="0" i="1" smtClean="0">
+                                        <a:latin typeface="Cambria Math" panose="02040503050406030204" pitchFamily="18" charset="0"/>
+                                      </a:rPr>
+                                      <m:t>1</m:t>
+                                    </m:r>
+                                  </m:sup>
+                                </m:sSubSup>
+                              </m:e>
+                              <m:e>
+                                <m:sSubSup>
+                                  <m:sSubSupPr>
+                                    <m:ctrlPr>
+                                      <a:rPr lang="en-US" altLang="zh-CN" b="0" i="1" smtClean="0">
+                                        <a:latin typeface="Cambria Math" panose="02040503050406030204" pitchFamily="18" charset="0"/>
+                                      </a:rPr>
+                                    </m:ctrlPr>
+                                  </m:sSubSupPr>
+                                  <m:e>
+                                    <m:r>
+                                      <a:rPr lang="en-US" altLang="zh-CN" b="0" i="1" smtClean="0">
+                                        <a:latin typeface="Cambria Math" panose="02040503050406030204" pitchFamily="18" charset="0"/>
+                                      </a:rPr>
+                                      <m:t>𝑥</m:t>
+                                    </m:r>
+                                  </m:e>
+                                  <m:sub>
+                                    <m:r>
+                                      <a:rPr lang="en-US" altLang="zh-CN" b="0" i="1" smtClean="0">
+                                        <a:latin typeface="Cambria Math" panose="02040503050406030204" pitchFamily="18" charset="0"/>
+                                      </a:rPr>
+                                      <m:t>3</m:t>
+                                    </m:r>
+                                  </m:sub>
+                                  <m:sup>
+                                    <m:r>
+                                      <a:rPr lang="en-US" altLang="zh-CN" b="0" i="1" smtClean="0">
+                                        <a:latin typeface="Cambria Math" panose="02040503050406030204" pitchFamily="18" charset="0"/>
+                                      </a:rPr>
+                                      <m:t>1</m:t>
+                                    </m:r>
+                                  </m:sup>
+                                </m:sSubSup>
+                                <m:r>
+                                  <a:rPr lang="en-US" altLang="zh-CN" b="0" i="1" smtClean="0">
+                                    <a:latin typeface="Cambria Math" panose="02040503050406030204" pitchFamily="18" charset="0"/>
+                                  </a:rPr>
+                                  <m:t>−</m:t>
+                                </m:r>
+                                <m:sSubSup>
+                                  <m:sSubSupPr>
+                                    <m:ctrlPr>
+                                      <a:rPr lang="en-US" altLang="zh-CN" b="0" i="1" smtClean="0">
+                                        <a:latin typeface="Cambria Math" panose="02040503050406030204" pitchFamily="18" charset="0"/>
+                                      </a:rPr>
+                                    </m:ctrlPr>
+                                  </m:sSubSupPr>
+                                  <m:e>
+                                    <m:r>
+                                      <a:rPr lang="en-US" altLang="zh-CN" b="0" i="1" smtClean="0">
+                                        <a:latin typeface="Cambria Math" panose="02040503050406030204" pitchFamily="18" charset="0"/>
+                                      </a:rPr>
+                                      <m:t>𝑥</m:t>
+                                    </m:r>
+                                  </m:e>
+                                  <m:sub>
+                                    <m:r>
+                                      <a:rPr lang="en-US" altLang="zh-CN" b="0" i="1" smtClean="0">
+                                        <a:latin typeface="Cambria Math" panose="02040503050406030204" pitchFamily="18" charset="0"/>
+                                      </a:rPr>
+                                      <m:t>4</m:t>
+                                    </m:r>
+                                  </m:sub>
+                                  <m:sup>
+                                    <m:r>
+                                      <a:rPr lang="en-US" altLang="zh-CN" b="0" i="1" smtClean="0">
+                                        <a:latin typeface="Cambria Math" panose="02040503050406030204" pitchFamily="18" charset="0"/>
+                                      </a:rPr>
+                                      <m:t>1</m:t>
+                                    </m:r>
+                                  </m:sup>
+                                </m:sSubSup>
+                              </m:e>
+                            </m:mr>
+                            <m:mr>
+                              <m:e>
+                                <m:sSubSup>
+                                  <m:sSubSupPr>
+                                    <m:ctrlPr>
+                                      <a:rPr lang="en-US" altLang="zh-CN" b="0" i="1" smtClean="0">
+                                        <a:latin typeface="Cambria Math" panose="02040503050406030204" pitchFamily="18" charset="0"/>
+                                      </a:rPr>
+                                    </m:ctrlPr>
+                                  </m:sSubSupPr>
+                                  <m:e>
+                                    <m:r>
+                                      <a:rPr lang="en-US" altLang="zh-CN" b="0" i="1" smtClean="0">
+                                        <a:latin typeface="Cambria Math" panose="02040503050406030204" pitchFamily="18" charset="0"/>
+                                      </a:rPr>
+                                      <m:t>𝑥</m:t>
+                                    </m:r>
+                                  </m:e>
+                                  <m:sub>
+                                    <m:r>
+                                      <a:rPr lang="en-US" altLang="zh-CN" b="0" i="1" smtClean="0">
+                                        <a:latin typeface="Cambria Math" panose="02040503050406030204" pitchFamily="18" charset="0"/>
+                                      </a:rPr>
+                                      <m:t>1</m:t>
+                                    </m:r>
+                                  </m:sub>
+                                  <m:sup>
+                                    <m:r>
+                                      <a:rPr lang="en-US" altLang="zh-CN" b="0" i="1" smtClean="0">
+                                        <a:latin typeface="Cambria Math" panose="02040503050406030204" pitchFamily="18" charset="0"/>
+                                      </a:rPr>
+                                      <m:t>2</m:t>
+                                    </m:r>
+                                  </m:sup>
+                                </m:sSubSup>
+                                <m:r>
+                                  <a:rPr lang="en-US" altLang="zh-CN" b="0" i="1" smtClean="0">
+                                    <a:latin typeface="Cambria Math" panose="02040503050406030204" pitchFamily="18" charset="0"/>
+                                  </a:rPr>
+                                  <m:t>−</m:t>
+                                </m:r>
+                                <m:sSubSup>
+                                  <m:sSubSupPr>
+                                    <m:ctrlPr>
+                                      <a:rPr lang="en-US" altLang="zh-CN" b="0" i="1" smtClean="0">
+                                        <a:latin typeface="Cambria Math" panose="02040503050406030204" pitchFamily="18" charset="0"/>
+                                      </a:rPr>
+                                    </m:ctrlPr>
+                                  </m:sSubSupPr>
+                                  <m:e>
+                                    <m:r>
+                                      <a:rPr lang="en-US" altLang="zh-CN" b="0" i="1" smtClean="0">
+                                        <a:latin typeface="Cambria Math" panose="02040503050406030204" pitchFamily="18" charset="0"/>
+                                      </a:rPr>
+                                      <m:t>𝑥</m:t>
+                                    </m:r>
+                                  </m:e>
+                                  <m:sub>
+                                    <m:r>
+                                      <a:rPr lang="en-US" altLang="zh-CN" b="0" i="1" smtClean="0">
+                                        <a:latin typeface="Cambria Math" panose="02040503050406030204" pitchFamily="18" charset="0"/>
+                                      </a:rPr>
+                                      <m:t>4</m:t>
+                                    </m:r>
+                                  </m:sub>
+                                  <m:sup>
+                                    <m:r>
+                                      <a:rPr lang="en-US" altLang="zh-CN" b="0" i="1" smtClean="0">
+                                        <a:latin typeface="Cambria Math" panose="02040503050406030204" pitchFamily="18" charset="0"/>
+                                      </a:rPr>
+                                      <m:t>2</m:t>
+                                    </m:r>
+                                  </m:sup>
+                                </m:sSubSup>
+                              </m:e>
+                              <m:e>
+                                <m:sSubSup>
+                                  <m:sSubSupPr>
+                                    <m:ctrlPr>
+                                      <a:rPr lang="en-US" altLang="zh-CN" b="0" i="1" smtClean="0">
+                                        <a:latin typeface="Cambria Math" panose="02040503050406030204" pitchFamily="18" charset="0"/>
+                                      </a:rPr>
+                                    </m:ctrlPr>
+                                  </m:sSubSupPr>
+                                  <m:e>
+                                    <m:r>
+                                      <a:rPr lang="en-US" altLang="zh-CN" b="0" i="1" smtClean="0">
+                                        <a:latin typeface="Cambria Math" panose="02040503050406030204" pitchFamily="18" charset="0"/>
+                                      </a:rPr>
+                                      <m:t>𝑥</m:t>
+                                    </m:r>
+                                  </m:e>
+                                  <m:sub>
+                                    <m:r>
+                                      <a:rPr lang="en-US" altLang="zh-CN" b="0" i="1" smtClean="0">
+                                        <a:latin typeface="Cambria Math" panose="02040503050406030204" pitchFamily="18" charset="0"/>
+                                      </a:rPr>
+                                      <m:t>2</m:t>
+                                    </m:r>
+                                  </m:sub>
+                                  <m:sup>
+                                    <m:r>
+                                      <a:rPr lang="en-US" altLang="zh-CN" b="0" i="1" smtClean="0">
+                                        <a:latin typeface="Cambria Math" panose="02040503050406030204" pitchFamily="18" charset="0"/>
+                                      </a:rPr>
+                                      <m:t>2</m:t>
+                                    </m:r>
+                                  </m:sup>
+                                </m:sSubSup>
+                                <m:r>
+                                  <a:rPr lang="en-US" altLang="zh-CN" b="0" i="1" smtClean="0">
+                                    <a:latin typeface="Cambria Math" panose="02040503050406030204" pitchFamily="18" charset="0"/>
+                                  </a:rPr>
+                                  <m:t>−</m:t>
+                                </m:r>
+                                <m:sSubSup>
+                                  <m:sSubSupPr>
+                                    <m:ctrlPr>
+                                      <a:rPr lang="en-US" altLang="zh-CN" b="0" i="1" smtClean="0">
+                                        <a:latin typeface="Cambria Math" panose="02040503050406030204" pitchFamily="18" charset="0"/>
+                                      </a:rPr>
+                                    </m:ctrlPr>
+                                  </m:sSubSupPr>
+                                  <m:e>
+                                    <m:r>
+                                      <a:rPr lang="en-US" altLang="zh-CN" b="0" i="1" smtClean="0">
+                                        <a:latin typeface="Cambria Math" panose="02040503050406030204" pitchFamily="18" charset="0"/>
+                                      </a:rPr>
+                                      <m:t>𝑥</m:t>
+                                    </m:r>
+                                  </m:e>
+                                  <m:sub>
+                                    <m:r>
+                                      <a:rPr lang="en-US" altLang="zh-CN" b="0" i="1" smtClean="0">
+                                        <a:latin typeface="Cambria Math" panose="02040503050406030204" pitchFamily="18" charset="0"/>
+                                      </a:rPr>
+                                      <m:t>4</m:t>
+                                    </m:r>
+                                  </m:sub>
+                                  <m:sup>
+                                    <m:r>
+                                      <a:rPr lang="en-US" altLang="zh-CN" b="0" i="1" smtClean="0">
+                                        <a:latin typeface="Cambria Math" panose="02040503050406030204" pitchFamily="18" charset="0"/>
+                                      </a:rPr>
+                                      <m:t>2</m:t>
+                                    </m:r>
+                                  </m:sup>
+                                </m:sSubSup>
+                              </m:e>
+                              <m:e>
+                                <m:sSubSup>
+                                  <m:sSubSupPr>
+                                    <m:ctrlPr>
+                                      <a:rPr lang="en-US" altLang="zh-CN" b="0" i="1" smtClean="0">
+                                        <a:latin typeface="Cambria Math" panose="02040503050406030204" pitchFamily="18" charset="0"/>
+                                      </a:rPr>
+                                    </m:ctrlPr>
+                                  </m:sSubSupPr>
+                                  <m:e>
+                                    <m:r>
+                                      <a:rPr lang="en-US" altLang="zh-CN" b="0" i="1" smtClean="0">
+                                        <a:latin typeface="Cambria Math" panose="02040503050406030204" pitchFamily="18" charset="0"/>
+                                      </a:rPr>
+                                      <m:t>𝑥</m:t>
+                                    </m:r>
+                                  </m:e>
+                                  <m:sub>
+                                    <m:r>
+                                      <a:rPr lang="en-US" altLang="zh-CN" b="0" i="1" smtClean="0">
+                                        <a:latin typeface="Cambria Math" panose="02040503050406030204" pitchFamily="18" charset="0"/>
+                                      </a:rPr>
+                                      <m:t>3</m:t>
+                                    </m:r>
+                                  </m:sub>
+                                  <m:sup>
+                                    <m:r>
+                                      <a:rPr lang="en-US" altLang="zh-CN" b="0" i="1" smtClean="0">
+                                        <a:latin typeface="Cambria Math" panose="02040503050406030204" pitchFamily="18" charset="0"/>
+                                      </a:rPr>
+                                      <m:t>2</m:t>
+                                    </m:r>
+                                  </m:sup>
+                                </m:sSubSup>
+                                <m:r>
+                                  <a:rPr lang="en-US" altLang="zh-CN" b="0" i="1" smtClean="0">
+                                    <a:latin typeface="Cambria Math" panose="02040503050406030204" pitchFamily="18" charset="0"/>
+                                  </a:rPr>
+                                  <m:t>−</m:t>
+                                </m:r>
+                                <m:sSubSup>
+                                  <m:sSubSupPr>
+                                    <m:ctrlPr>
+                                      <a:rPr lang="en-US" altLang="zh-CN" b="0" i="1" smtClean="0">
+                                        <a:latin typeface="Cambria Math" panose="02040503050406030204" pitchFamily="18" charset="0"/>
+                                      </a:rPr>
+                                    </m:ctrlPr>
+                                  </m:sSubSupPr>
+                                  <m:e>
+                                    <m:r>
+                                      <a:rPr lang="en-US" altLang="zh-CN" b="0" i="1" smtClean="0">
+                                        <a:latin typeface="Cambria Math" panose="02040503050406030204" pitchFamily="18" charset="0"/>
+                                      </a:rPr>
+                                      <m:t>𝑥</m:t>
+                                    </m:r>
+                                  </m:e>
+                                  <m:sub>
+                                    <m:r>
+                                      <a:rPr lang="en-US" altLang="zh-CN" b="0" i="1" smtClean="0">
+                                        <a:latin typeface="Cambria Math" panose="02040503050406030204" pitchFamily="18" charset="0"/>
+                                      </a:rPr>
+                                      <m:t>4</m:t>
+                                    </m:r>
+                                  </m:sub>
+                                  <m:sup>
+                                    <m:r>
+                                      <a:rPr lang="en-US" altLang="zh-CN" b="0" i="1" smtClean="0">
+                                        <a:latin typeface="Cambria Math" panose="02040503050406030204" pitchFamily="18" charset="0"/>
+                                      </a:rPr>
+                                      <m:t>2</m:t>
+                                    </m:r>
+                                  </m:sup>
+                                </m:sSubSup>
+                              </m:e>
+                            </m:mr>
+                            <m:mr>
+                              <m:e>
+                                <m:sSubSup>
+                                  <m:sSubSupPr>
+                                    <m:ctrlPr>
+                                      <a:rPr lang="en-US" altLang="zh-CN" b="0" i="1" smtClean="0">
+                                        <a:latin typeface="Cambria Math" panose="02040503050406030204" pitchFamily="18" charset="0"/>
+                                      </a:rPr>
+                                    </m:ctrlPr>
+                                  </m:sSubSupPr>
+                                  <m:e>
+                                    <m:r>
+                                      <a:rPr lang="en-US" altLang="zh-CN" b="0" i="1" smtClean="0">
+                                        <a:latin typeface="Cambria Math" panose="02040503050406030204" pitchFamily="18" charset="0"/>
+                                      </a:rPr>
+                                      <m:t>𝑥</m:t>
+                                    </m:r>
+                                  </m:e>
+                                  <m:sub>
+                                    <m:r>
+                                      <a:rPr lang="en-US" altLang="zh-CN" b="0" i="1" smtClean="0">
+                                        <a:latin typeface="Cambria Math" panose="02040503050406030204" pitchFamily="18" charset="0"/>
+                                      </a:rPr>
+                                      <m:t>1</m:t>
+                                    </m:r>
+                                  </m:sub>
+                                  <m:sup>
+                                    <m:r>
+                                      <a:rPr lang="en-US" altLang="zh-CN" b="0" i="1" smtClean="0">
+                                        <a:latin typeface="Cambria Math" panose="02040503050406030204" pitchFamily="18" charset="0"/>
+                                      </a:rPr>
+                                      <m:t>3</m:t>
+                                    </m:r>
+                                  </m:sup>
+                                </m:sSubSup>
+                                <m:r>
+                                  <a:rPr lang="en-US" altLang="zh-CN" b="0" i="1" smtClean="0">
+                                    <a:latin typeface="Cambria Math" panose="02040503050406030204" pitchFamily="18" charset="0"/>
+                                  </a:rPr>
+                                  <m:t>−</m:t>
+                                </m:r>
+                                <m:sSubSup>
+                                  <m:sSubSupPr>
+                                    <m:ctrlPr>
+                                      <a:rPr lang="en-US" altLang="zh-CN" b="0" i="1" smtClean="0">
+                                        <a:latin typeface="Cambria Math" panose="02040503050406030204" pitchFamily="18" charset="0"/>
+                                      </a:rPr>
+                                    </m:ctrlPr>
+                                  </m:sSubSupPr>
+                                  <m:e>
+                                    <m:r>
+                                      <a:rPr lang="en-US" altLang="zh-CN" b="0" i="1" smtClean="0">
+                                        <a:latin typeface="Cambria Math" panose="02040503050406030204" pitchFamily="18" charset="0"/>
+                                      </a:rPr>
+                                      <m:t>𝑥</m:t>
+                                    </m:r>
+                                  </m:e>
+                                  <m:sub>
+                                    <m:r>
+                                      <a:rPr lang="en-US" altLang="zh-CN" b="0" i="1" smtClean="0">
+                                        <a:latin typeface="Cambria Math" panose="02040503050406030204" pitchFamily="18" charset="0"/>
+                                      </a:rPr>
+                                      <m:t>4</m:t>
+                                    </m:r>
+                                  </m:sub>
+                                  <m:sup>
+                                    <m:r>
+                                      <a:rPr lang="en-US" altLang="zh-CN" b="0" i="1" smtClean="0">
+                                        <a:latin typeface="Cambria Math" panose="02040503050406030204" pitchFamily="18" charset="0"/>
+                                      </a:rPr>
+                                      <m:t>3</m:t>
+                                    </m:r>
+                                  </m:sup>
+                                </m:sSubSup>
+                              </m:e>
+                              <m:e>
+                                <m:sSubSup>
+                                  <m:sSubSupPr>
+                                    <m:ctrlPr>
+                                      <a:rPr lang="en-US" altLang="zh-CN" b="0" i="1" smtClean="0">
+                                        <a:latin typeface="Cambria Math" panose="02040503050406030204" pitchFamily="18" charset="0"/>
+                                      </a:rPr>
+                                    </m:ctrlPr>
+                                  </m:sSubSupPr>
+                                  <m:e>
+                                    <m:r>
+                                      <a:rPr lang="en-US" altLang="zh-CN" b="0" i="1" smtClean="0">
+                                        <a:latin typeface="Cambria Math" panose="02040503050406030204" pitchFamily="18" charset="0"/>
+                                      </a:rPr>
+                                      <m:t>𝑥</m:t>
+                                    </m:r>
+                                  </m:e>
+                                  <m:sub>
+                                    <m:r>
+                                      <a:rPr lang="en-US" altLang="zh-CN" b="0" i="1" smtClean="0">
+                                        <a:latin typeface="Cambria Math" panose="02040503050406030204" pitchFamily="18" charset="0"/>
+                                      </a:rPr>
+                                      <m:t>2</m:t>
+                                    </m:r>
+                                  </m:sub>
+                                  <m:sup>
+                                    <m:r>
+                                      <a:rPr lang="en-US" altLang="zh-CN" b="0" i="1" smtClean="0">
+                                        <a:latin typeface="Cambria Math" panose="02040503050406030204" pitchFamily="18" charset="0"/>
+                                      </a:rPr>
+                                      <m:t>3</m:t>
+                                    </m:r>
+                                  </m:sup>
+                                </m:sSubSup>
+                                <m:r>
+                                  <a:rPr lang="en-US" altLang="zh-CN" b="0" i="1" smtClean="0">
+                                    <a:latin typeface="Cambria Math" panose="02040503050406030204" pitchFamily="18" charset="0"/>
+                                  </a:rPr>
+                                  <m:t>−</m:t>
+                                </m:r>
+                                <m:sSubSup>
+                                  <m:sSubSupPr>
+                                    <m:ctrlPr>
+                                      <a:rPr lang="en-US" altLang="zh-CN" b="0" i="1" smtClean="0">
+                                        <a:latin typeface="Cambria Math" panose="02040503050406030204" pitchFamily="18" charset="0"/>
+                                      </a:rPr>
+                                    </m:ctrlPr>
+                                  </m:sSubSupPr>
+                                  <m:e>
+                                    <m:r>
+                                      <a:rPr lang="en-US" altLang="zh-CN" b="0" i="1" smtClean="0">
+                                        <a:latin typeface="Cambria Math" panose="02040503050406030204" pitchFamily="18" charset="0"/>
+                                      </a:rPr>
+                                      <m:t>𝑥</m:t>
+                                    </m:r>
+                                  </m:e>
+                                  <m:sub>
+                                    <m:r>
+                                      <a:rPr lang="en-US" altLang="zh-CN" b="0" i="1" smtClean="0">
+                                        <a:latin typeface="Cambria Math" panose="02040503050406030204" pitchFamily="18" charset="0"/>
+                                      </a:rPr>
+                                      <m:t>4</m:t>
+                                    </m:r>
+                                  </m:sub>
+                                  <m:sup>
+                                    <m:r>
+                                      <a:rPr lang="en-US" altLang="zh-CN" b="0" i="1" smtClean="0">
+                                        <a:latin typeface="Cambria Math" panose="02040503050406030204" pitchFamily="18" charset="0"/>
+                                      </a:rPr>
+                                      <m:t>3</m:t>
+                                    </m:r>
+                                  </m:sup>
+                                </m:sSubSup>
+                              </m:e>
+                              <m:e>
+                                <m:sSubSup>
+                                  <m:sSubSupPr>
+                                    <m:ctrlPr>
+                                      <a:rPr lang="en-US" altLang="zh-CN" b="0" i="1" smtClean="0">
+                                        <a:latin typeface="Cambria Math" panose="02040503050406030204" pitchFamily="18" charset="0"/>
+                                      </a:rPr>
+                                    </m:ctrlPr>
+                                  </m:sSubSupPr>
+                                  <m:e>
+                                    <m:r>
+                                      <a:rPr lang="en-US" altLang="zh-CN" b="0" i="1" smtClean="0">
+                                        <a:latin typeface="Cambria Math" panose="02040503050406030204" pitchFamily="18" charset="0"/>
+                                      </a:rPr>
+                                      <m:t>𝑥</m:t>
+                                    </m:r>
+                                  </m:e>
+                                  <m:sub>
+                                    <m:r>
+                                      <a:rPr lang="en-US" altLang="zh-CN" b="0" i="1" smtClean="0">
+                                        <a:latin typeface="Cambria Math" panose="02040503050406030204" pitchFamily="18" charset="0"/>
+                                      </a:rPr>
+                                      <m:t>3</m:t>
+                                    </m:r>
+                                  </m:sub>
+                                  <m:sup>
+                                    <m:r>
+                                      <a:rPr lang="en-US" altLang="zh-CN" b="0" i="1" smtClean="0">
+                                        <a:latin typeface="Cambria Math" panose="02040503050406030204" pitchFamily="18" charset="0"/>
+                                      </a:rPr>
+                                      <m:t>3</m:t>
+                                    </m:r>
+                                  </m:sup>
+                                </m:sSubSup>
+                                <m:r>
+                                  <a:rPr lang="en-US" altLang="zh-CN" b="0" i="1" smtClean="0">
+                                    <a:latin typeface="Cambria Math" panose="02040503050406030204" pitchFamily="18" charset="0"/>
+                                  </a:rPr>
+                                  <m:t>−</m:t>
+                                </m:r>
+                                <m:sSubSup>
+                                  <m:sSubSupPr>
+                                    <m:ctrlPr>
+                                      <a:rPr lang="en-US" altLang="zh-CN" b="0" i="1" smtClean="0">
+                                        <a:latin typeface="Cambria Math" panose="02040503050406030204" pitchFamily="18" charset="0"/>
+                                      </a:rPr>
+                                    </m:ctrlPr>
+                                  </m:sSubSupPr>
+                                  <m:e>
+                                    <m:r>
+                                      <a:rPr lang="en-US" altLang="zh-CN" b="0" i="1" smtClean="0">
+                                        <a:latin typeface="Cambria Math" panose="02040503050406030204" pitchFamily="18" charset="0"/>
+                                      </a:rPr>
+                                      <m:t>𝑥</m:t>
+                                    </m:r>
+                                  </m:e>
+                                  <m:sub>
+                                    <m:r>
+                                      <a:rPr lang="en-US" altLang="zh-CN" b="0" i="1" smtClean="0">
+                                        <a:latin typeface="Cambria Math" panose="02040503050406030204" pitchFamily="18" charset="0"/>
+                                      </a:rPr>
+                                      <m:t>4</m:t>
+                                    </m:r>
+                                  </m:sub>
+                                  <m:sup>
+                                    <m:r>
+                                      <a:rPr lang="en-US" altLang="zh-CN" b="0" i="1" smtClean="0">
+                                        <a:latin typeface="Cambria Math" panose="02040503050406030204" pitchFamily="18" charset="0"/>
+                                      </a:rPr>
+                                      <m:t>3</m:t>
+                                    </m:r>
+                                  </m:sup>
+                                </m:sSubSup>
+                              </m:e>
+                            </m:mr>
+                          </m:m>
+                        </m:e>
+                      </m:d>
+                    </m:oMath>
+                  </m:oMathPara>
+                </a14:m>
+                <a:endParaRPr lang="zh-CN" altLang="en-US" dirty="0"/>
+              </a:p>
+            </p:txBody>
+          </p:sp>
+        </mc:Choice>
+        <mc:Fallback>
+          <p:sp>
+            <p:nvSpPr>
+              <p:cNvPr id="6" name="文本框 5">
+                <a:extLst>
+                  <a:ext uri="{FF2B5EF4-FFF2-40B4-BE49-F238E27FC236}">
+                    <a16:creationId xmlns:a16="http://schemas.microsoft.com/office/drawing/2014/main" id="{656EAC0A-73E6-2957-C266-07370ED3D092}"/>
+                  </a:ext>
+                </a:extLst>
+              </p:cNvPr>
+              <p:cNvSpPr txBox="1">
+                <a:spLocks noRot="1" noChangeAspect="1" noMove="1" noResize="1" noEditPoints="1" noAdjustHandles="1" noChangeArrowheads="1" noChangeShapeType="1" noTextEdit="1"/>
+              </p:cNvSpPr>
+              <p:nvPr/>
+            </p:nvSpPr>
+            <p:spPr>
+              <a:xfrm>
+                <a:off x="7171361" y="2008597"/>
+                <a:ext cx="3750449" cy="1203856"/>
+              </a:xfrm>
+              <a:prstGeom prst="rect">
+                <a:avLst/>
+              </a:prstGeom>
+              <a:blipFill>
+                <a:blip r:embed="rId4"/>
+                <a:stretch>
+                  <a:fillRect/>
+                </a:stretch>
+              </a:blipFill>
+            </p:spPr>
+            <p:txBody>
+              <a:bodyPr/>
+              <a:lstStyle/>
+              <a:p>
+                <a:r>
+                  <a:rPr lang="zh-CN" altLang="en-US">
+                    <a:noFill/>
+                  </a:rPr>
+                  <a:t> </a:t>
+                </a:r>
+              </a:p>
+            </p:txBody>
+          </p:sp>
+        </mc:Fallback>
+      </mc:AlternateContent>
+      <mc:AlternateContent xmlns:mc="http://schemas.openxmlformats.org/markup-compatibility/2006">
+        <mc:Choice xmlns:a14="http://schemas.microsoft.com/office/drawing/2010/main" Requires="a14">
+          <p:sp>
+            <p:nvSpPr>
+              <p:cNvPr id="7" name="文本框 6">
+                <a:extLst>
+                  <a:ext uri="{FF2B5EF4-FFF2-40B4-BE49-F238E27FC236}">
+                    <a16:creationId xmlns:a16="http://schemas.microsoft.com/office/drawing/2014/main" id="{63F60693-E322-0B6F-6F9F-1EB8134C2737}"/>
+                  </a:ext>
+                </a:extLst>
+              </p:cNvPr>
+              <p:cNvSpPr txBox="1"/>
+              <p:nvPr/>
+            </p:nvSpPr>
+            <p:spPr>
+              <a:xfrm>
+                <a:off x="7304924" y="3365953"/>
+                <a:ext cx="3700950" cy="787395"/>
+              </a:xfrm>
+              <a:prstGeom prst="rect">
+                <a:avLst/>
+              </a:prstGeom>
+              <a:noFill/>
+            </p:spPr>
+            <p:txBody>
+              <a:bodyPr wrap="none" lIns="0" tIns="0" rIns="0" bIns="0" rtlCol="0">
+                <a:spAutoFit/>
+              </a:bodyPr>
+              <a:lstStyle/>
+              <a:p>
+                <a14:m>
+                  <m:oMathPara xmlns:m="http://schemas.openxmlformats.org/officeDocument/2006/math">
+                    <m:oMathParaPr>
+                      <m:jc m:val="centerGroup"/>
+                    </m:oMathParaPr>
+                    <m:oMath xmlns:m="http://schemas.openxmlformats.org/officeDocument/2006/math">
+                      <m:f>
+                        <m:fPr>
+                          <m:ctrlPr>
+                            <a:rPr lang="en-US" altLang="zh-CN" i="1" smtClean="0">
+                              <a:latin typeface="Cambria Math" panose="02040503050406030204" pitchFamily="18" charset="0"/>
+                            </a:rPr>
+                          </m:ctrlPr>
+                        </m:fPr>
+                        <m:num>
+                          <m:r>
+                            <a:rPr lang="zh-CN" altLang="en-US" i="1">
+                              <a:latin typeface="Cambria Math" panose="02040503050406030204" pitchFamily="18" charset="0"/>
+                            </a:rPr>
+                            <m:t>𝜕</m:t>
+                          </m:r>
+                          <m:sSub>
+                            <m:sSubPr>
+                              <m:ctrlPr>
+                                <a:rPr lang="en-US" altLang="zh-CN" i="1">
+                                  <a:latin typeface="Cambria Math" panose="02040503050406030204" pitchFamily="18" charset="0"/>
+                                </a:rPr>
+                              </m:ctrlPr>
+                            </m:sSubPr>
+                            <m:e>
+                              <m:r>
+                                <a:rPr lang="en-US" altLang="zh-CN" i="1">
+                                  <a:latin typeface="Cambria Math" panose="02040503050406030204" pitchFamily="18" charset="0"/>
+                                </a:rPr>
+                                <m:t>𝐷</m:t>
+                              </m:r>
+                            </m:e>
+                            <m:sub>
+                              <m:r>
+                                <a:rPr lang="en-US" altLang="zh-CN" i="1">
+                                  <a:latin typeface="Cambria Math" panose="02040503050406030204" pitchFamily="18" charset="0"/>
+                                </a:rPr>
+                                <m:t>𝑠</m:t>
+                              </m:r>
+                            </m:sub>
+                          </m:sSub>
+                        </m:num>
+                        <m:den>
+                          <m:r>
+                            <a:rPr lang="zh-CN" altLang="en-US" i="1">
+                              <a:latin typeface="Cambria Math" panose="02040503050406030204" pitchFamily="18" charset="0"/>
+                            </a:rPr>
+                            <m:t>𝜕</m:t>
+                          </m:r>
+                          <m:sSubSup>
+                            <m:sSubSupPr>
+                              <m:ctrlPr>
+                                <a:rPr lang="en-US" altLang="zh-CN" i="1">
+                                  <a:latin typeface="Cambria Math" panose="02040503050406030204" pitchFamily="18" charset="0"/>
+                                </a:rPr>
+                              </m:ctrlPr>
+                            </m:sSubSupPr>
+                            <m:e>
+                              <m:r>
+                                <a:rPr lang="en-US" altLang="zh-CN" i="1">
+                                  <a:latin typeface="Cambria Math" panose="02040503050406030204" pitchFamily="18" charset="0"/>
+                                </a:rPr>
+                                <m:t>𝑥</m:t>
+                              </m:r>
+                            </m:e>
+                            <m:sub>
+                              <m:r>
+                                <a:rPr lang="en-US" altLang="zh-CN" b="0" i="1" smtClean="0">
+                                  <a:latin typeface="Cambria Math" panose="02040503050406030204" pitchFamily="18" charset="0"/>
+                                </a:rPr>
+                                <m:t>1</m:t>
+                              </m:r>
+                            </m:sub>
+                            <m:sup>
+                              <m:r>
+                                <a:rPr lang="en-US" altLang="zh-CN" b="0" i="1" smtClean="0">
+                                  <a:latin typeface="Cambria Math" panose="02040503050406030204" pitchFamily="18" charset="0"/>
+                                </a:rPr>
+                                <m:t>2</m:t>
+                              </m:r>
+                            </m:sup>
+                          </m:sSubSup>
+                        </m:den>
+                      </m:f>
+                      <m:r>
+                        <a:rPr lang="en-US" altLang="zh-CN" b="0" i="1" smtClean="0">
+                          <a:latin typeface="Cambria Math" panose="02040503050406030204" pitchFamily="18" charset="0"/>
+                        </a:rPr>
+                        <m:t>=</m:t>
+                      </m:r>
+                      <m:d>
+                        <m:dPr>
+                          <m:begChr m:val="["/>
+                          <m:endChr m:val="]"/>
+                          <m:ctrlPr>
+                            <a:rPr lang="en-US" altLang="zh-CN" i="1">
+                              <a:latin typeface="Cambria Math" panose="02040503050406030204" pitchFamily="18" charset="0"/>
+                            </a:rPr>
+                          </m:ctrlPr>
+                        </m:dPr>
+                        <m:e>
+                          <m:m>
+                            <m:mPr>
+                              <m:mcs>
+                                <m:mc>
+                                  <m:mcPr>
+                                    <m:count m:val="3"/>
+                                    <m:mcJc m:val="center"/>
+                                  </m:mcPr>
+                                </m:mc>
+                              </m:mcs>
+                              <m:ctrlPr>
+                                <a:rPr lang="en-US" altLang="zh-CN" i="1">
+                                  <a:latin typeface="Cambria Math" panose="02040503050406030204" pitchFamily="18" charset="0"/>
+                                </a:rPr>
+                              </m:ctrlPr>
+                            </m:mPr>
+                            <m:mr>
+                              <m:e>
+                                <m:r>
+                                  <a:rPr lang="en-US" altLang="zh-CN" b="0" i="1" smtClean="0">
+                                    <a:latin typeface="Cambria Math" panose="02040503050406030204" pitchFamily="18" charset="0"/>
+                                  </a:rPr>
+                                  <m:t>0</m:t>
+                                </m:r>
+                              </m:e>
+                              <m:e>
+                                <m:r>
+                                  <a:rPr lang="en-US" altLang="zh-CN" b="0" i="1" smtClean="0">
+                                    <a:latin typeface="Cambria Math" panose="02040503050406030204" pitchFamily="18" charset="0"/>
+                                  </a:rPr>
+                                  <m:t>0</m:t>
+                                </m:r>
+                              </m:e>
+                              <m:e>
+                                <m:r>
+                                  <a:rPr lang="en-US" altLang="zh-CN" b="0" i="1" smtClean="0">
+                                    <a:latin typeface="Cambria Math" panose="02040503050406030204" pitchFamily="18" charset="0"/>
+                                  </a:rPr>
+                                  <m:t>0</m:t>
+                                </m:r>
+                              </m:e>
+                            </m:mr>
+                            <m:mr>
+                              <m:e>
+                                <m:r>
+                                  <a:rPr lang="en-US" altLang="zh-CN" b="0" i="1" smtClean="0">
+                                    <a:latin typeface="Cambria Math" panose="02040503050406030204" pitchFamily="18" charset="0"/>
+                                  </a:rPr>
+                                  <m:t>1</m:t>
+                                </m:r>
+                              </m:e>
+                              <m:e>
+                                <m:r>
+                                  <a:rPr lang="en-US" altLang="zh-CN" b="0" i="1" smtClean="0">
+                                    <a:latin typeface="Cambria Math" panose="02040503050406030204" pitchFamily="18" charset="0"/>
+                                  </a:rPr>
+                                  <m:t>0</m:t>
+                                </m:r>
+                              </m:e>
+                              <m:e>
+                                <m:r>
+                                  <a:rPr lang="en-US" altLang="zh-CN" b="0" i="1" smtClean="0">
+                                    <a:latin typeface="Cambria Math" panose="02040503050406030204" pitchFamily="18" charset="0"/>
+                                  </a:rPr>
+                                  <m:t>0</m:t>
+                                </m:r>
+                              </m:e>
+                            </m:mr>
+                            <m:mr>
+                              <m:e>
+                                <m:r>
+                                  <a:rPr lang="en-US" altLang="zh-CN" b="0" i="1" smtClean="0">
+                                    <a:latin typeface="Cambria Math" panose="02040503050406030204" pitchFamily="18" charset="0"/>
+                                  </a:rPr>
+                                  <m:t>0</m:t>
+                                </m:r>
+                              </m:e>
+                              <m:e>
+                                <m:r>
+                                  <a:rPr lang="en-US" altLang="zh-CN" b="0" i="1" smtClean="0">
+                                    <a:latin typeface="Cambria Math" panose="02040503050406030204" pitchFamily="18" charset="0"/>
+                                  </a:rPr>
+                                  <m:t>0</m:t>
+                                </m:r>
+                              </m:e>
+                              <m:e>
+                                <m:r>
+                                  <a:rPr lang="en-US" altLang="zh-CN" b="0" i="1" smtClean="0">
+                                    <a:latin typeface="Cambria Math" panose="02040503050406030204" pitchFamily="18" charset="0"/>
+                                  </a:rPr>
+                                  <m:t>0</m:t>
+                                </m:r>
+                              </m:e>
+                            </m:mr>
+                          </m:m>
+                        </m:e>
+                      </m:d>
+                      <m:r>
+                        <a:rPr lang="en-US" altLang="zh-CN" b="0" i="1" smtClean="0">
+                          <a:latin typeface="Cambria Math" panose="02040503050406030204" pitchFamily="18" charset="0"/>
+                        </a:rPr>
+                        <m:t>=</m:t>
+                      </m:r>
+                      <m:d>
+                        <m:dPr>
+                          <m:begChr m:val="["/>
+                          <m:endChr m:val="]"/>
+                          <m:ctrlPr>
+                            <a:rPr lang="en-US" altLang="zh-CN" b="0" i="1" smtClean="0">
+                              <a:latin typeface="Cambria Math" panose="02040503050406030204" pitchFamily="18" charset="0"/>
+                            </a:rPr>
+                          </m:ctrlPr>
+                        </m:dPr>
+                        <m:e>
+                          <m:m>
+                            <m:mPr>
+                              <m:mcs>
+                                <m:mc>
+                                  <m:mcPr>
+                                    <m:count m:val="1"/>
+                                    <m:mcJc m:val="center"/>
+                                  </m:mcPr>
+                                </m:mc>
+                              </m:mcs>
+                              <m:ctrlPr>
+                                <a:rPr lang="en-US" altLang="zh-CN" b="0" i="1" smtClean="0">
+                                  <a:latin typeface="Cambria Math" panose="02040503050406030204" pitchFamily="18" charset="0"/>
+                                </a:rPr>
+                              </m:ctrlPr>
+                            </m:mPr>
+                            <m:mr>
+                              <m:e>
+                                <m:r>
+                                  <m:rPr>
+                                    <m:brk m:alnAt="7"/>
+                                  </m:rPr>
+                                  <a:rPr lang="en-US" altLang="zh-CN" b="0" i="1" smtClean="0">
+                                    <a:latin typeface="Cambria Math" panose="02040503050406030204" pitchFamily="18" charset="0"/>
+                                  </a:rPr>
+                                  <m:t>0</m:t>
+                                </m:r>
+                              </m:e>
+                            </m:mr>
+                            <m:mr>
+                              <m:e>
+                                <m:r>
+                                  <a:rPr lang="en-US" altLang="zh-CN" b="0" i="1" smtClean="0">
+                                    <a:latin typeface="Cambria Math" panose="02040503050406030204" pitchFamily="18" charset="0"/>
+                                  </a:rPr>
+                                  <m:t>1</m:t>
+                                </m:r>
+                              </m:e>
+                            </m:mr>
+                            <m:mr>
+                              <m:e>
+                                <m:r>
+                                  <a:rPr lang="en-US" altLang="zh-CN" b="0" i="1" smtClean="0">
+                                    <a:latin typeface="Cambria Math" panose="02040503050406030204" pitchFamily="18" charset="0"/>
+                                  </a:rPr>
+                                  <m:t>0</m:t>
+                                </m:r>
+                              </m:e>
+                            </m:mr>
+                          </m:m>
+                        </m:e>
+                      </m:d>
+                      <m:sSup>
+                        <m:sSupPr>
+                          <m:ctrlPr>
+                            <a:rPr lang="en-US" altLang="zh-CN" b="0" i="1" smtClean="0">
+                              <a:latin typeface="Cambria Math" panose="02040503050406030204" pitchFamily="18" charset="0"/>
+                            </a:rPr>
+                          </m:ctrlPr>
+                        </m:sSupPr>
+                        <m:e>
+                          <m:d>
+                            <m:dPr>
+                              <m:begChr m:val="["/>
+                              <m:endChr m:val="]"/>
+                              <m:ctrlPr>
+                                <a:rPr lang="en-US" altLang="zh-CN" i="1">
+                                  <a:latin typeface="Cambria Math" panose="02040503050406030204" pitchFamily="18" charset="0"/>
+                                </a:rPr>
+                              </m:ctrlPr>
+                            </m:dPr>
+                            <m:e>
+                              <m:m>
+                                <m:mPr>
+                                  <m:mcs>
+                                    <m:mc>
+                                      <m:mcPr>
+                                        <m:count m:val="1"/>
+                                        <m:mcJc m:val="center"/>
+                                      </m:mcPr>
+                                    </m:mc>
+                                  </m:mcs>
+                                  <m:ctrlPr>
+                                    <a:rPr lang="en-US" altLang="zh-CN" i="1">
+                                      <a:latin typeface="Cambria Math" panose="02040503050406030204" pitchFamily="18" charset="0"/>
+                                    </a:rPr>
+                                  </m:ctrlPr>
+                                </m:mPr>
+                                <m:mr>
+                                  <m:e>
+                                    <m:r>
+                                      <m:rPr>
+                                        <m:brk m:alnAt="7"/>
+                                      </m:rPr>
+                                      <a:rPr lang="en-US" altLang="zh-CN" b="0" i="1" smtClean="0">
+                                        <a:latin typeface="Cambria Math" panose="02040503050406030204" pitchFamily="18" charset="0"/>
+                                      </a:rPr>
+                                      <m:t>1</m:t>
+                                    </m:r>
+                                  </m:e>
+                                </m:mr>
+                                <m:mr>
+                                  <m:e>
+                                    <m:r>
+                                      <a:rPr lang="en-US" altLang="zh-CN" b="0" i="1" smtClean="0">
+                                        <a:latin typeface="Cambria Math" panose="02040503050406030204" pitchFamily="18" charset="0"/>
+                                      </a:rPr>
+                                      <m:t>0</m:t>
+                                    </m:r>
+                                  </m:e>
+                                </m:mr>
+                                <m:mr>
+                                  <m:e>
+                                    <m:r>
+                                      <a:rPr lang="en-US" altLang="zh-CN" i="1">
+                                        <a:latin typeface="Cambria Math" panose="02040503050406030204" pitchFamily="18" charset="0"/>
+                                      </a:rPr>
+                                      <m:t>0</m:t>
+                                    </m:r>
+                                  </m:e>
+                                </m:mr>
+                              </m:m>
+                            </m:e>
+                          </m:d>
+                        </m:e>
+                        <m:sup>
+                          <m:r>
+                            <a:rPr lang="en-US" altLang="zh-CN" b="0" i="1" smtClean="0">
+                              <a:latin typeface="Cambria Math" panose="02040503050406030204" pitchFamily="18" charset="0"/>
+                            </a:rPr>
+                            <m:t>𝑇</m:t>
+                          </m:r>
+                        </m:sup>
+                      </m:sSup>
+                      <m:r>
+                        <a:rPr lang="en-US" altLang="zh-CN" b="0" i="1" smtClean="0">
+                          <a:latin typeface="Cambria Math" panose="02040503050406030204" pitchFamily="18" charset="0"/>
+                        </a:rPr>
+                        <m:t>=</m:t>
+                      </m:r>
+                      <m:sSub>
+                        <m:sSubPr>
+                          <m:ctrlPr>
+                            <a:rPr lang="en-US" altLang="zh-CN" i="1">
+                              <a:latin typeface="Cambria Math" panose="02040503050406030204" pitchFamily="18" charset="0"/>
+                            </a:rPr>
+                          </m:ctrlPr>
+                        </m:sSubPr>
+                        <m:e>
+                          <m:r>
+                            <a:rPr lang="zh-CN" altLang="en-US" i="1">
+                              <a:latin typeface="Cambria Math" panose="02040503050406030204" pitchFamily="18" charset="0"/>
+                            </a:rPr>
+                            <m:t>𝛿</m:t>
+                          </m:r>
+                        </m:e>
+                        <m:sub>
+                          <m:r>
+                            <a:rPr lang="en-US" altLang="zh-CN" b="0" i="1" smtClean="0">
+                              <a:latin typeface="Cambria Math" panose="02040503050406030204" pitchFamily="18" charset="0"/>
+                            </a:rPr>
+                            <m:t>2</m:t>
+                          </m:r>
+                        </m:sub>
+                      </m:sSub>
+                      <m:sSubSup>
+                        <m:sSubSupPr>
+                          <m:ctrlPr>
+                            <a:rPr lang="en-US" altLang="zh-CN" i="1">
+                              <a:latin typeface="Cambria Math" panose="02040503050406030204" pitchFamily="18" charset="0"/>
+                            </a:rPr>
+                          </m:ctrlPr>
+                        </m:sSubSupPr>
+                        <m:e>
+                          <m:r>
+                            <a:rPr lang="zh-CN" altLang="en-US" i="1">
+                              <a:latin typeface="Cambria Math" panose="02040503050406030204" pitchFamily="18" charset="0"/>
+                            </a:rPr>
+                            <m:t>𝛿</m:t>
+                          </m:r>
+                        </m:e>
+                        <m:sub>
+                          <m:r>
+                            <a:rPr lang="en-US" altLang="zh-CN" b="0" i="1" smtClean="0">
+                              <a:latin typeface="Cambria Math" panose="02040503050406030204" pitchFamily="18" charset="0"/>
+                            </a:rPr>
+                            <m:t>1</m:t>
+                          </m:r>
+                        </m:sub>
+                        <m:sup>
+                          <m:r>
+                            <a:rPr lang="en-US" altLang="zh-CN" i="1">
+                              <a:latin typeface="Cambria Math" panose="02040503050406030204" pitchFamily="18" charset="0"/>
+                            </a:rPr>
+                            <m:t>𝑇</m:t>
+                          </m:r>
+                        </m:sup>
+                      </m:sSubSup>
+                    </m:oMath>
+                  </m:oMathPara>
+                </a14:m>
+                <a:endParaRPr lang="zh-CN" altLang="en-US" dirty="0"/>
+              </a:p>
+            </p:txBody>
+          </p:sp>
+        </mc:Choice>
+        <mc:Fallback>
+          <p:sp>
+            <p:nvSpPr>
+              <p:cNvPr id="7" name="文本框 6">
+                <a:extLst>
+                  <a:ext uri="{FF2B5EF4-FFF2-40B4-BE49-F238E27FC236}">
+                    <a16:creationId xmlns:a16="http://schemas.microsoft.com/office/drawing/2014/main" id="{63F60693-E322-0B6F-6F9F-1EB8134C2737}"/>
+                  </a:ext>
+                </a:extLst>
+              </p:cNvPr>
+              <p:cNvSpPr txBox="1">
+                <a:spLocks noRot="1" noChangeAspect="1" noMove="1" noResize="1" noEditPoints="1" noAdjustHandles="1" noChangeArrowheads="1" noChangeShapeType="1" noTextEdit="1"/>
+              </p:cNvSpPr>
+              <p:nvPr/>
+            </p:nvSpPr>
+            <p:spPr>
+              <a:xfrm>
+                <a:off x="7304924" y="3365953"/>
+                <a:ext cx="3700950" cy="787395"/>
+              </a:xfrm>
+              <a:prstGeom prst="rect">
+                <a:avLst/>
+              </a:prstGeom>
+              <a:blipFill>
+                <a:blip r:embed="rId5"/>
+                <a:stretch>
+                  <a:fillRect/>
+                </a:stretch>
+              </a:blipFill>
+            </p:spPr>
+            <p:txBody>
+              <a:bodyPr/>
+              <a:lstStyle/>
+              <a:p>
+                <a:r>
+                  <a:rPr lang="zh-CN" altLang="en-US">
+                    <a:noFill/>
+                  </a:rPr>
+                  <a:t> </a:t>
+                </a:r>
+              </a:p>
+            </p:txBody>
+          </p:sp>
+        </mc:Fallback>
+      </mc:AlternateContent>
+      <mc:AlternateContent xmlns:mc="http://schemas.openxmlformats.org/markup-compatibility/2006">
+        <mc:Choice xmlns:a14="http://schemas.microsoft.com/office/drawing/2010/main" Requires="a14">
+          <p:sp>
+            <p:nvSpPr>
+              <p:cNvPr id="8" name="文本框 7">
+                <a:extLst>
+                  <a:ext uri="{FF2B5EF4-FFF2-40B4-BE49-F238E27FC236}">
+                    <a16:creationId xmlns:a16="http://schemas.microsoft.com/office/drawing/2014/main" id="{FE21A1F6-781E-A1D4-A5E6-18F879AA60BA}"/>
+                  </a:ext>
+                </a:extLst>
+              </p:cNvPr>
+              <p:cNvSpPr txBox="1"/>
+              <p:nvPr/>
+            </p:nvSpPr>
+            <p:spPr>
+              <a:xfrm>
+                <a:off x="990600" y="6464300"/>
+                <a:ext cx="5087739" cy="371448"/>
+              </a:xfrm>
+              <a:prstGeom prst="rect">
+                <a:avLst/>
+              </a:prstGeom>
+              <a:noFill/>
+            </p:spPr>
+            <p:txBody>
+              <a:bodyPr wrap="none" rtlCol="0">
+                <a:spAutoFit/>
+              </a:bodyPr>
+              <a:lstStyle/>
+              <a:p>
+                <a:r>
+                  <a:rPr lang="en-US" altLang="zh-CN" sz="1400" dirty="0"/>
+                  <a:t>Note (matrix contraction): </a:t>
+                </a:r>
+                <a14:m>
+                  <m:oMath xmlns:m="http://schemas.openxmlformats.org/officeDocument/2006/math">
+                    <m:r>
+                      <a:rPr lang="en-US" altLang="zh-CN" sz="1400" b="0" i="1" smtClean="0">
+                        <a:latin typeface="Cambria Math" panose="02040503050406030204" pitchFamily="18" charset="0"/>
+                      </a:rPr>
+                      <m:t>𝐵</m:t>
+                    </m:r>
+                    <m:r>
+                      <a:rPr lang="en-US" altLang="zh-CN" sz="1400" b="0" i="1" smtClean="0">
+                        <a:latin typeface="Cambria Math" panose="02040503050406030204" pitchFamily="18" charset="0"/>
+                      </a:rPr>
+                      <m:t>:</m:t>
+                    </m:r>
+                    <m:r>
+                      <a:rPr lang="en-US" altLang="zh-CN" sz="1400" b="0" i="1" smtClean="0">
+                        <a:latin typeface="Cambria Math" panose="02040503050406030204" pitchFamily="18" charset="0"/>
+                      </a:rPr>
+                      <m:t>𝐴</m:t>
+                    </m:r>
+                    <m:r>
+                      <a:rPr lang="en-US" altLang="zh-CN" sz="1400" b="0" i="1" smtClean="0">
+                        <a:latin typeface="Cambria Math" panose="02040503050406030204" pitchFamily="18" charset="0"/>
+                      </a:rPr>
+                      <m:t>=</m:t>
+                    </m:r>
+                    <m:r>
+                      <a:rPr lang="en-US" altLang="zh-CN" sz="1400" b="0" i="1" smtClean="0">
+                        <a:latin typeface="Cambria Math" panose="02040503050406030204" pitchFamily="18" charset="0"/>
+                      </a:rPr>
+                      <m:t>𝐴</m:t>
+                    </m:r>
+                    <m:r>
+                      <a:rPr lang="en-US" altLang="zh-CN" sz="1400" b="0" i="1" smtClean="0">
+                        <a:latin typeface="Cambria Math" panose="02040503050406030204" pitchFamily="18" charset="0"/>
+                      </a:rPr>
+                      <m:t>:</m:t>
+                    </m:r>
+                    <m:r>
+                      <a:rPr lang="en-US" altLang="zh-CN" sz="1400" b="0" i="1" smtClean="0">
+                        <a:latin typeface="Cambria Math" panose="02040503050406030204" pitchFamily="18" charset="0"/>
+                      </a:rPr>
+                      <m:t>𝐵</m:t>
+                    </m:r>
+                    <m:r>
+                      <a:rPr lang="en-US" altLang="zh-CN" sz="1400" b="0" i="1" smtClean="0">
+                        <a:latin typeface="Cambria Math" panose="02040503050406030204" pitchFamily="18" charset="0"/>
+                      </a:rPr>
+                      <m:t>=</m:t>
+                    </m:r>
+                    <m:nary>
+                      <m:naryPr>
+                        <m:chr m:val="∑"/>
+                        <m:supHide m:val="on"/>
+                        <m:ctrlPr>
+                          <a:rPr lang="en-US" altLang="zh-CN" sz="1400" b="0" i="1" smtClean="0">
+                            <a:latin typeface="Cambria Math" panose="02040503050406030204" pitchFamily="18" charset="0"/>
+                          </a:rPr>
+                        </m:ctrlPr>
+                      </m:naryPr>
+                      <m:sub>
+                        <m:r>
+                          <a:rPr lang="en-US" altLang="zh-CN" sz="1400" b="0" i="1" smtClean="0">
+                            <a:latin typeface="Cambria Math" panose="02040503050406030204" pitchFamily="18" charset="0"/>
+                          </a:rPr>
+                          <m:t>𝑖</m:t>
+                        </m:r>
+                        <m:r>
+                          <a:rPr lang="en-US" altLang="zh-CN" sz="1400" b="0" i="1" smtClean="0">
+                            <a:latin typeface="Cambria Math" panose="02040503050406030204" pitchFamily="18" charset="0"/>
+                          </a:rPr>
+                          <m:t>,</m:t>
+                        </m:r>
+                        <m:r>
+                          <a:rPr lang="en-US" altLang="zh-CN" sz="1400" b="0" i="1" smtClean="0">
+                            <a:latin typeface="Cambria Math" panose="02040503050406030204" pitchFamily="18" charset="0"/>
+                          </a:rPr>
+                          <m:t>𝑗</m:t>
+                        </m:r>
+                      </m:sub>
+                      <m:sup/>
+                      <m:e>
+                        <m:sSub>
+                          <m:sSubPr>
+                            <m:ctrlPr>
+                              <a:rPr lang="en-US" altLang="zh-CN" sz="1400" b="0" i="1" smtClean="0">
+                                <a:latin typeface="Cambria Math" panose="02040503050406030204" pitchFamily="18" charset="0"/>
+                              </a:rPr>
+                            </m:ctrlPr>
+                          </m:sSubPr>
+                          <m:e>
+                            <m:r>
+                              <a:rPr lang="en-US" altLang="zh-CN" sz="1400" b="0" i="1" smtClean="0">
+                                <a:latin typeface="Cambria Math" panose="02040503050406030204" pitchFamily="18" charset="0"/>
+                              </a:rPr>
+                              <m:t>𝐴</m:t>
+                            </m:r>
+                          </m:e>
+                          <m:sub>
+                            <m:r>
+                              <a:rPr lang="en-US" altLang="zh-CN" sz="1400" b="0" i="1" smtClean="0">
+                                <a:latin typeface="Cambria Math" panose="02040503050406030204" pitchFamily="18" charset="0"/>
+                              </a:rPr>
+                              <m:t>𝑖𝑗</m:t>
+                            </m:r>
+                          </m:sub>
+                        </m:sSub>
+                        <m:sSub>
+                          <m:sSubPr>
+                            <m:ctrlPr>
+                              <a:rPr lang="en-US" altLang="zh-CN" sz="1400" b="0" i="1" smtClean="0">
+                                <a:latin typeface="Cambria Math" panose="02040503050406030204" pitchFamily="18" charset="0"/>
+                              </a:rPr>
+                            </m:ctrlPr>
+                          </m:sSubPr>
+                          <m:e>
+                            <m:r>
+                              <a:rPr lang="en-US" altLang="zh-CN" sz="1400" b="0" i="1" smtClean="0">
+                                <a:latin typeface="Cambria Math" panose="02040503050406030204" pitchFamily="18" charset="0"/>
+                              </a:rPr>
+                              <m:t>𝐵</m:t>
+                            </m:r>
+                          </m:e>
+                          <m:sub>
+                            <m:r>
+                              <a:rPr lang="en-US" altLang="zh-CN" sz="1400" b="0" i="1" smtClean="0">
+                                <a:latin typeface="Cambria Math" panose="02040503050406030204" pitchFamily="18" charset="0"/>
+                              </a:rPr>
+                              <m:t>𝑖𝑗</m:t>
+                            </m:r>
+                          </m:sub>
+                        </m:sSub>
+                      </m:e>
+                    </m:nary>
+                    <m:r>
+                      <a:rPr lang="en-US" altLang="zh-CN" sz="1400" b="0" i="1" smtClean="0">
+                        <a:latin typeface="Cambria Math" panose="02040503050406030204" pitchFamily="18" charset="0"/>
+                      </a:rPr>
+                      <m:t>=</m:t>
+                    </m:r>
+                    <m:rad>
+                      <m:radPr>
+                        <m:degHide m:val="on"/>
+                        <m:ctrlPr>
+                          <a:rPr lang="en-US" altLang="zh-CN" sz="1400" b="0" i="1" smtClean="0">
+                            <a:latin typeface="Cambria Math" panose="02040503050406030204" pitchFamily="18" charset="0"/>
+                          </a:rPr>
+                        </m:ctrlPr>
+                      </m:radPr>
+                      <m:deg/>
+                      <m:e>
+                        <m:r>
+                          <a:rPr lang="en-US" altLang="zh-CN" sz="1400" b="0" i="1" smtClean="0">
+                            <a:latin typeface="Cambria Math" panose="02040503050406030204" pitchFamily="18" charset="0"/>
+                          </a:rPr>
+                          <m:t>𝑡𝑟</m:t>
+                        </m:r>
+                        <m:r>
+                          <a:rPr lang="en-US" altLang="zh-CN" sz="1400" b="0" i="1" smtClean="0">
+                            <a:latin typeface="Cambria Math" panose="02040503050406030204" pitchFamily="18" charset="0"/>
+                          </a:rPr>
+                          <m:t>(</m:t>
+                        </m:r>
+                        <m:sSup>
+                          <m:sSupPr>
+                            <m:ctrlPr>
+                              <a:rPr lang="en-US" altLang="zh-CN" sz="1400" b="0" i="1" smtClean="0">
+                                <a:latin typeface="Cambria Math" panose="02040503050406030204" pitchFamily="18" charset="0"/>
+                              </a:rPr>
+                            </m:ctrlPr>
+                          </m:sSupPr>
+                          <m:e>
+                            <m:r>
+                              <a:rPr lang="en-US" altLang="zh-CN" sz="1400" b="0" i="1" smtClean="0">
+                                <a:latin typeface="Cambria Math" panose="02040503050406030204" pitchFamily="18" charset="0"/>
+                              </a:rPr>
+                              <m:t>𝐴</m:t>
+                            </m:r>
+                          </m:e>
+                          <m:sup>
+                            <m:r>
+                              <a:rPr lang="en-US" altLang="zh-CN" sz="1400" b="0" i="1" smtClean="0">
+                                <a:latin typeface="Cambria Math" panose="02040503050406030204" pitchFamily="18" charset="0"/>
+                              </a:rPr>
+                              <m:t>𝑇</m:t>
+                            </m:r>
+                          </m:sup>
+                        </m:sSup>
+                        <m:r>
+                          <a:rPr lang="en-US" altLang="zh-CN" sz="1400" b="0" i="1" smtClean="0">
+                            <a:latin typeface="Cambria Math" panose="02040503050406030204" pitchFamily="18" charset="0"/>
+                          </a:rPr>
+                          <m:t>𝐵</m:t>
+                        </m:r>
+                        <m:r>
+                          <a:rPr lang="en-US" altLang="zh-CN" sz="1400" b="0" i="1" smtClean="0">
+                            <a:latin typeface="Cambria Math" panose="02040503050406030204" pitchFamily="18" charset="0"/>
+                          </a:rPr>
+                          <m:t>)</m:t>
+                        </m:r>
+                      </m:e>
+                    </m:rad>
+                  </m:oMath>
+                </a14:m>
+                <a:endParaRPr lang="zh-CN" altLang="en-US" sz="1400" dirty="0"/>
+              </a:p>
+            </p:txBody>
+          </p:sp>
+        </mc:Choice>
+        <mc:Fallback>
+          <p:sp>
+            <p:nvSpPr>
+              <p:cNvPr id="8" name="文本框 7">
+                <a:extLst>
+                  <a:ext uri="{FF2B5EF4-FFF2-40B4-BE49-F238E27FC236}">
+                    <a16:creationId xmlns:a16="http://schemas.microsoft.com/office/drawing/2014/main" id="{FE21A1F6-781E-A1D4-A5E6-18F879AA60BA}"/>
+                  </a:ext>
+                </a:extLst>
+              </p:cNvPr>
+              <p:cNvSpPr txBox="1">
+                <a:spLocks noRot="1" noChangeAspect="1" noMove="1" noResize="1" noEditPoints="1" noAdjustHandles="1" noChangeArrowheads="1" noChangeShapeType="1" noTextEdit="1"/>
+              </p:cNvSpPr>
+              <p:nvPr/>
+            </p:nvSpPr>
+            <p:spPr>
+              <a:xfrm>
+                <a:off x="990600" y="6464300"/>
+                <a:ext cx="5087739" cy="371448"/>
+              </a:xfrm>
+              <a:prstGeom prst="rect">
+                <a:avLst/>
+              </a:prstGeom>
+              <a:blipFill>
+                <a:blip r:embed="rId6"/>
+                <a:stretch>
+                  <a:fillRect l="-360" t="-73770" b="-126230"/>
+                </a:stretch>
+              </a:blipFill>
+            </p:spPr>
+            <p:txBody>
+              <a:bodyPr/>
+              <a:lstStyle/>
+              <a:p>
+                <a:r>
+                  <a:rPr lang="zh-CN" altLang="en-US">
+                    <a:noFill/>
+                  </a:rPr>
+                  <a:t> </a:t>
+                </a:r>
+              </a:p>
+            </p:txBody>
+          </p:sp>
+        </mc:Fallback>
+      </mc:AlternateContent>
+      <p:sp>
+        <p:nvSpPr>
+          <p:cNvPr id="9" name="文本框 8">
+            <a:extLst>
+              <a:ext uri="{FF2B5EF4-FFF2-40B4-BE49-F238E27FC236}">
+                <a16:creationId xmlns:a16="http://schemas.microsoft.com/office/drawing/2014/main" id="{986992AD-C822-4F5C-EAA0-E53CE47B53D7}"/>
+              </a:ext>
+            </a:extLst>
+          </p:cNvPr>
+          <p:cNvSpPr txBox="1"/>
+          <p:nvPr/>
+        </p:nvSpPr>
+        <p:spPr>
+          <a:xfrm>
+            <a:off x="7029656" y="5528951"/>
+            <a:ext cx="4251485" cy="584775"/>
+          </a:xfrm>
+          <a:prstGeom prst="rect">
+            <a:avLst/>
+          </a:prstGeom>
+          <a:noFill/>
+        </p:spPr>
+        <p:txBody>
+          <a:bodyPr wrap="none" rtlCol="0">
+            <a:spAutoFit/>
+          </a:bodyPr>
+          <a:lstStyle/>
+          <a:p>
+            <a:r>
+              <a:rPr lang="en-US" altLang="zh-CN" sz="1600" dirty="0">
+                <a:solidFill>
+                  <a:schemeClr val="accent2"/>
+                </a:solidFill>
+              </a:rPr>
+              <a:t>The sum of all internal forces in a tetrahedron </a:t>
+            </a:r>
+          </a:p>
+          <a:p>
+            <a:r>
+              <a:rPr lang="en-US" altLang="zh-CN" sz="1600" dirty="0">
+                <a:solidFill>
+                  <a:schemeClr val="accent2"/>
+                </a:solidFill>
+              </a:rPr>
+              <a:t>should be </a:t>
+            </a:r>
+            <a:r>
+              <a:rPr lang="en-US" altLang="zh-CN" sz="1600" b="1" dirty="0">
+                <a:solidFill>
+                  <a:schemeClr val="accent2"/>
+                </a:solidFill>
+              </a:rPr>
+              <a:t>zero</a:t>
+            </a:r>
+            <a:endParaRPr lang="zh-CN" altLang="en-US" sz="1600" b="1" dirty="0">
+              <a:solidFill>
+                <a:schemeClr val="accent2"/>
+              </a:solidFill>
+            </a:endParaRPr>
+          </a:p>
+        </p:txBody>
+      </p:sp>
+    </p:spTree>
+    <p:extLst>
+      <p:ext uri="{BB962C8B-B14F-4D97-AF65-F5344CB8AC3E}">
+        <p14:creationId xmlns:p14="http://schemas.microsoft.com/office/powerpoint/2010/main" val="1796112723"/>
+      </p:ext>
+    </p:extLst>
+  </p:cSld>
+  <p:clrMapOvr>
+    <a:masterClrMapping/>
+  </p:clrMapOvr>
+</p:sld>
+</file>
+
+<file path=ppt/slides/slide18.xml><?xml version="1.0" encoding="utf-8"?>
+<p:sld xmlns:a="http://schemas.openxmlformats.org/drawingml/2006/main" xmlns:r="http://schemas.openxmlformats.org/officeDocument/2006/relationships" xmlns:p="http://schemas.openxmlformats.org/presentationml/2006/main">
+  <p:cSld>
+    <p:spTree>
+      <p:nvGrpSpPr>
+        <p:cNvPr id="1" name=""/>
+        <p:cNvGrpSpPr/>
+        <p:nvPr/>
+      </p:nvGrpSpPr>
+      <p:grpSpPr>
+        <a:xfrm>
+          <a:off x="0" y="0"/>
+          <a:ext cx="0" cy="0"/>
+          <a:chOff x="0" y="0"/>
+          <a:chExt cx="0" cy="0"/>
+        </a:xfrm>
+      </p:grpSpPr>
+      <p:sp>
+        <p:nvSpPr>
+          <p:cNvPr id="4" name="标题 1">
+            <a:extLst>
+              <a:ext uri="{FF2B5EF4-FFF2-40B4-BE49-F238E27FC236}">
+                <a16:creationId xmlns:a16="http://schemas.microsoft.com/office/drawing/2014/main" id="{93724A23-A65B-F4DD-728E-E3A67A8D140F}"/>
+              </a:ext>
+            </a:extLst>
+          </p:cNvPr>
+          <p:cNvSpPr txBox="1">
+            <a:spLocks/>
+          </p:cNvSpPr>
+          <p:nvPr/>
+        </p:nvSpPr>
+        <p:spPr>
+          <a:xfrm>
+            <a:off x="990600" y="517525"/>
+            <a:ext cx="10515600" cy="1325563"/>
+          </a:xfrm>
+          <a:prstGeom prst="rect">
+            <a:avLst/>
+          </a:prstGeom>
+        </p:spPr>
+        <p:txBody>
+          <a:bodyPr vert="horz" lIns="91440" tIns="45720" rIns="91440" bIns="45720" rtlCol="0" anchor="ctr">
+            <a:normAutofit/>
+          </a:bodyPr>
+          <a:lstStyle>
+            <a:lvl1pPr algn="l" defTabSz="914400" rtl="0" eaLnBrk="1" latinLnBrk="0" hangingPunct="1">
+              <a:lnSpc>
+                <a:spcPct val="90000"/>
+              </a:lnSpc>
+              <a:spcBef>
+                <a:spcPct val="0"/>
+              </a:spcBef>
+              <a:buNone/>
+              <a:defRPr sz="4400" kern="1200">
+                <a:solidFill>
+                  <a:schemeClr val="tx1"/>
+                </a:solidFill>
+                <a:latin typeface="+mj-lt"/>
+                <a:ea typeface="+mj-ea"/>
+                <a:cs typeface="+mj-cs"/>
+              </a:defRPr>
+            </a:lvl1pPr>
+          </a:lstStyle>
+          <a:p>
+            <a:r>
+              <a:rPr lang="en-US" altLang="zh-CN" dirty="0">
+                <a:latin typeface="微软雅黑" panose="020B0503020204020204" pitchFamily="34" charset="-122"/>
+                <a:ea typeface="微软雅黑" panose="020B0503020204020204" pitchFamily="34" charset="-122"/>
+              </a:rPr>
+              <a:t>Linear finite element method (FEM)</a:t>
+            </a:r>
+            <a:endParaRPr lang="zh-CN" altLang="en-US" dirty="0">
+              <a:latin typeface="微软雅黑" panose="020B0503020204020204" pitchFamily="34" charset="-122"/>
+              <a:ea typeface="微软雅黑" panose="020B0503020204020204" pitchFamily="34" charset="-122"/>
+            </a:endParaRPr>
+          </a:p>
+        </p:txBody>
+      </p:sp>
+      <mc:AlternateContent xmlns:mc="http://schemas.openxmlformats.org/markup-compatibility/2006">
+        <mc:Choice xmlns:a14="http://schemas.microsoft.com/office/drawing/2010/main" Requires="a14">
+          <p:sp>
+            <p:nvSpPr>
+              <p:cNvPr id="11" name="内容占位符 2">
+                <a:extLst>
+                  <a:ext uri="{FF2B5EF4-FFF2-40B4-BE49-F238E27FC236}">
+                    <a16:creationId xmlns:a16="http://schemas.microsoft.com/office/drawing/2014/main" id="{E448935A-FCFB-F1B4-7D67-A633CE965A3D}"/>
+                  </a:ext>
+                </a:extLst>
+              </p:cNvPr>
+              <p:cNvSpPr txBox="1">
+                <a:spLocks/>
+              </p:cNvSpPr>
+              <p:nvPr/>
+            </p:nvSpPr>
+            <p:spPr>
+              <a:xfrm>
+                <a:off x="990600" y="1978025"/>
+                <a:ext cx="10515600" cy="4351338"/>
+              </a:xfrm>
+              <a:prstGeom prst="rect">
+                <a:avLst/>
+              </a:prstGeom>
+            </p:spPr>
+            <p:txBody>
+              <a:bodyPr vert="horz" lIns="91440" tIns="45720" rIns="91440" bIns="45720" rtlCol="0">
+                <a:normAutofit/>
+              </a:bodyPr>
+              <a:lstStyle>
+                <a:lvl1pPr marL="228600" indent="-228600" algn="l" defTabSz="914400" rtl="0" eaLnBrk="1" latinLnBrk="0" hangingPunct="1">
+                  <a:lnSpc>
+                    <a:spcPct val="90000"/>
+                  </a:lnSpc>
+                  <a:spcBef>
+                    <a:spcPts val="1000"/>
+                  </a:spcBef>
+                  <a:buFont typeface="Arial" panose="020B0604020202020204" pitchFamily="34" charset="0"/>
+                  <a:buChar char="•"/>
+                  <a:defRPr sz="2800" kern="1200">
+                    <a:solidFill>
+                      <a:schemeClr val="tx1"/>
+                    </a:solidFill>
+                    <a:latin typeface="+mn-lt"/>
+                    <a:ea typeface="+mn-ea"/>
+                    <a:cs typeface="+mn-cs"/>
+                  </a:defRPr>
+                </a:lvl1pPr>
+                <a:lvl2pPr marL="685800" indent="-228600" algn="l" defTabSz="914400" rtl="0" eaLnBrk="1" latinLnBrk="0" hangingPunct="1">
+                  <a:lnSpc>
+                    <a:spcPct val="90000"/>
+                  </a:lnSpc>
+                  <a:spcBef>
+                    <a:spcPts val="500"/>
+                  </a:spcBef>
+                  <a:buFont typeface="Arial" panose="020B0604020202020204" pitchFamily="34" charset="0"/>
+                  <a:buChar char="•"/>
+                  <a:defRPr sz="2400" kern="1200">
+                    <a:solidFill>
+                      <a:schemeClr val="tx1"/>
+                    </a:solidFill>
+                    <a:latin typeface="+mn-lt"/>
+                    <a:ea typeface="+mn-ea"/>
+                    <a:cs typeface="+mn-cs"/>
+                  </a:defRPr>
+                </a:lvl2pPr>
+                <a:lvl3pPr marL="1143000" indent="-228600" algn="l" defTabSz="914400" rtl="0" eaLnBrk="1" latinLnBrk="0" hangingPunct="1">
+                  <a:lnSpc>
+                    <a:spcPct val="90000"/>
+                  </a:lnSpc>
+                  <a:spcBef>
+                    <a:spcPts val="500"/>
+                  </a:spcBef>
+                  <a:buFont typeface="Arial" panose="020B0604020202020204" pitchFamily="34" charset="0"/>
+                  <a:buChar char="•"/>
+                  <a:defRPr sz="2000" kern="1200">
+                    <a:solidFill>
+                      <a:schemeClr val="tx1"/>
+                    </a:solidFill>
+                    <a:latin typeface="+mn-lt"/>
+                    <a:ea typeface="+mn-ea"/>
+                    <a:cs typeface="+mn-cs"/>
+                  </a:defRPr>
+                </a:lvl3pPr>
+                <a:lvl4pPr marL="1600200" indent="-228600" algn="l" defTabSz="914400" rtl="0" eaLnBrk="1" latinLnBrk="0" hangingPunct="1">
+                  <a:lnSpc>
+                    <a:spcPct val="90000"/>
+                  </a:lnSpc>
+                  <a:spcBef>
+                    <a:spcPts val="500"/>
+                  </a:spcBef>
+                  <a:buFont typeface="Arial" panose="020B0604020202020204" pitchFamily="34" charset="0"/>
+                  <a:buChar char="•"/>
+                  <a:defRPr sz="1800" kern="1200">
+                    <a:solidFill>
+                      <a:schemeClr val="tx1"/>
+                    </a:solidFill>
+                    <a:latin typeface="+mn-lt"/>
+                    <a:ea typeface="+mn-ea"/>
+                    <a:cs typeface="+mn-cs"/>
+                  </a:defRPr>
+                </a:lvl4pPr>
+                <a:lvl5pPr marL="2057400" indent="-228600" algn="l" defTabSz="914400" rtl="0" eaLnBrk="1" latinLnBrk="0" hangingPunct="1">
+                  <a:lnSpc>
+                    <a:spcPct val="90000"/>
+                  </a:lnSpc>
+                  <a:spcBef>
+                    <a:spcPts val="500"/>
+                  </a:spcBef>
+                  <a:buFont typeface="Arial" panose="020B0604020202020204" pitchFamily="34" charset="0"/>
+                  <a:buChar char="•"/>
+                  <a:defRPr sz="1800" kern="1200">
+                    <a:solidFill>
+                      <a:schemeClr val="tx1"/>
+                    </a:solidFill>
+                    <a:latin typeface="+mn-lt"/>
+                    <a:ea typeface="+mn-ea"/>
+                    <a:cs typeface="+mn-cs"/>
+                  </a:defRPr>
+                </a:lvl5pPr>
+                <a:lvl6pPr marL="2514600" indent="-228600" algn="l" defTabSz="914400" rtl="0" eaLnBrk="1" latinLnBrk="0" hangingPunct="1">
+                  <a:lnSpc>
+                    <a:spcPct val="90000"/>
+                  </a:lnSpc>
+                  <a:spcBef>
+                    <a:spcPts val="500"/>
+                  </a:spcBef>
+                  <a:buFont typeface="Arial" panose="020B0604020202020204" pitchFamily="34" charset="0"/>
+                  <a:buChar char="•"/>
+                  <a:defRPr sz="1800" kern="1200">
+                    <a:solidFill>
+                      <a:schemeClr val="tx1"/>
+                    </a:solidFill>
+                    <a:latin typeface="+mn-lt"/>
+                    <a:ea typeface="+mn-ea"/>
+                    <a:cs typeface="+mn-cs"/>
+                  </a:defRPr>
+                </a:lvl6pPr>
+                <a:lvl7pPr marL="2971800" indent="-228600" algn="l" defTabSz="914400" rtl="0" eaLnBrk="1" latinLnBrk="0" hangingPunct="1">
+                  <a:lnSpc>
+                    <a:spcPct val="90000"/>
+                  </a:lnSpc>
+                  <a:spcBef>
+                    <a:spcPts val="500"/>
+                  </a:spcBef>
+                  <a:buFont typeface="Arial" panose="020B0604020202020204" pitchFamily="34" charset="0"/>
+                  <a:buChar char="•"/>
+                  <a:defRPr sz="1800" kern="1200">
+                    <a:solidFill>
+                      <a:schemeClr val="tx1"/>
+                    </a:solidFill>
+                    <a:latin typeface="+mn-lt"/>
+                    <a:ea typeface="+mn-ea"/>
+                    <a:cs typeface="+mn-cs"/>
+                  </a:defRPr>
+                </a:lvl7pPr>
+                <a:lvl8pPr marL="3429000" indent="-228600" algn="l" defTabSz="914400" rtl="0" eaLnBrk="1" latinLnBrk="0" hangingPunct="1">
+                  <a:lnSpc>
+                    <a:spcPct val="90000"/>
+                  </a:lnSpc>
+                  <a:spcBef>
+                    <a:spcPts val="500"/>
+                  </a:spcBef>
+                  <a:buFont typeface="Arial" panose="020B0604020202020204" pitchFamily="34" charset="0"/>
+                  <a:buChar char="•"/>
+                  <a:defRPr sz="1800" kern="1200">
+                    <a:solidFill>
+                      <a:schemeClr val="tx1"/>
+                    </a:solidFill>
+                    <a:latin typeface="+mn-lt"/>
+                    <a:ea typeface="+mn-ea"/>
+                    <a:cs typeface="+mn-cs"/>
+                  </a:defRPr>
+                </a:lvl8pPr>
+                <a:lvl9pPr marL="3886200" indent="-228600" algn="l" defTabSz="914400" rtl="0" eaLnBrk="1" latinLnBrk="0" hangingPunct="1">
+                  <a:lnSpc>
+                    <a:spcPct val="90000"/>
+                  </a:lnSpc>
+                  <a:spcBef>
+                    <a:spcPts val="500"/>
+                  </a:spcBef>
+                  <a:buFont typeface="Arial" panose="020B0604020202020204" pitchFamily="34" charset="0"/>
+                  <a:buChar char="•"/>
+                  <a:defRPr sz="1800" kern="1200">
+                    <a:solidFill>
+                      <a:schemeClr val="tx1"/>
+                    </a:solidFill>
+                    <a:latin typeface="+mn-lt"/>
+                    <a:ea typeface="+mn-ea"/>
+                    <a:cs typeface="+mn-cs"/>
+                  </a:defRPr>
+                </a:lvl9pPr>
+              </a:lstStyle>
+              <a:p>
+                <a:r>
+                  <a:rPr lang="en-US" altLang="zh-CN" sz="2400" dirty="0"/>
+                  <a:t>Now we get the internal (elastic) force in a tetrahedron, while a particle often exists in multiple tetrahedra.</a:t>
+                </a:r>
+              </a:p>
+              <a:p>
+                <a:r>
+                  <a:rPr lang="en-US" altLang="zh-CN" sz="2400" dirty="0"/>
+                  <a:t>At each time step, execute:</a:t>
+                </a:r>
+              </a:p>
+              <a:p>
+                <a:pPr lvl="1"/>
+                <a14:m>
+                  <m:oMath xmlns:m="http://schemas.openxmlformats.org/officeDocument/2006/math">
+                    <m:r>
+                      <a:rPr lang="en-US" altLang="zh-CN" sz="2000" b="1" i="1" smtClean="0">
+                        <a:latin typeface="Cambria Math" panose="02040503050406030204" pitchFamily="18" charset="0"/>
+                      </a:rPr>
+                      <m:t>𝒇</m:t>
+                    </m:r>
+                    <m:r>
+                      <a:rPr lang="en-US" altLang="zh-CN" sz="2000" b="0" i="1" smtClean="0">
+                        <a:latin typeface="Cambria Math" panose="02040503050406030204" pitchFamily="18" charset="0"/>
+                        <a:ea typeface="Cambria Math" panose="02040503050406030204" pitchFamily="18" charset="0"/>
+                      </a:rPr>
+                      <m:t>←</m:t>
+                    </m:r>
+                    <m:r>
+                      <a:rPr lang="en-US" altLang="zh-CN" sz="2000" b="1" i="1" smtClean="0">
+                        <a:latin typeface="Cambria Math" panose="02040503050406030204" pitchFamily="18" charset="0"/>
+                        <a:ea typeface="Cambria Math" panose="02040503050406030204" pitchFamily="18" charset="0"/>
+                      </a:rPr>
+                      <m:t>𝟎</m:t>
+                    </m:r>
+                  </m:oMath>
+                </a14:m>
+                <a:endParaRPr lang="en-US" altLang="zh-CN" sz="2000" b="1" dirty="0">
+                  <a:ea typeface="Cambria Math" panose="02040503050406030204" pitchFamily="18" charset="0"/>
+                </a:endParaRPr>
+              </a:p>
+              <a:p>
+                <a:pPr lvl="1"/>
+                <a:r>
+                  <a:rPr lang="en-US" altLang="zh-CN" sz="2000" dirty="0"/>
+                  <a:t>For e-</a:t>
+                </a:r>
+                <a:r>
+                  <a:rPr lang="en-US" altLang="zh-CN" sz="2000" dirty="0" err="1"/>
+                  <a:t>th</a:t>
+                </a:r>
+                <a:r>
+                  <a:rPr lang="en-US" altLang="zh-CN" sz="2000" dirty="0"/>
+                  <a:t> tetrahedron:</a:t>
+                </a:r>
+              </a:p>
+              <a:p>
+                <a:pPr lvl="2"/>
+                <a14:m>
+                  <m:oMath xmlns:m="http://schemas.openxmlformats.org/officeDocument/2006/math">
+                    <m:sSub>
+                      <m:sSubPr>
+                        <m:ctrlPr>
+                          <a:rPr lang="en-US" altLang="zh-CN" sz="1600" b="0" i="1" smtClean="0">
+                            <a:latin typeface="Cambria Math" panose="02040503050406030204" pitchFamily="18" charset="0"/>
+                          </a:rPr>
+                        </m:ctrlPr>
+                      </m:sSubPr>
+                      <m:e>
+                        <m:r>
+                          <a:rPr lang="en-US" altLang="zh-CN" sz="1600" b="0" i="1" smtClean="0">
+                            <a:latin typeface="Cambria Math" panose="02040503050406030204" pitchFamily="18" charset="0"/>
+                          </a:rPr>
+                          <m:t>𝐷</m:t>
+                        </m:r>
+                      </m:e>
+                      <m:sub>
+                        <m:r>
+                          <a:rPr lang="en-US" altLang="zh-CN" sz="1600" b="0" i="1" smtClean="0">
+                            <a:latin typeface="Cambria Math" panose="02040503050406030204" pitchFamily="18" charset="0"/>
+                          </a:rPr>
+                          <m:t>𝑠</m:t>
+                        </m:r>
+                      </m:sub>
+                    </m:sSub>
+                    <m:r>
+                      <a:rPr lang="en-US" altLang="zh-CN" sz="1600" b="0" i="1" smtClean="0">
+                        <a:latin typeface="Cambria Math" panose="02040503050406030204" pitchFamily="18" charset="0"/>
+                      </a:rPr>
+                      <m:t>=</m:t>
+                    </m:r>
+                    <m:d>
+                      <m:dPr>
+                        <m:begChr m:val="["/>
+                        <m:endChr m:val="]"/>
+                        <m:ctrlPr>
+                          <a:rPr lang="en-US" altLang="zh-CN" sz="1600" i="1">
+                            <a:latin typeface="Cambria Math" panose="02040503050406030204" pitchFamily="18" charset="0"/>
+                          </a:rPr>
+                        </m:ctrlPr>
+                      </m:dPr>
+                      <m:e>
+                        <m:m>
+                          <m:mPr>
+                            <m:mcs>
+                              <m:mc>
+                                <m:mcPr>
+                                  <m:count m:val="3"/>
+                                  <m:mcJc m:val="center"/>
+                                </m:mcPr>
+                              </m:mc>
+                            </m:mcs>
+                            <m:ctrlPr>
+                              <a:rPr lang="en-US" altLang="zh-CN" sz="1600" i="1">
+                                <a:latin typeface="Cambria Math" panose="02040503050406030204" pitchFamily="18" charset="0"/>
+                              </a:rPr>
+                            </m:ctrlPr>
+                          </m:mPr>
+                          <m:mr>
+                            <m:e>
+                              <m:sSub>
+                                <m:sSubPr>
+                                  <m:ctrlPr>
+                                    <a:rPr lang="en-US" altLang="zh-CN" sz="1600" i="1">
+                                      <a:latin typeface="Cambria Math" panose="02040503050406030204" pitchFamily="18" charset="0"/>
+                                    </a:rPr>
+                                  </m:ctrlPr>
+                                </m:sSubPr>
+                                <m:e>
+                                  <m:r>
+                                    <m:rPr>
+                                      <m:brk m:alnAt="7"/>
+                                    </m:rPr>
+                                    <a:rPr lang="en-US" altLang="zh-CN" sz="1600" i="1">
+                                      <a:latin typeface="Cambria Math" panose="02040503050406030204" pitchFamily="18" charset="0"/>
+                                    </a:rPr>
+                                    <m:t>𝑥</m:t>
+                                  </m:r>
+                                </m:e>
+                                <m:sub>
+                                  <m:r>
+                                    <m:rPr>
+                                      <m:brk m:alnAt="7"/>
+                                    </m:rPr>
+                                    <a:rPr lang="en-US" altLang="zh-CN" sz="1600" i="1">
+                                      <a:latin typeface="Cambria Math" panose="02040503050406030204" pitchFamily="18" charset="0"/>
+                                    </a:rPr>
+                                    <m:t>1</m:t>
+                                  </m:r>
+                                </m:sub>
+                              </m:sSub>
+                              <m:r>
+                                <m:rPr>
+                                  <m:brk m:alnAt="7"/>
+                                </m:rPr>
+                                <a:rPr lang="en-US" altLang="zh-CN" sz="1600" i="1">
+                                  <a:latin typeface="Cambria Math" panose="02040503050406030204" pitchFamily="18" charset="0"/>
+                                </a:rPr>
+                                <m:t>−</m:t>
+                              </m:r>
+                              <m:sSub>
+                                <m:sSubPr>
+                                  <m:ctrlPr>
+                                    <a:rPr lang="en-US" altLang="zh-CN" sz="1600" i="1">
+                                      <a:latin typeface="Cambria Math" panose="02040503050406030204" pitchFamily="18" charset="0"/>
+                                    </a:rPr>
+                                  </m:ctrlPr>
+                                </m:sSubPr>
+                                <m:e>
+                                  <m:r>
+                                    <m:rPr>
+                                      <m:brk m:alnAt="7"/>
+                                    </m:rPr>
+                                    <a:rPr lang="en-US" altLang="zh-CN" sz="1600" i="1">
+                                      <a:latin typeface="Cambria Math" panose="02040503050406030204" pitchFamily="18" charset="0"/>
+                                    </a:rPr>
+                                    <m:t>𝑥</m:t>
+                                  </m:r>
+                                </m:e>
+                                <m:sub>
+                                  <m:r>
+                                    <a:rPr lang="en-US" altLang="zh-CN" sz="1600" i="1">
+                                      <a:latin typeface="Cambria Math" panose="02040503050406030204" pitchFamily="18" charset="0"/>
+                                    </a:rPr>
+                                    <m:t>4</m:t>
+                                  </m:r>
+                                </m:sub>
+                              </m:sSub>
+                            </m:e>
+                            <m:e>
+                              <m:sSub>
+                                <m:sSubPr>
+                                  <m:ctrlPr>
+                                    <a:rPr lang="en-US" altLang="zh-CN" sz="1600" i="1">
+                                      <a:latin typeface="Cambria Math" panose="02040503050406030204" pitchFamily="18" charset="0"/>
+                                    </a:rPr>
+                                  </m:ctrlPr>
+                                </m:sSubPr>
+                                <m:e>
+                                  <m:r>
+                                    <a:rPr lang="en-US" altLang="zh-CN" sz="1600" i="1">
+                                      <a:latin typeface="Cambria Math" panose="02040503050406030204" pitchFamily="18" charset="0"/>
+                                    </a:rPr>
+                                    <m:t>𝑥</m:t>
+                                  </m:r>
+                                </m:e>
+                                <m:sub>
+                                  <m:r>
+                                    <a:rPr lang="en-US" altLang="zh-CN" sz="1600" i="1">
+                                      <a:latin typeface="Cambria Math" panose="02040503050406030204" pitchFamily="18" charset="0"/>
+                                    </a:rPr>
+                                    <m:t>2</m:t>
+                                  </m:r>
+                                </m:sub>
+                              </m:sSub>
+                              <m:r>
+                                <a:rPr lang="en-US" altLang="zh-CN" sz="1600" i="1">
+                                  <a:latin typeface="Cambria Math" panose="02040503050406030204" pitchFamily="18" charset="0"/>
+                                </a:rPr>
+                                <m:t>−</m:t>
+                              </m:r>
+                              <m:sSub>
+                                <m:sSubPr>
+                                  <m:ctrlPr>
+                                    <a:rPr lang="en-US" altLang="zh-CN" sz="1600" i="1">
+                                      <a:latin typeface="Cambria Math" panose="02040503050406030204" pitchFamily="18" charset="0"/>
+                                    </a:rPr>
+                                  </m:ctrlPr>
+                                </m:sSubPr>
+                                <m:e>
+                                  <m:r>
+                                    <a:rPr lang="en-US" altLang="zh-CN" sz="1600" i="1">
+                                      <a:latin typeface="Cambria Math" panose="02040503050406030204" pitchFamily="18" charset="0"/>
+                                    </a:rPr>
+                                    <m:t>𝑥</m:t>
+                                  </m:r>
+                                </m:e>
+                                <m:sub>
+                                  <m:r>
+                                    <a:rPr lang="en-US" altLang="zh-CN" sz="1600" i="1">
+                                      <a:latin typeface="Cambria Math" panose="02040503050406030204" pitchFamily="18" charset="0"/>
+                                    </a:rPr>
+                                    <m:t>4</m:t>
+                                  </m:r>
+                                </m:sub>
+                              </m:sSub>
+                            </m:e>
+                            <m:e>
+                              <m:sSub>
+                                <m:sSubPr>
+                                  <m:ctrlPr>
+                                    <a:rPr lang="en-US" altLang="zh-CN" sz="1600" i="1">
+                                      <a:latin typeface="Cambria Math" panose="02040503050406030204" pitchFamily="18" charset="0"/>
+                                    </a:rPr>
+                                  </m:ctrlPr>
+                                </m:sSubPr>
+                                <m:e>
+                                  <m:r>
+                                    <a:rPr lang="en-US" altLang="zh-CN" sz="1600" i="1">
+                                      <a:latin typeface="Cambria Math" panose="02040503050406030204" pitchFamily="18" charset="0"/>
+                                    </a:rPr>
+                                    <m:t>𝑥</m:t>
+                                  </m:r>
+                                </m:e>
+                                <m:sub>
+                                  <m:r>
+                                    <a:rPr lang="en-US" altLang="zh-CN" sz="1600" i="1">
+                                      <a:latin typeface="Cambria Math" panose="02040503050406030204" pitchFamily="18" charset="0"/>
+                                    </a:rPr>
+                                    <m:t>3</m:t>
+                                  </m:r>
+                                </m:sub>
+                              </m:sSub>
+                              <m:r>
+                                <a:rPr lang="en-US" altLang="zh-CN" sz="1600" i="1">
+                                  <a:latin typeface="Cambria Math" panose="02040503050406030204" pitchFamily="18" charset="0"/>
+                                </a:rPr>
+                                <m:t>−</m:t>
+                              </m:r>
+                              <m:sSub>
+                                <m:sSubPr>
+                                  <m:ctrlPr>
+                                    <a:rPr lang="en-US" altLang="zh-CN" sz="1600" i="1">
+                                      <a:latin typeface="Cambria Math" panose="02040503050406030204" pitchFamily="18" charset="0"/>
+                                    </a:rPr>
+                                  </m:ctrlPr>
+                                </m:sSubPr>
+                                <m:e>
+                                  <m:r>
+                                    <a:rPr lang="en-US" altLang="zh-CN" sz="1600" i="1">
+                                      <a:latin typeface="Cambria Math" panose="02040503050406030204" pitchFamily="18" charset="0"/>
+                                    </a:rPr>
+                                    <m:t>𝑥</m:t>
+                                  </m:r>
+                                </m:e>
+                                <m:sub>
+                                  <m:r>
+                                    <a:rPr lang="en-US" altLang="zh-CN" sz="1600" i="1">
+                                      <a:latin typeface="Cambria Math" panose="02040503050406030204" pitchFamily="18" charset="0"/>
+                                    </a:rPr>
+                                    <m:t>4</m:t>
+                                  </m:r>
+                                </m:sub>
+                              </m:sSub>
+                            </m:e>
+                          </m:mr>
+                        </m:m>
+                      </m:e>
+                    </m:d>
+                  </m:oMath>
+                </a14:m>
+                <a:endParaRPr lang="en-US" altLang="zh-CN" sz="1600" dirty="0"/>
+              </a:p>
+              <a:p>
+                <a:pPr lvl="2"/>
+                <a14:m>
+                  <m:oMath xmlns:m="http://schemas.openxmlformats.org/officeDocument/2006/math">
+                    <m:r>
+                      <a:rPr lang="en-US" altLang="zh-CN" sz="1600" b="0" i="1" smtClean="0">
+                        <a:latin typeface="Cambria Math" panose="02040503050406030204" pitchFamily="18" charset="0"/>
+                      </a:rPr>
+                      <m:t>𝐹</m:t>
+                    </m:r>
+                    <m:r>
+                      <a:rPr lang="en-US" altLang="zh-CN" sz="1600" b="0" i="1" smtClean="0">
+                        <a:latin typeface="Cambria Math" panose="02040503050406030204" pitchFamily="18" charset="0"/>
+                      </a:rPr>
+                      <m:t>=</m:t>
+                    </m:r>
+                    <m:sSub>
+                      <m:sSubPr>
+                        <m:ctrlPr>
+                          <a:rPr lang="en-US" altLang="zh-CN" sz="1600" b="0" i="1" smtClean="0">
+                            <a:latin typeface="Cambria Math" panose="02040503050406030204" pitchFamily="18" charset="0"/>
+                          </a:rPr>
+                        </m:ctrlPr>
+                      </m:sSubPr>
+                      <m:e>
+                        <m:r>
+                          <a:rPr lang="en-US" altLang="zh-CN" sz="1600" b="0" i="1" smtClean="0">
+                            <a:latin typeface="Cambria Math" panose="02040503050406030204" pitchFamily="18" charset="0"/>
+                          </a:rPr>
+                          <m:t>𝐷</m:t>
+                        </m:r>
+                      </m:e>
+                      <m:sub>
+                        <m:r>
+                          <a:rPr lang="en-US" altLang="zh-CN" sz="1600" b="0" i="1" smtClean="0">
+                            <a:latin typeface="Cambria Math" panose="02040503050406030204" pitchFamily="18" charset="0"/>
+                          </a:rPr>
+                          <m:t>𝑠</m:t>
+                        </m:r>
+                      </m:sub>
+                    </m:sSub>
+                    <m:sSub>
+                      <m:sSubPr>
+                        <m:ctrlPr>
+                          <a:rPr lang="en-US" altLang="zh-CN" sz="1600" b="0" i="1" smtClean="0">
+                            <a:latin typeface="Cambria Math" panose="02040503050406030204" pitchFamily="18" charset="0"/>
+                          </a:rPr>
+                        </m:ctrlPr>
+                      </m:sSubPr>
+                      <m:e>
+                        <m:r>
+                          <a:rPr lang="en-US" altLang="zh-CN" sz="1600" b="0" i="1" smtClean="0">
+                            <a:latin typeface="Cambria Math" panose="02040503050406030204" pitchFamily="18" charset="0"/>
+                          </a:rPr>
+                          <m:t>𝐷</m:t>
+                        </m:r>
+                      </m:e>
+                      <m:sub>
+                        <m:r>
+                          <a:rPr lang="en-US" altLang="zh-CN" sz="1600" b="0" i="1" smtClean="0">
+                            <a:latin typeface="Cambria Math" panose="02040503050406030204" pitchFamily="18" charset="0"/>
+                          </a:rPr>
+                          <m:t>𝑚</m:t>
+                        </m:r>
+                      </m:sub>
+                    </m:sSub>
+                  </m:oMath>
+                </a14:m>
+                <a:endParaRPr lang="en-US" altLang="zh-CN" sz="1600" b="0" dirty="0"/>
+              </a:p>
+              <a:p>
+                <a:pPr lvl="2"/>
+                <a14:m>
+                  <m:oMath xmlns:m="http://schemas.openxmlformats.org/officeDocument/2006/math">
+                    <m:r>
+                      <a:rPr lang="en-US" altLang="zh-CN" sz="1600" b="0" i="1" smtClean="0">
+                        <a:latin typeface="Cambria Math" panose="02040503050406030204" pitchFamily="18" charset="0"/>
+                      </a:rPr>
+                      <m:t>𝑃</m:t>
+                    </m:r>
+                    <m:r>
+                      <a:rPr lang="en-US" altLang="zh-CN" sz="1600" b="0" i="1" smtClean="0">
+                        <a:latin typeface="Cambria Math" panose="02040503050406030204" pitchFamily="18" charset="0"/>
+                        <a:ea typeface="Cambria Math" panose="02040503050406030204" pitchFamily="18" charset="0"/>
+                      </a:rPr>
+                      <m:t>←</m:t>
+                    </m:r>
+                    <m:r>
+                      <a:rPr lang="en-US" altLang="zh-CN" sz="1600" b="0" i="1" smtClean="0">
+                        <a:latin typeface="Cambria Math" panose="02040503050406030204" pitchFamily="18" charset="0"/>
+                        <a:ea typeface="Cambria Math" panose="02040503050406030204" pitchFamily="18" charset="0"/>
+                      </a:rPr>
+                      <m:t>𝑃</m:t>
+                    </m:r>
+                    <m:d>
+                      <m:dPr>
+                        <m:ctrlPr>
+                          <a:rPr lang="en-US" altLang="zh-CN" sz="1600" b="0" i="1" smtClean="0">
+                            <a:latin typeface="Cambria Math" panose="02040503050406030204" pitchFamily="18" charset="0"/>
+                            <a:ea typeface="Cambria Math" panose="02040503050406030204" pitchFamily="18" charset="0"/>
+                          </a:rPr>
+                        </m:ctrlPr>
+                      </m:dPr>
+                      <m:e>
+                        <m:r>
+                          <a:rPr lang="en-US" altLang="zh-CN" sz="1600" b="0" i="1" smtClean="0">
+                            <a:latin typeface="Cambria Math" panose="02040503050406030204" pitchFamily="18" charset="0"/>
+                            <a:ea typeface="Cambria Math" panose="02040503050406030204" pitchFamily="18" charset="0"/>
+                          </a:rPr>
+                          <m:t>𝐹</m:t>
+                        </m:r>
+                      </m:e>
+                    </m:d>
+                  </m:oMath>
+                </a14:m>
+                <a:endParaRPr lang="en-US" altLang="zh-CN" sz="1600" b="0" dirty="0">
+                  <a:ea typeface="Cambria Math" panose="02040503050406030204" pitchFamily="18" charset="0"/>
+                </a:endParaRPr>
+              </a:p>
+              <a:p>
+                <a:pPr lvl="2"/>
+                <a14:m>
+                  <m:oMath xmlns:m="http://schemas.openxmlformats.org/officeDocument/2006/math">
+                    <m:r>
+                      <a:rPr lang="en-US" altLang="zh-CN" sz="1600" b="0" i="1" smtClean="0">
+                        <a:latin typeface="Cambria Math" panose="02040503050406030204" pitchFamily="18" charset="0"/>
+                      </a:rPr>
+                      <m:t>𝐻</m:t>
+                    </m:r>
+                    <m:r>
+                      <a:rPr lang="en-US" altLang="zh-CN" sz="1600" b="0" i="1" smtClean="0">
+                        <a:latin typeface="Cambria Math" panose="02040503050406030204" pitchFamily="18" charset="0"/>
+                        <a:ea typeface="Cambria Math" panose="02040503050406030204" pitchFamily="18" charset="0"/>
+                      </a:rPr>
+                      <m:t>←−</m:t>
+                    </m:r>
+                    <m:sSub>
+                      <m:sSubPr>
+                        <m:ctrlPr>
+                          <a:rPr lang="en-US" altLang="zh-CN" sz="1600" b="0" i="1" smtClean="0">
+                            <a:latin typeface="Cambria Math" panose="02040503050406030204" pitchFamily="18" charset="0"/>
+                            <a:ea typeface="Cambria Math" panose="02040503050406030204" pitchFamily="18" charset="0"/>
+                          </a:rPr>
+                        </m:ctrlPr>
+                      </m:sSubPr>
+                      <m:e>
+                        <m:r>
+                          <a:rPr lang="en-US" altLang="zh-CN" sz="1600" b="0" i="1" smtClean="0">
+                            <a:latin typeface="Cambria Math" panose="02040503050406030204" pitchFamily="18" charset="0"/>
+                            <a:ea typeface="Cambria Math" panose="02040503050406030204" pitchFamily="18" charset="0"/>
+                          </a:rPr>
+                          <m:t>𝑤</m:t>
+                        </m:r>
+                      </m:e>
+                      <m:sub>
+                        <m:r>
+                          <a:rPr lang="en-US" altLang="zh-CN" sz="1600" b="0" i="1" smtClean="0">
+                            <a:latin typeface="Cambria Math" panose="02040503050406030204" pitchFamily="18" charset="0"/>
+                            <a:ea typeface="Cambria Math" panose="02040503050406030204" pitchFamily="18" charset="0"/>
+                          </a:rPr>
+                          <m:t>𝑒</m:t>
+                        </m:r>
+                      </m:sub>
+                    </m:sSub>
+                    <m:r>
+                      <a:rPr lang="en-US" altLang="zh-CN" sz="1600" b="0" i="1" smtClean="0">
+                        <a:latin typeface="Cambria Math" panose="02040503050406030204" pitchFamily="18" charset="0"/>
+                        <a:ea typeface="Cambria Math" panose="02040503050406030204" pitchFamily="18" charset="0"/>
+                      </a:rPr>
+                      <m:t>𝑃</m:t>
+                    </m:r>
+                    <m:sSubSup>
+                      <m:sSubSupPr>
+                        <m:ctrlPr>
+                          <a:rPr lang="en-US" altLang="zh-CN" sz="1600" b="0" i="1" smtClean="0">
+                            <a:latin typeface="Cambria Math" panose="02040503050406030204" pitchFamily="18" charset="0"/>
+                            <a:ea typeface="Cambria Math" panose="02040503050406030204" pitchFamily="18" charset="0"/>
+                          </a:rPr>
+                        </m:ctrlPr>
+                      </m:sSubSupPr>
+                      <m:e>
+                        <m:r>
+                          <a:rPr lang="en-US" altLang="zh-CN" sz="1600" b="0" i="1" smtClean="0">
+                            <a:latin typeface="Cambria Math" panose="02040503050406030204" pitchFamily="18" charset="0"/>
+                            <a:ea typeface="Cambria Math" panose="02040503050406030204" pitchFamily="18" charset="0"/>
+                          </a:rPr>
+                          <m:t>𝐷</m:t>
+                        </m:r>
+                      </m:e>
+                      <m:sub>
+                        <m:r>
+                          <a:rPr lang="en-US" altLang="zh-CN" sz="1600" b="0" i="1" smtClean="0">
+                            <a:latin typeface="Cambria Math" panose="02040503050406030204" pitchFamily="18" charset="0"/>
+                            <a:ea typeface="Cambria Math" panose="02040503050406030204" pitchFamily="18" charset="0"/>
+                          </a:rPr>
+                          <m:t>𝑚</m:t>
+                        </m:r>
+                      </m:sub>
+                      <m:sup>
+                        <m:r>
+                          <a:rPr lang="en-US" altLang="zh-CN" sz="1600" b="0" i="1" smtClean="0">
+                            <a:latin typeface="Cambria Math" panose="02040503050406030204" pitchFamily="18" charset="0"/>
+                            <a:ea typeface="Cambria Math" panose="02040503050406030204" pitchFamily="18" charset="0"/>
+                          </a:rPr>
+                          <m:t>−</m:t>
+                        </m:r>
+                        <m:r>
+                          <a:rPr lang="en-US" altLang="zh-CN" sz="1600" b="0" i="1" smtClean="0">
+                            <a:latin typeface="Cambria Math" panose="02040503050406030204" pitchFamily="18" charset="0"/>
+                            <a:ea typeface="Cambria Math" panose="02040503050406030204" pitchFamily="18" charset="0"/>
+                          </a:rPr>
+                          <m:t>𝑇</m:t>
+                        </m:r>
+                      </m:sup>
+                    </m:sSubSup>
+                  </m:oMath>
+                </a14:m>
+                <a:r>
+                  <a:rPr lang="en-US" altLang="zh-CN" sz="1600" dirty="0"/>
+                  <a:t>,   </a:t>
+                </a:r>
+                <a14:m>
+                  <m:oMath xmlns:m="http://schemas.openxmlformats.org/officeDocument/2006/math">
+                    <m:r>
+                      <a:rPr lang="en-US" altLang="zh-CN" sz="1600" b="0" i="1" smtClean="0">
+                        <a:latin typeface="Cambria Math" panose="02040503050406030204" pitchFamily="18" charset="0"/>
+                      </a:rPr>
+                      <m:t>𝐻</m:t>
+                    </m:r>
+                    <m:r>
+                      <a:rPr lang="en-US" altLang="zh-CN" sz="1600" b="0" i="1" smtClean="0">
+                        <a:latin typeface="Cambria Math" panose="02040503050406030204" pitchFamily="18" charset="0"/>
+                      </a:rPr>
+                      <m:t>=</m:t>
+                    </m:r>
+                    <m:d>
+                      <m:dPr>
+                        <m:begChr m:val="["/>
+                        <m:endChr m:val="]"/>
+                        <m:ctrlPr>
+                          <a:rPr lang="en-US" altLang="zh-CN" sz="1600" b="0" i="1" smtClean="0">
+                            <a:latin typeface="Cambria Math" panose="02040503050406030204" pitchFamily="18" charset="0"/>
+                          </a:rPr>
+                        </m:ctrlPr>
+                      </m:dPr>
+                      <m:e>
+                        <m:m>
+                          <m:mPr>
+                            <m:mcs>
+                              <m:mc>
+                                <m:mcPr>
+                                  <m:count m:val="3"/>
+                                  <m:mcJc m:val="center"/>
+                                </m:mcPr>
+                              </m:mc>
+                            </m:mcs>
+                            <m:ctrlPr>
+                              <a:rPr lang="en-US" altLang="zh-CN" sz="1600" b="0" i="1" smtClean="0">
+                                <a:latin typeface="Cambria Math" panose="02040503050406030204" pitchFamily="18" charset="0"/>
+                              </a:rPr>
+                            </m:ctrlPr>
+                          </m:mPr>
+                          <m:mr>
+                            <m:e>
+                              <m:sSub>
+                                <m:sSubPr>
+                                  <m:ctrlPr>
+                                    <a:rPr lang="en-US" altLang="zh-CN" sz="1600" b="0" i="1" smtClean="0">
+                                      <a:latin typeface="Cambria Math" panose="02040503050406030204" pitchFamily="18" charset="0"/>
+                                    </a:rPr>
+                                  </m:ctrlPr>
+                                </m:sSubPr>
+                                <m:e>
+                                  <m:r>
+                                    <m:rPr>
+                                      <m:brk m:alnAt="7"/>
+                                    </m:rPr>
+                                    <a:rPr lang="en-US" altLang="zh-CN" sz="1600" b="1" i="1" smtClean="0">
+                                      <a:latin typeface="Cambria Math" panose="02040503050406030204" pitchFamily="18" charset="0"/>
+                                    </a:rPr>
+                                    <m:t>𝒉</m:t>
+                                  </m:r>
+                                </m:e>
+                                <m:sub>
+                                  <m:r>
+                                    <m:rPr>
+                                      <m:brk m:alnAt="7"/>
+                                    </m:rPr>
+                                    <a:rPr lang="en-US" altLang="zh-CN" sz="1600" b="0" i="1" smtClean="0">
+                                      <a:latin typeface="Cambria Math" panose="02040503050406030204" pitchFamily="18" charset="0"/>
+                                    </a:rPr>
+                                    <m:t>1</m:t>
+                                  </m:r>
+                                </m:sub>
+                              </m:sSub>
+                            </m:e>
+                            <m:e>
+                              <m:sSub>
+                                <m:sSubPr>
+                                  <m:ctrlPr>
+                                    <a:rPr lang="en-US" altLang="zh-CN" sz="1600" i="1">
+                                      <a:latin typeface="Cambria Math" panose="02040503050406030204" pitchFamily="18" charset="0"/>
+                                    </a:rPr>
+                                  </m:ctrlPr>
+                                </m:sSubPr>
+                                <m:e>
+                                  <m:r>
+                                    <m:rPr>
+                                      <m:brk m:alnAt="7"/>
+                                    </m:rPr>
+                                    <a:rPr lang="en-US" altLang="zh-CN" sz="1600" b="1" i="1">
+                                      <a:latin typeface="Cambria Math" panose="02040503050406030204" pitchFamily="18" charset="0"/>
+                                    </a:rPr>
+                                    <m:t>𝒉</m:t>
+                                  </m:r>
+                                </m:e>
+                                <m:sub>
+                                  <m:r>
+                                    <a:rPr lang="en-US" altLang="zh-CN" sz="1600" b="0" i="1" smtClean="0">
+                                      <a:latin typeface="Cambria Math" panose="02040503050406030204" pitchFamily="18" charset="0"/>
+                                    </a:rPr>
+                                    <m:t>2</m:t>
+                                  </m:r>
+                                </m:sub>
+                              </m:sSub>
+                            </m:e>
+                            <m:e>
+                              <m:sSub>
+                                <m:sSubPr>
+                                  <m:ctrlPr>
+                                    <a:rPr lang="en-US" altLang="zh-CN" sz="1600" i="1">
+                                      <a:latin typeface="Cambria Math" panose="02040503050406030204" pitchFamily="18" charset="0"/>
+                                    </a:rPr>
+                                  </m:ctrlPr>
+                                </m:sSubPr>
+                                <m:e>
+                                  <m:r>
+                                    <m:rPr>
+                                      <m:brk m:alnAt="7"/>
+                                    </m:rPr>
+                                    <a:rPr lang="en-US" altLang="zh-CN" sz="1600" b="1" i="1">
+                                      <a:latin typeface="Cambria Math" panose="02040503050406030204" pitchFamily="18" charset="0"/>
+                                    </a:rPr>
+                                    <m:t>𝒉</m:t>
+                                  </m:r>
+                                </m:e>
+                                <m:sub>
+                                  <m:r>
+                                    <a:rPr lang="en-US" altLang="zh-CN" sz="1600" b="0" i="1" smtClean="0">
+                                      <a:latin typeface="Cambria Math" panose="02040503050406030204" pitchFamily="18" charset="0"/>
+                                    </a:rPr>
+                                    <m:t>3</m:t>
+                                  </m:r>
+                                </m:sub>
+                              </m:sSub>
+                            </m:e>
+                          </m:mr>
+                        </m:m>
+                      </m:e>
+                    </m:d>
+                  </m:oMath>
+                </a14:m>
+                <a:endParaRPr lang="en-US" altLang="zh-CN" sz="1600" dirty="0"/>
+              </a:p>
+              <a:p>
+                <a:pPr lvl="2"/>
+                <a14:m>
+                  <m:oMath xmlns:m="http://schemas.openxmlformats.org/officeDocument/2006/math">
+                    <m:sSub>
+                      <m:sSubPr>
+                        <m:ctrlPr>
+                          <a:rPr lang="en-US" altLang="zh-CN" sz="1600" b="0" i="1" smtClean="0">
+                            <a:latin typeface="Cambria Math" panose="02040503050406030204" pitchFamily="18" charset="0"/>
+                          </a:rPr>
+                        </m:ctrlPr>
+                      </m:sSubPr>
+                      <m:e>
+                        <m:r>
+                          <a:rPr lang="en-US" altLang="zh-CN" sz="1600" b="1" i="1" smtClean="0">
+                            <a:latin typeface="Cambria Math" panose="02040503050406030204" pitchFamily="18" charset="0"/>
+                          </a:rPr>
+                          <m:t>𝒇</m:t>
+                        </m:r>
+                      </m:e>
+                      <m:sub>
+                        <m:r>
+                          <a:rPr lang="en-US" altLang="zh-CN" sz="1600" b="0" i="1" smtClean="0">
+                            <a:latin typeface="Cambria Math" panose="02040503050406030204" pitchFamily="18" charset="0"/>
+                          </a:rPr>
+                          <m:t>1</m:t>
+                        </m:r>
+                      </m:sub>
+                    </m:sSub>
+                    <m:r>
+                      <a:rPr lang="en-US" altLang="zh-CN" sz="1600" b="0" i="1" smtClean="0">
+                        <a:latin typeface="Cambria Math" panose="02040503050406030204" pitchFamily="18" charset="0"/>
+                      </a:rPr>
+                      <m:t>+=</m:t>
+                    </m:r>
+                    <m:sSub>
+                      <m:sSubPr>
+                        <m:ctrlPr>
+                          <a:rPr lang="en-US" altLang="zh-CN" sz="1600" b="0" i="1" smtClean="0">
+                            <a:latin typeface="Cambria Math" panose="02040503050406030204" pitchFamily="18" charset="0"/>
+                          </a:rPr>
+                        </m:ctrlPr>
+                      </m:sSubPr>
+                      <m:e>
+                        <m:r>
+                          <a:rPr lang="en-US" altLang="zh-CN" sz="1600" b="1" i="1" smtClean="0">
+                            <a:latin typeface="Cambria Math" panose="02040503050406030204" pitchFamily="18" charset="0"/>
+                          </a:rPr>
+                          <m:t>𝒉</m:t>
+                        </m:r>
+                      </m:e>
+                      <m:sub>
+                        <m:r>
+                          <a:rPr lang="en-US" altLang="zh-CN" sz="1600" b="0" i="1" smtClean="0">
+                            <a:latin typeface="Cambria Math" panose="02040503050406030204" pitchFamily="18" charset="0"/>
+                          </a:rPr>
+                          <m:t>1</m:t>
+                        </m:r>
+                      </m:sub>
+                    </m:sSub>
+                    <m:r>
+                      <a:rPr lang="en-US" altLang="zh-CN" sz="1600" b="0" i="1" smtClean="0">
+                        <a:latin typeface="Cambria Math" panose="02040503050406030204" pitchFamily="18" charset="0"/>
+                      </a:rPr>
+                      <m:t>,   </m:t>
+                    </m:r>
+                    <m:sSub>
+                      <m:sSubPr>
+                        <m:ctrlPr>
+                          <a:rPr lang="en-US" altLang="zh-CN" sz="1600" i="1">
+                            <a:latin typeface="Cambria Math" panose="02040503050406030204" pitchFamily="18" charset="0"/>
+                          </a:rPr>
+                        </m:ctrlPr>
+                      </m:sSubPr>
+                      <m:e>
+                        <m:r>
+                          <a:rPr lang="en-US" altLang="zh-CN" sz="1600" b="1" i="1">
+                            <a:latin typeface="Cambria Math" panose="02040503050406030204" pitchFamily="18" charset="0"/>
+                          </a:rPr>
+                          <m:t>𝒇</m:t>
+                        </m:r>
+                      </m:e>
+                      <m:sub>
+                        <m:r>
+                          <a:rPr lang="en-US" altLang="zh-CN" sz="1600" b="0" i="1" smtClean="0">
+                            <a:latin typeface="Cambria Math" panose="02040503050406030204" pitchFamily="18" charset="0"/>
+                          </a:rPr>
+                          <m:t>2</m:t>
+                        </m:r>
+                      </m:sub>
+                    </m:sSub>
+                    <m:r>
+                      <a:rPr lang="en-US" altLang="zh-CN" sz="1600" i="1">
+                        <a:latin typeface="Cambria Math" panose="02040503050406030204" pitchFamily="18" charset="0"/>
+                      </a:rPr>
+                      <m:t>+=</m:t>
+                    </m:r>
+                    <m:sSub>
+                      <m:sSubPr>
+                        <m:ctrlPr>
+                          <a:rPr lang="en-US" altLang="zh-CN" sz="1600" i="1">
+                            <a:latin typeface="Cambria Math" panose="02040503050406030204" pitchFamily="18" charset="0"/>
+                          </a:rPr>
+                        </m:ctrlPr>
+                      </m:sSubPr>
+                      <m:e>
+                        <m:r>
+                          <a:rPr lang="en-US" altLang="zh-CN" sz="1600" b="1" i="1">
+                            <a:latin typeface="Cambria Math" panose="02040503050406030204" pitchFamily="18" charset="0"/>
+                          </a:rPr>
+                          <m:t>𝒉</m:t>
+                        </m:r>
+                      </m:e>
+                      <m:sub>
+                        <m:r>
+                          <a:rPr lang="en-US" altLang="zh-CN" sz="1600" b="0" i="1" smtClean="0">
+                            <a:latin typeface="Cambria Math" panose="02040503050406030204" pitchFamily="18" charset="0"/>
+                          </a:rPr>
+                          <m:t>2</m:t>
+                        </m:r>
+                      </m:sub>
+                    </m:sSub>
+                    <m:r>
+                      <a:rPr lang="en-US" altLang="zh-CN" sz="1600" b="0" i="1" smtClean="0">
+                        <a:latin typeface="Cambria Math" panose="02040503050406030204" pitchFamily="18" charset="0"/>
+                      </a:rPr>
+                      <m:t>,   </m:t>
+                    </m:r>
+                    <m:sSub>
+                      <m:sSubPr>
+                        <m:ctrlPr>
+                          <a:rPr lang="en-US" altLang="zh-CN" sz="1600" i="1">
+                            <a:latin typeface="Cambria Math" panose="02040503050406030204" pitchFamily="18" charset="0"/>
+                          </a:rPr>
+                        </m:ctrlPr>
+                      </m:sSubPr>
+                      <m:e>
+                        <m:r>
+                          <a:rPr lang="en-US" altLang="zh-CN" sz="1600" b="1" i="1">
+                            <a:latin typeface="Cambria Math" panose="02040503050406030204" pitchFamily="18" charset="0"/>
+                          </a:rPr>
+                          <m:t>𝒇</m:t>
+                        </m:r>
+                      </m:e>
+                      <m:sub>
+                        <m:r>
+                          <a:rPr lang="en-US" altLang="zh-CN" sz="1600" b="0" i="1" smtClean="0">
+                            <a:latin typeface="Cambria Math" panose="02040503050406030204" pitchFamily="18" charset="0"/>
+                          </a:rPr>
+                          <m:t>3</m:t>
+                        </m:r>
+                      </m:sub>
+                    </m:sSub>
+                    <m:r>
+                      <a:rPr lang="en-US" altLang="zh-CN" sz="1600" i="1">
+                        <a:latin typeface="Cambria Math" panose="02040503050406030204" pitchFamily="18" charset="0"/>
+                      </a:rPr>
+                      <m:t>+=</m:t>
+                    </m:r>
+                    <m:sSub>
+                      <m:sSubPr>
+                        <m:ctrlPr>
+                          <a:rPr lang="en-US" altLang="zh-CN" sz="1600" i="1">
+                            <a:latin typeface="Cambria Math" panose="02040503050406030204" pitchFamily="18" charset="0"/>
+                          </a:rPr>
+                        </m:ctrlPr>
+                      </m:sSubPr>
+                      <m:e>
+                        <m:r>
+                          <a:rPr lang="en-US" altLang="zh-CN" sz="1600" b="1" i="1">
+                            <a:latin typeface="Cambria Math" panose="02040503050406030204" pitchFamily="18" charset="0"/>
+                          </a:rPr>
+                          <m:t>𝒉</m:t>
+                        </m:r>
+                      </m:e>
+                      <m:sub>
+                        <m:r>
+                          <a:rPr lang="en-US" altLang="zh-CN" sz="1600" b="0" i="1" smtClean="0">
+                            <a:latin typeface="Cambria Math" panose="02040503050406030204" pitchFamily="18" charset="0"/>
+                          </a:rPr>
+                          <m:t>3</m:t>
+                        </m:r>
+                      </m:sub>
+                    </m:sSub>
+                  </m:oMath>
+                </a14:m>
+                <a:endParaRPr lang="en-US" altLang="zh-CN" sz="1600" dirty="0"/>
+              </a:p>
+              <a:p>
+                <a:pPr lvl="2"/>
+                <a14:m>
+                  <m:oMath xmlns:m="http://schemas.openxmlformats.org/officeDocument/2006/math">
+                    <m:sSub>
+                      <m:sSubPr>
+                        <m:ctrlPr>
+                          <a:rPr lang="en-US" altLang="zh-CN" sz="1600" b="0" i="1" smtClean="0">
+                            <a:latin typeface="Cambria Math" panose="02040503050406030204" pitchFamily="18" charset="0"/>
+                          </a:rPr>
+                        </m:ctrlPr>
+                      </m:sSubPr>
+                      <m:e>
+                        <m:r>
+                          <a:rPr lang="en-US" altLang="zh-CN" sz="1600" b="1" i="1" smtClean="0">
+                            <a:latin typeface="Cambria Math" panose="02040503050406030204" pitchFamily="18" charset="0"/>
+                          </a:rPr>
+                          <m:t>𝒇</m:t>
+                        </m:r>
+                      </m:e>
+                      <m:sub>
+                        <m:r>
+                          <a:rPr lang="en-US" altLang="zh-CN" sz="1600" b="0" i="1" smtClean="0">
+                            <a:latin typeface="Cambria Math" panose="02040503050406030204" pitchFamily="18" charset="0"/>
+                          </a:rPr>
+                          <m:t>4</m:t>
+                        </m:r>
+                      </m:sub>
+                    </m:sSub>
+                    <m:r>
+                      <a:rPr lang="en-US" altLang="zh-CN" sz="1600" b="0" i="1" smtClean="0">
+                        <a:latin typeface="Cambria Math" panose="02040503050406030204" pitchFamily="18" charset="0"/>
+                      </a:rPr>
+                      <m:t>+=</m:t>
+                    </m:r>
+                    <m:r>
+                      <a:rPr lang="en-US" altLang="zh-CN" sz="1600" b="0" i="1" smtClean="0">
+                        <a:latin typeface="Cambria Math" panose="02040503050406030204" pitchFamily="18" charset="0"/>
+                      </a:rPr>
+                      <m:t>−(</m:t>
+                    </m:r>
+                    <m:sSub>
+                      <m:sSubPr>
+                        <m:ctrlPr>
+                          <a:rPr lang="en-US" altLang="zh-CN" sz="1600" i="1">
+                            <a:latin typeface="Cambria Math" panose="02040503050406030204" pitchFamily="18" charset="0"/>
+                          </a:rPr>
+                        </m:ctrlPr>
+                      </m:sSubPr>
+                      <m:e>
+                        <m:r>
+                          <a:rPr lang="en-US" altLang="zh-CN" sz="1600" b="1" i="1">
+                            <a:latin typeface="Cambria Math" panose="02040503050406030204" pitchFamily="18" charset="0"/>
+                          </a:rPr>
+                          <m:t>𝒉</m:t>
+                        </m:r>
+                      </m:e>
+                      <m:sub>
+                        <m:r>
+                          <a:rPr lang="en-US" altLang="zh-CN" sz="1600" i="1">
+                            <a:latin typeface="Cambria Math" panose="02040503050406030204" pitchFamily="18" charset="0"/>
+                          </a:rPr>
+                          <m:t>1</m:t>
+                        </m:r>
+                      </m:sub>
+                    </m:sSub>
+                    <m:r>
+                      <a:rPr lang="en-US" altLang="zh-CN" sz="1600" b="0" i="1" smtClean="0">
+                        <a:latin typeface="Cambria Math" panose="02040503050406030204" pitchFamily="18" charset="0"/>
+                      </a:rPr>
+                      <m:t>+</m:t>
+                    </m:r>
+                    <m:sSub>
+                      <m:sSubPr>
+                        <m:ctrlPr>
+                          <a:rPr lang="en-US" altLang="zh-CN" sz="1600" i="1">
+                            <a:latin typeface="Cambria Math" panose="02040503050406030204" pitchFamily="18" charset="0"/>
+                          </a:rPr>
+                        </m:ctrlPr>
+                      </m:sSubPr>
+                      <m:e>
+                        <m:r>
+                          <a:rPr lang="en-US" altLang="zh-CN" sz="1600" b="1" i="1">
+                            <a:latin typeface="Cambria Math" panose="02040503050406030204" pitchFamily="18" charset="0"/>
+                          </a:rPr>
+                          <m:t>𝒉</m:t>
+                        </m:r>
+                      </m:e>
+                      <m:sub>
+                        <m:r>
+                          <a:rPr lang="en-US" altLang="zh-CN" sz="1600" b="0" i="1" smtClean="0">
+                            <a:latin typeface="Cambria Math" panose="02040503050406030204" pitchFamily="18" charset="0"/>
+                          </a:rPr>
+                          <m:t>2</m:t>
+                        </m:r>
+                      </m:sub>
+                    </m:sSub>
+                    <m:r>
+                      <a:rPr lang="en-US" altLang="zh-CN" sz="1600" b="0" i="1" smtClean="0">
+                        <a:latin typeface="Cambria Math" panose="02040503050406030204" pitchFamily="18" charset="0"/>
+                      </a:rPr>
+                      <m:t>+</m:t>
+                    </m:r>
+                    <m:sSub>
+                      <m:sSubPr>
+                        <m:ctrlPr>
+                          <a:rPr lang="en-US" altLang="zh-CN" sz="1600" i="1">
+                            <a:latin typeface="Cambria Math" panose="02040503050406030204" pitchFamily="18" charset="0"/>
+                          </a:rPr>
+                        </m:ctrlPr>
+                      </m:sSubPr>
+                      <m:e>
+                        <m:r>
+                          <a:rPr lang="en-US" altLang="zh-CN" sz="1600" b="1" i="1">
+                            <a:latin typeface="Cambria Math" panose="02040503050406030204" pitchFamily="18" charset="0"/>
+                          </a:rPr>
+                          <m:t>𝒉</m:t>
+                        </m:r>
+                      </m:e>
+                      <m:sub>
+                        <m:r>
+                          <a:rPr lang="en-US" altLang="zh-CN" sz="1600" b="0" i="1" smtClean="0">
+                            <a:latin typeface="Cambria Math" panose="02040503050406030204" pitchFamily="18" charset="0"/>
+                          </a:rPr>
+                          <m:t>3</m:t>
+                        </m:r>
+                      </m:sub>
+                    </m:sSub>
+                    <m:r>
+                      <a:rPr lang="en-US" altLang="zh-CN" sz="1600" b="0" i="1" smtClean="0">
+                        <a:latin typeface="Cambria Math" panose="02040503050406030204" pitchFamily="18" charset="0"/>
+                      </a:rPr>
+                      <m:t>)</m:t>
+                    </m:r>
+                  </m:oMath>
+                </a14:m>
+                <a:endParaRPr lang="en-US" altLang="zh-CN" sz="1600" dirty="0"/>
+              </a:p>
+              <a:p>
+                <a:pPr lvl="1"/>
+                <a14:m>
+                  <m:oMath xmlns:m="http://schemas.openxmlformats.org/officeDocument/2006/math">
+                    <m:sSub>
+                      <m:sSubPr>
+                        <m:ctrlPr>
+                          <a:rPr lang="en-US" altLang="zh-CN" sz="2000" b="0" i="1" smtClean="0">
+                            <a:latin typeface="Cambria Math" panose="02040503050406030204" pitchFamily="18" charset="0"/>
+                          </a:rPr>
+                        </m:ctrlPr>
+                      </m:sSubPr>
+                      <m:e>
+                        <m:r>
+                          <a:rPr lang="en-US" altLang="zh-CN" sz="2000" b="1" i="1" smtClean="0">
+                            <a:latin typeface="Cambria Math" panose="02040503050406030204" pitchFamily="18" charset="0"/>
+                          </a:rPr>
+                          <m:t>𝒗</m:t>
+                        </m:r>
+                      </m:e>
+                      <m:sub>
+                        <m:r>
+                          <a:rPr lang="en-US" altLang="zh-CN" sz="2000" b="0" i="1" smtClean="0">
+                            <a:latin typeface="Cambria Math" panose="02040503050406030204" pitchFamily="18" charset="0"/>
+                          </a:rPr>
+                          <m:t>𝑛𝑒𝑤</m:t>
+                        </m:r>
+                      </m:sub>
+                    </m:sSub>
+                    <m:r>
+                      <a:rPr lang="en-US" altLang="zh-CN" sz="2000" b="0" i="1" smtClean="0">
+                        <a:latin typeface="Cambria Math" panose="02040503050406030204" pitchFamily="18" charset="0"/>
+                      </a:rPr>
+                      <m:t>=</m:t>
+                    </m:r>
+                    <m:r>
+                      <a:rPr lang="en-US" altLang="zh-CN" sz="2000" b="1" i="1" smtClean="0">
+                        <a:latin typeface="Cambria Math" panose="02040503050406030204" pitchFamily="18" charset="0"/>
+                      </a:rPr>
+                      <m:t>𝒗</m:t>
+                    </m:r>
+                    <m:r>
+                      <a:rPr lang="en-US" altLang="zh-CN" sz="2000" b="0" i="1" smtClean="0">
+                        <a:latin typeface="Cambria Math" panose="02040503050406030204" pitchFamily="18" charset="0"/>
+                      </a:rPr>
+                      <m:t>+</m:t>
+                    </m:r>
+                    <m:r>
+                      <a:rPr lang="en-US" altLang="zh-CN" sz="2000" b="0" i="1" smtClean="0">
+                        <a:latin typeface="Cambria Math" panose="02040503050406030204" pitchFamily="18" charset="0"/>
+                      </a:rPr>
+                      <m:t>h</m:t>
+                    </m:r>
+                    <m:sSup>
+                      <m:sSupPr>
+                        <m:ctrlPr>
+                          <a:rPr lang="en-US" altLang="zh-CN" sz="2000" b="0" i="1" smtClean="0">
+                            <a:latin typeface="Cambria Math" panose="02040503050406030204" pitchFamily="18" charset="0"/>
+                          </a:rPr>
+                        </m:ctrlPr>
+                      </m:sSupPr>
+                      <m:e>
+                        <m:r>
+                          <a:rPr lang="en-US" altLang="zh-CN" sz="2000" b="0" i="1" smtClean="0">
+                            <a:latin typeface="Cambria Math" panose="02040503050406030204" pitchFamily="18" charset="0"/>
+                          </a:rPr>
+                          <m:t>𝑀</m:t>
+                        </m:r>
+                      </m:e>
+                      <m:sup>
+                        <m:r>
+                          <a:rPr lang="en-US" altLang="zh-CN" sz="2000" b="0" i="1" smtClean="0">
+                            <a:latin typeface="Cambria Math" panose="02040503050406030204" pitchFamily="18" charset="0"/>
+                          </a:rPr>
+                          <m:t>−1</m:t>
+                        </m:r>
+                      </m:sup>
+                    </m:sSup>
+                    <m:r>
+                      <a:rPr lang="en-US" altLang="zh-CN" sz="2000" b="1" i="1" smtClean="0">
+                        <a:latin typeface="Cambria Math" panose="02040503050406030204" pitchFamily="18" charset="0"/>
+                      </a:rPr>
+                      <m:t>𝒇</m:t>
+                    </m:r>
+                  </m:oMath>
+                </a14:m>
+                <a:endParaRPr lang="en-US" altLang="zh-CN" sz="2000" b="1" dirty="0"/>
+              </a:p>
+              <a:p>
+                <a:pPr lvl="1"/>
+                <a14:m>
+                  <m:oMath xmlns:m="http://schemas.openxmlformats.org/officeDocument/2006/math">
+                    <m:sSub>
+                      <m:sSubPr>
+                        <m:ctrlPr>
+                          <a:rPr lang="en-US" altLang="zh-CN" sz="2000" b="1" i="1" smtClean="0">
+                            <a:latin typeface="Cambria Math" panose="02040503050406030204" pitchFamily="18" charset="0"/>
+                          </a:rPr>
+                        </m:ctrlPr>
+                      </m:sSubPr>
+                      <m:e>
+                        <m:r>
+                          <a:rPr lang="en-US" altLang="zh-CN" sz="2000" b="1" i="1" smtClean="0">
+                            <a:latin typeface="Cambria Math" panose="02040503050406030204" pitchFamily="18" charset="0"/>
+                          </a:rPr>
+                          <m:t>𝒙</m:t>
+                        </m:r>
+                      </m:e>
+                      <m:sub>
+                        <m:r>
+                          <a:rPr lang="en-US" altLang="zh-CN" sz="2000" b="0" i="1" smtClean="0">
+                            <a:latin typeface="Cambria Math" panose="02040503050406030204" pitchFamily="18" charset="0"/>
+                          </a:rPr>
+                          <m:t>𝑛𝑒𝑤</m:t>
+                        </m:r>
+                      </m:sub>
+                    </m:sSub>
+                    <m:r>
+                      <a:rPr lang="en-US" altLang="zh-CN" sz="2000" b="1" i="1" smtClean="0">
+                        <a:latin typeface="Cambria Math" panose="02040503050406030204" pitchFamily="18" charset="0"/>
+                      </a:rPr>
+                      <m:t>=</m:t>
+                    </m:r>
+                    <m:r>
+                      <a:rPr lang="en-US" altLang="zh-CN" sz="2000" b="1" i="1" smtClean="0">
+                        <a:latin typeface="Cambria Math" panose="02040503050406030204" pitchFamily="18" charset="0"/>
+                      </a:rPr>
+                      <m:t>𝒙</m:t>
+                    </m:r>
+                    <m:r>
+                      <a:rPr lang="en-US" altLang="zh-CN" sz="2000" b="1" i="1" smtClean="0">
+                        <a:latin typeface="Cambria Math" panose="02040503050406030204" pitchFamily="18" charset="0"/>
+                      </a:rPr>
+                      <m:t>+</m:t>
+                    </m:r>
+                    <m:r>
+                      <a:rPr lang="en-US" altLang="zh-CN" sz="2000" b="0" i="1" smtClean="0">
+                        <a:latin typeface="Cambria Math" panose="02040503050406030204" pitchFamily="18" charset="0"/>
+                      </a:rPr>
+                      <m:t>h</m:t>
+                    </m:r>
+                    <m:r>
+                      <a:rPr lang="en-US" altLang="zh-CN" sz="2000" b="1" i="1">
+                        <a:latin typeface="Cambria Math" panose="02040503050406030204" pitchFamily="18" charset="0"/>
+                      </a:rPr>
+                      <m:t>𝒗</m:t>
+                    </m:r>
+                  </m:oMath>
+                </a14:m>
+                <a:endParaRPr lang="en-US" altLang="zh-CN" sz="2000" b="1" dirty="0"/>
+              </a:p>
+              <a:p>
+                <a:pPr lvl="1"/>
+                <a:endParaRPr lang="en-US" altLang="zh-CN" sz="2000" dirty="0"/>
+              </a:p>
+            </p:txBody>
+          </p:sp>
+        </mc:Choice>
+        <mc:Fallback>
+          <p:sp>
+            <p:nvSpPr>
+              <p:cNvPr id="11" name="内容占位符 2">
+                <a:extLst>
+                  <a:ext uri="{FF2B5EF4-FFF2-40B4-BE49-F238E27FC236}">
+                    <a16:creationId xmlns:a16="http://schemas.microsoft.com/office/drawing/2014/main" id="{E448935A-FCFB-F1B4-7D67-A633CE965A3D}"/>
+                  </a:ext>
+                </a:extLst>
+              </p:cNvPr>
+              <p:cNvSpPr txBox="1">
+                <a:spLocks noRot="1" noChangeAspect="1" noMove="1" noResize="1" noEditPoints="1" noAdjustHandles="1" noChangeArrowheads="1" noChangeShapeType="1" noTextEdit="1"/>
+              </p:cNvSpPr>
+              <p:nvPr/>
+            </p:nvSpPr>
+            <p:spPr>
+              <a:xfrm>
+                <a:off x="990600" y="1978025"/>
+                <a:ext cx="10515600" cy="4351338"/>
+              </a:xfrm>
+              <a:prstGeom prst="rect">
+                <a:avLst/>
+              </a:prstGeom>
+              <a:blipFill>
+                <a:blip r:embed="rId3"/>
+                <a:stretch>
+                  <a:fillRect l="-812" t="-1821" r="-1043"/>
+                </a:stretch>
+              </a:blipFill>
+            </p:spPr>
+            <p:txBody>
+              <a:bodyPr/>
+              <a:lstStyle/>
+              <a:p>
+                <a:r>
+                  <a:rPr lang="zh-CN" altLang="en-US">
+                    <a:noFill/>
+                  </a:rPr>
+                  <a:t> </a:t>
+                </a:r>
+              </a:p>
+            </p:txBody>
+          </p:sp>
+        </mc:Fallback>
+      </mc:AlternateContent>
+      <p:pic>
+        <p:nvPicPr>
+          <p:cNvPr id="13" name="图片 12">
+            <a:extLst>
+              <a:ext uri="{FF2B5EF4-FFF2-40B4-BE49-F238E27FC236}">
+                <a16:creationId xmlns:a16="http://schemas.microsoft.com/office/drawing/2014/main" id="{98DB3512-F7B0-315E-FADB-6DD7F8660A11}"/>
+              </a:ext>
+            </a:extLst>
+          </p:cNvPr>
+          <p:cNvPicPr>
+            <a:picLocks noChangeAspect="1"/>
+          </p:cNvPicPr>
+          <p:nvPr/>
+        </p:nvPicPr>
+        <p:blipFill>
+          <a:blip r:embed="rId4">
+            <a:extLst>
+              <a:ext uri="{28A0092B-C50C-407E-A947-70E740481C1C}">
+                <a14:useLocalDpi xmlns:a14="http://schemas.microsoft.com/office/drawing/2010/main" val="0"/>
+              </a:ext>
+            </a:extLst>
+          </a:blip>
+          <a:stretch>
+            <a:fillRect/>
+          </a:stretch>
+        </p:blipFill>
+        <p:spPr>
+          <a:xfrm>
+            <a:off x="7896760" y="3285161"/>
+            <a:ext cx="2911653" cy="2428391"/>
+          </a:xfrm>
+          <a:prstGeom prst="rect">
+            <a:avLst/>
+          </a:prstGeom>
+        </p:spPr>
+      </p:pic>
+    </p:spTree>
+    <p:extLst>
+      <p:ext uri="{BB962C8B-B14F-4D97-AF65-F5344CB8AC3E}">
+        <p14:creationId xmlns:p14="http://schemas.microsoft.com/office/powerpoint/2010/main" val="4200707597"/>
+      </p:ext>
+    </p:extLst>
+  </p:cSld>
+  <p:clrMapOvr>
+    <a:masterClrMapping/>
+  </p:clrMapOvr>
+</p:sld>
+</file>
+
+<file path=ppt/slides/slide19.xml><?xml version="1.0" encoding="utf-8"?>
+<p:sld xmlns:a="http://schemas.openxmlformats.org/drawingml/2006/main" xmlns:r="http://schemas.openxmlformats.org/officeDocument/2006/relationships" xmlns:p="http://schemas.openxmlformats.org/presentationml/2006/main">
+  <p:cSld>
+    <p:spTree>
+      <p:nvGrpSpPr>
+        <p:cNvPr id="1" name=""/>
+        <p:cNvGrpSpPr/>
+        <p:nvPr/>
+      </p:nvGrpSpPr>
+      <p:grpSpPr>
+        <a:xfrm>
+          <a:off x="0" y="0"/>
+          <a:ext cx="0" cy="0"/>
+          <a:chOff x="0" y="0"/>
+          <a:chExt cx="0" cy="0"/>
+        </a:xfrm>
+      </p:grpSpPr>
+      <p:sp>
+        <p:nvSpPr>
+          <p:cNvPr id="4" name="标题 1">
+            <a:extLst>
+              <a:ext uri="{FF2B5EF4-FFF2-40B4-BE49-F238E27FC236}">
+                <a16:creationId xmlns:a16="http://schemas.microsoft.com/office/drawing/2014/main" id="{5A6E81CA-80B1-F5D4-0FBB-E380A2D508CD}"/>
+              </a:ext>
+            </a:extLst>
+          </p:cNvPr>
+          <p:cNvSpPr txBox="1">
+            <a:spLocks/>
+          </p:cNvSpPr>
+          <p:nvPr/>
+        </p:nvSpPr>
+        <p:spPr>
+          <a:xfrm>
+            <a:off x="990600" y="517525"/>
+            <a:ext cx="10515600" cy="1325563"/>
+          </a:xfrm>
+          <a:prstGeom prst="rect">
+            <a:avLst/>
+          </a:prstGeom>
+        </p:spPr>
+        <p:txBody>
+          <a:bodyPr vert="horz" lIns="91440" tIns="45720" rIns="91440" bIns="45720" rtlCol="0" anchor="ctr">
+            <a:normAutofit/>
+          </a:bodyPr>
+          <a:lstStyle>
+            <a:lvl1pPr algn="l" defTabSz="914400" rtl="0" eaLnBrk="1" latinLnBrk="0" hangingPunct="1">
+              <a:lnSpc>
+                <a:spcPct val="90000"/>
+              </a:lnSpc>
+              <a:spcBef>
+                <a:spcPct val="0"/>
+              </a:spcBef>
+              <a:buNone/>
+              <a:defRPr sz="4400" kern="1200">
+                <a:solidFill>
+                  <a:schemeClr val="tx1"/>
+                </a:solidFill>
+                <a:latin typeface="+mj-lt"/>
+                <a:ea typeface="+mj-ea"/>
+                <a:cs typeface="+mj-cs"/>
+              </a:defRPr>
+            </a:lvl1pPr>
+          </a:lstStyle>
+          <a:p>
+            <a:r>
+              <a:rPr lang="en-US" altLang="zh-CN" dirty="0">
+                <a:latin typeface="微软雅黑" panose="020B0503020204020204" pitchFamily="34" charset="-122"/>
+                <a:ea typeface="微软雅黑" panose="020B0503020204020204" pitchFamily="34" charset="-122"/>
+              </a:rPr>
+              <a:t>Reference and Futher Readings</a:t>
+            </a:r>
+            <a:endParaRPr lang="zh-CN" altLang="en-US" dirty="0">
+              <a:latin typeface="微软雅黑" panose="020B0503020204020204" pitchFamily="34" charset="-122"/>
+              <a:ea typeface="微软雅黑" panose="020B0503020204020204" pitchFamily="34" charset="-122"/>
+            </a:endParaRPr>
+          </a:p>
+        </p:txBody>
+      </p:sp>
+      <p:sp>
+        <p:nvSpPr>
+          <p:cNvPr id="5" name="内容占位符 2">
+            <a:extLst>
+              <a:ext uri="{FF2B5EF4-FFF2-40B4-BE49-F238E27FC236}">
+                <a16:creationId xmlns:a16="http://schemas.microsoft.com/office/drawing/2014/main" id="{AC82A806-B3C4-433A-1A17-598286F0A303}"/>
+              </a:ext>
+            </a:extLst>
+          </p:cNvPr>
+          <p:cNvSpPr txBox="1">
+            <a:spLocks/>
+          </p:cNvSpPr>
+          <p:nvPr/>
+        </p:nvSpPr>
+        <p:spPr>
+          <a:xfrm>
+            <a:off x="990600" y="1978025"/>
+            <a:ext cx="10515600" cy="4351338"/>
+          </a:xfrm>
+          <a:prstGeom prst="rect">
+            <a:avLst/>
+          </a:prstGeom>
+        </p:spPr>
+        <p:txBody>
+          <a:bodyPr vert="horz" lIns="91440" tIns="45720" rIns="91440" bIns="45720" rtlCol="0">
+            <a:normAutofit/>
+          </a:bodyPr>
+          <a:lstStyle>
+            <a:lvl1pPr marL="228600" indent="-228600" algn="l" defTabSz="914400" rtl="0" eaLnBrk="1" latinLnBrk="0" hangingPunct="1">
+              <a:lnSpc>
+                <a:spcPct val="90000"/>
+              </a:lnSpc>
+              <a:spcBef>
+                <a:spcPts val="1000"/>
+              </a:spcBef>
+              <a:buFont typeface="Arial" panose="020B0604020202020204" pitchFamily="34" charset="0"/>
+              <a:buChar char="•"/>
+              <a:defRPr sz="2800" kern="1200">
+                <a:solidFill>
+                  <a:schemeClr val="tx1"/>
+                </a:solidFill>
+                <a:latin typeface="+mn-lt"/>
+                <a:ea typeface="+mn-ea"/>
+                <a:cs typeface="+mn-cs"/>
+              </a:defRPr>
+            </a:lvl1pPr>
+            <a:lvl2pPr marL="685800" indent="-228600" algn="l" defTabSz="914400" rtl="0" eaLnBrk="1" latinLnBrk="0" hangingPunct="1">
+              <a:lnSpc>
+                <a:spcPct val="90000"/>
+              </a:lnSpc>
+              <a:spcBef>
+                <a:spcPts val="500"/>
+              </a:spcBef>
+              <a:buFont typeface="Arial" panose="020B0604020202020204" pitchFamily="34" charset="0"/>
+              <a:buChar char="•"/>
+              <a:defRPr sz="2400" kern="1200">
+                <a:solidFill>
+                  <a:schemeClr val="tx1"/>
+                </a:solidFill>
+                <a:latin typeface="+mn-lt"/>
+                <a:ea typeface="+mn-ea"/>
+                <a:cs typeface="+mn-cs"/>
+              </a:defRPr>
+            </a:lvl2pPr>
+            <a:lvl3pPr marL="1143000" indent="-228600" algn="l" defTabSz="914400" rtl="0" eaLnBrk="1" latinLnBrk="0" hangingPunct="1">
+              <a:lnSpc>
+                <a:spcPct val="90000"/>
+              </a:lnSpc>
+              <a:spcBef>
+                <a:spcPts val="500"/>
+              </a:spcBef>
+              <a:buFont typeface="Arial" panose="020B0604020202020204" pitchFamily="34" charset="0"/>
+              <a:buChar char="•"/>
+              <a:defRPr sz="2000" kern="1200">
+                <a:solidFill>
+                  <a:schemeClr val="tx1"/>
+                </a:solidFill>
+                <a:latin typeface="+mn-lt"/>
+                <a:ea typeface="+mn-ea"/>
+                <a:cs typeface="+mn-cs"/>
+              </a:defRPr>
+            </a:lvl3pPr>
+            <a:lvl4pPr marL="1600200" indent="-228600" algn="l" defTabSz="914400" rtl="0" eaLnBrk="1" latinLnBrk="0" hangingPunct="1">
+              <a:lnSpc>
+                <a:spcPct val="90000"/>
+              </a:lnSpc>
+              <a:spcBef>
+                <a:spcPts val="500"/>
+              </a:spcBef>
+              <a:buFont typeface="Arial" panose="020B0604020202020204" pitchFamily="34" charset="0"/>
+              <a:buChar char="•"/>
+              <a:defRPr sz="1800" kern="1200">
+                <a:solidFill>
+                  <a:schemeClr val="tx1"/>
+                </a:solidFill>
+                <a:latin typeface="+mn-lt"/>
+                <a:ea typeface="+mn-ea"/>
+                <a:cs typeface="+mn-cs"/>
+              </a:defRPr>
+            </a:lvl4pPr>
+            <a:lvl5pPr marL="2057400" indent="-228600" algn="l" defTabSz="914400" rtl="0" eaLnBrk="1" latinLnBrk="0" hangingPunct="1">
+              <a:lnSpc>
+                <a:spcPct val="90000"/>
+              </a:lnSpc>
+              <a:spcBef>
+                <a:spcPts val="500"/>
+              </a:spcBef>
+              <a:buFont typeface="Arial" panose="020B0604020202020204" pitchFamily="34" charset="0"/>
+              <a:buChar char="•"/>
+              <a:defRPr sz="1800" kern="1200">
+                <a:solidFill>
+                  <a:schemeClr val="tx1"/>
+                </a:solidFill>
+                <a:latin typeface="+mn-lt"/>
+                <a:ea typeface="+mn-ea"/>
+                <a:cs typeface="+mn-cs"/>
+              </a:defRPr>
+            </a:lvl5pPr>
+            <a:lvl6pPr marL="2514600" indent="-228600" algn="l" defTabSz="914400" rtl="0" eaLnBrk="1" latinLnBrk="0" hangingPunct="1">
+              <a:lnSpc>
+                <a:spcPct val="90000"/>
+              </a:lnSpc>
+              <a:spcBef>
+                <a:spcPts val="500"/>
+              </a:spcBef>
+              <a:buFont typeface="Arial" panose="020B0604020202020204" pitchFamily="34" charset="0"/>
+              <a:buChar char="•"/>
+              <a:defRPr sz="1800" kern="1200">
+                <a:solidFill>
+                  <a:schemeClr val="tx1"/>
+                </a:solidFill>
+                <a:latin typeface="+mn-lt"/>
+                <a:ea typeface="+mn-ea"/>
+                <a:cs typeface="+mn-cs"/>
+              </a:defRPr>
+            </a:lvl6pPr>
+            <a:lvl7pPr marL="2971800" indent="-228600" algn="l" defTabSz="914400" rtl="0" eaLnBrk="1" latinLnBrk="0" hangingPunct="1">
+              <a:lnSpc>
+                <a:spcPct val="90000"/>
+              </a:lnSpc>
+              <a:spcBef>
+                <a:spcPts val="500"/>
+              </a:spcBef>
+              <a:buFont typeface="Arial" panose="020B0604020202020204" pitchFamily="34" charset="0"/>
+              <a:buChar char="•"/>
+              <a:defRPr sz="1800" kern="1200">
+                <a:solidFill>
+                  <a:schemeClr val="tx1"/>
+                </a:solidFill>
+                <a:latin typeface="+mn-lt"/>
+                <a:ea typeface="+mn-ea"/>
+                <a:cs typeface="+mn-cs"/>
+              </a:defRPr>
+            </a:lvl7pPr>
+            <a:lvl8pPr marL="3429000" indent="-228600" algn="l" defTabSz="914400" rtl="0" eaLnBrk="1" latinLnBrk="0" hangingPunct="1">
+              <a:lnSpc>
+                <a:spcPct val="90000"/>
+              </a:lnSpc>
+              <a:spcBef>
+                <a:spcPts val="500"/>
+              </a:spcBef>
+              <a:buFont typeface="Arial" panose="020B0604020202020204" pitchFamily="34" charset="0"/>
+              <a:buChar char="•"/>
+              <a:defRPr sz="1800" kern="1200">
+                <a:solidFill>
+                  <a:schemeClr val="tx1"/>
+                </a:solidFill>
+                <a:latin typeface="+mn-lt"/>
+                <a:ea typeface="+mn-ea"/>
+                <a:cs typeface="+mn-cs"/>
+              </a:defRPr>
+            </a:lvl8pPr>
+            <a:lvl9pPr marL="3886200" indent="-228600" algn="l" defTabSz="914400" rtl="0" eaLnBrk="1" latinLnBrk="0" hangingPunct="1">
+              <a:lnSpc>
+                <a:spcPct val="90000"/>
+              </a:lnSpc>
+              <a:spcBef>
+                <a:spcPts val="500"/>
+              </a:spcBef>
+              <a:buFont typeface="Arial" panose="020B0604020202020204" pitchFamily="34" charset="0"/>
+              <a:buChar char="•"/>
+              <a:defRPr sz="1800" kern="1200">
+                <a:solidFill>
+                  <a:schemeClr val="tx1"/>
+                </a:solidFill>
+                <a:latin typeface="+mn-lt"/>
+                <a:ea typeface="+mn-ea"/>
+                <a:cs typeface="+mn-cs"/>
+              </a:defRPr>
+            </a:lvl9pPr>
+          </a:lstStyle>
+          <a:p>
+            <a:r>
+              <a:rPr lang="en-US" altLang="zh-CN" sz="2400" dirty="0"/>
+              <a:t>Finite Element Method, Part I [SIGGRAPH 2012 Course] [</a:t>
+            </a:r>
+            <a:r>
+              <a:rPr lang="en-US" altLang="zh-CN" sz="2400" dirty="0">
+                <a:hlinkClick r:id="rId3"/>
+              </a:rPr>
+              <a:t>Link</a:t>
+            </a:r>
+            <a:r>
+              <a:rPr lang="en-US" altLang="zh-CN" sz="2400" dirty="0"/>
+              <a:t>]</a:t>
+            </a:r>
+          </a:p>
+          <a:p>
+            <a:r>
+              <a:rPr lang="en-US" altLang="zh-CN" sz="2400" dirty="0"/>
+              <a:t>Dynamic Deformables: Implementation and Production Practicalities [SIGGRAH 2020 Course] [</a:t>
+            </a:r>
+            <a:r>
+              <a:rPr lang="en-US" altLang="zh-CN" sz="2400" dirty="0">
+                <a:hlinkClick r:id="rId4"/>
+              </a:rPr>
+              <a:t>Link</a:t>
+            </a:r>
+            <a:r>
+              <a:rPr lang="en-US" altLang="zh-CN" sz="2400" dirty="0"/>
+              <a:t>]</a:t>
+            </a:r>
+          </a:p>
+          <a:p>
+            <a:r>
+              <a:rPr lang="en-US" altLang="zh-CN" sz="2400" dirty="0" err="1"/>
+              <a:t>TaichiCourse</a:t>
+            </a:r>
+            <a:r>
+              <a:rPr lang="en-US" altLang="zh-CN" sz="2400" dirty="0"/>
+              <a:t> 01: Lecture 08 [</a:t>
+            </a:r>
+            <a:r>
+              <a:rPr lang="en-US" altLang="zh-CN" sz="2400" dirty="0">
+                <a:hlinkClick r:id="rId5"/>
+              </a:rPr>
+              <a:t>Link</a:t>
+            </a:r>
+            <a:r>
+              <a:rPr lang="en-US" altLang="zh-CN" sz="2400" dirty="0"/>
+              <a:t>]</a:t>
+            </a:r>
+          </a:p>
+          <a:p>
+            <a:r>
+              <a:rPr lang="en-US" altLang="zh-CN" sz="2400" dirty="0"/>
+              <a:t>GAMES Course 103 – Lecture 7: Other Constrained Methods and Linear Finite Element Method I [</a:t>
+            </a:r>
+            <a:r>
+              <a:rPr lang="en-US" altLang="zh-CN" sz="2400" dirty="0">
+                <a:hlinkClick r:id="rId6"/>
+              </a:rPr>
+              <a:t>Link</a:t>
+            </a:r>
+            <a:r>
+              <a:rPr lang="en-US" altLang="zh-CN" sz="2400" dirty="0"/>
+              <a:t>]</a:t>
+            </a:r>
+          </a:p>
+          <a:p>
+            <a:pPr lvl="1"/>
+            <a:endParaRPr lang="en-US" altLang="zh-CN" dirty="0"/>
+          </a:p>
+        </p:txBody>
+      </p:sp>
+    </p:spTree>
+    <p:extLst>
+      <p:ext uri="{BB962C8B-B14F-4D97-AF65-F5344CB8AC3E}">
+        <p14:creationId xmlns:p14="http://schemas.microsoft.com/office/powerpoint/2010/main" val="3187466745"/>
       </p:ext>
     </p:extLst>
   </p:cSld>
